--- a/Дипломная работа/Диплом/Презентация.pptx
+++ b/Дипломная работа/Диплом/Презентация.pptx
@@ -219,7 +219,7 @@
           <a:p>
             <a:fld id="{0752C715-6935-41AD-9984-2334D42D2383}" type="datetimeFigureOut">
               <a:rPr lang="ru-RU" smtClean="0"/>
-              <a:t>16.06.2025</a:t>
+              <a:t>17.06.2025</a:t>
             </a:fld>
             <a:endParaRPr lang="ru-RU"/>
           </a:p>
@@ -3599,7 +3599,7 @@
           <a:p>
             <a:fld id="{A592AB9E-B3E0-40A8-9D13-59617F3F8A64}" type="datetime1">
               <a:rPr lang="ru-RU" smtClean="0"/>
-              <a:t>16.06.2025</a:t>
+              <a:t>17.06.2025</a:t>
             </a:fld>
             <a:endParaRPr lang="ru-RU"/>
           </a:p>
@@ -3945,7 +3945,7 @@
           <a:p>
             <a:fld id="{5417B1CA-4C4F-4F8D-803D-8A6A8A906241}" type="datetime1">
               <a:rPr lang="ru-RU" smtClean="0"/>
-              <a:t>16.06.2025</a:t>
+              <a:t>17.06.2025</a:t>
             </a:fld>
             <a:endParaRPr lang="ru-RU"/>
           </a:p>
@@ -4223,7 +4223,7 @@
           <a:p>
             <a:fld id="{82CFFC90-8D51-4E14-AFBA-129AE5402BF2}" type="datetime1">
               <a:rPr lang="ru-RU" smtClean="0"/>
-              <a:t>16.06.2025</a:t>
+              <a:t>17.06.2025</a:t>
             </a:fld>
             <a:endParaRPr lang="ru-RU"/>
           </a:p>
@@ -4791,7 +4791,7 @@
           <a:p>
             <a:fld id="{EA467253-3793-4A20-98DF-36EA880F85F5}" type="datetime1">
               <a:rPr lang="ru-RU" smtClean="0"/>
-              <a:t>16.06.2025</a:t>
+              <a:t>17.06.2025</a:t>
             </a:fld>
             <a:endParaRPr lang="ru-RU"/>
           </a:p>
@@ -5069,7 +5069,7 @@
           <a:p>
             <a:fld id="{D83AF644-49BB-4732-B227-064E7E8E9B75}" type="datetime1">
               <a:rPr lang="ru-RU" smtClean="0"/>
-              <a:t>16.06.2025</a:t>
+              <a:t>17.06.2025</a:t>
             </a:fld>
             <a:endParaRPr lang="ru-RU"/>
           </a:p>
@@ -5631,7 +5631,7 @@
           <a:p>
             <a:fld id="{93741DF7-081A-43E1-AEC0-7A6A5EFC3E04}" type="datetime1">
               <a:rPr lang="ru-RU" smtClean="0"/>
-              <a:t>16.06.2025</a:t>
+              <a:t>17.06.2025</a:t>
             </a:fld>
             <a:endParaRPr lang="ru-RU"/>
           </a:p>
@@ -5958,7 +5958,7 @@
           <a:p>
             <a:fld id="{60804587-5AD3-4566-AED6-7C5642B16C64}" type="datetime1">
               <a:rPr lang="ru-RU" smtClean="0"/>
-              <a:t>16.06.2025</a:t>
+              <a:t>17.06.2025</a:t>
             </a:fld>
             <a:endParaRPr lang="ru-RU"/>
           </a:p>
@@ -6135,7 +6135,7 @@
           <a:p>
             <a:fld id="{AF148D8C-8A56-4364-A29B-FC848D70BD3E}" type="datetime1">
               <a:rPr lang="ru-RU" smtClean="0"/>
-              <a:t>16.06.2025</a:t>
+              <a:t>17.06.2025</a:t>
             </a:fld>
             <a:endParaRPr lang="ru-RU"/>
           </a:p>
@@ -6385,7 +6385,7 @@
           <a:p>
             <a:fld id="{1F560C62-4747-4C40-80B5-9506A6478873}" type="datetime1">
               <a:rPr lang="ru-RU" smtClean="0"/>
-              <a:t>16.06.2025</a:t>
+              <a:t>17.06.2025</a:t>
             </a:fld>
             <a:endParaRPr lang="ru-RU"/>
           </a:p>
@@ -6597,7 +6597,7 @@
           <a:p>
             <a:fld id="{655C5391-6D11-49BE-9D35-F1852430608C}" type="datetime1">
               <a:rPr lang="ru-RU" smtClean="0"/>
-              <a:t>16.06.2025</a:t>
+              <a:t>17.06.2025</a:t>
             </a:fld>
             <a:endParaRPr lang="ru-RU"/>
           </a:p>
@@ -6885,7 +6885,7 @@
           <a:p>
             <a:fld id="{D1B7E046-787A-42F0-988E-D94C46E094ED}" type="datetime1">
               <a:rPr lang="ru-RU" smtClean="0"/>
-              <a:t>16.06.2025</a:t>
+              <a:t>17.06.2025</a:t>
             </a:fld>
             <a:endParaRPr lang="ru-RU"/>
           </a:p>
@@ -7163,7 +7163,7 @@
           <a:p>
             <a:fld id="{1DEF2D25-E9E1-4E54-81F0-1D2FE8854B0E}" type="datetime1">
               <a:rPr lang="ru-RU" smtClean="0"/>
-              <a:t>16.06.2025</a:t>
+              <a:t>17.06.2025</a:t>
             </a:fld>
             <a:endParaRPr lang="ru-RU"/>
           </a:p>
@@ -7549,7 +7549,7 @@
           <a:p>
             <a:fld id="{2D559C09-903E-4473-BBE2-D44EED2E9BB9}" type="datetime1">
               <a:rPr lang="ru-RU" smtClean="0"/>
-              <a:t>16.06.2025</a:t>
+              <a:t>17.06.2025</a:t>
             </a:fld>
             <a:endParaRPr lang="ru-RU"/>
           </a:p>
@@ -7709,7 +7709,7 @@
           <a:p>
             <a:fld id="{5DEFB42A-193B-4E6D-9002-E4C3450AA4B1}" type="datetime1">
               <a:rPr lang="ru-RU" smtClean="0"/>
-              <a:t>16.06.2025</a:t>
+              <a:t>17.06.2025</a:t>
             </a:fld>
             <a:endParaRPr lang="ru-RU"/>
           </a:p>
@@ -7846,7 +7846,7 @@
           <a:p>
             <a:fld id="{B780A1C7-BCFA-4491-ABEA-F198E9E80238}" type="datetime1">
               <a:rPr lang="ru-RU" smtClean="0"/>
-              <a:t>16.06.2025</a:t>
+              <a:t>17.06.2025</a:t>
             </a:fld>
             <a:endParaRPr lang="ru-RU"/>
           </a:p>
@@ -8143,7 +8143,7 @@
           <a:p>
             <a:fld id="{6B7D87D1-A00E-4856-B035-ABE302A2367C}" type="datetime1">
               <a:rPr lang="ru-RU" smtClean="0"/>
-              <a:t>16.06.2025</a:t>
+              <a:t>17.06.2025</a:t>
             </a:fld>
             <a:endParaRPr lang="ru-RU"/>
           </a:p>
@@ -8479,7 +8479,7 @@
           <a:p>
             <a:fld id="{95982220-A412-481B-B026-9F63F21200E0}" type="datetime1">
               <a:rPr lang="ru-RU" smtClean="0"/>
-              <a:t>16.06.2025</a:t>
+              <a:t>17.06.2025</a:t>
             </a:fld>
             <a:endParaRPr lang="ru-RU"/>
           </a:p>
@@ -8705,7 +8705,7 @@
           <a:p>
             <a:fld id="{CBF3DBF7-CC75-4132-A774-E3960ACCECD6}" type="datetime1">
               <a:rPr lang="ru-RU" smtClean="0"/>
-              <a:t>16.06.2025</a:t>
+              <a:t>17.06.2025</a:t>
             </a:fld>
             <a:endParaRPr lang="ru-RU"/>
           </a:p>
@@ -18623,6 +18623,1039 @@
           </a:p>
         </p:txBody>
       </p:sp>
+      <p:sp>
+        <p:nvSpPr>
+          <p:cNvPr id="4" name="Прямоугольник 3">
+            <a:extLst>
+              <a:ext uri="{FF2B5EF4-FFF2-40B4-BE49-F238E27FC236}">
+                <a16:creationId xmlns:a16="http://schemas.microsoft.com/office/drawing/2014/main" id="{B9EC0439-AF55-4058-ABAD-FBF657F45448}"/>
+              </a:ext>
+            </a:extLst>
+          </p:cNvPr>
+          <p:cNvSpPr/>
+          <p:nvPr/>
+        </p:nvSpPr>
+        <p:spPr>
+          <a:xfrm>
+            <a:off x="0" y="694945"/>
+            <a:ext cx="12192000" cy="6156960"/>
+          </a:xfrm>
+          <a:prstGeom prst="rect">
+            <a:avLst/>
+          </a:prstGeom>
+          <a:ln>
+            <a:noFill/>
+          </a:ln>
+        </p:spPr>
+        <p:style>
+          <a:lnRef idx="2">
+            <a:schemeClr val="dk1"/>
+          </a:lnRef>
+          <a:fillRef idx="1">
+            <a:schemeClr val="lt1"/>
+          </a:fillRef>
+          <a:effectRef idx="0">
+            <a:schemeClr val="dk1"/>
+          </a:effectRef>
+          <a:fontRef idx="minor">
+            <a:schemeClr val="dk1"/>
+          </a:fontRef>
+        </p:style>
+        <p:txBody>
+          <a:bodyPr rtlCol="0" anchor="ctr"/>
+          <a:lstStyle/>
+          <a:p>
+            <a:pPr algn="ctr"/>
+            <a:endParaRPr lang="ru-RU" dirty="0"/>
+          </a:p>
+        </p:txBody>
+      </p:sp>
+      <p:sp>
+        <p:nvSpPr>
+          <p:cNvPr id="5" name="Овал 4">
+            <a:extLst>
+              <a:ext uri="{FF2B5EF4-FFF2-40B4-BE49-F238E27FC236}">
+                <a16:creationId xmlns:a16="http://schemas.microsoft.com/office/drawing/2014/main" id="{AA670750-6744-481E-A8D1-09B2AC89E896}"/>
+              </a:ext>
+            </a:extLst>
+          </p:cNvPr>
+          <p:cNvSpPr/>
+          <p:nvPr/>
+        </p:nvSpPr>
+        <p:spPr>
+          <a:xfrm>
+            <a:off x="5960556" y="794623"/>
+            <a:ext cx="388356" cy="393700"/>
+          </a:xfrm>
+          <a:prstGeom prst="ellipse">
+            <a:avLst/>
+          </a:prstGeom>
+          <a:solidFill>
+            <a:schemeClr val="bg1"/>
+          </a:solidFill>
+          <a:ln>
+            <a:solidFill>
+              <a:schemeClr val="bg1"/>
+            </a:solidFill>
+          </a:ln>
+        </p:spPr>
+        <p:style>
+          <a:lnRef idx="2">
+            <a:schemeClr val="accent1">
+              <a:shade val="50000"/>
+            </a:schemeClr>
+          </a:lnRef>
+          <a:fillRef idx="1">
+            <a:schemeClr val="accent1"/>
+          </a:fillRef>
+          <a:effectRef idx="0">
+            <a:schemeClr val="accent1"/>
+          </a:effectRef>
+          <a:fontRef idx="minor">
+            <a:schemeClr val="lt1"/>
+          </a:fontRef>
+        </p:style>
+        <p:txBody>
+          <a:bodyPr rtlCol="0" anchor="ctr"/>
+          <a:lstStyle/>
+          <a:p>
+            <a:pPr algn="ctr"/>
+            <a:endParaRPr lang="ru-RU" sz="1200"/>
+          </a:p>
+        </p:txBody>
+      </p:sp>
+      <p:sp>
+        <p:nvSpPr>
+          <p:cNvPr id="6" name="Овал 5">
+            <a:extLst>
+              <a:ext uri="{FF2B5EF4-FFF2-40B4-BE49-F238E27FC236}">
+                <a16:creationId xmlns:a16="http://schemas.microsoft.com/office/drawing/2014/main" id="{5F4E03A6-3E96-4B43-97A8-5936F8AA2A1D}"/>
+              </a:ext>
+            </a:extLst>
+          </p:cNvPr>
+          <p:cNvSpPr/>
+          <p:nvPr/>
+        </p:nvSpPr>
+        <p:spPr>
+          <a:xfrm>
+            <a:off x="5960556" y="6239691"/>
+            <a:ext cx="388356" cy="393700"/>
+          </a:xfrm>
+          <a:prstGeom prst="ellipse">
+            <a:avLst/>
+          </a:prstGeom>
+          <a:solidFill>
+            <a:schemeClr val="tx1"/>
+          </a:solidFill>
+          <a:ln>
+            <a:solidFill>
+              <a:schemeClr val="bg1"/>
+            </a:solidFill>
+          </a:ln>
+        </p:spPr>
+        <p:style>
+          <a:lnRef idx="2">
+            <a:schemeClr val="accent1">
+              <a:shade val="50000"/>
+            </a:schemeClr>
+          </a:lnRef>
+          <a:fillRef idx="1">
+            <a:schemeClr val="accent1"/>
+          </a:fillRef>
+          <a:effectRef idx="0">
+            <a:schemeClr val="accent1"/>
+          </a:effectRef>
+          <a:fontRef idx="minor">
+            <a:schemeClr val="lt1"/>
+          </a:fontRef>
+        </p:style>
+        <p:txBody>
+          <a:bodyPr rtlCol="0" anchor="ctr"/>
+          <a:lstStyle/>
+          <a:p>
+            <a:pPr algn="ctr"/>
+            <a:endParaRPr lang="ru-RU" sz="1200"/>
+          </a:p>
+        </p:txBody>
+      </p:sp>
+      <p:sp>
+        <p:nvSpPr>
+          <p:cNvPr id="7" name="Овал 6">
+            <a:extLst>
+              <a:ext uri="{FF2B5EF4-FFF2-40B4-BE49-F238E27FC236}">
+                <a16:creationId xmlns:a16="http://schemas.microsoft.com/office/drawing/2014/main" id="{D7BA7570-5A9D-4D6A-8B36-DC6ED6128363}"/>
+              </a:ext>
+            </a:extLst>
+          </p:cNvPr>
+          <p:cNvSpPr/>
+          <p:nvPr/>
+        </p:nvSpPr>
+        <p:spPr>
+          <a:xfrm>
+            <a:off x="6028277" y="6303735"/>
+            <a:ext cx="252913" cy="265612"/>
+          </a:xfrm>
+          <a:prstGeom prst="ellipse">
+            <a:avLst/>
+          </a:prstGeom>
+          <a:solidFill>
+            <a:schemeClr val="bg1"/>
+          </a:solidFill>
+          <a:ln>
+            <a:solidFill>
+              <a:schemeClr val="bg1"/>
+            </a:solidFill>
+          </a:ln>
+        </p:spPr>
+        <p:style>
+          <a:lnRef idx="2">
+            <a:schemeClr val="accent1">
+              <a:shade val="50000"/>
+            </a:schemeClr>
+          </a:lnRef>
+          <a:fillRef idx="1">
+            <a:schemeClr val="accent1"/>
+          </a:fillRef>
+          <a:effectRef idx="0">
+            <a:schemeClr val="accent1"/>
+          </a:effectRef>
+          <a:fontRef idx="minor">
+            <a:schemeClr val="lt1"/>
+          </a:fontRef>
+        </p:style>
+        <p:txBody>
+          <a:bodyPr rtlCol="0" anchor="ctr"/>
+          <a:lstStyle/>
+          <a:p>
+            <a:pPr algn="ctr"/>
+            <a:endParaRPr lang="ru-RU" sz="1200"/>
+          </a:p>
+        </p:txBody>
+      </p:sp>
+      <p:sp>
+        <p:nvSpPr>
+          <p:cNvPr id="3" name="Прямоугольник: скругленные углы 2">
+            <a:extLst>
+              <a:ext uri="{FF2B5EF4-FFF2-40B4-BE49-F238E27FC236}">
+                <a16:creationId xmlns:a16="http://schemas.microsoft.com/office/drawing/2014/main" id="{32A23DDB-8CE9-4BE8-B0E4-E4F9093071C8}"/>
+              </a:ext>
+            </a:extLst>
+          </p:cNvPr>
+          <p:cNvSpPr/>
+          <p:nvPr/>
+        </p:nvSpPr>
+        <p:spPr>
+          <a:xfrm>
+            <a:off x="5440111" y="1669280"/>
+            <a:ext cx="1429244" cy="483325"/>
+          </a:xfrm>
+          <a:prstGeom prst="roundRect">
+            <a:avLst/>
+          </a:prstGeom>
+        </p:spPr>
+        <p:style>
+          <a:lnRef idx="2">
+            <a:schemeClr val="dk1"/>
+          </a:lnRef>
+          <a:fillRef idx="1">
+            <a:schemeClr val="lt1"/>
+          </a:fillRef>
+          <a:effectRef idx="0">
+            <a:schemeClr val="dk1"/>
+          </a:effectRef>
+          <a:fontRef idx="minor">
+            <a:schemeClr val="dk1"/>
+          </a:fontRef>
+        </p:style>
+        <p:txBody>
+          <a:bodyPr rtlCol="0" anchor="ctr"/>
+          <a:lstStyle/>
+          <a:p>
+            <a:pPr algn="ctr"/>
+            <a:r>
+              <a:rPr lang="ru-RU" dirty="0"/>
+              <a:t>Зачислен</a:t>
+            </a:r>
+          </a:p>
+        </p:txBody>
+      </p:sp>
+      <p:sp>
+        <p:nvSpPr>
+          <p:cNvPr id="9" name="Прямоугольник: скругленные углы 8">
+            <a:extLst>
+              <a:ext uri="{FF2B5EF4-FFF2-40B4-BE49-F238E27FC236}">
+                <a16:creationId xmlns:a16="http://schemas.microsoft.com/office/drawing/2014/main" id="{2EEE85D5-2B98-4DF3-B5CF-0DE1DC9DB650}"/>
+              </a:ext>
+            </a:extLst>
+          </p:cNvPr>
+          <p:cNvSpPr/>
+          <p:nvPr/>
+        </p:nvSpPr>
+        <p:spPr>
+          <a:xfrm>
+            <a:off x="2998963" y="3641033"/>
+            <a:ext cx="1324841" cy="483325"/>
+          </a:xfrm>
+          <a:prstGeom prst="roundRect">
+            <a:avLst/>
+          </a:prstGeom>
+        </p:spPr>
+        <p:style>
+          <a:lnRef idx="2">
+            <a:schemeClr val="dk1"/>
+          </a:lnRef>
+          <a:fillRef idx="1">
+            <a:schemeClr val="lt1"/>
+          </a:fillRef>
+          <a:effectRef idx="0">
+            <a:schemeClr val="dk1"/>
+          </a:effectRef>
+          <a:fontRef idx="minor">
+            <a:schemeClr val="dk1"/>
+          </a:fontRef>
+        </p:style>
+        <p:txBody>
+          <a:bodyPr rtlCol="0" anchor="ctr"/>
+          <a:lstStyle/>
+          <a:p>
+            <a:pPr algn="ctr"/>
+            <a:r>
+              <a:rPr lang="ru-RU" dirty="0"/>
+              <a:t>Переведён</a:t>
+            </a:r>
+          </a:p>
+        </p:txBody>
+      </p:sp>
+      <p:sp>
+        <p:nvSpPr>
+          <p:cNvPr id="10" name="Прямоугольник: скругленные углы 9">
+            <a:extLst>
+              <a:ext uri="{FF2B5EF4-FFF2-40B4-BE49-F238E27FC236}">
+                <a16:creationId xmlns:a16="http://schemas.microsoft.com/office/drawing/2014/main" id="{FC4F044F-A126-4DAC-9A7F-F1D932313287}"/>
+              </a:ext>
+            </a:extLst>
+          </p:cNvPr>
+          <p:cNvSpPr/>
+          <p:nvPr/>
+        </p:nvSpPr>
+        <p:spPr>
+          <a:xfrm>
+            <a:off x="5501874" y="2591054"/>
+            <a:ext cx="1305716" cy="491348"/>
+          </a:xfrm>
+          <a:prstGeom prst="roundRect">
+            <a:avLst/>
+          </a:prstGeom>
+        </p:spPr>
+        <p:style>
+          <a:lnRef idx="2">
+            <a:schemeClr val="dk1"/>
+          </a:lnRef>
+          <a:fillRef idx="1">
+            <a:schemeClr val="lt1"/>
+          </a:fillRef>
+          <a:effectRef idx="0">
+            <a:schemeClr val="dk1"/>
+          </a:effectRef>
+          <a:fontRef idx="minor">
+            <a:schemeClr val="dk1"/>
+          </a:fontRef>
+        </p:style>
+        <p:txBody>
+          <a:bodyPr rtlCol="0" anchor="ctr"/>
+          <a:lstStyle/>
+          <a:p>
+            <a:pPr algn="ctr"/>
+            <a:r>
+              <a:rPr lang="ru-RU" dirty="0"/>
+              <a:t>Обучается</a:t>
+            </a:r>
+          </a:p>
+        </p:txBody>
+      </p:sp>
+      <p:sp>
+        <p:nvSpPr>
+          <p:cNvPr id="11" name="Прямоугольник: скругленные углы 10">
+            <a:extLst>
+              <a:ext uri="{FF2B5EF4-FFF2-40B4-BE49-F238E27FC236}">
+                <a16:creationId xmlns:a16="http://schemas.microsoft.com/office/drawing/2014/main" id="{02F4324E-5011-4BA5-891D-0CDF12D9FEFA}"/>
+              </a:ext>
+            </a:extLst>
+          </p:cNvPr>
+          <p:cNvSpPr/>
+          <p:nvPr/>
+        </p:nvSpPr>
+        <p:spPr>
+          <a:xfrm>
+            <a:off x="5440110" y="3874076"/>
+            <a:ext cx="1429244" cy="532420"/>
+          </a:xfrm>
+          <a:prstGeom prst="roundRect">
+            <a:avLst/>
+          </a:prstGeom>
+        </p:spPr>
+        <p:style>
+          <a:lnRef idx="2">
+            <a:schemeClr val="dk1"/>
+          </a:lnRef>
+          <a:fillRef idx="1">
+            <a:schemeClr val="lt1"/>
+          </a:fillRef>
+          <a:effectRef idx="0">
+            <a:schemeClr val="dk1"/>
+          </a:effectRef>
+          <a:fontRef idx="minor">
+            <a:schemeClr val="dk1"/>
+          </a:fontRef>
+        </p:style>
+        <p:txBody>
+          <a:bodyPr rtlCol="0" anchor="ctr"/>
+          <a:lstStyle/>
+          <a:p>
+            <a:pPr algn="ctr"/>
+            <a:r>
+              <a:rPr lang="ru-RU" dirty="0"/>
+              <a:t>Получил сертификат</a:t>
+            </a:r>
+          </a:p>
+        </p:txBody>
+      </p:sp>
+      <p:sp>
+        <p:nvSpPr>
+          <p:cNvPr id="12" name="Прямоугольник: скругленные углы 11">
+            <a:extLst>
+              <a:ext uri="{FF2B5EF4-FFF2-40B4-BE49-F238E27FC236}">
+                <a16:creationId xmlns:a16="http://schemas.microsoft.com/office/drawing/2014/main" id="{1672CB3D-4A80-4235-97C7-FC0644866578}"/>
+              </a:ext>
+            </a:extLst>
+          </p:cNvPr>
+          <p:cNvSpPr/>
+          <p:nvPr/>
+        </p:nvSpPr>
+        <p:spPr>
+          <a:xfrm>
+            <a:off x="5440110" y="5024828"/>
+            <a:ext cx="1429244" cy="483325"/>
+          </a:xfrm>
+          <a:prstGeom prst="roundRect">
+            <a:avLst/>
+          </a:prstGeom>
+        </p:spPr>
+        <p:style>
+          <a:lnRef idx="2">
+            <a:schemeClr val="dk1"/>
+          </a:lnRef>
+          <a:fillRef idx="1">
+            <a:schemeClr val="lt1"/>
+          </a:fillRef>
+          <a:effectRef idx="0">
+            <a:schemeClr val="dk1"/>
+          </a:effectRef>
+          <a:fontRef idx="minor">
+            <a:schemeClr val="dk1"/>
+          </a:fontRef>
+        </p:style>
+        <p:txBody>
+          <a:bodyPr rtlCol="0" anchor="ctr"/>
+          <a:lstStyle/>
+          <a:p>
+            <a:pPr algn="ctr"/>
+            <a:r>
+              <a:rPr lang="ru-RU" dirty="0"/>
+              <a:t>Отчислен</a:t>
+            </a:r>
+          </a:p>
+        </p:txBody>
+      </p:sp>
+      <p:cxnSp>
+        <p:nvCxnSpPr>
+          <p:cNvPr id="14" name="Прямая со стрелкой 13">
+            <a:extLst>
+              <a:ext uri="{FF2B5EF4-FFF2-40B4-BE49-F238E27FC236}">
+                <a16:creationId xmlns:a16="http://schemas.microsoft.com/office/drawing/2014/main" id="{478470E7-2A73-40BE-8FA0-059EC771E0B1}"/>
+              </a:ext>
+            </a:extLst>
+          </p:cNvPr>
+          <p:cNvCxnSpPr>
+            <a:stCxn id="5" idx="4"/>
+            <a:endCxn id="3" idx="0"/>
+          </p:cNvCxnSpPr>
+          <p:nvPr/>
+        </p:nvCxnSpPr>
+        <p:spPr>
+          <a:xfrm flipH="1">
+            <a:off x="6154733" y="1188323"/>
+            <a:ext cx="1" cy="480957"/>
+          </a:xfrm>
+          <a:prstGeom prst="straightConnector1">
+            <a:avLst/>
+          </a:prstGeom>
+          <a:ln>
+            <a:tailEnd type="triangle"/>
+          </a:ln>
+        </p:spPr>
+        <p:style>
+          <a:lnRef idx="1">
+            <a:schemeClr val="dk1"/>
+          </a:lnRef>
+          <a:fillRef idx="0">
+            <a:schemeClr val="dk1"/>
+          </a:fillRef>
+          <a:effectRef idx="0">
+            <a:schemeClr val="dk1"/>
+          </a:effectRef>
+          <a:fontRef idx="minor">
+            <a:schemeClr val="tx1"/>
+          </a:fontRef>
+        </p:style>
+      </p:cxnSp>
+      <p:cxnSp>
+        <p:nvCxnSpPr>
+          <p:cNvPr id="16" name="Прямая со стрелкой 15">
+            <a:extLst>
+              <a:ext uri="{FF2B5EF4-FFF2-40B4-BE49-F238E27FC236}">
+                <a16:creationId xmlns:a16="http://schemas.microsoft.com/office/drawing/2014/main" id="{465C3FA6-6C7D-4C09-B7B0-24903CF9EDAD}"/>
+              </a:ext>
+            </a:extLst>
+          </p:cNvPr>
+          <p:cNvCxnSpPr>
+            <a:stCxn id="3" idx="2"/>
+            <a:endCxn id="10" idx="0"/>
+          </p:cNvCxnSpPr>
+          <p:nvPr/>
+        </p:nvCxnSpPr>
+        <p:spPr>
+          <a:xfrm flipH="1">
+            <a:off x="6154732" y="2152605"/>
+            <a:ext cx="1" cy="438449"/>
+          </a:xfrm>
+          <a:prstGeom prst="straightConnector1">
+            <a:avLst/>
+          </a:prstGeom>
+          <a:ln>
+            <a:tailEnd type="triangle"/>
+          </a:ln>
+        </p:spPr>
+        <p:style>
+          <a:lnRef idx="1">
+            <a:schemeClr val="dk1"/>
+          </a:lnRef>
+          <a:fillRef idx="0">
+            <a:schemeClr val="dk1"/>
+          </a:fillRef>
+          <a:effectRef idx="0">
+            <a:schemeClr val="dk1"/>
+          </a:effectRef>
+          <a:fontRef idx="minor">
+            <a:schemeClr val="tx1"/>
+          </a:fontRef>
+        </p:style>
+      </p:cxnSp>
+      <p:cxnSp>
+        <p:nvCxnSpPr>
+          <p:cNvPr id="18" name="Прямая со стрелкой 17">
+            <a:extLst>
+              <a:ext uri="{FF2B5EF4-FFF2-40B4-BE49-F238E27FC236}">
+                <a16:creationId xmlns:a16="http://schemas.microsoft.com/office/drawing/2014/main" id="{B19DAE76-B8BE-418A-B13A-43FECB0C4EF3}"/>
+              </a:ext>
+            </a:extLst>
+          </p:cNvPr>
+          <p:cNvCxnSpPr>
+            <a:cxnSpLocks/>
+            <a:stCxn id="10" idx="2"/>
+            <a:endCxn id="11" idx="0"/>
+          </p:cNvCxnSpPr>
+          <p:nvPr/>
+        </p:nvCxnSpPr>
+        <p:spPr>
+          <a:xfrm>
+            <a:off x="6154732" y="3082402"/>
+            <a:ext cx="0" cy="791674"/>
+          </a:xfrm>
+          <a:prstGeom prst="straightConnector1">
+            <a:avLst/>
+          </a:prstGeom>
+          <a:ln>
+            <a:tailEnd type="triangle"/>
+          </a:ln>
+        </p:spPr>
+        <p:style>
+          <a:lnRef idx="1">
+            <a:schemeClr val="dk1"/>
+          </a:lnRef>
+          <a:fillRef idx="0">
+            <a:schemeClr val="dk1"/>
+          </a:fillRef>
+          <a:effectRef idx="0">
+            <a:schemeClr val="dk1"/>
+          </a:effectRef>
+          <a:fontRef idx="minor">
+            <a:schemeClr val="tx1"/>
+          </a:fontRef>
+        </p:style>
+      </p:cxnSp>
+      <p:cxnSp>
+        <p:nvCxnSpPr>
+          <p:cNvPr id="20" name="Прямая со стрелкой 19">
+            <a:extLst>
+              <a:ext uri="{FF2B5EF4-FFF2-40B4-BE49-F238E27FC236}">
+                <a16:creationId xmlns:a16="http://schemas.microsoft.com/office/drawing/2014/main" id="{87D38984-1260-4722-961F-4888A466B476}"/>
+              </a:ext>
+            </a:extLst>
+          </p:cNvPr>
+          <p:cNvCxnSpPr>
+            <a:cxnSpLocks/>
+            <a:stCxn id="11" idx="2"/>
+            <a:endCxn id="12" idx="0"/>
+          </p:cNvCxnSpPr>
+          <p:nvPr/>
+        </p:nvCxnSpPr>
+        <p:spPr>
+          <a:xfrm>
+            <a:off x="6154732" y="4406496"/>
+            <a:ext cx="0" cy="618332"/>
+          </a:xfrm>
+          <a:prstGeom prst="straightConnector1">
+            <a:avLst/>
+          </a:prstGeom>
+          <a:ln>
+            <a:tailEnd type="triangle"/>
+          </a:ln>
+        </p:spPr>
+        <p:style>
+          <a:lnRef idx="1">
+            <a:schemeClr val="dk1"/>
+          </a:lnRef>
+          <a:fillRef idx="0">
+            <a:schemeClr val="dk1"/>
+          </a:fillRef>
+          <a:effectRef idx="0">
+            <a:schemeClr val="dk1"/>
+          </a:effectRef>
+          <a:fontRef idx="minor">
+            <a:schemeClr val="tx1"/>
+          </a:fontRef>
+        </p:style>
+      </p:cxnSp>
+      <p:cxnSp>
+        <p:nvCxnSpPr>
+          <p:cNvPr id="22" name="Прямая со стрелкой 21">
+            <a:extLst>
+              <a:ext uri="{FF2B5EF4-FFF2-40B4-BE49-F238E27FC236}">
+                <a16:creationId xmlns:a16="http://schemas.microsoft.com/office/drawing/2014/main" id="{51493D6A-E09F-48DC-9FE0-ECDD88F15310}"/>
+              </a:ext>
+            </a:extLst>
+          </p:cNvPr>
+          <p:cNvCxnSpPr>
+            <a:stCxn id="12" idx="2"/>
+            <a:endCxn id="6" idx="0"/>
+          </p:cNvCxnSpPr>
+          <p:nvPr/>
+        </p:nvCxnSpPr>
+        <p:spPr>
+          <a:xfrm>
+            <a:off x="6154732" y="5508153"/>
+            <a:ext cx="2" cy="731538"/>
+          </a:xfrm>
+          <a:prstGeom prst="straightConnector1">
+            <a:avLst/>
+          </a:prstGeom>
+          <a:ln>
+            <a:tailEnd type="triangle"/>
+          </a:ln>
+        </p:spPr>
+        <p:style>
+          <a:lnRef idx="1">
+            <a:schemeClr val="dk1"/>
+          </a:lnRef>
+          <a:fillRef idx="0">
+            <a:schemeClr val="dk1"/>
+          </a:fillRef>
+          <a:effectRef idx="0">
+            <a:schemeClr val="dk1"/>
+          </a:effectRef>
+          <a:fontRef idx="minor">
+            <a:schemeClr val="tx1"/>
+          </a:fontRef>
+        </p:style>
+      </p:cxnSp>
+      <p:cxnSp>
+        <p:nvCxnSpPr>
+          <p:cNvPr id="30" name="Соединитель: изогнутый 29">
+            <a:extLst>
+              <a:ext uri="{FF2B5EF4-FFF2-40B4-BE49-F238E27FC236}">
+                <a16:creationId xmlns:a16="http://schemas.microsoft.com/office/drawing/2014/main" id="{82062354-74DF-47C2-A10E-42C738E11FAA}"/>
+              </a:ext>
+            </a:extLst>
+          </p:cNvPr>
+          <p:cNvCxnSpPr>
+            <a:stCxn id="10" idx="1"/>
+            <a:endCxn id="9" idx="3"/>
+          </p:cNvCxnSpPr>
+          <p:nvPr/>
+        </p:nvCxnSpPr>
+        <p:spPr>
+          <a:xfrm rot="10800000" flipV="1">
+            <a:off x="4323804" y="2836728"/>
+            <a:ext cx="1178070" cy="1045968"/>
+          </a:xfrm>
+          <a:prstGeom prst="curvedConnector3">
+            <a:avLst>
+              <a:gd name="adj1" fmla="val 5093"/>
+            </a:avLst>
+          </a:prstGeom>
+          <a:ln>
+            <a:tailEnd type="triangle"/>
+          </a:ln>
+        </p:spPr>
+        <p:style>
+          <a:lnRef idx="1">
+            <a:schemeClr val="dk1"/>
+          </a:lnRef>
+          <a:fillRef idx="0">
+            <a:schemeClr val="dk1"/>
+          </a:fillRef>
+          <a:effectRef idx="0">
+            <a:schemeClr val="dk1"/>
+          </a:effectRef>
+          <a:fontRef idx="minor">
+            <a:schemeClr val="tx1"/>
+          </a:fontRef>
+        </p:style>
+      </p:cxnSp>
+      <p:cxnSp>
+        <p:nvCxnSpPr>
+          <p:cNvPr id="33" name="Соединитель: изогнутый 32">
+            <a:extLst>
+              <a:ext uri="{FF2B5EF4-FFF2-40B4-BE49-F238E27FC236}">
+                <a16:creationId xmlns:a16="http://schemas.microsoft.com/office/drawing/2014/main" id="{113D8729-B522-4D02-8354-BB431137B496}"/>
+              </a:ext>
+            </a:extLst>
+          </p:cNvPr>
+          <p:cNvCxnSpPr>
+            <a:endCxn id="10" idx="1"/>
+          </p:cNvCxnSpPr>
+          <p:nvPr/>
+        </p:nvCxnSpPr>
+        <p:spPr>
+          <a:xfrm flipV="1">
+            <a:off x="3661383" y="2836728"/>
+            <a:ext cx="1840491" cy="804305"/>
+          </a:xfrm>
+          <a:prstGeom prst="curvedConnector3">
+            <a:avLst>
+              <a:gd name="adj1" fmla="val 5641"/>
+            </a:avLst>
+          </a:prstGeom>
+          <a:ln>
+            <a:tailEnd type="triangle"/>
+          </a:ln>
+        </p:spPr>
+        <p:style>
+          <a:lnRef idx="1">
+            <a:schemeClr val="dk1"/>
+          </a:lnRef>
+          <a:fillRef idx="0">
+            <a:schemeClr val="dk1"/>
+          </a:fillRef>
+          <a:effectRef idx="0">
+            <a:schemeClr val="dk1"/>
+          </a:effectRef>
+          <a:fontRef idx="minor">
+            <a:schemeClr val="tx1"/>
+          </a:fontRef>
+        </p:style>
+      </p:cxnSp>
+      <p:sp>
+        <p:nvSpPr>
+          <p:cNvPr id="36" name="TextBox 35">
+            <a:extLst>
+              <a:ext uri="{FF2B5EF4-FFF2-40B4-BE49-F238E27FC236}">
+                <a16:creationId xmlns:a16="http://schemas.microsoft.com/office/drawing/2014/main" id="{FCE33042-721E-47E4-A5CC-08533D94E8FF}"/>
+              </a:ext>
+            </a:extLst>
+          </p:cNvPr>
+          <p:cNvSpPr txBox="1"/>
+          <p:nvPr/>
+        </p:nvSpPr>
+        <p:spPr>
+          <a:xfrm>
+            <a:off x="6114257" y="1183031"/>
+            <a:ext cx="1812640" cy="461665"/>
+          </a:xfrm>
+          <a:prstGeom prst="rect">
+            <a:avLst/>
+          </a:prstGeom>
+          <a:noFill/>
+        </p:spPr>
+        <p:txBody>
+          <a:bodyPr wrap="square" rtlCol="0">
+            <a:spAutoFit/>
+          </a:bodyPr>
+          <a:lstStyle/>
+          <a:p>
+            <a:r>
+              <a:rPr lang="ru-RU" sz="1200" dirty="0">
+                <a:solidFill>
+                  <a:schemeClr val="bg1"/>
+                </a:solidFill>
+                <a:latin typeface="Times New Roman" panose="02020603050405020304" pitchFamily="18" charset="0"/>
+                <a:cs typeface="Times New Roman" panose="02020603050405020304" pitchFamily="18" charset="0"/>
+              </a:rPr>
+              <a:t>Администратор создал приказ о зачислении</a:t>
+            </a:r>
+          </a:p>
+        </p:txBody>
+      </p:sp>
+      <p:sp>
+        <p:nvSpPr>
+          <p:cNvPr id="37" name="TextBox 36">
+            <a:extLst>
+              <a:ext uri="{FF2B5EF4-FFF2-40B4-BE49-F238E27FC236}">
+                <a16:creationId xmlns:a16="http://schemas.microsoft.com/office/drawing/2014/main" id="{54D19B5A-86B7-44CA-9644-E738AFF0A62D}"/>
+              </a:ext>
+            </a:extLst>
+          </p:cNvPr>
+          <p:cNvSpPr txBox="1"/>
+          <p:nvPr/>
+        </p:nvSpPr>
+        <p:spPr>
+          <a:xfrm>
+            <a:off x="6113894" y="2142020"/>
+            <a:ext cx="1305709" cy="461665"/>
+          </a:xfrm>
+          <a:prstGeom prst="rect">
+            <a:avLst/>
+          </a:prstGeom>
+          <a:noFill/>
+        </p:spPr>
+        <p:txBody>
+          <a:bodyPr wrap="square" rtlCol="0">
+            <a:spAutoFit/>
+          </a:bodyPr>
+          <a:lstStyle/>
+          <a:p>
+            <a:r>
+              <a:rPr lang="ru-RU" sz="1200" dirty="0">
+                <a:solidFill>
+                  <a:schemeClr val="bg1"/>
+                </a:solidFill>
+                <a:latin typeface="Times New Roman" panose="02020603050405020304" pitchFamily="18" charset="0"/>
+                <a:cs typeface="Times New Roman" panose="02020603050405020304" pitchFamily="18" charset="0"/>
+              </a:rPr>
+              <a:t>Обучающийся начал обучение</a:t>
+            </a:r>
+          </a:p>
+        </p:txBody>
+      </p:sp>
+      <p:sp>
+        <p:nvSpPr>
+          <p:cNvPr id="38" name="TextBox 37">
+            <a:extLst>
+              <a:ext uri="{FF2B5EF4-FFF2-40B4-BE49-F238E27FC236}">
+                <a16:creationId xmlns:a16="http://schemas.microsoft.com/office/drawing/2014/main" id="{E2360F69-8F31-4379-84A9-9EFF248EDE8D}"/>
+              </a:ext>
+            </a:extLst>
+          </p:cNvPr>
+          <p:cNvSpPr txBox="1"/>
+          <p:nvPr/>
+        </p:nvSpPr>
+        <p:spPr>
+          <a:xfrm>
+            <a:off x="6129362" y="3238759"/>
+            <a:ext cx="1708346" cy="461665"/>
+          </a:xfrm>
+          <a:prstGeom prst="rect">
+            <a:avLst/>
+          </a:prstGeom>
+          <a:noFill/>
+        </p:spPr>
+        <p:txBody>
+          <a:bodyPr wrap="square" rtlCol="0">
+            <a:spAutoFit/>
+          </a:bodyPr>
+          <a:lstStyle/>
+          <a:p>
+            <a:r>
+              <a:rPr lang="ru-RU" sz="1200" dirty="0">
+                <a:solidFill>
+                  <a:schemeClr val="bg1"/>
+                </a:solidFill>
+                <a:latin typeface="Times New Roman" panose="02020603050405020304" pitchFamily="18" charset="0"/>
+                <a:cs typeface="Times New Roman" panose="02020603050405020304" pitchFamily="18" charset="0"/>
+              </a:rPr>
+              <a:t>Обучающийся прошёл итоговый контроль</a:t>
+            </a:r>
+          </a:p>
+        </p:txBody>
+      </p:sp>
+      <p:sp>
+        <p:nvSpPr>
+          <p:cNvPr id="39" name="TextBox 38">
+            <a:extLst>
+              <a:ext uri="{FF2B5EF4-FFF2-40B4-BE49-F238E27FC236}">
+                <a16:creationId xmlns:a16="http://schemas.microsoft.com/office/drawing/2014/main" id="{182A883C-29A2-43D8-8FF0-0C403FAE14E9}"/>
+              </a:ext>
+            </a:extLst>
+          </p:cNvPr>
+          <p:cNvSpPr txBox="1"/>
+          <p:nvPr/>
+        </p:nvSpPr>
+        <p:spPr>
+          <a:xfrm>
+            <a:off x="3727686" y="3091338"/>
+            <a:ext cx="1748818" cy="461665"/>
+          </a:xfrm>
+          <a:prstGeom prst="rect">
+            <a:avLst/>
+          </a:prstGeom>
+          <a:noFill/>
+        </p:spPr>
+        <p:txBody>
+          <a:bodyPr wrap="square" rtlCol="0">
+            <a:spAutoFit/>
+          </a:bodyPr>
+          <a:lstStyle/>
+          <a:p>
+            <a:r>
+              <a:rPr lang="ru-RU" sz="1200" dirty="0">
+                <a:solidFill>
+                  <a:schemeClr val="bg1"/>
+                </a:solidFill>
+                <a:latin typeface="Times New Roman" panose="02020603050405020304" pitchFamily="18" charset="0"/>
+                <a:cs typeface="Times New Roman" panose="02020603050405020304" pitchFamily="18" charset="0"/>
+              </a:rPr>
+              <a:t>Администратор создал приказ переводе</a:t>
+            </a:r>
+          </a:p>
+        </p:txBody>
+      </p:sp>
+      <p:sp>
+        <p:nvSpPr>
+          <p:cNvPr id="43" name="TextBox 42">
+            <a:extLst>
+              <a:ext uri="{FF2B5EF4-FFF2-40B4-BE49-F238E27FC236}">
+                <a16:creationId xmlns:a16="http://schemas.microsoft.com/office/drawing/2014/main" id="{5FB10996-E31B-441C-855D-3085D269F7D6}"/>
+              </a:ext>
+            </a:extLst>
+          </p:cNvPr>
+          <p:cNvSpPr txBox="1"/>
+          <p:nvPr/>
+        </p:nvSpPr>
+        <p:spPr>
+          <a:xfrm>
+            <a:off x="6095999" y="4470540"/>
+            <a:ext cx="1741709" cy="461665"/>
+          </a:xfrm>
+          <a:prstGeom prst="rect">
+            <a:avLst/>
+          </a:prstGeom>
+          <a:noFill/>
+        </p:spPr>
+        <p:txBody>
+          <a:bodyPr wrap="square" rtlCol="0">
+            <a:spAutoFit/>
+          </a:bodyPr>
+          <a:lstStyle/>
+          <a:p>
+            <a:r>
+              <a:rPr lang="ru-RU" sz="1200" dirty="0">
+                <a:solidFill>
+                  <a:schemeClr val="bg1"/>
+                </a:solidFill>
+                <a:latin typeface="Times New Roman" panose="02020603050405020304" pitchFamily="18" charset="0"/>
+                <a:cs typeface="Times New Roman" panose="02020603050405020304" pitchFamily="18" charset="0"/>
+              </a:rPr>
+              <a:t>Администратор создал приказ об отчислении</a:t>
+            </a:r>
+          </a:p>
+        </p:txBody>
+      </p:sp>
+      <p:cxnSp>
+        <p:nvCxnSpPr>
+          <p:cNvPr id="45" name="Соединитель: уступ 44">
+            <a:extLst>
+              <a:ext uri="{FF2B5EF4-FFF2-40B4-BE49-F238E27FC236}">
+                <a16:creationId xmlns:a16="http://schemas.microsoft.com/office/drawing/2014/main" id="{3FA19E8F-BEA0-4326-AC42-2DD3102C44A0}"/>
+              </a:ext>
+            </a:extLst>
+          </p:cNvPr>
+          <p:cNvCxnSpPr>
+            <a:stCxn id="10" idx="3"/>
+            <a:endCxn id="12" idx="3"/>
+          </p:cNvCxnSpPr>
+          <p:nvPr/>
+        </p:nvCxnSpPr>
+        <p:spPr>
+          <a:xfrm>
+            <a:off x="6807590" y="2836728"/>
+            <a:ext cx="61764" cy="2429763"/>
+          </a:xfrm>
+          <a:prstGeom prst="bentConnector3">
+            <a:avLst>
+              <a:gd name="adj1" fmla="val 4351077"/>
+            </a:avLst>
+          </a:prstGeom>
+          <a:ln>
+            <a:tailEnd type="triangle"/>
+          </a:ln>
+        </p:spPr>
+        <p:style>
+          <a:lnRef idx="1">
+            <a:schemeClr val="dk1"/>
+          </a:lnRef>
+          <a:fillRef idx="0">
+            <a:schemeClr val="dk1"/>
+          </a:fillRef>
+          <a:effectRef idx="0">
+            <a:schemeClr val="dk1"/>
+          </a:effectRef>
+          <a:fontRef idx="minor">
+            <a:schemeClr val="tx1"/>
+          </a:fontRef>
+        </p:style>
+      </p:cxnSp>
+      <p:sp>
+        <p:nvSpPr>
+          <p:cNvPr id="47" name="TextBox 46">
+            <a:extLst>
+              <a:ext uri="{FF2B5EF4-FFF2-40B4-BE49-F238E27FC236}">
+                <a16:creationId xmlns:a16="http://schemas.microsoft.com/office/drawing/2014/main" id="{A84FB0FA-69AD-4704-8376-515CEE828379}"/>
+              </a:ext>
+            </a:extLst>
+          </p:cNvPr>
+          <p:cNvSpPr txBox="1"/>
+          <p:nvPr/>
+        </p:nvSpPr>
+        <p:spPr>
+          <a:xfrm>
+            <a:off x="9508287" y="3662693"/>
+            <a:ext cx="1840491" cy="461665"/>
+          </a:xfrm>
+          <a:prstGeom prst="rect">
+            <a:avLst/>
+          </a:prstGeom>
+          <a:noFill/>
+        </p:spPr>
+        <p:txBody>
+          <a:bodyPr wrap="square" rtlCol="0">
+            <a:spAutoFit/>
+          </a:bodyPr>
+          <a:lstStyle/>
+          <a:p>
+            <a:r>
+              <a:rPr lang="ru-RU" sz="1200" dirty="0">
+                <a:solidFill>
+                  <a:schemeClr val="bg1"/>
+                </a:solidFill>
+                <a:latin typeface="Times New Roman" panose="02020603050405020304" pitchFamily="18" charset="0"/>
+                <a:cs typeface="Times New Roman" panose="02020603050405020304" pitchFamily="18" charset="0"/>
+              </a:rPr>
+              <a:t>Обучающийся не прошёл итоговый контроль</a:t>
+            </a:r>
+          </a:p>
+        </p:txBody>
+      </p:sp>
     </p:spTree>
     <p:extLst>
       <p:ext uri="{BB962C8B-B14F-4D97-AF65-F5344CB8AC3E}">
@@ -18645,6 +19678,314 @@
       </p:transition>
     </mc:Fallback>
   </mc:AlternateContent>
+  <p:timing>
+    <p:tnLst>
+      <p:par>
+        <p:cTn id="1" dur="indefinite" restart="never" nodeType="tmRoot">
+          <p:childTnLst>
+            <p:seq concurrent="1" nextAc="seek">
+              <p:cTn id="2" dur="indefinite" nodeType="mainSeq">
+                <p:childTnLst>
+                  <p:par>
+                    <p:cTn id="3" fill="hold">
+                      <p:stCondLst>
+                        <p:cond delay="indefinite"/>
+                      </p:stCondLst>
+                      <p:childTnLst>
+                        <p:par>
+                          <p:cTn id="4" fill="hold">
+                            <p:stCondLst>
+                              <p:cond delay="0"/>
+                            </p:stCondLst>
+                            <p:childTnLst>
+                              <p:par>
+                                <p:cTn id="5" presetID="2" presetClass="entr" presetSubtype="4" fill="hold" grpId="0" nodeType="clickEffect">
+                                  <p:stCondLst>
+                                    <p:cond delay="0"/>
+                                  </p:stCondLst>
+                                  <p:childTnLst>
+                                    <p:set>
+                                      <p:cBhvr>
+                                        <p:cTn id="6" dur="1" fill="hold">
+                                          <p:stCondLst>
+                                            <p:cond delay="0"/>
+                                          </p:stCondLst>
+                                        </p:cTn>
+                                        <p:tgtEl>
+                                          <p:spTgt spid="5"/>
+                                        </p:tgtEl>
+                                        <p:attrNameLst>
+                                          <p:attrName>style.visibility</p:attrName>
+                                        </p:attrNameLst>
+                                      </p:cBhvr>
+                                      <p:to>
+                                        <p:strVal val="visible"/>
+                                      </p:to>
+                                    </p:set>
+                                    <p:anim calcmode="lin" valueType="num">
+                                      <p:cBhvr additive="base">
+                                        <p:cTn id="7" dur="500" fill="hold"/>
+                                        <p:tgtEl>
+                                          <p:spTgt spid="5"/>
+                                        </p:tgtEl>
+                                        <p:attrNameLst>
+                                          <p:attrName>ppt_x</p:attrName>
+                                        </p:attrNameLst>
+                                      </p:cBhvr>
+                                      <p:tavLst>
+                                        <p:tav tm="0">
+                                          <p:val>
+                                            <p:strVal val="#ppt_x"/>
+                                          </p:val>
+                                        </p:tav>
+                                        <p:tav tm="100000">
+                                          <p:val>
+                                            <p:strVal val="#ppt_x"/>
+                                          </p:val>
+                                        </p:tav>
+                                      </p:tavLst>
+                                    </p:anim>
+                                    <p:anim calcmode="lin" valueType="num">
+                                      <p:cBhvr additive="base">
+                                        <p:cTn id="8" dur="500" fill="hold"/>
+                                        <p:tgtEl>
+                                          <p:spTgt spid="5"/>
+                                        </p:tgtEl>
+                                        <p:attrNameLst>
+                                          <p:attrName>ppt_y</p:attrName>
+                                        </p:attrNameLst>
+                                      </p:cBhvr>
+                                      <p:tavLst>
+                                        <p:tav tm="0">
+                                          <p:val>
+                                            <p:strVal val="1+#ppt_h/2"/>
+                                          </p:val>
+                                        </p:tav>
+                                        <p:tav tm="100000">
+                                          <p:val>
+                                            <p:strVal val="#ppt_y"/>
+                                          </p:val>
+                                        </p:tav>
+                                      </p:tavLst>
+                                    </p:anim>
+                                  </p:childTnLst>
+                                </p:cTn>
+                              </p:par>
+                            </p:childTnLst>
+                          </p:cTn>
+                        </p:par>
+                      </p:childTnLst>
+                    </p:cTn>
+                  </p:par>
+                  <p:par>
+                    <p:cTn id="9" fill="hold">
+                      <p:stCondLst>
+                        <p:cond delay="indefinite"/>
+                      </p:stCondLst>
+                      <p:childTnLst>
+                        <p:par>
+                          <p:cTn id="10" fill="hold">
+                            <p:stCondLst>
+                              <p:cond delay="0"/>
+                            </p:stCondLst>
+                            <p:childTnLst>
+                              <p:par>
+                                <p:cTn id="11" presetID="2" presetClass="entr" presetSubtype="4" fill="hold" grpId="0" nodeType="clickEffect">
+                                  <p:stCondLst>
+                                    <p:cond delay="0"/>
+                                  </p:stCondLst>
+                                  <p:childTnLst>
+                                    <p:set>
+                                      <p:cBhvr>
+                                        <p:cTn id="12" dur="1" fill="hold">
+                                          <p:stCondLst>
+                                            <p:cond delay="0"/>
+                                          </p:stCondLst>
+                                        </p:cTn>
+                                        <p:tgtEl>
+                                          <p:spTgt spid="6"/>
+                                        </p:tgtEl>
+                                        <p:attrNameLst>
+                                          <p:attrName>style.visibility</p:attrName>
+                                        </p:attrNameLst>
+                                      </p:cBhvr>
+                                      <p:to>
+                                        <p:strVal val="visible"/>
+                                      </p:to>
+                                    </p:set>
+                                    <p:anim calcmode="lin" valueType="num">
+                                      <p:cBhvr additive="base">
+                                        <p:cTn id="13" dur="500" fill="hold"/>
+                                        <p:tgtEl>
+                                          <p:spTgt spid="6"/>
+                                        </p:tgtEl>
+                                        <p:attrNameLst>
+                                          <p:attrName>ppt_x</p:attrName>
+                                        </p:attrNameLst>
+                                      </p:cBhvr>
+                                      <p:tavLst>
+                                        <p:tav tm="0">
+                                          <p:val>
+                                            <p:strVal val="#ppt_x"/>
+                                          </p:val>
+                                        </p:tav>
+                                        <p:tav tm="100000">
+                                          <p:val>
+                                            <p:strVal val="#ppt_x"/>
+                                          </p:val>
+                                        </p:tav>
+                                      </p:tavLst>
+                                    </p:anim>
+                                    <p:anim calcmode="lin" valueType="num">
+                                      <p:cBhvr additive="base">
+                                        <p:cTn id="14" dur="500" fill="hold"/>
+                                        <p:tgtEl>
+                                          <p:spTgt spid="6"/>
+                                        </p:tgtEl>
+                                        <p:attrNameLst>
+                                          <p:attrName>ppt_y</p:attrName>
+                                        </p:attrNameLst>
+                                      </p:cBhvr>
+                                      <p:tavLst>
+                                        <p:tav tm="0">
+                                          <p:val>
+                                            <p:strVal val="1+#ppt_h/2"/>
+                                          </p:val>
+                                        </p:tav>
+                                        <p:tav tm="100000">
+                                          <p:val>
+                                            <p:strVal val="#ppt_y"/>
+                                          </p:val>
+                                        </p:tav>
+                                      </p:tavLst>
+                                    </p:anim>
+                                  </p:childTnLst>
+                                </p:cTn>
+                              </p:par>
+                            </p:childTnLst>
+                          </p:cTn>
+                        </p:par>
+                      </p:childTnLst>
+                    </p:cTn>
+                  </p:par>
+                  <p:par>
+                    <p:cTn id="15" fill="hold">
+                      <p:stCondLst>
+                        <p:cond delay="indefinite"/>
+                      </p:stCondLst>
+                      <p:childTnLst>
+                        <p:par>
+                          <p:cTn id="16" fill="hold">
+                            <p:stCondLst>
+                              <p:cond delay="0"/>
+                            </p:stCondLst>
+                            <p:childTnLst>
+                              <p:par>
+                                <p:cTn id="17" presetID="2" presetClass="entr" presetSubtype="4" fill="hold" grpId="0" nodeType="clickEffect">
+                                  <p:stCondLst>
+                                    <p:cond delay="0"/>
+                                  </p:stCondLst>
+                                  <p:childTnLst>
+                                    <p:set>
+                                      <p:cBhvr>
+                                        <p:cTn id="18" dur="1" fill="hold">
+                                          <p:stCondLst>
+                                            <p:cond delay="0"/>
+                                          </p:stCondLst>
+                                        </p:cTn>
+                                        <p:tgtEl>
+                                          <p:spTgt spid="7"/>
+                                        </p:tgtEl>
+                                        <p:attrNameLst>
+                                          <p:attrName>style.visibility</p:attrName>
+                                        </p:attrNameLst>
+                                      </p:cBhvr>
+                                      <p:to>
+                                        <p:strVal val="visible"/>
+                                      </p:to>
+                                    </p:set>
+                                    <p:anim calcmode="lin" valueType="num">
+                                      <p:cBhvr additive="base">
+                                        <p:cTn id="19" dur="500" fill="hold"/>
+                                        <p:tgtEl>
+                                          <p:spTgt spid="7"/>
+                                        </p:tgtEl>
+                                        <p:attrNameLst>
+                                          <p:attrName>ppt_x</p:attrName>
+                                        </p:attrNameLst>
+                                      </p:cBhvr>
+                                      <p:tavLst>
+                                        <p:tav tm="0">
+                                          <p:val>
+                                            <p:strVal val="#ppt_x"/>
+                                          </p:val>
+                                        </p:tav>
+                                        <p:tav tm="100000">
+                                          <p:val>
+                                            <p:strVal val="#ppt_x"/>
+                                          </p:val>
+                                        </p:tav>
+                                      </p:tavLst>
+                                    </p:anim>
+                                    <p:anim calcmode="lin" valueType="num">
+                                      <p:cBhvr additive="base">
+                                        <p:cTn id="20" dur="500" fill="hold"/>
+                                        <p:tgtEl>
+                                          <p:spTgt spid="7"/>
+                                        </p:tgtEl>
+                                        <p:attrNameLst>
+                                          <p:attrName>ppt_y</p:attrName>
+                                        </p:attrNameLst>
+                                      </p:cBhvr>
+                                      <p:tavLst>
+                                        <p:tav tm="0">
+                                          <p:val>
+                                            <p:strVal val="1+#ppt_h/2"/>
+                                          </p:val>
+                                        </p:tav>
+                                        <p:tav tm="100000">
+                                          <p:val>
+                                            <p:strVal val="#ppt_y"/>
+                                          </p:val>
+                                        </p:tav>
+                                      </p:tavLst>
+                                    </p:anim>
+                                  </p:childTnLst>
+                                </p:cTn>
+                              </p:par>
+                            </p:childTnLst>
+                          </p:cTn>
+                        </p:par>
+                      </p:childTnLst>
+                    </p:cTn>
+                  </p:par>
+                </p:childTnLst>
+              </p:cTn>
+              <p:prevCondLst>
+                <p:cond evt="onPrev" delay="0">
+                  <p:tgtEl>
+                    <p:sldTgt/>
+                  </p:tgtEl>
+                </p:cond>
+              </p:prevCondLst>
+              <p:nextCondLst>
+                <p:cond evt="onNext" delay="0">
+                  <p:tgtEl>
+                    <p:sldTgt/>
+                  </p:tgtEl>
+                </p:cond>
+              </p:nextCondLst>
+            </p:seq>
+          </p:childTnLst>
+        </p:cTn>
+      </p:par>
+    </p:tnLst>
+    <p:bldLst>
+      <p:bldP spid="5" grpId="0" animBg="1"/>
+      <p:bldP spid="6" grpId="0" animBg="1"/>
+      <p:bldP spid="7" grpId="0" animBg="1"/>
+    </p:bldLst>
+  </p:timing>
 </p:sld>
 </file>
 

--- a/Дипломная работа/Диплом/Презентация.pptx
+++ b/Дипломная работа/Диплом/Презентация.pptx
@@ -5,7 +5,7 @@
     <p:sldMasterId id="2147484049" r:id="rId1"/>
   </p:sldMasterIdLst>
   <p:notesMasterIdLst>
-    <p:notesMasterId r:id="rId25"/>
+    <p:notesMasterId r:id="rId23"/>
   </p:notesMasterIdLst>
   <p:sldIdLst>
     <p:sldId id="321" r:id="rId2"/>
@@ -19,18 +19,16 @@
     <p:sldId id="296" r:id="rId10"/>
     <p:sldId id="320" r:id="rId11"/>
     <p:sldId id="302" r:id="rId12"/>
-    <p:sldId id="311" r:id="rId13"/>
-    <p:sldId id="309" r:id="rId14"/>
-    <p:sldId id="323" r:id="rId15"/>
-    <p:sldId id="322" r:id="rId16"/>
-    <p:sldId id="286" r:id="rId17"/>
-    <p:sldId id="289" r:id="rId18"/>
-    <p:sldId id="313" r:id="rId19"/>
-    <p:sldId id="274" r:id="rId20"/>
-    <p:sldId id="326" r:id="rId21"/>
-    <p:sldId id="325" r:id="rId22"/>
-    <p:sldId id="287" r:id="rId23"/>
-    <p:sldId id="288" r:id="rId24"/>
+    <p:sldId id="309" r:id="rId13"/>
+    <p:sldId id="323" r:id="rId14"/>
+    <p:sldId id="322" r:id="rId15"/>
+    <p:sldId id="286" r:id="rId16"/>
+    <p:sldId id="289" r:id="rId17"/>
+    <p:sldId id="313" r:id="rId18"/>
+    <p:sldId id="274" r:id="rId19"/>
+    <p:sldId id="326" r:id="rId20"/>
+    <p:sldId id="287" r:id="rId21"/>
+    <p:sldId id="288" r:id="rId22"/>
   </p:sldIdLst>
   <p:sldSz cx="12192000" cy="6858000"/>
   <p:notesSz cx="6858000" cy="9144000"/>
@@ -864,7 +862,7 @@
                 <a:ea typeface="+mn-ea"/>
                 <a:cs typeface="+mn-cs"/>
               </a:rPr>
-              <a:t>на данном слайде отображены основные шаблоны генерируемых документов.</a:t>
+              <a:t>на данном слайде отображены основные разработанные интерфейсы системы.</a:t>
             </a:r>
           </a:p>
           <a:p>
@@ -898,7 +896,7 @@
     </p:spTree>
     <p:extLst>
       <p:ext uri="{BB962C8B-B14F-4D97-AF65-F5344CB8AC3E}">
-        <p14:creationId xmlns:p14="http://schemas.microsoft.com/office/powerpoint/2010/main" val="4049961270"/>
+        <p14:creationId xmlns:p14="http://schemas.microsoft.com/office/powerpoint/2010/main" val="2145265479"/>
       </p:ext>
     </p:extLst>
   </p:cSld>
@@ -970,19 +968,14 @@
               <a:defRPr/>
             </a:pPr>
             <a:r>
-              <a:rPr lang="ru-RU" sz="1200" kern="1200" dirty="0">
-                <a:solidFill>
-                  <a:schemeClr val="tx1"/>
-                </a:solidFill>
+              <a:rPr lang="ru-RU" sz="1800" dirty="0">
                 <a:effectLst/>
-                <a:latin typeface="+mn-lt"/>
-                <a:ea typeface="+mn-ea"/>
-                <a:cs typeface="+mn-cs"/>
+                <a:latin typeface="Calibri" panose="020F0502020204030204" pitchFamily="34" charset="0"/>
+                <a:ea typeface="Calibri" panose="020F0502020204030204" pitchFamily="34" charset="0"/>
+                <a:cs typeface="Times New Roman" panose="02020603050405020304" pitchFamily="18" charset="0"/>
               </a:rPr>
-              <a:t>на данном слайде отображены основные разработанные интерфейсы системы.</a:t>
-            </a:r>
-          </a:p>
-          <a:p>
+              <a:t>Данном слайде показаны форматы входных и выходных данных</a:t>
+            </a:r>
             <a:endParaRPr lang="ru-RU" dirty="0"/>
           </a:p>
         </p:txBody>
@@ -1013,7 +1006,7 @@
     </p:spTree>
     <p:extLst>
       <p:ext uri="{BB962C8B-B14F-4D97-AF65-F5344CB8AC3E}">
-        <p14:creationId xmlns:p14="http://schemas.microsoft.com/office/powerpoint/2010/main" val="2145265479"/>
+        <p14:creationId xmlns:p14="http://schemas.microsoft.com/office/powerpoint/2010/main" val="2594734692"/>
       </p:ext>
     </p:extLst>
   </p:cSld>
@@ -1123,7 +1116,7 @@
     </p:spTree>
     <p:extLst>
       <p:ext uri="{BB962C8B-B14F-4D97-AF65-F5344CB8AC3E}">
-        <p14:creationId xmlns:p14="http://schemas.microsoft.com/office/powerpoint/2010/main" val="2594734692"/>
+        <p14:creationId xmlns:p14="http://schemas.microsoft.com/office/powerpoint/2010/main" val="2143697963"/>
       </p:ext>
     </p:extLst>
   </p:cSld>
@@ -1195,14 +1188,112 @@
               <a:defRPr/>
             </a:pPr>
             <a:r>
-              <a:rPr lang="ru-RU" sz="1800" dirty="0">
+              <a:rPr lang="ru-RU" sz="1200" kern="1200" dirty="0">
+                <a:solidFill>
+                  <a:schemeClr val="tx1"/>
+                </a:solidFill>
                 <a:effectLst/>
-                <a:latin typeface="Calibri" panose="020F0502020204030204" pitchFamily="34" charset="0"/>
-                <a:ea typeface="Calibri" panose="020F0502020204030204" pitchFamily="34" charset="0"/>
-                <a:cs typeface="Times New Roman" panose="02020603050405020304" pitchFamily="18" charset="0"/>
+                <a:latin typeface="+mn-lt"/>
+                <a:ea typeface="+mn-ea"/>
+                <a:cs typeface="+mn-cs"/>
               </a:rPr>
-              <a:t>Данном слайде показаны форматы входных и выходных данных</a:t>
-            </a:r>
+              <a:t>на данном слайде отображена архитектура разрабатываемого приложения. Обмен между клиентом и сервером происходит по протоколу </a:t>
+            </a:r>
+            <a:r>
+              <a:rPr lang="en-US" sz="1200" kern="1200" dirty="0">
+                <a:solidFill>
+                  <a:schemeClr val="tx1"/>
+                </a:solidFill>
+                <a:effectLst/>
+                <a:latin typeface="+mn-lt"/>
+                <a:ea typeface="+mn-ea"/>
+                <a:cs typeface="+mn-cs"/>
+              </a:rPr>
+              <a:t>HTTPs</a:t>
+            </a:r>
+            <a:r>
+              <a:rPr lang="ru-RU" sz="1200" kern="1200" dirty="0">
+                <a:solidFill>
+                  <a:schemeClr val="tx1"/>
+                </a:solidFill>
+                <a:effectLst/>
+                <a:latin typeface="+mn-lt"/>
+                <a:ea typeface="+mn-ea"/>
+                <a:cs typeface="+mn-cs"/>
+              </a:rPr>
+              <a:t>. Доступ к архивным файлам, находящимся на Яндекс Диске проходит через </a:t>
+            </a:r>
+            <a:r>
+              <a:rPr lang="en-US" sz="1200" kern="1200" dirty="0">
+                <a:solidFill>
+                  <a:schemeClr val="tx1"/>
+                </a:solidFill>
+                <a:effectLst/>
+                <a:latin typeface="+mn-lt"/>
+                <a:ea typeface="+mn-ea"/>
+                <a:cs typeface="+mn-cs"/>
+              </a:rPr>
+              <a:t>API</a:t>
+            </a:r>
+            <a:r>
+              <a:rPr lang="ru-RU" sz="1200" kern="1200" dirty="0">
+                <a:solidFill>
+                  <a:schemeClr val="tx1"/>
+                </a:solidFill>
+                <a:effectLst/>
+                <a:latin typeface="+mn-lt"/>
+                <a:ea typeface="+mn-ea"/>
+                <a:cs typeface="+mn-cs"/>
+              </a:rPr>
+              <a:t> и брокер сообщений </a:t>
+            </a:r>
+            <a:r>
+              <a:rPr lang="en-US" sz="1200" kern="1200" dirty="0">
+                <a:solidFill>
+                  <a:schemeClr val="tx1"/>
+                </a:solidFill>
+                <a:effectLst/>
+                <a:latin typeface="+mn-lt"/>
+                <a:ea typeface="+mn-ea"/>
+                <a:cs typeface="+mn-cs"/>
+              </a:rPr>
+              <a:t>RabbitMQ</a:t>
+            </a:r>
+            <a:r>
+              <a:rPr lang="ru-RU" sz="1200" kern="1200" dirty="0">
+                <a:solidFill>
+                  <a:schemeClr val="tx1"/>
+                </a:solidFill>
+                <a:effectLst/>
+                <a:latin typeface="+mn-lt"/>
+                <a:ea typeface="+mn-ea"/>
+                <a:cs typeface="+mn-cs"/>
+              </a:rPr>
+              <a:t>. Актуальные файлы хранятся непосредственно на сервере для быстрого доступа к ним.</a:t>
+            </a:r>
+            <a:r>
+              <a:rPr lang="ru-RU" sz="1200" b="1" kern="1200" dirty="0">
+                <a:solidFill>
+                  <a:schemeClr val="tx1"/>
+                </a:solidFill>
+                <a:effectLst/>
+                <a:latin typeface="+mn-lt"/>
+                <a:ea typeface="+mn-ea"/>
+                <a:cs typeface="+mn-cs"/>
+              </a:rPr>
+              <a:t>  </a:t>
+            </a:r>
+            <a:endParaRPr lang="ru-RU" sz="1200" kern="1200" dirty="0">
+              <a:solidFill>
+                <a:schemeClr val="tx1"/>
+              </a:solidFill>
+              <a:effectLst/>
+              <a:latin typeface="+mn-lt"/>
+              <a:ea typeface="+mn-ea"/>
+              <a:cs typeface="+mn-cs"/>
+            </a:endParaRPr>
+          </a:p>
+          <a:p>
             <a:endParaRPr lang="ru-RU" dirty="0"/>
           </a:p>
         </p:txBody>
@@ -1233,7 +1324,7 @@
     </p:spTree>
     <p:extLst>
       <p:ext uri="{BB962C8B-B14F-4D97-AF65-F5344CB8AC3E}">
-        <p14:creationId xmlns:p14="http://schemas.microsoft.com/office/powerpoint/2010/main" val="2143697963"/>
+        <p14:creationId xmlns:p14="http://schemas.microsoft.com/office/powerpoint/2010/main" val="2106793825"/>
       </p:ext>
     </p:extLst>
   </p:cSld>
@@ -1314,101 +1405,8 @@
                 <a:ea typeface="+mn-ea"/>
                 <a:cs typeface="+mn-cs"/>
               </a:rPr>
-              <a:t>на данном слайде отображена архитектура разрабатываемого приложения. Обмен между клиентом и сервером происходит по протоколу </a:t>
-            </a:r>
-            <a:r>
-              <a:rPr lang="en-US" sz="1200" kern="1200" dirty="0">
-                <a:solidFill>
-                  <a:schemeClr val="tx1"/>
-                </a:solidFill>
-                <a:effectLst/>
-                <a:latin typeface="+mn-lt"/>
-                <a:ea typeface="+mn-ea"/>
-                <a:cs typeface="+mn-cs"/>
-              </a:rPr>
-              <a:t>HTTPs</a:t>
-            </a:r>
-            <a:r>
-              <a:rPr lang="ru-RU" sz="1200" kern="1200" dirty="0">
-                <a:solidFill>
-                  <a:schemeClr val="tx1"/>
-                </a:solidFill>
-                <a:effectLst/>
-                <a:latin typeface="+mn-lt"/>
-                <a:ea typeface="+mn-ea"/>
-                <a:cs typeface="+mn-cs"/>
-              </a:rPr>
-              <a:t>. Доступ к архивным файлам, находящимся на Яндекс Диске проходит через </a:t>
-            </a:r>
-            <a:r>
-              <a:rPr lang="en-US" sz="1200" kern="1200" dirty="0">
-                <a:solidFill>
-                  <a:schemeClr val="tx1"/>
-                </a:solidFill>
-                <a:effectLst/>
-                <a:latin typeface="+mn-lt"/>
-                <a:ea typeface="+mn-ea"/>
-                <a:cs typeface="+mn-cs"/>
-              </a:rPr>
-              <a:t>API</a:t>
-            </a:r>
-            <a:r>
-              <a:rPr lang="ru-RU" sz="1200" kern="1200" dirty="0">
-                <a:solidFill>
-                  <a:schemeClr val="tx1"/>
-                </a:solidFill>
-                <a:effectLst/>
-                <a:latin typeface="+mn-lt"/>
-                <a:ea typeface="+mn-ea"/>
-                <a:cs typeface="+mn-cs"/>
-              </a:rPr>
-              <a:t> и брокер сообщений </a:t>
-            </a:r>
-            <a:r>
-              <a:rPr lang="en-US" sz="1200" kern="1200" dirty="0">
-                <a:solidFill>
-                  <a:schemeClr val="tx1"/>
-                </a:solidFill>
-                <a:effectLst/>
-                <a:latin typeface="+mn-lt"/>
-                <a:ea typeface="+mn-ea"/>
-                <a:cs typeface="+mn-cs"/>
-              </a:rPr>
-              <a:t>RabbitMQ</a:t>
-            </a:r>
-            <a:r>
-              <a:rPr lang="ru-RU" sz="1200" kern="1200" dirty="0">
-                <a:solidFill>
-                  <a:schemeClr val="tx1"/>
-                </a:solidFill>
-                <a:effectLst/>
-                <a:latin typeface="+mn-lt"/>
-                <a:ea typeface="+mn-ea"/>
-                <a:cs typeface="+mn-cs"/>
-              </a:rPr>
-              <a:t>. Актуальные файлы хранятся непосредственно на сервере для быстрого доступа к ним.</a:t>
-            </a:r>
-            <a:r>
-              <a:rPr lang="ru-RU" sz="1200" b="1" kern="1200" dirty="0">
-                <a:solidFill>
-                  <a:schemeClr val="tx1"/>
-                </a:solidFill>
-                <a:effectLst/>
-                <a:latin typeface="+mn-lt"/>
-                <a:ea typeface="+mn-ea"/>
-                <a:cs typeface="+mn-cs"/>
-              </a:rPr>
-              <a:t>  </a:t>
-            </a:r>
-            <a:endParaRPr lang="ru-RU" sz="1200" kern="1200" dirty="0">
-              <a:solidFill>
-                <a:schemeClr val="tx1"/>
-              </a:solidFill>
-              <a:effectLst/>
-              <a:latin typeface="+mn-lt"/>
-              <a:ea typeface="+mn-ea"/>
-              <a:cs typeface="+mn-cs"/>
-            </a:endParaRPr>
+              <a:t>На данном слайде отображены основные сведения о разработанном программном продукте и средствах разработки. </a:t>
+            </a:r>
           </a:p>
           <a:p>
             <a:endParaRPr lang="ru-RU" dirty="0"/>
@@ -1441,7 +1439,7 @@
     </p:spTree>
     <p:extLst>
       <p:ext uri="{BB962C8B-B14F-4D97-AF65-F5344CB8AC3E}">
-        <p14:creationId xmlns:p14="http://schemas.microsoft.com/office/powerpoint/2010/main" val="2106793825"/>
+        <p14:creationId xmlns:p14="http://schemas.microsoft.com/office/powerpoint/2010/main" val="2309492035"/>
       </p:ext>
     </p:extLst>
   </p:cSld>
@@ -1522,7 +1520,7 @@
                 <a:ea typeface="+mn-ea"/>
                 <a:cs typeface="+mn-cs"/>
               </a:rPr>
-              <a:t>На данном слайде отображены основные сведения о разработанном программном продукте и средствах разработки. </a:t>
+              <a:t>На данном слайде отображены системные требования к серверу и клиенту.</a:t>
             </a:r>
           </a:p>
           <a:p>
@@ -1556,7 +1554,7 @@
     </p:spTree>
     <p:extLst>
       <p:ext uri="{BB962C8B-B14F-4D97-AF65-F5344CB8AC3E}">
-        <p14:creationId xmlns:p14="http://schemas.microsoft.com/office/powerpoint/2010/main" val="2309492035"/>
+        <p14:creationId xmlns:p14="http://schemas.microsoft.com/office/powerpoint/2010/main" val="263670119"/>
       </p:ext>
     </p:extLst>
   </p:cSld>
@@ -1610,34 +1608,121 @@
           <a:bodyPr/>
           <a:lstStyle/>
           <a:p>
-            <a:pPr marL="0" marR="0" lvl="0" indent="0" algn="l" defTabSz="914400" rtl="0" eaLnBrk="1" fontAlgn="auto" latinLnBrk="0" hangingPunct="1">
+            <a:pPr marL="0" indent="0" algn="l">
               <a:lnSpc>
-                <a:spcPct val="100000"/>
+                <a:spcPct val="150000"/>
               </a:lnSpc>
-              <a:spcBef>
-                <a:spcPts val="0"/>
-              </a:spcBef>
-              <a:spcAft>
-                <a:spcPts val="0"/>
-              </a:spcAft>
-              <a:buClrTx/>
-              <a:buSzTx/>
-              <a:buFontTx/>
               <a:buNone/>
-              <a:tabLst/>
-              <a:defRPr/>
             </a:pPr>
             <a:r>
-              <a:rPr lang="ru-RU" sz="1200" kern="1200" dirty="0">
-                <a:solidFill>
-                  <a:schemeClr val="tx1"/>
-                </a:solidFill>
-                <a:effectLst/>
-                <a:latin typeface="+mn-lt"/>
-                <a:ea typeface="+mn-ea"/>
-                <a:cs typeface="+mn-cs"/>
+              <a:rPr lang="ru-RU" sz="2200" dirty="0">
+                <a:latin typeface="Times New Roman" panose="02020603050405020304" pitchFamily="18" charset="0"/>
+                <a:cs typeface="Times New Roman" panose="02020603050405020304" pitchFamily="18" charset="0"/>
               </a:rPr>
-              <a:t>На данном слайде отображены системные требования к серверу и клиенту.</a:t>
+              <a:t>В результате выполнения ВКР была спроектирована и разработана система, которая обеспечивает формирование необходимых для сопровождения образовательного процесса документов.</a:t>
+            </a:r>
+          </a:p>
+          <a:p>
+            <a:pPr marL="0" indent="0" algn="l">
+              <a:lnSpc>
+                <a:spcPct val="150000"/>
+              </a:lnSpc>
+              <a:buNone/>
+            </a:pPr>
+            <a:r>
+              <a:rPr lang="ru-RU" sz="2200" dirty="0">
+                <a:latin typeface="Times New Roman" panose="02020603050405020304" pitchFamily="18" charset="0"/>
+                <a:ea typeface="Tahoma" panose="020B0604030504040204" pitchFamily="34" charset="0"/>
+                <a:cs typeface="Times New Roman" panose="02020603050405020304" pitchFamily="18" charset="0"/>
+              </a:rPr>
+              <a:t>В результате </a:t>
+            </a:r>
+            <a:r>
+              <a:rPr lang="ru-RU" sz="2200" dirty="0">
+                <a:solidFill>
+                  <a:srgbClr val="FFFF00"/>
+                </a:solidFill>
+                <a:latin typeface="Tahoma" panose="020B0604030504040204" pitchFamily="34" charset="0"/>
+                <a:ea typeface="Tahoma" panose="020B0604030504040204" pitchFamily="34" charset="0"/>
+                <a:cs typeface="Tahoma" panose="020B0604030504040204" pitchFamily="34" charset="0"/>
+              </a:rPr>
+              <a:t>внедрения системы в эксплуатацию </a:t>
+            </a:r>
+            <a:r>
+              <a:rPr lang="ru-RU" sz="2200" dirty="0">
+                <a:latin typeface="Times New Roman" panose="02020603050405020304" pitchFamily="18" charset="0"/>
+                <a:ea typeface="Tahoma" panose="020B0604030504040204" pitchFamily="34" charset="0"/>
+                <a:cs typeface="Times New Roman" panose="02020603050405020304" pitchFamily="18" charset="0"/>
+              </a:rPr>
+              <a:t>удалось </a:t>
+            </a:r>
+            <a:r>
+              <a:rPr lang="ru-RU" sz="2200" dirty="0">
+                <a:solidFill>
+                  <a:srgbClr val="FFFF00"/>
+                </a:solidFill>
+                <a:latin typeface="Tahoma" panose="020B0604030504040204" pitchFamily="34" charset="0"/>
+                <a:ea typeface="Tahoma" panose="020B0604030504040204" pitchFamily="34" charset="0"/>
+                <a:cs typeface="Tahoma" panose="020B0604030504040204" pitchFamily="34" charset="0"/>
+              </a:rPr>
+              <a:t>повысить</a:t>
+            </a:r>
+            <a:r>
+              <a:rPr lang="ru-RU" sz="2200" dirty="0">
+                <a:latin typeface="Tahoma" panose="020B0604030504040204" pitchFamily="34" charset="0"/>
+                <a:ea typeface="Tahoma" panose="020B0604030504040204" pitchFamily="34" charset="0"/>
+                <a:cs typeface="Tahoma" panose="020B0604030504040204" pitchFamily="34" charset="0"/>
+              </a:rPr>
+              <a:t> </a:t>
+            </a:r>
+            <a:r>
+              <a:rPr lang="ru-RU" sz="2200" dirty="0">
+                <a:latin typeface="Times New Roman" panose="02020603050405020304" pitchFamily="18" charset="0"/>
+                <a:ea typeface="Tahoma" panose="020B0604030504040204" pitchFamily="34" charset="0"/>
+                <a:cs typeface="Times New Roman" panose="02020603050405020304" pitchFamily="18" charset="0"/>
+              </a:rPr>
+              <a:t>эффективность сопровождения образовательного процесса более чем </a:t>
+            </a:r>
+            <a:r>
+              <a:rPr lang="ru-RU" sz="2200" dirty="0">
+                <a:solidFill>
+                  <a:srgbClr val="FFFF00"/>
+                </a:solidFill>
+                <a:latin typeface="Tahoma" panose="020B0604030504040204" pitchFamily="34" charset="0"/>
+                <a:ea typeface="Tahoma" panose="020B0604030504040204" pitchFamily="34" charset="0"/>
+                <a:cs typeface="Tahoma" panose="020B0604030504040204" pitchFamily="34" charset="0"/>
+              </a:rPr>
+              <a:t>на </a:t>
+            </a:r>
+            <a:r>
+              <a:rPr lang="en-US" sz="2200" dirty="0">
+                <a:solidFill>
+                  <a:srgbClr val="FFFF00"/>
+                </a:solidFill>
+                <a:latin typeface="Tahoma" panose="020B0604030504040204" pitchFamily="34" charset="0"/>
+                <a:ea typeface="Tahoma" panose="020B0604030504040204" pitchFamily="34" charset="0"/>
+                <a:cs typeface="Tahoma" panose="020B0604030504040204" pitchFamily="34" charset="0"/>
+              </a:rPr>
+              <a:t>2150 </a:t>
+            </a:r>
+            <a:r>
+              <a:rPr lang="ru-RU" sz="2200" dirty="0">
+                <a:solidFill>
+                  <a:srgbClr val="FFFF00"/>
+                </a:solidFill>
+                <a:latin typeface="Tahoma" panose="020B0604030504040204" pitchFamily="34" charset="0"/>
+                <a:ea typeface="Tahoma" panose="020B0604030504040204" pitchFamily="34" charset="0"/>
+                <a:cs typeface="Tahoma" panose="020B0604030504040204" pitchFamily="34" charset="0"/>
+              </a:rPr>
+              <a:t>человеко-часов в год</a:t>
+            </a:r>
+            <a:r>
+              <a:rPr lang="ru-RU" sz="2200" dirty="0">
+                <a:latin typeface="Times New Roman" panose="02020603050405020304" pitchFamily="18" charset="0"/>
+                <a:ea typeface="Tahoma" panose="020B0604030504040204" pitchFamily="34" charset="0"/>
+                <a:cs typeface="Times New Roman" panose="02020603050405020304" pitchFamily="18" charset="0"/>
+              </a:rPr>
+              <a:t>.</a:t>
             </a:r>
           </a:p>
           <a:p>
@@ -1671,7 +1756,7 @@
     </p:spTree>
     <p:extLst>
       <p:ext uri="{BB962C8B-B14F-4D97-AF65-F5344CB8AC3E}">
-        <p14:creationId xmlns:p14="http://schemas.microsoft.com/office/powerpoint/2010/main" val="263670119"/>
+        <p14:creationId xmlns:p14="http://schemas.microsoft.com/office/powerpoint/2010/main" val="3261577908"/>
       </p:ext>
     </p:extLst>
   </p:cSld>
@@ -1725,121 +1810,34 @@
           <a:bodyPr/>
           <a:lstStyle/>
           <a:p>
-            <a:pPr marL="0" indent="0" algn="l">
+            <a:pPr marL="0" marR="0" lvl="0" indent="0" algn="l" defTabSz="914400" rtl="0" eaLnBrk="1" fontAlgn="auto" latinLnBrk="0" hangingPunct="1">
               <a:lnSpc>
-                <a:spcPct val="150000"/>
+                <a:spcPct val="100000"/>
               </a:lnSpc>
+              <a:spcBef>
+                <a:spcPts val="0"/>
+              </a:spcBef>
+              <a:spcAft>
+                <a:spcPts val="0"/>
+              </a:spcAft>
+              <a:buClrTx/>
+              <a:buSzTx/>
+              <a:buFontTx/>
               <a:buNone/>
+              <a:tabLst/>
+              <a:defRPr/>
             </a:pPr>
             <a:r>
-              <a:rPr lang="ru-RU" sz="2200" dirty="0">
-                <a:latin typeface="Times New Roman" panose="02020603050405020304" pitchFamily="18" charset="0"/>
-                <a:cs typeface="Times New Roman" panose="02020603050405020304" pitchFamily="18" charset="0"/>
+              <a:rPr lang="ru-RU" sz="1200" kern="1200" dirty="0">
+                <a:solidFill>
+                  <a:schemeClr val="tx1"/>
+                </a:solidFill>
+                <a:effectLst/>
+                <a:latin typeface="+mn-lt"/>
+                <a:ea typeface="+mn-ea"/>
+                <a:cs typeface="+mn-cs"/>
               </a:rPr>
-              <a:t>В результате выполнения ВКР была спроектирована и разработана система, которая обеспечивает формирование необходимых для сопровождения образовательного процесса документов.</a:t>
-            </a:r>
-          </a:p>
-          <a:p>
-            <a:pPr marL="0" indent="0" algn="l">
-              <a:lnSpc>
-                <a:spcPct val="150000"/>
-              </a:lnSpc>
-              <a:buNone/>
-            </a:pPr>
-            <a:r>
-              <a:rPr lang="ru-RU" sz="2200" dirty="0">
-                <a:latin typeface="Times New Roman" panose="02020603050405020304" pitchFamily="18" charset="0"/>
-                <a:ea typeface="Tahoma" panose="020B0604030504040204" pitchFamily="34" charset="0"/>
-                <a:cs typeface="Times New Roman" panose="02020603050405020304" pitchFamily="18" charset="0"/>
-              </a:rPr>
-              <a:t>В результате </a:t>
-            </a:r>
-            <a:r>
-              <a:rPr lang="ru-RU" sz="2200" dirty="0">
-                <a:solidFill>
-                  <a:srgbClr val="FFFF00"/>
-                </a:solidFill>
-                <a:latin typeface="Tahoma" panose="020B0604030504040204" pitchFamily="34" charset="0"/>
-                <a:ea typeface="Tahoma" panose="020B0604030504040204" pitchFamily="34" charset="0"/>
-                <a:cs typeface="Tahoma" panose="020B0604030504040204" pitchFamily="34" charset="0"/>
-              </a:rPr>
-              <a:t>внедрения системы в эксплуатацию </a:t>
-            </a:r>
-            <a:r>
-              <a:rPr lang="ru-RU" sz="2200" dirty="0">
-                <a:latin typeface="Times New Roman" panose="02020603050405020304" pitchFamily="18" charset="0"/>
-                <a:ea typeface="Tahoma" panose="020B0604030504040204" pitchFamily="34" charset="0"/>
-                <a:cs typeface="Times New Roman" panose="02020603050405020304" pitchFamily="18" charset="0"/>
-              </a:rPr>
-              <a:t>удалось </a:t>
-            </a:r>
-            <a:r>
-              <a:rPr lang="ru-RU" sz="2200" dirty="0">
-                <a:solidFill>
-                  <a:srgbClr val="FFFF00"/>
-                </a:solidFill>
-                <a:latin typeface="Tahoma" panose="020B0604030504040204" pitchFamily="34" charset="0"/>
-                <a:ea typeface="Tahoma" panose="020B0604030504040204" pitchFamily="34" charset="0"/>
-                <a:cs typeface="Tahoma" panose="020B0604030504040204" pitchFamily="34" charset="0"/>
-              </a:rPr>
-              <a:t>повысить</a:t>
-            </a:r>
-            <a:r>
-              <a:rPr lang="ru-RU" sz="2200" dirty="0">
-                <a:latin typeface="Tahoma" panose="020B0604030504040204" pitchFamily="34" charset="0"/>
-                <a:ea typeface="Tahoma" panose="020B0604030504040204" pitchFamily="34" charset="0"/>
-                <a:cs typeface="Tahoma" panose="020B0604030504040204" pitchFamily="34" charset="0"/>
-              </a:rPr>
-              <a:t> </a:t>
-            </a:r>
-            <a:r>
-              <a:rPr lang="ru-RU" sz="2200" dirty="0">
-                <a:latin typeface="Times New Roman" panose="02020603050405020304" pitchFamily="18" charset="0"/>
-                <a:ea typeface="Tahoma" panose="020B0604030504040204" pitchFamily="34" charset="0"/>
-                <a:cs typeface="Times New Roman" panose="02020603050405020304" pitchFamily="18" charset="0"/>
-              </a:rPr>
-              <a:t>эффективность сопровождения образовательного процесса более чем </a:t>
-            </a:r>
-            <a:r>
-              <a:rPr lang="ru-RU" sz="2200" dirty="0">
-                <a:solidFill>
-                  <a:srgbClr val="FFFF00"/>
-                </a:solidFill>
-                <a:latin typeface="Tahoma" panose="020B0604030504040204" pitchFamily="34" charset="0"/>
-                <a:ea typeface="Tahoma" panose="020B0604030504040204" pitchFamily="34" charset="0"/>
-                <a:cs typeface="Tahoma" panose="020B0604030504040204" pitchFamily="34" charset="0"/>
-              </a:rPr>
-              <a:t>на </a:t>
-            </a:r>
-            <a:r>
-              <a:rPr lang="en-US" sz="2200" dirty="0">
-                <a:solidFill>
-                  <a:srgbClr val="FFFF00"/>
-                </a:solidFill>
-                <a:latin typeface="Tahoma" panose="020B0604030504040204" pitchFamily="34" charset="0"/>
-                <a:ea typeface="Tahoma" panose="020B0604030504040204" pitchFamily="34" charset="0"/>
-                <a:cs typeface="Tahoma" panose="020B0604030504040204" pitchFamily="34" charset="0"/>
-              </a:rPr>
-              <a:t>2150 </a:t>
-            </a:r>
-            <a:r>
-              <a:rPr lang="ru-RU" sz="2200" dirty="0">
-                <a:solidFill>
-                  <a:srgbClr val="FFFF00"/>
-                </a:solidFill>
-                <a:latin typeface="Tahoma" panose="020B0604030504040204" pitchFamily="34" charset="0"/>
-                <a:ea typeface="Tahoma" panose="020B0604030504040204" pitchFamily="34" charset="0"/>
-                <a:cs typeface="Tahoma" panose="020B0604030504040204" pitchFamily="34" charset="0"/>
-              </a:rPr>
-              <a:t>человеко-часов в год</a:t>
-            </a:r>
-            <a:r>
-              <a:rPr lang="ru-RU" sz="2200" dirty="0">
-                <a:latin typeface="Times New Roman" panose="02020603050405020304" pitchFamily="18" charset="0"/>
-                <a:ea typeface="Tahoma" panose="020B0604030504040204" pitchFamily="34" charset="0"/>
-                <a:cs typeface="Times New Roman" panose="02020603050405020304" pitchFamily="18" charset="0"/>
-              </a:rPr>
-              <a:t>.</a:t>
+              <a:t>Система была внедрена в «Региональный школьный технопарк» 14 апреля 2025 года. Соответствующий акт о внедрении представлен на слайде.</a:t>
             </a:r>
           </a:p>
           <a:p>
@@ -1873,7 +1871,7 @@
     </p:spTree>
     <p:extLst>
       <p:ext uri="{BB962C8B-B14F-4D97-AF65-F5344CB8AC3E}">
-        <p14:creationId xmlns:p14="http://schemas.microsoft.com/office/powerpoint/2010/main" val="3261577908"/>
+        <p14:creationId xmlns:p14="http://schemas.microsoft.com/office/powerpoint/2010/main" val="2373569316"/>
       </p:ext>
     </p:extLst>
   </p:cSld>
@@ -2139,7 +2137,7 @@
     </p:spTree>
     <p:extLst>
       <p:ext uri="{BB962C8B-B14F-4D97-AF65-F5344CB8AC3E}">
-        <p14:creationId xmlns:p14="http://schemas.microsoft.com/office/powerpoint/2010/main" val="2373569316"/>
+        <p14:creationId xmlns:p14="http://schemas.microsoft.com/office/powerpoint/2010/main" val="2033317011"/>
       </p:ext>
     </p:extLst>
   </p:cSld>
@@ -2193,124 +2191,18 @@
           <a:bodyPr/>
           <a:lstStyle/>
           <a:p>
-            <a:pPr marL="0" indent="0" algn="l">
-              <a:lnSpc>
-                <a:spcPct val="150000"/>
-              </a:lnSpc>
-              <a:buNone/>
-            </a:pPr>
-            <a:r>
-              <a:rPr lang="ru-RU" sz="2200" dirty="0">
-                <a:latin typeface="Times New Roman" panose="02020603050405020304" pitchFamily="18" charset="0"/>
-                <a:cs typeface="Times New Roman" panose="02020603050405020304" pitchFamily="18" charset="0"/>
+            <a:r>
+              <a:rPr lang="ru-RU" sz="1200" kern="1200" dirty="0">
+                <a:solidFill>
+                  <a:schemeClr val="tx1"/>
+                </a:solidFill>
+                <a:effectLst/>
+                <a:latin typeface="+mn-lt"/>
+                <a:ea typeface="+mn-ea"/>
+                <a:cs typeface="+mn-cs"/>
               </a:rPr>
-              <a:t>В результате выполнения ВКР была спроектирована и разработана система, которая обеспечивает формирование необходимых для сопровождения образовательного процесса документов.</a:t>
-            </a:r>
-          </a:p>
-          <a:p>
-            <a:pPr marL="0" indent="0" algn="l">
-              <a:lnSpc>
-                <a:spcPct val="150000"/>
-              </a:lnSpc>
-              <a:buNone/>
-            </a:pPr>
-            <a:r>
-              <a:rPr lang="ru-RU" sz="2200" dirty="0">
-                <a:latin typeface="Times New Roman" panose="02020603050405020304" pitchFamily="18" charset="0"/>
-                <a:ea typeface="Tahoma" panose="020B0604030504040204" pitchFamily="34" charset="0"/>
-                <a:cs typeface="Times New Roman" panose="02020603050405020304" pitchFamily="18" charset="0"/>
-              </a:rPr>
-              <a:t>В результате </a:t>
-            </a:r>
-            <a:r>
-              <a:rPr lang="ru-RU" sz="2200" dirty="0">
-                <a:solidFill>
-                  <a:srgbClr val="FFFF00"/>
-                </a:solidFill>
-                <a:latin typeface="Tahoma" panose="020B0604030504040204" pitchFamily="34" charset="0"/>
-                <a:ea typeface="Tahoma" panose="020B0604030504040204" pitchFamily="34" charset="0"/>
-                <a:cs typeface="Tahoma" panose="020B0604030504040204" pitchFamily="34" charset="0"/>
-              </a:rPr>
-              <a:t>внедрения системы в эксплуатацию </a:t>
-            </a:r>
-            <a:r>
-              <a:rPr lang="ru-RU" sz="2200" dirty="0">
-                <a:latin typeface="Times New Roman" panose="02020603050405020304" pitchFamily="18" charset="0"/>
-                <a:ea typeface="Tahoma" panose="020B0604030504040204" pitchFamily="34" charset="0"/>
-                <a:cs typeface="Times New Roman" panose="02020603050405020304" pitchFamily="18" charset="0"/>
-              </a:rPr>
-              <a:t>удалось </a:t>
-            </a:r>
-            <a:r>
-              <a:rPr lang="ru-RU" sz="2200" dirty="0">
-                <a:solidFill>
-                  <a:srgbClr val="FFFF00"/>
-                </a:solidFill>
-                <a:latin typeface="Tahoma" panose="020B0604030504040204" pitchFamily="34" charset="0"/>
-                <a:ea typeface="Tahoma" panose="020B0604030504040204" pitchFamily="34" charset="0"/>
-                <a:cs typeface="Tahoma" panose="020B0604030504040204" pitchFamily="34" charset="0"/>
-              </a:rPr>
-              <a:t>повысить</a:t>
-            </a:r>
-            <a:r>
-              <a:rPr lang="ru-RU" sz="2200" dirty="0">
-                <a:latin typeface="Tahoma" panose="020B0604030504040204" pitchFamily="34" charset="0"/>
-                <a:ea typeface="Tahoma" panose="020B0604030504040204" pitchFamily="34" charset="0"/>
-                <a:cs typeface="Tahoma" panose="020B0604030504040204" pitchFamily="34" charset="0"/>
-              </a:rPr>
-              <a:t> </a:t>
-            </a:r>
-            <a:r>
-              <a:rPr lang="ru-RU" sz="2200" dirty="0">
-                <a:latin typeface="Times New Roman" panose="02020603050405020304" pitchFamily="18" charset="0"/>
-                <a:ea typeface="Tahoma" panose="020B0604030504040204" pitchFamily="34" charset="0"/>
-                <a:cs typeface="Times New Roman" panose="02020603050405020304" pitchFamily="18" charset="0"/>
-              </a:rPr>
-              <a:t>эффективность сопровождения образовательного процесса более чем </a:t>
-            </a:r>
-            <a:r>
-              <a:rPr lang="ru-RU" sz="2200" dirty="0">
-                <a:solidFill>
-                  <a:srgbClr val="FFFF00"/>
-                </a:solidFill>
-                <a:latin typeface="Tahoma" panose="020B0604030504040204" pitchFamily="34" charset="0"/>
-                <a:ea typeface="Tahoma" panose="020B0604030504040204" pitchFamily="34" charset="0"/>
-                <a:cs typeface="Tahoma" panose="020B0604030504040204" pitchFamily="34" charset="0"/>
-              </a:rPr>
-              <a:t>на </a:t>
-            </a:r>
-            <a:r>
-              <a:rPr lang="en-US" sz="2200" dirty="0">
-                <a:solidFill>
-                  <a:srgbClr val="FFFF00"/>
-                </a:solidFill>
-                <a:latin typeface="Tahoma" panose="020B0604030504040204" pitchFamily="34" charset="0"/>
-                <a:ea typeface="Tahoma" panose="020B0604030504040204" pitchFamily="34" charset="0"/>
-                <a:cs typeface="Tahoma" panose="020B0604030504040204" pitchFamily="34" charset="0"/>
-              </a:rPr>
-              <a:t>2150 </a:t>
-            </a:r>
-            <a:r>
-              <a:rPr lang="ru-RU" sz="2200" dirty="0">
-                <a:solidFill>
-                  <a:srgbClr val="FFFF00"/>
-                </a:solidFill>
-                <a:latin typeface="Tahoma" panose="020B0604030504040204" pitchFamily="34" charset="0"/>
-                <a:ea typeface="Tahoma" panose="020B0604030504040204" pitchFamily="34" charset="0"/>
-                <a:cs typeface="Tahoma" panose="020B0604030504040204" pitchFamily="34" charset="0"/>
-              </a:rPr>
-              <a:t>человеко-часов в год</a:t>
-            </a:r>
-            <a:r>
-              <a:rPr lang="ru-RU" sz="2200" dirty="0">
-                <a:latin typeface="Times New Roman" panose="02020603050405020304" pitchFamily="18" charset="0"/>
-                <a:ea typeface="Tahoma" panose="020B0604030504040204" pitchFamily="34" charset="0"/>
-                <a:cs typeface="Times New Roman" panose="02020603050405020304" pitchFamily="18" charset="0"/>
-              </a:rPr>
-              <a:t>.</a:t>
-            </a:r>
-          </a:p>
-          <a:p>
+              <a:t>Спасибо за внимание! Доклад окончен!</a:t>
+            </a:r>
             <a:endParaRPr lang="ru-RU" dirty="0"/>
           </a:p>
         </p:txBody>
@@ -2333,217 +2225,6 @@
             <a:fld id="{52F07621-6DF5-40C9-BD08-EFBFABC0EBA5}" type="slidenum">
               <a:rPr lang="ru-RU" smtClean="0"/>
               <a:t>21</a:t>
-            </a:fld>
-            <a:endParaRPr lang="ru-RU"/>
-          </a:p>
-        </p:txBody>
-      </p:sp>
-    </p:spTree>
-    <p:extLst>
-      <p:ext uri="{BB962C8B-B14F-4D97-AF65-F5344CB8AC3E}">
-        <p14:creationId xmlns:p14="http://schemas.microsoft.com/office/powerpoint/2010/main" val="2277983532"/>
-      </p:ext>
-    </p:extLst>
-  </p:cSld>
-  <p:clrMapOvr>
-    <a:masterClrMapping/>
-  </p:clrMapOvr>
-</p:notes>
-</file>
-
-<file path=ppt/notesSlides/notesSlide22.xml><?xml version="1.0" encoding="utf-8"?>
-<p:notes xmlns:a="http://schemas.openxmlformats.org/drawingml/2006/main" xmlns:r="http://schemas.openxmlformats.org/officeDocument/2006/relationships" xmlns:p="http://schemas.openxmlformats.org/presentationml/2006/main">
-  <p:cSld>
-    <p:spTree>
-      <p:nvGrpSpPr>
-        <p:cNvPr id="1" name=""/>
-        <p:cNvGrpSpPr/>
-        <p:nvPr/>
-      </p:nvGrpSpPr>
-      <p:grpSpPr>
-        <a:xfrm>
-          <a:off x="0" y="0"/>
-          <a:ext cx="0" cy="0"/>
-          <a:chOff x="0" y="0"/>
-          <a:chExt cx="0" cy="0"/>
-        </a:xfrm>
-      </p:grpSpPr>
-      <p:sp>
-        <p:nvSpPr>
-          <p:cNvPr id="2" name="Образ слайда 1"/>
-          <p:cNvSpPr>
-            <a:spLocks noGrp="1" noRot="1" noChangeAspect="1"/>
-          </p:cNvSpPr>
-          <p:nvPr>
-            <p:ph type="sldImg"/>
-          </p:nvPr>
-        </p:nvSpPr>
-        <p:spPr/>
-      </p:sp>
-      <p:sp>
-        <p:nvSpPr>
-          <p:cNvPr id="3" name="Заметки 2"/>
-          <p:cNvSpPr>
-            <a:spLocks noGrp="1"/>
-          </p:cNvSpPr>
-          <p:nvPr>
-            <p:ph type="body" idx="1"/>
-          </p:nvPr>
-        </p:nvSpPr>
-        <p:spPr/>
-        <p:txBody>
-          <a:bodyPr/>
-          <a:lstStyle/>
-          <a:p>
-            <a:pPr marL="0" marR="0" lvl="0" indent="0" algn="l" defTabSz="914400" rtl="0" eaLnBrk="1" fontAlgn="auto" latinLnBrk="0" hangingPunct="1">
-              <a:lnSpc>
-                <a:spcPct val="100000"/>
-              </a:lnSpc>
-              <a:spcBef>
-                <a:spcPts val="0"/>
-              </a:spcBef>
-              <a:spcAft>
-                <a:spcPts val="0"/>
-              </a:spcAft>
-              <a:buClrTx/>
-              <a:buSzTx/>
-              <a:buFontTx/>
-              <a:buNone/>
-              <a:tabLst/>
-              <a:defRPr/>
-            </a:pPr>
-            <a:r>
-              <a:rPr lang="ru-RU" sz="1200" kern="1200" dirty="0">
-                <a:solidFill>
-                  <a:schemeClr val="tx1"/>
-                </a:solidFill>
-                <a:effectLst/>
-                <a:latin typeface="+mn-lt"/>
-                <a:ea typeface="+mn-ea"/>
-                <a:cs typeface="+mn-cs"/>
-              </a:rPr>
-              <a:t>Система была внедрена в «Региональный школьный технопарк» 14 апреля 2025 года. Соответствующий акт о внедрении представлен на слайде.</a:t>
-            </a:r>
-          </a:p>
-          <a:p>
-            <a:endParaRPr lang="ru-RU" dirty="0"/>
-          </a:p>
-        </p:txBody>
-      </p:sp>
-      <p:sp>
-        <p:nvSpPr>
-          <p:cNvPr id="4" name="Номер слайда 3"/>
-          <p:cNvSpPr>
-            <a:spLocks noGrp="1"/>
-          </p:cNvSpPr>
-          <p:nvPr>
-            <p:ph type="sldNum" sz="quarter" idx="5"/>
-          </p:nvPr>
-        </p:nvSpPr>
-        <p:spPr/>
-        <p:txBody>
-          <a:bodyPr/>
-          <a:lstStyle/>
-          <a:p>
-            <a:fld id="{52F07621-6DF5-40C9-BD08-EFBFABC0EBA5}" type="slidenum">
-              <a:rPr lang="ru-RU" smtClean="0"/>
-              <a:t>22</a:t>
-            </a:fld>
-            <a:endParaRPr lang="ru-RU"/>
-          </a:p>
-        </p:txBody>
-      </p:sp>
-    </p:spTree>
-    <p:extLst>
-      <p:ext uri="{BB962C8B-B14F-4D97-AF65-F5344CB8AC3E}">
-        <p14:creationId xmlns:p14="http://schemas.microsoft.com/office/powerpoint/2010/main" val="2033317011"/>
-      </p:ext>
-    </p:extLst>
-  </p:cSld>
-  <p:clrMapOvr>
-    <a:masterClrMapping/>
-  </p:clrMapOvr>
-</p:notes>
-</file>
-
-<file path=ppt/notesSlides/notesSlide23.xml><?xml version="1.0" encoding="utf-8"?>
-<p:notes xmlns:a="http://schemas.openxmlformats.org/drawingml/2006/main" xmlns:r="http://schemas.openxmlformats.org/officeDocument/2006/relationships" xmlns:p="http://schemas.openxmlformats.org/presentationml/2006/main">
-  <p:cSld>
-    <p:spTree>
-      <p:nvGrpSpPr>
-        <p:cNvPr id="1" name=""/>
-        <p:cNvGrpSpPr/>
-        <p:nvPr/>
-      </p:nvGrpSpPr>
-      <p:grpSpPr>
-        <a:xfrm>
-          <a:off x="0" y="0"/>
-          <a:ext cx="0" cy="0"/>
-          <a:chOff x="0" y="0"/>
-          <a:chExt cx="0" cy="0"/>
-        </a:xfrm>
-      </p:grpSpPr>
-      <p:sp>
-        <p:nvSpPr>
-          <p:cNvPr id="2" name="Образ слайда 1"/>
-          <p:cNvSpPr>
-            <a:spLocks noGrp="1" noRot="1" noChangeAspect="1"/>
-          </p:cNvSpPr>
-          <p:nvPr>
-            <p:ph type="sldImg"/>
-          </p:nvPr>
-        </p:nvSpPr>
-        <p:spPr/>
-      </p:sp>
-      <p:sp>
-        <p:nvSpPr>
-          <p:cNvPr id="3" name="Заметки 2"/>
-          <p:cNvSpPr>
-            <a:spLocks noGrp="1"/>
-          </p:cNvSpPr>
-          <p:nvPr>
-            <p:ph type="body" idx="1"/>
-          </p:nvPr>
-        </p:nvSpPr>
-        <p:spPr/>
-        <p:txBody>
-          <a:bodyPr/>
-          <a:lstStyle/>
-          <a:p>
-            <a:r>
-              <a:rPr lang="ru-RU" sz="1200" kern="1200" dirty="0">
-                <a:solidFill>
-                  <a:schemeClr val="tx1"/>
-                </a:solidFill>
-                <a:effectLst/>
-                <a:latin typeface="+mn-lt"/>
-                <a:ea typeface="+mn-ea"/>
-                <a:cs typeface="+mn-cs"/>
-              </a:rPr>
-              <a:t>Спасибо за внимание! Доклад окончен!</a:t>
-            </a:r>
-            <a:endParaRPr lang="ru-RU" dirty="0"/>
-          </a:p>
-        </p:txBody>
-      </p:sp>
-      <p:sp>
-        <p:nvSpPr>
-          <p:cNvPr id="4" name="Номер слайда 3"/>
-          <p:cNvSpPr>
-            <a:spLocks noGrp="1"/>
-          </p:cNvSpPr>
-          <p:nvPr>
-            <p:ph type="sldNum" sz="quarter" idx="5"/>
-          </p:nvPr>
-        </p:nvSpPr>
-        <p:spPr/>
-        <p:txBody>
-          <a:bodyPr/>
-          <a:lstStyle/>
-          <a:p>
-            <a:fld id="{52F07621-6DF5-40C9-BD08-EFBFABC0EBA5}" type="slidenum">
-              <a:rPr lang="ru-RU" smtClean="0"/>
-              <a:t>23</a:t>
             </a:fld>
             <a:endParaRPr lang="ru-RU"/>
           </a:p>
@@ -12062,6 +11743,146 @@
           </a:p>
         </p:txBody>
       </p:sp>
+      <p:sp>
+        <p:nvSpPr>
+          <p:cNvPr id="34" name="Номер слайда 4">
+            <a:extLst>
+              <a:ext uri="{FF2B5EF4-FFF2-40B4-BE49-F238E27FC236}">
+                <a16:creationId xmlns:a16="http://schemas.microsoft.com/office/drawing/2014/main" id="{BFBD2270-FFFD-C0E7-3247-E9F8ED707BF2}"/>
+              </a:ext>
+            </a:extLst>
+          </p:cNvPr>
+          <p:cNvSpPr txBox="1">
+            <a:spLocks/>
+          </p:cNvSpPr>
+          <p:nvPr/>
+        </p:nvSpPr>
+        <p:spPr>
+          <a:xfrm>
+            <a:off x="11290040" y="0"/>
+            <a:ext cx="901959" cy="600076"/>
+          </a:xfrm>
+          <a:prstGeom prst="rect">
+            <a:avLst/>
+          </a:prstGeom>
+        </p:spPr>
+        <p:txBody>
+          <a:bodyPr vert="horz" lIns="91440" tIns="45720" rIns="91440" bIns="45720" rtlCol="0" anchor="ctr"/>
+          <a:lstStyle>
+            <a:defPPr>
+              <a:defRPr lang="en-US"/>
+            </a:defPPr>
+            <a:lvl1pPr marL="0" algn="r" defTabSz="457200" rtl="0" eaLnBrk="1" latinLnBrk="0" hangingPunct="1">
+              <a:defRPr sz="1000" b="0" i="0" kern="1200">
+                <a:solidFill>
+                  <a:schemeClr val="tx1"/>
+                </a:solidFill>
+                <a:effectLst/>
+                <a:latin typeface="+mn-lt"/>
+                <a:ea typeface="+mn-ea"/>
+                <a:cs typeface="+mn-cs"/>
+              </a:defRPr>
+            </a:lvl1pPr>
+            <a:lvl2pPr marL="457200" algn="l" defTabSz="457200" rtl="0" eaLnBrk="1" latinLnBrk="0" hangingPunct="1">
+              <a:defRPr sz="1800" kern="1200">
+                <a:solidFill>
+                  <a:schemeClr val="tx1"/>
+                </a:solidFill>
+                <a:latin typeface="+mn-lt"/>
+                <a:ea typeface="+mn-ea"/>
+                <a:cs typeface="+mn-cs"/>
+              </a:defRPr>
+            </a:lvl2pPr>
+            <a:lvl3pPr marL="914400" algn="l" defTabSz="457200" rtl="0" eaLnBrk="1" latinLnBrk="0" hangingPunct="1">
+              <a:defRPr sz="1800" kern="1200">
+                <a:solidFill>
+                  <a:schemeClr val="tx1"/>
+                </a:solidFill>
+                <a:latin typeface="+mn-lt"/>
+                <a:ea typeface="+mn-ea"/>
+                <a:cs typeface="+mn-cs"/>
+              </a:defRPr>
+            </a:lvl3pPr>
+            <a:lvl4pPr marL="1371600" algn="l" defTabSz="457200" rtl="0" eaLnBrk="1" latinLnBrk="0" hangingPunct="1">
+              <a:defRPr sz="1800" kern="1200">
+                <a:solidFill>
+                  <a:schemeClr val="tx1"/>
+                </a:solidFill>
+                <a:latin typeface="+mn-lt"/>
+                <a:ea typeface="+mn-ea"/>
+                <a:cs typeface="+mn-cs"/>
+              </a:defRPr>
+            </a:lvl4pPr>
+            <a:lvl5pPr marL="1828800" algn="l" defTabSz="457200" rtl="0" eaLnBrk="1" latinLnBrk="0" hangingPunct="1">
+              <a:defRPr sz="1800" kern="1200">
+                <a:solidFill>
+                  <a:schemeClr val="tx1"/>
+                </a:solidFill>
+                <a:latin typeface="+mn-lt"/>
+                <a:ea typeface="+mn-ea"/>
+                <a:cs typeface="+mn-cs"/>
+              </a:defRPr>
+            </a:lvl5pPr>
+            <a:lvl6pPr marL="2286000" algn="l" defTabSz="457200" rtl="0" eaLnBrk="1" latinLnBrk="0" hangingPunct="1">
+              <a:defRPr sz="1800" kern="1200">
+                <a:solidFill>
+                  <a:schemeClr val="tx1"/>
+                </a:solidFill>
+                <a:latin typeface="+mn-lt"/>
+                <a:ea typeface="+mn-ea"/>
+                <a:cs typeface="+mn-cs"/>
+              </a:defRPr>
+            </a:lvl6pPr>
+            <a:lvl7pPr marL="2743200" algn="l" defTabSz="457200" rtl="0" eaLnBrk="1" latinLnBrk="0" hangingPunct="1">
+              <a:defRPr sz="1800" kern="1200">
+                <a:solidFill>
+                  <a:schemeClr val="tx1"/>
+                </a:solidFill>
+                <a:latin typeface="+mn-lt"/>
+                <a:ea typeface="+mn-ea"/>
+                <a:cs typeface="+mn-cs"/>
+              </a:defRPr>
+            </a:lvl7pPr>
+            <a:lvl8pPr marL="3200400" algn="l" defTabSz="457200" rtl="0" eaLnBrk="1" latinLnBrk="0" hangingPunct="1">
+              <a:defRPr sz="1800" kern="1200">
+                <a:solidFill>
+                  <a:schemeClr val="tx1"/>
+                </a:solidFill>
+                <a:latin typeface="+mn-lt"/>
+                <a:ea typeface="+mn-ea"/>
+                <a:cs typeface="+mn-cs"/>
+              </a:defRPr>
+            </a:lvl8pPr>
+            <a:lvl9pPr marL="3657600" algn="l" defTabSz="457200" rtl="0" eaLnBrk="1" latinLnBrk="0" hangingPunct="1">
+              <a:defRPr sz="1800" kern="1200">
+                <a:solidFill>
+                  <a:schemeClr val="tx1"/>
+                </a:solidFill>
+                <a:latin typeface="+mn-lt"/>
+                <a:ea typeface="+mn-ea"/>
+                <a:cs typeface="+mn-cs"/>
+              </a:defRPr>
+            </a:lvl9pPr>
+          </a:lstStyle>
+          <a:p>
+            <a:pPr algn="ctr"/>
+            <a:fld id="{E674C0A0-8DE9-4942-9F1B-2332F349D007}" type="slidenum">
+              <a:rPr lang="ru-RU" sz="2200" smtClean="0">
+                <a:latin typeface="Tahoma" panose="020B0604030504040204" pitchFamily="34" charset="0"/>
+                <a:ea typeface="Tahoma" panose="020B0604030504040204" pitchFamily="34" charset="0"/>
+                <a:cs typeface="Tahoma" panose="020B0604030504040204" pitchFamily="34" charset="0"/>
+              </a:rPr>
+              <a:pPr algn="ctr"/>
+              <a:t>10</a:t>
+            </a:fld>
+            <a:endParaRPr lang="ru-RU" sz="2200" dirty="0">
+              <a:latin typeface="Tahoma" panose="020B0604030504040204" pitchFamily="34" charset="0"/>
+              <a:ea typeface="Tahoma" panose="020B0604030504040204" pitchFamily="34" charset="0"/>
+              <a:cs typeface="Tahoma" panose="020B0604030504040204" pitchFamily="34" charset="0"/>
+            </a:endParaRPr>
+          </a:p>
+        </p:txBody>
+      </p:sp>
     </p:spTree>
     <p:extLst>
       <p:ext uri="{BB962C8B-B14F-4D97-AF65-F5344CB8AC3E}">
@@ -17281,596 +17102,6 @@
 </file>
 
 <file path=ppt/slides/slide12.xml><?xml version="1.0" encoding="utf-8"?>
-<p:sld xmlns:a="http://schemas.openxmlformats.org/drawingml/2006/main" xmlns:r="http://schemas.openxmlformats.org/officeDocument/2006/relationships" xmlns:p="http://schemas.openxmlformats.org/presentationml/2006/main" show="0">
-  <p:cSld>
-    <p:spTree>
-      <p:nvGrpSpPr>
-        <p:cNvPr id="1" name=""/>
-        <p:cNvGrpSpPr/>
-        <p:nvPr/>
-      </p:nvGrpSpPr>
-      <p:grpSpPr>
-        <a:xfrm>
-          <a:off x="0" y="0"/>
-          <a:ext cx="0" cy="0"/>
-          <a:chOff x="0" y="0"/>
-          <a:chExt cx="0" cy="0"/>
-        </a:xfrm>
-      </p:grpSpPr>
-      <p:sp>
-        <p:nvSpPr>
-          <p:cNvPr id="7" name="Заголовок 1">
-            <a:extLst>
-              <a:ext uri="{FF2B5EF4-FFF2-40B4-BE49-F238E27FC236}">
-                <a16:creationId xmlns:a16="http://schemas.microsoft.com/office/drawing/2014/main" id="{0AC31A72-5FA3-A939-1D1C-E89299BFE294}"/>
-              </a:ext>
-            </a:extLst>
-          </p:cNvPr>
-          <p:cNvSpPr>
-            <a:spLocks noGrp="1"/>
-          </p:cNvSpPr>
-          <p:nvPr>
-            <p:ph type="title"/>
-          </p:nvPr>
-        </p:nvSpPr>
-        <p:spPr>
-          <a:xfrm>
-            <a:off x="-1" y="0"/>
-            <a:ext cx="12191999" cy="600076"/>
-          </a:xfrm>
-        </p:spPr>
-        <p:txBody>
-          <a:bodyPr>
-            <a:noAutofit/>
-          </a:bodyPr>
-          <a:lstStyle/>
-          <a:p>
-            <a:pPr algn="ctr"/>
-            <a:r>
-              <a:rPr lang="ru-RU" dirty="0">
-                <a:latin typeface="Times New Roman" panose="02020603050405020304" pitchFamily="18" charset="0"/>
-                <a:cs typeface="Times New Roman" panose="02020603050405020304" pitchFamily="18" charset="0"/>
-              </a:rPr>
-              <a:t>ШАБЛОНЫ ДОКУМЕНТОВ</a:t>
-            </a:r>
-            <a:endParaRPr lang="ru-RU" dirty="0">
-              <a:solidFill>
-                <a:schemeClr val="tx1"/>
-              </a:solidFill>
-              <a:latin typeface="Times New Roman" panose="02020603050405020304" pitchFamily="18" charset="0"/>
-              <a:cs typeface="Times New Roman" panose="02020603050405020304" pitchFamily="18" charset="0"/>
-            </a:endParaRPr>
-          </a:p>
-        </p:txBody>
-      </p:sp>
-      <p:sp>
-        <p:nvSpPr>
-          <p:cNvPr id="14" name="Номер слайда 4">
-            <a:extLst>
-              <a:ext uri="{FF2B5EF4-FFF2-40B4-BE49-F238E27FC236}">
-                <a16:creationId xmlns:a16="http://schemas.microsoft.com/office/drawing/2014/main" id="{DB47AF26-AF92-C82B-7102-0AE934D6853A}"/>
-              </a:ext>
-            </a:extLst>
-          </p:cNvPr>
-          <p:cNvSpPr txBox="1">
-            <a:spLocks/>
-          </p:cNvSpPr>
-          <p:nvPr/>
-        </p:nvSpPr>
-        <p:spPr>
-          <a:xfrm>
-            <a:off x="11290040" y="0"/>
-            <a:ext cx="901959" cy="600076"/>
-          </a:xfrm>
-          <a:prstGeom prst="rect">
-            <a:avLst/>
-          </a:prstGeom>
-        </p:spPr>
-        <p:txBody>
-          <a:bodyPr vert="horz" lIns="91440" tIns="45720" rIns="91440" bIns="45720" rtlCol="0" anchor="ctr"/>
-          <a:lstStyle>
-            <a:defPPr>
-              <a:defRPr lang="en-US"/>
-            </a:defPPr>
-            <a:lvl1pPr marL="0" algn="r" defTabSz="457200" rtl="0" eaLnBrk="1" latinLnBrk="0" hangingPunct="1">
-              <a:defRPr sz="1000" b="0" i="0" kern="1200">
-                <a:solidFill>
-                  <a:schemeClr val="tx1"/>
-                </a:solidFill>
-                <a:effectLst/>
-                <a:latin typeface="+mn-lt"/>
-                <a:ea typeface="+mn-ea"/>
-                <a:cs typeface="+mn-cs"/>
-              </a:defRPr>
-            </a:lvl1pPr>
-            <a:lvl2pPr marL="457200" algn="l" defTabSz="457200" rtl="0" eaLnBrk="1" latinLnBrk="0" hangingPunct="1">
-              <a:defRPr sz="1800" kern="1200">
-                <a:solidFill>
-                  <a:schemeClr val="tx1"/>
-                </a:solidFill>
-                <a:latin typeface="+mn-lt"/>
-                <a:ea typeface="+mn-ea"/>
-                <a:cs typeface="+mn-cs"/>
-              </a:defRPr>
-            </a:lvl2pPr>
-            <a:lvl3pPr marL="914400" algn="l" defTabSz="457200" rtl="0" eaLnBrk="1" latinLnBrk="0" hangingPunct="1">
-              <a:defRPr sz="1800" kern="1200">
-                <a:solidFill>
-                  <a:schemeClr val="tx1"/>
-                </a:solidFill>
-                <a:latin typeface="+mn-lt"/>
-                <a:ea typeface="+mn-ea"/>
-                <a:cs typeface="+mn-cs"/>
-              </a:defRPr>
-            </a:lvl3pPr>
-            <a:lvl4pPr marL="1371600" algn="l" defTabSz="457200" rtl="0" eaLnBrk="1" latinLnBrk="0" hangingPunct="1">
-              <a:defRPr sz="1800" kern="1200">
-                <a:solidFill>
-                  <a:schemeClr val="tx1"/>
-                </a:solidFill>
-                <a:latin typeface="+mn-lt"/>
-                <a:ea typeface="+mn-ea"/>
-                <a:cs typeface="+mn-cs"/>
-              </a:defRPr>
-            </a:lvl4pPr>
-            <a:lvl5pPr marL="1828800" algn="l" defTabSz="457200" rtl="0" eaLnBrk="1" latinLnBrk="0" hangingPunct="1">
-              <a:defRPr sz="1800" kern="1200">
-                <a:solidFill>
-                  <a:schemeClr val="tx1"/>
-                </a:solidFill>
-                <a:latin typeface="+mn-lt"/>
-                <a:ea typeface="+mn-ea"/>
-                <a:cs typeface="+mn-cs"/>
-              </a:defRPr>
-            </a:lvl5pPr>
-            <a:lvl6pPr marL="2286000" algn="l" defTabSz="457200" rtl="0" eaLnBrk="1" latinLnBrk="0" hangingPunct="1">
-              <a:defRPr sz="1800" kern="1200">
-                <a:solidFill>
-                  <a:schemeClr val="tx1"/>
-                </a:solidFill>
-                <a:latin typeface="+mn-lt"/>
-                <a:ea typeface="+mn-ea"/>
-                <a:cs typeface="+mn-cs"/>
-              </a:defRPr>
-            </a:lvl6pPr>
-            <a:lvl7pPr marL="2743200" algn="l" defTabSz="457200" rtl="0" eaLnBrk="1" latinLnBrk="0" hangingPunct="1">
-              <a:defRPr sz="1800" kern="1200">
-                <a:solidFill>
-                  <a:schemeClr val="tx1"/>
-                </a:solidFill>
-                <a:latin typeface="+mn-lt"/>
-                <a:ea typeface="+mn-ea"/>
-                <a:cs typeface="+mn-cs"/>
-              </a:defRPr>
-            </a:lvl7pPr>
-            <a:lvl8pPr marL="3200400" algn="l" defTabSz="457200" rtl="0" eaLnBrk="1" latinLnBrk="0" hangingPunct="1">
-              <a:defRPr sz="1800" kern="1200">
-                <a:solidFill>
-                  <a:schemeClr val="tx1"/>
-                </a:solidFill>
-                <a:latin typeface="+mn-lt"/>
-                <a:ea typeface="+mn-ea"/>
-                <a:cs typeface="+mn-cs"/>
-              </a:defRPr>
-            </a:lvl8pPr>
-            <a:lvl9pPr marL="3657600" algn="l" defTabSz="457200" rtl="0" eaLnBrk="1" latinLnBrk="0" hangingPunct="1">
-              <a:defRPr sz="1800" kern="1200">
-                <a:solidFill>
-                  <a:schemeClr val="tx1"/>
-                </a:solidFill>
-                <a:latin typeface="+mn-lt"/>
-                <a:ea typeface="+mn-ea"/>
-                <a:cs typeface="+mn-cs"/>
-              </a:defRPr>
-            </a:lvl9pPr>
-          </a:lstStyle>
-          <a:p>
-            <a:pPr algn="ctr"/>
-            <a:fld id="{E674C0A0-8DE9-4942-9F1B-2332F349D007}" type="slidenum">
-              <a:rPr lang="ru-RU" sz="2200" smtClean="0">
-                <a:latin typeface="Tahoma" panose="020B0604030504040204" pitchFamily="34" charset="0"/>
-                <a:ea typeface="Tahoma" panose="020B0604030504040204" pitchFamily="34" charset="0"/>
-                <a:cs typeface="Tahoma" panose="020B0604030504040204" pitchFamily="34" charset="0"/>
-              </a:rPr>
-              <a:pPr algn="ctr"/>
-              <a:t>12</a:t>
-            </a:fld>
-            <a:endParaRPr lang="ru-RU" sz="2200" dirty="0">
-              <a:latin typeface="Tahoma" panose="020B0604030504040204" pitchFamily="34" charset="0"/>
-              <a:ea typeface="Tahoma" panose="020B0604030504040204" pitchFamily="34" charset="0"/>
-              <a:cs typeface="Tahoma" panose="020B0604030504040204" pitchFamily="34" charset="0"/>
-            </a:endParaRPr>
-          </a:p>
-        </p:txBody>
-      </p:sp>
-      <p:pic>
-        <p:nvPicPr>
-          <p:cNvPr id="2" name="Рисунок 1">
-            <a:extLst>
-              <a:ext uri="{FF2B5EF4-FFF2-40B4-BE49-F238E27FC236}">
-                <a16:creationId xmlns:a16="http://schemas.microsoft.com/office/drawing/2014/main" id="{3595A2B9-5525-44A9-B2C2-4B66D2B1C678}"/>
-              </a:ext>
-            </a:extLst>
-          </p:cNvPr>
-          <p:cNvPicPr>
-            <a:picLocks noChangeAspect="1"/>
-          </p:cNvPicPr>
-          <p:nvPr/>
-        </p:nvPicPr>
-        <p:blipFill>
-          <a:blip r:embed="rId3"/>
-          <a:stretch>
-            <a:fillRect/>
-          </a:stretch>
-        </p:blipFill>
-        <p:spPr>
-          <a:xfrm>
-            <a:off x="0" y="733142"/>
-            <a:ext cx="6986588" cy="4907934"/>
-          </a:xfrm>
-          <a:prstGeom prst="rect">
-            <a:avLst/>
-          </a:prstGeom>
-        </p:spPr>
-      </p:pic>
-      <p:pic>
-        <p:nvPicPr>
-          <p:cNvPr id="3" name="Рисунок 2">
-            <a:extLst>
-              <a:ext uri="{FF2B5EF4-FFF2-40B4-BE49-F238E27FC236}">
-                <a16:creationId xmlns:a16="http://schemas.microsoft.com/office/drawing/2014/main" id="{F19EA75D-49FE-4668-AF6E-A1A6A5475F05}"/>
-              </a:ext>
-            </a:extLst>
-          </p:cNvPr>
-          <p:cNvPicPr>
-            <a:picLocks noChangeAspect="1"/>
-          </p:cNvPicPr>
-          <p:nvPr/>
-        </p:nvPicPr>
-        <p:blipFill>
-          <a:blip r:embed="rId4"/>
-          <a:stretch>
-            <a:fillRect/>
-          </a:stretch>
-        </p:blipFill>
-        <p:spPr>
-          <a:xfrm>
-            <a:off x="5915025" y="733142"/>
-            <a:ext cx="6276975" cy="6124858"/>
-          </a:xfrm>
-          <a:prstGeom prst="rect">
-            <a:avLst/>
-          </a:prstGeom>
-        </p:spPr>
-      </p:pic>
-      <p:pic>
-        <p:nvPicPr>
-          <p:cNvPr id="5" name="Рисунок 4">
-            <a:extLst>
-              <a:ext uri="{FF2B5EF4-FFF2-40B4-BE49-F238E27FC236}">
-                <a16:creationId xmlns:a16="http://schemas.microsoft.com/office/drawing/2014/main" id="{FCFD1320-6529-40C5-86D9-474C552A5FF4}"/>
-              </a:ext>
-            </a:extLst>
-          </p:cNvPr>
-          <p:cNvPicPr>
-            <a:picLocks noChangeAspect="1"/>
-          </p:cNvPicPr>
-          <p:nvPr/>
-        </p:nvPicPr>
-        <p:blipFill>
-          <a:blip r:embed="rId5"/>
-          <a:stretch>
-            <a:fillRect/>
-          </a:stretch>
-        </p:blipFill>
-        <p:spPr>
-          <a:xfrm>
-            <a:off x="1" y="1811612"/>
-            <a:ext cx="6986588" cy="5046387"/>
-          </a:xfrm>
-          <a:prstGeom prst="rect">
-            <a:avLst/>
-          </a:prstGeom>
-        </p:spPr>
-      </p:pic>
-      <p:pic>
-        <p:nvPicPr>
-          <p:cNvPr id="8" name="Рисунок 7">
-            <a:extLst>
-              <a:ext uri="{FF2B5EF4-FFF2-40B4-BE49-F238E27FC236}">
-                <a16:creationId xmlns:a16="http://schemas.microsoft.com/office/drawing/2014/main" id="{44F428C2-6385-49C6-B63E-3B1E36F0A4D7}"/>
-              </a:ext>
-            </a:extLst>
-          </p:cNvPr>
-          <p:cNvPicPr>
-            <a:picLocks noChangeAspect="1"/>
-          </p:cNvPicPr>
-          <p:nvPr/>
-        </p:nvPicPr>
-        <p:blipFill>
-          <a:blip r:embed="rId6"/>
-          <a:stretch>
-            <a:fillRect/>
-          </a:stretch>
-        </p:blipFill>
-        <p:spPr>
-          <a:xfrm>
-            <a:off x="2970965" y="733140"/>
-            <a:ext cx="6250069" cy="6124859"/>
-          </a:xfrm>
-          <a:prstGeom prst="rect">
-            <a:avLst/>
-          </a:prstGeom>
-        </p:spPr>
-      </p:pic>
-    </p:spTree>
-    <p:extLst>
-      <p:ext uri="{BB962C8B-B14F-4D97-AF65-F5344CB8AC3E}">
-        <p14:creationId xmlns:p14="http://schemas.microsoft.com/office/powerpoint/2010/main" val="59767653"/>
-      </p:ext>
-    </p:extLst>
-  </p:cSld>
-  <p:clrMapOvr>
-    <a:masterClrMapping/>
-  </p:clrMapOvr>
-  <mc:AlternateContent xmlns:mc="http://schemas.openxmlformats.org/markup-compatibility/2006" xmlns:p14="http://schemas.microsoft.com/office/powerpoint/2010/main">
-    <mc:Choice Requires="p14">
-      <p:transition spd="med" p14:dur="700">
-        <p:fade/>
-      </p:transition>
-    </mc:Choice>
-    <mc:Fallback xmlns="">
-      <p:transition spd="med">
-        <p:fade/>
-      </p:transition>
-    </mc:Fallback>
-  </mc:AlternateContent>
-  <p:timing>
-    <p:tnLst>
-      <p:par>
-        <p:cTn id="1" dur="indefinite" restart="never" nodeType="tmRoot">
-          <p:childTnLst>
-            <p:seq concurrent="1" nextAc="seek">
-              <p:cTn id="2" dur="indefinite" nodeType="mainSeq">
-                <p:childTnLst>
-                  <p:par>
-                    <p:cTn id="3" fill="hold">
-                      <p:stCondLst>
-                        <p:cond delay="indefinite"/>
-                      </p:stCondLst>
-                      <p:childTnLst>
-                        <p:par>
-                          <p:cTn id="4" fill="hold">
-                            <p:stCondLst>
-                              <p:cond delay="0"/>
-                            </p:stCondLst>
-                            <p:childTnLst>
-                              <p:par>
-                                <p:cTn id="5" presetID="10" presetClass="entr" presetSubtype="0" fill="hold" nodeType="clickEffect">
-                                  <p:stCondLst>
-                                    <p:cond delay="0"/>
-                                  </p:stCondLst>
-                                  <p:childTnLst>
-                                    <p:set>
-                                      <p:cBhvr>
-                                        <p:cTn id="6" dur="1" fill="hold">
-                                          <p:stCondLst>
-                                            <p:cond delay="0"/>
-                                          </p:stCondLst>
-                                        </p:cTn>
-                                        <p:tgtEl>
-                                          <p:spTgt spid="2"/>
-                                        </p:tgtEl>
-                                        <p:attrNameLst>
-                                          <p:attrName>style.visibility</p:attrName>
-                                        </p:attrNameLst>
-                                      </p:cBhvr>
-                                      <p:to>
-                                        <p:strVal val="visible"/>
-                                      </p:to>
-                                    </p:set>
-                                    <p:animEffect transition="in" filter="fade">
-                                      <p:cBhvr>
-                                        <p:cTn id="7" dur="500"/>
-                                        <p:tgtEl>
-                                          <p:spTgt spid="2"/>
-                                        </p:tgtEl>
-                                      </p:cBhvr>
-                                    </p:animEffect>
-                                  </p:childTnLst>
-                                </p:cTn>
-                              </p:par>
-                            </p:childTnLst>
-                          </p:cTn>
-                        </p:par>
-                      </p:childTnLst>
-                    </p:cTn>
-                  </p:par>
-                  <p:par>
-                    <p:cTn id="8" fill="hold">
-                      <p:stCondLst>
-                        <p:cond delay="indefinite"/>
-                      </p:stCondLst>
-                      <p:childTnLst>
-                        <p:par>
-                          <p:cTn id="9" fill="hold">
-                            <p:stCondLst>
-                              <p:cond delay="0"/>
-                            </p:stCondLst>
-                            <p:childTnLst>
-                              <p:par>
-                                <p:cTn id="10" presetID="10" presetClass="entr" presetSubtype="0" fill="hold" nodeType="clickEffect">
-                                  <p:stCondLst>
-                                    <p:cond delay="0"/>
-                                  </p:stCondLst>
-                                  <p:childTnLst>
-                                    <p:set>
-                                      <p:cBhvr>
-                                        <p:cTn id="11" dur="1" fill="hold">
-                                          <p:stCondLst>
-                                            <p:cond delay="0"/>
-                                          </p:stCondLst>
-                                        </p:cTn>
-                                        <p:tgtEl>
-                                          <p:spTgt spid="8"/>
-                                        </p:tgtEl>
-                                        <p:attrNameLst>
-                                          <p:attrName>style.visibility</p:attrName>
-                                        </p:attrNameLst>
-                                      </p:cBhvr>
-                                      <p:to>
-                                        <p:strVal val="visible"/>
-                                      </p:to>
-                                    </p:set>
-                                    <p:animEffect transition="in" filter="fade">
-                                      <p:cBhvr>
-                                        <p:cTn id="12" dur="500"/>
-                                        <p:tgtEl>
-                                          <p:spTgt spid="8"/>
-                                        </p:tgtEl>
-                                      </p:cBhvr>
-                                    </p:animEffect>
-                                  </p:childTnLst>
-                                </p:cTn>
-                              </p:par>
-                            </p:childTnLst>
-                          </p:cTn>
-                        </p:par>
-                      </p:childTnLst>
-                    </p:cTn>
-                  </p:par>
-                  <p:par>
-                    <p:cTn id="13" fill="hold">
-                      <p:stCondLst>
-                        <p:cond delay="indefinite"/>
-                      </p:stCondLst>
-                      <p:childTnLst>
-                        <p:par>
-                          <p:cTn id="14" fill="hold">
-                            <p:stCondLst>
-                              <p:cond delay="0"/>
-                            </p:stCondLst>
-                            <p:childTnLst>
-                              <p:par>
-                                <p:cTn id="15" presetID="10" presetClass="entr" presetSubtype="0" fill="hold" nodeType="clickEffect">
-                                  <p:stCondLst>
-                                    <p:cond delay="0"/>
-                                  </p:stCondLst>
-                                  <p:childTnLst>
-                                    <p:set>
-                                      <p:cBhvr>
-                                        <p:cTn id="16" dur="1" fill="hold">
-                                          <p:stCondLst>
-                                            <p:cond delay="0"/>
-                                          </p:stCondLst>
-                                        </p:cTn>
-                                        <p:tgtEl>
-                                          <p:spTgt spid="5"/>
-                                        </p:tgtEl>
-                                        <p:attrNameLst>
-                                          <p:attrName>style.visibility</p:attrName>
-                                        </p:attrNameLst>
-                                      </p:cBhvr>
-                                      <p:to>
-                                        <p:strVal val="visible"/>
-                                      </p:to>
-                                    </p:set>
-                                    <p:animEffect transition="in" filter="fade">
-                                      <p:cBhvr>
-                                        <p:cTn id="17" dur="500"/>
-                                        <p:tgtEl>
-                                          <p:spTgt spid="5"/>
-                                        </p:tgtEl>
-                                      </p:cBhvr>
-                                    </p:animEffect>
-                                  </p:childTnLst>
-                                </p:cTn>
-                              </p:par>
-                            </p:childTnLst>
-                          </p:cTn>
-                        </p:par>
-                      </p:childTnLst>
-                    </p:cTn>
-                  </p:par>
-                  <p:par>
-                    <p:cTn id="18" fill="hold">
-                      <p:stCondLst>
-                        <p:cond delay="indefinite"/>
-                      </p:stCondLst>
-                      <p:childTnLst>
-                        <p:par>
-                          <p:cTn id="19" fill="hold">
-                            <p:stCondLst>
-                              <p:cond delay="0"/>
-                            </p:stCondLst>
-                            <p:childTnLst>
-                              <p:par>
-                                <p:cTn id="20" presetID="10" presetClass="entr" presetSubtype="0" fill="hold" nodeType="clickEffect">
-                                  <p:stCondLst>
-                                    <p:cond delay="0"/>
-                                  </p:stCondLst>
-                                  <p:childTnLst>
-                                    <p:set>
-                                      <p:cBhvr>
-                                        <p:cTn id="21" dur="1" fill="hold">
-                                          <p:stCondLst>
-                                            <p:cond delay="0"/>
-                                          </p:stCondLst>
-                                        </p:cTn>
-                                        <p:tgtEl>
-                                          <p:spTgt spid="3"/>
-                                        </p:tgtEl>
-                                        <p:attrNameLst>
-                                          <p:attrName>style.visibility</p:attrName>
-                                        </p:attrNameLst>
-                                      </p:cBhvr>
-                                      <p:to>
-                                        <p:strVal val="visible"/>
-                                      </p:to>
-                                    </p:set>
-                                    <p:animEffect transition="in" filter="fade">
-                                      <p:cBhvr>
-                                        <p:cTn id="22" dur="500"/>
-                                        <p:tgtEl>
-                                          <p:spTgt spid="3"/>
-                                        </p:tgtEl>
-                                      </p:cBhvr>
-                                    </p:animEffect>
-                                  </p:childTnLst>
-                                </p:cTn>
-                              </p:par>
-                            </p:childTnLst>
-                          </p:cTn>
-                        </p:par>
-                      </p:childTnLst>
-                    </p:cTn>
-                  </p:par>
-                </p:childTnLst>
-              </p:cTn>
-              <p:prevCondLst>
-                <p:cond evt="onPrev" delay="0">
-                  <p:tgtEl>
-                    <p:sldTgt/>
-                  </p:tgtEl>
-                </p:cond>
-              </p:prevCondLst>
-              <p:nextCondLst>
-                <p:cond evt="onNext" delay="0">
-                  <p:tgtEl>
-                    <p:sldTgt/>
-                  </p:tgtEl>
-                </p:cond>
-              </p:nextCondLst>
-            </p:seq>
-          </p:childTnLst>
-        </p:cTn>
-      </p:par>
-    </p:tnLst>
-  </p:timing>
-</p:sld>
-</file>
-
-<file path=ppt/slides/slide13.xml><?xml version="1.0" encoding="utf-8"?>
 <p:sld xmlns:a="http://schemas.openxmlformats.org/drawingml/2006/main" xmlns:r="http://schemas.openxmlformats.org/officeDocument/2006/relationships" xmlns:p="http://schemas.openxmlformats.org/presentationml/2006/main">
   <p:cSld>
     <p:spTree>
@@ -18063,7 +17294,7 @@
                 <a:cs typeface="Tahoma" panose="020B0604030504040204" pitchFamily="34" charset="0"/>
               </a:rPr>
               <a:pPr algn="ctr"/>
-              <a:t>13</a:t>
+              <a:t>12</a:t>
             </a:fld>
             <a:endParaRPr lang="ru-RU" sz="2200" dirty="0">
               <a:latin typeface="Tahoma" panose="020B0604030504040204" pitchFamily="34" charset="0"/>
@@ -18428,7 +17659,7 @@
 </p:sld>
 </file>
 
-<file path=ppt/slides/slide14.xml><?xml version="1.0" encoding="utf-8"?>
+<file path=ppt/slides/slide13.xml><?xml version="1.0" encoding="utf-8"?>
 <p:sld xmlns:a="http://schemas.openxmlformats.org/drawingml/2006/main" xmlns:r="http://schemas.openxmlformats.org/officeDocument/2006/relationships" xmlns:p="http://schemas.openxmlformats.org/presentationml/2006/main">
   <p:cSld>
     <p:spTree>
@@ -18613,7 +17844,7 @@
                 <a:cs typeface="Tahoma" panose="020B0604030504040204" pitchFamily="34" charset="0"/>
               </a:rPr>
               <a:pPr algn="ctr"/>
-              <a:t>14</a:t>
+              <a:t>13</a:t>
             </a:fld>
             <a:endParaRPr lang="ru-RU" sz="2200" dirty="0">
               <a:latin typeface="Tahoma" panose="020B0604030504040204" pitchFamily="34" charset="0"/>
@@ -18637,7 +17868,7 @@
         </p:nvSpPr>
         <p:spPr>
           <a:xfrm>
-            <a:off x="0" y="694945"/>
+            <a:off x="0" y="706124"/>
             <a:ext cx="12192000" cy="6156960"/>
           </a:xfrm>
           <a:prstGeom prst="rect">
@@ -18684,7 +17915,7 @@
         </p:nvSpPr>
         <p:spPr>
           <a:xfrm>
-            <a:off x="5960556" y="794623"/>
+            <a:off x="5960554" y="746383"/>
             <a:ext cx="388356" cy="393700"/>
           </a:xfrm>
           <a:prstGeom prst="ellipse">
@@ -19077,15 +18308,16 @@
             </a:extLst>
           </p:cNvPr>
           <p:cNvCxnSpPr>
+            <a:cxnSpLocks/>
             <a:stCxn id="5" idx="4"/>
             <a:endCxn id="3" idx="0"/>
           </p:cNvCxnSpPr>
           <p:nvPr/>
         </p:nvCxnSpPr>
         <p:spPr>
-          <a:xfrm flipH="1">
-            <a:off x="6154733" y="1188323"/>
-            <a:ext cx="1" cy="480957"/>
+          <a:xfrm>
+            <a:off x="6154732" y="1140083"/>
+            <a:ext cx="1" cy="529197"/>
           </a:xfrm>
           <a:prstGeom prst="straightConnector1">
             <a:avLst/>
@@ -19380,7 +18612,7 @@
         </p:nvSpPr>
         <p:spPr>
           <a:xfrm>
-            <a:off x="6114257" y="1183031"/>
+            <a:off x="6188096" y="1183031"/>
             <a:ext cx="1812640" cy="461665"/>
           </a:xfrm>
           <a:prstGeom prst="rect">
@@ -19421,7 +18653,7 @@
         </p:nvSpPr>
         <p:spPr>
           <a:xfrm>
-            <a:off x="6113894" y="2142020"/>
+            <a:off x="6249862" y="2152605"/>
             <a:ext cx="1305709" cy="461665"/>
           </a:xfrm>
           <a:prstGeom prst="rect">
@@ -19462,7 +18694,7 @@
         </p:nvSpPr>
         <p:spPr>
           <a:xfrm>
-            <a:off x="6129362" y="3238759"/>
+            <a:off x="6295134" y="3269323"/>
             <a:ext cx="1708346" cy="461665"/>
           </a:xfrm>
           <a:prstGeom prst="rect">
@@ -19544,7 +18776,7 @@
         </p:nvSpPr>
         <p:spPr>
           <a:xfrm>
-            <a:off x="6095999" y="4470540"/>
+            <a:off x="6188095" y="4500275"/>
             <a:ext cx="1741709" cy="461665"/>
           </a:xfrm>
           <a:prstGeom prst="rect">
@@ -19656,6 +18888,45 @@
           </a:p>
         </p:txBody>
       </p:sp>
+      <p:sp>
+        <p:nvSpPr>
+          <p:cNvPr id="13" name="TextBox 12">
+            <a:extLst>
+              <a:ext uri="{FF2B5EF4-FFF2-40B4-BE49-F238E27FC236}">
+                <a16:creationId xmlns:a16="http://schemas.microsoft.com/office/drawing/2014/main" id="{7ABE02F1-E660-9186-9460-44CC735D84B2}"/>
+              </a:ext>
+            </a:extLst>
+          </p:cNvPr>
+          <p:cNvSpPr txBox="1"/>
+          <p:nvPr/>
+        </p:nvSpPr>
+        <p:spPr>
+          <a:xfrm>
+            <a:off x="10895798" y="669548"/>
+            <a:ext cx="1183907" cy="492443"/>
+          </a:xfrm>
+          <a:prstGeom prst="rect">
+            <a:avLst/>
+          </a:prstGeom>
+          <a:noFill/>
+        </p:spPr>
+        <p:txBody>
+          <a:bodyPr wrap="square" rtlCol="0">
+            <a:spAutoFit/>
+          </a:bodyPr>
+          <a:lstStyle/>
+          <a:p>
+            <a:r>
+              <a:rPr lang="ru-RU" sz="2600" dirty="0">
+                <a:solidFill>
+                  <a:schemeClr val="bg1"/>
+                </a:solidFill>
+              </a:rPr>
+              <a:t>Ученик</a:t>
+            </a:r>
+          </a:p>
+        </p:txBody>
+      </p:sp>
     </p:spTree>
     <p:extLst>
       <p:ext uri="{BB962C8B-B14F-4D97-AF65-F5344CB8AC3E}">
@@ -19699,7 +18970,7 @@
                             </p:stCondLst>
                             <p:childTnLst>
                               <p:par>
-                                <p:cTn id="5" presetID="2" presetClass="entr" presetSubtype="4" fill="hold" grpId="0" nodeType="clickEffect">
+                                <p:cTn id="5" presetID="2" presetClass="entr" presetSubtype="4" fill="hold" nodeType="clickEffect">
                                   <p:stCondLst>
                                     <p:cond delay="0"/>
                                   </p:stCondLst>
@@ -19712,7 +18983,7 @@
                                           </p:stCondLst>
                                         </p:cTn>
                                         <p:tgtEl>
-                                          <p:spTgt spid="5"/>
+                                          <p:spTgt spid="14"/>
                                         </p:tgtEl>
                                         <p:attrNameLst>
                                           <p:attrName>style.visibility</p:attrName>
@@ -19726,7 +18997,7 @@
                                       <p:cBhvr additive="base">
                                         <p:cTn id="7" dur="500" fill="hold"/>
                                         <p:tgtEl>
-                                          <p:spTgt spid="5"/>
+                                          <p:spTgt spid="14"/>
                                         </p:tgtEl>
                                         <p:attrNameLst>
                                           <p:attrName>ppt_x</p:attrName>
@@ -19749,7 +19020,226 @@
                                       <p:cBhvr additive="base">
                                         <p:cTn id="8" dur="500" fill="hold"/>
                                         <p:tgtEl>
+                                          <p:spTgt spid="14"/>
+                                        </p:tgtEl>
+                                        <p:attrNameLst>
+                                          <p:attrName>ppt_y</p:attrName>
+                                        </p:attrNameLst>
+                                      </p:cBhvr>
+                                      <p:tavLst>
+                                        <p:tav tm="0">
+                                          <p:val>
+                                            <p:strVal val="1+#ppt_h/2"/>
+                                          </p:val>
+                                        </p:tav>
+                                        <p:tav tm="100000">
+                                          <p:val>
+                                            <p:strVal val="#ppt_y"/>
+                                          </p:val>
+                                        </p:tav>
+                                      </p:tavLst>
+                                    </p:anim>
+                                  </p:childTnLst>
+                                </p:cTn>
+                              </p:par>
+                              <p:par>
+                                <p:cTn id="9" presetID="2" presetClass="entr" presetSubtype="4" fill="hold" grpId="0" nodeType="withEffect">
+                                  <p:stCondLst>
+                                    <p:cond delay="0"/>
+                                  </p:stCondLst>
+                                  <p:childTnLst>
+                                    <p:set>
+                                      <p:cBhvr>
+                                        <p:cTn id="10" dur="1" fill="hold">
+                                          <p:stCondLst>
+                                            <p:cond delay="0"/>
+                                          </p:stCondLst>
+                                        </p:cTn>
+                                        <p:tgtEl>
                                           <p:spTgt spid="5"/>
+                                        </p:tgtEl>
+                                        <p:attrNameLst>
+                                          <p:attrName>style.visibility</p:attrName>
+                                        </p:attrNameLst>
+                                      </p:cBhvr>
+                                      <p:to>
+                                        <p:strVal val="visible"/>
+                                      </p:to>
+                                    </p:set>
+                                    <p:anim calcmode="lin" valueType="num">
+                                      <p:cBhvr additive="base">
+                                        <p:cTn id="11" dur="500" fill="hold"/>
+                                        <p:tgtEl>
+                                          <p:spTgt spid="5"/>
+                                        </p:tgtEl>
+                                        <p:attrNameLst>
+                                          <p:attrName>ppt_x</p:attrName>
+                                        </p:attrNameLst>
+                                      </p:cBhvr>
+                                      <p:tavLst>
+                                        <p:tav tm="0">
+                                          <p:val>
+                                            <p:strVal val="#ppt_x"/>
+                                          </p:val>
+                                        </p:tav>
+                                        <p:tav tm="100000">
+                                          <p:val>
+                                            <p:strVal val="#ppt_x"/>
+                                          </p:val>
+                                        </p:tav>
+                                      </p:tavLst>
+                                    </p:anim>
+                                    <p:anim calcmode="lin" valueType="num">
+                                      <p:cBhvr additive="base">
+                                        <p:cTn id="12" dur="500" fill="hold"/>
+                                        <p:tgtEl>
+                                          <p:spTgt spid="5"/>
+                                        </p:tgtEl>
+                                        <p:attrNameLst>
+                                          <p:attrName>ppt_y</p:attrName>
+                                        </p:attrNameLst>
+                                      </p:cBhvr>
+                                      <p:tavLst>
+                                        <p:tav tm="0">
+                                          <p:val>
+                                            <p:strVal val="1+#ppt_h/2"/>
+                                          </p:val>
+                                        </p:tav>
+                                        <p:tav tm="100000">
+                                          <p:val>
+                                            <p:strVal val="#ppt_y"/>
+                                          </p:val>
+                                        </p:tav>
+                                      </p:tavLst>
+                                    </p:anim>
+                                  </p:childTnLst>
+                                </p:cTn>
+                              </p:par>
+                              <p:par>
+                                <p:cTn id="13" presetID="2" presetClass="entr" presetSubtype="4" fill="hold" grpId="0" nodeType="withEffect">
+                                  <p:stCondLst>
+                                    <p:cond delay="0"/>
+                                  </p:stCondLst>
+                                  <p:childTnLst>
+                                    <p:set>
+                                      <p:cBhvr>
+                                        <p:cTn id="14" dur="1" fill="hold">
+                                          <p:stCondLst>
+                                            <p:cond delay="0"/>
+                                          </p:stCondLst>
+                                        </p:cTn>
+                                        <p:tgtEl>
+                                          <p:spTgt spid="36"/>
+                                        </p:tgtEl>
+                                        <p:attrNameLst>
+                                          <p:attrName>style.visibility</p:attrName>
+                                        </p:attrNameLst>
+                                      </p:cBhvr>
+                                      <p:to>
+                                        <p:strVal val="visible"/>
+                                      </p:to>
+                                    </p:set>
+                                    <p:anim calcmode="lin" valueType="num">
+                                      <p:cBhvr additive="base">
+                                        <p:cTn id="15" dur="500" fill="hold"/>
+                                        <p:tgtEl>
+                                          <p:spTgt spid="36"/>
+                                        </p:tgtEl>
+                                        <p:attrNameLst>
+                                          <p:attrName>ppt_x</p:attrName>
+                                        </p:attrNameLst>
+                                      </p:cBhvr>
+                                      <p:tavLst>
+                                        <p:tav tm="0">
+                                          <p:val>
+                                            <p:strVal val="#ppt_x"/>
+                                          </p:val>
+                                        </p:tav>
+                                        <p:tav tm="100000">
+                                          <p:val>
+                                            <p:strVal val="#ppt_x"/>
+                                          </p:val>
+                                        </p:tav>
+                                      </p:tavLst>
+                                    </p:anim>
+                                    <p:anim calcmode="lin" valueType="num">
+                                      <p:cBhvr additive="base">
+                                        <p:cTn id="16" dur="500" fill="hold"/>
+                                        <p:tgtEl>
+                                          <p:spTgt spid="36"/>
+                                        </p:tgtEl>
+                                        <p:attrNameLst>
+                                          <p:attrName>ppt_y</p:attrName>
+                                        </p:attrNameLst>
+                                      </p:cBhvr>
+                                      <p:tavLst>
+                                        <p:tav tm="0">
+                                          <p:val>
+                                            <p:strVal val="1+#ppt_h/2"/>
+                                          </p:val>
+                                        </p:tav>
+                                        <p:tav tm="100000">
+                                          <p:val>
+                                            <p:strVal val="#ppt_y"/>
+                                          </p:val>
+                                        </p:tav>
+                                      </p:tavLst>
+                                    </p:anim>
+                                  </p:childTnLst>
+                                </p:cTn>
+                              </p:par>
+                              <p:par>
+                                <p:cTn id="17" presetID="2" presetClass="entr" presetSubtype="4" fill="hold" grpId="0" nodeType="withEffect">
+                                  <p:stCondLst>
+                                    <p:cond delay="0"/>
+                                  </p:stCondLst>
+                                  <p:childTnLst>
+                                    <p:set>
+                                      <p:cBhvr>
+                                        <p:cTn id="18" dur="1" fill="hold">
+                                          <p:stCondLst>
+                                            <p:cond delay="0"/>
+                                          </p:stCondLst>
+                                        </p:cTn>
+                                        <p:tgtEl>
+                                          <p:spTgt spid="3"/>
+                                        </p:tgtEl>
+                                        <p:attrNameLst>
+                                          <p:attrName>style.visibility</p:attrName>
+                                        </p:attrNameLst>
+                                      </p:cBhvr>
+                                      <p:to>
+                                        <p:strVal val="visible"/>
+                                      </p:to>
+                                    </p:set>
+                                    <p:anim calcmode="lin" valueType="num">
+                                      <p:cBhvr additive="base">
+                                        <p:cTn id="19" dur="500" fill="hold"/>
+                                        <p:tgtEl>
+                                          <p:spTgt spid="3"/>
+                                        </p:tgtEl>
+                                        <p:attrNameLst>
+                                          <p:attrName>ppt_x</p:attrName>
+                                        </p:attrNameLst>
+                                      </p:cBhvr>
+                                      <p:tavLst>
+                                        <p:tav tm="0">
+                                          <p:val>
+                                            <p:strVal val="#ppt_x"/>
+                                          </p:val>
+                                        </p:tav>
+                                        <p:tav tm="100000">
+                                          <p:val>
+                                            <p:strVal val="#ppt_x"/>
+                                          </p:val>
+                                        </p:tav>
+                                      </p:tavLst>
+                                    </p:anim>
+                                    <p:anim calcmode="lin" valueType="num">
+                                      <p:cBhvr additive="base">
+                                        <p:cTn id="20" dur="500" fill="hold"/>
+                                        <p:tgtEl>
+                                          <p:spTgt spid="3"/>
                                         </p:tgtEl>
                                         <p:attrNameLst>
                                           <p:attrName>ppt_y</p:attrName>
@@ -19778,32 +19268,32 @@
                     </p:cTn>
                   </p:par>
                   <p:par>
-                    <p:cTn id="9" fill="hold">
+                    <p:cTn id="21" fill="hold">
                       <p:stCondLst>
                         <p:cond delay="indefinite"/>
                       </p:stCondLst>
                       <p:childTnLst>
                         <p:par>
-                          <p:cTn id="10" fill="hold">
+                          <p:cTn id="22" fill="hold">
                             <p:stCondLst>
                               <p:cond delay="0"/>
                             </p:stCondLst>
                             <p:childTnLst>
                               <p:par>
-                                <p:cTn id="11" presetID="2" presetClass="entr" presetSubtype="4" fill="hold" grpId="0" nodeType="clickEffect">
+                                <p:cTn id="23" presetID="2" presetClass="entr" presetSubtype="4" fill="hold" nodeType="clickEffect">
                                   <p:stCondLst>
                                     <p:cond delay="0"/>
                                   </p:stCondLst>
                                   <p:childTnLst>
                                     <p:set>
                                       <p:cBhvr>
-                                        <p:cTn id="12" dur="1" fill="hold">
+                                        <p:cTn id="24" dur="1" fill="hold">
                                           <p:stCondLst>
                                             <p:cond delay="0"/>
                                           </p:stCondLst>
                                         </p:cTn>
                                         <p:tgtEl>
-                                          <p:spTgt spid="6"/>
+                                          <p:spTgt spid="16"/>
                                         </p:tgtEl>
                                         <p:attrNameLst>
                                           <p:attrName>style.visibility</p:attrName>
@@ -19815,9 +19305,9 @@
                                     </p:set>
                                     <p:anim calcmode="lin" valueType="num">
                                       <p:cBhvr additive="base">
-                                        <p:cTn id="13" dur="500" fill="hold"/>
-                                        <p:tgtEl>
-                                          <p:spTgt spid="6"/>
+                                        <p:cTn id="25" dur="500" fill="hold"/>
+                                        <p:tgtEl>
+                                          <p:spTgt spid="16"/>
                                         </p:tgtEl>
                                         <p:attrNameLst>
                                           <p:attrName>ppt_x</p:attrName>
@@ -19838,9 +19328,447 @@
                                     </p:anim>
                                     <p:anim calcmode="lin" valueType="num">
                                       <p:cBhvr additive="base">
-                                        <p:cTn id="14" dur="500" fill="hold"/>
-                                        <p:tgtEl>
-                                          <p:spTgt spid="6"/>
+                                        <p:cTn id="26" dur="500" fill="hold"/>
+                                        <p:tgtEl>
+                                          <p:spTgt spid="16"/>
+                                        </p:tgtEl>
+                                        <p:attrNameLst>
+                                          <p:attrName>ppt_y</p:attrName>
+                                        </p:attrNameLst>
+                                      </p:cBhvr>
+                                      <p:tavLst>
+                                        <p:tav tm="0">
+                                          <p:val>
+                                            <p:strVal val="1+#ppt_h/2"/>
+                                          </p:val>
+                                        </p:tav>
+                                        <p:tav tm="100000">
+                                          <p:val>
+                                            <p:strVal val="#ppt_y"/>
+                                          </p:val>
+                                        </p:tav>
+                                      </p:tavLst>
+                                    </p:anim>
+                                  </p:childTnLst>
+                                </p:cTn>
+                              </p:par>
+                              <p:par>
+                                <p:cTn id="27" presetID="2" presetClass="entr" presetSubtype="4" fill="hold" grpId="0" nodeType="withEffect">
+                                  <p:stCondLst>
+                                    <p:cond delay="0"/>
+                                  </p:stCondLst>
+                                  <p:childTnLst>
+                                    <p:set>
+                                      <p:cBhvr>
+                                        <p:cTn id="28" dur="1" fill="hold">
+                                          <p:stCondLst>
+                                            <p:cond delay="0"/>
+                                          </p:stCondLst>
+                                        </p:cTn>
+                                        <p:tgtEl>
+                                          <p:spTgt spid="10"/>
+                                        </p:tgtEl>
+                                        <p:attrNameLst>
+                                          <p:attrName>style.visibility</p:attrName>
+                                        </p:attrNameLst>
+                                      </p:cBhvr>
+                                      <p:to>
+                                        <p:strVal val="visible"/>
+                                      </p:to>
+                                    </p:set>
+                                    <p:anim calcmode="lin" valueType="num">
+                                      <p:cBhvr additive="base">
+                                        <p:cTn id="29" dur="500" fill="hold"/>
+                                        <p:tgtEl>
+                                          <p:spTgt spid="10"/>
+                                        </p:tgtEl>
+                                        <p:attrNameLst>
+                                          <p:attrName>ppt_x</p:attrName>
+                                        </p:attrNameLst>
+                                      </p:cBhvr>
+                                      <p:tavLst>
+                                        <p:tav tm="0">
+                                          <p:val>
+                                            <p:strVal val="#ppt_x"/>
+                                          </p:val>
+                                        </p:tav>
+                                        <p:tav tm="100000">
+                                          <p:val>
+                                            <p:strVal val="#ppt_x"/>
+                                          </p:val>
+                                        </p:tav>
+                                      </p:tavLst>
+                                    </p:anim>
+                                    <p:anim calcmode="lin" valueType="num">
+                                      <p:cBhvr additive="base">
+                                        <p:cTn id="30" dur="500" fill="hold"/>
+                                        <p:tgtEl>
+                                          <p:spTgt spid="10"/>
+                                        </p:tgtEl>
+                                        <p:attrNameLst>
+                                          <p:attrName>ppt_y</p:attrName>
+                                        </p:attrNameLst>
+                                      </p:cBhvr>
+                                      <p:tavLst>
+                                        <p:tav tm="0">
+                                          <p:val>
+                                            <p:strVal val="1+#ppt_h/2"/>
+                                          </p:val>
+                                        </p:tav>
+                                        <p:tav tm="100000">
+                                          <p:val>
+                                            <p:strVal val="#ppt_y"/>
+                                          </p:val>
+                                        </p:tav>
+                                      </p:tavLst>
+                                    </p:anim>
+                                  </p:childTnLst>
+                                </p:cTn>
+                              </p:par>
+                              <p:par>
+                                <p:cTn id="31" presetID="2" presetClass="entr" presetSubtype="4" fill="hold" grpId="0" nodeType="withEffect">
+                                  <p:stCondLst>
+                                    <p:cond delay="0"/>
+                                  </p:stCondLst>
+                                  <p:childTnLst>
+                                    <p:set>
+                                      <p:cBhvr>
+                                        <p:cTn id="32" dur="1" fill="hold">
+                                          <p:stCondLst>
+                                            <p:cond delay="0"/>
+                                          </p:stCondLst>
+                                        </p:cTn>
+                                        <p:tgtEl>
+                                          <p:spTgt spid="37"/>
+                                        </p:tgtEl>
+                                        <p:attrNameLst>
+                                          <p:attrName>style.visibility</p:attrName>
+                                        </p:attrNameLst>
+                                      </p:cBhvr>
+                                      <p:to>
+                                        <p:strVal val="visible"/>
+                                      </p:to>
+                                    </p:set>
+                                    <p:anim calcmode="lin" valueType="num">
+                                      <p:cBhvr additive="base">
+                                        <p:cTn id="33" dur="500" fill="hold"/>
+                                        <p:tgtEl>
+                                          <p:spTgt spid="37"/>
+                                        </p:tgtEl>
+                                        <p:attrNameLst>
+                                          <p:attrName>ppt_x</p:attrName>
+                                        </p:attrNameLst>
+                                      </p:cBhvr>
+                                      <p:tavLst>
+                                        <p:tav tm="0">
+                                          <p:val>
+                                            <p:strVal val="#ppt_x"/>
+                                          </p:val>
+                                        </p:tav>
+                                        <p:tav tm="100000">
+                                          <p:val>
+                                            <p:strVal val="#ppt_x"/>
+                                          </p:val>
+                                        </p:tav>
+                                      </p:tavLst>
+                                    </p:anim>
+                                    <p:anim calcmode="lin" valueType="num">
+                                      <p:cBhvr additive="base">
+                                        <p:cTn id="34" dur="500" fill="hold"/>
+                                        <p:tgtEl>
+                                          <p:spTgt spid="37"/>
+                                        </p:tgtEl>
+                                        <p:attrNameLst>
+                                          <p:attrName>ppt_y</p:attrName>
+                                        </p:attrNameLst>
+                                      </p:cBhvr>
+                                      <p:tavLst>
+                                        <p:tav tm="0">
+                                          <p:val>
+                                            <p:strVal val="1+#ppt_h/2"/>
+                                          </p:val>
+                                        </p:tav>
+                                        <p:tav tm="100000">
+                                          <p:val>
+                                            <p:strVal val="#ppt_y"/>
+                                          </p:val>
+                                        </p:tav>
+                                      </p:tavLst>
+                                    </p:anim>
+                                  </p:childTnLst>
+                                </p:cTn>
+                              </p:par>
+                              <p:par>
+                                <p:cTn id="35" presetID="2" presetClass="entr" presetSubtype="4" fill="hold" nodeType="withEffect">
+                                  <p:stCondLst>
+                                    <p:cond delay="0"/>
+                                  </p:stCondLst>
+                                  <p:childTnLst>
+                                    <p:set>
+                                      <p:cBhvr>
+                                        <p:cTn id="36" dur="1" fill="hold">
+                                          <p:stCondLst>
+                                            <p:cond delay="0"/>
+                                          </p:stCondLst>
+                                        </p:cTn>
+                                        <p:tgtEl>
+                                          <p:spTgt spid="33"/>
+                                        </p:tgtEl>
+                                        <p:attrNameLst>
+                                          <p:attrName>style.visibility</p:attrName>
+                                        </p:attrNameLst>
+                                      </p:cBhvr>
+                                      <p:to>
+                                        <p:strVal val="visible"/>
+                                      </p:to>
+                                    </p:set>
+                                    <p:anim calcmode="lin" valueType="num">
+                                      <p:cBhvr additive="base">
+                                        <p:cTn id="37" dur="500" fill="hold"/>
+                                        <p:tgtEl>
+                                          <p:spTgt spid="33"/>
+                                        </p:tgtEl>
+                                        <p:attrNameLst>
+                                          <p:attrName>ppt_x</p:attrName>
+                                        </p:attrNameLst>
+                                      </p:cBhvr>
+                                      <p:tavLst>
+                                        <p:tav tm="0">
+                                          <p:val>
+                                            <p:strVal val="#ppt_x"/>
+                                          </p:val>
+                                        </p:tav>
+                                        <p:tav tm="100000">
+                                          <p:val>
+                                            <p:strVal val="#ppt_x"/>
+                                          </p:val>
+                                        </p:tav>
+                                      </p:tavLst>
+                                    </p:anim>
+                                    <p:anim calcmode="lin" valueType="num">
+                                      <p:cBhvr additive="base">
+                                        <p:cTn id="38" dur="500" fill="hold"/>
+                                        <p:tgtEl>
+                                          <p:spTgt spid="33"/>
+                                        </p:tgtEl>
+                                        <p:attrNameLst>
+                                          <p:attrName>ppt_y</p:attrName>
+                                        </p:attrNameLst>
+                                      </p:cBhvr>
+                                      <p:tavLst>
+                                        <p:tav tm="0">
+                                          <p:val>
+                                            <p:strVal val="1+#ppt_h/2"/>
+                                          </p:val>
+                                        </p:tav>
+                                        <p:tav tm="100000">
+                                          <p:val>
+                                            <p:strVal val="#ppt_y"/>
+                                          </p:val>
+                                        </p:tav>
+                                      </p:tavLst>
+                                    </p:anim>
+                                  </p:childTnLst>
+                                </p:cTn>
+                              </p:par>
+                              <p:par>
+                                <p:cTn id="39" presetID="2" presetClass="entr" presetSubtype="4" fill="hold" grpId="0" nodeType="withEffect">
+                                  <p:stCondLst>
+                                    <p:cond delay="0"/>
+                                  </p:stCondLst>
+                                  <p:childTnLst>
+                                    <p:set>
+                                      <p:cBhvr>
+                                        <p:cTn id="40" dur="1" fill="hold">
+                                          <p:stCondLst>
+                                            <p:cond delay="0"/>
+                                          </p:stCondLst>
+                                        </p:cTn>
+                                        <p:tgtEl>
+                                          <p:spTgt spid="39"/>
+                                        </p:tgtEl>
+                                        <p:attrNameLst>
+                                          <p:attrName>style.visibility</p:attrName>
+                                        </p:attrNameLst>
+                                      </p:cBhvr>
+                                      <p:to>
+                                        <p:strVal val="visible"/>
+                                      </p:to>
+                                    </p:set>
+                                    <p:anim calcmode="lin" valueType="num">
+                                      <p:cBhvr additive="base">
+                                        <p:cTn id="41" dur="500" fill="hold"/>
+                                        <p:tgtEl>
+                                          <p:spTgt spid="39"/>
+                                        </p:tgtEl>
+                                        <p:attrNameLst>
+                                          <p:attrName>ppt_x</p:attrName>
+                                        </p:attrNameLst>
+                                      </p:cBhvr>
+                                      <p:tavLst>
+                                        <p:tav tm="0">
+                                          <p:val>
+                                            <p:strVal val="#ppt_x"/>
+                                          </p:val>
+                                        </p:tav>
+                                        <p:tav tm="100000">
+                                          <p:val>
+                                            <p:strVal val="#ppt_x"/>
+                                          </p:val>
+                                        </p:tav>
+                                      </p:tavLst>
+                                    </p:anim>
+                                    <p:anim calcmode="lin" valueType="num">
+                                      <p:cBhvr additive="base">
+                                        <p:cTn id="42" dur="500" fill="hold"/>
+                                        <p:tgtEl>
+                                          <p:spTgt spid="39"/>
+                                        </p:tgtEl>
+                                        <p:attrNameLst>
+                                          <p:attrName>ppt_y</p:attrName>
+                                        </p:attrNameLst>
+                                      </p:cBhvr>
+                                      <p:tavLst>
+                                        <p:tav tm="0">
+                                          <p:val>
+                                            <p:strVal val="1+#ppt_h/2"/>
+                                          </p:val>
+                                        </p:tav>
+                                        <p:tav tm="100000">
+                                          <p:val>
+                                            <p:strVal val="#ppt_y"/>
+                                          </p:val>
+                                        </p:tav>
+                                      </p:tavLst>
+                                    </p:anim>
+                                  </p:childTnLst>
+                                </p:cTn>
+                              </p:par>
+                              <p:par>
+                                <p:cTn id="43" presetID="2" presetClass="entr" presetSubtype="4" fill="hold" nodeType="withEffect">
+                                  <p:stCondLst>
+                                    <p:cond delay="0"/>
+                                  </p:stCondLst>
+                                  <p:childTnLst>
+                                    <p:set>
+                                      <p:cBhvr>
+                                        <p:cTn id="44" dur="1" fill="hold">
+                                          <p:stCondLst>
+                                            <p:cond delay="0"/>
+                                          </p:stCondLst>
+                                        </p:cTn>
+                                        <p:tgtEl>
+                                          <p:spTgt spid="30"/>
+                                        </p:tgtEl>
+                                        <p:attrNameLst>
+                                          <p:attrName>style.visibility</p:attrName>
+                                        </p:attrNameLst>
+                                      </p:cBhvr>
+                                      <p:to>
+                                        <p:strVal val="visible"/>
+                                      </p:to>
+                                    </p:set>
+                                    <p:anim calcmode="lin" valueType="num">
+                                      <p:cBhvr additive="base">
+                                        <p:cTn id="45" dur="500" fill="hold"/>
+                                        <p:tgtEl>
+                                          <p:spTgt spid="30"/>
+                                        </p:tgtEl>
+                                        <p:attrNameLst>
+                                          <p:attrName>ppt_x</p:attrName>
+                                        </p:attrNameLst>
+                                      </p:cBhvr>
+                                      <p:tavLst>
+                                        <p:tav tm="0">
+                                          <p:val>
+                                            <p:strVal val="#ppt_x"/>
+                                          </p:val>
+                                        </p:tav>
+                                        <p:tav tm="100000">
+                                          <p:val>
+                                            <p:strVal val="#ppt_x"/>
+                                          </p:val>
+                                        </p:tav>
+                                      </p:tavLst>
+                                    </p:anim>
+                                    <p:anim calcmode="lin" valueType="num">
+                                      <p:cBhvr additive="base">
+                                        <p:cTn id="46" dur="500" fill="hold"/>
+                                        <p:tgtEl>
+                                          <p:spTgt spid="30"/>
+                                        </p:tgtEl>
+                                        <p:attrNameLst>
+                                          <p:attrName>ppt_y</p:attrName>
+                                        </p:attrNameLst>
+                                      </p:cBhvr>
+                                      <p:tavLst>
+                                        <p:tav tm="0">
+                                          <p:val>
+                                            <p:strVal val="1+#ppt_h/2"/>
+                                          </p:val>
+                                        </p:tav>
+                                        <p:tav tm="100000">
+                                          <p:val>
+                                            <p:strVal val="#ppt_y"/>
+                                          </p:val>
+                                        </p:tav>
+                                      </p:tavLst>
+                                    </p:anim>
+                                  </p:childTnLst>
+                                </p:cTn>
+                              </p:par>
+                              <p:par>
+                                <p:cTn id="47" presetID="2" presetClass="entr" presetSubtype="4" fill="hold" grpId="0" nodeType="withEffect">
+                                  <p:stCondLst>
+                                    <p:cond delay="0"/>
+                                  </p:stCondLst>
+                                  <p:childTnLst>
+                                    <p:set>
+                                      <p:cBhvr>
+                                        <p:cTn id="48" dur="1" fill="hold">
+                                          <p:stCondLst>
+                                            <p:cond delay="0"/>
+                                          </p:stCondLst>
+                                        </p:cTn>
+                                        <p:tgtEl>
+                                          <p:spTgt spid="9"/>
+                                        </p:tgtEl>
+                                        <p:attrNameLst>
+                                          <p:attrName>style.visibility</p:attrName>
+                                        </p:attrNameLst>
+                                      </p:cBhvr>
+                                      <p:to>
+                                        <p:strVal val="visible"/>
+                                      </p:to>
+                                    </p:set>
+                                    <p:anim calcmode="lin" valueType="num">
+                                      <p:cBhvr additive="base">
+                                        <p:cTn id="49" dur="500" fill="hold"/>
+                                        <p:tgtEl>
+                                          <p:spTgt spid="9"/>
+                                        </p:tgtEl>
+                                        <p:attrNameLst>
+                                          <p:attrName>ppt_x</p:attrName>
+                                        </p:attrNameLst>
+                                      </p:cBhvr>
+                                      <p:tavLst>
+                                        <p:tav tm="0">
+                                          <p:val>
+                                            <p:strVal val="#ppt_x"/>
+                                          </p:val>
+                                        </p:tav>
+                                        <p:tav tm="100000">
+                                          <p:val>
+                                            <p:strVal val="#ppt_x"/>
+                                          </p:val>
+                                        </p:tav>
+                                      </p:tavLst>
+                                    </p:anim>
+                                    <p:anim calcmode="lin" valueType="num">
+                                      <p:cBhvr additive="base">
+                                        <p:cTn id="50" dur="500" fill="hold"/>
+                                        <p:tgtEl>
+                                          <p:spTgt spid="9"/>
                                         </p:tgtEl>
                                         <p:attrNameLst>
                                           <p:attrName>ppt_y</p:attrName>
@@ -19869,32 +19797,32 @@
                     </p:cTn>
                   </p:par>
                   <p:par>
-                    <p:cTn id="15" fill="hold">
+                    <p:cTn id="51" fill="hold">
                       <p:stCondLst>
                         <p:cond delay="indefinite"/>
                       </p:stCondLst>
                       <p:childTnLst>
                         <p:par>
-                          <p:cTn id="16" fill="hold">
+                          <p:cTn id="52" fill="hold">
                             <p:stCondLst>
                               <p:cond delay="0"/>
                             </p:stCondLst>
                             <p:childTnLst>
                               <p:par>
-                                <p:cTn id="17" presetID="2" presetClass="entr" presetSubtype="4" fill="hold" grpId="0" nodeType="clickEffect">
+                                <p:cTn id="53" presetID="2" presetClass="entr" presetSubtype="4" fill="hold" nodeType="clickEffect">
                                   <p:stCondLst>
                                     <p:cond delay="0"/>
                                   </p:stCondLst>
                                   <p:childTnLst>
                                     <p:set>
                                       <p:cBhvr>
-                                        <p:cTn id="18" dur="1" fill="hold">
+                                        <p:cTn id="54" dur="1" fill="hold">
                                           <p:stCondLst>
                                             <p:cond delay="0"/>
                                           </p:stCondLst>
                                         </p:cTn>
                                         <p:tgtEl>
-                                          <p:spTgt spid="7"/>
+                                          <p:spTgt spid="18"/>
                                         </p:tgtEl>
                                         <p:attrNameLst>
                                           <p:attrName>style.visibility</p:attrName>
@@ -19906,9 +19834,9 @@
                                     </p:set>
                                     <p:anim calcmode="lin" valueType="num">
                                       <p:cBhvr additive="base">
-                                        <p:cTn id="19" dur="500" fill="hold"/>
-                                        <p:tgtEl>
-                                          <p:spTgt spid="7"/>
+                                        <p:cTn id="55" dur="500" fill="hold"/>
+                                        <p:tgtEl>
+                                          <p:spTgt spid="18"/>
                                         </p:tgtEl>
                                         <p:attrNameLst>
                                           <p:attrName>ppt_x</p:attrName>
@@ -19929,9 +19857,757 @@
                                     </p:anim>
                                     <p:anim calcmode="lin" valueType="num">
                                       <p:cBhvr additive="base">
-                                        <p:cTn id="20" dur="500" fill="hold"/>
+                                        <p:cTn id="56" dur="500" fill="hold"/>
+                                        <p:tgtEl>
+                                          <p:spTgt spid="18"/>
+                                        </p:tgtEl>
+                                        <p:attrNameLst>
+                                          <p:attrName>ppt_y</p:attrName>
+                                        </p:attrNameLst>
+                                      </p:cBhvr>
+                                      <p:tavLst>
+                                        <p:tav tm="0">
+                                          <p:val>
+                                            <p:strVal val="1+#ppt_h/2"/>
+                                          </p:val>
+                                        </p:tav>
+                                        <p:tav tm="100000">
+                                          <p:val>
+                                            <p:strVal val="#ppt_y"/>
+                                          </p:val>
+                                        </p:tav>
+                                      </p:tavLst>
+                                    </p:anim>
+                                  </p:childTnLst>
+                                </p:cTn>
+                              </p:par>
+                              <p:par>
+                                <p:cTn id="57" presetID="2" presetClass="entr" presetSubtype="4" fill="hold" grpId="0" nodeType="withEffect">
+                                  <p:stCondLst>
+                                    <p:cond delay="0"/>
+                                  </p:stCondLst>
+                                  <p:childTnLst>
+                                    <p:set>
+                                      <p:cBhvr>
+                                        <p:cTn id="58" dur="1" fill="hold">
+                                          <p:stCondLst>
+                                            <p:cond delay="0"/>
+                                          </p:stCondLst>
+                                        </p:cTn>
+                                        <p:tgtEl>
+                                          <p:spTgt spid="38"/>
+                                        </p:tgtEl>
+                                        <p:attrNameLst>
+                                          <p:attrName>style.visibility</p:attrName>
+                                        </p:attrNameLst>
+                                      </p:cBhvr>
+                                      <p:to>
+                                        <p:strVal val="visible"/>
+                                      </p:to>
+                                    </p:set>
+                                    <p:anim calcmode="lin" valueType="num">
+                                      <p:cBhvr additive="base">
+                                        <p:cTn id="59" dur="500" fill="hold"/>
+                                        <p:tgtEl>
+                                          <p:spTgt spid="38"/>
+                                        </p:tgtEl>
+                                        <p:attrNameLst>
+                                          <p:attrName>ppt_x</p:attrName>
+                                        </p:attrNameLst>
+                                      </p:cBhvr>
+                                      <p:tavLst>
+                                        <p:tav tm="0">
+                                          <p:val>
+                                            <p:strVal val="#ppt_x"/>
+                                          </p:val>
+                                        </p:tav>
+                                        <p:tav tm="100000">
+                                          <p:val>
+                                            <p:strVal val="#ppt_x"/>
+                                          </p:val>
+                                        </p:tav>
+                                      </p:tavLst>
+                                    </p:anim>
+                                    <p:anim calcmode="lin" valueType="num">
+                                      <p:cBhvr additive="base">
+                                        <p:cTn id="60" dur="500" fill="hold"/>
+                                        <p:tgtEl>
+                                          <p:spTgt spid="38"/>
+                                        </p:tgtEl>
+                                        <p:attrNameLst>
+                                          <p:attrName>ppt_y</p:attrName>
+                                        </p:attrNameLst>
+                                      </p:cBhvr>
+                                      <p:tavLst>
+                                        <p:tav tm="0">
+                                          <p:val>
+                                            <p:strVal val="1+#ppt_h/2"/>
+                                          </p:val>
+                                        </p:tav>
+                                        <p:tav tm="100000">
+                                          <p:val>
+                                            <p:strVal val="#ppt_y"/>
+                                          </p:val>
+                                        </p:tav>
+                                      </p:tavLst>
+                                    </p:anim>
+                                  </p:childTnLst>
+                                </p:cTn>
+                              </p:par>
+                              <p:par>
+                                <p:cTn id="61" presetID="2" presetClass="entr" presetSubtype="4" fill="hold" grpId="0" nodeType="withEffect">
+                                  <p:stCondLst>
+                                    <p:cond delay="0"/>
+                                  </p:stCondLst>
+                                  <p:childTnLst>
+                                    <p:set>
+                                      <p:cBhvr>
+                                        <p:cTn id="62" dur="1" fill="hold">
+                                          <p:stCondLst>
+                                            <p:cond delay="0"/>
+                                          </p:stCondLst>
+                                        </p:cTn>
+                                        <p:tgtEl>
+                                          <p:spTgt spid="11"/>
+                                        </p:tgtEl>
+                                        <p:attrNameLst>
+                                          <p:attrName>style.visibility</p:attrName>
+                                        </p:attrNameLst>
+                                      </p:cBhvr>
+                                      <p:to>
+                                        <p:strVal val="visible"/>
+                                      </p:to>
+                                    </p:set>
+                                    <p:anim calcmode="lin" valueType="num">
+                                      <p:cBhvr additive="base">
+                                        <p:cTn id="63" dur="500" fill="hold"/>
+                                        <p:tgtEl>
+                                          <p:spTgt spid="11"/>
+                                        </p:tgtEl>
+                                        <p:attrNameLst>
+                                          <p:attrName>ppt_x</p:attrName>
+                                        </p:attrNameLst>
+                                      </p:cBhvr>
+                                      <p:tavLst>
+                                        <p:tav tm="0">
+                                          <p:val>
+                                            <p:strVal val="#ppt_x"/>
+                                          </p:val>
+                                        </p:tav>
+                                        <p:tav tm="100000">
+                                          <p:val>
+                                            <p:strVal val="#ppt_x"/>
+                                          </p:val>
+                                        </p:tav>
+                                      </p:tavLst>
+                                    </p:anim>
+                                    <p:anim calcmode="lin" valueType="num">
+                                      <p:cBhvr additive="base">
+                                        <p:cTn id="64" dur="500" fill="hold"/>
+                                        <p:tgtEl>
+                                          <p:spTgt spid="11"/>
+                                        </p:tgtEl>
+                                        <p:attrNameLst>
+                                          <p:attrName>ppt_y</p:attrName>
+                                        </p:attrNameLst>
+                                      </p:cBhvr>
+                                      <p:tavLst>
+                                        <p:tav tm="0">
+                                          <p:val>
+                                            <p:strVal val="1+#ppt_h/2"/>
+                                          </p:val>
+                                        </p:tav>
+                                        <p:tav tm="100000">
+                                          <p:val>
+                                            <p:strVal val="#ppt_y"/>
+                                          </p:val>
+                                        </p:tav>
+                                      </p:tavLst>
+                                    </p:anim>
+                                  </p:childTnLst>
+                                </p:cTn>
+                              </p:par>
+                            </p:childTnLst>
+                          </p:cTn>
+                        </p:par>
+                      </p:childTnLst>
+                    </p:cTn>
+                  </p:par>
+                  <p:par>
+                    <p:cTn id="65" fill="hold">
+                      <p:stCondLst>
+                        <p:cond delay="indefinite"/>
+                      </p:stCondLst>
+                      <p:childTnLst>
+                        <p:par>
+                          <p:cTn id="66" fill="hold">
+                            <p:stCondLst>
+                              <p:cond delay="0"/>
+                            </p:stCondLst>
+                            <p:childTnLst>
+                              <p:par>
+                                <p:cTn id="67" presetID="2" presetClass="entr" presetSubtype="4" fill="hold" nodeType="clickEffect">
+                                  <p:stCondLst>
+                                    <p:cond delay="0"/>
+                                  </p:stCondLst>
+                                  <p:childTnLst>
+                                    <p:set>
+                                      <p:cBhvr>
+                                        <p:cTn id="68" dur="1" fill="hold">
+                                          <p:stCondLst>
+                                            <p:cond delay="0"/>
+                                          </p:stCondLst>
+                                        </p:cTn>
+                                        <p:tgtEl>
+                                          <p:spTgt spid="20"/>
+                                        </p:tgtEl>
+                                        <p:attrNameLst>
+                                          <p:attrName>style.visibility</p:attrName>
+                                        </p:attrNameLst>
+                                      </p:cBhvr>
+                                      <p:to>
+                                        <p:strVal val="visible"/>
+                                      </p:to>
+                                    </p:set>
+                                    <p:anim calcmode="lin" valueType="num">
+                                      <p:cBhvr additive="base">
+                                        <p:cTn id="69" dur="500" fill="hold"/>
+                                        <p:tgtEl>
+                                          <p:spTgt spid="20"/>
+                                        </p:tgtEl>
+                                        <p:attrNameLst>
+                                          <p:attrName>ppt_x</p:attrName>
+                                        </p:attrNameLst>
+                                      </p:cBhvr>
+                                      <p:tavLst>
+                                        <p:tav tm="0">
+                                          <p:val>
+                                            <p:strVal val="#ppt_x"/>
+                                          </p:val>
+                                        </p:tav>
+                                        <p:tav tm="100000">
+                                          <p:val>
+                                            <p:strVal val="#ppt_x"/>
+                                          </p:val>
+                                        </p:tav>
+                                      </p:tavLst>
+                                    </p:anim>
+                                    <p:anim calcmode="lin" valueType="num">
+                                      <p:cBhvr additive="base">
+                                        <p:cTn id="70" dur="500" fill="hold"/>
+                                        <p:tgtEl>
+                                          <p:spTgt spid="20"/>
+                                        </p:tgtEl>
+                                        <p:attrNameLst>
+                                          <p:attrName>ppt_y</p:attrName>
+                                        </p:attrNameLst>
+                                      </p:cBhvr>
+                                      <p:tavLst>
+                                        <p:tav tm="0">
+                                          <p:val>
+                                            <p:strVal val="1+#ppt_h/2"/>
+                                          </p:val>
+                                        </p:tav>
+                                        <p:tav tm="100000">
+                                          <p:val>
+                                            <p:strVal val="#ppt_y"/>
+                                          </p:val>
+                                        </p:tav>
+                                      </p:tavLst>
+                                    </p:anim>
+                                  </p:childTnLst>
+                                </p:cTn>
+                              </p:par>
+                              <p:par>
+                                <p:cTn id="71" presetID="2" presetClass="entr" presetSubtype="4" fill="hold" grpId="0" nodeType="withEffect">
+                                  <p:stCondLst>
+                                    <p:cond delay="0"/>
+                                  </p:stCondLst>
+                                  <p:childTnLst>
+                                    <p:set>
+                                      <p:cBhvr>
+                                        <p:cTn id="72" dur="1" fill="hold">
+                                          <p:stCondLst>
+                                            <p:cond delay="0"/>
+                                          </p:stCondLst>
+                                        </p:cTn>
+                                        <p:tgtEl>
+                                          <p:spTgt spid="43"/>
+                                        </p:tgtEl>
+                                        <p:attrNameLst>
+                                          <p:attrName>style.visibility</p:attrName>
+                                        </p:attrNameLst>
+                                      </p:cBhvr>
+                                      <p:to>
+                                        <p:strVal val="visible"/>
+                                      </p:to>
+                                    </p:set>
+                                    <p:anim calcmode="lin" valueType="num">
+                                      <p:cBhvr additive="base">
+                                        <p:cTn id="73" dur="500" fill="hold"/>
+                                        <p:tgtEl>
+                                          <p:spTgt spid="43"/>
+                                        </p:tgtEl>
+                                        <p:attrNameLst>
+                                          <p:attrName>ppt_x</p:attrName>
+                                        </p:attrNameLst>
+                                      </p:cBhvr>
+                                      <p:tavLst>
+                                        <p:tav tm="0">
+                                          <p:val>
+                                            <p:strVal val="#ppt_x"/>
+                                          </p:val>
+                                        </p:tav>
+                                        <p:tav tm="100000">
+                                          <p:val>
+                                            <p:strVal val="#ppt_x"/>
+                                          </p:val>
+                                        </p:tav>
+                                      </p:tavLst>
+                                    </p:anim>
+                                    <p:anim calcmode="lin" valueType="num">
+                                      <p:cBhvr additive="base">
+                                        <p:cTn id="74" dur="500" fill="hold"/>
+                                        <p:tgtEl>
+                                          <p:spTgt spid="43"/>
+                                        </p:tgtEl>
+                                        <p:attrNameLst>
+                                          <p:attrName>ppt_y</p:attrName>
+                                        </p:attrNameLst>
+                                      </p:cBhvr>
+                                      <p:tavLst>
+                                        <p:tav tm="0">
+                                          <p:val>
+                                            <p:strVal val="1+#ppt_h/2"/>
+                                          </p:val>
+                                        </p:tav>
+                                        <p:tav tm="100000">
+                                          <p:val>
+                                            <p:strVal val="#ppt_y"/>
+                                          </p:val>
+                                        </p:tav>
+                                      </p:tavLst>
+                                    </p:anim>
+                                  </p:childTnLst>
+                                </p:cTn>
+                              </p:par>
+                              <p:par>
+                                <p:cTn id="75" presetID="2" presetClass="entr" presetSubtype="4" fill="hold" nodeType="withEffect">
+                                  <p:stCondLst>
+                                    <p:cond delay="0"/>
+                                  </p:stCondLst>
+                                  <p:childTnLst>
+                                    <p:set>
+                                      <p:cBhvr>
+                                        <p:cTn id="76" dur="1" fill="hold">
+                                          <p:stCondLst>
+                                            <p:cond delay="0"/>
+                                          </p:stCondLst>
+                                        </p:cTn>
+                                        <p:tgtEl>
+                                          <p:spTgt spid="45"/>
+                                        </p:tgtEl>
+                                        <p:attrNameLst>
+                                          <p:attrName>style.visibility</p:attrName>
+                                        </p:attrNameLst>
+                                      </p:cBhvr>
+                                      <p:to>
+                                        <p:strVal val="visible"/>
+                                      </p:to>
+                                    </p:set>
+                                    <p:anim calcmode="lin" valueType="num">
+                                      <p:cBhvr additive="base">
+                                        <p:cTn id="77" dur="500" fill="hold"/>
+                                        <p:tgtEl>
+                                          <p:spTgt spid="45"/>
+                                        </p:tgtEl>
+                                        <p:attrNameLst>
+                                          <p:attrName>ppt_x</p:attrName>
+                                        </p:attrNameLst>
+                                      </p:cBhvr>
+                                      <p:tavLst>
+                                        <p:tav tm="0">
+                                          <p:val>
+                                            <p:strVal val="#ppt_x"/>
+                                          </p:val>
+                                        </p:tav>
+                                        <p:tav tm="100000">
+                                          <p:val>
+                                            <p:strVal val="#ppt_x"/>
+                                          </p:val>
+                                        </p:tav>
+                                      </p:tavLst>
+                                    </p:anim>
+                                    <p:anim calcmode="lin" valueType="num">
+                                      <p:cBhvr additive="base">
+                                        <p:cTn id="78" dur="500" fill="hold"/>
+                                        <p:tgtEl>
+                                          <p:spTgt spid="45"/>
+                                        </p:tgtEl>
+                                        <p:attrNameLst>
+                                          <p:attrName>ppt_y</p:attrName>
+                                        </p:attrNameLst>
+                                      </p:cBhvr>
+                                      <p:tavLst>
+                                        <p:tav tm="0">
+                                          <p:val>
+                                            <p:strVal val="1+#ppt_h/2"/>
+                                          </p:val>
+                                        </p:tav>
+                                        <p:tav tm="100000">
+                                          <p:val>
+                                            <p:strVal val="#ppt_y"/>
+                                          </p:val>
+                                        </p:tav>
+                                      </p:tavLst>
+                                    </p:anim>
+                                  </p:childTnLst>
+                                </p:cTn>
+                              </p:par>
+                              <p:par>
+                                <p:cTn id="79" presetID="2" presetClass="entr" presetSubtype="4" fill="hold" grpId="0" nodeType="withEffect">
+                                  <p:stCondLst>
+                                    <p:cond delay="0"/>
+                                  </p:stCondLst>
+                                  <p:childTnLst>
+                                    <p:set>
+                                      <p:cBhvr>
+                                        <p:cTn id="80" dur="1" fill="hold">
+                                          <p:stCondLst>
+                                            <p:cond delay="0"/>
+                                          </p:stCondLst>
+                                        </p:cTn>
+                                        <p:tgtEl>
+                                          <p:spTgt spid="47"/>
+                                        </p:tgtEl>
+                                        <p:attrNameLst>
+                                          <p:attrName>style.visibility</p:attrName>
+                                        </p:attrNameLst>
+                                      </p:cBhvr>
+                                      <p:to>
+                                        <p:strVal val="visible"/>
+                                      </p:to>
+                                    </p:set>
+                                    <p:anim calcmode="lin" valueType="num">
+                                      <p:cBhvr additive="base">
+                                        <p:cTn id="81" dur="500" fill="hold"/>
+                                        <p:tgtEl>
+                                          <p:spTgt spid="47"/>
+                                        </p:tgtEl>
+                                        <p:attrNameLst>
+                                          <p:attrName>ppt_x</p:attrName>
+                                        </p:attrNameLst>
+                                      </p:cBhvr>
+                                      <p:tavLst>
+                                        <p:tav tm="0">
+                                          <p:val>
+                                            <p:strVal val="#ppt_x"/>
+                                          </p:val>
+                                        </p:tav>
+                                        <p:tav tm="100000">
+                                          <p:val>
+                                            <p:strVal val="#ppt_x"/>
+                                          </p:val>
+                                        </p:tav>
+                                      </p:tavLst>
+                                    </p:anim>
+                                    <p:anim calcmode="lin" valueType="num">
+                                      <p:cBhvr additive="base">
+                                        <p:cTn id="82" dur="500" fill="hold"/>
+                                        <p:tgtEl>
+                                          <p:spTgt spid="47"/>
+                                        </p:tgtEl>
+                                        <p:attrNameLst>
+                                          <p:attrName>ppt_y</p:attrName>
+                                        </p:attrNameLst>
+                                      </p:cBhvr>
+                                      <p:tavLst>
+                                        <p:tav tm="0">
+                                          <p:val>
+                                            <p:strVal val="1+#ppt_h/2"/>
+                                          </p:val>
+                                        </p:tav>
+                                        <p:tav tm="100000">
+                                          <p:val>
+                                            <p:strVal val="#ppt_y"/>
+                                          </p:val>
+                                        </p:tav>
+                                      </p:tavLst>
+                                    </p:anim>
+                                  </p:childTnLst>
+                                </p:cTn>
+                              </p:par>
+                              <p:par>
+                                <p:cTn id="83" presetID="2" presetClass="entr" presetSubtype="4" fill="hold" grpId="0" nodeType="withEffect">
+                                  <p:stCondLst>
+                                    <p:cond delay="0"/>
+                                  </p:stCondLst>
+                                  <p:childTnLst>
+                                    <p:set>
+                                      <p:cBhvr>
+                                        <p:cTn id="84" dur="1" fill="hold">
+                                          <p:stCondLst>
+                                            <p:cond delay="0"/>
+                                          </p:stCondLst>
+                                        </p:cTn>
+                                        <p:tgtEl>
+                                          <p:spTgt spid="12"/>
+                                        </p:tgtEl>
+                                        <p:attrNameLst>
+                                          <p:attrName>style.visibility</p:attrName>
+                                        </p:attrNameLst>
+                                      </p:cBhvr>
+                                      <p:to>
+                                        <p:strVal val="visible"/>
+                                      </p:to>
+                                    </p:set>
+                                    <p:anim calcmode="lin" valueType="num">
+                                      <p:cBhvr additive="base">
+                                        <p:cTn id="85" dur="500" fill="hold"/>
+                                        <p:tgtEl>
+                                          <p:spTgt spid="12"/>
+                                        </p:tgtEl>
+                                        <p:attrNameLst>
+                                          <p:attrName>ppt_x</p:attrName>
+                                        </p:attrNameLst>
+                                      </p:cBhvr>
+                                      <p:tavLst>
+                                        <p:tav tm="0">
+                                          <p:val>
+                                            <p:strVal val="#ppt_x"/>
+                                          </p:val>
+                                        </p:tav>
+                                        <p:tav tm="100000">
+                                          <p:val>
+                                            <p:strVal val="#ppt_x"/>
+                                          </p:val>
+                                        </p:tav>
+                                      </p:tavLst>
+                                    </p:anim>
+                                    <p:anim calcmode="lin" valueType="num">
+                                      <p:cBhvr additive="base">
+                                        <p:cTn id="86" dur="500" fill="hold"/>
+                                        <p:tgtEl>
+                                          <p:spTgt spid="12"/>
+                                        </p:tgtEl>
+                                        <p:attrNameLst>
+                                          <p:attrName>ppt_y</p:attrName>
+                                        </p:attrNameLst>
+                                      </p:cBhvr>
+                                      <p:tavLst>
+                                        <p:tav tm="0">
+                                          <p:val>
+                                            <p:strVal val="1+#ppt_h/2"/>
+                                          </p:val>
+                                        </p:tav>
+                                        <p:tav tm="100000">
+                                          <p:val>
+                                            <p:strVal val="#ppt_y"/>
+                                          </p:val>
+                                        </p:tav>
+                                      </p:tavLst>
+                                    </p:anim>
+                                  </p:childTnLst>
+                                </p:cTn>
+                              </p:par>
+                              <p:par>
+                                <p:cTn id="87" presetID="2" presetClass="entr" presetSubtype="4" fill="hold" nodeType="withEffect">
+                                  <p:stCondLst>
+                                    <p:cond delay="0"/>
+                                  </p:stCondLst>
+                                  <p:childTnLst>
+                                    <p:set>
+                                      <p:cBhvr>
+                                        <p:cTn id="88" dur="1" fill="hold">
+                                          <p:stCondLst>
+                                            <p:cond delay="0"/>
+                                          </p:stCondLst>
+                                        </p:cTn>
+                                        <p:tgtEl>
+                                          <p:spTgt spid="22"/>
+                                        </p:tgtEl>
+                                        <p:attrNameLst>
+                                          <p:attrName>style.visibility</p:attrName>
+                                        </p:attrNameLst>
+                                      </p:cBhvr>
+                                      <p:to>
+                                        <p:strVal val="visible"/>
+                                      </p:to>
+                                    </p:set>
+                                    <p:anim calcmode="lin" valueType="num">
+                                      <p:cBhvr additive="base">
+                                        <p:cTn id="89" dur="500" fill="hold"/>
+                                        <p:tgtEl>
+                                          <p:spTgt spid="22"/>
+                                        </p:tgtEl>
+                                        <p:attrNameLst>
+                                          <p:attrName>ppt_x</p:attrName>
+                                        </p:attrNameLst>
+                                      </p:cBhvr>
+                                      <p:tavLst>
+                                        <p:tav tm="0">
+                                          <p:val>
+                                            <p:strVal val="#ppt_x"/>
+                                          </p:val>
+                                        </p:tav>
+                                        <p:tav tm="100000">
+                                          <p:val>
+                                            <p:strVal val="#ppt_x"/>
+                                          </p:val>
+                                        </p:tav>
+                                      </p:tavLst>
+                                    </p:anim>
+                                    <p:anim calcmode="lin" valueType="num">
+                                      <p:cBhvr additive="base">
+                                        <p:cTn id="90" dur="500" fill="hold"/>
+                                        <p:tgtEl>
+                                          <p:spTgt spid="22"/>
+                                        </p:tgtEl>
+                                        <p:attrNameLst>
+                                          <p:attrName>ppt_y</p:attrName>
+                                        </p:attrNameLst>
+                                      </p:cBhvr>
+                                      <p:tavLst>
+                                        <p:tav tm="0">
+                                          <p:val>
+                                            <p:strVal val="1+#ppt_h/2"/>
+                                          </p:val>
+                                        </p:tav>
+                                        <p:tav tm="100000">
+                                          <p:val>
+                                            <p:strVal val="#ppt_y"/>
+                                          </p:val>
+                                        </p:tav>
+                                      </p:tavLst>
+                                    </p:anim>
+                                  </p:childTnLst>
+                                </p:cTn>
+                              </p:par>
+                              <p:par>
+                                <p:cTn id="91" presetID="2" presetClass="entr" presetSubtype="4" fill="hold" grpId="0" nodeType="withEffect">
+                                  <p:stCondLst>
+                                    <p:cond delay="0"/>
+                                  </p:stCondLst>
+                                  <p:childTnLst>
+                                    <p:set>
+                                      <p:cBhvr>
+                                        <p:cTn id="92" dur="1" fill="hold">
+                                          <p:stCondLst>
+                                            <p:cond delay="0"/>
+                                          </p:stCondLst>
+                                        </p:cTn>
                                         <p:tgtEl>
                                           <p:spTgt spid="7"/>
+                                        </p:tgtEl>
+                                        <p:attrNameLst>
+                                          <p:attrName>style.visibility</p:attrName>
+                                        </p:attrNameLst>
+                                      </p:cBhvr>
+                                      <p:to>
+                                        <p:strVal val="visible"/>
+                                      </p:to>
+                                    </p:set>
+                                    <p:anim calcmode="lin" valueType="num">
+                                      <p:cBhvr additive="base">
+                                        <p:cTn id="93" dur="500" fill="hold"/>
+                                        <p:tgtEl>
+                                          <p:spTgt spid="7"/>
+                                        </p:tgtEl>
+                                        <p:attrNameLst>
+                                          <p:attrName>ppt_x</p:attrName>
+                                        </p:attrNameLst>
+                                      </p:cBhvr>
+                                      <p:tavLst>
+                                        <p:tav tm="0">
+                                          <p:val>
+                                            <p:strVal val="#ppt_x"/>
+                                          </p:val>
+                                        </p:tav>
+                                        <p:tav tm="100000">
+                                          <p:val>
+                                            <p:strVal val="#ppt_x"/>
+                                          </p:val>
+                                        </p:tav>
+                                      </p:tavLst>
+                                    </p:anim>
+                                    <p:anim calcmode="lin" valueType="num">
+                                      <p:cBhvr additive="base">
+                                        <p:cTn id="94" dur="500" fill="hold"/>
+                                        <p:tgtEl>
+                                          <p:spTgt spid="7"/>
+                                        </p:tgtEl>
+                                        <p:attrNameLst>
+                                          <p:attrName>ppt_y</p:attrName>
+                                        </p:attrNameLst>
+                                      </p:cBhvr>
+                                      <p:tavLst>
+                                        <p:tav tm="0">
+                                          <p:val>
+                                            <p:strVal val="1+#ppt_h/2"/>
+                                          </p:val>
+                                        </p:tav>
+                                        <p:tav tm="100000">
+                                          <p:val>
+                                            <p:strVal val="#ppt_y"/>
+                                          </p:val>
+                                        </p:tav>
+                                      </p:tavLst>
+                                    </p:anim>
+                                  </p:childTnLst>
+                                </p:cTn>
+                              </p:par>
+                              <p:par>
+                                <p:cTn id="95" presetID="2" presetClass="entr" presetSubtype="4" fill="hold" grpId="0" nodeType="withEffect">
+                                  <p:stCondLst>
+                                    <p:cond delay="0"/>
+                                  </p:stCondLst>
+                                  <p:childTnLst>
+                                    <p:set>
+                                      <p:cBhvr>
+                                        <p:cTn id="96" dur="1" fill="hold">
+                                          <p:stCondLst>
+                                            <p:cond delay="0"/>
+                                          </p:stCondLst>
+                                        </p:cTn>
+                                        <p:tgtEl>
+                                          <p:spTgt spid="6"/>
+                                        </p:tgtEl>
+                                        <p:attrNameLst>
+                                          <p:attrName>style.visibility</p:attrName>
+                                        </p:attrNameLst>
+                                      </p:cBhvr>
+                                      <p:to>
+                                        <p:strVal val="visible"/>
+                                      </p:to>
+                                    </p:set>
+                                    <p:anim calcmode="lin" valueType="num">
+                                      <p:cBhvr additive="base">
+                                        <p:cTn id="97" dur="500" fill="hold"/>
+                                        <p:tgtEl>
+                                          <p:spTgt spid="6"/>
+                                        </p:tgtEl>
+                                        <p:attrNameLst>
+                                          <p:attrName>ppt_x</p:attrName>
+                                        </p:attrNameLst>
+                                      </p:cBhvr>
+                                      <p:tavLst>
+                                        <p:tav tm="0">
+                                          <p:val>
+                                            <p:strVal val="#ppt_x"/>
+                                          </p:val>
+                                        </p:tav>
+                                        <p:tav tm="100000">
+                                          <p:val>
+                                            <p:strVal val="#ppt_x"/>
+                                          </p:val>
+                                        </p:tav>
+                                      </p:tavLst>
+                                    </p:anim>
+                                    <p:anim calcmode="lin" valueType="num">
+                                      <p:cBhvr additive="base">
+                                        <p:cTn id="98" dur="500" fill="hold"/>
+                                        <p:tgtEl>
+                                          <p:spTgt spid="6"/>
                                         </p:tgtEl>
                                         <p:attrNameLst>
                                           <p:attrName>ppt_y</p:attrName>
@@ -19984,12 +20660,23 @@
       <p:bldP spid="5" grpId="0" animBg="1"/>
       <p:bldP spid="6" grpId="0" animBg="1"/>
       <p:bldP spid="7" grpId="0" animBg="1"/>
+      <p:bldP spid="3" grpId="0" animBg="1"/>
+      <p:bldP spid="9" grpId="0" animBg="1"/>
+      <p:bldP spid="10" grpId="0" animBg="1"/>
+      <p:bldP spid="11" grpId="0" animBg="1"/>
+      <p:bldP spid="12" grpId="0" animBg="1"/>
+      <p:bldP spid="36" grpId="0"/>
+      <p:bldP spid="37" grpId="0"/>
+      <p:bldP spid="38" grpId="0"/>
+      <p:bldP spid="39" grpId="0"/>
+      <p:bldP spid="43" grpId="0"/>
+      <p:bldP spid="47" grpId="0"/>
     </p:bldLst>
   </p:timing>
 </p:sld>
 </file>
 
-<file path=ppt/slides/slide15.xml><?xml version="1.0" encoding="utf-8"?>
+<file path=ppt/slides/slide14.xml><?xml version="1.0" encoding="utf-8"?>
 <p:sld xmlns:a="http://schemas.openxmlformats.org/drawingml/2006/main" xmlns:r="http://schemas.openxmlformats.org/officeDocument/2006/relationships" xmlns:p="http://schemas.openxmlformats.org/presentationml/2006/main">
   <p:cSld>
     <p:spTree>
@@ -20129,7 +20816,7 @@
                 <a:latin typeface="Times New Roman" panose="02020603050405020304" pitchFamily="18" charset="0"/>
                 <a:cs typeface="Times New Roman" panose="02020603050405020304" pitchFamily="18" charset="0"/>
               </a:rPr>
-              <a:t>Данные об участниках деятельности</a:t>
+              <a:t>Данные об обучающихся</a:t>
             </a:r>
             <a:r>
               <a:rPr lang="en-US" sz="2200" dirty="0">
@@ -20477,7 +21164,7 @@
                 <a:cs typeface="Tahoma" panose="020B0604030504040204" pitchFamily="34" charset="0"/>
               </a:rPr>
               <a:pPr algn="ctr"/>
-              <a:t>15</a:t>
+              <a:t>14</a:t>
             </a:fld>
             <a:endParaRPr lang="ru-RU" sz="2200" dirty="0">
               <a:latin typeface="Tahoma" panose="020B0604030504040204" pitchFamily="34" charset="0"/>
@@ -20512,7 +21199,7 @@
 </p:sld>
 </file>
 
-<file path=ppt/slides/slide16.xml><?xml version="1.0" encoding="utf-8"?>
+<file path=ppt/slides/slide15.xml><?xml version="1.0" encoding="utf-8"?>
 <p:sld xmlns:a="http://schemas.openxmlformats.org/drawingml/2006/main" xmlns:r="http://schemas.openxmlformats.org/officeDocument/2006/relationships" xmlns:p="http://schemas.openxmlformats.org/presentationml/2006/main">
   <p:cSld>
     <p:spTree>
@@ -20788,7 +21475,7 @@
                 <a:cs typeface="Tahoma" panose="020B0604030504040204" pitchFamily="34" charset="0"/>
               </a:rPr>
               <a:pPr algn="ctr"/>
-              <a:t>16</a:t>
+              <a:t>15</a:t>
             </a:fld>
             <a:endParaRPr lang="ru-RU" sz="2200" dirty="0">
               <a:latin typeface="Tahoma" panose="020B0604030504040204" pitchFamily="34" charset="0"/>
@@ -22027,7 +22714,7 @@
 </p:sld>
 </file>
 
-<file path=ppt/slides/slide17.xml><?xml version="1.0" encoding="utf-8"?>
+<file path=ppt/slides/slide16.xml><?xml version="1.0" encoding="utf-8"?>
 <p:sld xmlns:a="http://schemas.openxmlformats.org/drawingml/2006/main" xmlns:r="http://schemas.openxmlformats.org/officeDocument/2006/relationships" xmlns:p="http://schemas.openxmlformats.org/presentationml/2006/main">
   <p:cSld>
     <p:spTree>
@@ -22479,7 +23166,7 @@
                 <a:latin typeface="Times New Roman" panose="02020603050405020304" pitchFamily="18" charset="0"/>
                 <a:cs typeface="Times New Roman" panose="02020603050405020304" pitchFamily="18" charset="0"/>
               </a:rPr>
-              <a:t>Более 15 уникальных интерфейсов и форм.</a:t>
+              <a:t>Более 10 уникальных интерфейсов и форм.</a:t>
             </a:r>
           </a:p>
         </p:txBody>
@@ -22614,7 +23301,7 @@
                 <a:cs typeface="Tahoma" panose="020B0604030504040204" pitchFamily="34" charset="0"/>
               </a:rPr>
               <a:pPr algn="ctr"/>
-              <a:t>17</a:t>
+              <a:t>16</a:t>
             </a:fld>
             <a:endParaRPr lang="ru-RU" sz="2200" dirty="0">
               <a:latin typeface="Tahoma" panose="020B0604030504040204" pitchFamily="34" charset="0"/>
@@ -23373,7 +24060,7 @@
 </p:sld>
 </file>
 
-<file path=ppt/slides/slide18.xml><?xml version="1.0" encoding="utf-8"?>
+<file path=ppt/slides/slide17.xml><?xml version="1.0" encoding="utf-8"?>
 <p:sld xmlns:a="http://schemas.openxmlformats.org/drawingml/2006/main" xmlns:r="http://schemas.openxmlformats.org/officeDocument/2006/relationships" xmlns:p="http://schemas.openxmlformats.org/presentationml/2006/main">
   <p:cSld>
     <p:spTree>
@@ -23803,7 +24490,7 @@
                 <a:cs typeface="Tahoma" panose="020B0604030504040204" pitchFamily="34" charset="0"/>
               </a:rPr>
               <a:pPr algn="ctr"/>
-              <a:t>18</a:t>
+              <a:t>17</a:t>
             </a:fld>
             <a:endParaRPr lang="ru-RU" sz="2200" dirty="0">
               <a:latin typeface="Tahoma" panose="020B0604030504040204" pitchFamily="34" charset="0"/>
@@ -23838,7 +24525,7 @@
 </p:sld>
 </file>
 
-<file path=ppt/slides/slide19.xml><?xml version="1.0" encoding="utf-8"?>
+<file path=ppt/slides/slide18.xml><?xml version="1.0" encoding="utf-8"?>
 <p:sld xmlns:a="http://schemas.openxmlformats.org/drawingml/2006/main" xmlns:r="http://schemas.openxmlformats.org/officeDocument/2006/relationships" xmlns:p="http://schemas.openxmlformats.org/presentationml/2006/main">
   <p:cSld>
     <p:spTree>
@@ -24142,7 +24829,7 @@
                 <a:cs typeface="Tahoma" panose="020B0604030504040204" pitchFamily="34" charset="0"/>
               </a:rPr>
               <a:pPr algn="ctr"/>
-              <a:t>19</a:t>
+              <a:t>18</a:t>
             </a:fld>
             <a:endParaRPr lang="ru-RU" sz="2200" dirty="0">
               <a:latin typeface="Tahoma" panose="020B0604030504040204" pitchFamily="34" charset="0"/>
@@ -24601,6 +25288,286 @@
 </p:sld>
 </file>
 
+<file path=ppt/slides/slide19.xml><?xml version="1.0" encoding="utf-8"?>
+<p:sld xmlns:a="http://schemas.openxmlformats.org/drawingml/2006/main" xmlns:r="http://schemas.openxmlformats.org/officeDocument/2006/relationships" xmlns:p="http://schemas.openxmlformats.org/presentationml/2006/main">
+  <p:cSld>
+    <p:spTree>
+      <p:nvGrpSpPr>
+        <p:cNvPr id="1" name=""/>
+        <p:cNvGrpSpPr/>
+        <p:nvPr/>
+      </p:nvGrpSpPr>
+      <p:grpSpPr>
+        <a:xfrm>
+          <a:off x="0" y="0"/>
+          <a:ext cx="0" cy="0"/>
+          <a:chOff x="0" y="0"/>
+          <a:chExt cx="0" cy="0"/>
+        </a:xfrm>
+      </p:grpSpPr>
+      <p:sp>
+        <p:nvSpPr>
+          <p:cNvPr id="2" name="Заголовок 1">
+            <a:extLst>
+              <a:ext uri="{FF2B5EF4-FFF2-40B4-BE49-F238E27FC236}">
+                <a16:creationId xmlns:a16="http://schemas.microsoft.com/office/drawing/2014/main" id="{23799081-69DC-E5FF-6C44-EE26B275098A}"/>
+              </a:ext>
+            </a:extLst>
+          </p:cNvPr>
+          <p:cNvSpPr>
+            <a:spLocks noGrp="1"/>
+          </p:cNvSpPr>
+          <p:nvPr>
+            <p:ph type="title"/>
+          </p:nvPr>
+        </p:nvSpPr>
+        <p:spPr>
+          <a:xfrm>
+            <a:off x="1" y="9144"/>
+            <a:ext cx="12191999" cy="731520"/>
+          </a:xfrm>
+        </p:spPr>
+        <p:txBody>
+          <a:bodyPr>
+            <a:noAutofit/>
+          </a:bodyPr>
+          <a:lstStyle/>
+          <a:p>
+            <a:pPr algn="ctr"/>
+            <a:r>
+              <a:rPr lang="ru-RU" dirty="0">
+                <a:latin typeface="Times New Roman" panose="02020603050405020304" pitchFamily="18" charset="0"/>
+                <a:cs typeface="Times New Roman" panose="02020603050405020304" pitchFamily="18" charset="0"/>
+              </a:rPr>
+              <a:t>БЕЗОПАСНОСТЬ</a:t>
+            </a:r>
+            <a:endParaRPr lang="ru-RU" dirty="0"/>
+          </a:p>
+        </p:txBody>
+      </p:sp>
+      <p:sp>
+        <p:nvSpPr>
+          <p:cNvPr id="5" name="Номер слайда 4">
+            <a:extLst>
+              <a:ext uri="{FF2B5EF4-FFF2-40B4-BE49-F238E27FC236}">
+                <a16:creationId xmlns:a16="http://schemas.microsoft.com/office/drawing/2014/main" id="{F9D77489-2275-14CA-926D-64F6E9FF9334}"/>
+              </a:ext>
+            </a:extLst>
+          </p:cNvPr>
+          <p:cNvSpPr txBox="1">
+            <a:spLocks/>
+          </p:cNvSpPr>
+          <p:nvPr/>
+        </p:nvSpPr>
+        <p:spPr>
+          <a:xfrm>
+            <a:off x="11171852" y="0"/>
+            <a:ext cx="1020148" cy="658368"/>
+          </a:xfrm>
+          <a:prstGeom prst="rect">
+            <a:avLst/>
+          </a:prstGeom>
+        </p:spPr>
+        <p:txBody>
+          <a:bodyPr vert="horz" lIns="91440" tIns="45720" rIns="91440" bIns="45720" rtlCol="0" anchor="ctr"/>
+          <a:lstStyle>
+            <a:defPPr>
+              <a:defRPr lang="en-US"/>
+            </a:defPPr>
+            <a:lvl1pPr marL="0" algn="r" defTabSz="457200" rtl="0" eaLnBrk="1" latinLnBrk="0" hangingPunct="1">
+              <a:defRPr sz="1000" b="0" i="0" kern="1200">
+                <a:solidFill>
+                  <a:schemeClr val="tx1"/>
+                </a:solidFill>
+                <a:effectLst/>
+                <a:latin typeface="+mn-lt"/>
+                <a:ea typeface="+mn-ea"/>
+                <a:cs typeface="+mn-cs"/>
+              </a:defRPr>
+            </a:lvl1pPr>
+            <a:lvl2pPr marL="457200" algn="l" defTabSz="457200" rtl="0" eaLnBrk="1" latinLnBrk="0" hangingPunct="1">
+              <a:defRPr sz="1800" kern="1200">
+                <a:solidFill>
+                  <a:schemeClr val="tx1"/>
+                </a:solidFill>
+                <a:latin typeface="+mn-lt"/>
+                <a:ea typeface="+mn-ea"/>
+                <a:cs typeface="+mn-cs"/>
+              </a:defRPr>
+            </a:lvl2pPr>
+            <a:lvl3pPr marL="914400" algn="l" defTabSz="457200" rtl="0" eaLnBrk="1" latinLnBrk="0" hangingPunct="1">
+              <a:defRPr sz="1800" kern="1200">
+                <a:solidFill>
+                  <a:schemeClr val="tx1"/>
+                </a:solidFill>
+                <a:latin typeface="+mn-lt"/>
+                <a:ea typeface="+mn-ea"/>
+                <a:cs typeface="+mn-cs"/>
+              </a:defRPr>
+            </a:lvl3pPr>
+            <a:lvl4pPr marL="1371600" algn="l" defTabSz="457200" rtl="0" eaLnBrk="1" latinLnBrk="0" hangingPunct="1">
+              <a:defRPr sz="1800" kern="1200">
+                <a:solidFill>
+                  <a:schemeClr val="tx1"/>
+                </a:solidFill>
+                <a:latin typeface="+mn-lt"/>
+                <a:ea typeface="+mn-ea"/>
+                <a:cs typeface="+mn-cs"/>
+              </a:defRPr>
+            </a:lvl4pPr>
+            <a:lvl5pPr marL="1828800" algn="l" defTabSz="457200" rtl="0" eaLnBrk="1" latinLnBrk="0" hangingPunct="1">
+              <a:defRPr sz="1800" kern="1200">
+                <a:solidFill>
+                  <a:schemeClr val="tx1"/>
+                </a:solidFill>
+                <a:latin typeface="+mn-lt"/>
+                <a:ea typeface="+mn-ea"/>
+                <a:cs typeface="+mn-cs"/>
+              </a:defRPr>
+            </a:lvl5pPr>
+            <a:lvl6pPr marL="2286000" algn="l" defTabSz="457200" rtl="0" eaLnBrk="1" latinLnBrk="0" hangingPunct="1">
+              <a:defRPr sz="1800" kern="1200">
+                <a:solidFill>
+                  <a:schemeClr val="tx1"/>
+                </a:solidFill>
+                <a:latin typeface="+mn-lt"/>
+                <a:ea typeface="+mn-ea"/>
+                <a:cs typeface="+mn-cs"/>
+              </a:defRPr>
+            </a:lvl6pPr>
+            <a:lvl7pPr marL="2743200" algn="l" defTabSz="457200" rtl="0" eaLnBrk="1" latinLnBrk="0" hangingPunct="1">
+              <a:defRPr sz="1800" kern="1200">
+                <a:solidFill>
+                  <a:schemeClr val="tx1"/>
+                </a:solidFill>
+                <a:latin typeface="+mn-lt"/>
+                <a:ea typeface="+mn-ea"/>
+                <a:cs typeface="+mn-cs"/>
+              </a:defRPr>
+            </a:lvl7pPr>
+            <a:lvl8pPr marL="3200400" algn="l" defTabSz="457200" rtl="0" eaLnBrk="1" latinLnBrk="0" hangingPunct="1">
+              <a:defRPr sz="1800" kern="1200">
+                <a:solidFill>
+                  <a:schemeClr val="tx1"/>
+                </a:solidFill>
+                <a:latin typeface="+mn-lt"/>
+                <a:ea typeface="+mn-ea"/>
+                <a:cs typeface="+mn-cs"/>
+              </a:defRPr>
+            </a:lvl8pPr>
+            <a:lvl9pPr marL="3657600" algn="l" defTabSz="457200" rtl="0" eaLnBrk="1" latinLnBrk="0" hangingPunct="1">
+              <a:defRPr sz="1800" kern="1200">
+                <a:solidFill>
+                  <a:schemeClr val="tx1"/>
+                </a:solidFill>
+                <a:latin typeface="+mn-lt"/>
+                <a:ea typeface="+mn-ea"/>
+                <a:cs typeface="+mn-cs"/>
+              </a:defRPr>
+            </a:lvl9pPr>
+          </a:lstStyle>
+          <a:p>
+            <a:pPr algn="ctr"/>
+            <a:fld id="{E674C0A0-8DE9-4942-9F1B-2332F349D007}" type="slidenum">
+              <a:rPr lang="ru-RU" sz="2200" smtClean="0">
+                <a:latin typeface="Tahoma" panose="020B0604030504040204" pitchFamily="34" charset="0"/>
+                <a:ea typeface="Tahoma" panose="020B0604030504040204" pitchFamily="34" charset="0"/>
+                <a:cs typeface="Tahoma" panose="020B0604030504040204" pitchFamily="34" charset="0"/>
+              </a:rPr>
+              <a:pPr algn="ctr"/>
+              <a:t>19</a:t>
+            </a:fld>
+            <a:endParaRPr lang="ru-RU" sz="2200" dirty="0">
+              <a:latin typeface="Tahoma" panose="020B0604030504040204" pitchFamily="34" charset="0"/>
+              <a:ea typeface="Tahoma" panose="020B0604030504040204" pitchFamily="34" charset="0"/>
+              <a:cs typeface="Tahoma" panose="020B0604030504040204" pitchFamily="34" charset="0"/>
+            </a:endParaRPr>
+          </a:p>
+        </p:txBody>
+      </p:sp>
+      <p:sp>
+        <p:nvSpPr>
+          <p:cNvPr id="4" name="TextBox 3">
+            <a:extLst>
+              <a:ext uri="{FF2B5EF4-FFF2-40B4-BE49-F238E27FC236}">
+                <a16:creationId xmlns:a16="http://schemas.microsoft.com/office/drawing/2014/main" id="{DCEDC5D2-5CCB-6C7C-3CE1-37BE6A614728}"/>
+              </a:ext>
+            </a:extLst>
+          </p:cNvPr>
+          <p:cNvSpPr txBox="1"/>
+          <p:nvPr/>
+        </p:nvSpPr>
+        <p:spPr>
+          <a:xfrm>
+            <a:off x="562707" y="899690"/>
+            <a:ext cx="11170489" cy="5683486"/>
+          </a:xfrm>
+          <a:prstGeom prst="rect">
+            <a:avLst/>
+          </a:prstGeom>
+          <a:noFill/>
+        </p:spPr>
+        <p:txBody>
+          <a:bodyPr wrap="square" rtlCol="0">
+            <a:noAutofit/>
+          </a:bodyPr>
+          <a:lstStyle/>
+          <a:p>
+            <a:pPr algn="ctr">
+              <a:lnSpc>
+                <a:spcPct val="125000"/>
+              </a:lnSpc>
+            </a:pPr>
+            <a:r>
+              <a:rPr lang="ru-RU" sz="2200" dirty="0">
+                <a:solidFill>
+                  <a:srgbClr val="FFFF00"/>
+                </a:solidFill>
+                <a:latin typeface="Tahoma" panose="020B0604030504040204" pitchFamily="34" charset="0"/>
+                <a:ea typeface="Tahoma" panose="020B0604030504040204" pitchFamily="34" charset="0"/>
+                <a:cs typeface="Tahoma" panose="020B0604030504040204" pitchFamily="34" charset="0"/>
+              </a:rPr>
+              <a:t>ПРО БЕЗОПАСНОСТЬ</a:t>
+            </a:r>
+          </a:p>
+          <a:p>
+            <a:pPr>
+              <a:lnSpc>
+                <a:spcPct val="125000"/>
+              </a:lnSpc>
+            </a:pPr>
+            <a:endParaRPr lang="en-US" sz="2200" dirty="0">
+              <a:latin typeface="Times New Roman" panose="02020603050405020304" pitchFamily="18" charset="0"/>
+              <a:cs typeface="Times New Roman" panose="02020603050405020304" pitchFamily="18" charset="0"/>
+            </a:endParaRPr>
+          </a:p>
+        </p:txBody>
+      </p:sp>
+    </p:spTree>
+    <p:extLst>
+      <p:ext uri="{BB962C8B-B14F-4D97-AF65-F5344CB8AC3E}">
+        <p14:creationId xmlns:p14="http://schemas.microsoft.com/office/powerpoint/2010/main" val="2251701417"/>
+      </p:ext>
+    </p:extLst>
+  </p:cSld>
+  <p:clrMapOvr>
+    <a:masterClrMapping/>
+  </p:clrMapOvr>
+  <mc:AlternateContent xmlns:mc="http://schemas.openxmlformats.org/markup-compatibility/2006" xmlns:p14="http://schemas.microsoft.com/office/powerpoint/2010/main">
+    <mc:Choice Requires="p14">
+      <p:transition spd="med" p14:dur="700">
+        <p:fade/>
+      </p:transition>
+    </mc:Choice>
+    <mc:Fallback xmlns="">
+      <p:transition spd="med">
+        <p:fade/>
+      </p:transition>
+    </mc:Fallback>
+  </mc:AlternateContent>
+</p:sld>
+</file>
+
 <file path=ppt/slides/slide2.xml><?xml version="1.0" encoding="utf-8"?>
 <p:sld xmlns:a="http://schemas.openxmlformats.org/drawingml/2006/main" xmlns:r="http://schemas.openxmlformats.org/officeDocument/2006/relationships" xmlns:p="http://schemas.openxmlformats.org/presentationml/2006/main">
   <p:cSld>
@@ -25020,7 +25987,7 @@
                 <a:latin typeface="Times New Roman" panose="02020603050405020304" pitchFamily="18" charset="0"/>
                 <a:cs typeface="Times New Roman" panose="02020603050405020304" pitchFamily="18" charset="0"/>
               </a:rPr>
-              <a:t>БЕЗОПАСНОСТЬ</a:t>
+              <a:t>Научные труды</a:t>
             </a:r>
             <a:endParaRPr lang="ru-RU" dirty="0"/>
           </a:p>
@@ -25157,1043 +26124,6 @@
               </a:rPr>
               <a:pPr algn="ctr"/>
               <a:t>20</a:t>
-            </a:fld>
-            <a:endParaRPr lang="ru-RU" sz="2200" dirty="0">
-              <a:latin typeface="Tahoma" panose="020B0604030504040204" pitchFamily="34" charset="0"/>
-              <a:ea typeface="Tahoma" panose="020B0604030504040204" pitchFamily="34" charset="0"/>
-              <a:cs typeface="Tahoma" panose="020B0604030504040204" pitchFamily="34" charset="0"/>
-            </a:endParaRPr>
-          </a:p>
-        </p:txBody>
-      </p:sp>
-      <p:sp>
-        <p:nvSpPr>
-          <p:cNvPr id="4" name="TextBox 3">
-            <a:extLst>
-              <a:ext uri="{FF2B5EF4-FFF2-40B4-BE49-F238E27FC236}">
-                <a16:creationId xmlns:a16="http://schemas.microsoft.com/office/drawing/2014/main" id="{DCEDC5D2-5CCB-6C7C-3CE1-37BE6A614728}"/>
-              </a:ext>
-            </a:extLst>
-          </p:cNvPr>
-          <p:cNvSpPr txBox="1"/>
-          <p:nvPr/>
-        </p:nvSpPr>
-        <p:spPr>
-          <a:xfrm>
-            <a:off x="562707" y="899690"/>
-            <a:ext cx="11170489" cy="5683486"/>
-          </a:xfrm>
-          <a:prstGeom prst="rect">
-            <a:avLst/>
-          </a:prstGeom>
-          <a:noFill/>
-        </p:spPr>
-        <p:txBody>
-          <a:bodyPr wrap="square" rtlCol="0">
-            <a:noAutofit/>
-          </a:bodyPr>
-          <a:lstStyle/>
-          <a:p>
-            <a:pPr algn="ctr">
-              <a:lnSpc>
-                <a:spcPct val="125000"/>
-              </a:lnSpc>
-            </a:pPr>
-            <a:r>
-              <a:rPr lang="ru-RU" sz="2200" dirty="0">
-                <a:solidFill>
-                  <a:srgbClr val="FFFF00"/>
-                </a:solidFill>
-                <a:latin typeface="Tahoma" panose="020B0604030504040204" pitchFamily="34" charset="0"/>
-                <a:ea typeface="Tahoma" panose="020B0604030504040204" pitchFamily="34" charset="0"/>
-                <a:cs typeface="Tahoma" panose="020B0604030504040204" pitchFamily="34" charset="0"/>
-              </a:rPr>
-              <a:t>ПРО БЕЗОПАСНОСТЬ</a:t>
-            </a:r>
-          </a:p>
-          <a:p>
-            <a:pPr>
-              <a:lnSpc>
-                <a:spcPct val="125000"/>
-              </a:lnSpc>
-            </a:pPr>
-            <a:endParaRPr lang="en-US" sz="2200" dirty="0">
-              <a:latin typeface="Times New Roman" panose="02020603050405020304" pitchFamily="18" charset="0"/>
-              <a:cs typeface="Times New Roman" panose="02020603050405020304" pitchFamily="18" charset="0"/>
-            </a:endParaRPr>
-          </a:p>
-        </p:txBody>
-      </p:sp>
-    </p:spTree>
-    <p:extLst>
-      <p:ext uri="{BB962C8B-B14F-4D97-AF65-F5344CB8AC3E}">
-        <p14:creationId xmlns:p14="http://schemas.microsoft.com/office/powerpoint/2010/main" val="2251701417"/>
-      </p:ext>
-    </p:extLst>
-  </p:cSld>
-  <p:clrMapOvr>
-    <a:masterClrMapping/>
-  </p:clrMapOvr>
-  <mc:AlternateContent xmlns:mc="http://schemas.openxmlformats.org/markup-compatibility/2006" xmlns:p14="http://schemas.microsoft.com/office/powerpoint/2010/main">
-    <mc:Choice Requires="p14">
-      <p:transition spd="med" p14:dur="700">
-        <p:fade/>
-      </p:transition>
-    </mc:Choice>
-    <mc:Fallback xmlns="">
-      <p:transition spd="med">
-        <p:fade/>
-      </p:transition>
-    </mc:Fallback>
-  </mc:AlternateContent>
-</p:sld>
-</file>
-
-<file path=ppt/slides/slide21.xml><?xml version="1.0" encoding="utf-8"?>
-<p:sld xmlns:a="http://schemas.openxmlformats.org/drawingml/2006/main" xmlns:r="http://schemas.openxmlformats.org/officeDocument/2006/relationships" xmlns:p="http://schemas.openxmlformats.org/presentationml/2006/main">
-  <p:cSld>
-    <p:spTree>
-      <p:nvGrpSpPr>
-        <p:cNvPr id="1" name=""/>
-        <p:cNvGrpSpPr/>
-        <p:nvPr/>
-      </p:nvGrpSpPr>
-      <p:grpSpPr>
-        <a:xfrm>
-          <a:off x="0" y="0"/>
-          <a:ext cx="0" cy="0"/>
-          <a:chOff x="0" y="0"/>
-          <a:chExt cx="0" cy="0"/>
-        </a:xfrm>
-      </p:grpSpPr>
-      <p:sp>
-        <p:nvSpPr>
-          <p:cNvPr id="2" name="Заголовок 1">
-            <a:extLst>
-              <a:ext uri="{FF2B5EF4-FFF2-40B4-BE49-F238E27FC236}">
-                <a16:creationId xmlns:a16="http://schemas.microsoft.com/office/drawing/2014/main" id="{131AF62D-63AD-D33F-E646-0AF822E31EE6}"/>
-              </a:ext>
-            </a:extLst>
-          </p:cNvPr>
-          <p:cNvSpPr>
-            <a:spLocks noGrp="1"/>
-          </p:cNvSpPr>
-          <p:nvPr>
-            <p:ph type="title"/>
-          </p:nvPr>
-        </p:nvSpPr>
-        <p:spPr>
-          <a:xfrm>
-            <a:off x="0" y="1"/>
-            <a:ext cx="12191999" cy="749808"/>
-          </a:xfrm>
-        </p:spPr>
-        <p:txBody>
-          <a:bodyPr/>
-          <a:lstStyle/>
-          <a:p>
-            <a:pPr algn="ctr"/>
-            <a:r>
-              <a:rPr lang="ru-RU" dirty="0">
-                <a:latin typeface="Times New Roman" panose="02020603050405020304" pitchFamily="18" charset="0"/>
-                <a:cs typeface="Times New Roman" panose="02020603050405020304" pitchFamily="18" charset="0"/>
-              </a:rPr>
-              <a:t>Заключение</a:t>
-            </a:r>
-          </a:p>
-        </p:txBody>
-      </p:sp>
-      <p:sp>
-        <p:nvSpPr>
-          <p:cNvPr id="3" name="Объект 2">
-            <a:extLst>
-              <a:ext uri="{FF2B5EF4-FFF2-40B4-BE49-F238E27FC236}">
-                <a16:creationId xmlns:a16="http://schemas.microsoft.com/office/drawing/2014/main" id="{6493FAAC-FCD8-63EF-49A3-DDD17E49273B}"/>
-              </a:ext>
-            </a:extLst>
-          </p:cNvPr>
-          <p:cNvSpPr>
-            <a:spLocks noGrp="1"/>
-          </p:cNvSpPr>
-          <p:nvPr>
-            <p:ph idx="1"/>
-          </p:nvPr>
-        </p:nvSpPr>
-        <p:spPr>
-          <a:xfrm>
-            <a:off x="152399" y="3738735"/>
-            <a:ext cx="11887200" cy="1035678"/>
-          </a:xfrm>
-        </p:spPr>
-        <p:txBody>
-          <a:bodyPr anchor="t">
-            <a:normAutofit/>
-          </a:bodyPr>
-          <a:lstStyle/>
-          <a:p>
-            <a:pPr marL="0" indent="0" algn="just">
-              <a:lnSpc>
-                <a:spcPct val="150000"/>
-              </a:lnSpc>
-              <a:buNone/>
-            </a:pPr>
-            <a:r>
-              <a:rPr lang="en-US" sz="2200" dirty="0">
-                <a:latin typeface="Times New Roman" panose="02020603050405020304" pitchFamily="18" charset="0"/>
-                <a:cs typeface="Times New Roman" panose="02020603050405020304" pitchFamily="18" charset="0"/>
-              </a:rPr>
-              <a:t>	</a:t>
-            </a:r>
-            <a:r>
-              <a:rPr lang="ru-RU" sz="2200" dirty="0">
-                <a:latin typeface="Times New Roman" panose="02020603050405020304" pitchFamily="18" charset="0"/>
-                <a:ea typeface="Tahoma" panose="020B0604030504040204" pitchFamily="34" charset="0"/>
-                <a:cs typeface="Times New Roman" panose="02020603050405020304" pitchFamily="18" charset="0"/>
-              </a:rPr>
-              <a:t>	В результате </a:t>
-            </a:r>
-            <a:r>
-              <a:rPr lang="ru-RU" sz="2200" dirty="0">
-                <a:solidFill>
-                  <a:srgbClr val="FFFF00"/>
-                </a:solidFill>
-                <a:latin typeface="Tahoma" panose="020B0604030504040204" pitchFamily="34" charset="0"/>
-                <a:ea typeface="Tahoma" panose="020B0604030504040204" pitchFamily="34" charset="0"/>
-                <a:cs typeface="Tahoma" panose="020B0604030504040204" pitchFamily="34" charset="0"/>
-              </a:rPr>
-              <a:t>внедрения системы в эксплуатацию</a:t>
-            </a:r>
-            <a:r>
-              <a:rPr lang="en-US" sz="2200" dirty="0">
-                <a:solidFill>
-                  <a:srgbClr val="FFFF00"/>
-                </a:solidFill>
-                <a:latin typeface="Tahoma" panose="020B0604030504040204" pitchFamily="34" charset="0"/>
-                <a:ea typeface="Tahoma" panose="020B0604030504040204" pitchFamily="34" charset="0"/>
-                <a:cs typeface="Tahoma" panose="020B0604030504040204" pitchFamily="34" charset="0"/>
-              </a:rPr>
-              <a:t> </a:t>
-            </a:r>
-            <a:r>
-              <a:rPr lang="ru-RU" sz="2200" dirty="0">
-                <a:solidFill>
-                  <a:srgbClr val="FFFF00"/>
-                </a:solidFill>
-                <a:latin typeface="Tahoma" panose="020B0604030504040204" pitchFamily="34" charset="0"/>
-                <a:ea typeface="Tahoma" panose="020B0604030504040204" pitchFamily="34" charset="0"/>
-                <a:cs typeface="Tahoma" panose="020B0604030504040204" pitchFamily="34" charset="0"/>
-              </a:rPr>
-              <a:t>повысилась</a:t>
-            </a:r>
-            <a:r>
-              <a:rPr lang="ru-RU" sz="2200" dirty="0">
-                <a:latin typeface="Tahoma" panose="020B0604030504040204" pitchFamily="34" charset="0"/>
-                <a:ea typeface="Tahoma" panose="020B0604030504040204" pitchFamily="34" charset="0"/>
-                <a:cs typeface="Tahoma" panose="020B0604030504040204" pitchFamily="34" charset="0"/>
-              </a:rPr>
-              <a:t> </a:t>
-            </a:r>
-            <a:r>
-              <a:rPr lang="ru-RU" sz="2200" dirty="0">
-                <a:latin typeface="Times New Roman" panose="02020603050405020304" pitchFamily="18" charset="0"/>
-                <a:ea typeface="Tahoma" panose="020B0604030504040204" pitchFamily="34" charset="0"/>
-                <a:cs typeface="Times New Roman" panose="02020603050405020304" pitchFamily="18" charset="0"/>
-              </a:rPr>
-              <a:t>эффективность сопровождения образовательного процесса более чем</a:t>
-            </a:r>
-            <a:r>
-              <a:rPr lang="ru-RU" sz="2200" dirty="0">
-                <a:solidFill>
-                  <a:srgbClr val="FFFF00"/>
-                </a:solidFill>
-                <a:latin typeface="Tahoma" panose="020B0604030504040204" pitchFamily="34" charset="0"/>
-                <a:ea typeface="Tahoma" panose="020B0604030504040204" pitchFamily="34" charset="0"/>
-                <a:cs typeface="Tahoma" panose="020B0604030504040204" pitchFamily="34" charset="0"/>
-              </a:rPr>
-              <a:t> в 5 раз</a:t>
-            </a:r>
-            <a:r>
-              <a:rPr lang="ru-RU" sz="2200" dirty="0">
-                <a:latin typeface="Times New Roman" panose="02020603050405020304" pitchFamily="18" charset="0"/>
-                <a:ea typeface="Tahoma" panose="020B0604030504040204" pitchFamily="34" charset="0"/>
-                <a:cs typeface="Times New Roman" panose="02020603050405020304" pitchFamily="18" charset="0"/>
-              </a:rPr>
-              <a:t>.</a:t>
-            </a:r>
-          </a:p>
-        </p:txBody>
-      </p:sp>
-      <p:sp>
-        <p:nvSpPr>
-          <p:cNvPr id="7" name="Номер слайда 4">
-            <a:extLst>
-              <a:ext uri="{FF2B5EF4-FFF2-40B4-BE49-F238E27FC236}">
-                <a16:creationId xmlns:a16="http://schemas.microsoft.com/office/drawing/2014/main" id="{C687772F-C4EB-4F08-A450-22EA9070A70F}"/>
-              </a:ext>
-            </a:extLst>
-          </p:cNvPr>
-          <p:cNvSpPr txBox="1">
-            <a:spLocks/>
-          </p:cNvSpPr>
-          <p:nvPr/>
-        </p:nvSpPr>
-        <p:spPr>
-          <a:xfrm>
-            <a:off x="11171852" y="0"/>
-            <a:ext cx="1020148" cy="658368"/>
-          </a:xfrm>
-          <a:prstGeom prst="rect">
-            <a:avLst/>
-          </a:prstGeom>
-        </p:spPr>
-        <p:txBody>
-          <a:bodyPr vert="horz" lIns="91440" tIns="45720" rIns="91440" bIns="45720" rtlCol="0" anchor="ctr"/>
-          <a:lstStyle>
-            <a:defPPr>
-              <a:defRPr lang="en-US"/>
-            </a:defPPr>
-            <a:lvl1pPr marL="0" algn="r" defTabSz="457200" rtl="0" eaLnBrk="1" latinLnBrk="0" hangingPunct="1">
-              <a:defRPr sz="1000" b="0" i="0" kern="1200">
-                <a:solidFill>
-                  <a:schemeClr val="tx1"/>
-                </a:solidFill>
-                <a:effectLst/>
-                <a:latin typeface="+mn-lt"/>
-                <a:ea typeface="+mn-ea"/>
-                <a:cs typeface="+mn-cs"/>
-              </a:defRPr>
-            </a:lvl1pPr>
-            <a:lvl2pPr marL="457200" algn="l" defTabSz="457200" rtl="0" eaLnBrk="1" latinLnBrk="0" hangingPunct="1">
-              <a:defRPr sz="1800" kern="1200">
-                <a:solidFill>
-                  <a:schemeClr val="tx1"/>
-                </a:solidFill>
-                <a:latin typeface="+mn-lt"/>
-                <a:ea typeface="+mn-ea"/>
-                <a:cs typeface="+mn-cs"/>
-              </a:defRPr>
-            </a:lvl2pPr>
-            <a:lvl3pPr marL="914400" algn="l" defTabSz="457200" rtl="0" eaLnBrk="1" latinLnBrk="0" hangingPunct="1">
-              <a:defRPr sz="1800" kern="1200">
-                <a:solidFill>
-                  <a:schemeClr val="tx1"/>
-                </a:solidFill>
-                <a:latin typeface="+mn-lt"/>
-                <a:ea typeface="+mn-ea"/>
-                <a:cs typeface="+mn-cs"/>
-              </a:defRPr>
-            </a:lvl3pPr>
-            <a:lvl4pPr marL="1371600" algn="l" defTabSz="457200" rtl="0" eaLnBrk="1" latinLnBrk="0" hangingPunct="1">
-              <a:defRPr sz="1800" kern="1200">
-                <a:solidFill>
-                  <a:schemeClr val="tx1"/>
-                </a:solidFill>
-                <a:latin typeface="+mn-lt"/>
-                <a:ea typeface="+mn-ea"/>
-                <a:cs typeface="+mn-cs"/>
-              </a:defRPr>
-            </a:lvl4pPr>
-            <a:lvl5pPr marL="1828800" algn="l" defTabSz="457200" rtl="0" eaLnBrk="1" latinLnBrk="0" hangingPunct="1">
-              <a:defRPr sz="1800" kern="1200">
-                <a:solidFill>
-                  <a:schemeClr val="tx1"/>
-                </a:solidFill>
-                <a:latin typeface="+mn-lt"/>
-                <a:ea typeface="+mn-ea"/>
-                <a:cs typeface="+mn-cs"/>
-              </a:defRPr>
-            </a:lvl5pPr>
-            <a:lvl6pPr marL="2286000" algn="l" defTabSz="457200" rtl="0" eaLnBrk="1" latinLnBrk="0" hangingPunct="1">
-              <a:defRPr sz="1800" kern="1200">
-                <a:solidFill>
-                  <a:schemeClr val="tx1"/>
-                </a:solidFill>
-                <a:latin typeface="+mn-lt"/>
-                <a:ea typeface="+mn-ea"/>
-                <a:cs typeface="+mn-cs"/>
-              </a:defRPr>
-            </a:lvl6pPr>
-            <a:lvl7pPr marL="2743200" algn="l" defTabSz="457200" rtl="0" eaLnBrk="1" latinLnBrk="0" hangingPunct="1">
-              <a:defRPr sz="1800" kern="1200">
-                <a:solidFill>
-                  <a:schemeClr val="tx1"/>
-                </a:solidFill>
-                <a:latin typeface="+mn-lt"/>
-                <a:ea typeface="+mn-ea"/>
-                <a:cs typeface="+mn-cs"/>
-              </a:defRPr>
-            </a:lvl7pPr>
-            <a:lvl8pPr marL="3200400" algn="l" defTabSz="457200" rtl="0" eaLnBrk="1" latinLnBrk="0" hangingPunct="1">
-              <a:defRPr sz="1800" kern="1200">
-                <a:solidFill>
-                  <a:schemeClr val="tx1"/>
-                </a:solidFill>
-                <a:latin typeface="+mn-lt"/>
-                <a:ea typeface="+mn-ea"/>
-                <a:cs typeface="+mn-cs"/>
-              </a:defRPr>
-            </a:lvl8pPr>
-            <a:lvl9pPr marL="3657600" algn="l" defTabSz="457200" rtl="0" eaLnBrk="1" latinLnBrk="0" hangingPunct="1">
-              <a:defRPr sz="1800" kern="1200">
-                <a:solidFill>
-                  <a:schemeClr val="tx1"/>
-                </a:solidFill>
-                <a:latin typeface="+mn-lt"/>
-                <a:ea typeface="+mn-ea"/>
-                <a:cs typeface="+mn-cs"/>
-              </a:defRPr>
-            </a:lvl9pPr>
-          </a:lstStyle>
-          <a:p>
-            <a:pPr algn="ctr"/>
-            <a:fld id="{E674C0A0-8DE9-4942-9F1B-2332F349D007}" type="slidenum">
-              <a:rPr lang="ru-RU" sz="2200" smtClean="0">
-                <a:latin typeface="Tahoma" panose="020B0604030504040204" pitchFamily="34" charset="0"/>
-                <a:ea typeface="Tahoma" panose="020B0604030504040204" pitchFamily="34" charset="0"/>
-                <a:cs typeface="Tahoma" panose="020B0604030504040204" pitchFamily="34" charset="0"/>
-              </a:rPr>
-              <a:pPr algn="ctr"/>
-              <a:t>21</a:t>
-            </a:fld>
-            <a:endParaRPr lang="ru-RU" sz="2200" dirty="0">
-              <a:latin typeface="Tahoma" panose="020B0604030504040204" pitchFamily="34" charset="0"/>
-              <a:ea typeface="Tahoma" panose="020B0604030504040204" pitchFamily="34" charset="0"/>
-              <a:cs typeface="Tahoma" panose="020B0604030504040204" pitchFamily="34" charset="0"/>
-            </a:endParaRPr>
-          </a:p>
-        </p:txBody>
-      </p:sp>
-      <p:graphicFrame>
-        <p:nvGraphicFramePr>
-          <p:cNvPr id="4" name="Таблица 3">
-            <a:extLst>
-              <a:ext uri="{FF2B5EF4-FFF2-40B4-BE49-F238E27FC236}">
-                <a16:creationId xmlns:a16="http://schemas.microsoft.com/office/drawing/2014/main" id="{C3FD2AD0-950A-4E52-B5BB-898BF29375D4}"/>
-              </a:ext>
-            </a:extLst>
-          </p:cNvPr>
-          <p:cNvGraphicFramePr>
-            <a:graphicFrameLocks noGrp="1"/>
-          </p:cNvGraphicFramePr>
-          <p:nvPr/>
-        </p:nvGraphicFramePr>
-        <p:xfrm>
-          <a:off x="1853331" y="968447"/>
-          <a:ext cx="8169276" cy="2551650"/>
-        </p:xfrm>
-        <a:graphic>
-          <a:graphicData uri="http://schemas.openxmlformats.org/drawingml/2006/table">
-            <a:tbl>
-              <a:tblPr firstRow="1" bandRow="1">
-                <a:tableStyleId>{5C22544A-7EE6-4342-B048-85BDC9FD1C3A}</a:tableStyleId>
-              </a:tblPr>
-              <a:tblGrid>
-                <a:gridCol w="3074804">
-                  <a:extLst>
-                    <a:ext uri="{9D8B030D-6E8A-4147-A177-3AD203B41FA5}">
-                      <a16:colId xmlns:a16="http://schemas.microsoft.com/office/drawing/2014/main" val="3981311441"/>
-                    </a:ext>
-                  </a:extLst>
-                </a:gridCol>
-                <a:gridCol w="2521819">
-                  <a:extLst>
-                    <a:ext uri="{9D8B030D-6E8A-4147-A177-3AD203B41FA5}">
-                      <a16:colId xmlns:a16="http://schemas.microsoft.com/office/drawing/2014/main" val="1526139312"/>
-                    </a:ext>
-                  </a:extLst>
-                </a:gridCol>
-                <a:gridCol w="2572653">
-                  <a:extLst>
-                    <a:ext uri="{9D8B030D-6E8A-4147-A177-3AD203B41FA5}">
-                      <a16:colId xmlns:a16="http://schemas.microsoft.com/office/drawing/2014/main" val="3526557165"/>
-                    </a:ext>
-                  </a:extLst>
-                </a:gridCol>
-              </a:tblGrid>
-              <a:tr h="425275">
-                <a:tc>
-                  <a:txBody>
-                    <a:bodyPr/>
-                    <a:lstStyle/>
-                    <a:p>
-                      <a:endParaRPr lang="ru-RU" dirty="0">
-                        <a:latin typeface="Times New Roman" panose="02020603050405020304" pitchFamily="18" charset="0"/>
-                        <a:cs typeface="Times New Roman" panose="02020603050405020304" pitchFamily="18" charset="0"/>
-                      </a:endParaRPr>
-                    </a:p>
-                  </a:txBody>
-                  <a:tcPr/>
-                </a:tc>
-                <a:tc>
-                  <a:txBody>
-                    <a:bodyPr/>
-                    <a:lstStyle/>
-                    <a:p>
-                      <a:pPr algn="ctr"/>
-                      <a:r>
-                        <a:rPr lang="ru-RU" b="0" dirty="0">
-                          <a:latin typeface="Times New Roman" panose="02020603050405020304" pitchFamily="18" charset="0"/>
-                          <a:cs typeface="Times New Roman" panose="02020603050405020304" pitchFamily="18" charset="0"/>
-                        </a:rPr>
-                        <a:t>Было</a:t>
-                      </a:r>
-                    </a:p>
-                  </a:txBody>
-                  <a:tcPr/>
-                </a:tc>
-                <a:tc>
-                  <a:txBody>
-                    <a:bodyPr/>
-                    <a:lstStyle/>
-                    <a:p>
-                      <a:pPr algn="ctr"/>
-                      <a:r>
-                        <a:rPr lang="ru-RU" b="0" dirty="0">
-                          <a:latin typeface="Times New Roman" panose="02020603050405020304" pitchFamily="18" charset="0"/>
-                          <a:cs typeface="Times New Roman" panose="02020603050405020304" pitchFamily="18" charset="0"/>
-                        </a:rPr>
-                        <a:t>Стало</a:t>
-                      </a:r>
-                    </a:p>
-                  </a:txBody>
-                  <a:tcPr/>
-                </a:tc>
-                <a:extLst>
-                  <a:ext uri="{0D108BD9-81ED-4DB2-BD59-A6C34878D82A}">
-                    <a16:rowId xmlns:a16="http://schemas.microsoft.com/office/drawing/2014/main" val="3708297055"/>
-                  </a:ext>
-                </a:extLst>
-              </a:tr>
-              <a:tr h="425275">
-                <a:tc>
-                  <a:txBody>
-                    <a:bodyPr/>
-                    <a:lstStyle/>
-                    <a:p>
-                      <a:r>
-                        <a:rPr lang="ru-RU" dirty="0">
-                          <a:latin typeface="Times New Roman" panose="02020603050405020304" pitchFamily="18" charset="0"/>
-                          <a:cs typeface="Times New Roman" panose="02020603050405020304" pitchFamily="18" charset="0"/>
-                        </a:rPr>
-                        <a:t>Создание сертификата</a:t>
-                      </a:r>
-                    </a:p>
-                  </a:txBody>
-                  <a:tcPr/>
-                </a:tc>
-                <a:tc>
-                  <a:txBody>
-                    <a:bodyPr/>
-                    <a:lstStyle/>
-                    <a:p>
-                      <a:pPr algn="ctr"/>
-                      <a:r>
-                        <a:rPr lang="ru-RU" dirty="0">
-                          <a:latin typeface="Times New Roman" panose="02020603050405020304" pitchFamily="18" charset="0"/>
-                          <a:cs typeface="Times New Roman" panose="02020603050405020304" pitchFamily="18" charset="0"/>
-                        </a:rPr>
-                        <a:t>30 минут</a:t>
-                      </a:r>
-                    </a:p>
-                  </a:txBody>
-                  <a:tcPr/>
-                </a:tc>
-                <a:tc>
-                  <a:txBody>
-                    <a:bodyPr/>
-                    <a:lstStyle/>
-                    <a:p>
-                      <a:pPr algn="ctr"/>
-                      <a:r>
-                        <a:rPr lang="ru-RU" dirty="0">
-                          <a:latin typeface="Times New Roman" panose="02020603050405020304" pitchFamily="18" charset="0"/>
-                          <a:cs typeface="Times New Roman" panose="02020603050405020304" pitchFamily="18" charset="0"/>
-                        </a:rPr>
-                        <a:t>2 минуты</a:t>
-                      </a:r>
-                    </a:p>
-                  </a:txBody>
-                  <a:tcPr/>
-                </a:tc>
-                <a:extLst>
-                  <a:ext uri="{0D108BD9-81ED-4DB2-BD59-A6C34878D82A}">
-                    <a16:rowId xmlns:a16="http://schemas.microsoft.com/office/drawing/2014/main" val="2373852478"/>
-                  </a:ext>
-                </a:extLst>
-              </a:tr>
-              <a:tr h="425275">
-                <a:tc>
-                  <a:txBody>
-                    <a:bodyPr/>
-                    <a:lstStyle/>
-                    <a:p>
-                      <a:r>
-                        <a:rPr lang="ru-RU" dirty="0">
-                          <a:latin typeface="Times New Roman" panose="02020603050405020304" pitchFamily="18" charset="0"/>
-                          <a:cs typeface="Times New Roman" panose="02020603050405020304" pitchFamily="18" charset="0"/>
-                        </a:rPr>
-                        <a:t>Создание приказа</a:t>
-                      </a:r>
-                    </a:p>
-                  </a:txBody>
-                  <a:tcPr/>
-                </a:tc>
-                <a:tc>
-                  <a:txBody>
-                    <a:bodyPr/>
-                    <a:lstStyle/>
-                    <a:p>
-                      <a:pPr algn="ctr"/>
-                      <a:r>
-                        <a:rPr lang="en-US" dirty="0">
-                          <a:latin typeface="Times New Roman" panose="02020603050405020304" pitchFamily="18" charset="0"/>
-                          <a:cs typeface="Times New Roman" panose="02020603050405020304" pitchFamily="18" charset="0"/>
-                        </a:rPr>
-                        <a:t>&gt;</a:t>
-                      </a:r>
-                      <a:r>
-                        <a:rPr lang="ru-RU" dirty="0">
-                          <a:latin typeface="Times New Roman" panose="02020603050405020304" pitchFamily="18" charset="0"/>
-                          <a:cs typeface="Times New Roman" panose="02020603050405020304" pitchFamily="18" charset="0"/>
-                        </a:rPr>
-                        <a:t>30 минут</a:t>
-                      </a:r>
-                    </a:p>
-                  </a:txBody>
-                  <a:tcPr/>
-                </a:tc>
-                <a:tc>
-                  <a:txBody>
-                    <a:bodyPr/>
-                    <a:lstStyle/>
-                    <a:p>
-                      <a:pPr algn="ctr"/>
-                      <a:r>
-                        <a:rPr lang="ru-RU" dirty="0">
-                          <a:latin typeface="Times New Roman" panose="02020603050405020304" pitchFamily="18" charset="0"/>
-                          <a:cs typeface="Times New Roman" panose="02020603050405020304" pitchFamily="18" charset="0"/>
-                        </a:rPr>
-                        <a:t>10 минут</a:t>
-                      </a:r>
-                    </a:p>
-                  </a:txBody>
-                  <a:tcPr/>
-                </a:tc>
-                <a:extLst>
-                  <a:ext uri="{0D108BD9-81ED-4DB2-BD59-A6C34878D82A}">
-                    <a16:rowId xmlns:a16="http://schemas.microsoft.com/office/drawing/2014/main" val="167129919"/>
-                  </a:ext>
-                </a:extLst>
-              </a:tr>
-              <a:tr h="425275">
-                <a:tc>
-                  <a:txBody>
-                    <a:bodyPr/>
-                    <a:lstStyle/>
-                    <a:p>
-                      <a:r>
-                        <a:rPr lang="ru-RU" dirty="0">
-                          <a:latin typeface="Times New Roman" panose="02020603050405020304" pitchFamily="18" charset="0"/>
-                          <a:cs typeface="Times New Roman" panose="02020603050405020304" pitchFamily="18" charset="0"/>
-                        </a:rPr>
-                        <a:t>Создание КУГ</a:t>
-                      </a:r>
-                    </a:p>
-                  </a:txBody>
-                  <a:tcPr/>
-                </a:tc>
-                <a:tc>
-                  <a:txBody>
-                    <a:bodyPr/>
-                    <a:lstStyle/>
-                    <a:p>
-                      <a:pPr algn="ctr"/>
-                      <a:r>
-                        <a:rPr lang="en-US" dirty="0">
-                          <a:latin typeface="Times New Roman" panose="02020603050405020304" pitchFamily="18" charset="0"/>
-                          <a:cs typeface="Times New Roman" panose="02020603050405020304" pitchFamily="18" charset="0"/>
-                        </a:rPr>
-                        <a:t>20 </a:t>
-                      </a:r>
-                      <a:r>
-                        <a:rPr lang="ru-RU" dirty="0">
-                          <a:latin typeface="Times New Roman" panose="02020603050405020304" pitchFamily="18" charset="0"/>
-                          <a:cs typeface="Times New Roman" panose="02020603050405020304" pitchFamily="18" charset="0"/>
-                        </a:rPr>
-                        <a:t>минут</a:t>
-                      </a:r>
-                    </a:p>
-                  </a:txBody>
-                  <a:tcPr/>
-                </a:tc>
-                <a:tc>
-                  <a:txBody>
-                    <a:bodyPr/>
-                    <a:lstStyle/>
-                    <a:p>
-                      <a:pPr algn="ctr"/>
-                      <a:r>
-                        <a:rPr lang="ru-RU" dirty="0">
-                          <a:latin typeface="Times New Roman" panose="02020603050405020304" pitchFamily="18" charset="0"/>
-                          <a:cs typeface="Times New Roman" panose="02020603050405020304" pitchFamily="18" charset="0"/>
-                        </a:rPr>
-                        <a:t>5 минут</a:t>
-                      </a:r>
-                    </a:p>
-                  </a:txBody>
-                  <a:tcPr/>
-                </a:tc>
-                <a:extLst>
-                  <a:ext uri="{0D108BD9-81ED-4DB2-BD59-A6C34878D82A}">
-                    <a16:rowId xmlns:a16="http://schemas.microsoft.com/office/drawing/2014/main" val="3053415089"/>
-                  </a:ext>
-                </a:extLst>
-              </a:tr>
-              <a:tr h="425275">
-                <a:tc>
-                  <a:txBody>
-                    <a:bodyPr/>
-                    <a:lstStyle/>
-                    <a:p>
-                      <a:r>
-                        <a:rPr lang="ru-RU" dirty="0">
-                          <a:latin typeface="Times New Roman" panose="02020603050405020304" pitchFamily="18" charset="0"/>
-                          <a:cs typeface="Times New Roman" panose="02020603050405020304" pitchFamily="18" charset="0"/>
-                        </a:rPr>
-                        <a:t>Создание журнала</a:t>
-                      </a:r>
-                    </a:p>
-                  </a:txBody>
-                  <a:tcPr/>
-                </a:tc>
-                <a:tc>
-                  <a:txBody>
-                    <a:bodyPr/>
-                    <a:lstStyle/>
-                    <a:p>
-                      <a:pPr algn="ctr"/>
-                      <a:r>
-                        <a:rPr lang="ru-RU" dirty="0">
-                          <a:latin typeface="Times New Roman" panose="02020603050405020304" pitchFamily="18" charset="0"/>
-                          <a:cs typeface="Times New Roman" panose="02020603050405020304" pitchFamily="18" charset="0"/>
-                        </a:rPr>
-                        <a:t>30 минут</a:t>
-                      </a:r>
-                    </a:p>
-                  </a:txBody>
-                  <a:tcPr/>
-                </a:tc>
-                <a:tc>
-                  <a:txBody>
-                    <a:bodyPr/>
-                    <a:lstStyle/>
-                    <a:p>
-                      <a:pPr algn="ctr"/>
-                      <a:r>
-                        <a:rPr lang="ru-RU" dirty="0">
-                          <a:latin typeface="Times New Roman" panose="02020603050405020304" pitchFamily="18" charset="0"/>
-                          <a:cs typeface="Times New Roman" panose="02020603050405020304" pitchFamily="18" charset="0"/>
-                        </a:rPr>
-                        <a:t>5 минут</a:t>
-                      </a:r>
-                    </a:p>
-                  </a:txBody>
-                  <a:tcPr/>
-                </a:tc>
-                <a:extLst>
-                  <a:ext uri="{0D108BD9-81ED-4DB2-BD59-A6C34878D82A}">
-                    <a16:rowId xmlns:a16="http://schemas.microsoft.com/office/drawing/2014/main" val="2134772851"/>
-                  </a:ext>
-                </a:extLst>
-              </a:tr>
-              <a:tr h="425275">
-                <a:tc>
-                  <a:txBody>
-                    <a:bodyPr/>
-                    <a:lstStyle/>
-                    <a:p>
-                      <a:r>
-                        <a:rPr lang="ru-RU" dirty="0">
-                          <a:latin typeface="Times New Roman" panose="02020603050405020304" pitchFamily="18" charset="0"/>
-                          <a:cs typeface="Times New Roman" panose="02020603050405020304" pitchFamily="18" charset="0"/>
-                        </a:rPr>
-                        <a:t>Общие трудозатраты в год</a:t>
-                      </a:r>
-                    </a:p>
-                  </a:txBody>
-                  <a:tcPr/>
-                </a:tc>
-                <a:tc>
-                  <a:txBody>
-                    <a:bodyPr/>
-                    <a:lstStyle/>
-                    <a:p>
-                      <a:pPr algn="ctr"/>
-                      <a:r>
-                        <a:rPr lang="en-US" dirty="0">
-                          <a:latin typeface="Times New Roman" panose="02020603050405020304" pitchFamily="18" charset="0"/>
-                          <a:cs typeface="Times New Roman" panose="02020603050405020304" pitchFamily="18" charset="0"/>
-                        </a:rPr>
-                        <a:t>&gt;2600 </a:t>
-                      </a:r>
-                      <a:r>
-                        <a:rPr lang="ru-RU" dirty="0">
-                          <a:latin typeface="Times New Roman" panose="02020603050405020304" pitchFamily="18" charset="0"/>
-                          <a:cs typeface="Times New Roman" panose="02020603050405020304" pitchFamily="18" charset="0"/>
-                        </a:rPr>
-                        <a:t>чел. ч</a:t>
-                      </a:r>
-                    </a:p>
-                  </a:txBody>
-                  <a:tcPr/>
-                </a:tc>
-                <a:tc>
-                  <a:txBody>
-                    <a:bodyPr/>
-                    <a:lstStyle/>
-                    <a:p>
-                      <a:pPr algn="ctr"/>
-                      <a:r>
-                        <a:rPr lang="en-US" dirty="0">
-                          <a:latin typeface="Times New Roman" panose="02020603050405020304" pitchFamily="18" charset="0"/>
-                          <a:cs typeface="Times New Roman" panose="02020603050405020304" pitchFamily="18" charset="0"/>
-                        </a:rPr>
-                        <a:t>~</a:t>
-                      </a:r>
-                      <a:r>
-                        <a:rPr lang="ru-RU" dirty="0">
-                          <a:latin typeface="Times New Roman" panose="02020603050405020304" pitchFamily="18" charset="0"/>
-                          <a:cs typeface="Times New Roman" panose="02020603050405020304" pitchFamily="18" charset="0"/>
-                        </a:rPr>
-                        <a:t>500 чел. ч</a:t>
-                      </a:r>
-                    </a:p>
-                  </a:txBody>
-                  <a:tcPr/>
-                </a:tc>
-                <a:extLst>
-                  <a:ext uri="{0D108BD9-81ED-4DB2-BD59-A6C34878D82A}">
-                    <a16:rowId xmlns:a16="http://schemas.microsoft.com/office/drawing/2014/main" val="1223356302"/>
-                  </a:ext>
-                </a:extLst>
-              </a:tr>
-            </a:tbl>
-          </a:graphicData>
-        </a:graphic>
-      </p:graphicFrame>
-    </p:spTree>
-    <p:extLst>
-      <p:ext uri="{BB962C8B-B14F-4D97-AF65-F5344CB8AC3E}">
-        <p14:creationId xmlns:p14="http://schemas.microsoft.com/office/powerpoint/2010/main" val="911302166"/>
-      </p:ext>
-    </p:extLst>
-  </p:cSld>
-  <p:clrMapOvr>
-    <a:masterClrMapping/>
-  </p:clrMapOvr>
-  <mc:AlternateContent xmlns:mc="http://schemas.openxmlformats.org/markup-compatibility/2006" xmlns:p14="http://schemas.microsoft.com/office/powerpoint/2010/main">
-    <mc:Choice Requires="p14">
-      <p:transition spd="med" p14:dur="700">
-        <p:fade/>
-      </p:transition>
-    </mc:Choice>
-    <mc:Fallback xmlns="">
-      <p:transition spd="med">
-        <p:fade/>
-      </p:transition>
-    </mc:Fallback>
-  </mc:AlternateContent>
-</p:sld>
-</file>
-
-<file path=ppt/slides/slide22.xml><?xml version="1.0" encoding="utf-8"?>
-<p:sld xmlns:a="http://schemas.openxmlformats.org/drawingml/2006/main" xmlns:r="http://schemas.openxmlformats.org/officeDocument/2006/relationships" xmlns:p="http://schemas.openxmlformats.org/presentationml/2006/main">
-  <p:cSld>
-    <p:spTree>
-      <p:nvGrpSpPr>
-        <p:cNvPr id="1" name=""/>
-        <p:cNvGrpSpPr/>
-        <p:nvPr/>
-      </p:nvGrpSpPr>
-      <p:grpSpPr>
-        <a:xfrm>
-          <a:off x="0" y="0"/>
-          <a:ext cx="0" cy="0"/>
-          <a:chOff x="0" y="0"/>
-          <a:chExt cx="0" cy="0"/>
-        </a:xfrm>
-      </p:grpSpPr>
-      <p:sp>
-        <p:nvSpPr>
-          <p:cNvPr id="2" name="Заголовок 1">
-            <a:extLst>
-              <a:ext uri="{FF2B5EF4-FFF2-40B4-BE49-F238E27FC236}">
-                <a16:creationId xmlns:a16="http://schemas.microsoft.com/office/drawing/2014/main" id="{23799081-69DC-E5FF-6C44-EE26B275098A}"/>
-              </a:ext>
-            </a:extLst>
-          </p:cNvPr>
-          <p:cNvSpPr>
-            <a:spLocks noGrp="1"/>
-          </p:cNvSpPr>
-          <p:nvPr>
-            <p:ph type="title"/>
-          </p:nvPr>
-        </p:nvSpPr>
-        <p:spPr>
-          <a:xfrm>
-            <a:off x="1" y="9144"/>
-            <a:ext cx="12191999" cy="731520"/>
-          </a:xfrm>
-        </p:spPr>
-        <p:txBody>
-          <a:bodyPr>
-            <a:noAutofit/>
-          </a:bodyPr>
-          <a:lstStyle/>
-          <a:p>
-            <a:pPr algn="ctr"/>
-            <a:r>
-              <a:rPr lang="ru-RU" dirty="0">
-                <a:latin typeface="Times New Roman" panose="02020603050405020304" pitchFamily="18" charset="0"/>
-                <a:cs typeface="Times New Roman" panose="02020603050405020304" pitchFamily="18" charset="0"/>
-              </a:rPr>
-              <a:t>Научные труды</a:t>
-            </a:r>
-            <a:endParaRPr lang="ru-RU" dirty="0"/>
-          </a:p>
-        </p:txBody>
-      </p:sp>
-      <p:sp>
-        <p:nvSpPr>
-          <p:cNvPr id="5" name="Номер слайда 4">
-            <a:extLst>
-              <a:ext uri="{FF2B5EF4-FFF2-40B4-BE49-F238E27FC236}">
-                <a16:creationId xmlns:a16="http://schemas.microsoft.com/office/drawing/2014/main" id="{F9D77489-2275-14CA-926D-64F6E9FF9334}"/>
-              </a:ext>
-            </a:extLst>
-          </p:cNvPr>
-          <p:cNvSpPr txBox="1">
-            <a:spLocks/>
-          </p:cNvSpPr>
-          <p:nvPr/>
-        </p:nvSpPr>
-        <p:spPr>
-          <a:xfrm>
-            <a:off x="11171852" y="0"/>
-            <a:ext cx="1020148" cy="658368"/>
-          </a:xfrm>
-          <a:prstGeom prst="rect">
-            <a:avLst/>
-          </a:prstGeom>
-        </p:spPr>
-        <p:txBody>
-          <a:bodyPr vert="horz" lIns="91440" tIns="45720" rIns="91440" bIns="45720" rtlCol="0" anchor="ctr"/>
-          <a:lstStyle>
-            <a:defPPr>
-              <a:defRPr lang="en-US"/>
-            </a:defPPr>
-            <a:lvl1pPr marL="0" algn="r" defTabSz="457200" rtl="0" eaLnBrk="1" latinLnBrk="0" hangingPunct="1">
-              <a:defRPr sz="1000" b="0" i="0" kern="1200">
-                <a:solidFill>
-                  <a:schemeClr val="tx1"/>
-                </a:solidFill>
-                <a:effectLst/>
-                <a:latin typeface="+mn-lt"/>
-                <a:ea typeface="+mn-ea"/>
-                <a:cs typeface="+mn-cs"/>
-              </a:defRPr>
-            </a:lvl1pPr>
-            <a:lvl2pPr marL="457200" algn="l" defTabSz="457200" rtl="0" eaLnBrk="1" latinLnBrk="0" hangingPunct="1">
-              <a:defRPr sz="1800" kern="1200">
-                <a:solidFill>
-                  <a:schemeClr val="tx1"/>
-                </a:solidFill>
-                <a:latin typeface="+mn-lt"/>
-                <a:ea typeface="+mn-ea"/>
-                <a:cs typeface="+mn-cs"/>
-              </a:defRPr>
-            </a:lvl2pPr>
-            <a:lvl3pPr marL="914400" algn="l" defTabSz="457200" rtl="0" eaLnBrk="1" latinLnBrk="0" hangingPunct="1">
-              <a:defRPr sz="1800" kern="1200">
-                <a:solidFill>
-                  <a:schemeClr val="tx1"/>
-                </a:solidFill>
-                <a:latin typeface="+mn-lt"/>
-                <a:ea typeface="+mn-ea"/>
-                <a:cs typeface="+mn-cs"/>
-              </a:defRPr>
-            </a:lvl3pPr>
-            <a:lvl4pPr marL="1371600" algn="l" defTabSz="457200" rtl="0" eaLnBrk="1" latinLnBrk="0" hangingPunct="1">
-              <a:defRPr sz="1800" kern="1200">
-                <a:solidFill>
-                  <a:schemeClr val="tx1"/>
-                </a:solidFill>
-                <a:latin typeface="+mn-lt"/>
-                <a:ea typeface="+mn-ea"/>
-                <a:cs typeface="+mn-cs"/>
-              </a:defRPr>
-            </a:lvl4pPr>
-            <a:lvl5pPr marL="1828800" algn="l" defTabSz="457200" rtl="0" eaLnBrk="1" latinLnBrk="0" hangingPunct="1">
-              <a:defRPr sz="1800" kern="1200">
-                <a:solidFill>
-                  <a:schemeClr val="tx1"/>
-                </a:solidFill>
-                <a:latin typeface="+mn-lt"/>
-                <a:ea typeface="+mn-ea"/>
-                <a:cs typeface="+mn-cs"/>
-              </a:defRPr>
-            </a:lvl5pPr>
-            <a:lvl6pPr marL="2286000" algn="l" defTabSz="457200" rtl="0" eaLnBrk="1" latinLnBrk="0" hangingPunct="1">
-              <a:defRPr sz="1800" kern="1200">
-                <a:solidFill>
-                  <a:schemeClr val="tx1"/>
-                </a:solidFill>
-                <a:latin typeface="+mn-lt"/>
-                <a:ea typeface="+mn-ea"/>
-                <a:cs typeface="+mn-cs"/>
-              </a:defRPr>
-            </a:lvl6pPr>
-            <a:lvl7pPr marL="2743200" algn="l" defTabSz="457200" rtl="0" eaLnBrk="1" latinLnBrk="0" hangingPunct="1">
-              <a:defRPr sz="1800" kern="1200">
-                <a:solidFill>
-                  <a:schemeClr val="tx1"/>
-                </a:solidFill>
-                <a:latin typeface="+mn-lt"/>
-                <a:ea typeface="+mn-ea"/>
-                <a:cs typeface="+mn-cs"/>
-              </a:defRPr>
-            </a:lvl7pPr>
-            <a:lvl8pPr marL="3200400" algn="l" defTabSz="457200" rtl="0" eaLnBrk="1" latinLnBrk="0" hangingPunct="1">
-              <a:defRPr sz="1800" kern="1200">
-                <a:solidFill>
-                  <a:schemeClr val="tx1"/>
-                </a:solidFill>
-                <a:latin typeface="+mn-lt"/>
-                <a:ea typeface="+mn-ea"/>
-                <a:cs typeface="+mn-cs"/>
-              </a:defRPr>
-            </a:lvl8pPr>
-            <a:lvl9pPr marL="3657600" algn="l" defTabSz="457200" rtl="0" eaLnBrk="1" latinLnBrk="0" hangingPunct="1">
-              <a:defRPr sz="1800" kern="1200">
-                <a:solidFill>
-                  <a:schemeClr val="tx1"/>
-                </a:solidFill>
-                <a:latin typeface="+mn-lt"/>
-                <a:ea typeface="+mn-ea"/>
-                <a:cs typeface="+mn-cs"/>
-              </a:defRPr>
-            </a:lvl9pPr>
-          </a:lstStyle>
-          <a:p>
-            <a:pPr algn="ctr"/>
-            <a:fld id="{E674C0A0-8DE9-4942-9F1B-2332F349D007}" type="slidenum">
-              <a:rPr lang="ru-RU" sz="2200" smtClean="0">
-                <a:latin typeface="Tahoma" panose="020B0604030504040204" pitchFamily="34" charset="0"/>
-                <a:ea typeface="Tahoma" panose="020B0604030504040204" pitchFamily="34" charset="0"/>
-                <a:cs typeface="Tahoma" panose="020B0604030504040204" pitchFamily="34" charset="0"/>
-              </a:rPr>
-              <a:pPr algn="ctr"/>
-              <a:t>22</a:t>
             </a:fld>
             <a:endParaRPr lang="ru-RU" sz="2200" dirty="0">
               <a:latin typeface="Tahoma" panose="020B0604030504040204" pitchFamily="34" charset="0"/>
@@ -26363,7 +26293,7 @@
 </p:sld>
 </file>
 
-<file path=ppt/slides/slide23.xml><?xml version="1.0" encoding="utf-8"?>
+<file path=ppt/slides/slide21.xml><?xml version="1.0" encoding="utf-8"?>
 <p:sld xmlns:a="http://schemas.openxmlformats.org/drawingml/2006/main" xmlns:r="http://schemas.openxmlformats.org/officeDocument/2006/relationships" xmlns:p="http://schemas.openxmlformats.org/presentationml/2006/main">
   <p:cSld>
     <p:spTree>

--- a/Дипломная работа/Диплом/Презентация.pptx
+++ b/Дипломная работа/Диплом/Презентация.pptx
@@ -19,14 +19,14 @@
     <p:sldId id="296" r:id="rId10"/>
     <p:sldId id="320" r:id="rId11"/>
     <p:sldId id="302" r:id="rId12"/>
-    <p:sldId id="309" r:id="rId13"/>
-    <p:sldId id="323" r:id="rId14"/>
+    <p:sldId id="323" r:id="rId13"/>
+    <p:sldId id="309" r:id="rId14"/>
     <p:sldId id="322" r:id="rId15"/>
     <p:sldId id="286" r:id="rId16"/>
-    <p:sldId id="289" r:id="rId17"/>
-    <p:sldId id="313" r:id="rId18"/>
-    <p:sldId id="274" r:id="rId19"/>
-    <p:sldId id="326" r:id="rId20"/>
+    <p:sldId id="326" r:id="rId17"/>
+    <p:sldId id="289" r:id="rId18"/>
+    <p:sldId id="313" r:id="rId19"/>
+    <p:sldId id="274" r:id="rId20"/>
     <p:sldId id="287" r:id="rId21"/>
     <p:sldId id="288" r:id="rId22"/>
   </p:sldIdLst>
@@ -217,7 +217,7 @@
           <a:p>
             <a:fld id="{0752C715-6935-41AD-9984-2334D42D2383}" type="datetimeFigureOut">
               <a:rPr lang="ru-RU" smtClean="0"/>
-              <a:t>17.06.2025</a:t>
+              <a:t>18.06.2025</a:t>
             </a:fld>
             <a:endParaRPr lang="ru-RU"/>
           </a:p>
@@ -853,19 +853,14 @@
               <a:defRPr/>
             </a:pPr>
             <a:r>
-              <a:rPr lang="ru-RU" sz="1200" kern="1200" dirty="0">
-                <a:solidFill>
-                  <a:schemeClr val="tx1"/>
-                </a:solidFill>
+              <a:rPr lang="ru-RU" sz="1800" dirty="0">
                 <a:effectLst/>
-                <a:latin typeface="+mn-lt"/>
-                <a:ea typeface="+mn-ea"/>
-                <a:cs typeface="+mn-cs"/>
+                <a:latin typeface="Calibri" panose="020F0502020204030204" pitchFamily="34" charset="0"/>
+                <a:ea typeface="Calibri" panose="020F0502020204030204" pitchFamily="34" charset="0"/>
+                <a:cs typeface="Times New Roman" panose="02020603050405020304" pitchFamily="18" charset="0"/>
               </a:rPr>
-              <a:t>на данном слайде отображены основные разработанные интерфейсы системы.</a:t>
-            </a:r>
-          </a:p>
-          <a:p>
+              <a:t>Данном слайде показаны форматы входных и выходных данных</a:t>
+            </a:r>
             <a:endParaRPr lang="ru-RU" dirty="0"/>
           </a:p>
         </p:txBody>
@@ -896,7 +891,7 @@
     </p:spTree>
     <p:extLst>
       <p:ext uri="{BB962C8B-B14F-4D97-AF65-F5344CB8AC3E}">
-        <p14:creationId xmlns:p14="http://schemas.microsoft.com/office/powerpoint/2010/main" val="2145265479"/>
+        <p14:creationId xmlns:p14="http://schemas.microsoft.com/office/powerpoint/2010/main" val="2594734692"/>
       </p:ext>
     </p:extLst>
   </p:cSld>
@@ -968,14 +963,19 @@
               <a:defRPr/>
             </a:pPr>
             <a:r>
-              <a:rPr lang="ru-RU" sz="1800" dirty="0">
+              <a:rPr lang="ru-RU" sz="1200" kern="1200" dirty="0">
+                <a:solidFill>
+                  <a:schemeClr val="tx1"/>
+                </a:solidFill>
                 <a:effectLst/>
-                <a:latin typeface="Calibri" panose="020F0502020204030204" pitchFamily="34" charset="0"/>
-                <a:ea typeface="Calibri" panose="020F0502020204030204" pitchFamily="34" charset="0"/>
-                <a:cs typeface="Times New Roman" panose="02020603050405020304" pitchFamily="18" charset="0"/>
+                <a:latin typeface="+mn-lt"/>
+                <a:ea typeface="+mn-ea"/>
+                <a:cs typeface="+mn-cs"/>
               </a:rPr>
-              <a:t>Данном слайде показаны форматы входных и выходных данных</a:t>
-            </a:r>
+              <a:t>на данном слайде отображены основные разработанные интерфейсы системы.</a:t>
+            </a:r>
+          </a:p>
+          <a:p>
             <a:endParaRPr lang="ru-RU" dirty="0"/>
           </a:p>
         </p:txBody>
@@ -1006,7 +1006,7 @@
     </p:spTree>
     <p:extLst>
       <p:ext uri="{BB962C8B-B14F-4D97-AF65-F5344CB8AC3E}">
-        <p14:creationId xmlns:p14="http://schemas.microsoft.com/office/powerpoint/2010/main" val="2594734692"/>
+        <p14:creationId xmlns:p14="http://schemas.microsoft.com/office/powerpoint/2010/main" val="2145265479"/>
       </p:ext>
     </p:extLst>
   </p:cSld>
@@ -1405,7 +1405,7 @@
                 <a:ea typeface="+mn-ea"/>
                 <a:cs typeface="+mn-cs"/>
               </a:rPr>
-              <a:t>На данном слайде отображены основные сведения о разработанном программном продукте и средствах разработки. </a:t>
+              <a:t>Система была внедрена в «Региональный школьный технопарк» 14 апреля 2025 года. Соответствующий акт о внедрении представлен на слайде.</a:t>
             </a:r>
           </a:p>
           <a:p>
@@ -1439,7 +1439,7 @@
     </p:spTree>
     <p:extLst>
       <p:ext uri="{BB962C8B-B14F-4D97-AF65-F5344CB8AC3E}">
-        <p14:creationId xmlns:p14="http://schemas.microsoft.com/office/powerpoint/2010/main" val="2309492035"/>
+        <p14:creationId xmlns:p14="http://schemas.microsoft.com/office/powerpoint/2010/main" val="2373569316"/>
       </p:ext>
     </p:extLst>
   </p:cSld>
@@ -1520,7 +1520,7 @@
                 <a:ea typeface="+mn-ea"/>
                 <a:cs typeface="+mn-cs"/>
               </a:rPr>
-              <a:t>На данном слайде отображены системные требования к серверу и клиенту.</a:t>
+              <a:t>На данном слайде отображены основные сведения о разработанном программном продукте и средствах разработки. </a:t>
             </a:r>
           </a:p>
           <a:p>
@@ -1554,7 +1554,7 @@
     </p:spTree>
     <p:extLst>
       <p:ext uri="{BB962C8B-B14F-4D97-AF65-F5344CB8AC3E}">
-        <p14:creationId xmlns:p14="http://schemas.microsoft.com/office/powerpoint/2010/main" val="263670119"/>
+        <p14:creationId xmlns:p14="http://schemas.microsoft.com/office/powerpoint/2010/main" val="2309492035"/>
       </p:ext>
     </p:extLst>
   </p:cSld>
@@ -1608,121 +1608,34 @@
           <a:bodyPr/>
           <a:lstStyle/>
           <a:p>
-            <a:pPr marL="0" indent="0" algn="l">
+            <a:pPr marL="0" marR="0" lvl="0" indent="0" algn="l" defTabSz="914400" rtl="0" eaLnBrk="1" fontAlgn="auto" latinLnBrk="0" hangingPunct="1">
               <a:lnSpc>
-                <a:spcPct val="150000"/>
+                <a:spcPct val="100000"/>
               </a:lnSpc>
+              <a:spcBef>
+                <a:spcPts val="0"/>
+              </a:spcBef>
+              <a:spcAft>
+                <a:spcPts val="0"/>
+              </a:spcAft>
+              <a:buClrTx/>
+              <a:buSzTx/>
+              <a:buFontTx/>
               <a:buNone/>
+              <a:tabLst/>
+              <a:defRPr/>
             </a:pPr>
             <a:r>
-              <a:rPr lang="ru-RU" sz="2200" dirty="0">
-                <a:latin typeface="Times New Roman" panose="02020603050405020304" pitchFamily="18" charset="0"/>
-                <a:cs typeface="Times New Roman" panose="02020603050405020304" pitchFamily="18" charset="0"/>
+              <a:rPr lang="ru-RU" sz="1200" kern="1200" dirty="0">
+                <a:solidFill>
+                  <a:schemeClr val="tx1"/>
+                </a:solidFill>
+                <a:effectLst/>
+                <a:latin typeface="+mn-lt"/>
+                <a:ea typeface="+mn-ea"/>
+                <a:cs typeface="+mn-cs"/>
               </a:rPr>
-              <a:t>В результате выполнения ВКР была спроектирована и разработана система, которая обеспечивает формирование необходимых для сопровождения образовательного процесса документов.</a:t>
-            </a:r>
-          </a:p>
-          <a:p>
-            <a:pPr marL="0" indent="0" algn="l">
-              <a:lnSpc>
-                <a:spcPct val="150000"/>
-              </a:lnSpc>
-              <a:buNone/>
-            </a:pPr>
-            <a:r>
-              <a:rPr lang="ru-RU" sz="2200" dirty="0">
-                <a:latin typeface="Times New Roman" panose="02020603050405020304" pitchFamily="18" charset="0"/>
-                <a:ea typeface="Tahoma" panose="020B0604030504040204" pitchFamily="34" charset="0"/>
-                <a:cs typeface="Times New Roman" panose="02020603050405020304" pitchFamily="18" charset="0"/>
-              </a:rPr>
-              <a:t>В результате </a:t>
-            </a:r>
-            <a:r>
-              <a:rPr lang="ru-RU" sz="2200" dirty="0">
-                <a:solidFill>
-                  <a:srgbClr val="FFFF00"/>
-                </a:solidFill>
-                <a:latin typeface="Tahoma" panose="020B0604030504040204" pitchFamily="34" charset="0"/>
-                <a:ea typeface="Tahoma" panose="020B0604030504040204" pitchFamily="34" charset="0"/>
-                <a:cs typeface="Tahoma" panose="020B0604030504040204" pitchFamily="34" charset="0"/>
-              </a:rPr>
-              <a:t>внедрения системы в эксплуатацию </a:t>
-            </a:r>
-            <a:r>
-              <a:rPr lang="ru-RU" sz="2200" dirty="0">
-                <a:latin typeface="Times New Roman" panose="02020603050405020304" pitchFamily="18" charset="0"/>
-                <a:ea typeface="Tahoma" panose="020B0604030504040204" pitchFamily="34" charset="0"/>
-                <a:cs typeface="Times New Roman" panose="02020603050405020304" pitchFamily="18" charset="0"/>
-              </a:rPr>
-              <a:t>удалось </a:t>
-            </a:r>
-            <a:r>
-              <a:rPr lang="ru-RU" sz="2200" dirty="0">
-                <a:solidFill>
-                  <a:srgbClr val="FFFF00"/>
-                </a:solidFill>
-                <a:latin typeface="Tahoma" panose="020B0604030504040204" pitchFamily="34" charset="0"/>
-                <a:ea typeface="Tahoma" panose="020B0604030504040204" pitchFamily="34" charset="0"/>
-                <a:cs typeface="Tahoma" panose="020B0604030504040204" pitchFamily="34" charset="0"/>
-              </a:rPr>
-              <a:t>повысить</a:t>
-            </a:r>
-            <a:r>
-              <a:rPr lang="ru-RU" sz="2200" dirty="0">
-                <a:latin typeface="Tahoma" panose="020B0604030504040204" pitchFamily="34" charset="0"/>
-                <a:ea typeface="Tahoma" panose="020B0604030504040204" pitchFamily="34" charset="0"/>
-                <a:cs typeface="Tahoma" panose="020B0604030504040204" pitchFamily="34" charset="0"/>
-              </a:rPr>
-              <a:t> </a:t>
-            </a:r>
-            <a:r>
-              <a:rPr lang="ru-RU" sz="2200" dirty="0">
-                <a:latin typeface="Times New Roman" panose="02020603050405020304" pitchFamily="18" charset="0"/>
-                <a:ea typeface="Tahoma" panose="020B0604030504040204" pitchFamily="34" charset="0"/>
-                <a:cs typeface="Times New Roman" panose="02020603050405020304" pitchFamily="18" charset="0"/>
-              </a:rPr>
-              <a:t>эффективность сопровождения образовательного процесса более чем </a:t>
-            </a:r>
-            <a:r>
-              <a:rPr lang="ru-RU" sz="2200" dirty="0">
-                <a:solidFill>
-                  <a:srgbClr val="FFFF00"/>
-                </a:solidFill>
-                <a:latin typeface="Tahoma" panose="020B0604030504040204" pitchFamily="34" charset="0"/>
-                <a:ea typeface="Tahoma" panose="020B0604030504040204" pitchFamily="34" charset="0"/>
-                <a:cs typeface="Tahoma" panose="020B0604030504040204" pitchFamily="34" charset="0"/>
-              </a:rPr>
-              <a:t>на </a:t>
-            </a:r>
-            <a:r>
-              <a:rPr lang="en-US" sz="2200" dirty="0">
-                <a:solidFill>
-                  <a:srgbClr val="FFFF00"/>
-                </a:solidFill>
-                <a:latin typeface="Tahoma" panose="020B0604030504040204" pitchFamily="34" charset="0"/>
-                <a:ea typeface="Tahoma" panose="020B0604030504040204" pitchFamily="34" charset="0"/>
-                <a:cs typeface="Tahoma" panose="020B0604030504040204" pitchFamily="34" charset="0"/>
-              </a:rPr>
-              <a:t>2150 </a:t>
-            </a:r>
-            <a:r>
-              <a:rPr lang="ru-RU" sz="2200" dirty="0">
-                <a:solidFill>
-                  <a:srgbClr val="FFFF00"/>
-                </a:solidFill>
-                <a:latin typeface="Tahoma" panose="020B0604030504040204" pitchFamily="34" charset="0"/>
-                <a:ea typeface="Tahoma" panose="020B0604030504040204" pitchFamily="34" charset="0"/>
-                <a:cs typeface="Tahoma" panose="020B0604030504040204" pitchFamily="34" charset="0"/>
-              </a:rPr>
-              <a:t>человеко-часов в год</a:t>
-            </a:r>
-            <a:r>
-              <a:rPr lang="ru-RU" sz="2200" dirty="0">
-                <a:latin typeface="Times New Roman" panose="02020603050405020304" pitchFamily="18" charset="0"/>
-                <a:ea typeface="Tahoma" panose="020B0604030504040204" pitchFamily="34" charset="0"/>
-                <a:cs typeface="Times New Roman" panose="02020603050405020304" pitchFamily="18" charset="0"/>
-              </a:rPr>
-              <a:t>.</a:t>
+              <a:t>На данном слайде отображены системные требования к серверу и клиенту.</a:t>
             </a:r>
           </a:p>
           <a:p>
@@ -1756,7 +1669,7 @@
     </p:spTree>
     <p:extLst>
       <p:ext uri="{BB962C8B-B14F-4D97-AF65-F5344CB8AC3E}">
-        <p14:creationId xmlns:p14="http://schemas.microsoft.com/office/powerpoint/2010/main" val="3261577908"/>
+        <p14:creationId xmlns:p14="http://schemas.microsoft.com/office/powerpoint/2010/main" val="263670119"/>
       </p:ext>
     </p:extLst>
   </p:cSld>
@@ -1810,34 +1723,121 @@
           <a:bodyPr/>
           <a:lstStyle/>
           <a:p>
-            <a:pPr marL="0" marR="0" lvl="0" indent="0" algn="l" defTabSz="914400" rtl="0" eaLnBrk="1" fontAlgn="auto" latinLnBrk="0" hangingPunct="1">
+            <a:pPr marL="0" indent="0" algn="l">
               <a:lnSpc>
-                <a:spcPct val="100000"/>
+                <a:spcPct val="150000"/>
               </a:lnSpc>
-              <a:spcBef>
-                <a:spcPts val="0"/>
-              </a:spcBef>
-              <a:spcAft>
-                <a:spcPts val="0"/>
-              </a:spcAft>
-              <a:buClrTx/>
-              <a:buSzTx/>
-              <a:buFontTx/>
               <a:buNone/>
-              <a:tabLst/>
-              <a:defRPr/>
             </a:pPr>
             <a:r>
-              <a:rPr lang="ru-RU" sz="1200" kern="1200" dirty="0">
-                <a:solidFill>
-                  <a:schemeClr val="tx1"/>
-                </a:solidFill>
-                <a:effectLst/>
-                <a:latin typeface="+mn-lt"/>
-                <a:ea typeface="+mn-ea"/>
-                <a:cs typeface="+mn-cs"/>
+              <a:rPr lang="ru-RU" sz="2200" dirty="0">
+                <a:latin typeface="Times New Roman" panose="02020603050405020304" pitchFamily="18" charset="0"/>
+                <a:cs typeface="Times New Roman" panose="02020603050405020304" pitchFamily="18" charset="0"/>
               </a:rPr>
-              <a:t>Система была внедрена в «Региональный школьный технопарк» 14 апреля 2025 года. Соответствующий акт о внедрении представлен на слайде.</a:t>
+              <a:t>В результате выполнения ВКР была спроектирована и разработана система, которая обеспечивает формирование необходимых для сопровождения образовательного процесса документов.</a:t>
+            </a:r>
+          </a:p>
+          <a:p>
+            <a:pPr marL="0" indent="0" algn="l">
+              <a:lnSpc>
+                <a:spcPct val="150000"/>
+              </a:lnSpc>
+              <a:buNone/>
+            </a:pPr>
+            <a:r>
+              <a:rPr lang="ru-RU" sz="2200" dirty="0">
+                <a:latin typeface="Times New Roman" panose="02020603050405020304" pitchFamily="18" charset="0"/>
+                <a:ea typeface="Tahoma" panose="020B0604030504040204" pitchFamily="34" charset="0"/>
+                <a:cs typeface="Times New Roman" panose="02020603050405020304" pitchFamily="18" charset="0"/>
+              </a:rPr>
+              <a:t>В результате </a:t>
+            </a:r>
+            <a:r>
+              <a:rPr lang="ru-RU" sz="2200" dirty="0">
+                <a:solidFill>
+                  <a:srgbClr val="FFFF00"/>
+                </a:solidFill>
+                <a:latin typeface="Tahoma" panose="020B0604030504040204" pitchFamily="34" charset="0"/>
+                <a:ea typeface="Tahoma" panose="020B0604030504040204" pitchFamily="34" charset="0"/>
+                <a:cs typeface="Tahoma" panose="020B0604030504040204" pitchFamily="34" charset="0"/>
+              </a:rPr>
+              <a:t>внедрения системы в эксплуатацию </a:t>
+            </a:r>
+            <a:r>
+              <a:rPr lang="ru-RU" sz="2200" dirty="0">
+                <a:latin typeface="Times New Roman" panose="02020603050405020304" pitchFamily="18" charset="0"/>
+                <a:ea typeface="Tahoma" panose="020B0604030504040204" pitchFamily="34" charset="0"/>
+                <a:cs typeface="Times New Roman" panose="02020603050405020304" pitchFamily="18" charset="0"/>
+              </a:rPr>
+              <a:t>удалось </a:t>
+            </a:r>
+            <a:r>
+              <a:rPr lang="ru-RU" sz="2200" dirty="0">
+                <a:solidFill>
+                  <a:srgbClr val="FFFF00"/>
+                </a:solidFill>
+                <a:latin typeface="Tahoma" panose="020B0604030504040204" pitchFamily="34" charset="0"/>
+                <a:ea typeface="Tahoma" panose="020B0604030504040204" pitchFamily="34" charset="0"/>
+                <a:cs typeface="Tahoma" panose="020B0604030504040204" pitchFamily="34" charset="0"/>
+              </a:rPr>
+              <a:t>повысить</a:t>
+            </a:r>
+            <a:r>
+              <a:rPr lang="ru-RU" sz="2200" dirty="0">
+                <a:latin typeface="Tahoma" panose="020B0604030504040204" pitchFamily="34" charset="0"/>
+                <a:ea typeface="Tahoma" panose="020B0604030504040204" pitchFamily="34" charset="0"/>
+                <a:cs typeface="Tahoma" panose="020B0604030504040204" pitchFamily="34" charset="0"/>
+              </a:rPr>
+              <a:t> </a:t>
+            </a:r>
+            <a:r>
+              <a:rPr lang="ru-RU" sz="2200" dirty="0">
+                <a:latin typeface="Times New Roman" panose="02020603050405020304" pitchFamily="18" charset="0"/>
+                <a:ea typeface="Tahoma" panose="020B0604030504040204" pitchFamily="34" charset="0"/>
+                <a:cs typeface="Times New Roman" panose="02020603050405020304" pitchFamily="18" charset="0"/>
+              </a:rPr>
+              <a:t>эффективность сопровождения образовательного процесса более чем </a:t>
+            </a:r>
+            <a:r>
+              <a:rPr lang="ru-RU" sz="2200" dirty="0">
+                <a:solidFill>
+                  <a:srgbClr val="FFFF00"/>
+                </a:solidFill>
+                <a:latin typeface="Tahoma" panose="020B0604030504040204" pitchFamily="34" charset="0"/>
+                <a:ea typeface="Tahoma" panose="020B0604030504040204" pitchFamily="34" charset="0"/>
+                <a:cs typeface="Tahoma" panose="020B0604030504040204" pitchFamily="34" charset="0"/>
+              </a:rPr>
+              <a:t>на </a:t>
+            </a:r>
+            <a:r>
+              <a:rPr lang="en-US" sz="2200" dirty="0">
+                <a:solidFill>
+                  <a:srgbClr val="FFFF00"/>
+                </a:solidFill>
+                <a:latin typeface="Tahoma" panose="020B0604030504040204" pitchFamily="34" charset="0"/>
+                <a:ea typeface="Tahoma" panose="020B0604030504040204" pitchFamily="34" charset="0"/>
+                <a:cs typeface="Tahoma" panose="020B0604030504040204" pitchFamily="34" charset="0"/>
+              </a:rPr>
+              <a:t>2150 </a:t>
+            </a:r>
+            <a:r>
+              <a:rPr lang="ru-RU" sz="2200" dirty="0">
+                <a:solidFill>
+                  <a:srgbClr val="FFFF00"/>
+                </a:solidFill>
+                <a:latin typeface="Tahoma" panose="020B0604030504040204" pitchFamily="34" charset="0"/>
+                <a:ea typeface="Tahoma" panose="020B0604030504040204" pitchFamily="34" charset="0"/>
+                <a:cs typeface="Tahoma" panose="020B0604030504040204" pitchFamily="34" charset="0"/>
+              </a:rPr>
+              <a:t>человеко-часов в год</a:t>
+            </a:r>
+            <a:r>
+              <a:rPr lang="ru-RU" sz="2200" dirty="0">
+                <a:latin typeface="Times New Roman" panose="02020603050405020304" pitchFamily="18" charset="0"/>
+                <a:ea typeface="Tahoma" panose="020B0604030504040204" pitchFamily="34" charset="0"/>
+                <a:cs typeface="Times New Roman" panose="02020603050405020304" pitchFamily="18" charset="0"/>
+              </a:rPr>
+              <a:t>.</a:t>
             </a:r>
           </a:p>
           <a:p>
@@ -1871,7 +1871,7 @@
     </p:spTree>
     <p:extLst>
       <p:ext uri="{BB962C8B-B14F-4D97-AF65-F5344CB8AC3E}">
-        <p14:creationId xmlns:p14="http://schemas.microsoft.com/office/powerpoint/2010/main" val="2373569316"/>
+        <p14:creationId xmlns:p14="http://schemas.microsoft.com/office/powerpoint/2010/main" val="3261577908"/>
       </p:ext>
     </p:extLst>
   </p:cSld>
@@ -3280,7 +3280,7 @@
           <a:p>
             <a:fld id="{A592AB9E-B3E0-40A8-9D13-59617F3F8A64}" type="datetime1">
               <a:rPr lang="ru-RU" smtClean="0"/>
-              <a:t>17.06.2025</a:t>
+              <a:t>18.06.2025</a:t>
             </a:fld>
             <a:endParaRPr lang="ru-RU"/>
           </a:p>
@@ -3626,7 +3626,7 @@
           <a:p>
             <a:fld id="{5417B1CA-4C4F-4F8D-803D-8A6A8A906241}" type="datetime1">
               <a:rPr lang="ru-RU" smtClean="0"/>
-              <a:t>17.06.2025</a:t>
+              <a:t>18.06.2025</a:t>
             </a:fld>
             <a:endParaRPr lang="ru-RU"/>
           </a:p>
@@ -3904,7 +3904,7 @@
           <a:p>
             <a:fld id="{82CFFC90-8D51-4E14-AFBA-129AE5402BF2}" type="datetime1">
               <a:rPr lang="ru-RU" smtClean="0"/>
-              <a:t>17.06.2025</a:t>
+              <a:t>18.06.2025</a:t>
             </a:fld>
             <a:endParaRPr lang="ru-RU"/>
           </a:p>
@@ -4472,7 +4472,7 @@
           <a:p>
             <a:fld id="{EA467253-3793-4A20-98DF-36EA880F85F5}" type="datetime1">
               <a:rPr lang="ru-RU" smtClean="0"/>
-              <a:t>17.06.2025</a:t>
+              <a:t>18.06.2025</a:t>
             </a:fld>
             <a:endParaRPr lang="ru-RU"/>
           </a:p>
@@ -4750,7 +4750,7 @@
           <a:p>
             <a:fld id="{D83AF644-49BB-4732-B227-064E7E8E9B75}" type="datetime1">
               <a:rPr lang="ru-RU" smtClean="0"/>
-              <a:t>17.06.2025</a:t>
+              <a:t>18.06.2025</a:t>
             </a:fld>
             <a:endParaRPr lang="ru-RU"/>
           </a:p>
@@ -5312,7 +5312,7 @@
           <a:p>
             <a:fld id="{93741DF7-081A-43E1-AEC0-7A6A5EFC3E04}" type="datetime1">
               <a:rPr lang="ru-RU" smtClean="0"/>
-              <a:t>17.06.2025</a:t>
+              <a:t>18.06.2025</a:t>
             </a:fld>
             <a:endParaRPr lang="ru-RU"/>
           </a:p>
@@ -5639,7 +5639,7 @@
           <a:p>
             <a:fld id="{60804587-5AD3-4566-AED6-7C5642B16C64}" type="datetime1">
               <a:rPr lang="ru-RU" smtClean="0"/>
-              <a:t>17.06.2025</a:t>
+              <a:t>18.06.2025</a:t>
             </a:fld>
             <a:endParaRPr lang="ru-RU"/>
           </a:p>
@@ -5816,7 +5816,7 @@
           <a:p>
             <a:fld id="{AF148D8C-8A56-4364-A29B-FC848D70BD3E}" type="datetime1">
               <a:rPr lang="ru-RU" smtClean="0"/>
-              <a:t>17.06.2025</a:t>
+              <a:t>18.06.2025</a:t>
             </a:fld>
             <a:endParaRPr lang="ru-RU"/>
           </a:p>
@@ -6066,7 +6066,7 @@
           <a:p>
             <a:fld id="{1F560C62-4747-4C40-80B5-9506A6478873}" type="datetime1">
               <a:rPr lang="ru-RU" smtClean="0"/>
-              <a:t>17.06.2025</a:t>
+              <a:t>18.06.2025</a:t>
             </a:fld>
             <a:endParaRPr lang="ru-RU"/>
           </a:p>
@@ -6278,7 +6278,7 @@
           <a:p>
             <a:fld id="{655C5391-6D11-49BE-9D35-F1852430608C}" type="datetime1">
               <a:rPr lang="ru-RU" smtClean="0"/>
-              <a:t>17.06.2025</a:t>
+              <a:t>18.06.2025</a:t>
             </a:fld>
             <a:endParaRPr lang="ru-RU"/>
           </a:p>
@@ -6566,7 +6566,7 @@
           <a:p>
             <a:fld id="{D1B7E046-787A-42F0-988E-D94C46E094ED}" type="datetime1">
               <a:rPr lang="ru-RU" smtClean="0"/>
-              <a:t>17.06.2025</a:t>
+              <a:t>18.06.2025</a:t>
             </a:fld>
             <a:endParaRPr lang="ru-RU"/>
           </a:p>
@@ -6844,7 +6844,7 @@
           <a:p>
             <a:fld id="{1DEF2D25-E9E1-4E54-81F0-1D2FE8854B0E}" type="datetime1">
               <a:rPr lang="ru-RU" smtClean="0"/>
-              <a:t>17.06.2025</a:t>
+              <a:t>18.06.2025</a:t>
             </a:fld>
             <a:endParaRPr lang="ru-RU"/>
           </a:p>
@@ -7230,7 +7230,7 @@
           <a:p>
             <a:fld id="{2D559C09-903E-4473-BBE2-D44EED2E9BB9}" type="datetime1">
               <a:rPr lang="ru-RU" smtClean="0"/>
-              <a:t>17.06.2025</a:t>
+              <a:t>18.06.2025</a:t>
             </a:fld>
             <a:endParaRPr lang="ru-RU"/>
           </a:p>
@@ -7390,7 +7390,7 @@
           <a:p>
             <a:fld id="{5DEFB42A-193B-4E6D-9002-E4C3450AA4B1}" type="datetime1">
               <a:rPr lang="ru-RU" smtClean="0"/>
-              <a:t>17.06.2025</a:t>
+              <a:t>18.06.2025</a:t>
             </a:fld>
             <a:endParaRPr lang="ru-RU"/>
           </a:p>
@@ -7527,7 +7527,7 @@
           <a:p>
             <a:fld id="{B780A1C7-BCFA-4491-ABEA-F198E9E80238}" type="datetime1">
               <a:rPr lang="ru-RU" smtClean="0"/>
-              <a:t>17.06.2025</a:t>
+              <a:t>18.06.2025</a:t>
             </a:fld>
             <a:endParaRPr lang="ru-RU"/>
           </a:p>
@@ -7824,7 +7824,7 @@
           <a:p>
             <a:fld id="{6B7D87D1-A00E-4856-B035-ABE302A2367C}" type="datetime1">
               <a:rPr lang="ru-RU" smtClean="0"/>
-              <a:t>17.06.2025</a:t>
+              <a:t>18.06.2025</a:t>
             </a:fld>
             <a:endParaRPr lang="ru-RU"/>
           </a:p>
@@ -8160,7 +8160,7 @@
           <a:p>
             <a:fld id="{95982220-A412-481B-B026-9F63F21200E0}" type="datetime1">
               <a:rPr lang="ru-RU" smtClean="0"/>
-              <a:t>17.06.2025</a:t>
+              <a:t>18.06.2025</a:t>
             </a:fld>
             <a:endParaRPr lang="ru-RU"/>
           </a:p>
@@ -8386,7 +8386,7 @@
           <a:p>
             <a:fld id="{CBF3DBF7-CC75-4132-A774-E3960ACCECD6}" type="datetime1">
               <a:rPr lang="ru-RU" smtClean="0"/>
-              <a:t>17.06.2025</a:t>
+              <a:t>18.06.2025</a:t>
             </a:fld>
             <a:endParaRPr lang="ru-RU"/>
           </a:p>
@@ -17120,564 +17120,6 @@
       </p:grpSpPr>
       <p:sp>
         <p:nvSpPr>
-          <p:cNvPr id="7" name="Заголовок 1">
-            <a:extLst>
-              <a:ext uri="{FF2B5EF4-FFF2-40B4-BE49-F238E27FC236}">
-                <a16:creationId xmlns:a16="http://schemas.microsoft.com/office/drawing/2014/main" id="{0AC31A72-5FA3-A939-1D1C-E89299BFE294}"/>
-              </a:ext>
-            </a:extLst>
-          </p:cNvPr>
-          <p:cNvSpPr>
-            <a:spLocks noGrp="1"/>
-          </p:cNvSpPr>
-          <p:nvPr>
-            <p:ph type="title"/>
-          </p:nvPr>
-        </p:nvSpPr>
-        <p:spPr>
-          <a:xfrm>
-            <a:off x="-1" y="0"/>
-            <a:ext cx="12191999" cy="600076"/>
-          </a:xfrm>
-        </p:spPr>
-        <p:txBody>
-          <a:bodyPr>
-            <a:noAutofit/>
-          </a:bodyPr>
-          <a:lstStyle/>
-          <a:p>
-            <a:pPr algn="ctr"/>
-            <a:r>
-              <a:rPr lang="ru-RU" dirty="0">
-                <a:latin typeface="Times New Roman" panose="02020603050405020304" pitchFamily="18" charset="0"/>
-                <a:cs typeface="Times New Roman" panose="02020603050405020304" pitchFamily="18" charset="0"/>
-              </a:rPr>
-              <a:t>РАЗРАБОТАННЫЕ ИНТЕРФЕЙСЫ</a:t>
-            </a:r>
-            <a:endParaRPr lang="ru-RU" dirty="0">
-              <a:solidFill>
-                <a:schemeClr val="tx1"/>
-              </a:solidFill>
-              <a:latin typeface="Times New Roman" panose="02020603050405020304" pitchFamily="18" charset="0"/>
-              <a:cs typeface="Times New Roman" panose="02020603050405020304" pitchFamily="18" charset="0"/>
-            </a:endParaRPr>
-          </a:p>
-        </p:txBody>
-      </p:sp>
-      <p:sp>
-        <p:nvSpPr>
-          <p:cNvPr id="14" name="Номер слайда 4">
-            <a:extLst>
-              <a:ext uri="{FF2B5EF4-FFF2-40B4-BE49-F238E27FC236}">
-                <a16:creationId xmlns:a16="http://schemas.microsoft.com/office/drawing/2014/main" id="{DB47AF26-AF92-C82B-7102-0AE934D6853A}"/>
-              </a:ext>
-            </a:extLst>
-          </p:cNvPr>
-          <p:cNvSpPr txBox="1">
-            <a:spLocks/>
-          </p:cNvSpPr>
-          <p:nvPr/>
-        </p:nvSpPr>
-        <p:spPr>
-          <a:xfrm>
-            <a:off x="11290040" y="0"/>
-            <a:ext cx="901959" cy="600076"/>
-          </a:xfrm>
-          <a:prstGeom prst="rect">
-            <a:avLst/>
-          </a:prstGeom>
-        </p:spPr>
-        <p:txBody>
-          <a:bodyPr vert="horz" lIns="91440" tIns="45720" rIns="91440" bIns="45720" rtlCol="0" anchor="ctr"/>
-          <a:lstStyle>
-            <a:defPPr>
-              <a:defRPr lang="en-US"/>
-            </a:defPPr>
-            <a:lvl1pPr marL="0" algn="r" defTabSz="457200" rtl="0" eaLnBrk="1" latinLnBrk="0" hangingPunct="1">
-              <a:defRPr sz="1000" b="0" i="0" kern="1200">
-                <a:solidFill>
-                  <a:schemeClr val="tx1"/>
-                </a:solidFill>
-                <a:effectLst/>
-                <a:latin typeface="+mn-lt"/>
-                <a:ea typeface="+mn-ea"/>
-                <a:cs typeface="+mn-cs"/>
-              </a:defRPr>
-            </a:lvl1pPr>
-            <a:lvl2pPr marL="457200" algn="l" defTabSz="457200" rtl="0" eaLnBrk="1" latinLnBrk="0" hangingPunct="1">
-              <a:defRPr sz="1800" kern="1200">
-                <a:solidFill>
-                  <a:schemeClr val="tx1"/>
-                </a:solidFill>
-                <a:latin typeface="+mn-lt"/>
-                <a:ea typeface="+mn-ea"/>
-                <a:cs typeface="+mn-cs"/>
-              </a:defRPr>
-            </a:lvl2pPr>
-            <a:lvl3pPr marL="914400" algn="l" defTabSz="457200" rtl="0" eaLnBrk="1" latinLnBrk="0" hangingPunct="1">
-              <a:defRPr sz="1800" kern="1200">
-                <a:solidFill>
-                  <a:schemeClr val="tx1"/>
-                </a:solidFill>
-                <a:latin typeface="+mn-lt"/>
-                <a:ea typeface="+mn-ea"/>
-                <a:cs typeface="+mn-cs"/>
-              </a:defRPr>
-            </a:lvl3pPr>
-            <a:lvl4pPr marL="1371600" algn="l" defTabSz="457200" rtl="0" eaLnBrk="1" latinLnBrk="0" hangingPunct="1">
-              <a:defRPr sz="1800" kern="1200">
-                <a:solidFill>
-                  <a:schemeClr val="tx1"/>
-                </a:solidFill>
-                <a:latin typeface="+mn-lt"/>
-                <a:ea typeface="+mn-ea"/>
-                <a:cs typeface="+mn-cs"/>
-              </a:defRPr>
-            </a:lvl4pPr>
-            <a:lvl5pPr marL="1828800" algn="l" defTabSz="457200" rtl="0" eaLnBrk="1" latinLnBrk="0" hangingPunct="1">
-              <a:defRPr sz="1800" kern="1200">
-                <a:solidFill>
-                  <a:schemeClr val="tx1"/>
-                </a:solidFill>
-                <a:latin typeface="+mn-lt"/>
-                <a:ea typeface="+mn-ea"/>
-                <a:cs typeface="+mn-cs"/>
-              </a:defRPr>
-            </a:lvl5pPr>
-            <a:lvl6pPr marL="2286000" algn="l" defTabSz="457200" rtl="0" eaLnBrk="1" latinLnBrk="0" hangingPunct="1">
-              <a:defRPr sz="1800" kern="1200">
-                <a:solidFill>
-                  <a:schemeClr val="tx1"/>
-                </a:solidFill>
-                <a:latin typeface="+mn-lt"/>
-                <a:ea typeface="+mn-ea"/>
-                <a:cs typeface="+mn-cs"/>
-              </a:defRPr>
-            </a:lvl6pPr>
-            <a:lvl7pPr marL="2743200" algn="l" defTabSz="457200" rtl="0" eaLnBrk="1" latinLnBrk="0" hangingPunct="1">
-              <a:defRPr sz="1800" kern="1200">
-                <a:solidFill>
-                  <a:schemeClr val="tx1"/>
-                </a:solidFill>
-                <a:latin typeface="+mn-lt"/>
-                <a:ea typeface="+mn-ea"/>
-                <a:cs typeface="+mn-cs"/>
-              </a:defRPr>
-            </a:lvl7pPr>
-            <a:lvl8pPr marL="3200400" algn="l" defTabSz="457200" rtl="0" eaLnBrk="1" latinLnBrk="0" hangingPunct="1">
-              <a:defRPr sz="1800" kern="1200">
-                <a:solidFill>
-                  <a:schemeClr val="tx1"/>
-                </a:solidFill>
-                <a:latin typeface="+mn-lt"/>
-                <a:ea typeface="+mn-ea"/>
-                <a:cs typeface="+mn-cs"/>
-              </a:defRPr>
-            </a:lvl8pPr>
-            <a:lvl9pPr marL="3657600" algn="l" defTabSz="457200" rtl="0" eaLnBrk="1" latinLnBrk="0" hangingPunct="1">
-              <a:defRPr sz="1800" kern="1200">
-                <a:solidFill>
-                  <a:schemeClr val="tx1"/>
-                </a:solidFill>
-                <a:latin typeface="+mn-lt"/>
-                <a:ea typeface="+mn-ea"/>
-                <a:cs typeface="+mn-cs"/>
-              </a:defRPr>
-            </a:lvl9pPr>
-          </a:lstStyle>
-          <a:p>
-            <a:pPr algn="ctr"/>
-            <a:fld id="{E674C0A0-8DE9-4942-9F1B-2332F349D007}" type="slidenum">
-              <a:rPr lang="ru-RU" sz="2200" smtClean="0">
-                <a:latin typeface="Tahoma" panose="020B0604030504040204" pitchFamily="34" charset="0"/>
-                <a:ea typeface="Tahoma" panose="020B0604030504040204" pitchFamily="34" charset="0"/>
-                <a:cs typeface="Tahoma" panose="020B0604030504040204" pitchFamily="34" charset="0"/>
-              </a:rPr>
-              <a:pPr algn="ctr"/>
-              <a:t>12</a:t>
-            </a:fld>
-            <a:endParaRPr lang="ru-RU" sz="2200" dirty="0">
-              <a:latin typeface="Tahoma" panose="020B0604030504040204" pitchFamily="34" charset="0"/>
-              <a:ea typeface="Tahoma" panose="020B0604030504040204" pitchFamily="34" charset="0"/>
-              <a:cs typeface="Tahoma" panose="020B0604030504040204" pitchFamily="34" charset="0"/>
-            </a:endParaRPr>
-          </a:p>
-        </p:txBody>
-      </p:sp>
-      <p:pic>
-        <p:nvPicPr>
-          <p:cNvPr id="4" name="Рисунок 3">
-            <a:extLst>
-              <a:ext uri="{FF2B5EF4-FFF2-40B4-BE49-F238E27FC236}">
-                <a16:creationId xmlns:a16="http://schemas.microsoft.com/office/drawing/2014/main" id="{ED7E34A2-3FE4-50FE-E4A5-DA1F47C71AF9}"/>
-              </a:ext>
-            </a:extLst>
-          </p:cNvPr>
-          <p:cNvPicPr>
-            <a:picLocks noChangeAspect="1"/>
-          </p:cNvPicPr>
-          <p:nvPr/>
-        </p:nvPicPr>
-        <p:blipFill>
-          <a:blip r:embed="rId3"/>
-          <a:stretch>
-            <a:fillRect/>
-          </a:stretch>
-        </p:blipFill>
-        <p:spPr>
-          <a:xfrm>
-            <a:off x="0" y="499784"/>
-            <a:ext cx="6260841" cy="3275079"/>
-          </a:xfrm>
-          <a:prstGeom prst="rect">
-            <a:avLst/>
-          </a:prstGeom>
-        </p:spPr>
-      </p:pic>
-      <p:pic>
-        <p:nvPicPr>
-          <p:cNvPr id="6" name="Рисунок 5">
-            <a:extLst>
-              <a:ext uri="{FF2B5EF4-FFF2-40B4-BE49-F238E27FC236}">
-                <a16:creationId xmlns:a16="http://schemas.microsoft.com/office/drawing/2014/main" id="{13417EE5-FD0B-8E04-7955-D30E5F30F25A}"/>
-              </a:ext>
-            </a:extLst>
-          </p:cNvPr>
-          <p:cNvPicPr>
-            <a:picLocks noChangeAspect="1"/>
-          </p:cNvPicPr>
-          <p:nvPr/>
-        </p:nvPicPr>
-        <p:blipFill>
-          <a:blip r:embed="rId4"/>
-          <a:stretch>
-            <a:fillRect/>
-          </a:stretch>
-        </p:blipFill>
-        <p:spPr>
-          <a:xfrm>
-            <a:off x="5838889" y="499784"/>
-            <a:ext cx="6353109" cy="5244117"/>
-          </a:xfrm>
-          <a:prstGeom prst="rect">
-            <a:avLst/>
-          </a:prstGeom>
-        </p:spPr>
-      </p:pic>
-      <p:pic>
-        <p:nvPicPr>
-          <p:cNvPr id="9" name="Рисунок 8">
-            <a:extLst>
-              <a:ext uri="{FF2B5EF4-FFF2-40B4-BE49-F238E27FC236}">
-                <a16:creationId xmlns:a16="http://schemas.microsoft.com/office/drawing/2014/main" id="{06228E07-24D2-5E4D-8A13-B0D1E5D44F06}"/>
-              </a:ext>
-            </a:extLst>
-          </p:cNvPr>
-          <p:cNvPicPr>
-            <a:picLocks noChangeAspect="1"/>
-          </p:cNvPicPr>
-          <p:nvPr/>
-        </p:nvPicPr>
-        <p:blipFill>
-          <a:blip r:embed="rId5"/>
-          <a:stretch>
-            <a:fillRect/>
-          </a:stretch>
-        </p:blipFill>
-        <p:spPr>
-          <a:xfrm>
-            <a:off x="-17325" y="1379255"/>
-            <a:ext cx="6651389" cy="5478745"/>
-          </a:xfrm>
-          <a:prstGeom prst="rect">
-            <a:avLst/>
-          </a:prstGeom>
-        </p:spPr>
-      </p:pic>
-      <p:pic>
-        <p:nvPicPr>
-          <p:cNvPr id="11" name="Рисунок 10">
-            <a:extLst>
-              <a:ext uri="{FF2B5EF4-FFF2-40B4-BE49-F238E27FC236}">
-                <a16:creationId xmlns:a16="http://schemas.microsoft.com/office/drawing/2014/main" id="{3A2600B0-24F4-21E9-F6CD-174AA3C35AEE}"/>
-              </a:ext>
-            </a:extLst>
-          </p:cNvPr>
-          <p:cNvPicPr>
-            <a:picLocks noChangeAspect="1"/>
-          </p:cNvPicPr>
-          <p:nvPr/>
-        </p:nvPicPr>
-        <p:blipFill>
-          <a:blip r:embed="rId6"/>
-          <a:stretch>
-            <a:fillRect/>
-          </a:stretch>
-        </p:blipFill>
-        <p:spPr>
-          <a:xfrm>
-            <a:off x="6428792" y="1578950"/>
-            <a:ext cx="5763206" cy="5279050"/>
-          </a:xfrm>
-          <a:prstGeom prst="rect">
-            <a:avLst/>
-          </a:prstGeom>
-        </p:spPr>
-      </p:pic>
-    </p:spTree>
-    <p:extLst>
-      <p:ext uri="{BB962C8B-B14F-4D97-AF65-F5344CB8AC3E}">
-        <p14:creationId xmlns:p14="http://schemas.microsoft.com/office/powerpoint/2010/main" val="2164266354"/>
-      </p:ext>
-    </p:extLst>
-  </p:cSld>
-  <p:clrMapOvr>
-    <a:masterClrMapping/>
-  </p:clrMapOvr>
-  <mc:AlternateContent xmlns:mc="http://schemas.openxmlformats.org/markup-compatibility/2006" xmlns:p14="http://schemas.microsoft.com/office/powerpoint/2010/main">
-    <mc:Choice Requires="p14">
-      <p:transition spd="med" p14:dur="700">
-        <p:fade/>
-      </p:transition>
-    </mc:Choice>
-    <mc:Fallback xmlns="">
-      <p:transition spd="med">
-        <p:fade/>
-      </p:transition>
-    </mc:Fallback>
-  </mc:AlternateContent>
-  <p:timing>
-    <p:tnLst>
-      <p:par>
-        <p:cTn id="1" dur="indefinite" restart="never" nodeType="tmRoot">
-          <p:childTnLst>
-            <p:seq concurrent="1" nextAc="seek">
-              <p:cTn id="2" dur="indefinite" nodeType="mainSeq">
-                <p:childTnLst>
-                  <p:par>
-                    <p:cTn id="3" fill="hold">
-                      <p:stCondLst>
-                        <p:cond delay="indefinite"/>
-                      </p:stCondLst>
-                      <p:childTnLst>
-                        <p:par>
-                          <p:cTn id="4" fill="hold">
-                            <p:stCondLst>
-                              <p:cond delay="0"/>
-                            </p:stCondLst>
-                            <p:childTnLst>
-                              <p:par>
-                                <p:cTn id="5" presetID="1" presetClass="entr" presetSubtype="0" fill="hold" nodeType="clickEffect">
-                                  <p:stCondLst>
-                                    <p:cond delay="0"/>
-                                  </p:stCondLst>
-                                  <p:childTnLst>
-                                    <p:set>
-                                      <p:cBhvr>
-                                        <p:cTn id="6" dur="1" fill="hold">
-                                          <p:stCondLst>
-                                            <p:cond delay="0"/>
-                                          </p:stCondLst>
-                                        </p:cTn>
-                                        <p:tgtEl>
-                                          <p:spTgt spid="4"/>
-                                        </p:tgtEl>
-                                        <p:attrNameLst>
-                                          <p:attrName>style.visibility</p:attrName>
-                                        </p:attrNameLst>
-                                      </p:cBhvr>
-                                      <p:to>
-                                        <p:strVal val="visible"/>
-                                      </p:to>
-                                    </p:set>
-                                  </p:childTnLst>
-                                </p:cTn>
-                              </p:par>
-                            </p:childTnLst>
-                          </p:cTn>
-                        </p:par>
-                      </p:childTnLst>
-                    </p:cTn>
-                  </p:par>
-                  <p:par>
-                    <p:cTn id="7" fill="hold">
-                      <p:stCondLst>
-                        <p:cond delay="indefinite"/>
-                      </p:stCondLst>
-                      <p:childTnLst>
-                        <p:par>
-                          <p:cTn id="8" fill="hold">
-                            <p:stCondLst>
-                              <p:cond delay="0"/>
-                            </p:stCondLst>
-                            <p:childTnLst>
-                              <p:par>
-                                <p:cTn id="9" presetID="1" presetClass="entr" presetSubtype="0" fill="hold" nodeType="clickEffect">
-                                  <p:stCondLst>
-                                    <p:cond delay="0"/>
-                                  </p:stCondLst>
-                                  <p:childTnLst>
-                                    <p:set>
-                                      <p:cBhvr>
-                                        <p:cTn id="10" dur="1" fill="hold">
-                                          <p:stCondLst>
-                                            <p:cond delay="0"/>
-                                          </p:stCondLst>
-                                        </p:cTn>
-                                        <p:tgtEl>
-                                          <p:spTgt spid="6"/>
-                                        </p:tgtEl>
-                                        <p:attrNameLst>
-                                          <p:attrName>style.visibility</p:attrName>
-                                        </p:attrNameLst>
-                                      </p:cBhvr>
-                                      <p:to>
-                                        <p:strVal val="visible"/>
-                                      </p:to>
-                                    </p:set>
-                                  </p:childTnLst>
-                                </p:cTn>
-                              </p:par>
-                            </p:childTnLst>
-                          </p:cTn>
-                        </p:par>
-                      </p:childTnLst>
-                    </p:cTn>
-                  </p:par>
-                  <p:par>
-                    <p:cTn id="11" fill="hold">
-                      <p:stCondLst>
-                        <p:cond delay="indefinite"/>
-                      </p:stCondLst>
-                      <p:childTnLst>
-                        <p:par>
-                          <p:cTn id="12" fill="hold">
-                            <p:stCondLst>
-                              <p:cond delay="0"/>
-                            </p:stCondLst>
-                            <p:childTnLst>
-                              <p:par>
-                                <p:cTn id="13" presetID="1" presetClass="entr" presetSubtype="0" fill="hold" nodeType="clickEffect">
-                                  <p:stCondLst>
-                                    <p:cond delay="0"/>
-                                  </p:stCondLst>
-                                  <p:childTnLst>
-                                    <p:set>
-                                      <p:cBhvr>
-                                        <p:cTn id="14" dur="1" fill="hold">
-                                          <p:stCondLst>
-                                            <p:cond delay="0"/>
-                                          </p:stCondLst>
-                                        </p:cTn>
-                                        <p:tgtEl>
-                                          <p:spTgt spid="9"/>
-                                        </p:tgtEl>
-                                        <p:attrNameLst>
-                                          <p:attrName>style.visibility</p:attrName>
-                                        </p:attrNameLst>
-                                      </p:cBhvr>
-                                      <p:to>
-                                        <p:strVal val="visible"/>
-                                      </p:to>
-                                    </p:set>
-                                  </p:childTnLst>
-                                </p:cTn>
-                              </p:par>
-                            </p:childTnLst>
-                          </p:cTn>
-                        </p:par>
-                      </p:childTnLst>
-                    </p:cTn>
-                  </p:par>
-                  <p:par>
-                    <p:cTn id="15" fill="hold">
-                      <p:stCondLst>
-                        <p:cond delay="indefinite"/>
-                      </p:stCondLst>
-                      <p:childTnLst>
-                        <p:par>
-                          <p:cTn id="16" fill="hold">
-                            <p:stCondLst>
-                              <p:cond delay="0"/>
-                            </p:stCondLst>
-                            <p:childTnLst>
-                              <p:par>
-                                <p:cTn id="17" presetID="1" presetClass="entr" presetSubtype="0" fill="hold" nodeType="clickEffect">
-                                  <p:stCondLst>
-                                    <p:cond delay="0"/>
-                                  </p:stCondLst>
-                                  <p:childTnLst>
-                                    <p:set>
-                                      <p:cBhvr>
-                                        <p:cTn id="18" dur="1" fill="hold">
-                                          <p:stCondLst>
-                                            <p:cond delay="0"/>
-                                          </p:stCondLst>
-                                        </p:cTn>
-                                        <p:tgtEl>
-                                          <p:spTgt spid="11"/>
-                                        </p:tgtEl>
-                                        <p:attrNameLst>
-                                          <p:attrName>style.visibility</p:attrName>
-                                        </p:attrNameLst>
-                                      </p:cBhvr>
-                                      <p:to>
-                                        <p:strVal val="visible"/>
-                                      </p:to>
-                                    </p:set>
-                                  </p:childTnLst>
-                                </p:cTn>
-                              </p:par>
-                            </p:childTnLst>
-                          </p:cTn>
-                        </p:par>
-                      </p:childTnLst>
-                    </p:cTn>
-                  </p:par>
-                </p:childTnLst>
-              </p:cTn>
-              <p:prevCondLst>
-                <p:cond evt="onPrev" delay="0">
-                  <p:tgtEl>
-                    <p:sldTgt/>
-                  </p:tgtEl>
-                </p:cond>
-              </p:prevCondLst>
-              <p:nextCondLst>
-                <p:cond evt="onNext" delay="0">
-                  <p:tgtEl>
-                    <p:sldTgt/>
-                  </p:tgtEl>
-                </p:cond>
-              </p:nextCondLst>
-            </p:seq>
-          </p:childTnLst>
-        </p:cTn>
-      </p:par>
-    </p:tnLst>
-  </p:timing>
-</p:sld>
-</file>
-
-<file path=ppt/slides/slide13.xml><?xml version="1.0" encoding="utf-8"?>
-<p:sld xmlns:a="http://schemas.openxmlformats.org/drawingml/2006/main" xmlns:r="http://schemas.openxmlformats.org/officeDocument/2006/relationships" xmlns:p="http://schemas.openxmlformats.org/presentationml/2006/main">
-  <p:cSld>
-    <p:spTree>
-      <p:nvGrpSpPr>
-        <p:cNvPr id="1" name=""/>
-        <p:cNvGrpSpPr/>
-        <p:nvPr/>
-      </p:nvGrpSpPr>
-      <p:grpSpPr>
-        <a:xfrm>
-          <a:off x="0" y="0"/>
-          <a:ext cx="0" cy="0"/>
-          <a:chOff x="0" y="0"/>
-          <a:chExt cx="0" cy="0"/>
-        </a:xfrm>
-      </p:grpSpPr>
-      <p:sp>
-        <p:nvSpPr>
           <p:cNvPr id="2" name="Заголовок 1">
             <a:extLst>
               <a:ext uri="{FF2B5EF4-FFF2-40B4-BE49-F238E27FC236}">
@@ -17844,7 +17286,7 @@
                 <a:cs typeface="Tahoma" panose="020B0604030504040204" pitchFamily="34" charset="0"/>
               </a:rPr>
               <a:pPr algn="ctr"/>
-              <a:t>13</a:t>
+              <a:t>12</a:t>
             </a:fld>
             <a:endParaRPr lang="ru-RU" sz="2200" dirty="0">
               <a:latin typeface="Tahoma" panose="020B0604030504040204" pitchFamily="34" charset="0"/>
@@ -20676,6 +20118,564 @@
 </p:sld>
 </file>
 
+<file path=ppt/slides/slide13.xml><?xml version="1.0" encoding="utf-8"?>
+<p:sld xmlns:a="http://schemas.openxmlformats.org/drawingml/2006/main" xmlns:r="http://schemas.openxmlformats.org/officeDocument/2006/relationships" xmlns:p="http://schemas.openxmlformats.org/presentationml/2006/main">
+  <p:cSld>
+    <p:spTree>
+      <p:nvGrpSpPr>
+        <p:cNvPr id="1" name=""/>
+        <p:cNvGrpSpPr/>
+        <p:nvPr/>
+      </p:nvGrpSpPr>
+      <p:grpSpPr>
+        <a:xfrm>
+          <a:off x="0" y="0"/>
+          <a:ext cx="0" cy="0"/>
+          <a:chOff x="0" y="0"/>
+          <a:chExt cx="0" cy="0"/>
+        </a:xfrm>
+      </p:grpSpPr>
+      <p:sp>
+        <p:nvSpPr>
+          <p:cNvPr id="7" name="Заголовок 1">
+            <a:extLst>
+              <a:ext uri="{FF2B5EF4-FFF2-40B4-BE49-F238E27FC236}">
+                <a16:creationId xmlns:a16="http://schemas.microsoft.com/office/drawing/2014/main" id="{0AC31A72-5FA3-A939-1D1C-E89299BFE294}"/>
+              </a:ext>
+            </a:extLst>
+          </p:cNvPr>
+          <p:cNvSpPr>
+            <a:spLocks noGrp="1"/>
+          </p:cNvSpPr>
+          <p:nvPr>
+            <p:ph type="title"/>
+          </p:nvPr>
+        </p:nvSpPr>
+        <p:spPr>
+          <a:xfrm>
+            <a:off x="-1" y="0"/>
+            <a:ext cx="12191999" cy="600076"/>
+          </a:xfrm>
+        </p:spPr>
+        <p:txBody>
+          <a:bodyPr>
+            <a:noAutofit/>
+          </a:bodyPr>
+          <a:lstStyle/>
+          <a:p>
+            <a:pPr algn="ctr"/>
+            <a:r>
+              <a:rPr lang="ru-RU" dirty="0">
+                <a:latin typeface="Times New Roman" panose="02020603050405020304" pitchFamily="18" charset="0"/>
+                <a:cs typeface="Times New Roman" panose="02020603050405020304" pitchFamily="18" charset="0"/>
+              </a:rPr>
+              <a:t>РАЗРАБОТАННЫЕ ИНТЕРФЕЙСЫ</a:t>
+            </a:r>
+            <a:endParaRPr lang="ru-RU" dirty="0">
+              <a:solidFill>
+                <a:schemeClr val="tx1"/>
+              </a:solidFill>
+              <a:latin typeface="Times New Roman" panose="02020603050405020304" pitchFamily="18" charset="0"/>
+              <a:cs typeface="Times New Roman" panose="02020603050405020304" pitchFamily="18" charset="0"/>
+            </a:endParaRPr>
+          </a:p>
+        </p:txBody>
+      </p:sp>
+      <p:sp>
+        <p:nvSpPr>
+          <p:cNvPr id="14" name="Номер слайда 4">
+            <a:extLst>
+              <a:ext uri="{FF2B5EF4-FFF2-40B4-BE49-F238E27FC236}">
+                <a16:creationId xmlns:a16="http://schemas.microsoft.com/office/drawing/2014/main" id="{DB47AF26-AF92-C82B-7102-0AE934D6853A}"/>
+              </a:ext>
+            </a:extLst>
+          </p:cNvPr>
+          <p:cNvSpPr txBox="1">
+            <a:spLocks/>
+          </p:cNvSpPr>
+          <p:nvPr/>
+        </p:nvSpPr>
+        <p:spPr>
+          <a:xfrm>
+            <a:off x="11290040" y="0"/>
+            <a:ext cx="901959" cy="600076"/>
+          </a:xfrm>
+          <a:prstGeom prst="rect">
+            <a:avLst/>
+          </a:prstGeom>
+        </p:spPr>
+        <p:txBody>
+          <a:bodyPr vert="horz" lIns="91440" tIns="45720" rIns="91440" bIns="45720" rtlCol="0" anchor="ctr"/>
+          <a:lstStyle>
+            <a:defPPr>
+              <a:defRPr lang="en-US"/>
+            </a:defPPr>
+            <a:lvl1pPr marL="0" algn="r" defTabSz="457200" rtl="0" eaLnBrk="1" latinLnBrk="0" hangingPunct="1">
+              <a:defRPr sz="1000" b="0" i="0" kern="1200">
+                <a:solidFill>
+                  <a:schemeClr val="tx1"/>
+                </a:solidFill>
+                <a:effectLst/>
+                <a:latin typeface="+mn-lt"/>
+                <a:ea typeface="+mn-ea"/>
+                <a:cs typeface="+mn-cs"/>
+              </a:defRPr>
+            </a:lvl1pPr>
+            <a:lvl2pPr marL="457200" algn="l" defTabSz="457200" rtl="0" eaLnBrk="1" latinLnBrk="0" hangingPunct="1">
+              <a:defRPr sz="1800" kern="1200">
+                <a:solidFill>
+                  <a:schemeClr val="tx1"/>
+                </a:solidFill>
+                <a:latin typeface="+mn-lt"/>
+                <a:ea typeface="+mn-ea"/>
+                <a:cs typeface="+mn-cs"/>
+              </a:defRPr>
+            </a:lvl2pPr>
+            <a:lvl3pPr marL="914400" algn="l" defTabSz="457200" rtl="0" eaLnBrk="1" latinLnBrk="0" hangingPunct="1">
+              <a:defRPr sz="1800" kern="1200">
+                <a:solidFill>
+                  <a:schemeClr val="tx1"/>
+                </a:solidFill>
+                <a:latin typeface="+mn-lt"/>
+                <a:ea typeface="+mn-ea"/>
+                <a:cs typeface="+mn-cs"/>
+              </a:defRPr>
+            </a:lvl3pPr>
+            <a:lvl4pPr marL="1371600" algn="l" defTabSz="457200" rtl="0" eaLnBrk="1" latinLnBrk="0" hangingPunct="1">
+              <a:defRPr sz="1800" kern="1200">
+                <a:solidFill>
+                  <a:schemeClr val="tx1"/>
+                </a:solidFill>
+                <a:latin typeface="+mn-lt"/>
+                <a:ea typeface="+mn-ea"/>
+                <a:cs typeface="+mn-cs"/>
+              </a:defRPr>
+            </a:lvl4pPr>
+            <a:lvl5pPr marL="1828800" algn="l" defTabSz="457200" rtl="0" eaLnBrk="1" latinLnBrk="0" hangingPunct="1">
+              <a:defRPr sz="1800" kern="1200">
+                <a:solidFill>
+                  <a:schemeClr val="tx1"/>
+                </a:solidFill>
+                <a:latin typeface="+mn-lt"/>
+                <a:ea typeface="+mn-ea"/>
+                <a:cs typeface="+mn-cs"/>
+              </a:defRPr>
+            </a:lvl5pPr>
+            <a:lvl6pPr marL="2286000" algn="l" defTabSz="457200" rtl="0" eaLnBrk="1" latinLnBrk="0" hangingPunct="1">
+              <a:defRPr sz="1800" kern="1200">
+                <a:solidFill>
+                  <a:schemeClr val="tx1"/>
+                </a:solidFill>
+                <a:latin typeface="+mn-lt"/>
+                <a:ea typeface="+mn-ea"/>
+                <a:cs typeface="+mn-cs"/>
+              </a:defRPr>
+            </a:lvl6pPr>
+            <a:lvl7pPr marL="2743200" algn="l" defTabSz="457200" rtl="0" eaLnBrk="1" latinLnBrk="0" hangingPunct="1">
+              <a:defRPr sz="1800" kern="1200">
+                <a:solidFill>
+                  <a:schemeClr val="tx1"/>
+                </a:solidFill>
+                <a:latin typeface="+mn-lt"/>
+                <a:ea typeface="+mn-ea"/>
+                <a:cs typeface="+mn-cs"/>
+              </a:defRPr>
+            </a:lvl7pPr>
+            <a:lvl8pPr marL="3200400" algn="l" defTabSz="457200" rtl="0" eaLnBrk="1" latinLnBrk="0" hangingPunct="1">
+              <a:defRPr sz="1800" kern="1200">
+                <a:solidFill>
+                  <a:schemeClr val="tx1"/>
+                </a:solidFill>
+                <a:latin typeface="+mn-lt"/>
+                <a:ea typeface="+mn-ea"/>
+                <a:cs typeface="+mn-cs"/>
+              </a:defRPr>
+            </a:lvl8pPr>
+            <a:lvl9pPr marL="3657600" algn="l" defTabSz="457200" rtl="0" eaLnBrk="1" latinLnBrk="0" hangingPunct="1">
+              <a:defRPr sz="1800" kern="1200">
+                <a:solidFill>
+                  <a:schemeClr val="tx1"/>
+                </a:solidFill>
+                <a:latin typeface="+mn-lt"/>
+                <a:ea typeface="+mn-ea"/>
+                <a:cs typeface="+mn-cs"/>
+              </a:defRPr>
+            </a:lvl9pPr>
+          </a:lstStyle>
+          <a:p>
+            <a:pPr algn="ctr"/>
+            <a:fld id="{E674C0A0-8DE9-4942-9F1B-2332F349D007}" type="slidenum">
+              <a:rPr lang="ru-RU" sz="2200" smtClean="0">
+                <a:latin typeface="Tahoma" panose="020B0604030504040204" pitchFamily="34" charset="0"/>
+                <a:ea typeface="Tahoma" panose="020B0604030504040204" pitchFamily="34" charset="0"/>
+                <a:cs typeface="Tahoma" panose="020B0604030504040204" pitchFamily="34" charset="0"/>
+              </a:rPr>
+              <a:pPr algn="ctr"/>
+              <a:t>13</a:t>
+            </a:fld>
+            <a:endParaRPr lang="ru-RU" sz="2200" dirty="0">
+              <a:latin typeface="Tahoma" panose="020B0604030504040204" pitchFamily="34" charset="0"/>
+              <a:ea typeface="Tahoma" panose="020B0604030504040204" pitchFamily="34" charset="0"/>
+              <a:cs typeface="Tahoma" panose="020B0604030504040204" pitchFamily="34" charset="0"/>
+            </a:endParaRPr>
+          </a:p>
+        </p:txBody>
+      </p:sp>
+      <p:pic>
+        <p:nvPicPr>
+          <p:cNvPr id="4" name="Рисунок 3">
+            <a:extLst>
+              <a:ext uri="{FF2B5EF4-FFF2-40B4-BE49-F238E27FC236}">
+                <a16:creationId xmlns:a16="http://schemas.microsoft.com/office/drawing/2014/main" id="{ED7E34A2-3FE4-50FE-E4A5-DA1F47C71AF9}"/>
+              </a:ext>
+            </a:extLst>
+          </p:cNvPr>
+          <p:cNvPicPr>
+            <a:picLocks noChangeAspect="1"/>
+          </p:cNvPicPr>
+          <p:nvPr/>
+        </p:nvPicPr>
+        <p:blipFill>
+          <a:blip r:embed="rId3"/>
+          <a:stretch>
+            <a:fillRect/>
+          </a:stretch>
+        </p:blipFill>
+        <p:spPr>
+          <a:xfrm>
+            <a:off x="0" y="499784"/>
+            <a:ext cx="6260841" cy="3275079"/>
+          </a:xfrm>
+          <a:prstGeom prst="rect">
+            <a:avLst/>
+          </a:prstGeom>
+        </p:spPr>
+      </p:pic>
+      <p:pic>
+        <p:nvPicPr>
+          <p:cNvPr id="6" name="Рисунок 5">
+            <a:extLst>
+              <a:ext uri="{FF2B5EF4-FFF2-40B4-BE49-F238E27FC236}">
+                <a16:creationId xmlns:a16="http://schemas.microsoft.com/office/drawing/2014/main" id="{13417EE5-FD0B-8E04-7955-D30E5F30F25A}"/>
+              </a:ext>
+            </a:extLst>
+          </p:cNvPr>
+          <p:cNvPicPr>
+            <a:picLocks noChangeAspect="1"/>
+          </p:cNvPicPr>
+          <p:nvPr/>
+        </p:nvPicPr>
+        <p:blipFill>
+          <a:blip r:embed="rId4"/>
+          <a:stretch>
+            <a:fillRect/>
+          </a:stretch>
+        </p:blipFill>
+        <p:spPr>
+          <a:xfrm>
+            <a:off x="5838889" y="499784"/>
+            <a:ext cx="6353109" cy="5244117"/>
+          </a:xfrm>
+          <a:prstGeom prst="rect">
+            <a:avLst/>
+          </a:prstGeom>
+        </p:spPr>
+      </p:pic>
+      <p:pic>
+        <p:nvPicPr>
+          <p:cNvPr id="9" name="Рисунок 8">
+            <a:extLst>
+              <a:ext uri="{FF2B5EF4-FFF2-40B4-BE49-F238E27FC236}">
+                <a16:creationId xmlns:a16="http://schemas.microsoft.com/office/drawing/2014/main" id="{06228E07-24D2-5E4D-8A13-B0D1E5D44F06}"/>
+              </a:ext>
+            </a:extLst>
+          </p:cNvPr>
+          <p:cNvPicPr>
+            <a:picLocks noChangeAspect="1"/>
+          </p:cNvPicPr>
+          <p:nvPr/>
+        </p:nvPicPr>
+        <p:blipFill>
+          <a:blip r:embed="rId5"/>
+          <a:stretch>
+            <a:fillRect/>
+          </a:stretch>
+        </p:blipFill>
+        <p:spPr>
+          <a:xfrm>
+            <a:off x="-17325" y="1379255"/>
+            <a:ext cx="6651389" cy="5478745"/>
+          </a:xfrm>
+          <a:prstGeom prst="rect">
+            <a:avLst/>
+          </a:prstGeom>
+        </p:spPr>
+      </p:pic>
+      <p:pic>
+        <p:nvPicPr>
+          <p:cNvPr id="11" name="Рисунок 10">
+            <a:extLst>
+              <a:ext uri="{FF2B5EF4-FFF2-40B4-BE49-F238E27FC236}">
+                <a16:creationId xmlns:a16="http://schemas.microsoft.com/office/drawing/2014/main" id="{3A2600B0-24F4-21E9-F6CD-174AA3C35AEE}"/>
+              </a:ext>
+            </a:extLst>
+          </p:cNvPr>
+          <p:cNvPicPr>
+            <a:picLocks noChangeAspect="1"/>
+          </p:cNvPicPr>
+          <p:nvPr/>
+        </p:nvPicPr>
+        <p:blipFill>
+          <a:blip r:embed="rId6"/>
+          <a:stretch>
+            <a:fillRect/>
+          </a:stretch>
+        </p:blipFill>
+        <p:spPr>
+          <a:xfrm>
+            <a:off x="6428792" y="1578950"/>
+            <a:ext cx="5763206" cy="5279050"/>
+          </a:xfrm>
+          <a:prstGeom prst="rect">
+            <a:avLst/>
+          </a:prstGeom>
+        </p:spPr>
+      </p:pic>
+    </p:spTree>
+    <p:extLst>
+      <p:ext uri="{BB962C8B-B14F-4D97-AF65-F5344CB8AC3E}">
+        <p14:creationId xmlns:p14="http://schemas.microsoft.com/office/powerpoint/2010/main" val="2164266354"/>
+      </p:ext>
+    </p:extLst>
+  </p:cSld>
+  <p:clrMapOvr>
+    <a:masterClrMapping/>
+  </p:clrMapOvr>
+  <mc:AlternateContent xmlns:mc="http://schemas.openxmlformats.org/markup-compatibility/2006" xmlns:p14="http://schemas.microsoft.com/office/powerpoint/2010/main">
+    <mc:Choice Requires="p14">
+      <p:transition spd="med" p14:dur="700">
+        <p:fade/>
+      </p:transition>
+    </mc:Choice>
+    <mc:Fallback xmlns="">
+      <p:transition spd="med">
+        <p:fade/>
+      </p:transition>
+    </mc:Fallback>
+  </mc:AlternateContent>
+  <p:timing>
+    <p:tnLst>
+      <p:par>
+        <p:cTn id="1" dur="indefinite" restart="never" nodeType="tmRoot">
+          <p:childTnLst>
+            <p:seq concurrent="1" nextAc="seek">
+              <p:cTn id="2" dur="indefinite" nodeType="mainSeq">
+                <p:childTnLst>
+                  <p:par>
+                    <p:cTn id="3" fill="hold">
+                      <p:stCondLst>
+                        <p:cond delay="indefinite"/>
+                      </p:stCondLst>
+                      <p:childTnLst>
+                        <p:par>
+                          <p:cTn id="4" fill="hold">
+                            <p:stCondLst>
+                              <p:cond delay="0"/>
+                            </p:stCondLst>
+                            <p:childTnLst>
+                              <p:par>
+                                <p:cTn id="5" presetID="1" presetClass="entr" presetSubtype="0" fill="hold" nodeType="clickEffect">
+                                  <p:stCondLst>
+                                    <p:cond delay="0"/>
+                                  </p:stCondLst>
+                                  <p:childTnLst>
+                                    <p:set>
+                                      <p:cBhvr>
+                                        <p:cTn id="6" dur="1" fill="hold">
+                                          <p:stCondLst>
+                                            <p:cond delay="0"/>
+                                          </p:stCondLst>
+                                        </p:cTn>
+                                        <p:tgtEl>
+                                          <p:spTgt spid="4"/>
+                                        </p:tgtEl>
+                                        <p:attrNameLst>
+                                          <p:attrName>style.visibility</p:attrName>
+                                        </p:attrNameLst>
+                                      </p:cBhvr>
+                                      <p:to>
+                                        <p:strVal val="visible"/>
+                                      </p:to>
+                                    </p:set>
+                                  </p:childTnLst>
+                                </p:cTn>
+                              </p:par>
+                            </p:childTnLst>
+                          </p:cTn>
+                        </p:par>
+                      </p:childTnLst>
+                    </p:cTn>
+                  </p:par>
+                  <p:par>
+                    <p:cTn id="7" fill="hold">
+                      <p:stCondLst>
+                        <p:cond delay="indefinite"/>
+                      </p:stCondLst>
+                      <p:childTnLst>
+                        <p:par>
+                          <p:cTn id="8" fill="hold">
+                            <p:stCondLst>
+                              <p:cond delay="0"/>
+                            </p:stCondLst>
+                            <p:childTnLst>
+                              <p:par>
+                                <p:cTn id="9" presetID="1" presetClass="entr" presetSubtype="0" fill="hold" nodeType="clickEffect">
+                                  <p:stCondLst>
+                                    <p:cond delay="0"/>
+                                  </p:stCondLst>
+                                  <p:childTnLst>
+                                    <p:set>
+                                      <p:cBhvr>
+                                        <p:cTn id="10" dur="1" fill="hold">
+                                          <p:stCondLst>
+                                            <p:cond delay="0"/>
+                                          </p:stCondLst>
+                                        </p:cTn>
+                                        <p:tgtEl>
+                                          <p:spTgt spid="6"/>
+                                        </p:tgtEl>
+                                        <p:attrNameLst>
+                                          <p:attrName>style.visibility</p:attrName>
+                                        </p:attrNameLst>
+                                      </p:cBhvr>
+                                      <p:to>
+                                        <p:strVal val="visible"/>
+                                      </p:to>
+                                    </p:set>
+                                  </p:childTnLst>
+                                </p:cTn>
+                              </p:par>
+                            </p:childTnLst>
+                          </p:cTn>
+                        </p:par>
+                      </p:childTnLst>
+                    </p:cTn>
+                  </p:par>
+                  <p:par>
+                    <p:cTn id="11" fill="hold">
+                      <p:stCondLst>
+                        <p:cond delay="indefinite"/>
+                      </p:stCondLst>
+                      <p:childTnLst>
+                        <p:par>
+                          <p:cTn id="12" fill="hold">
+                            <p:stCondLst>
+                              <p:cond delay="0"/>
+                            </p:stCondLst>
+                            <p:childTnLst>
+                              <p:par>
+                                <p:cTn id="13" presetID="1" presetClass="entr" presetSubtype="0" fill="hold" nodeType="clickEffect">
+                                  <p:stCondLst>
+                                    <p:cond delay="0"/>
+                                  </p:stCondLst>
+                                  <p:childTnLst>
+                                    <p:set>
+                                      <p:cBhvr>
+                                        <p:cTn id="14" dur="1" fill="hold">
+                                          <p:stCondLst>
+                                            <p:cond delay="0"/>
+                                          </p:stCondLst>
+                                        </p:cTn>
+                                        <p:tgtEl>
+                                          <p:spTgt spid="9"/>
+                                        </p:tgtEl>
+                                        <p:attrNameLst>
+                                          <p:attrName>style.visibility</p:attrName>
+                                        </p:attrNameLst>
+                                      </p:cBhvr>
+                                      <p:to>
+                                        <p:strVal val="visible"/>
+                                      </p:to>
+                                    </p:set>
+                                  </p:childTnLst>
+                                </p:cTn>
+                              </p:par>
+                            </p:childTnLst>
+                          </p:cTn>
+                        </p:par>
+                      </p:childTnLst>
+                    </p:cTn>
+                  </p:par>
+                  <p:par>
+                    <p:cTn id="15" fill="hold">
+                      <p:stCondLst>
+                        <p:cond delay="indefinite"/>
+                      </p:stCondLst>
+                      <p:childTnLst>
+                        <p:par>
+                          <p:cTn id="16" fill="hold">
+                            <p:stCondLst>
+                              <p:cond delay="0"/>
+                            </p:stCondLst>
+                            <p:childTnLst>
+                              <p:par>
+                                <p:cTn id="17" presetID="1" presetClass="entr" presetSubtype="0" fill="hold" nodeType="clickEffect">
+                                  <p:stCondLst>
+                                    <p:cond delay="0"/>
+                                  </p:stCondLst>
+                                  <p:childTnLst>
+                                    <p:set>
+                                      <p:cBhvr>
+                                        <p:cTn id="18" dur="1" fill="hold">
+                                          <p:stCondLst>
+                                            <p:cond delay="0"/>
+                                          </p:stCondLst>
+                                        </p:cTn>
+                                        <p:tgtEl>
+                                          <p:spTgt spid="11"/>
+                                        </p:tgtEl>
+                                        <p:attrNameLst>
+                                          <p:attrName>style.visibility</p:attrName>
+                                        </p:attrNameLst>
+                                      </p:cBhvr>
+                                      <p:to>
+                                        <p:strVal val="visible"/>
+                                      </p:to>
+                                    </p:set>
+                                  </p:childTnLst>
+                                </p:cTn>
+                              </p:par>
+                            </p:childTnLst>
+                          </p:cTn>
+                        </p:par>
+                      </p:childTnLst>
+                    </p:cTn>
+                  </p:par>
+                </p:childTnLst>
+              </p:cTn>
+              <p:prevCondLst>
+                <p:cond evt="onPrev" delay="0">
+                  <p:tgtEl>
+                    <p:sldTgt/>
+                  </p:tgtEl>
+                </p:cond>
+              </p:prevCondLst>
+              <p:nextCondLst>
+                <p:cond evt="onNext" delay="0">
+                  <p:tgtEl>
+                    <p:sldTgt/>
+                  </p:tgtEl>
+                </p:cond>
+              </p:nextCondLst>
+            </p:seq>
+          </p:childTnLst>
+        </p:cTn>
+      </p:par>
+    </p:tnLst>
+  </p:timing>
+</p:sld>
+</file>
+
 <file path=ppt/slides/slide14.xml><?xml version="1.0" encoding="utf-8"?>
 <p:sld xmlns:a="http://schemas.openxmlformats.org/drawingml/2006/main" xmlns:r="http://schemas.openxmlformats.org/officeDocument/2006/relationships" xmlns:p="http://schemas.openxmlformats.org/presentationml/2006/main">
   <p:cSld>
@@ -22736,7 +22736,7 @@
           <p:cNvPr id="2" name="Заголовок 1">
             <a:extLst>
               <a:ext uri="{FF2B5EF4-FFF2-40B4-BE49-F238E27FC236}">
-                <a16:creationId xmlns:a16="http://schemas.microsoft.com/office/drawing/2014/main" id="{6180C8AA-7561-F3BA-FC31-46C06530ED41}"/>
+                <a16:creationId xmlns:a16="http://schemas.microsoft.com/office/drawing/2014/main" id="{23799081-69DC-E5FF-6C44-EE26B275098A}"/>
               </a:ext>
             </a:extLst>
           </p:cNvPr>
@@ -22749,12 +22749,14 @@
         </p:nvSpPr>
         <p:spPr>
           <a:xfrm>
-            <a:off x="0" y="6096"/>
-            <a:ext cx="12191999" cy="688848"/>
+            <a:off x="1" y="9144"/>
+            <a:ext cx="12191999" cy="731520"/>
           </a:xfrm>
         </p:spPr>
         <p:txBody>
-          <a:bodyPr/>
+          <a:bodyPr>
+            <a:noAutofit/>
+          </a:bodyPr>
           <a:lstStyle/>
           <a:p>
             <a:pPr algn="ctr"/>
@@ -22763,7 +22765,7 @@
                 <a:latin typeface="Times New Roman" panose="02020603050405020304" pitchFamily="18" charset="0"/>
                 <a:cs typeface="Times New Roman" panose="02020603050405020304" pitchFamily="18" charset="0"/>
               </a:rPr>
-              <a:t>СВЕДЕНИЯ О проекте</a:t>
+              <a:t>БЕЗОПАСНОСТЬ</a:t>
             </a:r>
             <a:endParaRPr lang="ru-RU" dirty="0"/>
           </a:p>
@@ -22771,412 +22773,10 @@
       </p:sp>
       <p:sp>
         <p:nvSpPr>
-          <p:cNvPr id="5" name="TextBox 4">
+          <p:cNvPr id="5" name="Номер слайда 4">
             <a:extLst>
               <a:ext uri="{FF2B5EF4-FFF2-40B4-BE49-F238E27FC236}">
-                <a16:creationId xmlns:a16="http://schemas.microsoft.com/office/drawing/2014/main" id="{7D1D1E67-62A4-5E00-9B5C-F74D0DA5F37E}"/>
-              </a:ext>
-            </a:extLst>
-          </p:cNvPr>
-          <p:cNvSpPr txBox="1"/>
-          <p:nvPr/>
-        </p:nvSpPr>
-        <p:spPr>
-          <a:xfrm>
-            <a:off x="562707" y="899690"/>
-            <a:ext cx="5978769" cy="5683486"/>
-          </a:xfrm>
-          <a:prstGeom prst="rect">
-            <a:avLst/>
-          </a:prstGeom>
-          <a:noFill/>
-        </p:spPr>
-        <p:txBody>
-          <a:bodyPr wrap="square" rtlCol="0">
-            <a:noAutofit/>
-          </a:bodyPr>
-          <a:lstStyle/>
-          <a:p>
-            <a:pPr>
-              <a:lnSpc>
-                <a:spcPct val="125000"/>
-              </a:lnSpc>
-            </a:pPr>
-            <a:r>
-              <a:rPr lang="ru-RU" sz="2200" dirty="0">
-                <a:solidFill>
-                  <a:srgbClr val="FFFF00"/>
-                </a:solidFill>
-                <a:latin typeface="Tahoma" panose="020B0604030504040204" pitchFamily="34" charset="0"/>
-                <a:ea typeface="Tahoma" panose="020B0604030504040204" pitchFamily="34" charset="0"/>
-                <a:cs typeface="Tahoma" panose="020B0604030504040204" pitchFamily="34" charset="0"/>
-              </a:rPr>
-              <a:t>Средства разработки серверной части системы:</a:t>
-            </a:r>
-          </a:p>
-          <a:p>
-            <a:pPr marL="285750" indent="-285750">
-              <a:lnSpc>
-                <a:spcPct val="125000"/>
-              </a:lnSpc>
-              <a:buFont typeface="Arial" panose="020B0604020202020204" pitchFamily="34" charset="0"/>
-              <a:buChar char="•"/>
-            </a:pPr>
-            <a:r>
-              <a:rPr lang="ru-RU" sz="2200" dirty="0">
-                <a:latin typeface="Times New Roman" panose="02020603050405020304" pitchFamily="18" charset="0"/>
-                <a:cs typeface="Times New Roman" panose="02020603050405020304" pitchFamily="18" charset="0"/>
-              </a:rPr>
-              <a:t>Язык программирования </a:t>
-            </a:r>
-            <a:r>
-              <a:rPr lang="en-US" sz="2200" dirty="0">
-                <a:latin typeface="Times New Roman" panose="02020603050405020304" pitchFamily="18" charset="0"/>
-                <a:cs typeface="Times New Roman" panose="02020603050405020304" pitchFamily="18" charset="0"/>
-              </a:rPr>
-              <a:t>PHP </a:t>
-            </a:r>
-            <a:r>
-              <a:rPr lang="ru-RU" sz="2200" dirty="0">
-                <a:latin typeface="Times New Roman" panose="02020603050405020304" pitchFamily="18" charset="0"/>
-                <a:cs typeface="Times New Roman" panose="02020603050405020304" pitchFamily="18" charset="0"/>
-              </a:rPr>
-              <a:t>7.4</a:t>
-            </a:r>
-            <a:r>
-              <a:rPr lang="en-US" sz="2200" dirty="0">
-                <a:latin typeface="Times New Roman" panose="02020603050405020304" pitchFamily="18" charset="0"/>
-                <a:cs typeface="Times New Roman" panose="02020603050405020304" pitchFamily="18" charset="0"/>
-              </a:rPr>
-              <a:t>; </a:t>
-            </a:r>
-          </a:p>
-          <a:p>
-            <a:pPr marL="285750" indent="-285750">
-              <a:lnSpc>
-                <a:spcPct val="125000"/>
-              </a:lnSpc>
-              <a:buFont typeface="Arial" panose="020B0604020202020204" pitchFamily="34" charset="0"/>
-              <a:buChar char="•"/>
-            </a:pPr>
-            <a:r>
-              <a:rPr lang="en-US" sz="2200" dirty="0">
-                <a:latin typeface="Times New Roman" panose="02020603050405020304" pitchFamily="18" charset="0"/>
-                <a:cs typeface="Times New Roman" panose="02020603050405020304" pitchFamily="18" charset="0"/>
-              </a:rPr>
-              <a:t>Apache </a:t>
-            </a:r>
-            <a:r>
-              <a:rPr lang="ru-RU" sz="2200" dirty="0">
-                <a:latin typeface="Times New Roman" panose="02020603050405020304" pitchFamily="18" charset="0"/>
-                <a:cs typeface="Times New Roman" panose="02020603050405020304" pitchFamily="18" charset="0"/>
-              </a:rPr>
-              <a:t>2.4;</a:t>
-            </a:r>
-            <a:endParaRPr lang="en-US" sz="2200" dirty="0">
-              <a:latin typeface="Times New Roman" panose="02020603050405020304" pitchFamily="18" charset="0"/>
-              <a:cs typeface="Times New Roman" panose="02020603050405020304" pitchFamily="18" charset="0"/>
-            </a:endParaRPr>
-          </a:p>
-          <a:p>
-            <a:pPr marL="285750" indent="-285750">
-              <a:lnSpc>
-                <a:spcPct val="125000"/>
-              </a:lnSpc>
-              <a:buFont typeface="Arial" panose="020B0604020202020204" pitchFamily="34" charset="0"/>
-              <a:buChar char="•"/>
-            </a:pPr>
-            <a:r>
-              <a:rPr lang="en-US" sz="2200" dirty="0">
-                <a:latin typeface="Times New Roman" panose="02020603050405020304" pitchFamily="18" charset="0"/>
-                <a:cs typeface="Times New Roman" panose="02020603050405020304" pitchFamily="18" charset="0"/>
-              </a:rPr>
-              <a:t>Yii2 Advanced Framework;</a:t>
-            </a:r>
-          </a:p>
-          <a:p>
-            <a:pPr marL="285750" indent="-285750">
-              <a:lnSpc>
-                <a:spcPct val="125000"/>
-              </a:lnSpc>
-              <a:buFont typeface="Arial" panose="020B0604020202020204" pitchFamily="34" charset="0"/>
-              <a:buChar char="•"/>
-            </a:pPr>
-            <a:r>
-              <a:rPr lang="ru-RU" sz="2200" dirty="0">
-                <a:latin typeface="Times New Roman" panose="02020603050405020304" pitchFamily="18" charset="0"/>
-                <a:cs typeface="Times New Roman" panose="02020603050405020304" pitchFamily="18" charset="0"/>
-              </a:rPr>
-              <a:t>База данных </a:t>
-            </a:r>
-            <a:r>
-              <a:rPr lang="en-US" sz="2200" dirty="0">
-                <a:latin typeface="Times New Roman" panose="02020603050405020304" pitchFamily="18" charset="0"/>
-                <a:cs typeface="Times New Roman" panose="02020603050405020304" pitchFamily="18" charset="0"/>
-              </a:rPr>
-              <a:t>MariaDB 10.3;</a:t>
-            </a:r>
-          </a:p>
-          <a:p>
-            <a:pPr marL="285750" indent="-285750">
-              <a:lnSpc>
-                <a:spcPct val="125000"/>
-              </a:lnSpc>
-              <a:buFont typeface="Arial" panose="020B0604020202020204" pitchFamily="34" charset="0"/>
-              <a:buChar char="•"/>
-            </a:pPr>
-            <a:r>
-              <a:rPr lang="en-US" sz="2200" dirty="0">
-                <a:latin typeface="Times New Roman" panose="02020603050405020304" pitchFamily="18" charset="0"/>
-                <a:cs typeface="Times New Roman" panose="02020603050405020304" pitchFamily="18" charset="0"/>
-              </a:rPr>
-              <a:t>Redis 4.0;</a:t>
-            </a:r>
-            <a:endParaRPr lang="ru-RU" sz="2200" dirty="0">
-              <a:latin typeface="Times New Roman" panose="02020603050405020304" pitchFamily="18" charset="0"/>
-              <a:cs typeface="Times New Roman" panose="02020603050405020304" pitchFamily="18" charset="0"/>
-            </a:endParaRPr>
-          </a:p>
-          <a:p>
-            <a:pPr marL="285750" indent="-285750">
-              <a:lnSpc>
-                <a:spcPct val="125000"/>
-              </a:lnSpc>
-              <a:buFont typeface="Arial" panose="020B0604020202020204" pitchFamily="34" charset="0"/>
-              <a:buChar char="•"/>
-            </a:pPr>
-            <a:r>
-              <a:rPr lang="en-US" sz="2200" dirty="0">
-                <a:latin typeface="Times New Roman" panose="02020603050405020304" pitchFamily="18" charset="0"/>
-                <a:cs typeface="Times New Roman" panose="02020603050405020304" pitchFamily="18" charset="0"/>
-              </a:rPr>
-              <a:t>RabbitMQ 4.0.7. </a:t>
-            </a:r>
-            <a:endParaRPr lang="ru-RU" sz="2200" dirty="0">
-              <a:latin typeface="Times New Roman" panose="02020603050405020304" pitchFamily="18" charset="0"/>
-              <a:cs typeface="Times New Roman" panose="02020603050405020304" pitchFamily="18" charset="0"/>
-            </a:endParaRPr>
-          </a:p>
-          <a:p>
-            <a:pPr>
-              <a:lnSpc>
-                <a:spcPct val="125000"/>
-              </a:lnSpc>
-            </a:pPr>
-            <a:r>
-              <a:rPr lang="ru-RU" sz="2200" dirty="0">
-                <a:solidFill>
-                  <a:srgbClr val="FFFF00"/>
-                </a:solidFill>
-                <a:latin typeface="Tahoma" panose="020B0604030504040204" pitchFamily="34" charset="0"/>
-                <a:ea typeface="Tahoma" panose="020B0604030504040204" pitchFamily="34" charset="0"/>
-                <a:cs typeface="Tahoma" panose="020B0604030504040204" pitchFamily="34" charset="0"/>
-              </a:rPr>
-              <a:t>Средства разработки клиентской части системы:</a:t>
-            </a:r>
-          </a:p>
-          <a:p>
-            <a:pPr marL="342900" indent="-342900">
-              <a:lnSpc>
-                <a:spcPct val="125000"/>
-              </a:lnSpc>
-              <a:buFont typeface="Arial" panose="020B0604020202020204" pitchFamily="34" charset="0"/>
-              <a:buChar char="•"/>
-            </a:pPr>
-            <a:r>
-              <a:rPr lang="en-US" sz="2200" dirty="0">
-                <a:latin typeface="Times New Roman" panose="02020603050405020304" pitchFamily="18" charset="0"/>
-                <a:cs typeface="Times New Roman" panose="02020603050405020304" pitchFamily="18" charset="0"/>
-              </a:rPr>
-              <a:t>HTML 5, CSS 3, JavaScript; </a:t>
-            </a:r>
-          </a:p>
-          <a:p>
-            <a:pPr marL="342900" indent="-342900">
-              <a:lnSpc>
-                <a:spcPct val="125000"/>
-              </a:lnSpc>
-              <a:buFont typeface="Arial" panose="020B0604020202020204" pitchFamily="34" charset="0"/>
-              <a:buChar char="•"/>
-            </a:pPr>
-            <a:r>
-              <a:rPr lang="en-US" sz="2200" dirty="0">
-                <a:latin typeface="Times New Roman" panose="02020603050405020304" pitchFamily="18" charset="0"/>
-                <a:ea typeface="Tahoma" panose="020B0604030504040204" pitchFamily="34" charset="0"/>
-                <a:cs typeface="Times New Roman" panose="02020603050405020304" pitchFamily="18" charset="0"/>
-              </a:rPr>
-              <a:t>jQuery.</a:t>
-            </a:r>
-            <a:endParaRPr lang="ru-RU" sz="2200" dirty="0">
-              <a:latin typeface="Tahoma" panose="020B0604030504040204" pitchFamily="34" charset="0"/>
-              <a:ea typeface="Tahoma" panose="020B0604030504040204" pitchFamily="34" charset="0"/>
-              <a:cs typeface="Tahoma" panose="020B0604030504040204" pitchFamily="34" charset="0"/>
-            </a:endParaRPr>
-          </a:p>
-          <a:p>
-            <a:pPr marL="285750" indent="-285750">
-              <a:lnSpc>
-                <a:spcPct val="125000"/>
-              </a:lnSpc>
-              <a:buFont typeface="Arial" panose="020B0604020202020204" pitchFamily="34" charset="0"/>
-              <a:buChar char="•"/>
-            </a:pPr>
-            <a:endParaRPr lang="en-US" sz="2200" dirty="0">
-              <a:latin typeface="Times New Roman" panose="02020603050405020304" pitchFamily="18" charset="0"/>
-              <a:cs typeface="Times New Roman" panose="02020603050405020304" pitchFamily="18" charset="0"/>
-            </a:endParaRPr>
-          </a:p>
-        </p:txBody>
-      </p:sp>
-      <p:sp>
-        <p:nvSpPr>
-          <p:cNvPr id="7" name="TextBox 6">
-            <a:extLst>
-              <a:ext uri="{FF2B5EF4-FFF2-40B4-BE49-F238E27FC236}">
-                <a16:creationId xmlns:a16="http://schemas.microsoft.com/office/drawing/2014/main" id="{F1A3363C-C487-95C8-49A5-35BC64E08D03}"/>
-              </a:ext>
-            </a:extLst>
-          </p:cNvPr>
-          <p:cNvSpPr txBox="1"/>
-          <p:nvPr/>
-        </p:nvSpPr>
-        <p:spPr>
-          <a:xfrm>
-            <a:off x="5900784" y="3672376"/>
-            <a:ext cx="6362698" cy="2570704"/>
-          </a:xfrm>
-          <a:prstGeom prst="rect">
-            <a:avLst/>
-          </a:prstGeom>
-          <a:noFill/>
-        </p:spPr>
-        <p:txBody>
-          <a:bodyPr wrap="square">
-            <a:spAutoFit/>
-          </a:bodyPr>
-          <a:lstStyle/>
-          <a:p>
-            <a:pPr>
-              <a:lnSpc>
-                <a:spcPct val="150000"/>
-              </a:lnSpc>
-            </a:pPr>
-            <a:r>
-              <a:rPr lang="ru-RU" sz="2200" dirty="0">
-                <a:solidFill>
-                  <a:srgbClr val="FFFF00"/>
-                </a:solidFill>
-                <a:latin typeface="Tahoma" panose="020B0604030504040204" pitchFamily="34" charset="0"/>
-                <a:ea typeface="Tahoma" panose="020B0604030504040204" pitchFamily="34" charset="0"/>
-                <a:cs typeface="Tahoma" panose="020B0604030504040204" pitchFamily="34" charset="0"/>
-              </a:rPr>
-              <a:t>Проект содержит:</a:t>
-            </a:r>
-          </a:p>
-          <a:p>
-            <a:pPr marL="285750" indent="-285750">
-              <a:lnSpc>
-                <a:spcPct val="150000"/>
-              </a:lnSpc>
-              <a:buFont typeface="Arial" panose="020B0604020202020204" pitchFamily="34" charset="0"/>
-              <a:buChar char="•"/>
-            </a:pPr>
-            <a:r>
-              <a:rPr lang="ru-RU" sz="2200" dirty="0">
-                <a:latin typeface="Times New Roman" panose="02020603050405020304" pitchFamily="18" charset="0"/>
-                <a:cs typeface="Times New Roman" panose="02020603050405020304" pitchFamily="18" charset="0"/>
-              </a:rPr>
-              <a:t>Более </a:t>
-            </a:r>
-            <a:r>
-              <a:rPr lang="en-US" sz="2200" dirty="0">
-                <a:latin typeface="Times New Roman" panose="02020603050405020304" pitchFamily="18" charset="0"/>
-                <a:cs typeface="Times New Roman" panose="02020603050405020304" pitchFamily="18" charset="0"/>
-              </a:rPr>
-              <a:t>30000</a:t>
-            </a:r>
-            <a:r>
-              <a:rPr lang="ru-RU" sz="2200" dirty="0">
-                <a:latin typeface="Times New Roman" panose="02020603050405020304" pitchFamily="18" charset="0"/>
-                <a:cs typeface="Times New Roman" panose="02020603050405020304" pitchFamily="18" charset="0"/>
-              </a:rPr>
-              <a:t> строк кода в проекте.</a:t>
-            </a:r>
-            <a:endParaRPr lang="en-US" sz="2200" dirty="0">
-              <a:latin typeface="Times New Roman" panose="02020603050405020304" pitchFamily="18" charset="0"/>
-              <a:cs typeface="Times New Roman" panose="02020603050405020304" pitchFamily="18" charset="0"/>
-            </a:endParaRPr>
-          </a:p>
-          <a:p>
-            <a:pPr marL="285750" indent="-285750">
-              <a:lnSpc>
-                <a:spcPct val="150000"/>
-              </a:lnSpc>
-              <a:buFont typeface="Arial" panose="020B0604020202020204" pitchFamily="34" charset="0"/>
-              <a:buChar char="•"/>
-            </a:pPr>
-            <a:r>
-              <a:rPr lang="ru-RU" sz="2200" dirty="0">
-                <a:latin typeface="Times New Roman" panose="02020603050405020304" pitchFamily="18" charset="0"/>
-                <a:cs typeface="Times New Roman" panose="02020603050405020304" pitchFamily="18" charset="0"/>
-              </a:rPr>
-              <a:t>63 таблиц базы данных.</a:t>
-            </a:r>
-          </a:p>
-          <a:p>
-            <a:pPr marL="285750" indent="-285750">
-              <a:lnSpc>
-                <a:spcPct val="150000"/>
-              </a:lnSpc>
-              <a:buFont typeface="Arial" panose="020B0604020202020204" pitchFamily="34" charset="0"/>
-              <a:buChar char="•"/>
-            </a:pPr>
-            <a:r>
-              <a:rPr lang="ru-RU" sz="2200" dirty="0">
-                <a:latin typeface="Times New Roman" panose="02020603050405020304" pitchFamily="18" charset="0"/>
-                <a:cs typeface="Times New Roman" panose="02020603050405020304" pitchFamily="18" charset="0"/>
-              </a:rPr>
-              <a:t>Более 200 классов содержат около 1000</a:t>
-            </a:r>
-            <a:r>
-              <a:rPr lang="en-US" sz="2200" dirty="0">
-                <a:latin typeface="Times New Roman" panose="02020603050405020304" pitchFamily="18" charset="0"/>
-                <a:cs typeface="Times New Roman" panose="02020603050405020304" pitchFamily="18" charset="0"/>
-              </a:rPr>
-              <a:t> </a:t>
-            </a:r>
-            <a:r>
-              <a:rPr lang="ru-RU" sz="2200" dirty="0">
-                <a:latin typeface="Times New Roman" panose="02020603050405020304" pitchFamily="18" charset="0"/>
-                <a:cs typeface="Times New Roman" panose="02020603050405020304" pitchFamily="18" charset="0"/>
-              </a:rPr>
-              <a:t>методов.</a:t>
-            </a:r>
-          </a:p>
-          <a:p>
-            <a:pPr marL="285750" indent="-285750">
-              <a:lnSpc>
-                <a:spcPct val="150000"/>
-              </a:lnSpc>
-              <a:buFont typeface="Arial" panose="020B0604020202020204" pitchFamily="34" charset="0"/>
-              <a:buChar char="•"/>
-            </a:pPr>
-            <a:r>
-              <a:rPr lang="ru-RU" sz="2200" dirty="0">
-                <a:latin typeface="Times New Roman" panose="02020603050405020304" pitchFamily="18" charset="0"/>
-                <a:cs typeface="Times New Roman" panose="02020603050405020304" pitchFamily="18" charset="0"/>
-              </a:rPr>
-              <a:t>Более 10 уникальных интерфейсов и форм.</a:t>
-            </a:r>
-          </a:p>
-        </p:txBody>
-      </p:sp>
-      <p:sp>
-        <p:nvSpPr>
-          <p:cNvPr id="8" name="Номер слайда 4">
-            <a:extLst>
-              <a:ext uri="{FF2B5EF4-FFF2-40B4-BE49-F238E27FC236}">
-                <a16:creationId xmlns:a16="http://schemas.microsoft.com/office/drawing/2014/main" id="{C5B64F97-D6A0-FC0D-8E50-8227B356EE18}"/>
+                <a16:creationId xmlns:a16="http://schemas.microsoft.com/office/drawing/2014/main" id="{F9D77489-2275-14CA-926D-64F6E9FF9334}"/>
               </a:ext>
             </a:extLst>
           </p:cNvPr>
@@ -23311,433 +22911,12 @@
           </a:p>
         </p:txBody>
       </p:sp>
-      <p:pic>
-        <p:nvPicPr>
-          <p:cNvPr id="1026" name="Picture 2" descr="PHP Hypertext Preprocessor - язык программирования - CNews">
+      <p:sp>
+        <p:nvSpPr>
+          <p:cNvPr id="4" name="TextBox 3">
             <a:extLst>
               <a:ext uri="{FF2B5EF4-FFF2-40B4-BE49-F238E27FC236}">
-                <a16:creationId xmlns:a16="http://schemas.microsoft.com/office/drawing/2014/main" id="{E24E1A06-6E63-A42B-1BCD-F23EDAE5647D}"/>
-              </a:ext>
-            </a:extLst>
-          </p:cNvPr>
-          <p:cNvPicPr>
-            <a:picLocks noChangeAspect="1" noChangeArrowheads="1"/>
-          </p:cNvPicPr>
-          <p:nvPr/>
-        </p:nvPicPr>
-        <p:blipFill>
-          <a:blip r:embed="rId3">
-            <a:extLst>
-              <a:ext uri="{28A0092B-C50C-407E-A947-70E740481C1C}">
-                <a14:useLocalDpi xmlns:a14="http://schemas.microsoft.com/office/drawing/2010/main" val="0"/>
-              </a:ext>
-            </a:extLst>
-          </a:blip>
-          <a:srcRect/>
-          <a:stretch>
-            <a:fillRect/>
-          </a:stretch>
-        </p:blipFill>
-        <p:spPr bwMode="auto">
-          <a:xfrm>
-            <a:off x="4961952" y="1856901"/>
-            <a:ext cx="563879" cy="295302"/>
-          </a:xfrm>
-          <a:prstGeom prst="rect">
-            <a:avLst/>
-          </a:prstGeom>
-          <a:noFill/>
-          <a:extLst>
-            <a:ext uri="{909E8E84-426E-40DD-AFC4-6F175D3DCCD1}">
-              <a14:hiddenFill xmlns:a14="http://schemas.microsoft.com/office/drawing/2010/main">
-                <a:solidFill>
-                  <a:srgbClr val="FFFFFF"/>
-                </a:solidFill>
-              </a14:hiddenFill>
-            </a:ext>
-          </a:extLst>
-        </p:spPr>
-      </p:pic>
-      <p:pic>
-        <p:nvPicPr>
-          <p:cNvPr id="1028" name="Picture 4">
-            <a:extLst>
-              <a:ext uri="{FF2B5EF4-FFF2-40B4-BE49-F238E27FC236}">
-                <a16:creationId xmlns:a16="http://schemas.microsoft.com/office/drawing/2014/main" id="{B88F704B-DF6A-120E-5BC2-E992B1C9C338}"/>
-              </a:ext>
-            </a:extLst>
-          </p:cNvPr>
-          <p:cNvPicPr>
-            <a:picLocks noChangeAspect="1" noChangeArrowheads="1"/>
-          </p:cNvPicPr>
-          <p:nvPr/>
-        </p:nvPicPr>
-        <p:blipFill>
-          <a:blip r:embed="rId4">
-            <a:extLst>
-              <a:ext uri="{28A0092B-C50C-407E-A947-70E740481C1C}">
-                <a14:useLocalDpi xmlns:a14="http://schemas.microsoft.com/office/drawing/2010/main" val="0"/>
-              </a:ext>
-            </a:extLst>
-          </a:blip>
-          <a:srcRect/>
-          <a:stretch>
-            <a:fillRect/>
-          </a:stretch>
-        </p:blipFill>
-        <p:spPr bwMode="auto">
-          <a:xfrm>
-            <a:off x="2326484" y="2278095"/>
-            <a:ext cx="797067" cy="304214"/>
-          </a:xfrm>
-          <a:prstGeom prst="rect">
-            <a:avLst/>
-          </a:prstGeom>
-          <a:noFill/>
-          <a:extLst>
-            <a:ext uri="{909E8E84-426E-40DD-AFC4-6F175D3DCCD1}">
-              <a14:hiddenFill xmlns:a14="http://schemas.microsoft.com/office/drawing/2010/main">
-                <a:solidFill>
-                  <a:srgbClr val="FFFFFF"/>
-                </a:solidFill>
-              </a14:hiddenFill>
-            </a:ext>
-          </a:extLst>
-        </p:spPr>
-      </p:pic>
-      <p:pic>
-        <p:nvPicPr>
-          <p:cNvPr id="1030" name="Picture 6" descr="Логотип программы Yii">
-            <a:extLst>
-              <a:ext uri="{FF2B5EF4-FFF2-40B4-BE49-F238E27FC236}">
-                <a16:creationId xmlns:a16="http://schemas.microsoft.com/office/drawing/2014/main" id="{0960D179-52C4-B4E8-9E2E-8B8BDDB42EC4}"/>
-              </a:ext>
-            </a:extLst>
-          </p:cNvPr>
-          <p:cNvPicPr>
-            <a:picLocks noChangeAspect="1" noChangeArrowheads="1"/>
-          </p:cNvPicPr>
-          <p:nvPr/>
-        </p:nvPicPr>
-        <p:blipFill>
-          <a:blip r:embed="rId5">
-            <a:extLst>
-              <a:ext uri="{28A0092B-C50C-407E-A947-70E740481C1C}">
-                <a14:useLocalDpi xmlns:a14="http://schemas.microsoft.com/office/drawing/2010/main" val="0"/>
-              </a:ext>
-            </a:extLst>
-          </a:blip>
-          <a:srcRect/>
-          <a:stretch>
-            <a:fillRect/>
-          </a:stretch>
-        </p:blipFill>
-        <p:spPr bwMode="auto">
-          <a:xfrm>
-            <a:off x="4098131" y="2725294"/>
-            <a:ext cx="1273874" cy="275787"/>
-          </a:xfrm>
-          <a:prstGeom prst="rect">
-            <a:avLst/>
-          </a:prstGeom>
-          <a:noFill/>
-          <a:extLst>
-            <a:ext uri="{909E8E84-426E-40DD-AFC4-6F175D3DCCD1}">
-              <a14:hiddenFill xmlns:a14="http://schemas.microsoft.com/office/drawing/2010/main">
-                <a:solidFill>
-                  <a:srgbClr val="FFFFFF"/>
-                </a:solidFill>
-              </a14:hiddenFill>
-            </a:ext>
-          </a:extLst>
-        </p:spPr>
-      </p:pic>
-      <p:pic>
-        <p:nvPicPr>
-          <p:cNvPr id="1032" name="Picture 8" descr="MariaDB · GitHub">
-            <a:extLst>
-              <a:ext uri="{FF2B5EF4-FFF2-40B4-BE49-F238E27FC236}">
-                <a16:creationId xmlns:a16="http://schemas.microsoft.com/office/drawing/2014/main" id="{2EDD169B-9E03-CE13-9CFD-9870D58C9634}"/>
-              </a:ext>
-            </a:extLst>
-          </p:cNvPr>
-          <p:cNvPicPr>
-            <a:picLocks noChangeAspect="1" noChangeArrowheads="1"/>
-          </p:cNvPicPr>
-          <p:nvPr/>
-        </p:nvPicPr>
-        <p:blipFill>
-          <a:blip r:embed="rId6">
-            <a:extLst>
-              <a:ext uri="{28A0092B-C50C-407E-A947-70E740481C1C}">
-                <a14:useLocalDpi xmlns:a14="http://schemas.microsoft.com/office/drawing/2010/main" val="0"/>
-              </a:ext>
-            </a:extLst>
-          </a:blip>
-          <a:srcRect/>
-          <a:stretch>
-            <a:fillRect/>
-          </a:stretch>
-        </p:blipFill>
-        <p:spPr bwMode="auto">
-          <a:xfrm>
-            <a:off x="4250422" y="3032993"/>
-            <a:ext cx="451309" cy="451309"/>
-          </a:xfrm>
-          <a:prstGeom prst="rect">
-            <a:avLst/>
-          </a:prstGeom>
-          <a:noFill/>
-          <a:extLst>
-            <a:ext uri="{909E8E84-426E-40DD-AFC4-6F175D3DCCD1}">
-              <a14:hiddenFill xmlns:a14="http://schemas.microsoft.com/office/drawing/2010/main">
-                <a:solidFill>
-                  <a:srgbClr val="FFFFFF"/>
-                </a:solidFill>
-              </a14:hiddenFill>
-            </a:ext>
-          </a:extLst>
-        </p:spPr>
-      </p:pic>
-      <p:pic>
-        <p:nvPicPr>
-          <p:cNvPr id="1034" name="Picture 10">
-            <a:extLst>
-              <a:ext uri="{FF2B5EF4-FFF2-40B4-BE49-F238E27FC236}">
-                <a16:creationId xmlns:a16="http://schemas.microsoft.com/office/drawing/2014/main" id="{0666067C-31E3-02F4-E9CA-D04EED38370F}"/>
-              </a:ext>
-            </a:extLst>
-          </p:cNvPr>
-          <p:cNvPicPr>
-            <a:picLocks noChangeAspect="1" noChangeArrowheads="1"/>
-          </p:cNvPicPr>
-          <p:nvPr/>
-        </p:nvPicPr>
-        <p:blipFill>
-          <a:blip r:embed="rId7">
-            <a:extLst>
-              <a:ext uri="{28A0092B-C50C-407E-A947-70E740481C1C}">
-                <a14:useLocalDpi xmlns:a14="http://schemas.microsoft.com/office/drawing/2010/main" val="0"/>
-              </a:ext>
-            </a:extLst>
-          </a:blip>
-          <a:srcRect/>
-          <a:stretch>
-            <a:fillRect/>
-          </a:stretch>
-        </p:blipFill>
-        <p:spPr bwMode="auto">
-          <a:xfrm>
-            <a:off x="2119104" y="3549237"/>
-            <a:ext cx="769621" cy="246279"/>
-          </a:xfrm>
-          <a:prstGeom prst="rect">
-            <a:avLst/>
-          </a:prstGeom>
-          <a:noFill/>
-          <a:extLst>
-            <a:ext uri="{909E8E84-426E-40DD-AFC4-6F175D3DCCD1}">
-              <a14:hiddenFill xmlns:a14="http://schemas.microsoft.com/office/drawing/2010/main">
-                <a:solidFill>
-                  <a:srgbClr val="FFFFFF"/>
-                </a:solidFill>
-              </a14:hiddenFill>
-            </a:ext>
-          </a:extLst>
-        </p:spPr>
-      </p:pic>
-      <p:pic>
-        <p:nvPicPr>
-          <p:cNvPr id="3" name="Picture 2" descr="Файл:RabbitMQ logo.svg — Википедия">
-            <a:extLst>
-              <a:ext uri="{FF2B5EF4-FFF2-40B4-BE49-F238E27FC236}">
-                <a16:creationId xmlns:a16="http://schemas.microsoft.com/office/drawing/2014/main" id="{DA9F81A4-F7D5-4314-984D-F41BA5AB50F6}"/>
-              </a:ext>
-            </a:extLst>
-          </p:cNvPr>
-          <p:cNvPicPr>
-            <a:picLocks noChangeAspect="1" noChangeArrowheads="1"/>
-          </p:cNvPicPr>
-          <p:nvPr/>
-        </p:nvPicPr>
-        <p:blipFill>
-          <a:blip r:embed="rId8">
-            <a:extLst>
-              <a:ext uri="{28A0092B-C50C-407E-A947-70E740481C1C}">
-                <a14:useLocalDpi xmlns:a14="http://schemas.microsoft.com/office/drawing/2010/main" val="0"/>
-              </a:ext>
-            </a:extLst>
-          </a:blip>
-          <a:srcRect/>
-          <a:stretch>
-            <a:fillRect/>
-          </a:stretch>
-        </p:blipFill>
-        <p:spPr bwMode="auto">
-          <a:xfrm>
-            <a:off x="2888725" y="3971801"/>
-            <a:ext cx="1614685" cy="253556"/>
-          </a:xfrm>
-          <a:prstGeom prst="rect">
-            <a:avLst/>
-          </a:prstGeom>
-          <a:noFill/>
-          <a:extLst>
-            <a:ext uri="{909E8E84-426E-40DD-AFC4-6F175D3DCCD1}">
-              <a14:hiddenFill xmlns:a14="http://schemas.microsoft.com/office/drawing/2010/main">
-                <a:solidFill>
-                  <a:srgbClr val="FFFFFF"/>
-                </a:solidFill>
-              </a14:hiddenFill>
-            </a:ext>
-          </a:extLst>
-        </p:spPr>
-      </p:pic>
-      <p:pic>
-        <p:nvPicPr>
-          <p:cNvPr id="4" name="Picture 2" descr="jQuery · GitHub">
-            <a:extLst>
-              <a:ext uri="{FF2B5EF4-FFF2-40B4-BE49-F238E27FC236}">
-                <a16:creationId xmlns:a16="http://schemas.microsoft.com/office/drawing/2014/main" id="{6F43245B-D665-82AA-E6DC-3F2425B428D6}"/>
-              </a:ext>
-            </a:extLst>
-          </p:cNvPr>
-          <p:cNvPicPr>
-            <a:picLocks noChangeAspect="1" noChangeArrowheads="1"/>
-          </p:cNvPicPr>
-          <p:nvPr/>
-        </p:nvPicPr>
-        <p:blipFill>
-          <a:blip r:embed="rId9">
-            <a:extLst>
-              <a:ext uri="{28A0092B-C50C-407E-A947-70E740481C1C}">
-                <a14:useLocalDpi xmlns:a14="http://schemas.microsoft.com/office/drawing/2010/main" val="0"/>
-              </a:ext>
-            </a:extLst>
-          </a:blip>
-          <a:srcRect/>
-          <a:stretch>
-            <a:fillRect/>
-          </a:stretch>
-        </p:blipFill>
-        <p:spPr bwMode="auto">
-          <a:xfrm>
-            <a:off x="1906580" y="5614849"/>
-            <a:ext cx="425048" cy="425048"/>
-          </a:xfrm>
-          <a:prstGeom prst="rect">
-            <a:avLst/>
-          </a:prstGeom>
-          <a:noFill/>
-          <a:extLst>
-            <a:ext uri="{909E8E84-426E-40DD-AFC4-6F175D3DCCD1}">
-              <a14:hiddenFill xmlns:a14="http://schemas.microsoft.com/office/drawing/2010/main">
-                <a:solidFill>
-                  <a:srgbClr val="FFFFFF"/>
-                </a:solidFill>
-              </a14:hiddenFill>
-            </a:ext>
-          </a:extLst>
-        </p:spPr>
-      </p:pic>
-      <p:sp>
-        <p:nvSpPr>
-          <p:cNvPr id="6" name="AutoShape 4" descr="Html Js Css PNG - Html Js Css Веб разработка Программирование прозрачная  иллюстрация">
-            <a:extLst>
-              <a:ext uri="{FF2B5EF4-FFF2-40B4-BE49-F238E27FC236}">
-                <a16:creationId xmlns:a16="http://schemas.microsoft.com/office/drawing/2014/main" id="{2B707A11-A244-8FB2-3D36-6A6D6D327432}"/>
-              </a:ext>
-            </a:extLst>
-          </p:cNvPr>
-          <p:cNvSpPr>
-            <a:spLocks noChangeAspect="1" noChangeArrowheads="1"/>
-          </p:cNvSpPr>
-          <p:nvPr/>
-        </p:nvSpPr>
-        <p:spPr bwMode="auto">
-          <a:xfrm>
-            <a:off x="5943600" y="3276600"/>
-            <a:ext cx="304800" cy="304800"/>
-          </a:xfrm>
-          <a:prstGeom prst="rect">
-            <a:avLst/>
-          </a:prstGeom>
-          <a:noFill/>
-          <a:extLst>
-            <a:ext uri="{909E8E84-426E-40DD-AFC4-6F175D3DCCD1}">
-              <a14:hiddenFill xmlns:a14="http://schemas.microsoft.com/office/drawing/2010/main">
-                <a:solidFill>
-                  <a:srgbClr val="FFFFFF"/>
-                </a:solidFill>
-              </a14:hiddenFill>
-            </a:ext>
-          </a:extLst>
-        </p:spPr>
-        <p:txBody>
-          <a:bodyPr vert="horz" wrap="square" lIns="91440" tIns="45720" rIns="91440" bIns="45720" numCol="1" anchor="t" anchorCtr="0" compatLnSpc="1">
-            <a:prstTxWarp prst="textNoShape">
-              <a:avLst/>
-            </a:prstTxWarp>
-          </a:bodyPr>
-          <a:lstStyle/>
-          <a:p>
-            <a:endParaRPr lang="ru-RU"/>
-          </a:p>
-        </p:txBody>
-      </p:sp>
-      <p:pic>
-        <p:nvPicPr>
-          <p:cNvPr id="1038" name="Picture 14" descr="Javascript Html5 And Css - Html Css Js Badge PNG Transparent With Clear  Background ID 191472 | TopPNG">
-            <a:extLst>
-              <a:ext uri="{FF2B5EF4-FFF2-40B4-BE49-F238E27FC236}">
-                <a16:creationId xmlns:a16="http://schemas.microsoft.com/office/drawing/2014/main" id="{85015783-37F7-BDD4-D06A-F5358E662D37}"/>
-              </a:ext>
-            </a:extLst>
-          </p:cNvPr>
-          <p:cNvPicPr>
-            <a:picLocks noChangeAspect="1" noChangeArrowheads="1"/>
-          </p:cNvPicPr>
-          <p:nvPr/>
-        </p:nvPicPr>
-        <p:blipFill>
-          <a:blip r:embed="rId10">
-            <a:extLst>
-              <a:ext uri="{28A0092B-C50C-407E-A947-70E740481C1C}">
-                <a14:useLocalDpi xmlns:a14="http://schemas.microsoft.com/office/drawing/2010/main" val="0"/>
-              </a:ext>
-            </a:extLst>
-          </a:blip>
-          <a:srcRect/>
-          <a:stretch>
-            <a:fillRect/>
-          </a:stretch>
-        </p:blipFill>
-        <p:spPr bwMode="auto">
-          <a:xfrm>
-            <a:off x="4250422" y="5017105"/>
-            <a:ext cx="1020149" cy="597744"/>
-          </a:xfrm>
-          <a:prstGeom prst="rect">
-            <a:avLst/>
-          </a:prstGeom>
-          <a:noFill/>
-          <a:extLst>
-            <a:ext uri="{909E8E84-426E-40DD-AFC4-6F175D3DCCD1}">
-              <a14:hiddenFill xmlns:a14="http://schemas.microsoft.com/office/drawing/2010/main">
-                <a:solidFill>
-                  <a:srgbClr val="FFFFFF"/>
-                </a:solidFill>
-              </a14:hiddenFill>
-            </a:ext>
-          </a:extLst>
-        </p:spPr>
-      </p:pic>
-      <p:sp>
-        <p:nvSpPr>
-          <p:cNvPr id="9" name="TextBox 8">
-            <a:extLst>
-              <a:ext uri="{FF2B5EF4-FFF2-40B4-BE49-F238E27FC236}">
-                <a16:creationId xmlns:a16="http://schemas.microsoft.com/office/drawing/2014/main" id="{AD148D29-04A0-F407-B784-474CF76E8979}"/>
+                <a16:creationId xmlns:a16="http://schemas.microsoft.com/office/drawing/2014/main" id="{DCEDC5D2-5CCB-6C7C-3CE1-37BE6A614728}"/>
               </a:ext>
             </a:extLst>
           </p:cNvPr>
@@ -23746,8 +22925,8 @@
         </p:nvSpPr>
         <p:spPr>
           <a:xfrm>
-            <a:off x="5878371" y="800629"/>
-            <a:ext cx="6362698" cy="2570704"/>
+            <a:off x="562707" y="899690"/>
+            <a:ext cx="11170489" cy="5683486"/>
           </a:xfrm>
           <a:prstGeom prst="rect">
             <a:avLst/>
@@ -23755,14 +22934,14 @@
           <a:noFill/>
         </p:spPr>
         <p:txBody>
-          <a:bodyPr wrap="square">
-            <a:spAutoFit/>
+          <a:bodyPr wrap="square" rtlCol="0">
+            <a:noAutofit/>
           </a:bodyPr>
           <a:lstStyle/>
           <a:p>
-            <a:pPr>
+            <a:pPr algn="ctr">
               <a:lnSpc>
-                <a:spcPct val="150000"/>
+                <a:spcPct val="125000"/>
               </a:lnSpc>
             </a:pPr>
             <a:r>
@@ -23774,271 +22953,26 @@
                 <a:ea typeface="Tahoma" panose="020B0604030504040204" pitchFamily="34" charset="0"/>
                 <a:cs typeface="Tahoma" panose="020B0604030504040204" pitchFamily="34" charset="0"/>
               </a:rPr>
-              <a:t>Средства разработки документации:</a:t>
-            </a:r>
-          </a:p>
-          <a:p>
-            <a:pPr marL="285750" indent="-285750">
+              <a:t>ПРО БЕЗОПАСНОСТЬ</a:t>
+            </a:r>
+          </a:p>
+          <a:p>
+            <a:pPr>
               <a:lnSpc>
-                <a:spcPct val="150000"/>
+                <a:spcPct val="125000"/>
               </a:lnSpc>
-              <a:buFont typeface="Arial" panose="020B0604020202020204" pitchFamily="34" charset="0"/>
-              <a:buChar char="•"/>
             </a:pPr>
-            <a:r>
-              <a:rPr lang="en-US" sz="2200" dirty="0">
-                <a:latin typeface="Times New Roman" panose="02020603050405020304" pitchFamily="18" charset="0"/>
-                <a:cs typeface="Times New Roman" panose="02020603050405020304" pitchFamily="18" charset="0"/>
-              </a:rPr>
-              <a:t>Microsoft Word, PowerPoint;</a:t>
-            </a:r>
-          </a:p>
-          <a:p>
-            <a:pPr marL="285750" indent="-285750">
-              <a:lnSpc>
-                <a:spcPct val="150000"/>
-              </a:lnSpc>
-              <a:buFont typeface="Arial" panose="020B0604020202020204" pitchFamily="34" charset="0"/>
-              <a:buChar char="•"/>
-            </a:pPr>
-            <a:r>
-              <a:rPr lang="en-US" sz="2200" dirty="0" err="1">
-                <a:latin typeface="Times New Roman" panose="02020603050405020304" pitchFamily="18" charset="0"/>
-                <a:cs typeface="Times New Roman" panose="02020603050405020304" pitchFamily="18" charset="0"/>
-              </a:rPr>
-              <a:t>OnlineParadigm</a:t>
-            </a:r>
-            <a:r>
-              <a:rPr lang="en-US" sz="2200" dirty="0">
-                <a:latin typeface="Times New Roman" panose="02020603050405020304" pitchFamily="18" charset="0"/>
-                <a:cs typeface="Times New Roman" panose="02020603050405020304" pitchFamily="18" charset="0"/>
-              </a:rPr>
-              <a:t>;</a:t>
-            </a:r>
-          </a:p>
-          <a:p>
-            <a:pPr marL="285750" indent="-285750">
-              <a:lnSpc>
-                <a:spcPct val="150000"/>
-              </a:lnSpc>
-              <a:buFont typeface="Arial" panose="020B0604020202020204" pitchFamily="34" charset="0"/>
-              <a:buChar char="•"/>
-            </a:pPr>
-            <a:r>
-              <a:rPr lang="en-US" sz="2200" dirty="0">
-                <a:latin typeface="Times New Roman" panose="02020603050405020304" pitchFamily="18" charset="0"/>
-                <a:cs typeface="Times New Roman" panose="02020603050405020304" pitchFamily="18" charset="0"/>
-              </a:rPr>
-              <a:t>BPMN.io.</a:t>
-            </a:r>
-          </a:p>
-          <a:p>
-            <a:pPr marL="285750" indent="-285750">
-              <a:lnSpc>
-                <a:spcPct val="150000"/>
-              </a:lnSpc>
-              <a:buFont typeface="Arial" panose="020B0604020202020204" pitchFamily="34" charset="0"/>
-              <a:buChar char="•"/>
-            </a:pPr>
-            <a:endParaRPr lang="ru-RU" sz="2200" dirty="0">
+            <a:endParaRPr lang="en-US" sz="2200" dirty="0">
               <a:latin typeface="Times New Roman" panose="02020603050405020304" pitchFamily="18" charset="0"/>
               <a:cs typeface="Times New Roman" panose="02020603050405020304" pitchFamily="18" charset="0"/>
             </a:endParaRPr>
           </a:p>
         </p:txBody>
       </p:sp>
-      <p:pic>
-        <p:nvPicPr>
-          <p:cNvPr id="10" name="Picture 2" descr="Visual Paradigm Онлайн Диаграммы Пресс-кит">
-            <a:extLst>
-              <a:ext uri="{FF2B5EF4-FFF2-40B4-BE49-F238E27FC236}">
-                <a16:creationId xmlns:a16="http://schemas.microsoft.com/office/drawing/2014/main" id="{BDE48AF4-E2D9-E4AF-F66E-7EE29BF907C1}"/>
-              </a:ext>
-            </a:extLst>
-          </p:cNvPr>
-          <p:cNvPicPr>
-            <a:picLocks noChangeAspect="1" noChangeArrowheads="1"/>
-          </p:cNvPicPr>
-          <p:nvPr/>
-        </p:nvPicPr>
-        <p:blipFill>
-          <a:blip r:embed="rId11">
-            <a:extLst>
-              <a:ext uri="{28A0092B-C50C-407E-A947-70E740481C1C}">
-                <a14:useLocalDpi xmlns:a14="http://schemas.microsoft.com/office/drawing/2010/main" val="0"/>
-              </a:ext>
-            </a:extLst>
-          </a:blip>
-          <a:srcRect/>
-          <a:stretch>
-            <a:fillRect/>
-          </a:stretch>
-        </p:blipFill>
-        <p:spPr bwMode="auto">
-          <a:xfrm>
-            <a:off x="8226757" y="1939745"/>
-            <a:ext cx="424915" cy="424915"/>
-          </a:xfrm>
-          <a:prstGeom prst="rect">
-            <a:avLst/>
-          </a:prstGeom>
-          <a:noFill/>
-          <a:extLst>
-            <a:ext uri="{909E8E84-426E-40DD-AFC4-6F175D3DCCD1}">
-              <a14:hiddenFill xmlns:a14="http://schemas.microsoft.com/office/drawing/2010/main">
-                <a:solidFill>
-                  <a:srgbClr val="FFFFFF"/>
-                </a:solidFill>
-              </a14:hiddenFill>
-            </a:ext>
-          </a:extLst>
-        </p:spPr>
-      </p:pic>
-      <p:pic>
-        <p:nvPicPr>
-          <p:cNvPr id="11" name="Picture 4" descr="Microsoft Word — Википедия">
-            <a:extLst>
-              <a:ext uri="{FF2B5EF4-FFF2-40B4-BE49-F238E27FC236}">
-                <a16:creationId xmlns:a16="http://schemas.microsoft.com/office/drawing/2014/main" id="{DE8D445E-4C5F-40E0-EA9B-64A0514A7472}"/>
-              </a:ext>
-            </a:extLst>
-          </p:cNvPr>
-          <p:cNvPicPr>
-            <a:picLocks noChangeAspect="1" noChangeArrowheads="1"/>
-          </p:cNvPicPr>
-          <p:nvPr/>
-        </p:nvPicPr>
-        <p:blipFill>
-          <a:blip r:embed="rId12">
-            <a:extLst>
-              <a:ext uri="{28A0092B-C50C-407E-A947-70E740481C1C}">
-                <a14:useLocalDpi xmlns:a14="http://schemas.microsoft.com/office/drawing/2010/main" val="0"/>
-              </a:ext>
-            </a:extLst>
-          </a:blip>
-          <a:srcRect/>
-          <a:stretch>
-            <a:fillRect/>
-          </a:stretch>
-        </p:blipFill>
-        <p:spPr bwMode="auto">
-          <a:xfrm>
-            <a:off x="9651197" y="1426497"/>
-            <a:ext cx="443429" cy="412937"/>
-          </a:xfrm>
-          <a:prstGeom prst="rect">
-            <a:avLst/>
-          </a:prstGeom>
-          <a:noFill/>
-          <a:extLst>
-            <a:ext uri="{909E8E84-426E-40DD-AFC4-6F175D3DCCD1}">
-              <a14:hiddenFill xmlns:a14="http://schemas.microsoft.com/office/drawing/2010/main">
-                <a:solidFill>
-                  <a:srgbClr val="FFFFFF"/>
-                </a:solidFill>
-              </a14:hiddenFill>
-            </a:ext>
-          </a:extLst>
-        </p:spPr>
-      </p:pic>
-      <p:pic>
-        <p:nvPicPr>
-          <p:cNvPr id="12" name="Picture 6" descr="Microsoft PowerPoint — Википедия">
-            <a:extLst>
-              <a:ext uri="{FF2B5EF4-FFF2-40B4-BE49-F238E27FC236}">
-                <a16:creationId xmlns:a16="http://schemas.microsoft.com/office/drawing/2014/main" id="{09D27354-978F-8D54-D112-3BDC7E757DC5}"/>
-              </a:ext>
-            </a:extLst>
-          </p:cNvPr>
-          <p:cNvPicPr>
-            <a:picLocks noChangeAspect="1" noChangeArrowheads="1"/>
-          </p:cNvPicPr>
-          <p:nvPr/>
-        </p:nvPicPr>
-        <p:blipFill>
-          <a:blip r:embed="rId13">
-            <a:extLst>
-              <a:ext uri="{28A0092B-C50C-407E-A947-70E740481C1C}">
-                <a14:useLocalDpi xmlns:a14="http://schemas.microsoft.com/office/drawing/2010/main" val="0"/>
-              </a:ext>
-            </a:extLst>
-          </a:blip>
-          <a:srcRect/>
-          <a:stretch>
-            <a:fillRect/>
-          </a:stretch>
-        </p:blipFill>
-        <p:spPr bwMode="auto">
-          <a:xfrm>
-            <a:off x="10255949" y="1454897"/>
-            <a:ext cx="382433" cy="356135"/>
-          </a:xfrm>
-          <a:prstGeom prst="rect">
-            <a:avLst/>
-          </a:prstGeom>
-          <a:noFill/>
-          <a:extLst>
-            <a:ext uri="{909E8E84-426E-40DD-AFC4-6F175D3DCCD1}">
-              <a14:hiddenFill xmlns:a14="http://schemas.microsoft.com/office/drawing/2010/main">
-                <a:solidFill>
-                  <a:srgbClr val="FFFFFF"/>
-                </a:solidFill>
-              </a14:hiddenFill>
-            </a:ext>
-          </a:extLst>
-        </p:spPr>
-      </p:pic>
-      <p:pic>
-        <p:nvPicPr>
-          <p:cNvPr id="14" name="Picture 10" descr="bpmn.io · GitHub">
-            <a:extLst>
-              <a:ext uri="{FF2B5EF4-FFF2-40B4-BE49-F238E27FC236}">
-                <a16:creationId xmlns:a16="http://schemas.microsoft.com/office/drawing/2014/main" id="{44C413AC-1320-A969-5241-402AD46BE015}"/>
-              </a:ext>
-            </a:extLst>
-          </p:cNvPr>
-          <p:cNvPicPr>
-            <a:picLocks noChangeAspect="1" noChangeArrowheads="1"/>
-          </p:cNvPicPr>
-          <p:nvPr/>
-        </p:nvPicPr>
-        <p:blipFill>
-          <a:blip r:embed="rId14">
-            <a:extLst>
-              <a:ext uri="{28A0092B-C50C-407E-A947-70E740481C1C}">
-                <a14:useLocalDpi xmlns:a14="http://schemas.microsoft.com/office/drawing/2010/main" val="0"/>
-              </a:ext>
-            </a:extLst>
-          </a:blip>
-          <a:srcRect/>
-          <a:stretch>
-            <a:fillRect/>
-          </a:stretch>
-        </p:blipFill>
-        <p:spPr bwMode="auto">
-          <a:xfrm>
-            <a:off x="7451129" y="2400006"/>
-            <a:ext cx="424915" cy="424915"/>
-          </a:xfrm>
-          <a:prstGeom prst="rect">
-            <a:avLst/>
-          </a:prstGeom>
-          <a:noFill/>
-          <a:extLst>
-            <a:ext uri="{909E8E84-426E-40DD-AFC4-6F175D3DCCD1}">
-              <a14:hiddenFill xmlns:a14="http://schemas.microsoft.com/office/drawing/2010/main">
-                <a:solidFill>
-                  <a:srgbClr val="FFFFFF"/>
-                </a:solidFill>
-              </a14:hiddenFill>
-            </a:ext>
-          </a:extLst>
-        </p:spPr>
-      </p:pic>
     </p:spTree>
     <p:extLst>
       <p:ext uri="{BB962C8B-B14F-4D97-AF65-F5344CB8AC3E}">
-        <p14:creationId xmlns:p14="http://schemas.microsoft.com/office/powerpoint/2010/main" val="3648442274"/>
+        <p14:creationId xmlns:p14="http://schemas.microsoft.com/office/powerpoint/2010/main" val="2251701417"/>
       </p:ext>
     </p:extLst>
   </p:cSld>
@@ -24109,7 +23043,7 @@
                 <a:latin typeface="Times New Roman" panose="02020603050405020304" pitchFamily="18" charset="0"/>
                 <a:cs typeface="Times New Roman" panose="02020603050405020304" pitchFamily="18" charset="0"/>
               </a:rPr>
-              <a:t>Системные требования</a:t>
+              <a:t>СВЕДЕНИЯ О проекте</a:t>
             </a:r>
             <a:endParaRPr lang="ru-RU" dirty="0"/>
           </a:p>
@@ -24129,8 +23063,8 @@
         </p:nvSpPr>
         <p:spPr>
           <a:xfrm>
-            <a:off x="366226" y="1000125"/>
-            <a:ext cx="11315700" cy="5966079"/>
+            <a:off x="562707" y="899690"/>
+            <a:ext cx="5978769" cy="5683486"/>
           </a:xfrm>
           <a:prstGeom prst="rect">
             <a:avLst/>
@@ -24145,7 +23079,7 @@
           <a:p>
             <a:pPr>
               <a:lnSpc>
-                <a:spcPct val="150000"/>
+                <a:spcPct val="125000"/>
               </a:lnSpc>
             </a:pPr>
             <a:r>
@@ -24157,11 +23091,270 @@
                 <a:ea typeface="Tahoma" panose="020B0604030504040204" pitchFamily="34" charset="0"/>
                 <a:cs typeface="Tahoma" panose="020B0604030504040204" pitchFamily="34" charset="0"/>
               </a:rPr>
-              <a:t>Требования к клиенту:</a:t>
-            </a:r>
-          </a:p>
-          <a:p>
-            <a:pPr marL="800100" lvl="1" indent="-342900">
+              <a:t>Средства разработки серверной части системы:</a:t>
+            </a:r>
+          </a:p>
+          <a:p>
+            <a:pPr marL="285750" indent="-285750">
+              <a:lnSpc>
+                <a:spcPct val="125000"/>
+              </a:lnSpc>
+              <a:buFont typeface="Arial" panose="020B0604020202020204" pitchFamily="34" charset="0"/>
+              <a:buChar char="•"/>
+            </a:pPr>
+            <a:r>
+              <a:rPr lang="ru-RU" sz="2200" dirty="0">
+                <a:latin typeface="Times New Roman" panose="02020603050405020304" pitchFamily="18" charset="0"/>
+                <a:cs typeface="Times New Roman" panose="02020603050405020304" pitchFamily="18" charset="0"/>
+              </a:rPr>
+              <a:t>Язык программирования </a:t>
+            </a:r>
+            <a:r>
+              <a:rPr lang="en-US" sz="2200" dirty="0">
+                <a:latin typeface="Times New Roman" panose="02020603050405020304" pitchFamily="18" charset="0"/>
+                <a:cs typeface="Times New Roman" panose="02020603050405020304" pitchFamily="18" charset="0"/>
+              </a:rPr>
+              <a:t>PHP </a:t>
+            </a:r>
+            <a:r>
+              <a:rPr lang="ru-RU" sz="2200" dirty="0">
+                <a:latin typeface="Times New Roman" panose="02020603050405020304" pitchFamily="18" charset="0"/>
+                <a:cs typeface="Times New Roman" panose="02020603050405020304" pitchFamily="18" charset="0"/>
+              </a:rPr>
+              <a:t>7.4</a:t>
+            </a:r>
+            <a:r>
+              <a:rPr lang="en-US" sz="2200" dirty="0">
+                <a:latin typeface="Times New Roman" panose="02020603050405020304" pitchFamily="18" charset="0"/>
+                <a:cs typeface="Times New Roman" panose="02020603050405020304" pitchFamily="18" charset="0"/>
+              </a:rPr>
+              <a:t>; </a:t>
+            </a:r>
+          </a:p>
+          <a:p>
+            <a:pPr marL="285750" indent="-285750">
+              <a:lnSpc>
+                <a:spcPct val="125000"/>
+              </a:lnSpc>
+              <a:buFont typeface="Arial" panose="020B0604020202020204" pitchFamily="34" charset="0"/>
+              <a:buChar char="•"/>
+            </a:pPr>
+            <a:r>
+              <a:rPr lang="en-US" sz="2200" dirty="0">
+                <a:latin typeface="Times New Roman" panose="02020603050405020304" pitchFamily="18" charset="0"/>
+                <a:cs typeface="Times New Roman" panose="02020603050405020304" pitchFamily="18" charset="0"/>
+              </a:rPr>
+              <a:t>Apache </a:t>
+            </a:r>
+            <a:r>
+              <a:rPr lang="ru-RU" sz="2200" dirty="0">
+                <a:latin typeface="Times New Roman" panose="02020603050405020304" pitchFamily="18" charset="0"/>
+                <a:cs typeface="Times New Roman" panose="02020603050405020304" pitchFamily="18" charset="0"/>
+              </a:rPr>
+              <a:t>2.4;</a:t>
+            </a:r>
+            <a:endParaRPr lang="en-US" sz="2200" dirty="0">
+              <a:latin typeface="Times New Roman" panose="02020603050405020304" pitchFamily="18" charset="0"/>
+              <a:cs typeface="Times New Roman" panose="02020603050405020304" pitchFamily="18" charset="0"/>
+            </a:endParaRPr>
+          </a:p>
+          <a:p>
+            <a:pPr marL="285750" indent="-285750">
+              <a:lnSpc>
+                <a:spcPct val="125000"/>
+              </a:lnSpc>
+              <a:buFont typeface="Arial" panose="020B0604020202020204" pitchFamily="34" charset="0"/>
+              <a:buChar char="•"/>
+            </a:pPr>
+            <a:r>
+              <a:rPr lang="en-US" sz="2200" dirty="0">
+                <a:latin typeface="Times New Roman" panose="02020603050405020304" pitchFamily="18" charset="0"/>
+                <a:cs typeface="Times New Roman" panose="02020603050405020304" pitchFamily="18" charset="0"/>
+              </a:rPr>
+              <a:t>Yii2 Advanced Framework;</a:t>
+            </a:r>
+          </a:p>
+          <a:p>
+            <a:pPr marL="285750" indent="-285750">
+              <a:lnSpc>
+                <a:spcPct val="125000"/>
+              </a:lnSpc>
+              <a:buFont typeface="Arial" panose="020B0604020202020204" pitchFamily="34" charset="0"/>
+              <a:buChar char="•"/>
+            </a:pPr>
+            <a:r>
+              <a:rPr lang="ru-RU" sz="2200" dirty="0">
+                <a:latin typeface="Times New Roman" panose="02020603050405020304" pitchFamily="18" charset="0"/>
+                <a:cs typeface="Times New Roman" panose="02020603050405020304" pitchFamily="18" charset="0"/>
+              </a:rPr>
+              <a:t>База данных </a:t>
+            </a:r>
+            <a:r>
+              <a:rPr lang="en-US" sz="2200" dirty="0">
+                <a:latin typeface="Times New Roman" panose="02020603050405020304" pitchFamily="18" charset="0"/>
+                <a:cs typeface="Times New Roman" panose="02020603050405020304" pitchFamily="18" charset="0"/>
+              </a:rPr>
+              <a:t>MariaDB 10.3;</a:t>
+            </a:r>
+          </a:p>
+          <a:p>
+            <a:pPr marL="285750" indent="-285750">
+              <a:lnSpc>
+                <a:spcPct val="125000"/>
+              </a:lnSpc>
+              <a:buFont typeface="Arial" panose="020B0604020202020204" pitchFamily="34" charset="0"/>
+              <a:buChar char="•"/>
+            </a:pPr>
+            <a:r>
+              <a:rPr lang="en-US" sz="2200" dirty="0">
+                <a:latin typeface="Times New Roman" panose="02020603050405020304" pitchFamily="18" charset="0"/>
+                <a:cs typeface="Times New Roman" panose="02020603050405020304" pitchFamily="18" charset="0"/>
+              </a:rPr>
+              <a:t>Redis 4.0;</a:t>
+            </a:r>
+            <a:endParaRPr lang="ru-RU" sz="2200" dirty="0">
+              <a:latin typeface="Times New Roman" panose="02020603050405020304" pitchFamily="18" charset="0"/>
+              <a:cs typeface="Times New Roman" panose="02020603050405020304" pitchFamily="18" charset="0"/>
+            </a:endParaRPr>
+          </a:p>
+          <a:p>
+            <a:pPr marL="285750" indent="-285750">
+              <a:lnSpc>
+                <a:spcPct val="125000"/>
+              </a:lnSpc>
+              <a:buFont typeface="Arial" panose="020B0604020202020204" pitchFamily="34" charset="0"/>
+              <a:buChar char="•"/>
+            </a:pPr>
+            <a:r>
+              <a:rPr lang="en-US" sz="2200" dirty="0">
+                <a:latin typeface="Times New Roman" panose="02020603050405020304" pitchFamily="18" charset="0"/>
+                <a:cs typeface="Times New Roman" panose="02020603050405020304" pitchFamily="18" charset="0"/>
+              </a:rPr>
+              <a:t>RabbitMQ 4.0.7. </a:t>
+            </a:r>
+            <a:endParaRPr lang="ru-RU" sz="2200" dirty="0">
+              <a:latin typeface="Times New Roman" panose="02020603050405020304" pitchFamily="18" charset="0"/>
+              <a:cs typeface="Times New Roman" panose="02020603050405020304" pitchFamily="18" charset="0"/>
+            </a:endParaRPr>
+          </a:p>
+          <a:p>
+            <a:pPr>
+              <a:lnSpc>
+                <a:spcPct val="125000"/>
+              </a:lnSpc>
+            </a:pPr>
+            <a:r>
+              <a:rPr lang="ru-RU" sz="2200" dirty="0">
+                <a:solidFill>
+                  <a:srgbClr val="FFFF00"/>
+                </a:solidFill>
+                <a:latin typeface="Tahoma" panose="020B0604030504040204" pitchFamily="34" charset="0"/>
+                <a:ea typeface="Tahoma" panose="020B0604030504040204" pitchFamily="34" charset="0"/>
+                <a:cs typeface="Tahoma" panose="020B0604030504040204" pitchFamily="34" charset="0"/>
+              </a:rPr>
+              <a:t>Средства разработки клиентской части системы:</a:t>
+            </a:r>
+          </a:p>
+          <a:p>
+            <a:pPr marL="342900" indent="-342900">
+              <a:lnSpc>
+                <a:spcPct val="125000"/>
+              </a:lnSpc>
+              <a:buFont typeface="Arial" panose="020B0604020202020204" pitchFamily="34" charset="0"/>
+              <a:buChar char="•"/>
+            </a:pPr>
+            <a:r>
+              <a:rPr lang="en-US" sz="2200" dirty="0">
+                <a:latin typeface="Times New Roman" panose="02020603050405020304" pitchFamily="18" charset="0"/>
+                <a:cs typeface="Times New Roman" panose="02020603050405020304" pitchFamily="18" charset="0"/>
+              </a:rPr>
+              <a:t>HTML 5, CSS 3, JavaScript; </a:t>
+            </a:r>
+          </a:p>
+          <a:p>
+            <a:pPr marL="342900" indent="-342900">
+              <a:lnSpc>
+                <a:spcPct val="125000"/>
+              </a:lnSpc>
+              <a:buFont typeface="Arial" panose="020B0604020202020204" pitchFamily="34" charset="0"/>
+              <a:buChar char="•"/>
+            </a:pPr>
+            <a:r>
+              <a:rPr lang="en-US" sz="2200" dirty="0">
+                <a:latin typeface="Times New Roman" panose="02020603050405020304" pitchFamily="18" charset="0"/>
+                <a:ea typeface="Tahoma" panose="020B0604030504040204" pitchFamily="34" charset="0"/>
+                <a:cs typeface="Times New Roman" panose="02020603050405020304" pitchFamily="18" charset="0"/>
+              </a:rPr>
+              <a:t>jQuery.</a:t>
+            </a:r>
+            <a:endParaRPr lang="ru-RU" sz="2200" dirty="0">
+              <a:latin typeface="Tahoma" panose="020B0604030504040204" pitchFamily="34" charset="0"/>
+              <a:ea typeface="Tahoma" panose="020B0604030504040204" pitchFamily="34" charset="0"/>
+              <a:cs typeface="Tahoma" panose="020B0604030504040204" pitchFamily="34" charset="0"/>
+            </a:endParaRPr>
+          </a:p>
+          <a:p>
+            <a:pPr marL="285750" indent="-285750">
+              <a:lnSpc>
+                <a:spcPct val="125000"/>
+              </a:lnSpc>
+              <a:buFont typeface="Arial" panose="020B0604020202020204" pitchFamily="34" charset="0"/>
+              <a:buChar char="•"/>
+            </a:pPr>
+            <a:endParaRPr lang="en-US" sz="2200" dirty="0">
+              <a:latin typeface="Times New Roman" panose="02020603050405020304" pitchFamily="18" charset="0"/>
+              <a:cs typeface="Times New Roman" panose="02020603050405020304" pitchFamily="18" charset="0"/>
+            </a:endParaRPr>
+          </a:p>
+        </p:txBody>
+      </p:sp>
+      <p:sp>
+        <p:nvSpPr>
+          <p:cNvPr id="7" name="TextBox 6">
+            <a:extLst>
+              <a:ext uri="{FF2B5EF4-FFF2-40B4-BE49-F238E27FC236}">
+                <a16:creationId xmlns:a16="http://schemas.microsoft.com/office/drawing/2014/main" id="{F1A3363C-C487-95C8-49A5-35BC64E08D03}"/>
+              </a:ext>
+            </a:extLst>
+          </p:cNvPr>
+          <p:cNvSpPr txBox="1"/>
+          <p:nvPr/>
+        </p:nvSpPr>
+        <p:spPr>
+          <a:xfrm>
+            <a:off x="5900784" y="3672376"/>
+            <a:ext cx="6362698" cy="2570704"/>
+          </a:xfrm>
+          <a:prstGeom prst="rect">
+            <a:avLst/>
+          </a:prstGeom>
+          <a:noFill/>
+        </p:spPr>
+        <p:txBody>
+          <a:bodyPr wrap="square">
+            <a:spAutoFit/>
+          </a:bodyPr>
+          <a:lstStyle/>
+          <a:p>
+            <a:pPr>
+              <a:lnSpc>
+                <a:spcPct val="150000"/>
+              </a:lnSpc>
+            </a:pPr>
+            <a:r>
+              <a:rPr lang="ru-RU" sz="2200" dirty="0">
+                <a:solidFill>
+                  <a:srgbClr val="FFFF00"/>
+                </a:solidFill>
+                <a:latin typeface="Tahoma" panose="020B0604030504040204" pitchFamily="34" charset="0"/>
+                <a:ea typeface="Tahoma" panose="020B0604030504040204" pitchFamily="34" charset="0"/>
+                <a:cs typeface="Tahoma" panose="020B0604030504040204" pitchFamily="34" charset="0"/>
+              </a:rPr>
+              <a:t>Проект содержит:</a:t>
+            </a:r>
+          </a:p>
+          <a:p>
+            <a:pPr marL="285750" indent="-285750">
               <a:lnSpc>
                 <a:spcPct val="150000"/>
               </a:lnSpc>
@@ -24173,22 +23366,29 @@
                 <a:latin typeface="Times New Roman" panose="02020603050405020304" pitchFamily="18" charset="0"/>
                 <a:cs typeface="Times New Roman" panose="02020603050405020304" pitchFamily="18" charset="0"/>
               </a:rPr>
-              <a:t>Браузер на основе </a:t>
+              <a:t>Более </a:t>
             </a:r>
             <a:r>
               <a:rPr lang="en-US" sz="2200" dirty="0">
                 <a:latin typeface="Times New Roman" panose="02020603050405020304" pitchFamily="18" charset="0"/>
                 <a:cs typeface="Times New Roman" panose="02020603050405020304" pitchFamily="18" charset="0"/>
               </a:rPr>
-              <a:t>chromium.</a:t>
-            </a:r>
-            <a:endParaRPr lang="ru-RU" sz="2200" dirty="0">
+              <a:t>30000</a:t>
+            </a:r>
+            <a:r>
+              <a:rPr lang="ru-RU" sz="2200" dirty="0">
+                <a:latin typeface="Times New Roman" panose="02020603050405020304" pitchFamily="18" charset="0"/>
+                <a:cs typeface="Times New Roman" panose="02020603050405020304" pitchFamily="18" charset="0"/>
+              </a:rPr>
+              <a:t> строк кода в проекте.</a:t>
+            </a:r>
+            <a:endParaRPr lang="en-US" sz="2200" dirty="0">
               <a:latin typeface="Times New Roman" panose="02020603050405020304" pitchFamily="18" charset="0"/>
               <a:cs typeface="Times New Roman" panose="02020603050405020304" pitchFamily="18" charset="0"/>
             </a:endParaRPr>
           </a:p>
           <a:p>
-            <a:pPr marL="800100" lvl="1" indent="-342900">
+            <a:pPr marL="285750" indent="-285750">
               <a:lnSpc>
                 <a:spcPct val="150000"/>
               </a:lnSpc>
@@ -24200,40 +23400,11 @@
                 <a:latin typeface="Times New Roman" panose="02020603050405020304" pitchFamily="18" charset="0"/>
                 <a:cs typeface="Times New Roman" panose="02020603050405020304" pitchFamily="18" charset="0"/>
               </a:rPr>
-              <a:t>Соответствие минимальным характеристикам браузера</a:t>
-            </a:r>
-            <a:r>
-              <a:rPr lang="en-US" sz="2200" dirty="0">
-                <a:latin typeface="Times New Roman" panose="02020603050405020304" pitchFamily="18" charset="0"/>
-                <a:cs typeface="Times New Roman" panose="02020603050405020304" pitchFamily="18" charset="0"/>
-              </a:rPr>
-              <a:t>.</a:t>
-            </a:r>
-            <a:endParaRPr lang="ru-RU" sz="2200" dirty="0">
-              <a:latin typeface="Times New Roman" panose="02020603050405020304" pitchFamily="18" charset="0"/>
-              <a:cs typeface="Times New Roman" panose="02020603050405020304" pitchFamily="18" charset="0"/>
-            </a:endParaRPr>
-          </a:p>
-          <a:p>
-            <a:pPr>
-              <a:lnSpc>
-                <a:spcPct val="150000"/>
-              </a:lnSpc>
-            </a:pPr>
-            <a:r>
-              <a:rPr lang="ru-RU" sz="2200" dirty="0">
-                <a:solidFill>
-                  <a:srgbClr val="FFFF00"/>
-                </a:solidFill>
-                <a:latin typeface="Tahoma" panose="020B0604030504040204" pitchFamily="34" charset="0"/>
-                <a:ea typeface="Tahoma" panose="020B0604030504040204" pitchFamily="34" charset="0"/>
-                <a:cs typeface="Tahoma" panose="020B0604030504040204" pitchFamily="34" charset="0"/>
-              </a:rPr>
-              <a:t>Требования к серверу:</a:t>
-            </a:r>
-          </a:p>
-          <a:p>
-            <a:pPr marL="800100" lvl="1" indent="-342900">
+              <a:t>63 таблиц базы данных.</a:t>
+            </a:r>
+          </a:p>
+          <a:p>
+            <a:pPr marL="285750" indent="-285750">
               <a:lnSpc>
                 <a:spcPct val="150000"/>
               </a:lnSpc>
@@ -24245,22 +23416,25 @@
                 <a:latin typeface="Times New Roman" panose="02020603050405020304" pitchFamily="18" charset="0"/>
                 <a:cs typeface="Times New Roman" panose="02020603050405020304" pitchFamily="18" charset="0"/>
               </a:rPr>
-              <a:t>ОС</a:t>
+              <a:t>Более 200 классов содержат около 1000</a:t>
             </a:r>
             <a:r>
               <a:rPr lang="en-US" sz="2200" dirty="0">
                 <a:latin typeface="Times New Roman" panose="02020603050405020304" pitchFamily="18" charset="0"/>
                 <a:cs typeface="Times New Roman" panose="02020603050405020304" pitchFamily="18" charset="0"/>
               </a:rPr>
-              <a:t> – Cent OS 7 / Linux Debian 11.</a:t>
-            </a:r>
-            <a:endParaRPr lang="ru-RU" sz="2200" dirty="0">
-              <a:latin typeface="Times New Roman" panose="02020603050405020304" pitchFamily="18" charset="0"/>
-              <a:cs typeface="Times New Roman" panose="02020603050405020304" pitchFamily="18" charset="0"/>
-            </a:endParaRPr>
-          </a:p>
-          <a:p>
-            <a:pPr marL="800100" lvl="1" indent="-342900">
+              <a:t> </a:t>
+            </a:r>
+            <a:r>
+              <a:rPr lang="ru-RU" sz="2200" dirty="0">
+                <a:latin typeface="Times New Roman" panose="02020603050405020304" pitchFamily="18" charset="0"/>
+                <a:cs typeface="Times New Roman" panose="02020603050405020304" pitchFamily="18" charset="0"/>
+              </a:rPr>
+              <a:t>методов.</a:t>
+            </a:r>
+          </a:p>
+          <a:p>
+            <a:pPr marL="285750" indent="-285750">
               <a:lnSpc>
                 <a:spcPct val="150000"/>
               </a:lnSpc>
@@ -24272,91 +23446,8 @@
                 <a:latin typeface="Times New Roman" panose="02020603050405020304" pitchFamily="18" charset="0"/>
                 <a:cs typeface="Times New Roman" panose="02020603050405020304" pitchFamily="18" charset="0"/>
               </a:rPr>
-              <a:t>Процессор не ниже 2,6 ГГц</a:t>
-            </a:r>
-            <a:r>
-              <a:rPr lang="en-US" sz="2200" dirty="0">
-                <a:latin typeface="Times New Roman" panose="02020603050405020304" pitchFamily="18" charset="0"/>
-                <a:cs typeface="Times New Roman" panose="02020603050405020304" pitchFamily="18" charset="0"/>
-              </a:rPr>
-              <a:t>.</a:t>
-            </a:r>
-            <a:endParaRPr lang="ru-RU" sz="2200" dirty="0">
-              <a:latin typeface="Times New Roman" panose="02020603050405020304" pitchFamily="18" charset="0"/>
-              <a:cs typeface="Times New Roman" panose="02020603050405020304" pitchFamily="18" charset="0"/>
-            </a:endParaRPr>
-          </a:p>
-          <a:p>
-            <a:pPr marL="800100" lvl="1" indent="-342900">
-              <a:lnSpc>
-                <a:spcPct val="150000"/>
-              </a:lnSpc>
-              <a:buFont typeface="Arial" panose="020B0604020202020204" pitchFamily="34" charset="0"/>
-              <a:buChar char="•"/>
-            </a:pPr>
-            <a:r>
-              <a:rPr lang="ru-RU" sz="2200" dirty="0">
-                <a:latin typeface="Times New Roman" panose="02020603050405020304" pitchFamily="18" charset="0"/>
-                <a:cs typeface="Times New Roman" panose="02020603050405020304" pitchFamily="18" charset="0"/>
-              </a:rPr>
-              <a:t>ОЗУ не меньше 8 Гб</a:t>
-            </a:r>
-            <a:r>
-              <a:rPr lang="en-US" sz="2200" dirty="0">
-                <a:latin typeface="Times New Roman" panose="02020603050405020304" pitchFamily="18" charset="0"/>
-                <a:cs typeface="Times New Roman" panose="02020603050405020304" pitchFamily="18" charset="0"/>
-              </a:rPr>
-              <a:t>.</a:t>
-            </a:r>
-            <a:endParaRPr lang="ru-RU" sz="2200" dirty="0">
-              <a:latin typeface="Times New Roman" panose="02020603050405020304" pitchFamily="18" charset="0"/>
-              <a:cs typeface="Times New Roman" panose="02020603050405020304" pitchFamily="18" charset="0"/>
-            </a:endParaRPr>
-          </a:p>
-          <a:p>
-            <a:pPr marL="800100" lvl="1" indent="-342900">
-              <a:lnSpc>
-                <a:spcPct val="150000"/>
-              </a:lnSpc>
-              <a:buFont typeface="Arial" panose="020B0604020202020204" pitchFamily="34" charset="0"/>
-              <a:buChar char="•"/>
-            </a:pPr>
-            <a:r>
-              <a:rPr lang="en-US" sz="2200" dirty="0">
-                <a:latin typeface="Times New Roman" panose="02020603050405020304" pitchFamily="18" charset="0"/>
-                <a:cs typeface="Times New Roman" panose="02020603050405020304" pitchFamily="18" charset="0"/>
-              </a:rPr>
-              <a:t>HDD  200</a:t>
-            </a:r>
-            <a:r>
-              <a:rPr lang="ru-RU" sz="2200" dirty="0">
-                <a:latin typeface="Times New Roman" panose="02020603050405020304" pitchFamily="18" charset="0"/>
-                <a:cs typeface="Times New Roman" panose="02020603050405020304" pitchFamily="18" charset="0"/>
-              </a:rPr>
-              <a:t> Гб</a:t>
-            </a:r>
-            <a:r>
-              <a:rPr lang="en-US" sz="2200" dirty="0">
-                <a:latin typeface="Times New Roman" panose="02020603050405020304" pitchFamily="18" charset="0"/>
-                <a:cs typeface="Times New Roman" panose="02020603050405020304" pitchFamily="18" charset="0"/>
-              </a:rPr>
-              <a:t>.</a:t>
-            </a:r>
-            <a:endParaRPr lang="ru-RU" sz="2200" dirty="0">
-              <a:latin typeface="Times New Roman" panose="02020603050405020304" pitchFamily="18" charset="0"/>
-              <a:cs typeface="Times New Roman" panose="02020603050405020304" pitchFamily="18" charset="0"/>
-            </a:endParaRPr>
-          </a:p>
-          <a:p>
-            <a:pPr>
-              <a:lnSpc>
-                <a:spcPct val="125000"/>
-              </a:lnSpc>
-            </a:pPr>
-            <a:endParaRPr lang="en-US" sz="2200" dirty="0">
-              <a:latin typeface="Times New Roman" panose="02020603050405020304" pitchFamily="18" charset="0"/>
-              <a:cs typeface="Times New Roman" panose="02020603050405020304" pitchFamily="18" charset="0"/>
-            </a:endParaRPr>
+              <a:t>Более 10 уникальных интерфейсов и форм.</a:t>
+            </a:r>
           </a:p>
         </p:txBody>
       </p:sp>
@@ -24500,10 +23591,734 @@
           </a:p>
         </p:txBody>
       </p:sp>
+      <p:pic>
+        <p:nvPicPr>
+          <p:cNvPr id="1026" name="Picture 2" descr="PHP Hypertext Preprocessor - язык программирования - CNews">
+            <a:extLst>
+              <a:ext uri="{FF2B5EF4-FFF2-40B4-BE49-F238E27FC236}">
+                <a16:creationId xmlns:a16="http://schemas.microsoft.com/office/drawing/2014/main" id="{E24E1A06-6E63-A42B-1BCD-F23EDAE5647D}"/>
+              </a:ext>
+            </a:extLst>
+          </p:cNvPr>
+          <p:cNvPicPr>
+            <a:picLocks noChangeAspect="1" noChangeArrowheads="1"/>
+          </p:cNvPicPr>
+          <p:nvPr/>
+        </p:nvPicPr>
+        <p:blipFill>
+          <a:blip r:embed="rId3">
+            <a:extLst>
+              <a:ext uri="{28A0092B-C50C-407E-A947-70E740481C1C}">
+                <a14:useLocalDpi xmlns:a14="http://schemas.microsoft.com/office/drawing/2010/main" val="0"/>
+              </a:ext>
+            </a:extLst>
+          </a:blip>
+          <a:srcRect/>
+          <a:stretch>
+            <a:fillRect/>
+          </a:stretch>
+        </p:blipFill>
+        <p:spPr bwMode="auto">
+          <a:xfrm>
+            <a:off x="4961952" y="1856901"/>
+            <a:ext cx="563879" cy="295302"/>
+          </a:xfrm>
+          <a:prstGeom prst="rect">
+            <a:avLst/>
+          </a:prstGeom>
+          <a:noFill/>
+          <a:extLst>
+            <a:ext uri="{909E8E84-426E-40DD-AFC4-6F175D3DCCD1}">
+              <a14:hiddenFill xmlns:a14="http://schemas.microsoft.com/office/drawing/2010/main">
+                <a:solidFill>
+                  <a:srgbClr val="FFFFFF"/>
+                </a:solidFill>
+              </a14:hiddenFill>
+            </a:ext>
+          </a:extLst>
+        </p:spPr>
+      </p:pic>
+      <p:pic>
+        <p:nvPicPr>
+          <p:cNvPr id="1028" name="Picture 4">
+            <a:extLst>
+              <a:ext uri="{FF2B5EF4-FFF2-40B4-BE49-F238E27FC236}">
+                <a16:creationId xmlns:a16="http://schemas.microsoft.com/office/drawing/2014/main" id="{B88F704B-DF6A-120E-5BC2-E992B1C9C338}"/>
+              </a:ext>
+            </a:extLst>
+          </p:cNvPr>
+          <p:cNvPicPr>
+            <a:picLocks noChangeAspect="1" noChangeArrowheads="1"/>
+          </p:cNvPicPr>
+          <p:nvPr/>
+        </p:nvPicPr>
+        <p:blipFill>
+          <a:blip r:embed="rId4">
+            <a:extLst>
+              <a:ext uri="{28A0092B-C50C-407E-A947-70E740481C1C}">
+                <a14:useLocalDpi xmlns:a14="http://schemas.microsoft.com/office/drawing/2010/main" val="0"/>
+              </a:ext>
+            </a:extLst>
+          </a:blip>
+          <a:srcRect/>
+          <a:stretch>
+            <a:fillRect/>
+          </a:stretch>
+        </p:blipFill>
+        <p:spPr bwMode="auto">
+          <a:xfrm>
+            <a:off x="2326484" y="2278095"/>
+            <a:ext cx="797067" cy="304214"/>
+          </a:xfrm>
+          <a:prstGeom prst="rect">
+            <a:avLst/>
+          </a:prstGeom>
+          <a:noFill/>
+          <a:extLst>
+            <a:ext uri="{909E8E84-426E-40DD-AFC4-6F175D3DCCD1}">
+              <a14:hiddenFill xmlns:a14="http://schemas.microsoft.com/office/drawing/2010/main">
+                <a:solidFill>
+                  <a:srgbClr val="FFFFFF"/>
+                </a:solidFill>
+              </a14:hiddenFill>
+            </a:ext>
+          </a:extLst>
+        </p:spPr>
+      </p:pic>
+      <p:pic>
+        <p:nvPicPr>
+          <p:cNvPr id="1030" name="Picture 6" descr="Логотип программы Yii">
+            <a:extLst>
+              <a:ext uri="{FF2B5EF4-FFF2-40B4-BE49-F238E27FC236}">
+                <a16:creationId xmlns:a16="http://schemas.microsoft.com/office/drawing/2014/main" id="{0960D179-52C4-B4E8-9E2E-8B8BDDB42EC4}"/>
+              </a:ext>
+            </a:extLst>
+          </p:cNvPr>
+          <p:cNvPicPr>
+            <a:picLocks noChangeAspect="1" noChangeArrowheads="1"/>
+          </p:cNvPicPr>
+          <p:nvPr/>
+        </p:nvPicPr>
+        <p:blipFill>
+          <a:blip r:embed="rId5">
+            <a:extLst>
+              <a:ext uri="{28A0092B-C50C-407E-A947-70E740481C1C}">
+                <a14:useLocalDpi xmlns:a14="http://schemas.microsoft.com/office/drawing/2010/main" val="0"/>
+              </a:ext>
+            </a:extLst>
+          </a:blip>
+          <a:srcRect/>
+          <a:stretch>
+            <a:fillRect/>
+          </a:stretch>
+        </p:blipFill>
+        <p:spPr bwMode="auto">
+          <a:xfrm>
+            <a:off x="4098131" y="2725294"/>
+            <a:ext cx="1273874" cy="275787"/>
+          </a:xfrm>
+          <a:prstGeom prst="rect">
+            <a:avLst/>
+          </a:prstGeom>
+          <a:noFill/>
+          <a:extLst>
+            <a:ext uri="{909E8E84-426E-40DD-AFC4-6F175D3DCCD1}">
+              <a14:hiddenFill xmlns:a14="http://schemas.microsoft.com/office/drawing/2010/main">
+                <a:solidFill>
+                  <a:srgbClr val="FFFFFF"/>
+                </a:solidFill>
+              </a14:hiddenFill>
+            </a:ext>
+          </a:extLst>
+        </p:spPr>
+      </p:pic>
+      <p:pic>
+        <p:nvPicPr>
+          <p:cNvPr id="1032" name="Picture 8" descr="MariaDB · GitHub">
+            <a:extLst>
+              <a:ext uri="{FF2B5EF4-FFF2-40B4-BE49-F238E27FC236}">
+                <a16:creationId xmlns:a16="http://schemas.microsoft.com/office/drawing/2014/main" id="{2EDD169B-9E03-CE13-9CFD-9870D58C9634}"/>
+              </a:ext>
+            </a:extLst>
+          </p:cNvPr>
+          <p:cNvPicPr>
+            <a:picLocks noChangeAspect="1" noChangeArrowheads="1"/>
+          </p:cNvPicPr>
+          <p:nvPr/>
+        </p:nvPicPr>
+        <p:blipFill>
+          <a:blip r:embed="rId6">
+            <a:extLst>
+              <a:ext uri="{28A0092B-C50C-407E-A947-70E740481C1C}">
+                <a14:useLocalDpi xmlns:a14="http://schemas.microsoft.com/office/drawing/2010/main" val="0"/>
+              </a:ext>
+            </a:extLst>
+          </a:blip>
+          <a:srcRect/>
+          <a:stretch>
+            <a:fillRect/>
+          </a:stretch>
+        </p:blipFill>
+        <p:spPr bwMode="auto">
+          <a:xfrm>
+            <a:off x="4250422" y="3032993"/>
+            <a:ext cx="451309" cy="451309"/>
+          </a:xfrm>
+          <a:prstGeom prst="rect">
+            <a:avLst/>
+          </a:prstGeom>
+          <a:noFill/>
+          <a:extLst>
+            <a:ext uri="{909E8E84-426E-40DD-AFC4-6F175D3DCCD1}">
+              <a14:hiddenFill xmlns:a14="http://schemas.microsoft.com/office/drawing/2010/main">
+                <a:solidFill>
+                  <a:srgbClr val="FFFFFF"/>
+                </a:solidFill>
+              </a14:hiddenFill>
+            </a:ext>
+          </a:extLst>
+        </p:spPr>
+      </p:pic>
+      <p:pic>
+        <p:nvPicPr>
+          <p:cNvPr id="1034" name="Picture 10">
+            <a:extLst>
+              <a:ext uri="{FF2B5EF4-FFF2-40B4-BE49-F238E27FC236}">
+                <a16:creationId xmlns:a16="http://schemas.microsoft.com/office/drawing/2014/main" id="{0666067C-31E3-02F4-E9CA-D04EED38370F}"/>
+              </a:ext>
+            </a:extLst>
+          </p:cNvPr>
+          <p:cNvPicPr>
+            <a:picLocks noChangeAspect="1" noChangeArrowheads="1"/>
+          </p:cNvPicPr>
+          <p:nvPr/>
+        </p:nvPicPr>
+        <p:blipFill>
+          <a:blip r:embed="rId7">
+            <a:extLst>
+              <a:ext uri="{28A0092B-C50C-407E-A947-70E740481C1C}">
+                <a14:useLocalDpi xmlns:a14="http://schemas.microsoft.com/office/drawing/2010/main" val="0"/>
+              </a:ext>
+            </a:extLst>
+          </a:blip>
+          <a:srcRect/>
+          <a:stretch>
+            <a:fillRect/>
+          </a:stretch>
+        </p:blipFill>
+        <p:spPr bwMode="auto">
+          <a:xfrm>
+            <a:off x="2119104" y="3549237"/>
+            <a:ext cx="769621" cy="246279"/>
+          </a:xfrm>
+          <a:prstGeom prst="rect">
+            <a:avLst/>
+          </a:prstGeom>
+          <a:noFill/>
+          <a:extLst>
+            <a:ext uri="{909E8E84-426E-40DD-AFC4-6F175D3DCCD1}">
+              <a14:hiddenFill xmlns:a14="http://schemas.microsoft.com/office/drawing/2010/main">
+                <a:solidFill>
+                  <a:srgbClr val="FFFFFF"/>
+                </a:solidFill>
+              </a14:hiddenFill>
+            </a:ext>
+          </a:extLst>
+        </p:spPr>
+      </p:pic>
+      <p:pic>
+        <p:nvPicPr>
+          <p:cNvPr id="3" name="Picture 2" descr="Файл:RabbitMQ logo.svg — Википедия">
+            <a:extLst>
+              <a:ext uri="{FF2B5EF4-FFF2-40B4-BE49-F238E27FC236}">
+                <a16:creationId xmlns:a16="http://schemas.microsoft.com/office/drawing/2014/main" id="{DA9F81A4-F7D5-4314-984D-F41BA5AB50F6}"/>
+              </a:ext>
+            </a:extLst>
+          </p:cNvPr>
+          <p:cNvPicPr>
+            <a:picLocks noChangeAspect="1" noChangeArrowheads="1"/>
+          </p:cNvPicPr>
+          <p:nvPr/>
+        </p:nvPicPr>
+        <p:blipFill>
+          <a:blip r:embed="rId8">
+            <a:extLst>
+              <a:ext uri="{28A0092B-C50C-407E-A947-70E740481C1C}">
+                <a14:useLocalDpi xmlns:a14="http://schemas.microsoft.com/office/drawing/2010/main" val="0"/>
+              </a:ext>
+            </a:extLst>
+          </a:blip>
+          <a:srcRect/>
+          <a:stretch>
+            <a:fillRect/>
+          </a:stretch>
+        </p:blipFill>
+        <p:spPr bwMode="auto">
+          <a:xfrm>
+            <a:off x="2888725" y="3971801"/>
+            <a:ext cx="1614685" cy="253556"/>
+          </a:xfrm>
+          <a:prstGeom prst="rect">
+            <a:avLst/>
+          </a:prstGeom>
+          <a:noFill/>
+          <a:extLst>
+            <a:ext uri="{909E8E84-426E-40DD-AFC4-6F175D3DCCD1}">
+              <a14:hiddenFill xmlns:a14="http://schemas.microsoft.com/office/drawing/2010/main">
+                <a:solidFill>
+                  <a:srgbClr val="FFFFFF"/>
+                </a:solidFill>
+              </a14:hiddenFill>
+            </a:ext>
+          </a:extLst>
+        </p:spPr>
+      </p:pic>
+      <p:pic>
+        <p:nvPicPr>
+          <p:cNvPr id="4" name="Picture 2" descr="jQuery · GitHub">
+            <a:extLst>
+              <a:ext uri="{FF2B5EF4-FFF2-40B4-BE49-F238E27FC236}">
+                <a16:creationId xmlns:a16="http://schemas.microsoft.com/office/drawing/2014/main" id="{6F43245B-D665-82AA-E6DC-3F2425B428D6}"/>
+              </a:ext>
+            </a:extLst>
+          </p:cNvPr>
+          <p:cNvPicPr>
+            <a:picLocks noChangeAspect="1" noChangeArrowheads="1"/>
+          </p:cNvPicPr>
+          <p:nvPr/>
+        </p:nvPicPr>
+        <p:blipFill>
+          <a:blip r:embed="rId9">
+            <a:extLst>
+              <a:ext uri="{28A0092B-C50C-407E-A947-70E740481C1C}">
+                <a14:useLocalDpi xmlns:a14="http://schemas.microsoft.com/office/drawing/2010/main" val="0"/>
+              </a:ext>
+            </a:extLst>
+          </a:blip>
+          <a:srcRect/>
+          <a:stretch>
+            <a:fillRect/>
+          </a:stretch>
+        </p:blipFill>
+        <p:spPr bwMode="auto">
+          <a:xfrm>
+            <a:off x="1906580" y="5614849"/>
+            <a:ext cx="425048" cy="425048"/>
+          </a:xfrm>
+          <a:prstGeom prst="rect">
+            <a:avLst/>
+          </a:prstGeom>
+          <a:noFill/>
+          <a:extLst>
+            <a:ext uri="{909E8E84-426E-40DD-AFC4-6F175D3DCCD1}">
+              <a14:hiddenFill xmlns:a14="http://schemas.microsoft.com/office/drawing/2010/main">
+                <a:solidFill>
+                  <a:srgbClr val="FFFFFF"/>
+                </a:solidFill>
+              </a14:hiddenFill>
+            </a:ext>
+          </a:extLst>
+        </p:spPr>
+      </p:pic>
+      <p:sp>
+        <p:nvSpPr>
+          <p:cNvPr id="6" name="AutoShape 4" descr="Html Js Css PNG - Html Js Css Веб разработка Программирование прозрачная  иллюстрация">
+            <a:extLst>
+              <a:ext uri="{FF2B5EF4-FFF2-40B4-BE49-F238E27FC236}">
+                <a16:creationId xmlns:a16="http://schemas.microsoft.com/office/drawing/2014/main" id="{2B707A11-A244-8FB2-3D36-6A6D6D327432}"/>
+              </a:ext>
+            </a:extLst>
+          </p:cNvPr>
+          <p:cNvSpPr>
+            <a:spLocks noChangeAspect="1" noChangeArrowheads="1"/>
+          </p:cNvSpPr>
+          <p:nvPr/>
+        </p:nvSpPr>
+        <p:spPr bwMode="auto">
+          <a:xfrm>
+            <a:off x="5943600" y="3276600"/>
+            <a:ext cx="304800" cy="304800"/>
+          </a:xfrm>
+          <a:prstGeom prst="rect">
+            <a:avLst/>
+          </a:prstGeom>
+          <a:noFill/>
+          <a:extLst>
+            <a:ext uri="{909E8E84-426E-40DD-AFC4-6F175D3DCCD1}">
+              <a14:hiddenFill xmlns:a14="http://schemas.microsoft.com/office/drawing/2010/main">
+                <a:solidFill>
+                  <a:srgbClr val="FFFFFF"/>
+                </a:solidFill>
+              </a14:hiddenFill>
+            </a:ext>
+          </a:extLst>
+        </p:spPr>
+        <p:txBody>
+          <a:bodyPr vert="horz" wrap="square" lIns="91440" tIns="45720" rIns="91440" bIns="45720" numCol="1" anchor="t" anchorCtr="0" compatLnSpc="1">
+            <a:prstTxWarp prst="textNoShape">
+              <a:avLst/>
+            </a:prstTxWarp>
+          </a:bodyPr>
+          <a:lstStyle/>
+          <a:p>
+            <a:endParaRPr lang="ru-RU"/>
+          </a:p>
+        </p:txBody>
+      </p:sp>
+      <p:pic>
+        <p:nvPicPr>
+          <p:cNvPr id="1038" name="Picture 14" descr="Javascript Html5 And Css - Html Css Js Badge PNG Transparent With Clear  Background ID 191472 | TopPNG">
+            <a:extLst>
+              <a:ext uri="{FF2B5EF4-FFF2-40B4-BE49-F238E27FC236}">
+                <a16:creationId xmlns:a16="http://schemas.microsoft.com/office/drawing/2014/main" id="{85015783-37F7-BDD4-D06A-F5358E662D37}"/>
+              </a:ext>
+            </a:extLst>
+          </p:cNvPr>
+          <p:cNvPicPr>
+            <a:picLocks noChangeAspect="1" noChangeArrowheads="1"/>
+          </p:cNvPicPr>
+          <p:nvPr/>
+        </p:nvPicPr>
+        <p:blipFill>
+          <a:blip r:embed="rId10">
+            <a:extLst>
+              <a:ext uri="{28A0092B-C50C-407E-A947-70E740481C1C}">
+                <a14:useLocalDpi xmlns:a14="http://schemas.microsoft.com/office/drawing/2010/main" val="0"/>
+              </a:ext>
+            </a:extLst>
+          </a:blip>
+          <a:srcRect/>
+          <a:stretch>
+            <a:fillRect/>
+          </a:stretch>
+        </p:blipFill>
+        <p:spPr bwMode="auto">
+          <a:xfrm>
+            <a:off x="4250422" y="5017105"/>
+            <a:ext cx="1020149" cy="597744"/>
+          </a:xfrm>
+          <a:prstGeom prst="rect">
+            <a:avLst/>
+          </a:prstGeom>
+          <a:noFill/>
+          <a:extLst>
+            <a:ext uri="{909E8E84-426E-40DD-AFC4-6F175D3DCCD1}">
+              <a14:hiddenFill xmlns:a14="http://schemas.microsoft.com/office/drawing/2010/main">
+                <a:solidFill>
+                  <a:srgbClr val="FFFFFF"/>
+                </a:solidFill>
+              </a14:hiddenFill>
+            </a:ext>
+          </a:extLst>
+        </p:spPr>
+      </p:pic>
+      <p:sp>
+        <p:nvSpPr>
+          <p:cNvPr id="9" name="TextBox 8">
+            <a:extLst>
+              <a:ext uri="{FF2B5EF4-FFF2-40B4-BE49-F238E27FC236}">
+                <a16:creationId xmlns:a16="http://schemas.microsoft.com/office/drawing/2014/main" id="{AD148D29-04A0-F407-B784-474CF76E8979}"/>
+              </a:ext>
+            </a:extLst>
+          </p:cNvPr>
+          <p:cNvSpPr txBox="1"/>
+          <p:nvPr/>
+        </p:nvSpPr>
+        <p:spPr>
+          <a:xfrm>
+            <a:off x="5878371" y="800629"/>
+            <a:ext cx="6362698" cy="2570704"/>
+          </a:xfrm>
+          <a:prstGeom prst="rect">
+            <a:avLst/>
+          </a:prstGeom>
+          <a:noFill/>
+        </p:spPr>
+        <p:txBody>
+          <a:bodyPr wrap="square">
+            <a:spAutoFit/>
+          </a:bodyPr>
+          <a:lstStyle/>
+          <a:p>
+            <a:pPr>
+              <a:lnSpc>
+                <a:spcPct val="150000"/>
+              </a:lnSpc>
+            </a:pPr>
+            <a:r>
+              <a:rPr lang="ru-RU" sz="2200" dirty="0">
+                <a:solidFill>
+                  <a:srgbClr val="FFFF00"/>
+                </a:solidFill>
+                <a:latin typeface="Tahoma" panose="020B0604030504040204" pitchFamily="34" charset="0"/>
+                <a:ea typeface="Tahoma" panose="020B0604030504040204" pitchFamily="34" charset="0"/>
+                <a:cs typeface="Tahoma" panose="020B0604030504040204" pitchFamily="34" charset="0"/>
+              </a:rPr>
+              <a:t>Средства разработки документации:</a:t>
+            </a:r>
+          </a:p>
+          <a:p>
+            <a:pPr marL="285750" indent="-285750">
+              <a:lnSpc>
+                <a:spcPct val="150000"/>
+              </a:lnSpc>
+              <a:buFont typeface="Arial" panose="020B0604020202020204" pitchFamily="34" charset="0"/>
+              <a:buChar char="•"/>
+            </a:pPr>
+            <a:r>
+              <a:rPr lang="en-US" sz="2200" dirty="0">
+                <a:latin typeface="Times New Roman" panose="02020603050405020304" pitchFamily="18" charset="0"/>
+                <a:cs typeface="Times New Roman" panose="02020603050405020304" pitchFamily="18" charset="0"/>
+              </a:rPr>
+              <a:t>Microsoft Word, PowerPoint;</a:t>
+            </a:r>
+          </a:p>
+          <a:p>
+            <a:pPr marL="285750" indent="-285750">
+              <a:lnSpc>
+                <a:spcPct val="150000"/>
+              </a:lnSpc>
+              <a:buFont typeface="Arial" panose="020B0604020202020204" pitchFamily="34" charset="0"/>
+              <a:buChar char="•"/>
+            </a:pPr>
+            <a:r>
+              <a:rPr lang="en-US" sz="2200" dirty="0" err="1">
+                <a:latin typeface="Times New Roman" panose="02020603050405020304" pitchFamily="18" charset="0"/>
+                <a:cs typeface="Times New Roman" panose="02020603050405020304" pitchFamily="18" charset="0"/>
+              </a:rPr>
+              <a:t>OnlineParadigm</a:t>
+            </a:r>
+            <a:r>
+              <a:rPr lang="en-US" sz="2200" dirty="0">
+                <a:latin typeface="Times New Roman" panose="02020603050405020304" pitchFamily="18" charset="0"/>
+                <a:cs typeface="Times New Roman" panose="02020603050405020304" pitchFamily="18" charset="0"/>
+              </a:rPr>
+              <a:t>;</a:t>
+            </a:r>
+          </a:p>
+          <a:p>
+            <a:pPr marL="285750" indent="-285750">
+              <a:lnSpc>
+                <a:spcPct val="150000"/>
+              </a:lnSpc>
+              <a:buFont typeface="Arial" panose="020B0604020202020204" pitchFamily="34" charset="0"/>
+              <a:buChar char="•"/>
+            </a:pPr>
+            <a:r>
+              <a:rPr lang="en-US" sz="2200" dirty="0">
+                <a:latin typeface="Times New Roman" panose="02020603050405020304" pitchFamily="18" charset="0"/>
+                <a:cs typeface="Times New Roman" panose="02020603050405020304" pitchFamily="18" charset="0"/>
+              </a:rPr>
+              <a:t>BPMN.io.</a:t>
+            </a:r>
+          </a:p>
+          <a:p>
+            <a:pPr marL="285750" indent="-285750">
+              <a:lnSpc>
+                <a:spcPct val="150000"/>
+              </a:lnSpc>
+              <a:buFont typeface="Arial" panose="020B0604020202020204" pitchFamily="34" charset="0"/>
+              <a:buChar char="•"/>
+            </a:pPr>
+            <a:endParaRPr lang="ru-RU" sz="2200" dirty="0">
+              <a:latin typeface="Times New Roman" panose="02020603050405020304" pitchFamily="18" charset="0"/>
+              <a:cs typeface="Times New Roman" panose="02020603050405020304" pitchFamily="18" charset="0"/>
+            </a:endParaRPr>
+          </a:p>
+        </p:txBody>
+      </p:sp>
+      <p:pic>
+        <p:nvPicPr>
+          <p:cNvPr id="10" name="Picture 2" descr="Visual Paradigm Онлайн Диаграммы Пресс-кит">
+            <a:extLst>
+              <a:ext uri="{FF2B5EF4-FFF2-40B4-BE49-F238E27FC236}">
+                <a16:creationId xmlns:a16="http://schemas.microsoft.com/office/drawing/2014/main" id="{BDE48AF4-E2D9-E4AF-F66E-7EE29BF907C1}"/>
+              </a:ext>
+            </a:extLst>
+          </p:cNvPr>
+          <p:cNvPicPr>
+            <a:picLocks noChangeAspect="1" noChangeArrowheads="1"/>
+          </p:cNvPicPr>
+          <p:nvPr/>
+        </p:nvPicPr>
+        <p:blipFill>
+          <a:blip r:embed="rId11">
+            <a:extLst>
+              <a:ext uri="{28A0092B-C50C-407E-A947-70E740481C1C}">
+                <a14:useLocalDpi xmlns:a14="http://schemas.microsoft.com/office/drawing/2010/main" val="0"/>
+              </a:ext>
+            </a:extLst>
+          </a:blip>
+          <a:srcRect/>
+          <a:stretch>
+            <a:fillRect/>
+          </a:stretch>
+        </p:blipFill>
+        <p:spPr bwMode="auto">
+          <a:xfrm>
+            <a:off x="8226757" y="1939745"/>
+            <a:ext cx="424915" cy="424915"/>
+          </a:xfrm>
+          <a:prstGeom prst="rect">
+            <a:avLst/>
+          </a:prstGeom>
+          <a:noFill/>
+          <a:extLst>
+            <a:ext uri="{909E8E84-426E-40DD-AFC4-6F175D3DCCD1}">
+              <a14:hiddenFill xmlns:a14="http://schemas.microsoft.com/office/drawing/2010/main">
+                <a:solidFill>
+                  <a:srgbClr val="FFFFFF"/>
+                </a:solidFill>
+              </a14:hiddenFill>
+            </a:ext>
+          </a:extLst>
+        </p:spPr>
+      </p:pic>
+      <p:pic>
+        <p:nvPicPr>
+          <p:cNvPr id="11" name="Picture 4" descr="Microsoft Word — Википедия">
+            <a:extLst>
+              <a:ext uri="{FF2B5EF4-FFF2-40B4-BE49-F238E27FC236}">
+                <a16:creationId xmlns:a16="http://schemas.microsoft.com/office/drawing/2014/main" id="{DE8D445E-4C5F-40E0-EA9B-64A0514A7472}"/>
+              </a:ext>
+            </a:extLst>
+          </p:cNvPr>
+          <p:cNvPicPr>
+            <a:picLocks noChangeAspect="1" noChangeArrowheads="1"/>
+          </p:cNvPicPr>
+          <p:nvPr/>
+        </p:nvPicPr>
+        <p:blipFill>
+          <a:blip r:embed="rId12">
+            <a:extLst>
+              <a:ext uri="{28A0092B-C50C-407E-A947-70E740481C1C}">
+                <a14:useLocalDpi xmlns:a14="http://schemas.microsoft.com/office/drawing/2010/main" val="0"/>
+              </a:ext>
+            </a:extLst>
+          </a:blip>
+          <a:srcRect/>
+          <a:stretch>
+            <a:fillRect/>
+          </a:stretch>
+        </p:blipFill>
+        <p:spPr bwMode="auto">
+          <a:xfrm>
+            <a:off x="9651197" y="1426497"/>
+            <a:ext cx="443429" cy="412937"/>
+          </a:xfrm>
+          <a:prstGeom prst="rect">
+            <a:avLst/>
+          </a:prstGeom>
+          <a:noFill/>
+          <a:extLst>
+            <a:ext uri="{909E8E84-426E-40DD-AFC4-6F175D3DCCD1}">
+              <a14:hiddenFill xmlns:a14="http://schemas.microsoft.com/office/drawing/2010/main">
+                <a:solidFill>
+                  <a:srgbClr val="FFFFFF"/>
+                </a:solidFill>
+              </a14:hiddenFill>
+            </a:ext>
+          </a:extLst>
+        </p:spPr>
+      </p:pic>
+      <p:pic>
+        <p:nvPicPr>
+          <p:cNvPr id="12" name="Picture 6" descr="Microsoft PowerPoint — Википедия">
+            <a:extLst>
+              <a:ext uri="{FF2B5EF4-FFF2-40B4-BE49-F238E27FC236}">
+                <a16:creationId xmlns:a16="http://schemas.microsoft.com/office/drawing/2014/main" id="{09D27354-978F-8D54-D112-3BDC7E757DC5}"/>
+              </a:ext>
+            </a:extLst>
+          </p:cNvPr>
+          <p:cNvPicPr>
+            <a:picLocks noChangeAspect="1" noChangeArrowheads="1"/>
+          </p:cNvPicPr>
+          <p:nvPr/>
+        </p:nvPicPr>
+        <p:blipFill>
+          <a:blip r:embed="rId13">
+            <a:extLst>
+              <a:ext uri="{28A0092B-C50C-407E-A947-70E740481C1C}">
+                <a14:useLocalDpi xmlns:a14="http://schemas.microsoft.com/office/drawing/2010/main" val="0"/>
+              </a:ext>
+            </a:extLst>
+          </a:blip>
+          <a:srcRect/>
+          <a:stretch>
+            <a:fillRect/>
+          </a:stretch>
+        </p:blipFill>
+        <p:spPr bwMode="auto">
+          <a:xfrm>
+            <a:off x="10255949" y="1454897"/>
+            <a:ext cx="382433" cy="356135"/>
+          </a:xfrm>
+          <a:prstGeom prst="rect">
+            <a:avLst/>
+          </a:prstGeom>
+          <a:noFill/>
+          <a:extLst>
+            <a:ext uri="{909E8E84-426E-40DD-AFC4-6F175D3DCCD1}">
+              <a14:hiddenFill xmlns:a14="http://schemas.microsoft.com/office/drawing/2010/main">
+                <a:solidFill>
+                  <a:srgbClr val="FFFFFF"/>
+                </a:solidFill>
+              </a14:hiddenFill>
+            </a:ext>
+          </a:extLst>
+        </p:spPr>
+      </p:pic>
+      <p:pic>
+        <p:nvPicPr>
+          <p:cNvPr id="14" name="Picture 10" descr="bpmn.io · GitHub">
+            <a:extLst>
+              <a:ext uri="{FF2B5EF4-FFF2-40B4-BE49-F238E27FC236}">
+                <a16:creationId xmlns:a16="http://schemas.microsoft.com/office/drawing/2014/main" id="{44C413AC-1320-A969-5241-402AD46BE015}"/>
+              </a:ext>
+            </a:extLst>
+          </p:cNvPr>
+          <p:cNvPicPr>
+            <a:picLocks noChangeAspect="1" noChangeArrowheads="1"/>
+          </p:cNvPicPr>
+          <p:nvPr/>
+        </p:nvPicPr>
+        <p:blipFill>
+          <a:blip r:embed="rId14">
+            <a:extLst>
+              <a:ext uri="{28A0092B-C50C-407E-A947-70E740481C1C}">
+                <a14:useLocalDpi xmlns:a14="http://schemas.microsoft.com/office/drawing/2010/main" val="0"/>
+              </a:ext>
+            </a:extLst>
+          </a:blip>
+          <a:srcRect/>
+          <a:stretch>
+            <a:fillRect/>
+          </a:stretch>
+        </p:blipFill>
+        <p:spPr bwMode="auto">
+          <a:xfrm>
+            <a:off x="7451129" y="2400006"/>
+            <a:ext cx="424915" cy="424915"/>
+          </a:xfrm>
+          <a:prstGeom prst="rect">
+            <a:avLst/>
+          </a:prstGeom>
+          <a:noFill/>
+          <a:extLst>
+            <a:ext uri="{909E8E84-426E-40DD-AFC4-6F175D3DCCD1}">
+              <a14:hiddenFill xmlns:a14="http://schemas.microsoft.com/office/drawing/2010/main">
+                <a:solidFill>
+                  <a:srgbClr val="FFFFFF"/>
+                </a:solidFill>
+              </a14:hiddenFill>
+            </a:ext>
+          </a:extLst>
+        </p:spPr>
+      </p:pic>
     </p:spTree>
     <p:extLst>
       <p:ext uri="{BB962C8B-B14F-4D97-AF65-F5344CB8AC3E}">
-        <p14:creationId xmlns:p14="http://schemas.microsoft.com/office/powerpoint/2010/main" val="3612000258"/>
+        <p14:creationId xmlns:p14="http://schemas.microsoft.com/office/powerpoint/2010/main" val="3648442274"/>
       </p:ext>
     </p:extLst>
   </p:cSld>
@@ -24547,6 +24362,471 @@
           <p:cNvPr id="2" name="Заголовок 1">
             <a:extLst>
               <a:ext uri="{FF2B5EF4-FFF2-40B4-BE49-F238E27FC236}">
+                <a16:creationId xmlns:a16="http://schemas.microsoft.com/office/drawing/2014/main" id="{6180C8AA-7561-F3BA-FC31-46C06530ED41}"/>
+              </a:ext>
+            </a:extLst>
+          </p:cNvPr>
+          <p:cNvSpPr>
+            <a:spLocks noGrp="1"/>
+          </p:cNvSpPr>
+          <p:nvPr>
+            <p:ph type="title"/>
+          </p:nvPr>
+        </p:nvSpPr>
+        <p:spPr>
+          <a:xfrm>
+            <a:off x="0" y="6096"/>
+            <a:ext cx="12191999" cy="688848"/>
+          </a:xfrm>
+        </p:spPr>
+        <p:txBody>
+          <a:bodyPr/>
+          <a:lstStyle/>
+          <a:p>
+            <a:pPr algn="ctr"/>
+            <a:r>
+              <a:rPr lang="ru-RU" dirty="0">
+                <a:latin typeface="Times New Roman" panose="02020603050405020304" pitchFamily="18" charset="0"/>
+                <a:cs typeface="Times New Roman" panose="02020603050405020304" pitchFamily="18" charset="0"/>
+              </a:rPr>
+              <a:t>Системные требования</a:t>
+            </a:r>
+            <a:endParaRPr lang="ru-RU" dirty="0"/>
+          </a:p>
+        </p:txBody>
+      </p:sp>
+      <p:sp>
+        <p:nvSpPr>
+          <p:cNvPr id="5" name="TextBox 4">
+            <a:extLst>
+              <a:ext uri="{FF2B5EF4-FFF2-40B4-BE49-F238E27FC236}">
+                <a16:creationId xmlns:a16="http://schemas.microsoft.com/office/drawing/2014/main" id="{7D1D1E67-62A4-5E00-9B5C-F74D0DA5F37E}"/>
+              </a:ext>
+            </a:extLst>
+          </p:cNvPr>
+          <p:cNvSpPr txBox="1"/>
+          <p:nvPr/>
+        </p:nvSpPr>
+        <p:spPr>
+          <a:xfrm>
+            <a:off x="366226" y="1000125"/>
+            <a:ext cx="11315700" cy="5966079"/>
+          </a:xfrm>
+          <a:prstGeom prst="rect">
+            <a:avLst/>
+          </a:prstGeom>
+          <a:noFill/>
+        </p:spPr>
+        <p:txBody>
+          <a:bodyPr wrap="square" rtlCol="0">
+            <a:noAutofit/>
+          </a:bodyPr>
+          <a:lstStyle/>
+          <a:p>
+            <a:pPr>
+              <a:lnSpc>
+                <a:spcPct val="150000"/>
+              </a:lnSpc>
+            </a:pPr>
+            <a:r>
+              <a:rPr lang="ru-RU" sz="2200" dirty="0">
+                <a:solidFill>
+                  <a:srgbClr val="FFFF00"/>
+                </a:solidFill>
+                <a:latin typeface="Tahoma" panose="020B0604030504040204" pitchFamily="34" charset="0"/>
+                <a:ea typeface="Tahoma" panose="020B0604030504040204" pitchFamily="34" charset="0"/>
+                <a:cs typeface="Tahoma" panose="020B0604030504040204" pitchFamily="34" charset="0"/>
+              </a:rPr>
+              <a:t>Требования к клиенту:</a:t>
+            </a:r>
+          </a:p>
+          <a:p>
+            <a:pPr marL="800100" lvl="1" indent="-342900">
+              <a:lnSpc>
+                <a:spcPct val="150000"/>
+              </a:lnSpc>
+              <a:buFont typeface="Arial" panose="020B0604020202020204" pitchFamily="34" charset="0"/>
+              <a:buChar char="•"/>
+            </a:pPr>
+            <a:r>
+              <a:rPr lang="ru-RU" sz="2200" dirty="0">
+                <a:latin typeface="Times New Roman" panose="02020603050405020304" pitchFamily="18" charset="0"/>
+                <a:cs typeface="Times New Roman" panose="02020603050405020304" pitchFamily="18" charset="0"/>
+              </a:rPr>
+              <a:t>Браузер на основе </a:t>
+            </a:r>
+            <a:r>
+              <a:rPr lang="en-US" sz="2200" dirty="0">
+                <a:latin typeface="Times New Roman" panose="02020603050405020304" pitchFamily="18" charset="0"/>
+                <a:cs typeface="Times New Roman" panose="02020603050405020304" pitchFamily="18" charset="0"/>
+              </a:rPr>
+              <a:t>chromium.</a:t>
+            </a:r>
+            <a:endParaRPr lang="ru-RU" sz="2200" dirty="0">
+              <a:latin typeface="Times New Roman" panose="02020603050405020304" pitchFamily="18" charset="0"/>
+              <a:cs typeface="Times New Roman" panose="02020603050405020304" pitchFamily="18" charset="0"/>
+            </a:endParaRPr>
+          </a:p>
+          <a:p>
+            <a:pPr marL="800100" lvl="1" indent="-342900">
+              <a:lnSpc>
+                <a:spcPct val="150000"/>
+              </a:lnSpc>
+              <a:buFont typeface="Arial" panose="020B0604020202020204" pitchFamily="34" charset="0"/>
+              <a:buChar char="•"/>
+            </a:pPr>
+            <a:r>
+              <a:rPr lang="ru-RU" sz="2200" dirty="0">
+                <a:latin typeface="Times New Roman" panose="02020603050405020304" pitchFamily="18" charset="0"/>
+                <a:cs typeface="Times New Roman" panose="02020603050405020304" pitchFamily="18" charset="0"/>
+              </a:rPr>
+              <a:t>Соответствие минимальным характеристикам браузера</a:t>
+            </a:r>
+            <a:r>
+              <a:rPr lang="en-US" sz="2200" dirty="0">
+                <a:latin typeface="Times New Roman" panose="02020603050405020304" pitchFamily="18" charset="0"/>
+                <a:cs typeface="Times New Roman" panose="02020603050405020304" pitchFamily="18" charset="0"/>
+              </a:rPr>
+              <a:t>.</a:t>
+            </a:r>
+            <a:endParaRPr lang="ru-RU" sz="2200" dirty="0">
+              <a:latin typeface="Times New Roman" panose="02020603050405020304" pitchFamily="18" charset="0"/>
+              <a:cs typeface="Times New Roman" panose="02020603050405020304" pitchFamily="18" charset="0"/>
+            </a:endParaRPr>
+          </a:p>
+          <a:p>
+            <a:pPr>
+              <a:lnSpc>
+                <a:spcPct val="150000"/>
+              </a:lnSpc>
+            </a:pPr>
+            <a:r>
+              <a:rPr lang="ru-RU" sz="2200" dirty="0">
+                <a:solidFill>
+                  <a:srgbClr val="FFFF00"/>
+                </a:solidFill>
+                <a:latin typeface="Tahoma" panose="020B0604030504040204" pitchFamily="34" charset="0"/>
+                <a:ea typeface="Tahoma" panose="020B0604030504040204" pitchFamily="34" charset="0"/>
+                <a:cs typeface="Tahoma" panose="020B0604030504040204" pitchFamily="34" charset="0"/>
+              </a:rPr>
+              <a:t>Требования к серверу:</a:t>
+            </a:r>
+          </a:p>
+          <a:p>
+            <a:pPr marL="800100" lvl="1" indent="-342900">
+              <a:lnSpc>
+                <a:spcPct val="150000"/>
+              </a:lnSpc>
+              <a:buFont typeface="Arial" panose="020B0604020202020204" pitchFamily="34" charset="0"/>
+              <a:buChar char="•"/>
+            </a:pPr>
+            <a:r>
+              <a:rPr lang="ru-RU" sz="2200" dirty="0">
+                <a:latin typeface="Times New Roman" panose="02020603050405020304" pitchFamily="18" charset="0"/>
+                <a:cs typeface="Times New Roman" panose="02020603050405020304" pitchFamily="18" charset="0"/>
+              </a:rPr>
+              <a:t>ОС</a:t>
+            </a:r>
+            <a:r>
+              <a:rPr lang="en-US" sz="2200" dirty="0">
+                <a:latin typeface="Times New Roman" panose="02020603050405020304" pitchFamily="18" charset="0"/>
+                <a:cs typeface="Times New Roman" panose="02020603050405020304" pitchFamily="18" charset="0"/>
+              </a:rPr>
+              <a:t> – Cent OS 7 / Linux Debian 11.</a:t>
+            </a:r>
+            <a:endParaRPr lang="ru-RU" sz="2200" dirty="0">
+              <a:latin typeface="Times New Roman" panose="02020603050405020304" pitchFamily="18" charset="0"/>
+              <a:cs typeface="Times New Roman" panose="02020603050405020304" pitchFamily="18" charset="0"/>
+            </a:endParaRPr>
+          </a:p>
+          <a:p>
+            <a:pPr marL="800100" lvl="1" indent="-342900">
+              <a:lnSpc>
+                <a:spcPct val="150000"/>
+              </a:lnSpc>
+              <a:buFont typeface="Arial" panose="020B0604020202020204" pitchFamily="34" charset="0"/>
+              <a:buChar char="•"/>
+            </a:pPr>
+            <a:r>
+              <a:rPr lang="ru-RU" sz="2200" dirty="0">
+                <a:latin typeface="Times New Roman" panose="02020603050405020304" pitchFamily="18" charset="0"/>
+                <a:cs typeface="Times New Roman" panose="02020603050405020304" pitchFamily="18" charset="0"/>
+              </a:rPr>
+              <a:t>Процессор не ниже 2,6 ГГц</a:t>
+            </a:r>
+            <a:r>
+              <a:rPr lang="en-US" sz="2200" dirty="0">
+                <a:latin typeface="Times New Roman" panose="02020603050405020304" pitchFamily="18" charset="0"/>
+                <a:cs typeface="Times New Roman" panose="02020603050405020304" pitchFamily="18" charset="0"/>
+              </a:rPr>
+              <a:t>.</a:t>
+            </a:r>
+            <a:endParaRPr lang="ru-RU" sz="2200" dirty="0">
+              <a:latin typeface="Times New Roman" panose="02020603050405020304" pitchFamily="18" charset="0"/>
+              <a:cs typeface="Times New Roman" panose="02020603050405020304" pitchFamily="18" charset="0"/>
+            </a:endParaRPr>
+          </a:p>
+          <a:p>
+            <a:pPr marL="800100" lvl="1" indent="-342900">
+              <a:lnSpc>
+                <a:spcPct val="150000"/>
+              </a:lnSpc>
+              <a:buFont typeface="Arial" panose="020B0604020202020204" pitchFamily="34" charset="0"/>
+              <a:buChar char="•"/>
+            </a:pPr>
+            <a:r>
+              <a:rPr lang="ru-RU" sz="2200" dirty="0">
+                <a:latin typeface="Times New Roman" panose="02020603050405020304" pitchFamily="18" charset="0"/>
+                <a:cs typeface="Times New Roman" panose="02020603050405020304" pitchFamily="18" charset="0"/>
+              </a:rPr>
+              <a:t>ОЗУ не меньше 8 Гб</a:t>
+            </a:r>
+            <a:r>
+              <a:rPr lang="en-US" sz="2200" dirty="0">
+                <a:latin typeface="Times New Roman" panose="02020603050405020304" pitchFamily="18" charset="0"/>
+                <a:cs typeface="Times New Roman" panose="02020603050405020304" pitchFamily="18" charset="0"/>
+              </a:rPr>
+              <a:t>.</a:t>
+            </a:r>
+            <a:endParaRPr lang="ru-RU" sz="2200" dirty="0">
+              <a:latin typeface="Times New Roman" panose="02020603050405020304" pitchFamily="18" charset="0"/>
+              <a:cs typeface="Times New Roman" panose="02020603050405020304" pitchFamily="18" charset="0"/>
+            </a:endParaRPr>
+          </a:p>
+          <a:p>
+            <a:pPr marL="800100" lvl="1" indent="-342900">
+              <a:lnSpc>
+                <a:spcPct val="150000"/>
+              </a:lnSpc>
+              <a:buFont typeface="Arial" panose="020B0604020202020204" pitchFamily="34" charset="0"/>
+              <a:buChar char="•"/>
+            </a:pPr>
+            <a:r>
+              <a:rPr lang="en-US" sz="2200" dirty="0">
+                <a:latin typeface="Times New Roman" panose="02020603050405020304" pitchFamily="18" charset="0"/>
+                <a:cs typeface="Times New Roman" panose="02020603050405020304" pitchFamily="18" charset="0"/>
+              </a:rPr>
+              <a:t>HDD  200</a:t>
+            </a:r>
+            <a:r>
+              <a:rPr lang="ru-RU" sz="2200" dirty="0">
+                <a:latin typeface="Times New Roman" panose="02020603050405020304" pitchFamily="18" charset="0"/>
+                <a:cs typeface="Times New Roman" panose="02020603050405020304" pitchFamily="18" charset="0"/>
+              </a:rPr>
+              <a:t> Гб</a:t>
+            </a:r>
+            <a:r>
+              <a:rPr lang="en-US" sz="2200" dirty="0">
+                <a:latin typeface="Times New Roman" panose="02020603050405020304" pitchFamily="18" charset="0"/>
+                <a:cs typeface="Times New Roman" panose="02020603050405020304" pitchFamily="18" charset="0"/>
+              </a:rPr>
+              <a:t>.</a:t>
+            </a:r>
+            <a:endParaRPr lang="ru-RU" sz="2200" dirty="0">
+              <a:latin typeface="Times New Roman" panose="02020603050405020304" pitchFamily="18" charset="0"/>
+              <a:cs typeface="Times New Roman" panose="02020603050405020304" pitchFamily="18" charset="0"/>
+            </a:endParaRPr>
+          </a:p>
+          <a:p>
+            <a:pPr>
+              <a:lnSpc>
+                <a:spcPct val="125000"/>
+              </a:lnSpc>
+            </a:pPr>
+            <a:endParaRPr lang="en-US" sz="2200" dirty="0">
+              <a:latin typeface="Times New Roman" panose="02020603050405020304" pitchFamily="18" charset="0"/>
+              <a:cs typeface="Times New Roman" panose="02020603050405020304" pitchFamily="18" charset="0"/>
+            </a:endParaRPr>
+          </a:p>
+        </p:txBody>
+      </p:sp>
+      <p:sp>
+        <p:nvSpPr>
+          <p:cNvPr id="8" name="Номер слайда 4">
+            <a:extLst>
+              <a:ext uri="{FF2B5EF4-FFF2-40B4-BE49-F238E27FC236}">
+                <a16:creationId xmlns:a16="http://schemas.microsoft.com/office/drawing/2014/main" id="{C5B64F97-D6A0-FC0D-8E50-8227B356EE18}"/>
+              </a:ext>
+            </a:extLst>
+          </p:cNvPr>
+          <p:cNvSpPr txBox="1">
+            <a:spLocks/>
+          </p:cNvSpPr>
+          <p:nvPr/>
+        </p:nvSpPr>
+        <p:spPr>
+          <a:xfrm>
+            <a:off x="11171852" y="0"/>
+            <a:ext cx="1020148" cy="658368"/>
+          </a:xfrm>
+          <a:prstGeom prst="rect">
+            <a:avLst/>
+          </a:prstGeom>
+        </p:spPr>
+        <p:txBody>
+          <a:bodyPr vert="horz" lIns="91440" tIns="45720" rIns="91440" bIns="45720" rtlCol="0" anchor="ctr"/>
+          <a:lstStyle>
+            <a:defPPr>
+              <a:defRPr lang="en-US"/>
+            </a:defPPr>
+            <a:lvl1pPr marL="0" algn="r" defTabSz="457200" rtl="0" eaLnBrk="1" latinLnBrk="0" hangingPunct="1">
+              <a:defRPr sz="1000" b="0" i="0" kern="1200">
+                <a:solidFill>
+                  <a:schemeClr val="tx1"/>
+                </a:solidFill>
+                <a:effectLst/>
+                <a:latin typeface="+mn-lt"/>
+                <a:ea typeface="+mn-ea"/>
+                <a:cs typeface="+mn-cs"/>
+              </a:defRPr>
+            </a:lvl1pPr>
+            <a:lvl2pPr marL="457200" algn="l" defTabSz="457200" rtl="0" eaLnBrk="1" latinLnBrk="0" hangingPunct="1">
+              <a:defRPr sz="1800" kern="1200">
+                <a:solidFill>
+                  <a:schemeClr val="tx1"/>
+                </a:solidFill>
+                <a:latin typeface="+mn-lt"/>
+                <a:ea typeface="+mn-ea"/>
+                <a:cs typeface="+mn-cs"/>
+              </a:defRPr>
+            </a:lvl2pPr>
+            <a:lvl3pPr marL="914400" algn="l" defTabSz="457200" rtl="0" eaLnBrk="1" latinLnBrk="0" hangingPunct="1">
+              <a:defRPr sz="1800" kern="1200">
+                <a:solidFill>
+                  <a:schemeClr val="tx1"/>
+                </a:solidFill>
+                <a:latin typeface="+mn-lt"/>
+                <a:ea typeface="+mn-ea"/>
+                <a:cs typeface="+mn-cs"/>
+              </a:defRPr>
+            </a:lvl3pPr>
+            <a:lvl4pPr marL="1371600" algn="l" defTabSz="457200" rtl="0" eaLnBrk="1" latinLnBrk="0" hangingPunct="1">
+              <a:defRPr sz="1800" kern="1200">
+                <a:solidFill>
+                  <a:schemeClr val="tx1"/>
+                </a:solidFill>
+                <a:latin typeface="+mn-lt"/>
+                <a:ea typeface="+mn-ea"/>
+                <a:cs typeface="+mn-cs"/>
+              </a:defRPr>
+            </a:lvl4pPr>
+            <a:lvl5pPr marL="1828800" algn="l" defTabSz="457200" rtl="0" eaLnBrk="1" latinLnBrk="0" hangingPunct="1">
+              <a:defRPr sz="1800" kern="1200">
+                <a:solidFill>
+                  <a:schemeClr val="tx1"/>
+                </a:solidFill>
+                <a:latin typeface="+mn-lt"/>
+                <a:ea typeface="+mn-ea"/>
+                <a:cs typeface="+mn-cs"/>
+              </a:defRPr>
+            </a:lvl5pPr>
+            <a:lvl6pPr marL="2286000" algn="l" defTabSz="457200" rtl="0" eaLnBrk="1" latinLnBrk="0" hangingPunct="1">
+              <a:defRPr sz="1800" kern="1200">
+                <a:solidFill>
+                  <a:schemeClr val="tx1"/>
+                </a:solidFill>
+                <a:latin typeface="+mn-lt"/>
+                <a:ea typeface="+mn-ea"/>
+                <a:cs typeface="+mn-cs"/>
+              </a:defRPr>
+            </a:lvl6pPr>
+            <a:lvl7pPr marL="2743200" algn="l" defTabSz="457200" rtl="0" eaLnBrk="1" latinLnBrk="0" hangingPunct="1">
+              <a:defRPr sz="1800" kern="1200">
+                <a:solidFill>
+                  <a:schemeClr val="tx1"/>
+                </a:solidFill>
+                <a:latin typeface="+mn-lt"/>
+                <a:ea typeface="+mn-ea"/>
+                <a:cs typeface="+mn-cs"/>
+              </a:defRPr>
+            </a:lvl7pPr>
+            <a:lvl8pPr marL="3200400" algn="l" defTabSz="457200" rtl="0" eaLnBrk="1" latinLnBrk="0" hangingPunct="1">
+              <a:defRPr sz="1800" kern="1200">
+                <a:solidFill>
+                  <a:schemeClr val="tx1"/>
+                </a:solidFill>
+                <a:latin typeface="+mn-lt"/>
+                <a:ea typeface="+mn-ea"/>
+                <a:cs typeface="+mn-cs"/>
+              </a:defRPr>
+            </a:lvl8pPr>
+            <a:lvl9pPr marL="3657600" algn="l" defTabSz="457200" rtl="0" eaLnBrk="1" latinLnBrk="0" hangingPunct="1">
+              <a:defRPr sz="1800" kern="1200">
+                <a:solidFill>
+                  <a:schemeClr val="tx1"/>
+                </a:solidFill>
+                <a:latin typeface="+mn-lt"/>
+                <a:ea typeface="+mn-ea"/>
+                <a:cs typeface="+mn-cs"/>
+              </a:defRPr>
+            </a:lvl9pPr>
+          </a:lstStyle>
+          <a:p>
+            <a:pPr algn="ctr"/>
+            <a:fld id="{E674C0A0-8DE9-4942-9F1B-2332F349D007}" type="slidenum">
+              <a:rPr lang="ru-RU" sz="2200" smtClean="0">
+                <a:latin typeface="Tahoma" panose="020B0604030504040204" pitchFamily="34" charset="0"/>
+                <a:ea typeface="Tahoma" panose="020B0604030504040204" pitchFamily="34" charset="0"/>
+                <a:cs typeface="Tahoma" panose="020B0604030504040204" pitchFamily="34" charset="0"/>
+              </a:rPr>
+              <a:pPr algn="ctr"/>
+              <a:t>18</a:t>
+            </a:fld>
+            <a:endParaRPr lang="ru-RU" sz="2200" dirty="0">
+              <a:latin typeface="Tahoma" panose="020B0604030504040204" pitchFamily="34" charset="0"/>
+              <a:ea typeface="Tahoma" panose="020B0604030504040204" pitchFamily="34" charset="0"/>
+              <a:cs typeface="Tahoma" panose="020B0604030504040204" pitchFamily="34" charset="0"/>
+            </a:endParaRPr>
+          </a:p>
+        </p:txBody>
+      </p:sp>
+    </p:spTree>
+    <p:extLst>
+      <p:ext uri="{BB962C8B-B14F-4D97-AF65-F5344CB8AC3E}">
+        <p14:creationId xmlns:p14="http://schemas.microsoft.com/office/powerpoint/2010/main" val="3612000258"/>
+      </p:ext>
+    </p:extLst>
+  </p:cSld>
+  <p:clrMapOvr>
+    <a:masterClrMapping/>
+  </p:clrMapOvr>
+  <mc:AlternateContent xmlns:mc="http://schemas.openxmlformats.org/markup-compatibility/2006" xmlns:p14="http://schemas.microsoft.com/office/powerpoint/2010/main">
+    <mc:Choice Requires="p14">
+      <p:transition spd="med" p14:dur="700">
+        <p:fade/>
+      </p:transition>
+    </mc:Choice>
+    <mc:Fallback xmlns="">
+      <p:transition spd="med">
+        <p:fade/>
+      </p:transition>
+    </mc:Fallback>
+  </mc:AlternateContent>
+</p:sld>
+</file>
+
+<file path=ppt/slides/slide19.xml><?xml version="1.0" encoding="utf-8"?>
+<p:sld xmlns:a="http://schemas.openxmlformats.org/drawingml/2006/main" xmlns:r="http://schemas.openxmlformats.org/officeDocument/2006/relationships" xmlns:p="http://schemas.openxmlformats.org/presentationml/2006/main">
+  <p:cSld>
+    <p:spTree>
+      <p:nvGrpSpPr>
+        <p:cNvPr id="1" name=""/>
+        <p:cNvGrpSpPr/>
+        <p:nvPr/>
+      </p:nvGrpSpPr>
+      <p:grpSpPr>
+        <a:xfrm>
+          <a:off x="0" y="0"/>
+          <a:ext cx="0" cy="0"/>
+          <a:chOff x="0" y="0"/>
+          <a:chExt cx="0" cy="0"/>
+        </a:xfrm>
+      </p:grpSpPr>
+      <p:sp>
+        <p:nvSpPr>
+          <p:cNvPr id="2" name="Заголовок 1">
+            <a:extLst>
+              <a:ext uri="{FF2B5EF4-FFF2-40B4-BE49-F238E27FC236}">
                 <a16:creationId xmlns:a16="http://schemas.microsoft.com/office/drawing/2014/main" id="{131AF62D-63AD-D33F-E646-0AF822E31EE6}"/>
               </a:ext>
             </a:extLst>
@@ -24829,7 +25109,7 @@
                 <a:cs typeface="Tahoma" panose="020B0604030504040204" pitchFamily="34" charset="0"/>
               </a:rPr>
               <a:pPr algn="ctr"/>
-              <a:t>18</a:t>
+              <a:t>19</a:t>
             </a:fld>
             <a:endParaRPr lang="ru-RU" sz="2200" dirty="0">
               <a:latin typeface="Tahoma" panose="020B0604030504040204" pitchFamily="34" charset="0"/>
@@ -25267,286 +25547,6 @@
     <p:extLst>
       <p:ext uri="{BB962C8B-B14F-4D97-AF65-F5344CB8AC3E}">
         <p14:creationId xmlns:p14="http://schemas.microsoft.com/office/powerpoint/2010/main" val="1581003504"/>
-      </p:ext>
-    </p:extLst>
-  </p:cSld>
-  <p:clrMapOvr>
-    <a:masterClrMapping/>
-  </p:clrMapOvr>
-  <mc:AlternateContent xmlns:mc="http://schemas.openxmlformats.org/markup-compatibility/2006" xmlns:p14="http://schemas.microsoft.com/office/powerpoint/2010/main">
-    <mc:Choice Requires="p14">
-      <p:transition spd="med" p14:dur="700">
-        <p:fade/>
-      </p:transition>
-    </mc:Choice>
-    <mc:Fallback xmlns="">
-      <p:transition spd="med">
-        <p:fade/>
-      </p:transition>
-    </mc:Fallback>
-  </mc:AlternateContent>
-</p:sld>
-</file>
-
-<file path=ppt/slides/slide19.xml><?xml version="1.0" encoding="utf-8"?>
-<p:sld xmlns:a="http://schemas.openxmlformats.org/drawingml/2006/main" xmlns:r="http://schemas.openxmlformats.org/officeDocument/2006/relationships" xmlns:p="http://schemas.openxmlformats.org/presentationml/2006/main">
-  <p:cSld>
-    <p:spTree>
-      <p:nvGrpSpPr>
-        <p:cNvPr id="1" name=""/>
-        <p:cNvGrpSpPr/>
-        <p:nvPr/>
-      </p:nvGrpSpPr>
-      <p:grpSpPr>
-        <a:xfrm>
-          <a:off x="0" y="0"/>
-          <a:ext cx="0" cy="0"/>
-          <a:chOff x="0" y="0"/>
-          <a:chExt cx="0" cy="0"/>
-        </a:xfrm>
-      </p:grpSpPr>
-      <p:sp>
-        <p:nvSpPr>
-          <p:cNvPr id="2" name="Заголовок 1">
-            <a:extLst>
-              <a:ext uri="{FF2B5EF4-FFF2-40B4-BE49-F238E27FC236}">
-                <a16:creationId xmlns:a16="http://schemas.microsoft.com/office/drawing/2014/main" id="{23799081-69DC-E5FF-6C44-EE26B275098A}"/>
-              </a:ext>
-            </a:extLst>
-          </p:cNvPr>
-          <p:cNvSpPr>
-            <a:spLocks noGrp="1"/>
-          </p:cNvSpPr>
-          <p:nvPr>
-            <p:ph type="title"/>
-          </p:nvPr>
-        </p:nvSpPr>
-        <p:spPr>
-          <a:xfrm>
-            <a:off x="1" y="9144"/>
-            <a:ext cx="12191999" cy="731520"/>
-          </a:xfrm>
-        </p:spPr>
-        <p:txBody>
-          <a:bodyPr>
-            <a:noAutofit/>
-          </a:bodyPr>
-          <a:lstStyle/>
-          <a:p>
-            <a:pPr algn="ctr"/>
-            <a:r>
-              <a:rPr lang="ru-RU" dirty="0">
-                <a:latin typeface="Times New Roman" panose="02020603050405020304" pitchFamily="18" charset="0"/>
-                <a:cs typeface="Times New Roman" panose="02020603050405020304" pitchFamily="18" charset="0"/>
-              </a:rPr>
-              <a:t>БЕЗОПАСНОСТЬ</a:t>
-            </a:r>
-            <a:endParaRPr lang="ru-RU" dirty="0"/>
-          </a:p>
-        </p:txBody>
-      </p:sp>
-      <p:sp>
-        <p:nvSpPr>
-          <p:cNvPr id="5" name="Номер слайда 4">
-            <a:extLst>
-              <a:ext uri="{FF2B5EF4-FFF2-40B4-BE49-F238E27FC236}">
-                <a16:creationId xmlns:a16="http://schemas.microsoft.com/office/drawing/2014/main" id="{F9D77489-2275-14CA-926D-64F6E9FF9334}"/>
-              </a:ext>
-            </a:extLst>
-          </p:cNvPr>
-          <p:cNvSpPr txBox="1">
-            <a:spLocks/>
-          </p:cNvSpPr>
-          <p:nvPr/>
-        </p:nvSpPr>
-        <p:spPr>
-          <a:xfrm>
-            <a:off x="11171852" y="0"/>
-            <a:ext cx="1020148" cy="658368"/>
-          </a:xfrm>
-          <a:prstGeom prst="rect">
-            <a:avLst/>
-          </a:prstGeom>
-        </p:spPr>
-        <p:txBody>
-          <a:bodyPr vert="horz" lIns="91440" tIns="45720" rIns="91440" bIns="45720" rtlCol="0" anchor="ctr"/>
-          <a:lstStyle>
-            <a:defPPr>
-              <a:defRPr lang="en-US"/>
-            </a:defPPr>
-            <a:lvl1pPr marL="0" algn="r" defTabSz="457200" rtl="0" eaLnBrk="1" latinLnBrk="0" hangingPunct="1">
-              <a:defRPr sz="1000" b="0" i="0" kern="1200">
-                <a:solidFill>
-                  <a:schemeClr val="tx1"/>
-                </a:solidFill>
-                <a:effectLst/>
-                <a:latin typeface="+mn-lt"/>
-                <a:ea typeface="+mn-ea"/>
-                <a:cs typeface="+mn-cs"/>
-              </a:defRPr>
-            </a:lvl1pPr>
-            <a:lvl2pPr marL="457200" algn="l" defTabSz="457200" rtl="0" eaLnBrk="1" latinLnBrk="0" hangingPunct="1">
-              <a:defRPr sz="1800" kern="1200">
-                <a:solidFill>
-                  <a:schemeClr val="tx1"/>
-                </a:solidFill>
-                <a:latin typeface="+mn-lt"/>
-                <a:ea typeface="+mn-ea"/>
-                <a:cs typeface="+mn-cs"/>
-              </a:defRPr>
-            </a:lvl2pPr>
-            <a:lvl3pPr marL="914400" algn="l" defTabSz="457200" rtl="0" eaLnBrk="1" latinLnBrk="0" hangingPunct="1">
-              <a:defRPr sz="1800" kern="1200">
-                <a:solidFill>
-                  <a:schemeClr val="tx1"/>
-                </a:solidFill>
-                <a:latin typeface="+mn-lt"/>
-                <a:ea typeface="+mn-ea"/>
-                <a:cs typeface="+mn-cs"/>
-              </a:defRPr>
-            </a:lvl3pPr>
-            <a:lvl4pPr marL="1371600" algn="l" defTabSz="457200" rtl="0" eaLnBrk="1" latinLnBrk="0" hangingPunct="1">
-              <a:defRPr sz="1800" kern="1200">
-                <a:solidFill>
-                  <a:schemeClr val="tx1"/>
-                </a:solidFill>
-                <a:latin typeface="+mn-lt"/>
-                <a:ea typeface="+mn-ea"/>
-                <a:cs typeface="+mn-cs"/>
-              </a:defRPr>
-            </a:lvl4pPr>
-            <a:lvl5pPr marL="1828800" algn="l" defTabSz="457200" rtl="0" eaLnBrk="1" latinLnBrk="0" hangingPunct="1">
-              <a:defRPr sz="1800" kern="1200">
-                <a:solidFill>
-                  <a:schemeClr val="tx1"/>
-                </a:solidFill>
-                <a:latin typeface="+mn-lt"/>
-                <a:ea typeface="+mn-ea"/>
-                <a:cs typeface="+mn-cs"/>
-              </a:defRPr>
-            </a:lvl5pPr>
-            <a:lvl6pPr marL="2286000" algn="l" defTabSz="457200" rtl="0" eaLnBrk="1" latinLnBrk="0" hangingPunct="1">
-              <a:defRPr sz="1800" kern="1200">
-                <a:solidFill>
-                  <a:schemeClr val="tx1"/>
-                </a:solidFill>
-                <a:latin typeface="+mn-lt"/>
-                <a:ea typeface="+mn-ea"/>
-                <a:cs typeface="+mn-cs"/>
-              </a:defRPr>
-            </a:lvl6pPr>
-            <a:lvl7pPr marL="2743200" algn="l" defTabSz="457200" rtl="0" eaLnBrk="1" latinLnBrk="0" hangingPunct="1">
-              <a:defRPr sz="1800" kern="1200">
-                <a:solidFill>
-                  <a:schemeClr val="tx1"/>
-                </a:solidFill>
-                <a:latin typeface="+mn-lt"/>
-                <a:ea typeface="+mn-ea"/>
-                <a:cs typeface="+mn-cs"/>
-              </a:defRPr>
-            </a:lvl7pPr>
-            <a:lvl8pPr marL="3200400" algn="l" defTabSz="457200" rtl="0" eaLnBrk="1" latinLnBrk="0" hangingPunct="1">
-              <a:defRPr sz="1800" kern="1200">
-                <a:solidFill>
-                  <a:schemeClr val="tx1"/>
-                </a:solidFill>
-                <a:latin typeface="+mn-lt"/>
-                <a:ea typeface="+mn-ea"/>
-                <a:cs typeface="+mn-cs"/>
-              </a:defRPr>
-            </a:lvl8pPr>
-            <a:lvl9pPr marL="3657600" algn="l" defTabSz="457200" rtl="0" eaLnBrk="1" latinLnBrk="0" hangingPunct="1">
-              <a:defRPr sz="1800" kern="1200">
-                <a:solidFill>
-                  <a:schemeClr val="tx1"/>
-                </a:solidFill>
-                <a:latin typeface="+mn-lt"/>
-                <a:ea typeface="+mn-ea"/>
-                <a:cs typeface="+mn-cs"/>
-              </a:defRPr>
-            </a:lvl9pPr>
-          </a:lstStyle>
-          <a:p>
-            <a:pPr algn="ctr"/>
-            <a:fld id="{E674C0A0-8DE9-4942-9F1B-2332F349D007}" type="slidenum">
-              <a:rPr lang="ru-RU" sz="2200" smtClean="0">
-                <a:latin typeface="Tahoma" panose="020B0604030504040204" pitchFamily="34" charset="0"/>
-                <a:ea typeface="Tahoma" panose="020B0604030504040204" pitchFamily="34" charset="0"/>
-                <a:cs typeface="Tahoma" panose="020B0604030504040204" pitchFamily="34" charset="0"/>
-              </a:rPr>
-              <a:pPr algn="ctr"/>
-              <a:t>19</a:t>
-            </a:fld>
-            <a:endParaRPr lang="ru-RU" sz="2200" dirty="0">
-              <a:latin typeface="Tahoma" panose="020B0604030504040204" pitchFamily="34" charset="0"/>
-              <a:ea typeface="Tahoma" panose="020B0604030504040204" pitchFamily="34" charset="0"/>
-              <a:cs typeface="Tahoma" panose="020B0604030504040204" pitchFamily="34" charset="0"/>
-            </a:endParaRPr>
-          </a:p>
-        </p:txBody>
-      </p:sp>
-      <p:sp>
-        <p:nvSpPr>
-          <p:cNvPr id="4" name="TextBox 3">
-            <a:extLst>
-              <a:ext uri="{FF2B5EF4-FFF2-40B4-BE49-F238E27FC236}">
-                <a16:creationId xmlns:a16="http://schemas.microsoft.com/office/drawing/2014/main" id="{DCEDC5D2-5CCB-6C7C-3CE1-37BE6A614728}"/>
-              </a:ext>
-            </a:extLst>
-          </p:cNvPr>
-          <p:cNvSpPr txBox="1"/>
-          <p:nvPr/>
-        </p:nvSpPr>
-        <p:spPr>
-          <a:xfrm>
-            <a:off x="562707" y="899690"/>
-            <a:ext cx="11170489" cy="5683486"/>
-          </a:xfrm>
-          <a:prstGeom prst="rect">
-            <a:avLst/>
-          </a:prstGeom>
-          <a:noFill/>
-        </p:spPr>
-        <p:txBody>
-          <a:bodyPr wrap="square" rtlCol="0">
-            <a:noAutofit/>
-          </a:bodyPr>
-          <a:lstStyle/>
-          <a:p>
-            <a:pPr algn="ctr">
-              <a:lnSpc>
-                <a:spcPct val="125000"/>
-              </a:lnSpc>
-            </a:pPr>
-            <a:r>
-              <a:rPr lang="ru-RU" sz="2200" dirty="0">
-                <a:solidFill>
-                  <a:srgbClr val="FFFF00"/>
-                </a:solidFill>
-                <a:latin typeface="Tahoma" panose="020B0604030504040204" pitchFamily="34" charset="0"/>
-                <a:ea typeface="Tahoma" panose="020B0604030504040204" pitchFamily="34" charset="0"/>
-                <a:cs typeface="Tahoma" panose="020B0604030504040204" pitchFamily="34" charset="0"/>
-              </a:rPr>
-              <a:t>ПРО БЕЗОПАСНОСТЬ</a:t>
-            </a:r>
-          </a:p>
-          <a:p>
-            <a:pPr>
-              <a:lnSpc>
-                <a:spcPct val="125000"/>
-              </a:lnSpc>
-            </a:pPr>
-            <a:endParaRPr lang="en-US" sz="2200" dirty="0">
-              <a:latin typeface="Times New Roman" panose="02020603050405020304" pitchFamily="18" charset="0"/>
-              <a:cs typeface="Times New Roman" panose="02020603050405020304" pitchFamily="18" charset="0"/>
-            </a:endParaRPr>
-          </a:p>
-        </p:txBody>
-      </p:sp>
-    </p:spTree>
-    <p:extLst>
-      <p:ext uri="{BB962C8B-B14F-4D97-AF65-F5344CB8AC3E}">
-        <p14:creationId xmlns:p14="http://schemas.microsoft.com/office/powerpoint/2010/main" val="2251701417"/>
       </p:ext>
     </p:extLst>
   </p:cSld>

--- a/Дипломная работа/Диплом/Презентация.pptx
+++ b/Дипломная работа/Диплом/Презентация.pptx
@@ -20,11 +20,11 @@
     <p:sldId id="320" r:id="rId11"/>
     <p:sldId id="302" r:id="rId12"/>
     <p:sldId id="323" r:id="rId13"/>
-    <p:sldId id="309" r:id="rId14"/>
+    <p:sldId id="286" r:id="rId14"/>
     <p:sldId id="322" r:id="rId15"/>
-    <p:sldId id="286" r:id="rId16"/>
-    <p:sldId id="326" r:id="rId17"/>
-    <p:sldId id="289" r:id="rId18"/>
+    <p:sldId id="326" r:id="rId16"/>
+    <p:sldId id="289" r:id="rId17"/>
+    <p:sldId id="309" r:id="rId18"/>
     <p:sldId id="313" r:id="rId19"/>
     <p:sldId id="274" r:id="rId20"/>
     <p:sldId id="287" r:id="rId21"/>
@@ -972,8 +972,101 @@
                 <a:ea typeface="+mn-ea"/>
                 <a:cs typeface="+mn-cs"/>
               </a:rPr>
-              <a:t>на данном слайде отображены основные разработанные интерфейсы системы.</a:t>
-            </a:r>
+              <a:t>на данном слайде отображена архитектура разрабатываемого приложения. Обмен между клиентом и сервером происходит по протоколу </a:t>
+            </a:r>
+            <a:r>
+              <a:rPr lang="en-US" sz="1200" kern="1200" dirty="0">
+                <a:solidFill>
+                  <a:schemeClr val="tx1"/>
+                </a:solidFill>
+                <a:effectLst/>
+                <a:latin typeface="+mn-lt"/>
+                <a:ea typeface="+mn-ea"/>
+                <a:cs typeface="+mn-cs"/>
+              </a:rPr>
+              <a:t>HTTPs</a:t>
+            </a:r>
+            <a:r>
+              <a:rPr lang="ru-RU" sz="1200" kern="1200" dirty="0">
+                <a:solidFill>
+                  <a:schemeClr val="tx1"/>
+                </a:solidFill>
+                <a:effectLst/>
+                <a:latin typeface="+mn-lt"/>
+                <a:ea typeface="+mn-ea"/>
+                <a:cs typeface="+mn-cs"/>
+              </a:rPr>
+              <a:t>. Доступ к архивным файлам, находящимся на Яндекс Диске проходит через </a:t>
+            </a:r>
+            <a:r>
+              <a:rPr lang="en-US" sz="1200" kern="1200" dirty="0">
+                <a:solidFill>
+                  <a:schemeClr val="tx1"/>
+                </a:solidFill>
+                <a:effectLst/>
+                <a:latin typeface="+mn-lt"/>
+                <a:ea typeface="+mn-ea"/>
+                <a:cs typeface="+mn-cs"/>
+              </a:rPr>
+              <a:t>API</a:t>
+            </a:r>
+            <a:r>
+              <a:rPr lang="ru-RU" sz="1200" kern="1200" dirty="0">
+                <a:solidFill>
+                  <a:schemeClr val="tx1"/>
+                </a:solidFill>
+                <a:effectLst/>
+                <a:latin typeface="+mn-lt"/>
+                <a:ea typeface="+mn-ea"/>
+                <a:cs typeface="+mn-cs"/>
+              </a:rPr>
+              <a:t> и брокер сообщений </a:t>
+            </a:r>
+            <a:r>
+              <a:rPr lang="en-US" sz="1200" kern="1200" dirty="0">
+                <a:solidFill>
+                  <a:schemeClr val="tx1"/>
+                </a:solidFill>
+                <a:effectLst/>
+                <a:latin typeface="+mn-lt"/>
+                <a:ea typeface="+mn-ea"/>
+                <a:cs typeface="+mn-cs"/>
+              </a:rPr>
+              <a:t>RabbitMQ</a:t>
+            </a:r>
+            <a:r>
+              <a:rPr lang="ru-RU" sz="1200" kern="1200" dirty="0">
+                <a:solidFill>
+                  <a:schemeClr val="tx1"/>
+                </a:solidFill>
+                <a:effectLst/>
+                <a:latin typeface="+mn-lt"/>
+                <a:ea typeface="+mn-ea"/>
+                <a:cs typeface="+mn-cs"/>
+              </a:rPr>
+              <a:t>. Актуальные файлы хранятся непосредственно на сервере для быстрого доступа к ним.</a:t>
+            </a:r>
+            <a:r>
+              <a:rPr lang="ru-RU" sz="1200" b="1" kern="1200" dirty="0">
+                <a:solidFill>
+                  <a:schemeClr val="tx1"/>
+                </a:solidFill>
+                <a:effectLst/>
+                <a:latin typeface="+mn-lt"/>
+                <a:ea typeface="+mn-ea"/>
+                <a:cs typeface="+mn-cs"/>
+              </a:rPr>
+              <a:t>  </a:t>
+            </a:r>
+            <a:endParaRPr lang="ru-RU" sz="1200" kern="1200" dirty="0">
+              <a:solidFill>
+                <a:schemeClr val="tx1"/>
+              </a:solidFill>
+              <a:effectLst/>
+              <a:latin typeface="+mn-lt"/>
+              <a:ea typeface="+mn-ea"/>
+              <a:cs typeface="+mn-cs"/>
+            </a:endParaRPr>
           </a:p>
           <a:p>
             <a:endParaRPr lang="ru-RU" dirty="0"/>
@@ -1006,7 +1099,7 @@
     </p:spTree>
     <p:extLst>
       <p:ext uri="{BB962C8B-B14F-4D97-AF65-F5344CB8AC3E}">
-        <p14:creationId xmlns:p14="http://schemas.microsoft.com/office/powerpoint/2010/main" val="2145265479"/>
+        <p14:creationId xmlns:p14="http://schemas.microsoft.com/office/powerpoint/2010/main" val="2106793825"/>
       </p:ext>
     </p:extLst>
   </p:cSld>
@@ -1197,101 +1290,8 @@
                 <a:ea typeface="+mn-ea"/>
                 <a:cs typeface="+mn-cs"/>
               </a:rPr>
-              <a:t>на данном слайде отображена архитектура разрабатываемого приложения. Обмен между клиентом и сервером происходит по протоколу </a:t>
-            </a:r>
-            <a:r>
-              <a:rPr lang="en-US" sz="1200" kern="1200" dirty="0">
-                <a:solidFill>
-                  <a:schemeClr val="tx1"/>
-                </a:solidFill>
-                <a:effectLst/>
-                <a:latin typeface="+mn-lt"/>
-                <a:ea typeface="+mn-ea"/>
-                <a:cs typeface="+mn-cs"/>
-              </a:rPr>
-              <a:t>HTTPs</a:t>
-            </a:r>
-            <a:r>
-              <a:rPr lang="ru-RU" sz="1200" kern="1200" dirty="0">
-                <a:solidFill>
-                  <a:schemeClr val="tx1"/>
-                </a:solidFill>
-                <a:effectLst/>
-                <a:latin typeface="+mn-lt"/>
-                <a:ea typeface="+mn-ea"/>
-                <a:cs typeface="+mn-cs"/>
-              </a:rPr>
-              <a:t>. Доступ к архивным файлам, находящимся на Яндекс Диске проходит через </a:t>
-            </a:r>
-            <a:r>
-              <a:rPr lang="en-US" sz="1200" kern="1200" dirty="0">
-                <a:solidFill>
-                  <a:schemeClr val="tx1"/>
-                </a:solidFill>
-                <a:effectLst/>
-                <a:latin typeface="+mn-lt"/>
-                <a:ea typeface="+mn-ea"/>
-                <a:cs typeface="+mn-cs"/>
-              </a:rPr>
-              <a:t>API</a:t>
-            </a:r>
-            <a:r>
-              <a:rPr lang="ru-RU" sz="1200" kern="1200" dirty="0">
-                <a:solidFill>
-                  <a:schemeClr val="tx1"/>
-                </a:solidFill>
-                <a:effectLst/>
-                <a:latin typeface="+mn-lt"/>
-                <a:ea typeface="+mn-ea"/>
-                <a:cs typeface="+mn-cs"/>
-              </a:rPr>
-              <a:t> и брокер сообщений </a:t>
-            </a:r>
-            <a:r>
-              <a:rPr lang="en-US" sz="1200" kern="1200" dirty="0">
-                <a:solidFill>
-                  <a:schemeClr val="tx1"/>
-                </a:solidFill>
-                <a:effectLst/>
-                <a:latin typeface="+mn-lt"/>
-                <a:ea typeface="+mn-ea"/>
-                <a:cs typeface="+mn-cs"/>
-              </a:rPr>
-              <a:t>RabbitMQ</a:t>
-            </a:r>
-            <a:r>
-              <a:rPr lang="ru-RU" sz="1200" kern="1200" dirty="0">
-                <a:solidFill>
-                  <a:schemeClr val="tx1"/>
-                </a:solidFill>
-                <a:effectLst/>
-                <a:latin typeface="+mn-lt"/>
-                <a:ea typeface="+mn-ea"/>
-                <a:cs typeface="+mn-cs"/>
-              </a:rPr>
-              <a:t>. Актуальные файлы хранятся непосредственно на сервере для быстрого доступа к ним.</a:t>
-            </a:r>
-            <a:r>
-              <a:rPr lang="ru-RU" sz="1200" b="1" kern="1200" dirty="0">
-                <a:solidFill>
-                  <a:schemeClr val="tx1"/>
-                </a:solidFill>
-                <a:effectLst/>
-                <a:latin typeface="+mn-lt"/>
-                <a:ea typeface="+mn-ea"/>
-                <a:cs typeface="+mn-cs"/>
-              </a:rPr>
-              <a:t>  </a:t>
-            </a:r>
-            <a:endParaRPr lang="ru-RU" sz="1200" kern="1200" dirty="0">
-              <a:solidFill>
-                <a:schemeClr val="tx1"/>
-              </a:solidFill>
-              <a:effectLst/>
-              <a:latin typeface="+mn-lt"/>
-              <a:ea typeface="+mn-ea"/>
-              <a:cs typeface="+mn-cs"/>
-            </a:endParaRPr>
+              <a:t>Система была внедрена в «Региональный школьный технопарк» 14 апреля 2025 года. Соответствующий акт о внедрении представлен на слайде.</a:t>
+            </a:r>
           </a:p>
           <a:p>
             <a:endParaRPr lang="ru-RU" dirty="0"/>
@@ -1324,7 +1324,7 @@
     </p:spTree>
     <p:extLst>
       <p:ext uri="{BB962C8B-B14F-4D97-AF65-F5344CB8AC3E}">
-        <p14:creationId xmlns:p14="http://schemas.microsoft.com/office/powerpoint/2010/main" val="2106793825"/>
+        <p14:creationId xmlns:p14="http://schemas.microsoft.com/office/powerpoint/2010/main" val="2373569316"/>
       </p:ext>
     </p:extLst>
   </p:cSld>
@@ -1405,7 +1405,7 @@
                 <a:ea typeface="+mn-ea"/>
                 <a:cs typeface="+mn-cs"/>
               </a:rPr>
-              <a:t>Система была внедрена в «Региональный школьный технопарк» 14 апреля 2025 года. Соответствующий акт о внедрении представлен на слайде.</a:t>
+              <a:t>На данном слайде отображены основные сведения о разработанном программном продукте и средствах разработки. </a:t>
             </a:r>
           </a:p>
           <a:p>
@@ -1439,7 +1439,7 @@
     </p:spTree>
     <p:extLst>
       <p:ext uri="{BB962C8B-B14F-4D97-AF65-F5344CB8AC3E}">
-        <p14:creationId xmlns:p14="http://schemas.microsoft.com/office/powerpoint/2010/main" val="2373569316"/>
+        <p14:creationId xmlns:p14="http://schemas.microsoft.com/office/powerpoint/2010/main" val="2309492035"/>
       </p:ext>
     </p:extLst>
   </p:cSld>
@@ -1520,7 +1520,7 @@
                 <a:ea typeface="+mn-ea"/>
                 <a:cs typeface="+mn-cs"/>
               </a:rPr>
-              <a:t>На данном слайде отображены основные сведения о разработанном программном продукте и средствах разработки. </a:t>
+              <a:t>на данном слайде отображены основные разработанные интерфейсы системы.</a:t>
             </a:r>
           </a:p>
           <a:p>
@@ -1554,7 +1554,7 @@
     </p:spTree>
     <p:extLst>
       <p:ext uri="{BB962C8B-B14F-4D97-AF65-F5344CB8AC3E}">
-        <p14:creationId xmlns:p14="http://schemas.microsoft.com/office/powerpoint/2010/main" val="2309492035"/>
+        <p14:creationId xmlns:p14="http://schemas.microsoft.com/office/powerpoint/2010/main" val="2145265479"/>
       </p:ext>
     </p:extLst>
   </p:cSld>
@@ -20137,1087 +20137,6 @@
       </p:grpSpPr>
       <p:sp>
         <p:nvSpPr>
-          <p:cNvPr id="7" name="Заголовок 1">
-            <a:extLst>
-              <a:ext uri="{FF2B5EF4-FFF2-40B4-BE49-F238E27FC236}">
-                <a16:creationId xmlns:a16="http://schemas.microsoft.com/office/drawing/2014/main" id="{0AC31A72-5FA3-A939-1D1C-E89299BFE294}"/>
-              </a:ext>
-            </a:extLst>
-          </p:cNvPr>
-          <p:cNvSpPr>
-            <a:spLocks noGrp="1"/>
-          </p:cNvSpPr>
-          <p:nvPr>
-            <p:ph type="title"/>
-          </p:nvPr>
-        </p:nvSpPr>
-        <p:spPr>
-          <a:xfrm>
-            <a:off x="-1" y="0"/>
-            <a:ext cx="12191999" cy="600076"/>
-          </a:xfrm>
-        </p:spPr>
-        <p:txBody>
-          <a:bodyPr>
-            <a:noAutofit/>
-          </a:bodyPr>
-          <a:lstStyle/>
-          <a:p>
-            <a:pPr algn="ctr"/>
-            <a:r>
-              <a:rPr lang="ru-RU" dirty="0">
-                <a:latin typeface="Times New Roman" panose="02020603050405020304" pitchFamily="18" charset="0"/>
-                <a:cs typeface="Times New Roman" panose="02020603050405020304" pitchFamily="18" charset="0"/>
-              </a:rPr>
-              <a:t>РАЗРАБОТАННЫЕ ИНТЕРФЕЙСЫ</a:t>
-            </a:r>
-            <a:endParaRPr lang="ru-RU" dirty="0">
-              <a:solidFill>
-                <a:schemeClr val="tx1"/>
-              </a:solidFill>
-              <a:latin typeface="Times New Roman" panose="02020603050405020304" pitchFamily="18" charset="0"/>
-              <a:cs typeface="Times New Roman" panose="02020603050405020304" pitchFamily="18" charset="0"/>
-            </a:endParaRPr>
-          </a:p>
-        </p:txBody>
-      </p:sp>
-      <p:sp>
-        <p:nvSpPr>
-          <p:cNvPr id="14" name="Номер слайда 4">
-            <a:extLst>
-              <a:ext uri="{FF2B5EF4-FFF2-40B4-BE49-F238E27FC236}">
-                <a16:creationId xmlns:a16="http://schemas.microsoft.com/office/drawing/2014/main" id="{DB47AF26-AF92-C82B-7102-0AE934D6853A}"/>
-              </a:ext>
-            </a:extLst>
-          </p:cNvPr>
-          <p:cNvSpPr txBox="1">
-            <a:spLocks/>
-          </p:cNvSpPr>
-          <p:nvPr/>
-        </p:nvSpPr>
-        <p:spPr>
-          <a:xfrm>
-            <a:off x="11290040" y="0"/>
-            <a:ext cx="901959" cy="600076"/>
-          </a:xfrm>
-          <a:prstGeom prst="rect">
-            <a:avLst/>
-          </a:prstGeom>
-        </p:spPr>
-        <p:txBody>
-          <a:bodyPr vert="horz" lIns="91440" tIns="45720" rIns="91440" bIns="45720" rtlCol="0" anchor="ctr"/>
-          <a:lstStyle>
-            <a:defPPr>
-              <a:defRPr lang="en-US"/>
-            </a:defPPr>
-            <a:lvl1pPr marL="0" algn="r" defTabSz="457200" rtl="0" eaLnBrk="1" latinLnBrk="0" hangingPunct="1">
-              <a:defRPr sz="1000" b="0" i="0" kern="1200">
-                <a:solidFill>
-                  <a:schemeClr val="tx1"/>
-                </a:solidFill>
-                <a:effectLst/>
-                <a:latin typeface="+mn-lt"/>
-                <a:ea typeface="+mn-ea"/>
-                <a:cs typeface="+mn-cs"/>
-              </a:defRPr>
-            </a:lvl1pPr>
-            <a:lvl2pPr marL="457200" algn="l" defTabSz="457200" rtl="0" eaLnBrk="1" latinLnBrk="0" hangingPunct="1">
-              <a:defRPr sz="1800" kern="1200">
-                <a:solidFill>
-                  <a:schemeClr val="tx1"/>
-                </a:solidFill>
-                <a:latin typeface="+mn-lt"/>
-                <a:ea typeface="+mn-ea"/>
-                <a:cs typeface="+mn-cs"/>
-              </a:defRPr>
-            </a:lvl2pPr>
-            <a:lvl3pPr marL="914400" algn="l" defTabSz="457200" rtl="0" eaLnBrk="1" latinLnBrk="0" hangingPunct="1">
-              <a:defRPr sz="1800" kern="1200">
-                <a:solidFill>
-                  <a:schemeClr val="tx1"/>
-                </a:solidFill>
-                <a:latin typeface="+mn-lt"/>
-                <a:ea typeface="+mn-ea"/>
-                <a:cs typeface="+mn-cs"/>
-              </a:defRPr>
-            </a:lvl3pPr>
-            <a:lvl4pPr marL="1371600" algn="l" defTabSz="457200" rtl="0" eaLnBrk="1" latinLnBrk="0" hangingPunct="1">
-              <a:defRPr sz="1800" kern="1200">
-                <a:solidFill>
-                  <a:schemeClr val="tx1"/>
-                </a:solidFill>
-                <a:latin typeface="+mn-lt"/>
-                <a:ea typeface="+mn-ea"/>
-                <a:cs typeface="+mn-cs"/>
-              </a:defRPr>
-            </a:lvl4pPr>
-            <a:lvl5pPr marL="1828800" algn="l" defTabSz="457200" rtl="0" eaLnBrk="1" latinLnBrk="0" hangingPunct="1">
-              <a:defRPr sz="1800" kern="1200">
-                <a:solidFill>
-                  <a:schemeClr val="tx1"/>
-                </a:solidFill>
-                <a:latin typeface="+mn-lt"/>
-                <a:ea typeface="+mn-ea"/>
-                <a:cs typeface="+mn-cs"/>
-              </a:defRPr>
-            </a:lvl5pPr>
-            <a:lvl6pPr marL="2286000" algn="l" defTabSz="457200" rtl="0" eaLnBrk="1" latinLnBrk="0" hangingPunct="1">
-              <a:defRPr sz="1800" kern="1200">
-                <a:solidFill>
-                  <a:schemeClr val="tx1"/>
-                </a:solidFill>
-                <a:latin typeface="+mn-lt"/>
-                <a:ea typeface="+mn-ea"/>
-                <a:cs typeface="+mn-cs"/>
-              </a:defRPr>
-            </a:lvl6pPr>
-            <a:lvl7pPr marL="2743200" algn="l" defTabSz="457200" rtl="0" eaLnBrk="1" latinLnBrk="0" hangingPunct="1">
-              <a:defRPr sz="1800" kern="1200">
-                <a:solidFill>
-                  <a:schemeClr val="tx1"/>
-                </a:solidFill>
-                <a:latin typeface="+mn-lt"/>
-                <a:ea typeface="+mn-ea"/>
-                <a:cs typeface="+mn-cs"/>
-              </a:defRPr>
-            </a:lvl7pPr>
-            <a:lvl8pPr marL="3200400" algn="l" defTabSz="457200" rtl="0" eaLnBrk="1" latinLnBrk="0" hangingPunct="1">
-              <a:defRPr sz="1800" kern="1200">
-                <a:solidFill>
-                  <a:schemeClr val="tx1"/>
-                </a:solidFill>
-                <a:latin typeface="+mn-lt"/>
-                <a:ea typeface="+mn-ea"/>
-                <a:cs typeface="+mn-cs"/>
-              </a:defRPr>
-            </a:lvl8pPr>
-            <a:lvl9pPr marL="3657600" algn="l" defTabSz="457200" rtl="0" eaLnBrk="1" latinLnBrk="0" hangingPunct="1">
-              <a:defRPr sz="1800" kern="1200">
-                <a:solidFill>
-                  <a:schemeClr val="tx1"/>
-                </a:solidFill>
-                <a:latin typeface="+mn-lt"/>
-                <a:ea typeface="+mn-ea"/>
-                <a:cs typeface="+mn-cs"/>
-              </a:defRPr>
-            </a:lvl9pPr>
-          </a:lstStyle>
-          <a:p>
-            <a:pPr algn="ctr"/>
-            <a:fld id="{E674C0A0-8DE9-4942-9F1B-2332F349D007}" type="slidenum">
-              <a:rPr lang="ru-RU" sz="2200" smtClean="0">
-                <a:latin typeface="Tahoma" panose="020B0604030504040204" pitchFamily="34" charset="0"/>
-                <a:ea typeface="Tahoma" panose="020B0604030504040204" pitchFamily="34" charset="0"/>
-                <a:cs typeface="Tahoma" panose="020B0604030504040204" pitchFamily="34" charset="0"/>
-              </a:rPr>
-              <a:pPr algn="ctr"/>
-              <a:t>13</a:t>
-            </a:fld>
-            <a:endParaRPr lang="ru-RU" sz="2200" dirty="0">
-              <a:latin typeface="Tahoma" panose="020B0604030504040204" pitchFamily="34" charset="0"/>
-              <a:ea typeface="Tahoma" panose="020B0604030504040204" pitchFamily="34" charset="0"/>
-              <a:cs typeface="Tahoma" panose="020B0604030504040204" pitchFamily="34" charset="0"/>
-            </a:endParaRPr>
-          </a:p>
-        </p:txBody>
-      </p:sp>
-      <p:pic>
-        <p:nvPicPr>
-          <p:cNvPr id="4" name="Рисунок 3">
-            <a:extLst>
-              <a:ext uri="{FF2B5EF4-FFF2-40B4-BE49-F238E27FC236}">
-                <a16:creationId xmlns:a16="http://schemas.microsoft.com/office/drawing/2014/main" id="{ED7E34A2-3FE4-50FE-E4A5-DA1F47C71AF9}"/>
-              </a:ext>
-            </a:extLst>
-          </p:cNvPr>
-          <p:cNvPicPr>
-            <a:picLocks noChangeAspect="1"/>
-          </p:cNvPicPr>
-          <p:nvPr/>
-        </p:nvPicPr>
-        <p:blipFill>
-          <a:blip r:embed="rId3"/>
-          <a:stretch>
-            <a:fillRect/>
-          </a:stretch>
-        </p:blipFill>
-        <p:spPr>
-          <a:xfrm>
-            <a:off x="0" y="499784"/>
-            <a:ext cx="6260841" cy="3275079"/>
-          </a:xfrm>
-          <a:prstGeom prst="rect">
-            <a:avLst/>
-          </a:prstGeom>
-        </p:spPr>
-      </p:pic>
-      <p:pic>
-        <p:nvPicPr>
-          <p:cNvPr id="6" name="Рисунок 5">
-            <a:extLst>
-              <a:ext uri="{FF2B5EF4-FFF2-40B4-BE49-F238E27FC236}">
-                <a16:creationId xmlns:a16="http://schemas.microsoft.com/office/drawing/2014/main" id="{13417EE5-FD0B-8E04-7955-D30E5F30F25A}"/>
-              </a:ext>
-            </a:extLst>
-          </p:cNvPr>
-          <p:cNvPicPr>
-            <a:picLocks noChangeAspect="1"/>
-          </p:cNvPicPr>
-          <p:nvPr/>
-        </p:nvPicPr>
-        <p:blipFill>
-          <a:blip r:embed="rId4"/>
-          <a:stretch>
-            <a:fillRect/>
-          </a:stretch>
-        </p:blipFill>
-        <p:spPr>
-          <a:xfrm>
-            <a:off x="5838889" y="499784"/>
-            <a:ext cx="6353109" cy="5244117"/>
-          </a:xfrm>
-          <a:prstGeom prst="rect">
-            <a:avLst/>
-          </a:prstGeom>
-        </p:spPr>
-      </p:pic>
-      <p:pic>
-        <p:nvPicPr>
-          <p:cNvPr id="9" name="Рисунок 8">
-            <a:extLst>
-              <a:ext uri="{FF2B5EF4-FFF2-40B4-BE49-F238E27FC236}">
-                <a16:creationId xmlns:a16="http://schemas.microsoft.com/office/drawing/2014/main" id="{06228E07-24D2-5E4D-8A13-B0D1E5D44F06}"/>
-              </a:ext>
-            </a:extLst>
-          </p:cNvPr>
-          <p:cNvPicPr>
-            <a:picLocks noChangeAspect="1"/>
-          </p:cNvPicPr>
-          <p:nvPr/>
-        </p:nvPicPr>
-        <p:blipFill>
-          <a:blip r:embed="rId5"/>
-          <a:stretch>
-            <a:fillRect/>
-          </a:stretch>
-        </p:blipFill>
-        <p:spPr>
-          <a:xfrm>
-            <a:off x="-17325" y="1379255"/>
-            <a:ext cx="6651389" cy="5478745"/>
-          </a:xfrm>
-          <a:prstGeom prst="rect">
-            <a:avLst/>
-          </a:prstGeom>
-        </p:spPr>
-      </p:pic>
-      <p:pic>
-        <p:nvPicPr>
-          <p:cNvPr id="11" name="Рисунок 10">
-            <a:extLst>
-              <a:ext uri="{FF2B5EF4-FFF2-40B4-BE49-F238E27FC236}">
-                <a16:creationId xmlns:a16="http://schemas.microsoft.com/office/drawing/2014/main" id="{3A2600B0-24F4-21E9-F6CD-174AA3C35AEE}"/>
-              </a:ext>
-            </a:extLst>
-          </p:cNvPr>
-          <p:cNvPicPr>
-            <a:picLocks noChangeAspect="1"/>
-          </p:cNvPicPr>
-          <p:nvPr/>
-        </p:nvPicPr>
-        <p:blipFill>
-          <a:blip r:embed="rId6"/>
-          <a:stretch>
-            <a:fillRect/>
-          </a:stretch>
-        </p:blipFill>
-        <p:spPr>
-          <a:xfrm>
-            <a:off x="6428792" y="1578950"/>
-            <a:ext cx="5763206" cy="5279050"/>
-          </a:xfrm>
-          <a:prstGeom prst="rect">
-            <a:avLst/>
-          </a:prstGeom>
-        </p:spPr>
-      </p:pic>
-    </p:spTree>
-    <p:extLst>
-      <p:ext uri="{BB962C8B-B14F-4D97-AF65-F5344CB8AC3E}">
-        <p14:creationId xmlns:p14="http://schemas.microsoft.com/office/powerpoint/2010/main" val="2164266354"/>
-      </p:ext>
-    </p:extLst>
-  </p:cSld>
-  <p:clrMapOvr>
-    <a:masterClrMapping/>
-  </p:clrMapOvr>
-  <mc:AlternateContent xmlns:mc="http://schemas.openxmlformats.org/markup-compatibility/2006" xmlns:p14="http://schemas.microsoft.com/office/powerpoint/2010/main">
-    <mc:Choice Requires="p14">
-      <p:transition spd="med" p14:dur="700">
-        <p:fade/>
-      </p:transition>
-    </mc:Choice>
-    <mc:Fallback xmlns="">
-      <p:transition spd="med">
-        <p:fade/>
-      </p:transition>
-    </mc:Fallback>
-  </mc:AlternateContent>
-  <p:timing>
-    <p:tnLst>
-      <p:par>
-        <p:cTn id="1" dur="indefinite" restart="never" nodeType="tmRoot">
-          <p:childTnLst>
-            <p:seq concurrent="1" nextAc="seek">
-              <p:cTn id="2" dur="indefinite" nodeType="mainSeq">
-                <p:childTnLst>
-                  <p:par>
-                    <p:cTn id="3" fill="hold">
-                      <p:stCondLst>
-                        <p:cond delay="indefinite"/>
-                      </p:stCondLst>
-                      <p:childTnLst>
-                        <p:par>
-                          <p:cTn id="4" fill="hold">
-                            <p:stCondLst>
-                              <p:cond delay="0"/>
-                            </p:stCondLst>
-                            <p:childTnLst>
-                              <p:par>
-                                <p:cTn id="5" presetID="1" presetClass="entr" presetSubtype="0" fill="hold" nodeType="clickEffect">
-                                  <p:stCondLst>
-                                    <p:cond delay="0"/>
-                                  </p:stCondLst>
-                                  <p:childTnLst>
-                                    <p:set>
-                                      <p:cBhvr>
-                                        <p:cTn id="6" dur="1" fill="hold">
-                                          <p:stCondLst>
-                                            <p:cond delay="0"/>
-                                          </p:stCondLst>
-                                        </p:cTn>
-                                        <p:tgtEl>
-                                          <p:spTgt spid="4"/>
-                                        </p:tgtEl>
-                                        <p:attrNameLst>
-                                          <p:attrName>style.visibility</p:attrName>
-                                        </p:attrNameLst>
-                                      </p:cBhvr>
-                                      <p:to>
-                                        <p:strVal val="visible"/>
-                                      </p:to>
-                                    </p:set>
-                                  </p:childTnLst>
-                                </p:cTn>
-                              </p:par>
-                            </p:childTnLst>
-                          </p:cTn>
-                        </p:par>
-                      </p:childTnLst>
-                    </p:cTn>
-                  </p:par>
-                  <p:par>
-                    <p:cTn id="7" fill="hold">
-                      <p:stCondLst>
-                        <p:cond delay="indefinite"/>
-                      </p:stCondLst>
-                      <p:childTnLst>
-                        <p:par>
-                          <p:cTn id="8" fill="hold">
-                            <p:stCondLst>
-                              <p:cond delay="0"/>
-                            </p:stCondLst>
-                            <p:childTnLst>
-                              <p:par>
-                                <p:cTn id="9" presetID="1" presetClass="entr" presetSubtype="0" fill="hold" nodeType="clickEffect">
-                                  <p:stCondLst>
-                                    <p:cond delay="0"/>
-                                  </p:stCondLst>
-                                  <p:childTnLst>
-                                    <p:set>
-                                      <p:cBhvr>
-                                        <p:cTn id="10" dur="1" fill="hold">
-                                          <p:stCondLst>
-                                            <p:cond delay="0"/>
-                                          </p:stCondLst>
-                                        </p:cTn>
-                                        <p:tgtEl>
-                                          <p:spTgt spid="6"/>
-                                        </p:tgtEl>
-                                        <p:attrNameLst>
-                                          <p:attrName>style.visibility</p:attrName>
-                                        </p:attrNameLst>
-                                      </p:cBhvr>
-                                      <p:to>
-                                        <p:strVal val="visible"/>
-                                      </p:to>
-                                    </p:set>
-                                  </p:childTnLst>
-                                </p:cTn>
-                              </p:par>
-                            </p:childTnLst>
-                          </p:cTn>
-                        </p:par>
-                      </p:childTnLst>
-                    </p:cTn>
-                  </p:par>
-                  <p:par>
-                    <p:cTn id="11" fill="hold">
-                      <p:stCondLst>
-                        <p:cond delay="indefinite"/>
-                      </p:stCondLst>
-                      <p:childTnLst>
-                        <p:par>
-                          <p:cTn id="12" fill="hold">
-                            <p:stCondLst>
-                              <p:cond delay="0"/>
-                            </p:stCondLst>
-                            <p:childTnLst>
-                              <p:par>
-                                <p:cTn id="13" presetID="1" presetClass="entr" presetSubtype="0" fill="hold" nodeType="clickEffect">
-                                  <p:stCondLst>
-                                    <p:cond delay="0"/>
-                                  </p:stCondLst>
-                                  <p:childTnLst>
-                                    <p:set>
-                                      <p:cBhvr>
-                                        <p:cTn id="14" dur="1" fill="hold">
-                                          <p:stCondLst>
-                                            <p:cond delay="0"/>
-                                          </p:stCondLst>
-                                        </p:cTn>
-                                        <p:tgtEl>
-                                          <p:spTgt spid="9"/>
-                                        </p:tgtEl>
-                                        <p:attrNameLst>
-                                          <p:attrName>style.visibility</p:attrName>
-                                        </p:attrNameLst>
-                                      </p:cBhvr>
-                                      <p:to>
-                                        <p:strVal val="visible"/>
-                                      </p:to>
-                                    </p:set>
-                                  </p:childTnLst>
-                                </p:cTn>
-                              </p:par>
-                            </p:childTnLst>
-                          </p:cTn>
-                        </p:par>
-                      </p:childTnLst>
-                    </p:cTn>
-                  </p:par>
-                  <p:par>
-                    <p:cTn id="15" fill="hold">
-                      <p:stCondLst>
-                        <p:cond delay="indefinite"/>
-                      </p:stCondLst>
-                      <p:childTnLst>
-                        <p:par>
-                          <p:cTn id="16" fill="hold">
-                            <p:stCondLst>
-                              <p:cond delay="0"/>
-                            </p:stCondLst>
-                            <p:childTnLst>
-                              <p:par>
-                                <p:cTn id="17" presetID="1" presetClass="entr" presetSubtype="0" fill="hold" nodeType="clickEffect">
-                                  <p:stCondLst>
-                                    <p:cond delay="0"/>
-                                  </p:stCondLst>
-                                  <p:childTnLst>
-                                    <p:set>
-                                      <p:cBhvr>
-                                        <p:cTn id="18" dur="1" fill="hold">
-                                          <p:stCondLst>
-                                            <p:cond delay="0"/>
-                                          </p:stCondLst>
-                                        </p:cTn>
-                                        <p:tgtEl>
-                                          <p:spTgt spid="11"/>
-                                        </p:tgtEl>
-                                        <p:attrNameLst>
-                                          <p:attrName>style.visibility</p:attrName>
-                                        </p:attrNameLst>
-                                      </p:cBhvr>
-                                      <p:to>
-                                        <p:strVal val="visible"/>
-                                      </p:to>
-                                    </p:set>
-                                  </p:childTnLst>
-                                </p:cTn>
-                              </p:par>
-                            </p:childTnLst>
-                          </p:cTn>
-                        </p:par>
-                      </p:childTnLst>
-                    </p:cTn>
-                  </p:par>
-                </p:childTnLst>
-              </p:cTn>
-              <p:prevCondLst>
-                <p:cond evt="onPrev" delay="0">
-                  <p:tgtEl>
-                    <p:sldTgt/>
-                  </p:tgtEl>
-                </p:cond>
-              </p:prevCondLst>
-              <p:nextCondLst>
-                <p:cond evt="onNext" delay="0">
-                  <p:tgtEl>
-                    <p:sldTgt/>
-                  </p:tgtEl>
-                </p:cond>
-              </p:nextCondLst>
-            </p:seq>
-          </p:childTnLst>
-        </p:cTn>
-      </p:par>
-    </p:tnLst>
-  </p:timing>
-</p:sld>
-</file>
-
-<file path=ppt/slides/slide14.xml><?xml version="1.0" encoding="utf-8"?>
-<p:sld xmlns:a="http://schemas.openxmlformats.org/drawingml/2006/main" xmlns:r="http://schemas.openxmlformats.org/officeDocument/2006/relationships" xmlns:p="http://schemas.openxmlformats.org/presentationml/2006/main">
-  <p:cSld>
-    <p:spTree>
-      <p:nvGrpSpPr>
-        <p:cNvPr id="1" name=""/>
-        <p:cNvGrpSpPr/>
-        <p:nvPr/>
-      </p:nvGrpSpPr>
-      <p:grpSpPr>
-        <a:xfrm>
-          <a:off x="0" y="0"/>
-          <a:ext cx="0" cy="0"/>
-          <a:chOff x="0" y="0"/>
-          <a:chExt cx="0" cy="0"/>
-        </a:xfrm>
-      </p:grpSpPr>
-      <p:sp>
-        <p:nvSpPr>
-          <p:cNvPr id="2" name="Заголовок 1">
-            <a:extLst>
-              <a:ext uri="{FF2B5EF4-FFF2-40B4-BE49-F238E27FC236}">
-                <a16:creationId xmlns:a16="http://schemas.microsoft.com/office/drawing/2014/main" id="{6180C8AA-7561-F3BA-FC31-46C06530ED41}"/>
-              </a:ext>
-            </a:extLst>
-          </p:cNvPr>
-          <p:cNvSpPr>
-            <a:spLocks noGrp="1"/>
-          </p:cNvSpPr>
-          <p:nvPr>
-            <p:ph type="title"/>
-          </p:nvPr>
-        </p:nvSpPr>
-        <p:spPr>
-          <a:xfrm>
-            <a:off x="0" y="6096"/>
-            <a:ext cx="12191999" cy="688848"/>
-          </a:xfrm>
-        </p:spPr>
-        <p:txBody>
-          <a:bodyPr/>
-          <a:lstStyle/>
-          <a:p>
-            <a:pPr algn="ctr"/>
-            <a:r>
-              <a:rPr lang="ru-RU" dirty="0">
-                <a:latin typeface="Times New Roman" panose="02020603050405020304" pitchFamily="18" charset="0"/>
-                <a:cs typeface="Times New Roman" panose="02020603050405020304" pitchFamily="18" charset="0"/>
-              </a:rPr>
-              <a:t>ВХОДНЫЕ и выходные данные</a:t>
-            </a:r>
-            <a:endParaRPr lang="ru-RU" dirty="0"/>
-          </a:p>
-        </p:txBody>
-      </p:sp>
-      <p:sp>
-        <p:nvSpPr>
-          <p:cNvPr id="5" name="TextBox 4">
-            <a:extLst>
-              <a:ext uri="{FF2B5EF4-FFF2-40B4-BE49-F238E27FC236}">
-                <a16:creationId xmlns:a16="http://schemas.microsoft.com/office/drawing/2014/main" id="{7D1D1E67-62A4-5E00-9B5C-F74D0DA5F37E}"/>
-              </a:ext>
-            </a:extLst>
-          </p:cNvPr>
-          <p:cNvSpPr txBox="1"/>
-          <p:nvPr/>
-        </p:nvSpPr>
-        <p:spPr>
-          <a:xfrm>
-            <a:off x="366226" y="1000125"/>
-            <a:ext cx="11315700" cy="5966079"/>
-          </a:xfrm>
-          <a:prstGeom prst="rect">
-            <a:avLst/>
-          </a:prstGeom>
-          <a:noFill/>
-        </p:spPr>
-        <p:txBody>
-          <a:bodyPr wrap="square" rtlCol="0">
-            <a:noAutofit/>
-          </a:bodyPr>
-          <a:lstStyle/>
-          <a:p>
-            <a:pPr>
-              <a:lnSpc>
-                <a:spcPct val="150000"/>
-              </a:lnSpc>
-            </a:pPr>
-            <a:r>
-              <a:rPr lang="ru-RU" sz="2200" dirty="0">
-                <a:solidFill>
-                  <a:srgbClr val="FFFF00"/>
-                </a:solidFill>
-                <a:latin typeface="Tahoma" panose="020B0604030504040204" pitchFamily="34" charset="0"/>
-                <a:ea typeface="Tahoma" panose="020B0604030504040204" pitchFamily="34" charset="0"/>
-                <a:cs typeface="Tahoma" panose="020B0604030504040204" pitchFamily="34" charset="0"/>
-              </a:rPr>
-              <a:t>Входные данные:</a:t>
-            </a:r>
-          </a:p>
-          <a:p>
-            <a:pPr marL="800100" lvl="1" indent="-342900">
-              <a:lnSpc>
-                <a:spcPct val="150000"/>
-              </a:lnSpc>
-              <a:buFont typeface="Arial" panose="020B0604020202020204" pitchFamily="34" charset="0"/>
-              <a:buChar char="•"/>
-            </a:pPr>
-            <a:r>
-              <a:rPr lang="ru-RU" sz="2200" dirty="0">
-                <a:latin typeface="Times New Roman" panose="02020603050405020304" pitchFamily="18" charset="0"/>
-                <a:cs typeface="Times New Roman" panose="02020603050405020304" pitchFamily="18" charset="0"/>
-              </a:rPr>
-              <a:t>Данные о сотрудниках</a:t>
-            </a:r>
-            <a:r>
-              <a:rPr lang="en-US" sz="2200" dirty="0">
-                <a:latin typeface="Times New Roman" panose="02020603050405020304" pitchFamily="18" charset="0"/>
-                <a:cs typeface="Times New Roman" panose="02020603050405020304" pitchFamily="18" charset="0"/>
-              </a:rPr>
-              <a:t>.</a:t>
-            </a:r>
-            <a:endParaRPr lang="ru-RU" sz="2200" dirty="0">
-              <a:latin typeface="Times New Roman" panose="02020603050405020304" pitchFamily="18" charset="0"/>
-              <a:cs typeface="Times New Roman" panose="02020603050405020304" pitchFamily="18" charset="0"/>
-            </a:endParaRPr>
-          </a:p>
-          <a:p>
-            <a:pPr marL="800100" lvl="1" indent="-342900">
-              <a:lnSpc>
-                <a:spcPct val="150000"/>
-              </a:lnSpc>
-              <a:buFont typeface="Arial" panose="020B0604020202020204" pitchFamily="34" charset="0"/>
-              <a:buChar char="•"/>
-            </a:pPr>
-            <a:r>
-              <a:rPr lang="ru-RU" sz="2200" dirty="0">
-                <a:latin typeface="Times New Roman" panose="02020603050405020304" pitchFamily="18" charset="0"/>
-                <a:cs typeface="Times New Roman" panose="02020603050405020304" pitchFamily="18" charset="0"/>
-              </a:rPr>
-              <a:t>Данные об обучающихся</a:t>
-            </a:r>
-            <a:r>
-              <a:rPr lang="en-US" sz="2200" dirty="0">
-                <a:latin typeface="Times New Roman" panose="02020603050405020304" pitchFamily="18" charset="0"/>
-                <a:cs typeface="Times New Roman" panose="02020603050405020304" pitchFamily="18" charset="0"/>
-              </a:rPr>
-              <a:t>.</a:t>
-            </a:r>
-            <a:endParaRPr lang="ru-RU" sz="2200" dirty="0">
-              <a:latin typeface="Times New Roman" panose="02020603050405020304" pitchFamily="18" charset="0"/>
-              <a:cs typeface="Times New Roman" panose="02020603050405020304" pitchFamily="18" charset="0"/>
-            </a:endParaRPr>
-          </a:p>
-          <a:p>
-            <a:pPr marL="800100" lvl="1" indent="-342900">
-              <a:lnSpc>
-                <a:spcPct val="150000"/>
-              </a:lnSpc>
-              <a:buFont typeface="Arial" panose="020B0604020202020204" pitchFamily="34" charset="0"/>
-              <a:buChar char="•"/>
-            </a:pPr>
-            <a:r>
-              <a:rPr lang="ru-RU" sz="2200" dirty="0">
-                <a:latin typeface="Times New Roman" panose="02020603050405020304" pitchFamily="18" charset="0"/>
-                <a:cs typeface="Times New Roman" panose="02020603050405020304" pitchFamily="18" charset="0"/>
-              </a:rPr>
-              <a:t>Данные об учебных программах</a:t>
-            </a:r>
-            <a:r>
-              <a:rPr lang="en-US" sz="2200" dirty="0">
-                <a:latin typeface="Times New Roman" panose="02020603050405020304" pitchFamily="18" charset="0"/>
-                <a:cs typeface="Times New Roman" panose="02020603050405020304" pitchFamily="18" charset="0"/>
-              </a:rPr>
-              <a:t>.</a:t>
-            </a:r>
-            <a:endParaRPr lang="ru-RU" sz="2200" dirty="0">
-              <a:latin typeface="Times New Roman" panose="02020603050405020304" pitchFamily="18" charset="0"/>
-              <a:cs typeface="Times New Roman" panose="02020603050405020304" pitchFamily="18" charset="0"/>
-            </a:endParaRPr>
-          </a:p>
-          <a:p>
-            <a:pPr marL="800100" lvl="1" indent="-342900">
-              <a:lnSpc>
-                <a:spcPct val="150000"/>
-              </a:lnSpc>
-              <a:buFont typeface="Arial" panose="020B0604020202020204" pitchFamily="34" charset="0"/>
-              <a:buChar char="•"/>
-            </a:pPr>
-            <a:r>
-              <a:rPr lang="ru-RU" sz="2200" dirty="0">
-                <a:latin typeface="Times New Roman" panose="02020603050405020304" pitchFamily="18" charset="0"/>
-                <a:cs typeface="Times New Roman" panose="02020603050405020304" pitchFamily="18" charset="0"/>
-              </a:rPr>
-              <a:t>Данные о мероприятиях</a:t>
-            </a:r>
-            <a:r>
-              <a:rPr lang="en-US" sz="2200" dirty="0">
-                <a:latin typeface="Times New Roman" panose="02020603050405020304" pitchFamily="18" charset="0"/>
-                <a:cs typeface="Times New Roman" panose="02020603050405020304" pitchFamily="18" charset="0"/>
-              </a:rPr>
-              <a:t>.</a:t>
-            </a:r>
-            <a:endParaRPr lang="ru-RU" sz="2200" dirty="0">
-              <a:latin typeface="Times New Roman" panose="02020603050405020304" pitchFamily="18" charset="0"/>
-              <a:cs typeface="Times New Roman" panose="02020603050405020304" pitchFamily="18" charset="0"/>
-            </a:endParaRPr>
-          </a:p>
-          <a:p>
-            <a:pPr>
-              <a:lnSpc>
-                <a:spcPct val="150000"/>
-              </a:lnSpc>
-            </a:pPr>
-            <a:r>
-              <a:rPr lang="ru-RU" sz="2200" dirty="0">
-                <a:solidFill>
-                  <a:srgbClr val="FFFF00"/>
-                </a:solidFill>
-                <a:latin typeface="Tahoma" panose="020B0604030504040204" pitchFamily="34" charset="0"/>
-                <a:ea typeface="Tahoma" panose="020B0604030504040204" pitchFamily="34" charset="0"/>
-                <a:cs typeface="Tahoma" panose="020B0604030504040204" pitchFamily="34" charset="0"/>
-              </a:rPr>
-              <a:t>Выходные данные:</a:t>
-            </a:r>
-          </a:p>
-          <a:p>
-            <a:pPr marL="800100" lvl="1" indent="-342900">
-              <a:lnSpc>
-                <a:spcPct val="150000"/>
-              </a:lnSpc>
-              <a:buFont typeface="Arial" panose="020B0604020202020204" pitchFamily="34" charset="0"/>
-              <a:buChar char="•"/>
-            </a:pPr>
-            <a:r>
-              <a:rPr lang="ru-RU" sz="2200" dirty="0">
-                <a:latin typeface="Times New Roman" panose="02020603050405020304" pitchFamily="18" charset="0"/>
-                <a:cs typeface="Times New Roman" panose="02020603050405020304" pitchFamily="18" charset="0"/>
-              </a:rPr>
-              <a:t>Журналы, календарные графики, отчётные данные (в формате </a:t>
-            </a:r>
-            <a:r>
-              <a:rPr lang="en-US" sz="2200" dirty="0">
-                <a:latin typeface="Times New Roman" panose="02020603050405020304" pitchFamily="18" charset="0"/>
-                <a:cs typeface="Times New Roman" panose="02020603050405020304" pitchFamily="18" charset="0"/>
-              </a:rPr>
-              <a:t>xlsx</a:t>
-            </a:r>
-            <a:r>
-              <a:rPr lang="ru-RU" sz="2200" dirty="0">
-                <a:latin typeface="Times New Roman" panose="02020603050405020304" pitchFamily="18" charset="0"/>
-                <a:cs typeface="Times New Roman" panose="02020603050405020304" pitchFamily="18" charset="0"/>
-              </a:rPr>
-              <a:t>)</a:t>
-            </a:r>
-            <a:r>
-              <a:rPr lang="en-US" sz="2200" dirty="0">
-                <a:latin typeface="Times New Roman" panose="02020603050405020304" pitchFamily="18" charset="0"/>
-                <a:cs typeface="Times New Roman" panose="02020603050405020304" pitchFamily="18" charset="0"/>
-              </a:rPr>
-              <a:t>.</a:t>
-            </a:r>
-          </a:p>
-          <a:p>
-            <a:pPr marL="800100" lvl="1" indent="-342900">
-              <a:lnSpc>
-                <a:spcPct val="150000"/>
-              </a:lnSpc>
-              <a:buFont typeface="Arial" panose="020B0604020202020204" pitchFamily="34" charset="0"/>
-              <a:buChar char="•"/>
-            </a:pPr>
-            <a:r>
-              <a:rPr lang="ru-RU" sz="2200" dirty="0">
-                <a:latin typeface="Times New Roman" panose="02020603050405020304" pitchFamily="18" charset="0"/>
-                <a:cs typeface="Times New Roman" panose="02020603050405020304" pitchFamily="18" charset="0"/>
-              </a:rPr>
-              <a:t>Приказы (в формате </a:t>
-            </a:r>
-            <a:r>
-              <a:rPr lang="en-US" sz="2200" dirty="0">
-                <a:latin typeface="Times New Roman" panose="02020603050405020304" pitchFamily="18" charset="0"/>
-                <a:cs typeface="Times New Roman" panose="02020603050405020304" pitchFamily="18" charset="0"/>
-              </a:rPr>
-              <a:t>docx</a:t>
-            </a:r>
-            <a:r>
-              <a:rPr lang="ru-RU" sz="2200" dirty="0">
-                <a:latin typeface="Times New Roman" panose="02020603050405020304" pitchFamily="18" charset="0"/>
-                <a:cs typeface="Times New Roman" panose="02020603050405020304" pitchFamily="18" charset="0"/>
-              </a:rPr>
-              <a:t>)</a:t>
-            </a:r>
-            <a:r>
-              <a:rPr lang="en-US" sz="2200" dirty="0">
-                <a:latin typeface="Times New Roman" panose="02020603050405020304" pitchFamily="18" charset="0"/>
-                <a:cs typeface="Times New Roman" panose="02020603050405020304" pitchFamily="18" charset="0"/>
-              </a:rPr>
-              <a:t>.</a:t>
-            </a:r>
-            <a:endParaRPr lang="ru-RU" sz="2200" dirty="0">
-              <a:latin typeface="Times New Roman" panose="02020603050405020304" pitchFamily="18" charset="0"/>
-              <a:cs typeface="Times New Roman" panose="02020603050405020304" pitchFamily="18" charset="0"/>
-            </a:endParaRPr>
-          </a:p>
-          <a:p>
-            <a:pPr marL="800100" lvl="1" indent="-342900">
-              <a:lnSpc>
-                <a:spcPct val="150000"/>
-              </a:lnSpc>
-              <a:buFont typeface="Arial" panose="020B0604020202020204" pitchFamily="34" charset="0"/>
-              <a:buChar char="•"/>
-            </a:pPr>
-            <a:r>
-              <a:rPr lang="ru-RU" sz="2200" dirty="0">
-                <a:latin typeface="Times New Roman" panose="02020603050405020304" pitchFamily="18" charset="0"/>
-                <a:cs typeface="Times New Roman" panose="02020603050405020304" pitchFamily="18" charset="0"/>
-              </a:rPr>
-              <a:t>Сертификаты (в формате </a:t>
-            </a:r>
-            <a:r>
-              <a:rPr lang="en-US" sz="2200" dirty="0">
-                <a:latin typeface="Times New Roman" panose="02020603050405020304" pitchFamily="18" charset="0"/>
-                <a:cs typeface="Times New Roman" panose="02020603050405020304" pitchFamily="18" charset="0"/>
-              </a:rPr>
-              <a:t>pdf</a:t>
-            </a:r>
-            <a:r>
-              <a:rPr lang="ru-RU" sz="2200" dirty="0">
-                <a:latin typeface="Times New Roman" panose="02020603050405020304" pitchFamily="18" charset="0"/>
-                <a:cs typeface="Times New Roman" panose="02020603050405020304" pitchFamily="18" charset="0"/>
-              </a:rPr>
-              <a:t>)</a:t>
-            </a:r>
-            <a:r>
-              <a:rPr lang="en-US" sz="2200" dirty="0">
-                <a:latin typeface="Times New Roman" panose="02020603050405020304" pitchFamily="18" charset="0"/>
-                <a:cs typeface="Times New Roman" panose="02020603050405020304" pitchFamily="18" charset="0"/>
-              </a:rPr>
-              <a:t>.</a:t>
-            </a:r>
-            <a:endParaRPr lang="ru-RU" sz="2200" dirty="0">
-              <a:latin typeface="Times New Roman" panose="02020603050405020304" pitchFamily="18" charset="0"/>
-              <a:cs typeface="Times New Roman" panose="02020603050405020304" pitchFamily="18" charset="0"/>
-            </a:endParaRPr>
-          </a:p>
-          <a:p>
-            <a:pPr>
-              <a:lnSpc>
-                <a:spcPct val="125000"/>
-              </a:lnSpc>
-            </a:pPr>
-            <a:endParaRPr lang="en-US" sz="2200" dirty="0">
-              <a:latin typeface="Times New Roman" panose="02020603050405020304" pitchFamily="18" charset="0"/>
-              <a:cs typeface="Times New Roman" panose="02020603050405020304" pitchFamily="18" charset="0"/>
-            </a:endParaRPr>
-          </a:p>
-        </p:txBody>
-      </p:sp>
-      <p:sp>
-        <p:nvSpPr>
-          <p:cNvPr id="8" name="Номер слайда 4">
-            <a:extLst>
-              <a:ext uri="{FF2B5EF4-FFF2-40B4-BE49-F238E27FC236}">
-                <a16:creationId xmlns:a16="http://schemas.microsoft.com/office/drawing/2014/main" id="{C5B64F97-D6A0-FC0D-8E50-8227B356EE18}"/>
-              </a:ext>
-            </a:extLst>
-          </p:cNvPr>
-          <p:cNvSpPr txBox="1">
-            <a:spLocks/>
-          </p:cNvSpPr>
-          <p:nvPr/>
-        </p:nvSpPr>
-        <p:spPr>
-          <a:xfrm>
-            <a:off x="11171852" y="0"/>
-            <a:ext cx="1020148" cy="658368"/>
-          </a:xfrm>
-          <a:prstGeom prst="rect">
-            <a:avLst/>
-          </a:prstGeom>
-        </p:spPr>
-        <p:txBody>
-          <a:bodyPr vert="horz" lIns="91440" tIns="45720" rIns="91440" bIns="45720" rtlCol="0" anchor="ctr"/>
-          <a:lstStyle>
-            <a:defPPr>
-              <a:defRPr lang="en-US"/>
-            </a:defPPr>
-            <a:lvl1pPr marL="0" algn="r" defTabSz="457200" rtl="0" eaLnBrk="1" latinLnBrk="0" hangingPunct="1">
-              <a:defRPr sz="1000" b="0" i="0" kern="1200">
-                <a:solidFill>
-                  <a:schemeClr val="tx1"/>
-                </a:solidFill>
-                <a:effectLst/>
-                <a:latin typeface="+mn-lt"/>
-                <a:ea typeface="+mn-ea"/>
-                <a:cs typeface="+mn-cs"/>
-              </a:defRPr>
-            </a:lvl1pPr>
-            <a:lvl2pPr marL="457200" algn="l" defTabSz="457200" rtl="0" eaLnBrk="1" latinLnBrk="0" hangingPunct="1">
-              <a:defRPr sz="1800" kern="1200">
-                <a:solidFill>
-                  <a:schemeClr val="tx1"/>
-                </a:solidFill>
-                <a:latin typeface="+mn-lt"/>
-                <a:ea typeface="+mn-ea"/>
-                <a:cs typeface="+mn-cs"/>
-              </a:defRPr>
-            </a:lvl2pPr>
-            <a:lvl3pPr marL="914400" algn="l" defTabSz="457200" rtl="0" eaLnBrk="1" latinLnBrk="0" hangingPunct="1">
-              <a:defRPr sz="1800" kern="1200">
-                <a:solidFill>
-                  <a:schemeClr val="tx1"/>
-                </a:solidFill>
-                <a:latin typeface="+mn-lt"/>
-                <a:ea typeface="+mn-ea"/>
-                <a:cs typeface="+mn-cs"/>
-              </a:defRPr>
-            </a:lvl3pPr>
-            <a:lvl4pPr marL="1371600" algn="l" defTabSz="457200" rtl="0" eaLnBrk="1" latinLnBrk="0" hangingPunct="1">
-              <a:defRPr sz="1800" kern="1200">
-                <a:solidFill>
-                  <a:schemeClr val="tx1"/>
-                </a:solidFill>
-                <a:latin typeface="+mn-lt"/>
-                <a:ea typeface="+mn-ea"/>
-                <a:cs typeface="+mn-cs"/>
-              </a:defRPr>
-            </a:lvl4pPr>
-            <a:lvl5pPr marL="1828800" algn="l" defTabSz="457200" rtl="0" eaLnBrk="1" latinLnBrk="0" hangingPunct="1">
-              <a:defRPr sz="1800" kern="1200">
-                <a:solidFill>
-                  <a:schemeClr val="tx1"/>
-                </a:solidFill>
-                <a:latin typeface="+mn-lt"/>
-                <a:ea typeface="+mn-ea"/>
-                <a:cs typeface="+mn-cs"/>
-              </a:defRPr>
-            </a:lvl5pPr>
-            <a:lvl6pPr marL="2286000" algn="l" defTabSz="457200" rtl="0" eaLnBrk="1" latinLnBrk="0" hangingPunct="1">
-              <a:defRPr sz="1800" kern="1200">
-                <a:solidFill>
-                  <a:schemeClr val="tx1"/>
-                </a:solidFill>
-                <a:latin typeface="+mn-lt"/>
-                <a:ea typeface="+mn-ea"/>
-                <a:cs typeface="+mn-cs"/>
-              </a:defRPr>
-            </a:lvl6pPr>
-            <a:lvl7pPr marL="2743200" algn="l" defTabSz="457200" rtl="0" eaLnBrk="1" latinLnBrk="0" hangingPunct="1">
-              <a:defRPr sz="1800" kern="1200">
-                <a:solidFill>
-                  <a:schemeClr val="tx1"/>
-                </a:solidFill>
-                <a:latin typeface="+mn-lt"/>
-                <a:ea typeface="+mn-ea"/>
-                <a:cs typeface="+mn-cs"/>
-              </a:defRPr>
-            </a:lvl7pPr>
-            <a:lvl8pPr marL="3200400" algn="l" defTabSz="457200" rtl="0" eaLnBrk="1" latinLnBrk="0" hangingPunct="1">
-              <a:defRPr sz="1800" kern="1200">
-                <a:solidFill>
-                  <a:schemeClr val="tx1"/>
-                </a:solidFill>
-                <a:latin typeface="+mn-lt"/>
-                <a:ea typeface="+mn-ea"/>
-                <a:cs typeface="+mn-cs"/>
-              </a:defRPr>
-            </a:lvl8pPr>
-            <a:lvl9pPr marL="3657600" algn="l" defTabSz="457200" rtl="0" eaLnBrk="1" latinLnBrk="0" hangingPunct="1">
-              <a:defRPr sz="1800" kern="1200">
-                <a:solidFill>
-                  <a:schemeClr val="tx1"/>
-                </a:solidFill>
-                <a:latin typeface="+mn-lt"/>
-                <a:ea typeface="+mn-ea"/>
-                <a:cs typeface="+mn-cs"/>
-              </a:defRPr>
-            </a:lvl9pPr>
-          </a:lstStyle>
-          <a:p>
-            <a:pPr algn="ctr"/>
-            <a:fld id="{E674C0A0-8DE9-4942-9F1B-2332F349D007}" type="slidenum">
-              <a:rPr lang="ru-RU" sz="2200" smtClean="0">
-                <a:latin typeface="Tahoma" panose="020B0604030504040204" pitchFamily="34" charset="0"/>
-                <a:ea typeface="Tahoma" panose="020B0604030504040204" pitchFamily="34" charset="0"/>
-                <a:cs typeface="Tahoma" panose="020B0604030504040204" pitchFamily="34" charset="0"/>
-              </a:rPr>
-              <a:pPr algn="ctr"/>
-              <a:t>14</a:t>
-            </a:fld>
-            <a:endParaRPr lang="ru-RU" sz="2200" dirty="0">
-              <a:latin typeface="Tahoma" panose="020B0604030504040204" pitchFamily="34" charset="0"/>
-              <a:ea typeface="Tahoma" panose="020B0604030504040204" pitchFamily="34" charset="0"/>
-              <a:cs typeface="Tahoma" panose="020B0604030504040204" pitchFamily="34" charset="0"/>
-            </a:endParaRPr>
-          </a:p>
-        </p:txBody>
-      </p:sp>
-    </p:spTree>
-    <p:extLst>
-      <p:ext uri="{BB962C8B-B14F-4D97-AF65-F5344CB8AC3E}">
-        <p14:creationId xmlns:p14="http://schemas.microsoft.com/office/powerpoint/2010/main" val="528627330"/>
-      </p:ext>
-    </p:extLst>
-  </p:cSld>
-  <p:clrMapOvr>
-    <a:masterClrMapping/>
-  </p:clrMapOvr>
-  <mc:AlternateContent xmlns:mc="http://schemas.openxmlformats.org/markup-compatibility/2006" xmlns:p14="http://schemas.microsoft.com/office/powerpoint/2010/main">
-    <mc:Choice Requires="p14">
-      <p:transition spd="med" p14:dur="700">
-        <p:fade/>
-      </p:transition>
-    </mc:Choice>
-    <mc:Fallback xmlns="">
-      <p:transition spd="med">
-        <p:fade/>
-      </p:transition>
-    </mc:Fallback>
-  </mc:AlternateContent>
-</p:sld>
-</file>
-
-<file path=ppt/slides/slide15.xml><?xml version="1.0" encoding="utf-8"?>
-<p:sld xmlns:a="http://schemas.openxmlformats.org/drawingml/2006/main" xmlns:r="http://schemas.openxmlformats.org/officeDocument/2006/relationships" xmlns:p="http://schemas.openxmlformats.org/presentationml/2006/main">
-  <p:cSld>
-    <p:spTree>
-      <p:nvGrpSpPr>
-        <p:cNvPr id="1" name=""/>
-        <p:cNvGrpSpPr/>
-        <p:nvPr/>
-      </p:nvGrpSpPr>
-      <p:grpSpPr>
-        <a:xfrm>
-          <a:off x="0" y="0"/>
-          <a:ext cx="0" cy="0"/>
-          <a:chOff x="0" y="0"/>
-          <a:chExt cx="0" cy="0"/>
-        </a:xfrm>
-      </p:grpSpPr>
-      <p:sp>
-        <p:nvSpPr>
           <p:cNvPr id="5" name="Заголовок 1">
             <a:extLst>
               <a:ext uri="{FF2B5EF4-FFF2-40B4-BE49-F238E27FC236}">
@@ -21475,7 +20394,7 @@
                 <a:cs typeface="Tahoma" panose="020B0604030504040204" pitchFamily="34" charset="0"/>
               </a:rPr>
               <a:pPr algn="ctr"/>
-              <a:t>15</a:t>
+              <a:t>13</a:t>
             </a:fld>
             <a:endParaRPr lang="ru-RU" sz="2200" dirty="0">
               <a:latin typeface="Tahoma" panose="020B0604030504040204" pitchFamily="34" charset="0"/>
@@ -22714,7 +21633,530 @@
 </p:sld>
 </file>
 
-<file path=ppt/slides/slide16.xml><?xml version="1.0" encoding="utf-8"?>
+<file path=ppt/slides/slide14.xml><?xml version="1.0" encoding="utf-8"?>
+<p:sld xmlns:a="http://schemas.openxmlformats.org/drawingml/2006/main" xmlns:r="http://schemas.openxmlformats.org/officeDocument/2006/relationships" xmlns:p="http://schemas.openxmlformats.org/presentationml/2006/main">
+  <p:cSld>
+    <p:spTree>
+      <p:nvGrpSpPr>
+        <p:cNvPr id="1" name=""/>
+        <p:cNvGrpSpPr/>
+        <p:nvPr/>
+      </p:nvGrpSpPr>
+      <p:grpSpPr>
+        <a:xfrm>
+          <a:off x="0" y="0"/>
+          <a:ext cx="0" cy="0"/>
+          <a:chOff x="0" y="0"/>
+          <a:chExt cx="0" cy="0"/>
+        </a:xfrm>
+      </p:grpSpPr>
+      <p:sp>
+        <p:nvSpPr>
+          <p:cNvPr id="2" name="Заголовок 1">
+            <a:extLst>
+              <a:ext uri="{FF2B5EF4-FFF2-40B4-BE49-F238E27FC236}">
+                <a16:creationId xmlns:a16="http://schemas.microsoft.com/office/drawing/2014/main" id="{6180C8AA-7561-F3BA-FC31-46C06530ED41}"/>
+              </a:ext>
+            </a:extLst>
+          </p:cNvPr>
+          <p:cNvSpPr>
+            <a:spLocks noGrp="1"/>
+          </p:cNvSpPr>
+          <p:nvPr>
+            <p:ph type="title"/>
+          </p:nvPr>
+        </p:nvSpPr>
+        <p:spPr>
+          <a:xfrm>
+            <a:off x="0" y="6096"/>
+            <a:ext cx="12191999" cy="688848"/>
+          </a:xfrm>
+        </p:spPr>
+        <p:txBody>
+          <a:bodyPr/>
+          <a:lstStyle/>
+          <a:p>
+            <a:pPr algn="ctr"/>
+            <a:r>
+              <a:rPr lang="ru-RU" dirty="0">
+                <a:latin typeface="Times New Roman" panose="02020603050405020304" pitchFamily="18" charset="0"/>
+                <a:cs typeface="Times New Roman" panose="02020603050405020304" pitchFamily="18" charset="0"/>
+              </a:rPr>
+              <a:t>ВХОДНЫЕ и выходные данные</a:t>
+            </a:r>
+            <a:endParaRPr lang="ru-RU" dirty="0"/>
+          </a:p>
+        </p:txBody>
+      </p:sp>
+      <p:sp>
+        <p:nvSpPr>
+          <p:cNvPr id="5" name="TextBox 4">
+            <a:extLst>
+              <a:ext uri="{FF2B5EF4-FFF2-40B4-BE49-F238E27FC236}">
+                <a16:creationId xmlns:a16="http://schemas.microsoft.com/office/drawing/2014/main" id="{7D1D1E67-62A4-5E00-9B5C-F74D0DA5F37E}"/>
+              </a:ext>
+            </a:extLst>
+          </p:cNvPr>
+          <p:cNvSpPr txBox="1"/>
+          <p:nvPr/>
+        </p:nvSpPr>
+        <p:spPr>
+          <a:xfrm>
+            <a:off x="366226" y="1000125"/>
+            <a:ext cx="11315700" cy="5966079"/>
+          </a:xfrm>
+          <a:prstGeom prst="rect">
+            <a:avLst/>
+          </a:prstGeom>
+          <a:noFill/>
+        </p:spPr>
+        <p:txBody>
+          <a:bodyPr wrap="square" rtlCol="0">
+            <a:noAutofit/>
+          </a:bodyPr>
+          <a:lstStyle/>
+          <a:p>
+            <a:pPr>
+              <a:lnSpc>
+                <a:spcPct val="150000"/>
+              </a:lnSpc>
+            </a:pPr>
+            <a:r>
+              <a:rPr lang="ru-RU" sz="2200" dirty="0">
+                <a:solidFill>
+                  <a:srgbClr val="FFFF00"/>
+                </a:solidFill>
+                <a:latin typeface="Tahoma" panose="020B0604030504040204" pitchFamily="34" charset="0"/>
+                <a:ea typeface="Tahoma" panose="020B0604030504040204" pitchFamily="34" charset="0"/>
+                <a:cs typeface="Tahoma" panose="020B0604030504040204" pitchFamily="34" charset="0"/>
+              </a:rPr>
+              <a:t>Входные данные:</a:t>
+            </a:r>
+          </a:p>
+          <a:p>
+            <a:pPr marL="800100" lvl="1" indent="-342900">
+              <a:lnSpc>
+                <a:spcPct val="150000"/>
+              </a:lnSpc>
+              <a:buFont typeface="Arial" panose="020B0604020202020204" pitchFamily="34" charset="0"/>
+              <a:buChar char="•"/>
+            </a:pPr>
+            <a:r>
+              <a:rPr lang="ru-RU" sz="2200" dirty="0">
+                <a:latin typeface="Times New Roman" panose="02020603050405020304" pitchFamily="18" charset="0"/>
+                <a:cs typeface="Times New Roman" panose="02020603050405020304" pitchFamily="18" charset="0"/>
+              </a:rPr>
+              <a:t>Данные о сотрудниках</a:t>
+            </a:r>
+            <a:r>
+              <a:rPr lang="en-US" sz="2200" dirty="0">
+                <a:latin typeface="Times New Roman" panose="02020603050405020304" pitchFamily="18" charset="0"/>
+                <a:cs typeface="Times New Roman" panose="02020603050405020304" pitchFamily="18" charset="0"/>
+              </a:rPr>
+              <a:t>.</a:t>
+            </a:r>
+            <a:endParaRPr lang="ru-RU" sz="2200" dirty="0">
+              <a:latin typeface="Times New Roman" panose="02020603050405020304" pitchFamily="18" charset="0"/>
+              <a:cs typeface="Times New Roman" panose="02020603050405020304" pitchFamily="18" charset="0"/>
+            </a:endParaRPr>
+          </a:p>
+          <a:p>
+            <a:pPr marL="800100" lvl="1" indent="-342900">
+              <a:lnSpc>
+                <a:spcPct val="150000"/>
+              </a:lnSpc>
+              <a:buFont typeface="Arial" panose="020B0604020202020204" pitchFamily="34" charset="0"/>
+              <a:buChar char="•"/>
+            </a:pPr>
+            <a:r>
+              <a:rPr lang="ru-RU" sz="2200" dirty="0">
+                <a:latin typeface="Times New Roman" panose="02020603050405020304" pitchFamily="18" charset="0"/>
+                <a:cs typeface="Times New Roman" panose="02020603050405020304" pitchFamily="18" charset="0"/>
+              </a:rPr>
+              <a:t>Данные об обучающихся</a:t>
+            </a:r>
+            <a:r>
+              <a:rPr lang="en-US" sz="2200" dirty="0">
+                <a:latin typeface="Times New Roman" panose="02020603050405020304" pitchFamily="18" charset="0"/>
+                <a:cs typeface="Times New Roman" panose="02020603050405020304" pitchFamily="18" charset="0"/>
+              </a:rPr>
+              <a:t>.</a:t>
+            </a:r>
+            <a:endParaRPr lang="ru-RU" sz="2200" dirty="0">
+              <a:latin typeface="Times New Roman" panose="02020603050405020304" pitchFamily="18" charset="0"/>
+              <a:cs typeface="Times New Roman" panose="02020603050405020304" pitchFamily="18" charset="0"/>
+            </a:endParaRPr>
+          </a:p>
+          <a:p>
+            <a:pPr marL="800100" lvl="1" indent="-342900">
+              <a:lnSpc>
+                <a:spcPct val="150000"/>
+              </a:lnSpc>
+              <a:buFont typeface="Arial" panose="020B0604020202020204" pitchFamily="34" charset="0"/>
+              <a:buChar char="•"/>
+            </a:pPr>
+            <a:r>
+              <a:rPr lang="ru-RU" sz="2200" dirty="0">
+                <a:latin typeface="Times New Roman" panose="02020603050405020304" pitchFamily="18" charset="0"/>
+                <a:cs typeface="Times New Roman" panose="02020603050405020304" pitchFamily="18" charset="0"/>
+              </a:rPr>
+              <a:t>Данные об учебных программах</a:t>
+            </a:r>
+            <a:r>
+              <a:rPr lang="en-US" sz="2200" dirty="0">
+                <a:latin typeface="Times New Roman" panose="02020603050405020304" pitchFamily="18" charset="0"/>
+                <a:cs typeface="Times New Roman" panose="02020603050405020304" pitchFamily="18" charset="0"/>
+              </a:rPr>
+              <a:t>.</a:t>
+            </a:r>
+            <a:endParaRPr lang="ru-RU" sz="2200" dirty="0">
+              <a:latin typeface="Times New Roman" panose="02020603050405020304" pitchFamily="18" charset="0"/>
+              <a:cs typeface="Times New Roman" panose="02020603050405020304" pitchFamily="18" charset="0"/>
+            </a:endParaRPr>
+          </a:p>
+          <a:p>
+            <a:pPr marL="800100" lvl="1" indent="-342900">
+              <a:lnSpc>
+                <a:spcPct val="150000"/>
+              </a:lnSpc>
+              <a:buFont typeface="Arial" panose="020B0604020202020204" pitchFamily="34" charset="0"/>
+              <a:buChar char="•"/>
+            </a:pPr>
+            <a:r>
+              <a:rPr lang="ru-RU" sz="2200" dirty="0">
+                <a:latin typeface="Times New Roman" panose="02020603050405020304" pitchFamily="18" charset="0"/>
+                <a:cs typeface="Times New Roman" panose="02020603050405020304" pitchFamily="18" charset="0"/>
+              </a:rPr>
+              <a:t>Данные о мероприятиях</a:t>
+            </a:r>
+            <a:r>
+              <a:rPr lang="en-US" sz="2200" dirty="0">
+                <a:latin typeface="Times New Roman" panose="02020603050405020304" pitchFamily="18" charset="0"/>
+                <a:cs typeface="Times New Roman" panose="02020603050405020304" pitchFamily="18" charset="0"/>
+              </a:rPr>
+              <a:t>.</a:t>
+            </a:r>
+            <a:endParaRPr lang="ru-RU" sz="2200" dirty="0">
+              <a:latin typeface="Times New Roman" panose="02020603050405020304" pitchFamily="18" charset="0"/>
+              <a:cs typeface="Times New Roman" panose="02020603050405020304" pitchFamily="18" charset="0"/>
+            </a:endParaRPr>
+          </a:p>
+          <a:p>
+            <a:pPr>
+              <a:lnSpc>
+                <a:spcPct val="150000"/>
+              </a:lnSpc>
+            </a:pPr>
+            <a:r>
+              <a:rPr lang="ru-RU" sz="2200" dirty="0">
+                <a:solidFill>
+                  <a:srgbClr val="FFFF00"/>
+                </a:solidFill>
+                <a:latin typeface="Tahoma" panose="020B0604030504040204" pitchFamily="34" charset="0"/>
+                <a:ea typeface="Tahoma" panose="020B0604030504040204" pitchFamily="34" charset="0"/>
+                <a:cs typeface="Tahoma" panose="020B0604030504040204" pitchFamily="34" charset="0"/>
+              </a:rPr>
+              <a:t>Выходные данные:</a:t>
+            </a:r>
+          </a:p>
+          <a:p>
+            <a:pPr marL="800100" lvl="1" indent="-342900">
+              <a:lnSpc>
+                <a:spcPct val="150000"/>
+              </a:lnSpc>
+              <a:buFont typeface="Arial" panose="020B0604020202020204" pitchFamily="34" charset="0"/>
+              <a:buChar char="•"/>
+            </a:pPr>
+            <a:r>
+              <a:rPr lang="ru-RU" sz="2200" dirty="0">
+                <a:latin typeface="Times New Roman" panose="02020603050405020304" pitchFamily="18" charset="0"/>
+                <a:cs typeface="Times New Roman" panose="02020603050405020304" pitchFamily="18" charset="0"/>
+              </a:rPr>
+              <a:t>Журналы, календарные графики, отчётные данные (в формате </a:t>
+            </a:r>
+            <a:r>
+              <a:rPr lang="en-US" sz="2200" dirty="0">
+                <a:latin typeface="Times New Roman" panose="02020603050405020304" pitchFamily="18" charset="0"/>
+                <a:cs typeface="Times New Roman" panose="02020603050405020304" pitchFamily="18" charset="0"/>
+              </a:rPr>
+              <a:t>xlsx</a:t>
+            </a:r>
+            <a:r>
+              <a:rPr lang="ru-RU" sz="2200" dirty="0">
+                <a:latin typeface="Times New Roman" panose="02020603050405020304" pitchFamily="18" charset="0"/>
+                <a:cs typeface="Times New Roman" panose="02020603050405020304" pitchFamily="18" charset="0"/>
+              </a:rPr>
+              <a:t>)</a:t>
+            </a:r>
+            <a:r>
+              <a:rPr lang="en-US" sz="2200" dirty="0">
+                <a:latin typeface="Times New Roman" panose="02020603050405020304" pitchFamily="18" charset="0"/>
+                <a:cs typeface="Times New Roman" panose="02020603050405020304" pitchFamily="18" charset="0"/>
+              </a:rPr>
+              <a:t>.</a:t>
+            </a:r>
+          </a:p>
+          <a:p>
+            <a:pPr marL="800100" lvl="1" indent="-342900">
+              <a:lnSpc>
+                <a:spcPct val="150000"/>
+              </a:lnSpc>
+              <a:buFont typeface="Arial" panose="020B0604020202020204" pitchFamily="34" charset="0"/>
+              <a:buChar char="•"/>
+            </a:pPr>
+            <a:r>
+              <a:rPr lang="ru-RU" sz="2200" dirty="0">
+                <a:latin typeface="Times New Roman" panose="02020603050405020304" pitchFamily="18" charset="0"/>
+                <a:cs typeface="Times New Roman" panose="02020603050405020304" pitchFamily="18" charset="0"/>
+              </a:rPr>
+              <a:t>Приказы (в формате </a:t>
+            </a:r>
+            <a:r>
+              <a:rPr lang="en-US" sz="2200" dirty="0">
+                <a:latin typeface="Times New Roman" panose="02020603050405020304" pitchFamily="18" charset="0"/>
+                <a:cs typeface="Times New Roman" panose="02020603050405020304" pitchFamily="18" charset="0"/>
+              </a:rPr>
+              <a:t>docx</a:t>
+            </a:r>
+            <a:r>
+              <a:rPr lang="ru-RU" sz="2200" dirty="0">
+                <a:latin typeface="Times New Roman" panose="02020603050405020304" pitchFamily="18" charset="0"/>
+                <a:cs typeface="Times New Roman" panose="02020603050405020304" pitchFamily="18" charset="0"/>
+              </a:rPr>
+              <a:t>)</a:t>
+            </a:r>
+            <a:r>
+              <a:rPr lang="en-US" sz="2200" dirty="0">
+                <a:latin typeface="Times New Roman" panose="02020603050405020304" pitchFamily="18" charset="0"/>
+                <a:cs typeface="Times New Roman" panose="02020603050405020304" pitchFamily="18" charset="0"/>
+              </a:rPr>
+              <a:t>.</a:t>
+            </a:r>
+            <a:endParaRPr lang="ru-RU" sz="2200" dirty="0">
+              <a:latin typeface="Times New Roman" panose="02020603050405020304" pitchFamily="18" charset="0"/>
+              <a:cs typeface="Times New Roman" panose="02020603050405020304" pitchFamily="18" charset="0"/>
+            </a:endParaRPr>
+          </a:p>
+          <a:p>
+            <a:pPr marL="800100" lvl="1" indent="-342900">
+              <a:lnSpc>
+                <a:spcPct val="150000"/>
+              </a:lnSpc>
+              <a:buFont typeface="Arial" panose="020B0604020202020204" pitchFamily="34" charset="0"/>
+              <a:buChar char="•"/>
+            </a:pPr>
+            <a:r>
+              <a:rPr lang="ru-RU" sz="2200" dirty="0">
+                <a:latin typeface="Times New Roman" panose="02020603050405020304" pitchFamily="18" charset="0"/>
+                <a:cs typeface="Times New Roman" panose="02020603050405020304" pitchFamily="18" charset="0"/>
+              </a:rPr>
+              <a:t>Сертификаты (в формате </a:t>
+            </a:r>
+            <a:r>
+              <a:rPr lang="en-US" sz="2200" dirty="0">
+                <a:latin typeface="Times New Roman" panose="02020603050405020304" pitchFamily="18" charset="0"/>
+                <a:cs typeface="Times New Roman" panose="02020603050405020304" pitchFamily="18" charset="0"/>
+              </a:rPr>
+              <a:t>pdf</a:t>
+            </a:r>
+            <a:r>
+              <a:rPr lang="ru-RU" sz="2200" dirty="0">
+                <a:latin typeface="Times New Roman" panose="02020603050405020304" pitchFamily="18" charset="0"/>
+                <a:cs typeface="Times New Roman" panose="02020603050405020304" pitchFamily="18" charset="0"/>
+              </a:rPr>
+              <a:t>)</a:t>
+            </a:r>
+            <a:r>
+              <a:rPr lang="en-US" sz="2200" dirty="0">
+                <a:latin typeface="Times New Roman" panose="02020603050405020304" pitchFamily="18" charset="0"/>
+                <a:cs typeface="Times New Roman" panose="02020603050405020304" pitchFamily="18" charset="0"/>
+              </a:rPr>
+              <a:t>.</a:t>
+            </a:r>
+            <a:endParaRPr lang="ru-RU" sz="2200" dirty="0">
+              <a:latin typeface="Times New Roman" panose="02020603050405020304" pitchFamily="18" charset="0"/>
+              <a:cs typeface="Times New Roman" panose="02020603050405020304" pitchFamily="18" charset="0"/>
+            </a:endParaRPr>
+          </a:p>
+          <a:p>
+            <a:pPr>
+              <a:lnSpc>
+                <a:spcPct val="125000"/>
+              </a:lnSpc>
+            </a:pPr>
+            <a:endParaRPr lang="en-US" sz="2200" dirty="0">
+              <a:latin typeface="Times New Roman" panose="02020603050405020304" pitchFamily="18" charset="0"/>
+              <a:cs typeface="Times New Roman" panose="02020603050405020304" pitchFamily="18" charset="0"/>
+            </a:endParaRPr>
+          </a:p>
+        </p:txBody>
+      </p:sp>
+      <p:sp>
+        <p:nvSpPr>
+          <p:cNvPr id="8" name="Номер слайда 4">
+            <a:extLst>
+              <a:ext uri="{FF2B5EF4-FFF2-40B4-BE49-F238E27FC236}">
+                <a16:creationId xmlns:a16="http://schemas.microsoft.com/office/drawing/2014/main" id="{C5B64F97-D6A0-FC0D-8E50-8227B356EE18}"/>
+              </a:ext>
+            </a:extLst>
+          </p:cNvPr>
+          <p:cNvSpPr txBox="1">
+            <a:spLocks/>
+          </p:cNvSpPr>
+          <p:nvPr/>
+        </p:nvSpPr>
+        <p:spPr>
+          <a:xfrm>
+            <a:off x="11171852" y="0"/>
+            <a:ext cx="1020148" cy="658368"/>
+          </a:xfrm>
+          <a:prstGeom prst="rect">
+            <a:avLst/>
+          </a:prstGeom>
+        </p:spPr>
+        <p:txBody>
+          <a:bodyPr vert="horz" lIns="91440" tIns="45720" rIns="91440" bIns="45720" rtlCol="0" anchor="ctr"/>
+          <a:lstStyle>
+            <a:defPPr>
+              <a:defRPr lang="en-US"/>
+            </a:defPPr>
+            <a:lvl1pPr marL="0" algn="r" defTabSz="457200" rtl="0" eaLnBrk="1" latinLnBrk="0" hangingPunct="1">
+              <a:defRPr sz="1000" b="0" i="0" kern="1200">
+                <a:solidFill>
+                  <a:schemeClr val="tx1"/>
+                </a:solidFill>
+                <a:effectLst/>
+                <a:latin typeface="+mn-lt"/>
+                <a:ea typeface="+mn-ea"/>
+                <a:cs typeface="+mn-cs"/>
+              </a:defRPr>
+            </a:lvl1pPr>
+            <a:lvl2pPr marL="457200" algn="l" defTabSz="457200" rtl="0" eaLnBrk="1" latinLnBrk="0" hangingPunct="1">
+              <a:defRPr sz="1800" kern="1200">
+                <a:solidFill>
+                  <a:schemeClr val="tx1"/>
+                </a:solidFill>
+                <a:latin typeface="+mn-lt"/>
+                <a:ea typeface="+mn-ea"/>
+                <a:cs typeface="+mn-cs"/>
+              </a:defRPr>
+            </a:lvl2pPr>
+            <a:lvl3pPr marL="914400" algn="l" defTabSz="457200" rtl="0" eaLnBrk="1" latinLnBrk="0" hangingPunct="1">
+              <a:defRPr sz="1800" kern="1200">
+                <a:solidFill>
+                  <a:schemeClr val="tx1"/>
+                </a:solidFill>
+                <a:latin typeface="+mn-lt"/>
+                <a:ea typeface="+mn-ea"/>
+                <a:cs typeface="+mn-cs"/>
+              </a:defRPr>
+            </a:lvl3pPr>
+            <a:lvl4pPr marL="1371600" algn="l" defTabSz="457200" rtl="0" eaLnBrk="1" latinLnBrk="0" hangingPunct="1">
+              <a:defRPr sz="1800" kern="1200">
+                <a:solidFill>
+                  <a:schemeClr val="tx1"/>
+                </a:solidFill>
+                <a:latin typeface="+mn-lt"/>
+                <a:ea typeface="+mn-ea"/>
+                <a:cs typeface="+mn-cs"/>
+              </a:defRPr>
+            </a:lvl4pPr>
+            <a:lvl5pPr marL="1828800" algn="l" defTabSz="457200" rtl="0" eaLnBrk="1" latinLnBrk="0" hangingPunct="1">
+              <a:defRPr sz="1800" kern="1200">
+                <a:solidFill>
+                  <a:schemeClr val="tx1"/>
+                </a:solidFill>
+                <a:latin typeface="+mn-lt"/>
+                <a:ea typeface="+mn-ea"/>
+                <a:cs typeface="+mn-cs"/>
+              </a:defRPr>
+            </a:lvl5pPr>
+            <a:lvl6pPr marL="2286000" algn="l" defTabSz="457200" rtl="0" eaLnBrk="1" latinLnBrk="0" hangingPunct="1">
+              <a:defRPr sz="1800" kern="1200">
+                <a:solidFill>
+                  <a:schemeClr val="tx1"/>
+                </a:solidFill>
+                <a:latin typeface="+mn-lt"/>
+                <a:ea typeface="+mn-ea"/>
+                <a:cs typeface="+mn-cs"/>
+              </a:defRPr>
+            </a:lvl6pPr>
+            <a:lvl7pPr marL="2743200" algn="l" defTabSz="457200" rtl="0" eaLnBrk="1" latinLnBrk="0" hangingPunct="1">
+              <a:defRPr sz="1800" kern="1200">
+                <a:solidFill>
+                  <a:schemeClr val="tx1"/>
+                </a:solidFill>
+                <a:latin typeface="+mn-lt"/>
+                <a:ea typeface="+mn-ea"/>
+                <a:cs typeface="+mn-cs"/>
+              </a:defRPr>
+            </a:lvl7pPr>
+            <a:lvl8pPr marL="3200400" algn="l" defTabSz="457200" rtl="0" eaLnBrk="1" latinLnBrk="0" hangingPunct="1">
+              <a:defRPr sz="1800" kern="1200">
+                <a:solidFill>
+                  <a:schemeClr val="tx1"/>
+                </a:solidFill>
+                <a:latin typeface="+mn-lt"/>
+                <a:ea typeface="+mn-ea"/>
+                <a:cs typeface="+mn-cs"/>
+              </a:defRPr>
+            </a:lvl8pPr>
+            <a:lvl9pPr marL="3657600" algn="l" defTabSz="457200" rtl="0" eaLnBrk="1" latinLnBrk="0" hangingPunct="1">
+              <a:defRPr sz="1800" kern="1200">
+                <a:solidFill>
+                  <a:schemeClr val="tx1"/>
+                </a:solidFill>
+                <a:latin typeface="+mn-lt"/>
+                <a:ea typeface="+mn-ea"/>
+                <a:cs typeface="+mn-cs"/>
+              </a:defRPr>
+            </a:lvl9pPr>
+          </a:lstStyle>
+          <a:p>
+            <a:pPr algn="ctr"/>
+            <a:fld id="{E674C0A0-8DE9-4942-9F1B-2332F349D007}" type="slidenum">
+              <a:rPr lang="ru-RU" sz="2200" smtClean="0">
+                <a:latin typeface="Tahoma" panose="020B0604030504040204" pitchFamily="34" charset="0"/>
+                <a:ea typeface="Tahoma" panose="020B0604030504040204" pitchFamily="34" charset="0"/>
+                <a:cs typeface="Tahoma" panose="020B0604030504040204" pitchFamily="34" charset="0"/>
+              </a:rPr>
+              <a:pPr algn="ctr"/>
+              <a:t>14</a:t>
+            </a:fld>
+            <a:endParaRPr lang="ru-RU" sz="2200" dirty="0">
+              <a:latin typeface="Tahoma" panose="020B0604030504040204" pitchFamily="34" charset="0"/>
+              <a:ea typeface="Tahoma" panose="020B0604030504040204" pitchFamily="34" charset="0"/>
+              <a:cs typeface="Tahoma" panose="020B0604030504040204" pitchFamily="34" charset="0"/>
+            </a:endParaRPr>
+          </a:p>
+        </p:txBody>
+      </p:sp>
+    </p:spTree>
+    <p:extLst>
+      <p:ext uri="{BB962C8B-B14F-4D97-AF65-F5344CB8AC3E}">
+        <p14:creationId xmlns:p14="http://schemas.microsoft.com/office/powerpoint/2010/main" val="528627330"/>
+      </p:ext>
+    </p:extLst>
+  </p:cSld>
+  <p:clrMapOvr>
+    <a:masterClrMapping/>
+  </p:clrMapOvr>
+  <mc:AlternateContent xmlns:mc="http://schemas.openxmlformats.org/markup-compatibility/2006" xmlns:p14="http://schemas.microsoft.com/office/powerpoint/2010/main">
+    <mc:Choice Requires="p14">
+      <p:transition spd="med" p14:dur="700">
+        <p:fade/>
+      </p:transition>
+    </mc:Choice>
+    <mc:Fallback xmlns="">
+      <p:transition spd="med">
+        <p:fade/>
+      </p:transition>
+    </mc:Fallback>
+  </mc:AlternateContent>
+</p:sld>
+</file>
+
+<file path=ppt/slides/slide15.xml><?xml version="1.0" encoding="utf-8"?>
 <p:sld xmlns:a="http://schemas.openxmlformats.org/drawingml/2006/main" xmlns:r="http://schemas.openxmlformats.org/officeDocument/2006/relationships" xmlns:p="http://schemas.openxmlformats.org/presentationml/2006/main">
   <p:cSld>
     <p:spTree>
@@ -22901,7 +22343,7 @@
                 <a:cs typeface="Tahoma" panose="020B0604030504040204" pitchFamily="34" charset="0"/>
               </a:rPr>
               <a:pPr algn="ctr"/>
-              <a:t>16</a:t>
+              <a:t>15</a:t>
             </a:fld>
             <a:endParaRPr lang="ru-RU" sz="2200" dirty="0">
               <a:latin typeface="Tahoma" panose="020B0604030504040204" pitchFamily="34" charset="0"/>
@@ -22994,7 +22436,7 @@
 </p:sld>
 </file>
 
-<file path=ppt/slides/slide17.xml><?xml version="1.0" encoding="utf-8"?>
+<file path=ppt/slides/slide16.xml><?xml version="1.0" encoding="utf-8"?>
 <p:sld xmlns:a="http://schemas.openxmlformats.org/drawingml/2006/main" xmlns:r="http://schemas.openxmlformats.org/officeDocument/2006/relationships" xmlns:p="http://schemas.openxmlformats.org/presentationml/2006/main">
   <p:cSld>
     <p:spTree>
@@ -23581,7 +23023,7 @@
                 <a:cs typeface="Tahoma" panose="020B0604030504040204" pitchFamily="34" charset="0"/>
               </a:rPr>
               <a:pPr algn="ctr"/>
-              <a:t>17</a:t>
+              <a:t>16</a:t>
             </a:fld>
             <a:endParaRPr lang="ru-RU" sz="2200" dirty="0">
               <a:latin typeface="Tahoma" panose="020B0604030504040204" pitchFamily="34" charset="0"/>
@@ -24337,6 +23779,564 @@
       </p:transition>
     </mc:Fallback>
   </mc:AlternateContent>
+</p:sld>
+</file>
+
+<file path=ppt/slides/slide17.xml><?xml version="1.0" encoding="utf-8"?>
+<p:sld xmlns:a="http://schemas.openxmlformats.org/drawingml/2006/main" xmlns:r="http://schemas.openxmlformats.org/officeDocument/2006/relationships" xmlns:p="http://schemas.openxmlformats.org/presentationml/2006/main">
+  <p:cSld>
+    <p:spTree>
+      <p:nvGrpSpPr>
+        <p:cNvPr id="1" name=""/>
+        <p:cNvGrpSpPr/>
+        <p:nvPr/>
+      </p:nvGrpSpPr>
+      <p:grpSpPr>
+        <a:xfrm>
+          <a:off x="0" y="0"/>
+          <a:ext cx="0" cy="0"/>
+          <a:chOff x="0" y="0"/>
+          <a:chExt cx="0" cy="0"/>
+        </a:xfrm>
+      </p:grpSpPr>
+      <p:sp>
+        <p:nvSpPr>
+          <p:cNvPr id="7" name="Заголовок 1">
+            <a:extLst>
+              <a:ext uri="{FF2B5EF4-FFF2-40B4-BE49-F238E27FC236}">
+                <a16:creationId xmlns:a16="http://schemas.microsoft.com/office/drawing/2014/main" id="{0AC31A72-5FA3-A939-1D1C-E89299BFE294}"/>
+              </a:ext>
+            </a:extLst>
+          </p:cNvPr>
+          <p:cNvSpPr>
+            <a:spLocks noGrp="1"/>
+          </p:cNvSpPr>
+          <p:nvPr>
+            <p:ph type="title"/>
+          </p:nvPr>
+        </p:nvSpPr>
+        <p:spPr>
+          <a:xfrm>
+            <a:off x="-1" y="0"/>
+            <a:ext cx="12191999" cy="600076"/>
+          </a:xfrm>
+        </p:spPr>
+        <p:txBody>
+          <a:bodyPr>
+            <a:noAutofit/>
+          </a:bodyPr>
+          <a:lstStyle/>
+          <a:p>
+            <a:pPr algn="ctr"/>
+            <a:r>
+              <a:rPr lang="ru-RU" dirty="0">
+                <a:latin typeface="Times New Roman" panose="02020603050405020304" pitchFamily="18" charset="0"/>
+                <a:cs typeface="Times New Roman" panose="02020603050405020304" pitchFamily="18" charset="0"/>
+              </a:rPr>
+              <a:t>РАЗРАБОТАННЫЕ ИНТЕРФЕЙСЫ</a:t>
+            </a:r>
+            <a:endParaRPr lang="ru-RU" dirty="0">
+              <a:solidFill>
+                <a:schemeClr val="tx1"/>
+              </a:solidFill>
+              <a:latin typeface="Times New Roman" panose="02020603050405020304" pitchFamily="18" charset="0"/>
+              <a:cs typeface="Times New Roman" panose="02020603050405020304" pitchFamily="18" charset="0"/>
+            </a:endParaRPr>
+          </a:p>
+        </p:txBody>
+      </p:sp>
+      <p:sp>
+        <p:nvSpPr>
+          <p:cNvPr id="14" name="Номер слайда 4">
+            <a:extLst>
+              <a:ext uri="{FF2B5EF4-FFF2-40B4-BE49-F238E27FC236}">
+                <a16:creationId xmlns:a16="http://schemas.microsoft.com/office/drawing/2014/main" id="{DB47AF26-AF92-C82B-7102-0AE934D6853A}"/>
+              </a:ext>
+            </a:extLst>
+          </p:cNvPr>
+          <p:cNvSpPr txBox="1">
+            <a:spLocks/>
+          </p:cNvSpPr>
+          <p:nvPr/>
+        </p:nvSpPr>
+        <p:spPr>
+          <a:xfrm>
+            <a:off x="11290040" y="0"/>
+            <a:ext cx="901959" cy="600076"/>
+          </a:xfrm>
+          <a:prstGeom prst="rect">
+            <a:avLst/>
+          </a:prstGeom>
+        </p:spPr>
+        <p:txBody>
+          <a:bodyPr vert="horz" lIns="91440" tIns="45720" rIns="91440" bIns="45720" rtlCol="0" anchor="ctr"/>
+          <a:lstStyle>
+            <a:defPPr>
+              <a:defRPr lang="en-US"/>
+            </a:defPPr>
+            <a:lvl1pPr marL="0" algn="r" defTabSz="457200" rtl="0" eaLnBrk="1" latinLnBrk="0" hangingPunct="1">
+              <a:defRPr sz="1000" b="0" i="0" kern="1200">
+                <a:solidFill>
+                  <a:schemeClr val="tx1"/>
+                </a:solidFill>
+                <a:effectLst/>
+                <a:latin typeface="+mn-lt"/>
+                <a:ea typeface="+mn-ea"/>
+                <a:cs typeface="+mn-cs"/>
+              </a:defRPr>
+            </a:lvl1pPr>
+            <a:lvl2pPr marL="457200" algn="l" defTabSz="457200" rtl="0" eaLnBrk="1" latinLnBrk="0" hangingPunct="1">
+              <a:defRPr sz="1800" kern="1200">
+                <a:solidFill>
+                  <a:schemeClr val="tx1"/>
+                </a:solidFill>
+                <a:latin typeface="+mn-lt"/>
+                <a:ea typeface="+mn-ea"/>
+                <a:cs typeface="+mn-cs"/>
+              </a:defRPr>
+            </a:lvl2pPr>
+            <a:lvl3pPr marL="914400" algn="l" defTabSz="457200" rtl="0" eaLnBrk="1" latinLnBrk="0" hangingPunct="1">
+              <a:defRPr sz="1800" kern="1200">
+                <a:solidFill>
+                  <a:schemeClr val="tx1"/>
+                </a:solidFill>
+                <a:latin typeface="+mn-lt"/>
+                <a:ea typeface="+mn-ea"/>
+                <a:cs typeface="+mn-cs"/>
+              </a:defRPr>
+            </a:lvl3pPr>
+            <a:lvl4pPr marL="1371600" algn="l" defTabSz="457200" rtl="0" eaLnBrk="1" latinLnBrk="0" hangingPunct="1">
+              <a:defRPr sz="1800" kern="1200">
+                <a:solidFill>
+                  <a:schemeClr val="tx1"/>
+                </a:solidFill>
+                <a:latin typeface="+mn-lt"/>
+                <a:ea typeface="+mn-ea"/>
+                <a:cs typeface="+mn-cs"/>
+              </a:defRPr>
+            </a:lvl4pPr>
+            <a:lvl5pPr marL="1828800" algn="l" defTabSz="457200" rtl="0" eaLnBrk="1" latinLnBrk="0" hangingPunct="1">
+              <a:defRPr sz="1800" kern="1200">
+                <a:solidFill>
+                  <a:schemeClr val="tx1"/>
+                </a:solidFill>
+                <a:latin typeface="+mn-lt"/>
+                <a:ea typeface="+mn-ea"/>
+                <a:cs typeface="+mn-cs"/>
+              </a:defRPr>
+            </a:lvl5pPr>
+            <a:lvl6pPr marL="2286000" algn="l" defTabSz="457200" rtl="0" eaLnBrk="1" latinLnBrk="0" hangingPunct="1">
+              <a:defRPr sz="1800" kern="1200">
+                <a:solidFill>
+                  <a:schemeClr val="tx1"/>
+                </a:solidFill>
+                <a:latin typeface="+mn-lt"/>
+                <a:ea typeface="+mn-ea"/>
+                <a:cs typeface="+mn-cs"/>
+              </a:defRPr>
+            </a:lvl6pPr>
+            <a:lvl7pPr marL="2743200" algn="l" defTabSz="457200" rtl="0" eaLnBrk="1" latinLnBrk="0" hangingPunct="1">
+              <a:defRPr sz="1800" kern="1200">
+                <a:solidFill>
+                  <a:schemeClr val="tx1"/>
+                </a:solidFill>
+                <a:latin typeface="+mn-lt"/>
+                <a:ea typeface="+mn-ea"/>
+                <a:cs typeface="+mn-cs"/>
+              </a:defRPr>
+            </a:lvl7pPr>
+            <a:lvl8pPr marL="3200400" algn="l" defTabSz="457200" rtl="0" eaLnBrk="1" latinLnBrk="0" hangingPunct="1">
+              <a:defRPr sz="1800" kern="1200">
+                <a:solidFill>
+                  <a:schemeClr val="tx1"/>
+                </a:solidFill>
+                <a:latin typeface="+mn-lt"/>
+                <a:ea typeface="+mn-ea"/>
+                <a:cs typeface="+mn-cs"/>
+              </a:defRPr>
+            </a:lvl8pPr>
+            <a:lvl9pPr marL="3657600" algn="l" defTabSz="457200" rtl="0" eaLnBrk="1" latinLnBrk="0" hangingPunct="1">
+              <a:defRPr sz="1800" kern="1200">
+                <a:solidFill>
+                  <a:schemeClr val="tx1"/>
+                </a:solidFill>
+                <a:latin typeface="+mn-lt"/>
+                <a:ea typeface="+mn-ea"/>
+                <a:cs typeface="+mn-cs"/>
+              </a:defRPr>
+            </a:lvl9pPr>
+          </a:lstStyle>
+          <a:p>
+            <a:pPr algn="ctr"/>
+            <a:fld id="{E674C0A0-8DE9-4942-9F1B-2332F349D007}" type="slidenum">
+              <a:rPr lang="ru-RU" sz="2200" smtClean="0">
+                <a:latin typeface="Tahoma" panose="020B0604030504040204" pitchFamily="34" charset="0"/>
+                <a:ea typeface="Tahoma" panose="020B0604030504040204" pitchFamily="34" charset="0"/>
+                <a:cs typeface="Tahoma" panose="020B0604030504040204" pitchFamily="34" charset="0"/>
+              </a:rPr>
+              <a:pPr algn="ctr"/>
+              <a:t>17</a:t>
+            </a:fld>
+            <a:endParaRPr lang="ru-RU" sz="2200" dirty="0">
+              <a:latin typeface="Tahoma" panose="020B0604030504040204" pitchFamily="34" charset="0"/>
+              <a:ea typeface="Tahoma" panose="020B0604030504040204" pitchFamily="34" charset="0"/>
+              <a:cs typeface="Tahoma" panose="020B0604030504040204" pitchFamily="34" charset="0"/>
+            </a:endParaRPr>
+          </a:p>
+        </p:txBody>
+      </p:sp>
+      <p:pic>
+        <p:nvPicPr>
+          <p:cNvPr id="4" name="Рисунок 3">
+            <a:extLst>
+              <a:ext uri="{FF2B5EF4-FFF2-40B4-BE49-F238E27FC236}">
+                <a16:creationId xmlns:a16="http://schemas.microsoft.com/office/drawing/2014/main" id="{ED7E34A2-3FE4-50FE-E4A5-DA1F47C71AF9}"/>
+              </a:ext>
+            </a:extLst>
+          </p:cNvPr>
+          <p:cNvPicPr>
+            <a:picLocks noChangeAspect="1"/>
+          </p:cNvPicPr>
+          <p:nvPr/>
+        </p:nvPicPr>
+        <p:blipFill>
+          <a:blip r:embed="rId3"/>
+          <a:stretch>
+            <a:fillRect/>
+          </a:stretch>
+        </p:blipFill>
+        <p:spPr>
+          <a:xfrm>
+            <a:off x="0" y="499784"/>
+            <a:ext cx="6260841" cy="3275079"/>
+          </a:xfrm>
+          <a:prstGeom prst="rect">
+            <a:avLst/>
+          </a:prstGeom>
+        </p:spPr>
+      </p:pic>
+      <p:pic>
+        <p:nvPicPr>
+          <p:cNvPr id="6" name="Рисунок 5">
+            <a:extLst>
+              <a:ext uri="{FF2B5EF4-FFF2-40B4-BE49-F238E27FC236}">
+                <a16:creationId xmlns:a16="http://schemas.microsoft.com/office/drawing/2014/main" id="{13417EE5-FD0B-8E04-7955-D30E5F30F25A}"/>
+              </a:ext>
+            </a:extLst>
+          </p:cNvPr>
+          <p:cNvPicPr>
+            <a:picLocks noChangeAspect="1"/>
+          </p:cNvPicPr>
+          <p:nvPr/>
+        </p:nvPicPr>
+        <p:blipFill>
+          <a:blip r:embed="rId4"/>
+          <a:stretch>
+            <a:fillRect/>
+          </a:stretch>
+        </p:blipFill>
+        <p:spPr>
+          <a:xfrm>
+            <a:off x="5838889" y="499784"/>
+            <a:ext cx="6353109" cy="5244117"/>
+          </a:xfrm>
+          <a:prstGeom prst="rect">
+            <a:avLst/>
+          </a:prstGeom>
+        </p:spPr>
+      </p:pic>
+      <p:pic>
+        <p:nvPicPr>
+          <p:cNvPr id="9" name="Рисунок 8">
+            <a:extLst>
+              <a:ext uri="{FF2B5EF4-FFF2-40B4-BE49-F238E27FC236}">
+                <a16:creationId xmlns:a16="http://schemas.microsoft.com/office/drawing/2014/main" id="{06228E07-24D2-5E4D-8A13-B0D1E5D44F06}"/>
+              </a:ext>
+            </a:extLst>
+          </p:cNvPr>
+          <p:cNvPicPr>
+            <a:picLocks noChangeAspect="1"/>
+          </p:cNvPicPr>
+          <p:nvPr/>
+        </p:nvPicPr>
+        <p:blipFill>
+          <a:blip r:embed="rId5"/>
+          <a:stretch>
+            <a:fillRect/>
+          </a:stretch>
+        </p:blipFill>
+        <p:spPr>
+          <a:xfrm>
+            <a:off x="-17325" y="1379255"/>
+            <a:ext cx="6651389" cy="5478745"/>
+          </a:xfrm>
+          <a:prstGeom prst="rect">
+            <a:avLst/>
+          </a:prstGeom>
+        </p:spPr>
+      </p:pic>
+      <p:pic>
+        <p:nvPicPr>
+          <p:cNvPr id="11" name="Рисунок 10">
+            <a:extLst>
+              <a:ext uri="{FF2B5EF4-FFF2-40B4-BE49-F238E27FC236}">
+                <a16:creationId xmlns:a16="http://schemas.microsoft.com/office/drawing/2014/main" id="{3A2600B0-24F4-21E9-F6CD-174AA3C35AEE}"/>
+              </a:ext>
+            </a:extLst>
+          </p:cNvPr>
+          <p:cNvPicPr>
+            <a:picLocks noChangeAspect="1"/>
+          </p:cNvPicPr>
+          <p:nvPr/>
+        </p:nvPicPr>
+        <p:blipFill>
+          <a:blip r:embed="rId6"/>
+          <a:stretch>
+            <a:fillRect/>
+          </a:stretch>
+        </p:blipFill>
+        <p:spPr>
+          <a:xfrm>
+            <a:off x="6428792" y="1578950"/>
+            <a:ext cx="5763206" cy="5279050"/>
+          </a:xfrm>
+          <a:prstGeom prst="rect">
+            <a:avLst/>
+          </a:prstGeom>
+        </p:spPr>
+      </p:pic>
+    </p:spTree>
+    <p:extLst>
+      <p:ext uri="{BB962C8B-B14F-4D97-AF65-F5344CB8AC3E}">
+        <p14:creationId xmlns:p14="http://schemas.microsoft.com/office/powerpoint/2010/main" val="2164266354"/>
+      </p:ext>
+    </p:extLst>
+  </p:cSld>
+  <p:clrMapOvr>
+    <a:masterClrMapping/>
+  </p:clrMapOvr>
+  <mc:AlternateContent xmlns:mc="http://schemas.openxmlformats.org/markup-compatibility/2006" xmlns:p14="http://schemas.microsoft.com/office/powerpoint/2010/main">
+    <mc:Choice Requires="p14">
+      <p:transition spd="med" p14:dur="700">
+        <p:fade/>
+      </p:transition>
+    </mc:Choice>
+    <mc:Fallback xmlns="">
+      <p:transition spd="med">
+        <p:fade/>
+      </p:transition>
+    </mc:Fallback>
+  </mc:AlternateContent>
+  <p:timing>
+    <p:tnLst>
+      <p:par>
+        <p:cTn id="1" dur="indefinite" restart="never" nodeType="tmRoot">
+          <p:childTnLst>
+            <p:seq concurrent="1" nextAc="seek">
+              <p:cTn id="2" dur="indefinite" nodeType="mainSeq">
+                <p:childTnLst>
+                  <p:par>
+                    <p:cTn id="3" fill="hold">
+                      <p:stCondLst>
+                        <p:cond delay="indefinite"/>
+                      </p:stCondLst>
+                      <p:childTnLst>
+                        <p:par>
+                          <p:cTn id="4" fill="hold">
+                            <p:stCondLst>
+                              <p:cond delay="0"/>
+                            </p:stCondLst>
+                            <p:childTnLst>
+                              <p:par>
+                                <p:cTn id="5" presetID="1" presetClass="entr" presetSubtype="0" fill="hold" nodeType="clickEffect">
+                                  <p:stCondLst>
+                                    <p:cond delay="0"/>
+                                  </p:stCondLst>
+                                  <p:childTnLst>
+                                    <p:set>
+                                      <p:cBhvr>
+                                        <p:cTn id="6" dur="1" fill="hold">
+                                          <p:stCondLst>
+                                            <p:cond delay="0"/>
+                                          </p:stCondLst>
+                                        </p:cTn>
+                                        <p:tgtEl>
+                                          <p:spTgt spid="4"/>
+                                        </p:tgtEl>
+                                        <p:attrNameLst>
+                                          <p:attrName>style.visibility</p:attrName>
+                                        </p:attrNameLst>
+                                      </p:cBhvr>
+                                      <p:to>
+                                        <p:strVal val="visible"/>
+                                      </p:to>
+                                    </p:set>
+                                  </p:childTnLst>
+                                </p:cTn>
+                              </p:par>
+                            </p:childTnLst>
+                          </p:cTn>
+                        </p:par>
+                      </p:childTnLst>
+                    </p:cTn>
+                  </p:par>
+                  <p:par>
+                    <p:cTn id="7" fill="hold">
+                      <p:stCondLst>
+                        <p:cond delay="indefinite"/>
+                      </p:stCondLst>
+                      <p:childTnLst>
+                        <p:par>
+                          <p:cTn id="8" fill="hold">
+                            <p:stCondLst>
+                              <p:cond delay="0"/>
+                            </p:stCondLst>
+                            <p:childTnLst>
+                              <p:par>
+                                <p:cTn id="9" presetID="1" presetClass="entr" presetSubtype="0" fill="hold" nodeType="clickEffect">
+                                  <p:stCondLst>
+                                    <p:cond delay="0"/>
+                                  </p:stCondLst>
+                                  <p:childTnLst>
+                                    <p:set>
+                                      <p:cBhvr>
+                                        <p:cTn id="10" dur="1" fill="hold">
+                                          <p:stCondLst>
+                                            <p:cond delay="0"/>
+                                          </p:stCondLst>
+                                        </p:cTn>
+                                        <p:tgtEl>
+                                          <p:spTgt spid="6"/>
+                                        </p:tgtEl>
+                                        <p:attrNameLst>
+                                          <p:attrName>style.visibility</p:attrName>
+                                        </p:attrNameLst>
+                                      </p:cBhvr>
+                                      <p:to>
+                                        <p:strVal val="visible"/>
+                                      </p:to>
+                                    </p:set>
+                                  </p:childTnLst>
+                                </p:cTn>
+                              </p:par>
+                            </p:childTnLst>
+                          </p:cTn>
+                        </p:par>
+                      </p:childTnLst>
+                    </p:cTn>
+                  </p:par>
+                  <p:par>
+                    <p:cTn id="11" fill="hold">
+                      <p:stCondLst>
+                        <p:cond delay="indefinite"/>
+                      </p:stCondLst>
+                      <p:childTnLst>
+                        <p:par>
+                          <p:cTn id="12" fill="hold">
+                            <p:stCondLst>
+                              <p:cond delay="0"/>
+                            </p:stCondLst>
+                            <p:childTnLst>
+                              <p:par>
+                                <p:cTn id="13" presetID="1" presetClass="entr" presetSubtype="0" fill="hold" nodeType="clickEffect">
+                                  <p:stCondLst>
+                                    <p:cond delay="0"/>
+                                  </p:stCondLst>
+                                  <p:childTnLst>
+                                    <p:set>
+                                      <p:cBhvr>
+                                        <p:cTn id="14" dur="1" fill="hold">
+                                          <p:stCondLst>
+                                            <p:cond delay="0"/>
+                                          </p:stCondLst>
+                                        </p:cTn>
+                                        <p:tgtEl>
+                                          <p:spTgt spid="9"/>
+                                        </p:tgtEl>
+                                        <p:attrNameLst>
+                                          <p:attrName>style.visibility</p:attrName>
+                                        </p:attrNameLst>
+                                      </p:cBhvr>
+                                      <p:to>
+                                        <p:strVal val="visible"/>
+                                      </p:to>
+                                    </p:set>
+                                  </p:childTnLst>
+                                </p:cTn>
+                              </p:par>
+                            </p:childTnLst>
+                          </p:cTn>
+                        </p:par>
+                      </p:childTnLst>
+                    </p:cTn>
+                  </p:par>
+                  <p:par>
+                    <p:cTn id="15" fill="hold">
+                      <p:stCondLst>
+                        <p:cond delay="indefinite"/>
+                      </p:stCondLst>
+                      <p:childTnLst>
+                        <p:par>
+                          <p:cTn id="16" fill="hold">
+                            <p:stCondLst>
+                              <p:cond delay="0"/>
+                            </p:stCondLst>
+                            <p:childTnLst>
+                              <p:par>
+                                <p:cTn id="17" presetID="1" presetClass="entr" presetSubtype="0" fill="hold" nodeType="clickEffect">
+                                  <p:stCondLst>
+                                    <p:cond delay="0"/>
+                                  </p:stCondLst>
+                                  <p:childTnLst>
+                                    <p:set>
+                                      <p:cBhvr>
+                                        <p:cTn id="18" dur="1" fill="hold">
+                                          <p:stCondLst>
+                                            <p:cond delay="0"/>
+                                          </p:stCondLst>
+                                        </p:cTn>
+                                        <p:tgtEl>
+                                          <p:spTgt spid="11"/>
+                                        </p:tgtEl>
+                                        <p:attrNameLst>
+                                          <p:attrName>style.visibility</p:attrName>
+                                        </p:attrNameLst>
+                                      </p:cBhvr>
+                                      <p:to>
+                                        <p:strVal val="visible"/>
+                                      </p:to>
+                                    </p:set>
+                                  </p:childTnLst>
+                                </p:cTn>
+                              </p:par>
+                            </p:childTnLst>
+                          </p:cTn>
+                        </p:par>
+                      </p:childTnLst>
+                    </p:cTn>
+                  </p:par>
+                </p:childTnLst>
+              </p:cTn>
+              <p:prevCondLst>
+                <p:cond evt="onPrev" delay="0">
+                  <p:tgtEl>
+                    <p:sldTgt/>
+                  </p:tgtEl>
+                </p:cond>
+              </p:prevCondLst>
+              <p:nextCondLst>
+                <p:cond evt="onNext" delay="0">
+                  <p:tgtEl>
+                    <p:sldTgt/>
+                  </p:tgtEl>
+                </p:cond>
+              </p:nextCondLst>
+            </p:seq>
+          </p:childTnLst>
+        </p:cTn>
+      </p:par>
+    </p:tnLst>
+  </p:timing>
 </p:sld>
 </file>
 

--- a/Дипломная работа/Диплом/Презентация.pptx
+++ b/Дипломная работа/Диплом/Презентация.pptx
@@ -217,7 +217,7 @@
           <a:p>
             <a:fld id="{0752C715-6935-41AD-9984-2334D42D2383}" type="datetimeFigureOut">
               <a:rPr lang="ru-RU" smtClean="0"/>
-              <a:t>18.06.2025</a:t>
+              <a:t>20.06.2025</a:t>
             </a:fld>
             <a:endParaRPr lang="ru-RU"/>
           </a:p>
@@ -3280,7 +3280,7 @@
           <a:p>
             <a:fld id="{A592AB9E-B3E0-40A8-9D13-59617F3F8A64}" type="datetime1">
               <a:rPr lang="ru-RU" smtClean="0"/>
-              <a:t>18.06.2025</a:t>
+              <a:t>20.06.2025</a:t>
             </a:fld>
             <a:endParaRPr lang="ru-RU"/>
           </a:p>
@@ -3626,7 +3626,7 @@
           <a:p>
             <a:fld id="{5417B1CA-4C4F-4F8D-803D-8A6A8A906241}" type="datetime1">
               <a:rPr lang="ru-RU" smtClean="0"/>
-              <a:t>18.06.2025</a:t>
+              <a:t>20.06.2025</a:t>
             </a:fld>
             <a:endParaRPr lang="ru-RU"/>
           </a:p>
@@ -3904,7 +3904,7 @@
           <a:p>
             <a:fld id="{82CFFC90-8D51-4E14-AFBA-129AE5402BF2}" type="datetime1">
               <a:rPr lang="ru-RU" smtClean="0"/>
-              <a:t>18.06.2025</a:t>
+              <a:t>20.06.2025</a:t>
             </a:fld>
             <a:endParaRPr lang="ru-RU"/>
           </a:p>
@@ -4472,7 +4472,7 @@
           <a:p>
             <a:fld id="{EA467253-3793-4A20-98DF-36EA880F85F5}" type="datetime1">
               <a:rPr lang="ru-RU" smtClean="0"/>
-              <a:t>18.06.2025</a:t>
+              <a:t>20.06.2025</a:t>
             </a:fld>
             <a:endParaRPr lang="ru-RU"/>
           </a:p>
@@ -4750,7 +4750,7 @@
           <a:p>
             <a:fld id="{D83AF644-49BB-4732-B227-064E7E8E9B75}" type="datetime1">
               <a:rPr lang="ru-RU" smtClean="0"/>
-              <a:t>18.06.2025</a:t>
+              <a:t>20.06.2025</a:t>
             </a:fld>
             <a:endParaRPr lang="ru-RU"/>
           </a:p>
@@ -5312,7 +5312,7 @@
           <a:p>
             <a:fld id="{93741DF7-081A-43E1-AEC0-7A6A5EFC3E04}" type="datetime1">
               <a:rPr lang="ru-RU" smtClean="0"/>
-              <a:t>18.06.2025</a:t>
+              <a:t>20.06.2025</a:t>
             </a:fld>
             <a:endParaRPr lang="ru-RU"/>
           </a:p>
@@ -5639,7 +5639,7 @@
           <a:p>
             <a:fld id="{60804587-5AD3-4566-AED6-7C5642B16C64}" type="datetime1">
               <a:rPr lang="ru-RU" smtClean="0"/>
-              <a:t>18.06.2025</a:t>
+              <a:t>20.06.2025</a:t>
             </a:fld>
             <a:endParaRPr lang="ru-RU"/>
           </a:p>
@@ -5816,7 +5816,7 @@
           <a:p>
             <a:fld id="{AF148D8C-8A56-4364-A29B-FC848D70BD3E}" type="datetime1">
               <a:rPr lang="ru-RU" smtClean="0"/>
-              <a:t>18.06.2025</a:t>
+              <a:t>20.06.2025</a:t>
             </a:fld>
             <a:endParaRPr lang="ru-RU"/>
           </a:p>
@@ -6066,7 +6066,7 @@
           <a:p>
             <a:fld id="{1F560C62-4747-4C40-80B5-9506A6478873}" type="datetime1">
               <a:rPr lang="ru-RU" smtClean="0"/>
-              <a:t>18.06.2025</a:t>
+              <a:t>20.06.2025</a:t>
             </a:fld>
             <a:endParaRPr lang="ru-RU"/>
           </a:p>
@@ -6278,7 +6278,7 @@
           <a:p>
             <a:fld id="{655C5391-6D11-49BE-9D35-F1852430608C}" type="datetime1">
               <a:rPr lang="ru-RU" smtClean="0"/>
-              <a:t>18.06.2025</a:t>
+              <a:t>20.06.2025</a:t>
             </a:fld>
             <a:endParaRPr lang="ru-RU"/>
           </a:p>
@@ -6566,7 +6566,7 @@
           <a:p>
             <a:fld id="{D1B7E046-787A-42F0-988E-D94C46E094ED}" type="datetime1">
               <a:rPr lang="ru-RU" smtClean="0"/>
-              <a:t>18.06.2025</a:t>
+              <a:t>20.06.2025</a:t>
             </a:fld>
             <a:endParaRPr lang="ru-RU"/>
           </a:p>
@@ -6844,7 +6844,7 @@
           <a:p>
             <a:fld id="{1DEF2D25-E9E1-4E54-81F0-1D2FE8854B0E}" type="datetime1">
               <a:rPr lang="ru-RU" smtClean="0"/>
-              <a:t>18.06.2025</a:t>
+              <a:t>20.06.2025</a:t>
             </a:fld>
             <a:endParaRPr lang="ru-RU"/>
           </a:p>
@@ -7230,7 +7230,7 @@
           <a:p>
             <a:fld id="{2D559C09-903E-4473-BBE2-D44EED2E9BB9}" type="datetime1">
               <a:rPr lang="ru-RU" smtClean="0"/>
-              <a:t>18.06.2025</a:t>
+              <a:t>20.06.2025</a:t>
             </a:fld>
             <a:endParaRPr lang="ru-RU"/>
           </a:p>
@@ -7390,7 +7390,7 @@
           <a:p>
             <a:fld id="{5DEFB42A-193B-4E6D-9002-E4C3450AA4B1}" type="datetime1">
               <a:rPr lang="ru-RU" smtClean="0"/>
-              <a:t>18.06.2025</a:t>
+              <a:t>20.06.2025</a:t>
             </a:fld>
             <a:endParaRPr lang="ru-RU"/>
           </a:p>
@@ -7527,7 +7527,7 @@
           <a:p>
             <a:fld id="{B780A1C7-BCFA-4491-ABEA-F198E9E80238}" type="datetime1">
               <a:rPr lang="ru-RU" smtClean="0"/>
-              <a:t>18.06.2025</a:t>
+              <a:t>20.06.2025</a:t>
             </a:fld>
             <a:endParaRPr lang="ru-RU"/>
           </a:p>
@@ -7824,7 +7824,7 @@
           <a:p>
             <a:fld id="{6B7D87D1-A00E-4856-B035-ABE302A2367C}" type="datetime1">
               <a:rPr lang="ru-RU" smtClean="0"/>
-              <a:t>18.06.2025</a:t>
+              <a:t>20.06.2025</a:t>
             </a:fld>
             <a:endParaRPr lang="ru-RU"/>
           </a:p>
@@ -8160,7 +8160,7 @@
           <a:p>
             <a:fld id="{95982220-A412-481B-B026-9F63F21200E0}" type="datetime1">
               <a:rPr lang="ru-RU" smtClean="0"/>
-              <a:t>18.06.2025</a:t>
+              <a:t>20.06.2025</a:t>
             </a:fld>
             <a:endParaRPr lang="ru-RU"/>
           </a:p>
@@ -8386,7 +8386,7 @@
           <a:p>
             <a:fld id="{CBF3DBF7-CC75-4132-A774-E3960ACCECD6}" type="datetime1">
               <a:rPr lang="ru-RU" smtClean="0"/>
-              <a:t>18.06.2025</a:t>
+              <a:t>20.06.2025</a:t>
             </a:fld>
             <a:endParaRPr lang="ru-RU"/>
           </a:p>
@@ -28626,7 +28626,7 @@
                                 </p:cTn>
                               </p:par>
                               <p:par>
-                                <p:cTn id="51" presetID="0" presetClass="path" presetSubtype="0" accel="50000" decel="50000" fill="hold" nodeType="withEffect">
+                                <p:cTn id="51" presetID="0" presetClass="path" presetSubtype="0" accel="50000" decel="50000" fill="hold" grpId="0" nodeType="withEffect">
                                   <p:stCondLst>
                                     <p:cond delay="0"/>
                                   </p:stCondLst>
@@ -28635,7 +28635,7 @@
                                       <p:cBhvr>
                                         <p:cTn id="52" dur="2000" fill="hold"/>
                                         <p:tgtEl>
-                                          <p:spTgt spid="30"/>
+                                          <p:spTgt spid="31"/>
                                         </p:tgtEl>
                                         <p:attrNameLst>
                                           <p:attrName>ppt_x</p:attrName>
@@ -28647,7 +28647,7 @@
                                 </p:cTn>
                               </p:par>
                               <p:par>
-                                <p:cTn id="53" presetID="0" presetClass="path" presetSubtype="0" accel="50000" decel="50000" fill="hold" grpId="0" nodeType="withEffect">
+                                <p:cTn id="53" presetID="0" presetClass="path" presetSubtype="0" accel="50000" decel="50000" fill="hold" nodeType="withEffect">
                                   <p:stCondLst>
                                     <p:cond delay="0"/>
                                   </p:stCondLst>
@@ -28656,7 +28656,7 @@
                                       <p:cBhvr>
                                         <p:cTn id="54" dur="2000" fill="hold"/>
                                         <p:tgtEl>
-                                          <p:spTgt spid="31"/>
+                                          <p:spTgt spid="30"/>
                                         </p:tgtEl>
                                         <p:attrNameLst>
                                           <p:attrName>ppt_x</p:attrName>
@@ -31366,6 +31366,19 @@
               </a:rPr>
               <a:t> </a:t>
             </a:r>
+          </a:p>
+          <a:p>
+            <a:pPr marL="114300" lvl="1" algn="just">
+              <a:lnSpc>
+                <a:spcPct val="150000"/>
+              </a:lnSpc>
+              <a:buClr>
+                <a:schemeClr val="tx1"/>
+              </a:buClr>
+              <a:tabLst>
+                <a:tab pos="221615" algn="l"/>
+              </a:tabLst>
+            </a:pPr>
             <a:r>
               <a:rPr lang="ru-RU" sz="2000" b="1" i="1" kern="100" dirty="0">
                 <a:solidFill>
@@ -31378,7 +31391,7 @@
                 <a:ea typeface="NSimSun" panose="02010609030101010101" pitchFamily="49" charset="-122"/>
                 <a:cs typeface="Times New Roman" panose="02020603050405020304" pitchFamily="18" charset="0"/>
               </a:rPr>
-              <a:t>СВЕРХУРОЧНАЯ РАБОТА</a:t>
+              <a:t>БОЛЬШИЕ ТРУДОЗАТРАТЫ </a:t>
             </a:r>
             <a:r>
               <a:rPr lang="ru-RU" sz="2000" kern="100" dirty="0">
@@ -31392,7 +31405,7 @@
                 <a:ea typeface="NSimSun" panose="02010609030101010101" pitchFamily="49" charset="-122"/>
                 <a:cs typeface="Times New Roman" panose="02020603050405020304" pitchFamily="18" charset="0"/>
               </a:rPr>
-              <a:t> СОТРУДНИКОВ РШТ </a:t>
+              <a:t>СОТРУДНИКОВ РШТ </a:t>
             </a:r>
             <a:r>
               <a:rPr lang="ru-RU" sz="2000" b="1" kern="100" dirty="0">

--- a/Дипломная работа/Диплом/Презентация.pptx
+++ b/Дипломная работа/Диплом/Презентация.pptx
@@ -217,7 +217,7 @@
           <a:p>
             <a:fld id="{0752C715-6935-41AD-9984-2334D42D2383}" type="datetimeFigureOut">
               <a:rPr lang="ru-RU" smtClean="0"/>
-              <a:t>20.06.2025</a:t>
+              <a:t>21.06.2025</a:t>
             </a:fld>
             <a:endParaRPr lang="ru-RU"/>
           </a:p>
@@ -3280,7 +3280,7 @@
           <a:p>
             <a:fld id="{A592AB9E-B3E0-40A8-9D13-59617F3F8A64}" type="datetime1">
               <a:rPr lang="ru-RU" smtClean="0"/>
-              <a:t>20.06.2025</a:t>
+              <a:t>21.06.2025</a:t>
             </a:fld>
             <a:endParaRPr lang="ru-RU"/>
           </a:p>
@@ -3626,7 +3626,7 @@
           <a:p>
             <a:fld id="{5417B1CA-4C4F-4F8D-803D-8A6A8A906241}" type="datetime1">
               <a:rPr lang="ru-RU" smtClean="0"/>
-              <a:t>20.06.2025</a:t>
+              <a:t>21.06.2025</a:t>
             </a:fld>
             <a:endParaRPr lang="ru-RU"/>
           </a:p>
@@ -3904,7 +3904,7 @@
           <a:p>
             <a:fld id="{82CFFC90-8D51-4E14-AFBA-129AE5402BF2}" type="datetime1">
               <a:rPr lang="ru-RU" smtClean="0"/>
-              <a:t>20.06.2025</a:t>
+              <a:t>21.06.2025</a:t>
             </a:fld>
             <a:endParaRPr lang="ru-RU"/>
           </a:p>
@@ -4472,7 +4472,7 @@
           <a:p>
             <a:fld id="{EA467253-3793-4A20-98DF-36EA880F85F5}" type="datetime1">
               <a:rPr lang="ru-RU" smtClean="0"/>
-              <a:t>20.06.2025</a:t>
+              <a:t>21.06.2025</a:t>
             </a:fld>
             <a:endParaRPr lang="ru-RU"/>
           </a:p>
@@ -4750,7 +4750,7 @@
           <a:p>
             <a:fld id="{D83AF644-49BB-4732-B227-064E7E8E9B75}" type="datetime1">
               <a:rPr lang="ru-RU" smtClean="0"/>
-              <a:t>20.06.2025</a:t>
+              <a:t>21.06.2025</a:t>
             </a:fld>
             <a:endParaRPr lang="ru-RU"/>
           </a:p>
@@ -5312,7 +5312,7 @@
           <a:p>
             <a:fld id="{93741DF7-081A-43E1-AEC0-7A6A5EFC3E04}" type="datetime1">
               <a:rPr lang="ru-RU" smtClean="0"/>
-              <a:t>20.06.2025</a:t>
+              <a:t>21.06.2025</a:t>
             </a:fld>
             <a:endParaRPr lang="ru-RU"/>
           </a:p>
@@ -5639,7 +5639,7 @@
           <a:p>
             <a:fld id="{60804587-5AD3-4566-AED6-7C5642B16C64}" type="datetime1">
               <a:rPr lang="ru-RU" smtClean="0"/>
-              <a:t>20.06.2025</a:t>
+              <a:t>21.06.2025</a:t>
             </a:fld>
             <a:endParaRPr lang="ru-RU"/>
           </a:p>
@@ -5816,7 +5816,7 @@
           <a:p>
             <a:fld id="{AF148D8C-8A56-4364-A29B-FC848D70BD3E}" type="datetime1">
               <a:rPr lang="ru-RU" smtClean="0"/>
-              <a:t>20.06.2025</a:t>
+              <a:t>21.06.2025</a:t>
             </a:fld>
             <a:endParaRPr lang="ru-RU"/>
           </a:p>
@@ -6066,7 +6066,7 @@
           <a:p>
             <a:fld id="{1F560C62-4747-4C40-80B5-9506A6478873}" type="datetime1">
               <a:rPr lang="ru-RU" smtClean="0"/>
-              <a:t>20.06.2025</a:t>
+              <a:t>21.06.2025</a:t>
             </a:fld>
             <a:endParaRPr lang="ru-RU"/>
           </a:p>
@@ -6278,7 +6278,7 @@
           <a:p>
             <a:fld id="{655C5391-6D11-49BE-9D35-F1852430608C}" type="datetime1">
               <a:rPr lang="ru-RU" smtClean="0"/>
-              <a:t>20.06.2025</a:t>
+              <a:t>21.06.2025</a:t>
             </a:fld>
             <a:endParaRPr lang="ru-RU"/>
           </a:p>
@@ -6566,7 +6566,7 @@
           <a:p>
             <a:fld id="{D1B7E046-787A-42F0-988E-D94C46E094ED}" type="datetime1">
               <a:rPr lang="ru-RU" smtClean="0"/>
-              <a:t>20.06.2025</a:t>
+              <a:t>21.06.2025</a:t>
             </a:fld>
             <a:endParaRPr lang="ru-RU"/>
           </a:p>
@@ -6844,7 +6844,7 @@
           <a:p>
             <a:fld id="{1DEF2D25-E9E1-4E54-81F0-1D2FE8854B0E}" type="datetime1">
               <a:rPr lang="ru-RU" smtClean="0"/>
-              <a:t>20.06.2025</a:t>
+              <a:t>21.06.2025</a:t>
             </a:fld>
             <a:endParaRPr lang="ru-RU"/>
           </a:p>
@@ -7230,7 +7230,7 @@
           <a:p>
             <a:fld id="{2D559C09-903E-4473-BBE2-D44EED2E9BB9}" type="datetime1">
               <a:rPr lang="ru-RU" smtClean="0"/>
-              <a:t>20.06.2025</a:t>
+              <a:t>21.06.2025</a:t>
             </a:fld>
             <a:endParaRPr lang="ru-RU"/>
           </a:p>
@@ -7390,7 +7390,7 @@
           <a:p>
             <a:fld id="{5DEFB42A-193B-4E6D-9002-E4C3450AA4B1}" type="datetime1">
               <a:rPr lang="ru-RU" smtClean="0"/>
-              <a:t>20.06.2025</a:t>
+              <a:t>21.06.2025</a:t>
             </a:fld>
             <a:endParaRPr lang="ru-RU"/>
           </a:p>
@@ -7527,7 +7527,7 @@
           <a:p>
             <a:fld id="{B780A1C7-BCFA-4491-ABEA-F198E9E80238}" type="datetime1">
               <a:rPr lang="ru-RU" smtClean="0"/>
-              <a:t>20.06.2025</a:t>
+              <a:t>21.06.2025</a:t>
             </a:fld>
             <a:endParaRPr lang="ru-RU"/>
           </a:p>
@@ -7824,7 +7824,7 @@
           <a:p>
             <a:fld id="{6B7D87D1-A00E-4856-B035-ABE302A2367C}" type="datetime1">
               <a:rPr lang="ru-RU" smtClean="0"/>
-              <a:t>20.06.2025</a:t>
+              <a:t>21.06.2025</a:t>
             </a:fld>
             <a:endParaRPr lang="ru-RU"/>
           </a:p>
@@ -8160,7 +8160,7 @@
           <a:p>
             <a:fld id="{95982220-A412-481B-B026-9F63F21200E0}" type="datetime1">
               <a:rPr lang="ru-RU" smtClean="0"/>
-              <a:t>20.06.2025</a:t>
+              <a:t>21.06.2025</a:t>
             </a:fld>
             <a:endParaRPr lang="ru-RU"/>
           </a:p>
@@ -8386,7 +8386,7 @@
           <a:p>
             <a:fld id="{CBF3DBF7-CC75-4132-A774-E3960ACCECD6}" type="datetime1">
               <a:rPr lang="ru-RU" smtClean="0"/>
-              <a:t>20.06.2025</a:t>
+              <a:t>21.06.2025</a:t>
             </a:fld>
             <a:endParaRPr lang="ru-RU"/>
           </a:p>
@@ -24105,6 +24105,66 @@
           </a:prstGeom>
         </p:spPr>
       </p:pic>
+      <p:pic>
+        <p:nvPicPr>
+          <p:cNvPr id="3" name="Рисунок 2">
+            <a:extLst>
+              <a:ext uri="{FF2B5EF4-FFF2-40B4-BE49-F238E27FC236}">
+                <a16:creationId xmlns:a16="http://schemas.microsoft.com/office/drawing/2014/main" id="{C109D8DD-ED56-6AF9-423B-B5A9D3D2D156}"/>
+              </a:ext>
+            </a:extLst>
+          </p:cNvPr>
+          <p:cNvPicPr>
+            <a:picLocks noChangeAspect="1"/>
+          </p:cNvPicPr>
+          <p:nvPr/>
+        </p:nvPicPr>
+        <p:blipFill>
+          <a:blip r:embed="rId7"/>
+          <a:stretch>
+            <a:fillRect/>
+          </a:stretch>
+        </p:blipFill>
+        <p:spPr>
+          <a:xfrm>
+            <a:off x="1029903" y="499784"/>
+            <a:ext cx="7138852" cy="6357013"/>
+          </a:xfrm>
+          <a:prstGeom prst="rect">
+            <a:avLst/>
+          </a:prstGeom>
+        </p:spPr>
+      </p:pic>
+      <p:pic>
+        <p:nvPicPr>
+          <p:cNvPr id="12" name="Рисунок 11">
+            <a:extLst>
+              <a:ext uri="{FF2B5EF4-FFF2-40B4-BE49-F238E27FC236}">
+                <a16:creationId xmlns:a16="http://schemas.microsoft.com/office/drawing/2014/main" id="{B475E812-1E4C-B77F-AE62-A2BA13B6F070}"/>
+              </a:ext>
+            </a:extLst>
+          </p:cNvPr>
+          <p:cNvPicPr>
+            <a:picLocks noChangeAspect="1"/>
+          </p:cNvPicPr>
+          <p:nvPr/>
+        </p:nvPicPr>
+        <p:blipFill>
+          <a:blip r:embed="rId8"/>
+          <a:stretch>
+            <a:fillRect/>
+          </a:stretch>
+        </p:blipFill>
+        <p:spPr>
+          <a:xfrm>
+            <a:off x="5242846" y="499784"/>
+            <a:ext cx="6416884" cy="6358216"/>
+          </a:xfrm>
+          <a:prstGeom prst="rect">
+            <a:avLst/>
+          </a:prstGeom>
+        </p:spPr>
+      </p:pic>
     </p:spTree>
     <p:extLst>
       <p:ext uri="{BB962C8B-B14F-4D97-AF65-F5344CB8AC3E}">
@@ -24297,6 +24357,96 @@
                                         </p:cTn>
                                         <p:tgtEl>
                                           <p:spTgt spid="11"/>
+                                        </p:tgtEl>
+                                        <p:attrNameLst>
+                                          <p:attrName>style.visibility</p:attrName>
+                                        </p:attrNameLst>
+                                      </p:cBhvr>
+                                      <p:to>
+                                        <p:strVal val="visible"/>
+                                      </p:to>
+                                    </p:set>
+                                  </p:childTnLst>
+                                </p:cTn>
+                              </p:par>
+                            </p:childTnLst>
+                          </p:cTn>
+                        </p:par>
+                      </p:childTnLst>
+                    </p:cTn>
+                  </p:par>
+                  <p:par>
+                    <p:cTn id="19" fill="hold">
+                      <p:stCondLst>
+                        <p:cond delay="indefinite"/>
+                      </p:stCondLst>
+                      <p:childTnLst>
+                        <p:par>
+                          <p:cTn id="20" fill="hold">
+                            <p:stCondLst>
+                              <p:cond delay="0"/>
+                            </p:stCondLst>
+                            <p:childTnLst>
+                              <p:par>
+                                <p:cTn id="21" presetID="1" presetClass="entr" presetSubtype="0" fill="hold" nodeType="clickEffect">
+                                  <p:stCondLst>
+                                    <p:cond delay="0"/>
+                                  </p:stCondLst>
+                                  <p:childTnLst>
+                                    <p:set>
+                                      <p:cBhvr>
+                                        <p:cTn id="22" dur="1" fill="hold">
+                                          <p:stCondLst>
+                                            <p:cond delay="0"/>
+                                          </p:stCondLst>
+                                        </p:cTn>
+                                        <p:tgtEl>
+                                          <p:spTgt spid="3"/>
+                                        </p:tgtEl>
+                                        <p:attrNameLst>
+                                          <p:attrName>style.visibility</p:attrName>
+                                        </p:attrNameLst>
+                                      </p:cBhvr>
+                                      <p:to>
+                                        <p:strVal val="visible"/>
+                                      </p:to>
+                                    </p:set>
+                                  </p:childTnLst>
+                                </p:cTn>
+                              </p:par>
+                            </p:childTnLst>
+                          </p:cTn>
+                        </p:par>
+                      </p:childTnLst>
+                    </p:cTn>
+                  </p:par>
+                  <p:par>
+                    <p:cTn id="23" fill="hold">
+                      <p:stCondLst>
+                        <p:cond delay="indefinite"/>
+                      </p:stCondLst>
+                      <p:childTnLst>
+                        <p:par>
+                          <p:cTn id="24" fill="hold">
+                            <p:stCondLst>
+                              <p:cond delay="0"/>
+                            </p:stCondLst>
+                            <p:childTnLst>
+                              <p:par>
+                                <p:cTn id="25" presetID="1" presetClass="entr" presetSubtype="0" fill="hold" nodeType="clickEffect">
+                                  <p:stCondLst>
+                                    <p:cond delay="0"/>
+                                  </p:stCondLst>
+                                  <p:childTnLst>
+                                    <p:set>
+                                      <p:cBhvr>
+                                        <p:cTn id="26" dur="1" fill="hold">
+                                          <p:stCondLst>
+                                            <p:cond delay="0"/>
+                                          </p:stCondLst>
+                                        </p:cTn>
+                                        <p:tgtEl>
+                                          <p:spTgt spid="12"/>
                                         </p:tgtEl>
                                         <p:attrNameLst>
                                           <p:attrName>style.visibility</p:attrName>
@@ -27590,141 +27740,6 @@
           </a:p>
         </p:txBody>
       </p:sp>
-      <p:sp>
-        <p:nvSpPr>
-          <p:cNvPr id="12" name="TextBox 11">
-            <a:extLst>
-              <a:ext uri="{FF2B5EF4-FFF2-40B4-BE49-F238E27FC236}">
-                <a16:creationId xmlns:a16="http://schemas.microsoft.com/office/drawing/2014/main" id="{B697DCB5-41F7-6E2D-A9CD-400B79CEE3CE}"/>
-              </a:ext>
-            </a:extLst>
-          </p:cNvPr>
-          <p:cNvSpPr txBox="1"/>
-          <p:nvPr/>
-        </p:nvSpPr>
-        <p:spPr>
-          <a:xfrm>
-            <a:off x="-5258638" y="1106053"/>
-            <a:ext cx="5258636" cy="2970044"/>
-          </a:xfrm>
-          <a:prstGeom prst="rect">
-            <a:avLst/>
-          </a:prstGeom>
-          <a:noFill/>
-        </p:spPr>
-        <p:txBody>
-          <a:bodyPr wrap="square" rtlCol="0">
-            <a:spAutoFit/>
-          </a:bodyPr>
-          <a:lstStyle/>
-          <a:p>
-            <a:pPr defTabSz="914400">
-              <a:lnSpc>
-                <a:spcPct val="150000"/>
-              </a:lnSpc>
-              <a:spcBef>
-                <a:spcPts val="1000"/>
-              </a:spcBef>
-              <a:spcAft>
-                <a:spcPts val="200"/>
-              </a:spcAft>
-            </a:pPr>
-            <a:r>
-              <a:rPr lang="ru-RU" sz="2200" dirty="0">
-                <a:solidFill>
-                  <a:srgbClr val="FFC000"/>
-                </a:solidFill>
-                <a:latin typeface="Tahoma" panose="020B0604030504040204" pitchFamily="34" charset="0"/>
-                <a:ea typeface="Tahoma" panose="020B0604030504040204" pitchFamily="34" charset="0"/>
-                <a:cs typeface="Tahoma" panose="020B0604030504040204" pitchFamily="34" charset="0"/>
-              </a:rPr>
-              <a:t>Задачи</a:t>
-            </a:r>
-            <a:r>
-              <a:rPr lang="en-US" sz="2200" dirty="0">
-                <a:solidFill>
-                  <a:srgbClr val="FFC000"/>
-                </a:solidFill>
-                <a:latin typeface="Tahoma" panose="020B0604030504040204" pitchFamily="34" charset="0"/>
-                <a:ea typeface="Tahoma" panose="020B0604030504040204" pitchFamily="34" charset="0"/>
-                <a:cs typeface="Tahoma" panose="020B0604030504040204" pitchFamily="34" charset="0"/>
-              </a:rPr>
-              <a:t>:</a:t>
-            </a:r>
-          </a:p>
-          <a:p>
-            <a:pPr marL="285750" indent="-285750">
-              <a:lnSpc>
-                <a:spcPct val="150000"/>
-              </a:lnSpc>
-              <a:buFont typeface="Arial" panose="020B0604020202020204" pitchFamily="34" charset="0"/>
-              <a:buChar char="•"/>
-            </a:pPr>
-            <a:r>
-              <a:rPr lang="ru-RU" dirty="0">
-                <a:latin typeface="Times New Roman" panose="02020603050405020304" pitchFamily="18" charset="0"/>
-                <a:cs typeface="Times New Roman" panose="02020603050405020304" pitchFamily="18" charset="0"/>
-              </a:rPr>
-              <a:t>Ручное заполнение календарно-учебного плана и электронного журнала;</a:t>
-            </a:r>
-          </a:p>
-          <a:p>
-            <a:pPr marL="285750" indent="-285750">
-              <a:lnSpc>
-                <a:spcPct val="150000"/>
-              </a:lnSpc>
-              <a:buFont typeface="Arial" panose="020B0604020202020204" pitchFamily="34" charset="0"/>
-              <a:buChar char="•"/>
-            </a:pPr>
-            <a:r>
-              <a:rPr lang="ru-RU" dirty="0">
-                <a:latin typeface="Times New Roman" panose="02020603050405020304" pitchFamily="18" charset="0"/>
-                <a:cs typeface="Times New Roman" panose="02020603050405020304" pitchFamily="18" charset="0"/>
-              </a:rPr>
-              <a:t>Ручное формирование приказов;</a:t>
-            </a:r>
-          </a:p>
-          <a:p>
-            <a:pPr marL="285750" indent="-285750">
-              <a:lnSpc>
-                <a:spcPct val="150000"/>
-              </a:lnSpc>
-              <a:buFont typeface="Arial" panose="020B0604020202020204" pitchFamily="34" charset="0"/>
-              <a:buChar char="•"/>
-            </a:pPr>
-            <a:r>
-              <a:rPr lang="ru-RU" dirty="0">
-                <a:latin typeface="Times New Roman" panose="02020603050405020304" pitchFamily="18" charset="0"/>
-                <a:cs typeface="Times New Roman" panose="02020603050405020304" pitchFamily="18" charset="0"/>
-              </a:rPr>
-              <a:t>Ручное создание сертификатов.</a:t>
-            </a:r>
-          </a:p>
-          <a:p>
-            <a:endParaRPr lang="ru-RU" dirty="0">
-              <a:solidFill>
-                <a:srgbClr val="FFFF00"/>
-              </a:solidFill>
-            </a:endParaRPr>
-          </a:p>
-          <a:p>
-            <a:pPr marL="384048" indent="-384048" defTabSz="914400">
-              <a:spcBef>
-                <a:spcPts val="1000"/>
-              </a:spcBef>
-              <a:spcAft>
-                <a:spcPts val="200"/>
-              </a:spcAft>
-              <a:buFont typeface="Franklin Gothic Book" panose="020B0503020102020204" pitchFamily="34" charset="0"/>
-              <a:buChar char="■"/>
-            </a:pPr>
-            <a:endParaRPr lang="ru-RU" dirty="0">
-              <a:latin typeface="Calibri" panose="020F0502020204030204" pitchFamily="34" charset="0"/>
-              <a:cs typeface="Calibri" panose="020F0502020204030204" pitchFamily="34" charset="0"/>
-            </a:endParaRPr>
-          </a:p>
-        </p:txBody>
-      </p:sp>
       <p:pic>
         <p:nvPicPr>
           <p:cNvPr id="30" name="Picture 12" descr="Ученик – Бесплатные иконки: компьютер">
@@ -28097,6 +28112,141 @@
           </a:p>
         </p:txBody>
       </p:sp>
+      <p:sp>
+        <p:nvSpPr>
+          <p:cNvPr id="4" name="TextBox 3">
+            <a:extLst>
+              <a:ext uri="{FF2B5EF4-FFF2-40B4-BE49-F238E27FC236}">
+                <a16:creationId xmlns:a16="http://schemas.microsoft.com/office/drawing/2014/main" id="{3502B6FE-59DC-E2F4-FC3A-3583047090AD}"/>
+              </a:ext>
+            </a:extLst>
+          </p:cNvPr>
+          <p:cNvSpPr txBox="1"/>
+          <p:nvPr/>
+        </p:nvSpPr>
+        <p:spPr>
+          <a:xfrm>
+            <a:off x="-5258638" y="1106053"/>
+            <a:ext cx="5258636" cy="2970044"/>
+          </a:xfrm>
+          <a:prstGeom prst="rect">
+            <a:avLst/>
+          </a:prstGeom>
+          <a:noFill/>
+        </p:spPr>
+        <p:txBody>
+          <a:bodyPr wrap="square" rtlCol="0">
+            <a:spAutoFit/>
+          </a:bodyPr>
+          <a:lstStyle/>
+          <a:p>
+            <a:pPr defTabSz="914400">
+              <a:lnSpc>
+                <a:spcPct val="150000"/>
+              </a:lnSpc>
+              <a:spcBef>
+                <a:spcPts val="1000"/>
+              </a:spcBef>
+              <a:spcAft>
+                <a:spcPts val="200"/>
+              </a:spcAft>
+            </a:pPr>
+            <a:r>
+              <a:rPr lang="ru-RU" sz="2200" dirty="0">
+                <a:solidFill>
+                  <a:srgbClr val="FFC000"/>
+                </a:solidFill>
+                <a:latin typeface="Tahoma" panose="020B0604030504040204" pitchFamily="34" charset="0"/>
+                <a:ea typeface="Tahoma" panose="020B0604030504040204" pitchFamily="34" charset="0"/>
+                <a:cs typeface="Tahoma" panose="020B0604030504040204" pitchFamily="34" charset="0"/>
+              </a:rPr>
+              <a:t>Задачи</a:t>
+            </a:r>
+            <a:r>
+              <a:rPr lang="en-US" sz="2200" dirty="0">
+                <a:solidFill>
+                  <a:srgbClr val="FFC000"/>
+                </a:solidFill>
+                <a:latin typeface="Tahoma" panose="020B0604030504040204" pitchFamily="34" charset="0"/>
+                <a:ea typeface="Tahoma" panose="020B0604030504040204" pitchFamily="34" charset="0"/>
+                <a:cs typeface="Tahoma" panose="020B0604030504040204" pitchFamily="34" charset="0"/>
+              </a:rPr>
+              <a:t>:</a:t>
+            </a:r>
+          </a:p>
+          <a:p>
+            <a:pPr marL="285750" indent="-285750">
+              <a:lnSpc>
+                <a:spcPct val="150000"/>
+              </a:lnSpc>
+              <a:buFont typeface="Arial" panose="020B0604020202020204" pitchFamily="34" charset="0"/>
+              <a:buChar char="•"/>
+            </a:pPr>
+            <a:r>
+              <a:rPr lang="ru-RU" dirty="0">
+                <a:latin typeface="Times New Roman" panose="02020603050405020304" pitchFamily="18" charset="0"/>
+                <a:cs typeface="Times New Roman" panose="02020603050405020304" pitchFamily="18" charset="0"/>
+              </a:rPr>
+              <a:t>Ручное заполнение календарно-учебного плана и электронного журнала;</a:t>
+            </a:r>
+          </a:p>
+          <a:p>
+            <a:pPr marL="285750" indent="-285750">
+              <a:lnSpc>
+                <a:spcPct val="150000"/>
+              </a:lnSpc>
+              <a:buFont typeface="Arial" panose="020B0604020202020204" pitchFamily="34" charset="0"/>
+              <a:buChar char="•"/>
+            </a:pPr>
+            <a:r>
+              <a:rPr lang="ru-RU" dirty="0">
+                <a:latin typeface="Times New Roman" panose="02020603050405020304" pitchFamily="18" charset="0"/>
+                <a:cs typeface="Times New Roman" panose="02020603050405020304" pitchFamily="18" charset="0"/>
+              </a:rPr>
+              <a:t>Ручное формирование приказов;</a:t>
+            </a:r>
+          </a:p>
+          <a:p>
+            <a:pPr marL="285750" indent="-285750">
+              <a:lnSpc>
+                <a:spcPct val="150000"/>
+              </a:lnSpc>
+              <a:buFont typeface="Arial" panose="020B0604020202020204" pitchFamily="34" charset="0"/>
+              <a:buChar char="•"/>
+            </a:pPr>
+            <a:r>
+              <a:rPr lang="ru-RU" dirty="0">
+                <a:latin typeface="Times New Roman" panose="02020603050405020304" pitchFamily="18" charset="0"/>
+                <a:cs typeface="Times New Roman" panose="02020603050405020304" pitchFamily="18" charset="0"/>
+              </a:rPr>
+              <a:t>Ручное создание сертификатов.</a:t>
+            </a:r>
+          </a:p>
+          <a:p>
+            <a:endParaRPr lang="ru-RU" dirty="0">
+              <a:solidFill>
+                <a:srgbClr val="FFFF00"/>
+              </a:solidFill>
+            </a:endParaRPr>
+          </a:p>
+          <a:p>
+            <a:pPr marL="384048" indent="-384048" defTabSz="914400">
+              <a:spcBef>
+                <a:spcPts val="1000"/>
+              </a:spcBef>
+              <a:spcAft>
+                <a:spcPts val="200"/>
+              </a:spcAft>
+              <a:buFont typeface="Franklin Gothic Book" panose="020B0503020102020204" pitchFamily="34" charset="0"/>
+              <a:buChar char="■"/>
+            </a:pPr>
+            <a:endParaRPr lang="ru-RU" dirty="0">
+              <a:latin typeface="Calibri" panose="020F0502020204030204" pitchFamily="34" charset="0"/>
+              <a:cs typeface="Calibri" panose="020F0502020204030204" pitchFamily="34" charset="0"/>
+            </a:endParaRPr>
+          </a:p>
+        </p:txBody>
+      </p:sp>
     </p:spTree>
     <p:extLst>
       <p:ext uri="{BB962C8B-B14F-4D97-AF65-F5344CB8AC3E}">
@@ -28140,14 +28290,2367 @@
                             </p:stCondLst>
                             <p:childTnLst>
                               <p:par>
-                                <p:cTn id="5" presetID="0" presetClass="path" presetSubtype="0" accel="50000" decel="50000" fill="hold" nodeType="clickEffect">
+                                <p:cTn id="5" presetID="2" presetClass="entr" presetSubtype="4" fill="hold" nodeType="clickEffect">
                                   <p:stCondLst>
                                     <p:cond delay="0"/>
                                   </p:stCondLst>
                                   <p:childTnLst>
-                                    <p:animMotion origin="layout" path="M 0 0 L 0 0 L 0.04453 0.00139 L 0.11028 0.00278 C 0.11198 0.00301 0.11614 0.00509 0.11784 0.00579 C 0.12656 0.00903 0.12604 0.00857 0.13385 0.01042 C 0.14323 0.00972 0.15247 0.00996 0.16172 0.0088 C 0.1638 0.00857 0.16562 0.00602 0.16758 0.00579 C 0.18125 0.00417 0.19271 0.0044 0.2056 0.0044 " pathEditMode="relative" ptsTypes="AAAAAAAAA">
+                                    <p:set>
                                       <p:cBhvr>
-                                        <p:cTn id="6" dur="2000" fill="hold"/>
+                                        <p:cTn id="6" dur="1" fill="hold">
+                                          <p:stCondLst>
+                                            <p:cond delay="0"/>
+                                          </p:stCondLst>
+                                        </p:cTn>
+                                        <p:tgtEl>
+                                          <p:spTgt spid="13"/>
+                                        </p:tgtEl>
+                                        <p:attrNameLst>
+                                          <p:attrName>style.visibility</p:attrName>
+                                        </p:attrNameLst>
+                                      </p:cBhvr>
+                                      <p:to>
+                                        <p:strVal val="visible"/>
+                                      </p:to>
+                                    </p:set>
+                                    <p:anim calcmode="lin" valueType="num">
+                                      <p:cBhvr additive="base">
+                                        <p:cTn id="7" dur="500" fill="hold"/>
+                                        <p:tgtEl>
+                                          <p:spTgt spid="13"/>
+                                        </p:tgtEl>
+                                        <p:attrNameLst>
+                                          <p:attrName>ppt_x</p:attrName>
+                                        </p:attrNameLst>
+                                      </p:cBhvr>
+                                      <p:tavLst>
+                                        <p:tav tm="0">
+                                          <p:val>
+                                            <p:strVal val="#ppt_x"/>
+                                          </p:val>
+                                        </p:tav>
+                                        <p:tav tm="100000">
+                                          <p:val>
+                                            <p:strVal val="#ppt_x"/>
+                                          </p:val>
+                                        </p:tav>
+                                      </p:tavLst>
+                                    </p:anim>
+                                    <p:anim calcmode="lin" valueType="num">
+                                      <p:cBhvr additive="base">
+                                        <p:cTn id="8" dur="500" fill="hold"/>
+                                        <p:tgtEl>
+                                          <p:spTgt spid="13"/>
+                                        </p:tgtEl>
+                                        <p:attrNameLst>
+                                          <p:attrName>ppt_y</p:attrName>
+                                        </p:attrNameLst>
+                                      </p:cBhvr>
+                                      <p:tavLst>
+                                        <p:tav tm="0">
+                                          <p:val>
+                                            <p:strVal val="1+#ppt_h/2"/>
+                                          </p:val>
+                                        </p:tav>
+                                        <p:tav tm="100000">
+                                          <p:val>
+                                            <p:strVal val="#ppt_y"/>
+                                          </p:val>
+                                        </p:tav>
+                                      </p:tavLst>
+                                    </p:anim>
+                                  </p:childTnLst>
+                                </p:cTn>
+                              </p:par>
+                              <p:par>
+                                <p:cTn id="9" presetID="2" presetClass="entr" presetSubtype="4" fill="hold" grpId="0" nodeType="withEffect">
+                                  <p:stCondLst>
+                                    <p:cond delay="0"/>
+                                  </p:stCondLst>
+                                  <p:childTnLst>
+                                    <p:set>
+                                      <p:cBhvr>
+                                        <p:cTn id="10" dur="1" fill="hold">
+                                          <p:stCondLst>
+                                            <p:cond delay="0"/>
+                                          </p:stCondLst>
+                                        </p:cTn>
+                                        <p:tgtEl>
+                                          <p:spTgt spid="88"/>
+                                        </p:tgtEl>
+                                        <p:attrNameLst>
+                                          <p:attrName>style.visibility</p:attrName>
+                                        </p:attrNameLst>
+                                      </p:cBhvr>
+                                      <p:to>
+                                        <p:strVal val="visible"/>
+                                      </p:to>
+                                    </p:set>
+                                    <p:anim calcmode="lin" valueType="num">
+                                      <p:cBhvr additive="base">
+                                        <p:cTn id="11" dur="500" fill="hold"/>
+                                        <p:tgtEl>
+                                          <p:spTgt spid="88"/>
+                                        </p:tgtEl>
+                                        <p:attrNameLst>
+                                          <p:attrName>ppt_x</p:attrName>
+                                        </p:attrNameLst>
+                                      </p:cBhvr>
+                                      <p:tavLst>
+                                        <p:tav tm="0">
+                                          <p:val>
+                                            <p:strVal val="#ppt_x"/>
+                                          </p:val>
+                                        </p:tav>
+                                        <p:tav tm="100000">
+                                          <p:val>
+                                            <p:strVal val="#ppt_x"/>
+                                          </p:val>
+                                        </p:tav>
+                                      </p:tavLst>
+                                    </p:anim>
+                                    <p:anim calcmode="lin" valueType="num">
+                                      <p:cBhvr additive="base">
+                                        <p:cTn id="12" dur="500" fill="hold"/>
+                                        <p:tgtEl>
+                                          <p:spTgt spid="88"/>
+                                        </p:tgtEl>
+                                        <p:attrNameLst>
+                                          <p:attrName>ppt_y</p:attrName>
+                                        </p:attrNameLst>
+                                      </p:cBhvr>
+                                      <p:tavLst>
+                                        <p:tav tm="0">
+                                          <p:val>
+                                            <p:strVal val="1+#ppt_h/2"/>
+                                          </p:val>
+                                        </p:tav>
+                                        <p:tav tm="100000">
+                                          <p:val>
+                                            <p:strVal val="#ppt_y"/>
+                                          </p:val>
+                                        </p:tav>
+                                      </p:tavLst>
+                                    </p:anim>
+                                  </p:childTnLst>
+                                </p:cTn>
+                              </p:par>
+                              <p:par>
+                                <p:cTn id="13" presetID="2" presetClass="entr" presetSubtype="4" fill="hold" nodeType="withEffect">
+                                  <p:stCondLst>
+                                    <p:cond delay="0"/>
+                                  </p:stCondLst>
+                                  <p:childTnLst>
+                                    <p:set>
+                                      <p:cBhvr>
+                                        <p:cTn id="14" dur="1" fill="hold">
+                                          <p:stCondLst>
+                                            <p:cond delay="0"/>
+                                          </p:stCondLst>
+                                        </p:cTn>
+                                        <p:tgtEl>
+                                          <p:spTgt spid="32"/>
+                                        </p:tgtEl>
+                                        <p:attrNameLst>
+                                          <p:attrName>style.visibility</p:attrName>
+                                        </p:attrNameLst>
+                                      </p:cBhvr>
+                                      <p:to>
+                                        <p:strVal val="visible"/>
+                                      </p:to>
+                                    </p:set>
+                                    <p:anim calcmode="lin" valueType="num">
+                                      <p:cBhvr additive="base">
+                                        <p:cTn id="15" dur="500" fill="hold"/>
+                                        <p:tgtEl>
+                                          <p:spTgt spid="32"/>
+                                        </p:tgtEl>
+                                        <p:attrNameLst>
+                                          <p:attrName>ppt_x</p:attrName>
+                                        </p:attrNameLst>
+                                      </p:cBhvr>
+                                      <p:tavLst>
+                                        <p:tav tm="0">
+                                          <p:val>
+                                            <p:strVal val="#ppt_x"/>
+                                          </p:val>
+                                        </p:tav>
+                                        <p:tav tm="100000">
+                                          <p:val>
+                                            <p:strVal val="#ppt_x"/>
+                                          </p:val>
+                                        </p:tav>
+                                      </p:tavLst>
+                                    </p:anim>
+                                    <p:anim calcmode="lin" valueType="num">
+                                      <p:cBhvr additive="base">
+                                        <p:cTn id="16" dur="500" fill="hold"/>
+                                        <p:tgtEl>
+                                          <p:spTgt spid="32"/>
+                                        </p:tgtEl>
+                                        <p:attrNameLst>
+                                          <p:attrName>ppt_y</p:attrName>
+                                        </p:attrNameLst>
+                                      </p:cBhvr>
+                                      <p:tavLst>
+                                        <p:tav tm="0">
+                                          <p:val>
+                                            <p:strVal val="1+#ppt_h/2"/>
+                                          </p:val>
+                                        </p:tav>
+                                        <p:tav tm="100000">
+                                          <p:val>
+                                            <p:strVal val="#ppt_y"/>
+                                          </p:val>
+                                        </p:tav>
+                                      </p:tavLst>
+                                    </p:anim>
+                                  </p:childTnLst>
+                                </p:cTn>
+                              </p:par>
+                              <p:par>
+                                <p:cTn id="17" presetID="2" presetClass="entr" presetSubtype="4" fill="hold" nodeType="withEffect">
+                                  <p:stCondLst>
+                                    <p:cond delay="0"/>
+                                  </p:stCondLst>
+                                  <p:childTnLst>
+                                    <p:set>
+                                      <p:cBhvr>
+                                        <p:cTn id="18" dur="1" fill="hold">
+                                          <p:stCondLst>
+                                            <p:cond delay="0"/>
+                                          </p:stCondLst>
+                                        </p:cTn>
+                                        <p:tgtEl>
+                                          <p:spTgt spid="30"/>
+                                        </p:tgtEl>
+                                        <p:attrNameLst>
+                                          <p:attrName>style.visibility</p:attrName>
+                                        </p:attrNameLst>
+                                      </p:cBhvr>
+                                      <p:to>
+                                        <p:strVal val="visible"/>
+                                      </p:to>
+                                    </p:set>
+                                    <p:anim calcmode="lin" valueType="num">
+                                      <p:cBhvr additive="base">
+                                        <p:cTn id="19" dur="500" fill="hold"/>
+                                        <p:tgtEl>
+                                          <p:spTgt spid="30"/>
+                                        </p:tgtEl>
+                                        <p:attrNameLst>
+                                          <p:attrName>ppt_x</p:attrName>
+                                        </p:attrNameLst>
+                                      </p:cBhvr>
+                                      <p:tavLst>
+                                        <p:tav tm="0">
+                                          <p:val>
+                                            <p:strVal val="#ppt_x"/>
+                                          </p:val>
+                                        </p:tav>
+                                        <p:tav tm="100000">
+                                          <p:val>
+                                            <p:strVal val="#ppt_x"/>
+                                          </p:val>
+                                        </p:tav>
+                                      </p:tavLst>
+                                    </p:anim>
+                                    <p:anim calcmode="lin" valueType="num">
+                                      <p:cBhvr additive="base">
+                                        <p:cTn id="20" dur="500" fill="hold"/>
+                                        <p:tgtEl>
+                                          <p:spTgt spid="30"/>
+                                        </p:tgtEl>
+                                        <p:attrNameLst>
+                                          <p:attrName>ppt_y</p:attrName>
+                                        </p:attrNameLst>
+                                      </p:cBhvr>
+                                      <p:tavLst>
+                                        <p:tav tm="0">
+                                          <p:val>
+                                            <p:strVal val="1+#ppt_h/2"/>
+                                          </p:val>
+                                        </p:tav>
+                                        <p:tav tm="100000">
+                                          <p:val>
+                                            <p:strVal val="#ppt_y"/>
+                                          </p:val>
+                                        </p:tav>
+                                      </p:tavLst>
+                                    </p:anim>
+                                  </p:childTnLst>
+                                </p:cTn>
+                              </p:par>
+                              <p:par>
+                                <p:cTn id="21" presetID="2" presetClass="entr" presetSubtype="4" fill="hold" grpId="0" nodeType="withEffect">
+                                  <p:stCondLst>
+                                    <p:cond delay="0"/>
+                                  </p:stCondLst>
+                                  <p:childTnLst>
+                                    <p:set>
+                                      <p:cBhvr>
+                                        <p:cTn id="22" dur="1" fill="hold">
+                                          <p:stCondLst>
+                                            <p:cond delay="0"/>
+                                          </p:stCondLst>
+                                        </p:cTn>
+                                        <p:tgtEl>
+                                          <p:spTgt spid="31"/>
+                                        </p:tgtEl>
+                                        <p:attrNameLst>
+                                          <p:attrName>style.visibility</p:attrName>
+                                        </p:attrNameLst>
+                                      </p:cBhvr>
+                                      <p:to>
+                                        <p:strVal val="visible"/>
+                                      </p:to>
+                                    </p:set>
+                                    <p:anim calcmode="lin" valueType="num">
+                                      <p:cBhvr additive="base">
+                                        <p:cTn id="23" dur="500" fill="hold"/>
+                                        <p:tgtEl>
+                                          <p:spTgt spid="31"/>
+                                        </p:tgtEl>
+                                        <p:attrNameLst>
+                                          <p:attrName>ppt_x</p:attrName>
+                                        </p:attrNameLst>
+                                      </p:cBhvr>
+                                      <p:tavLst>
+                                        <p:tav tm="0">
+                                          <p:val>
+                                            <p:strVal val="#ppt_x"/>
+                                          </p:val>
+                                        </p:tav>
+                                        <p:tav tm="100000">
+                                          <p:val>
+                                            <p:strVal val="#ppt_x"/>
+                                          </p:val>
+                                        </p:tav>
+                                      </p:tavLst>
+                                    </p:anim>
+                                    <p:anim calcmode="lin" valueType="num">
+                                      <p:cBhvr additive="base">
+                                        <p:cTn id="24" dur="500" fill="hold"/>
+                                        <p:tgtEl>
+                                          <p:spTgt spid="31"/>
+                                        </p:tgtEl>
+                                        <p:attrNameLst>
+                                          <p:attrName>ppt_y</p:attrName>
+                                        </p:attrNameLst>
+                                      </p:cBhvr>
+                                      <p:tavLst>
+                                        <p:tav tm="0">
+                                          <p:val>
+                                            <p:strVal val="1+#ppt_h/2"/>
+                                          </p:val>
+                                        </p:tav>
+                                        <p:tav tm="100000">
+                                          <p:val>
+                                            <p:strVal val="#ppt_y"/>
+                                          </p:val>
+                                        </p:tav>
+                                      </p:tavLst>
+                                    </p:anim>
+                                  </p:childTnLst>
+                                </p:cTn>
+                              </p:par>
+                              <p:par>
+                                <p:cTn id="25" presetID="2" presetClass="entr" presetSubtype="4" fill="hold" grpId="0" nodeType="withEffect">
+                                  <p:stCondLst>
+                                    <p:cond delay="0"/>
+                                  </p:stCondLst>
+                                  <p:childTnLst>
+                                    <p:set>
+                                      <p:cBhvr>
+                                        <p:cTn id="26" dur="1" fill="hold">
+                                          <p:stCondLst>
+                                            <p:cond delay="0"/>
+                                          </p:stCondLst>
+                                        </p:cTn>
+                                        <p:tgtEl>
+                                          <p:spTgt spid="125"/>
+                                        </p:tgtEl>
+                                        <p:attrNameLst>
+                                          <p:attrName>style.visibility</p:attrName>
+                                        </p:attrNameLst>
+                                      </p:cBhvr>
+                                      <p:to>
+                                        <p:strVal val="visible"/>
+                                      </p:to>
+                                    </p:set>
+                                    <p:anim calcmode="lin" valueType="num">
+                                      <p:cBhvr additive="base">
+                                        <p:cTn id="27" dur="500" fill="hold"/>
+                                        <p:tgtEl>
+                                          <p:spTgt spid="125"/>
+                                        </p:tgtEl>
+                                        <p:attrNameLst>
+                                          <p:attrName>ppt_x</p:attrName>
+                                        </p:attrNameLst>
+                                      </p:cBhvr>
+                                      <p:tavLst>
+                                        <p:tav tm="0">
+                                          <p:val>
+                                            <p:strVal val="#ppt_x"/>
+                                          </p:val>
+                                        </p:tav>
+                                        <p:tav tm="100000">
+                                          <p:val>
+                                            <p:strVal val="#ppt_x"/>
+                                          </p:val>
+                                        </p:tav>
+                                      </p:tavLst>
+                                    </p:anim>
+                                    <p:anim calcmode="lin" valueType="num">
+                                      <p:cBhvr additive="base">
+                                        <p:cTn id="28" dur="500" fill="hold"/>
+                                        <p:tgtEl>
+                                          <p:spTgt spid="125"/>
+                                        </p:tgtEl>
+                                        <p:attrNameLst>
+                                          <p:attrName>ppt_y</p:attrName>
+                                        </p:attrNameLst>
+                                      </p:cBhvr>
+                                      <p:tavLst>
+                                        <p:tav tm="0">
+                                          <p:val>
+                                            <p:strVal val="1+#ppt_h/2"/>
+                                          </p:val>
+                                        </p:tav>
+                                        <p:tav tm="100000">
+                                          <p:val>
+                                            <p:strVal val="#ppt_y"/>
+                                          </p:val>
+                                        </p:tav>
+                                      </p:tavLst>
+                                    </p:anim>
+                                  </p:childTnLst>
+                                </p:cTn>
+                              </p:par>
+                              <p:par>
+                                <p:cTn id="29" presetID="2" presetClass="entr" presetSubtype="4" fill="hold" nodeType="withEffect">
+                                  <p:stCondLst>
+                                    <p:cond delay="0"/>
+                                  </p:stCondLst>
+                                  <p:childTnLst>
+                                    <p:set>
+                                      <p:cBhvr>
+                                        <p:cTn id="30" dur="1" fill="hold">
+                                          <p:stCondLst>
+                                            <p:cond delay="0"/>
+                                          </p:stCondLst>
+                                        </p:cTn>
+                                        <p:tgtEl>
+                                          <p:spTgt spid="107"/>
+                                        </p:tgtEl>
+                                        <p:attrNameLst>
+                                          <p:attrName>style.visibility</p:attrName>
+                                        </p:attrNameLst>
+                                      </p:cBhvr>
+                                      <p:to>
+                                        <p:strVal val="visible"/>
+                                      </p:to>
+                                    </p:set>
+                                    <p:anim calcmode="lin" valueType="num">
+                                      <p:cBhvr additive="base">
+                                        <p:cTn id="31" dur="500" fill="hold"/>
+                                        <p:tgtEl>
+                                          <p:spTgt spid="107"/>
+                                        </p:tgtEl>
+                                        <p:attrNameLst>
+                                          <p:attrName>ppt_x</p:attrName>
+                                        </p:attrNameLst>
+                                      </p:cBhvr>
+                                      <p:tavLst>
+                                        <p:tav tm="0">
+                                          <p:val>
+                                            <p:strVal val="#ppt_x"/>
+                                          </p:val>
+                                        </p:tav>
+                                        <p:tav tm="100000">
+                                          <p:val>
+                                            <p:strVal val="#ppt_x"/>
+                                          </p:val>
+                                        </p:tav>
+                                      </p:tavLst>
+                                    </p:anim>
+                                    <p:anim calcmode="lin" valueType="num">
+                                      <p:cBhvr additive="base">
+                                        <p:cTn id="32" dur="500" fill="hold"/>
+                                        <p:tgtEl>
+                                          <p:spTgt spid="107"/>
+                                        </p:tgtEl>
+                                        <p:attrNameLst>
+                                          <p:attrName>ppt_y</p:attrName>
+                                        </p:attrNameLst>
+                                      </p:cBhvr>
+                                      <p:tavLst>
+                                        <p:tav tm="0">
+                                          <p:val>
+                                            <p:strVal val="1+#ppt_h/2"/>
+                                          </p:val>
+                                        </p:tav>
+                                        <p:tav tm="100000">
+                                          <p:val>
+                                            <p:strVal val="#ppt_y"/>
+                                          </p:val>
+                                        </p:tav>
+                                      </p:tavLst>
+                                    </p:anim>
+                                  </p:childTnLst>
+                                </p:cTn>
+                              </p:par>
+                              <p:par>
+                                <p:cTn id="33" presetID="2" presetClass="entr" presetSubtype="4" fill="hold" nodeType="withEffect">
+                                  <p:stCondLst>
+                                    <p:cond delay="0"/>
+                                  </p:stCondLst>
+                                  <p:childTnLst>
+                                    <p:set>
+                                      <p:cBhvr>
+                                        <p:cTn id="34" dur="1" fill="hold">
+                                          <p:stCondLst>
+                                            <p:cond delay="0"/>
+                                          </p:stCondLst>
+                                        </p:cTn>
+                                        <p:tgtEl>
+                                          <p:spTgt spid="106"/>
+                                        </p:tgtEl>
+                                        <p:attrNameLst>
+                                          <p:attrName>style.visibility</p:attrName>
+                                        </p:attrNameLst>
+                                      </p:cBhvr>
+                                      <p:to>
+                                        <p:strVal val="visible"/>
+                                      </p:to>
+                                    </p:set>
+                                    <p:anim calcmode="lin" valueType="num">
+                                      <p:cBhvr additive="base">
+                                        <p:cTn id="35" dur="500" fill="hold"/>
+                                        <p:tgtEl>
+                                          <p:spTgt spid="106"/>
+                                        </p:tgtEl>
+                                        <p:attrNameLst>
+                                          <p:attrName>ppt_x</p:attrName>
+                                        </p:attrNameLst>
+                                      </p:cBhvr>
+                                      <p:tavLst>
+                                        <p:tav tm="0">
+                                          <p:val>
+                                            <p:strVal val="#ppt_x"/>
+                                          </p:val>
+                                        </p:tav>
+                                        <p:tav tm="100000">
+                                          <p:val>
+                                            <p:strVal val="#ppt_x"/>
+                                          </p:val>
+                                        </p:tav>
+                                      </p:tavLst>
+                                    </p:anim>
+                                    <p:anim calcmode="lin" valueType="num">
+                                      <p:cBhvr additive="base">
+                                        <p:cTn id="36" dur="500" fill="hold"/>
+                                        <p:tgtEl>
+                                          <p:spTgt spid="106"/>
+                                        </p:tgtEl>
+                                        <p:attrNameLst>
+                                          <p:attrName>ppt_y</p:attrName>
+                                        </p:attrNameLst>
+                                      </p:cBhvr>
+                                      <p:tavLst>
+                                        <p:tav tm="0">
+                                          <p:val>
+                                            <p:strVal val="1+#ppt_h/2"/>
+                                          </p:val>
+                                        </p:tav>
+                                        <p:tav tm="100000">
+                                          <p:val>
+                                            <p:strVal val="#ppt_y"/>
+                                          </p:val>
+                                        </p:tav>
+                                      </p:tavLst>
+                                    </p:anim>
+                                  </p:childTnLst>
+                                </p:cTn>
+                              </p:par>
+                              <p:par>
+                                <p:cTn id="37" presetID="2" presetClass="entr" presetSubtype="4" fill="hold" nodeType="withEffect">
+                                  <p:stCondLst>
+                                    <p:cond delay="0"/>
+                                  </p:stCondLst>
+                                  <p:childTnLst>
+                                    <p:set>
+                                      <p:cBhvr>
+                                        <p:cTn id="38" dur="1" fill="hold">
+                                          <p:stCondLst>
+                                            <p:cond delay="0"/>
+                                          </p:stCondLst>
+                                        </p:cTn>
+                                        <p:tgtEl>
+                                          <p:spTgt spid="77"/>
+                                        </p:tgtEl>
+                                        <p:attrNameLst>
+                                          <p:attrName>style.visibility</p:attrName>
+                                        </p:attrNameLst>
+                                      </p:cBhvr>
+                                      <p:to>
+                                        <p:strVal val="visible"/>
+                                      </p:to>
+                                    </p:set>
+                                    <p:anim calcmode="lin" valueType="num">
+                                      <p:cBhvr additive="base">
+                                        <p:cTn id="39" dur="500" fill="hold"/>
+                                        <p:tgtEl>
+                                          <p:spTgt spid="77"/>
+                                        </p:tgtEl>
+                                        <p:attrNameLst>
+                                          <p:attrName>ppt_x</p:attrName>
+                                        </p:attrNameLst>
+                                      </p:cBhvr>
+                                      <p:tavLst>
+                                        <p:tav tm="0">
+                                          <p:val>
+                                            <p:strVal val="#ppt_x"/>
+                                          </p:val>
+                                        </p:tav>
+                                        <p:tav tm="100000">
+                                          <p:val>
+                                            <p:strVal val="#ppt_x"/>
+                                          </p:val>
+                                        </p:tav>
+                                      </p:tavLst>
+                                    </p:anim>
+                                    <p:anim calcmode="lin" valueType="num">
+                                      <p:cBhvr additive="base">
+                                        <p:cTn id="40" dur="500" fill="hold"/>
+                                        <p:tgtEl>
+                                          <p:spTgt spid="77"/>
+                                        </p:tgtEl>
+                                        <p:attrNameLst>
+                                          <p:attrName>ppt_y</p:attrName>
+                                        </p:attrNameLst>
+                                      </p:cBhvr>
+                                      <p:tavLst>
+                                        <p:tav tm="0">
+                                          <p:val>
+                                            <p:strVal val="1+#ppt_h/2"/>
+                                          </p:val>
+                                        </p:tav>
+                                        <p:tav tm="100000">
+                                          <p:val>
+                                            <p:strVal val="#ppt_y"/>
+                                          </p:val>
+                                        </p:tav>
+                                      </p:tavLst>
+                                    </p:anim>
+                                  </p:childTnLst>
+                                </p:cTn>
+                              </p:par>
+                              <p:par>
+                                <p:cTn id="41" presetID="2" presetClass="entr" presetSubtype="4" fill="hold" nodeType="withEffect">
+                                  <p:stCondLst>
+                                    <p:cond delay="0"/>
+                                  </p:stCondLst>
+                                  <p:childTnLst>
+                                    <p:set>
+                                      <p:cBhvr>
+                                        <p:cTn id="42" dur="1" fill="hold">
+                                          <p:stCondLst>
+                                            <p:cond delay="0"/>
+                                          </p:stCondLst>
+                                        </p:cTn>
+                                        <p:tgtEl>
+                                          <p:spTgt spid="86"/>
+                                        </p:tgtEl>
+                                        <p:attrNameLst>
+                                          <p:attrName>style.visibility</p:attrName>
+                                        </p:attrNameLst>
+                                      </p:cBhvr>
+                                      <p:to>
+                                        <p:strVal val="visible"/>
+                                      </p:to>
+                                    </p:set>
+                                    <p:anim calcmode="lin" valueType="num">
+                                      <p:cBhvr additive="base">
+                                        <p:cTn id="43" dur="500" fill="hold"/>
+                                        <p:tgtEl>
+                                          <p:spTgt spid="86"/>
+                                        </p:tgtEl>
+                                        <p:attrNameLst>
+                                          <p:attrName>ppt_x</p:attrName>
+                                        </p:attrNameLst>
+                                      </p:cBhvr>
+                                      <p:tavLst>
+                                        <p:tav tm="0">
+                                          <p:val>
+                                            <p:strVal val="#ppt_x"/>
+                                          </p:val>
+                                        </p:tav>
+                                        <p:tav tm="100000">
+                                          <p:val>
+                                            <p:strVal val="#ppt_x"/>
+                                          </p:val>
+                                        </p:tav>
+                                      </p:tavLst>
+                                    </p:anim>
+                                    <p:anim calcmode="lin" valueType="num">
+                                      <p:cBhvr additive="base">
+                                        <p:cTn id="44" dur="500" fill="hold"/>
+                                        <p:tgtEl>
+                                          <p:spTgt spid="86"/>
+                                        </p:tgtEl>
+                                        <p:attrNameLst>
+                                          <p:attrName>ppt_y</p:attrName>
+                                        </p:attrNameLst>
+                                      </p:cBhvr>
+                                      <p:tavLst>
+                                        <p:tav tm="0">
+                                          <p:val>
+                                            <p:strVal val="1+#ppt_h/2"/>
+                                          </p:val>
+                                        </p:tav>
+                                        <p:tav tm="100000">
+                                          <p:val>
+                                            <p:strVal val="#ppt_y"/>
+                                          </p:val>
+                                        </p:tav>
+                                      </p:tavLst>
+                                    </p:anim>
+                                  </p:childTnLst>
+                                </p:cTn>
+                              </p:par>
+                              <p:par>
+                                <p:cTn id="45" presetID="2" presetClass="entr" presetSubtype="4" fill="hold" grpId="0" nodeType="withEffect">
+                                  <p:stCondLst>
+                                    <p:cond delay="0"/>
+                                  </p:stCondLst>
+                                  <p:childTnLst>
+                                    <p:set>
+                                      <p:cBhvr>
+                                        <p:cTn id="46" dur="1" fill="hold">
+                                          <p:stCondLst>
+                                            <p:cond delay="0"/>
+                                          </p:stCondLst>
+                                        </p:cTn>
+                                        <p:tgtEl>
+                                          <p:spTgt spid="37"/>
+                                        </p:tgtEl>
+                                        <p:attrNameLst>
+                                          <p:attrName>style.visibility</p:attrName>
+                                        </p:attrNameLst>
+                                      </p:cBhvr>
+                                      <p:to>
+                                        <p:strVal val="visible"/>
+                                      </p:to>
+                                    </p:set>
+                                    <p:anim calcmode="lin" valueType="num">
+                                      <p:cBhvr additive="base">
+                                        <p:cTn id="47" dur="500" fill="hold"/>
+                                        <p:tgtEl>
+                                          <p:spTgt spid="37"/>
+                                        </p:tgtEl>
+                                        <p:attrNameLst>
+                                          <p:attrName>ppt_x</p:attrName>
+                                        </p:attrNameLst>
+                                      </p:cBhvr>
+                                      <p:tavLst>
+                                        <p:tav tm="0">
+                                          <p:val>
+                                            <p:strVal val="#ppt_x"/>
+                                          </p:val>
+                                        </p:tav>
+                                        <p:tav tm="100000">
+                                          <p:val>
+                                            <p:strVal val="#ppt_x"/>
+                                          </p:val>
+                                        </p:tav>
+                                      </p:tavLst>
+                                    </p:anim>
+                                    <p:anim calcmode="lin" valueType="num">
+                                      <p:cBhvr additive="base">
+                                        <p:cTn id="48" dur="500" fill="hold"/>
+                                        <p:tgtEl>
+                                          <p:spTgt spid="37"/>
+                                        </p:tgtEl>
+                                        <p:attrNameLst>
+                                          <p:attrName>ppt_y</p:attrName>
+                                        </p:attrNameLst>
+                                      </p:cBhvr>
+                                      <p:tavLst>
+                                        <p:tav tm="0">
+                                          <p:val>
+                                            <p:strVal val="1+#ppt_h/2"/>
+                                          </p:val>
+                                        </p:tav>
+                                        <p:tav tm="100000">
+                                          <p:val>
+                                            <p:strVal val="#ppt_y"/>
+                                          </p:val>
+                                        </p:tav>
+                                      </p:tavLst>
+                                    </p:anim>
+                                  </p:childTnLst>
+                                </p:cTn>
+                              </p:par>
+                              <p:par>
+                                <p:cTn id="49" presetID="2" presetClass="entr" presetSubtype="4" fill="hold" nodeType="withEffect">
+                                  <p:stCondLst>
+                                    <p:cond delay="0"/>
+                                  </p:stCondLst>
+                                  <p:childTnLst>
+                                    <p:set>
+                                      <p:cBhvr>
+                                        <p:cTn id="50" dur="1" fill="hold">
+                                          <p:stCondLst>
+                                            <p:cond delay="0"/>
+                                          </p:stCondLst>
+                                        </p:cTn>
+                                        <p:tgtEl>
+                                          <p:spTgt spid="1036"/>
+                                        </p:tgtEl>
+                                        <p:attrNameLst>
+                                          <p:attrName>style.visibility</p:attrName>
+                                        </p:attrNameLst>
+                                      </p:cBhvr>
+                                      <p:to>
+                                        <p:strVal val="visible"/>
+                                      </p:to>
+                                    </p:set>
+                                    <p:anim calcmode="lin" valueType="num">
+                                      <p:cBhvr additive="base">
+                                        <p:cTn id="51" dur="500" fill="hold"/>
+                                        <p:tgtEl>
+                                          <p:spTgt spid="1036"/>
+                                        </p:tgtEl>
+                                        <p:attrNameLst>
+                                          <p:attrName>ppt_x</p:attrName>
+                                        </p:attrNameLst>
+                                      </p:cBhvr>
+                                      <p:tavLst>
+                                        <p:tav tm="0">
+                                          <p:val>
+                                            <p:strVal val="#ppt_x"/>
+                                          </p:val>
+                                        </p:tav>
+                                        <p:tav tm="100000">
+                                          <p:val>
+                                            <p:strVal val="#ppt_x"/>
+                                          </p:val>
+                                        </p:tav>
+                                      </p:tavLst>
+                                    </p:anim>
+                                    <p:anim calcmode="lin" valueType="num">
+                                      <p:cBhvr additive="base">
+                                        <p:cTn id="52" dur="500" fill="hold"/>
+                                        <p:tgtEl>
+                                          <p:spTgt spid="1036"/>
+                                        </p:tgtEl>
+                                        <p:attrNameLst>
+                                          <p:attrName>ppt_y</p:attrName>
+                                        </p:attrNameLst>
+                                      </p:cBhvr>
+                                      <p:tavLst>
+                                        <p:tav tm="0">
+                                          <p:val>
+                                            <p:strVal val="1+#ppt_h/2"/>
+                                          </p:val>
+                                        </p:tav>
+                                        <p:tav tm="100000">
+                                          <p:val>
+                                            <p:strVal val="#ppt_y"/>
+                                          </p:val>
+                                        </p:tav>
+                                      </p:tavLst>
+                                    </p:anim>
+                                  </p:childTnLst>
+                                </p:cTn>
+                              </p:par>
+                              <p:par>
+                                <p:cTn id="53" presetID="2" presetClass="entr" presetSubtype="4" fill="hold" grpId="0" nodeType="withEffect">
+                                  <p:stCondLst>
+                                    <p:cond delay="0"/>
+                                  </p:stCondLst>
+                                  <p:childTnLst>
+                                    <p:set>
+                                      <p:cBhvr>
+                                        <p:cTn id="54" dur="1" fill="hold">
+                                          <p:stCondLst>
+                                            <p:cond delay="0"/>
+                                          </p:stCondLst>
+                                        </p:cTn>
+                                        <p:tgtEl>
+                                          <p:spTgt spid="89"/>
+                                        </p:tgtEl>
+                                        <p:attrNameLst>
+                                          <p:attrName>style.visibility</p:attrName>
+                                        </p:attrNameLst>
+                                      </p:cBhvr>
+                                      <p:to>
+                                        <p:strVal val="visible"/>
+                                      </p:to>
+                                    </p:set>
+                                    <p:anim calcmode="lin" valueType="num">
+                                      <p:cBhvr additive="base">
+                                        <p:cTn id="55" dur="500" fill="hold"/>
+                                        <p:tgtEl>
+                                          <p:spTgt spid="89"/>
+                                        </p:tgtEl>
+                                        <p:attrNameLst>
+                                          <p:attrName>ppt_x</p:attrName>
+                                        </p:attrNameLst>
+                                      </p:cBhvr>
+                                      <p:tavLst>
+                                        <p:tav tm="0">
+                                          <p:val>
+                                            <p:strVal val="#ppt_x"/>
+                                          </p:val>
+                                        </p:tav>
+                                        <p:tav tm="100000">
+                                          <p:val>
+                                            <p:strVal val="#ppt_x"/>
+                                          </p:val>
+                                        </p:tav>
+                                      </p:tavLst>
+                                    </p:anim>
+                                    <p:anim calcmode="lin" valueType="num">
+                                      <p:cBhvr additive="base">
+                                        <p:cTn id="56" dur="500" fill="hold"/>
+                                        <p:tgtEl>
+                                          <p:spTgt spid="89"/>
+                                        </p:tgtEl>
+                                        <p:attrNameLst>
+                                          <p:attrName>ppt_y</p:attrName>
+                                        </p:attrNameLst>
+                                      </p:cBhvr>
+                                      <p:tavLst>
+                                        <p:tav tm="0">
+                                          <p:val>
+                                            <p:strVal val="1+#ppt_h/2"/>
+                                          </p:val>
+                                        </p:tav>
+                                        <p:tav tm="100000">
+                                          <p:val>
+                                            <p:strVal val="#ppt_y"/>
+                                          </p:val>
+                                        </p:tav>
+                                      </p:tavLst>
+                                    </p:anim>
+                                  </p:childTnLst>
+                                </p:cTn>
+                              </p:par>
+                            </p:childTnLst>
+                          </p:cTn>
+                        </p:par>
+                      </p:childTnLst>
+                    </p:cTn>
+                  </p:par>
+                  <p:par>
+                    <p:cTn id="57" fill="hold">
+                      <p:stCondLst>
+                        <p:cond delay="indefinite"/>
+                      </p:stCondLst>
+                      <p:childTnLst>
+                        <p:par>
+                          <p:cTn id="58" fill="hold">
+                            <p:stCondLst>
+                              <p:cond delay="0"/>
+                            </p:stCondLst>
+                            <p:childTnLst>
+                              <p:par>
+                                <p:cTn id="59" presetID="2" presetClass="entr" presetSubtype="4" fill="hold" nodeType="clickEffect">
+                                  <p:stCondLst>
+                                    <p:cond delay="0"/>
+                                  </p:stCondLst>
+                                  <p:childTnLst>
+                                    <p:set>
+                                      <p:cBhvr>
+                                        <p:cTn id="60" dur="1" fill="hold">
+                                          <p:stCondLst>
+                                            <p:cond delay="0"/>
+                                          </p:stCondLst>
+                                        </p:cTn>
+                                        <p:tgtEl>
+                                          <p:spTgt spid="27"/>
+                                        </p:tgtEl>
+                                        <p:attrNameLst>
+                                          <p:attrName>style.visibility</p:attrName>
+                                        </p:attrNameLst>
+                                      </p:cBhvr>
+                                      <p:to>
+                                        <p:strVal val="visible"/>
+                                      </p:to>
+                                    </p:set>
+                                    <p:anim calcmode="lin" valueType="num">
+                                      <p:cBhvr additive="base">
+                                        <p:cTn id="61" dur="500" fill="hold"/>
+                                        <p:tgtEl>
+                                          <p:spTgt spid="27"/>
+                                        </p:tgtEl>
+                                        <p:attrNameLst>
+                                          <p:attrName>ppt_x</p:attrName>
+                                        </p:attrNameLst>
+                                      </p:cBhvr>
+                                      <p:tavLst>
+                                        <p:tav tm="0">
+                                          <p:val>
+                                            <p:strVal val="#ppt_x"/>
+                                          </p:val>
+                                        </p:tav>
+                                        <p:tav tm="100000">
+                                          <p:val>
+                                            <p:strVal val="#ppt_x"/>
+                                          </p:val>
+                                        </p:tav>
+                                      </p:tavLst>
+                                    </p:anim>
+                                    <p:anim calcmode="lin" valueType="num">
+                                      <p:cBhvr additive="base">
+                                        <p:cTn id="62" dur="500" fill="hold"/>
+                                        <p:tgtEl>
+                                          <p:spTgt spid="27"/>
+                                        </p:tgtEl>
+                                        <p:attrNameLst>
+                                          <p:attrName>ppt_y</p:attrName>
+                                        </p:attrNameLst>
+                                      </p:cBhvr>
+                                      <p:tavLst>
+                                        <p:tav tm="0">
+                                          <p:val>
+                                            <p:strVal val="1+#ppt_h/2"/>
+                                          </p:val>
+                                        </p:tav>
+                                        <p:tav tm="100000">
+                                          <p:val>
+                                            <p:strVal val="#ppt_y"/>
+                                          </p:val>
+                                        </p:tav>
+                                      </p:tavLst>
+                                    </p:anim>
+                                  </p:childTnLst>
+                                </p:cTn>
+                              </p:par>
+                              <p:par>
+                                <p:cTn id="63" presetID="2" presetClass="entr" presetSubtype="4" fill="hold" nodeType="withEffect">
+                                  <p:stCondLst>
+                                    <p:cond delay="0"/>
+                                  </p:stCondLst>
+                                  <p:childTnLst>
+                                    <p:set>
+                                      <p:cBhvr>
+                                        <p:cTn id="64" dur="1" fill="hold">
+                                          <p:stCondLst>
+                                            <p:cond delay="0"/>
+                                          </p:stCondLst>
+                                        </p:cTn>
+                                        <p:tgtEl>
+                                          <p:spTgt spid="91"/>
+                                        </p:tgtEl>
+                                        <p:attrNameLst>
+                                          <p:attrName>style.visibility</p:attrName>
+                                        </p:attrNameLst>
+                                      </p:cBhvr>
+                                      <p:to>
+                                        <p:strVal val="visible"/>
+                                      </p:to>
+                                    </p:set>
+                                    <p:anim calcmode="lin" valueType="num">
+                                      <p:cBhvr additive="base">
+                                        <p:cTn id="65" dur="500" fill="hold"/>
+                                        <p:tgtEl>
+                                          <p:spTgt spid="91"/>
+                                        </p:tgtEl>
+                                        <p:attrNameLst>
+                                          <p:attrName>ppt_x</p:attrName>
+                                        </p:attrNameLst>
+                                      </p:cBhvr>
+                                      <p:tavLst>
+                                        <p:tav tm="0">
+                                          <p:val>
+                                            <p:strVal val="#ppt_x"/>
+                                          </p:val>
+                                        </p:tav>
+                                        <p:tav tm="100000">
+                                          <p:val>
+                                            <p:strVal val="#ppt_x"/>
+                                          </p:val>
+                                        </p:tav>
+                                      </p:tavLst>
+                                    </p:anim>
+                                    <p:anim calcmode="lin" valueType="num">
+                                      <p:cBhvr additive="base">
+                                        <p:cTn id="66" dur="500" fill="hold"/>
+                                        <p:tgtEl>
+                                          <p:spTgt spid="91"/>
+                                        </p:tgtEl>
+                                        <p:attrNameLst>
+                                          <p:attrName>ppt_y</p:attrName>
+                                        </p:attrNameLst>
+                                      </p:cBhvr>
+                                      <p:tavLst>
+                                        <p:tav tm="0">
+                                          <p:val>
+                                            <p:strVal val="1+#ppt_h/2"/>
+                                          </p:val>
+                                        </p:tav>
+                                        <p:tav tm="100000">
+                                          <p:val>
+                                            <p:strVal val="#ppt_y"/>
+                                          </p:val>
+                                        </p:tav>
+                                      </p:tavLst>
+                                    </p:anim>
+                                  </p:childTnLst>
+                                </p:cTn>
+                              </p:par>
+                              <p:par>
+                                <p:cTn id="67" presetID="2" presetClass="entr" presetSubtype="4" fill="hold" grpId="0" nodeType="withEffect">
+                                  <p:stCondLst>
+                                    <p:cond delay="0"/>
+                                  </p:stCondLst>
+                                  <p:childTnLst>
+                                    <p:set>
+                                      <p:cBhvr>
+                                        <p:cTn id="68" dur="1" fill="hold">
+                                          <p:stCondLst>
+                                            <p:cond delay="0"/>
+                                          </p:stCondLst>
+                                        </p:cTn>
+                                        <p:tgtEl>
+                                          <p:spTgt spid="124"/>
+                                        </p:tgtEl>
+                                        <p:attrNameLst>
+                                          <p:attrName>style.visibility</p:attrName>
+                                        </p:attrNameLst>
+                                      </p:cBhvr>
+                                      <p:to>
+                                        <p:strVal val="visible"/>
+                                      </p:to>
+                                    </p:set>
+                                    <p:anim calcmode="lin" valueType="num">
+                                      <p:cBhvr additive="base">
+                                        <p:cTn id="69" dur="500" fill="hold"/>
+                                        <p:tgtEl>
+                                          <p:spTgt spid="124"/>
+                                        </p:tgtEl>
+                                        <p:attrNameLst>
+                                          <p:attrName>ppt_x</p:attrName>
+                                        </p:attrNameLst>
+                                      </p:cBhvr>
+                                      <p:tavLst>
+                                        <p:tav tm="0">
+                                          <p:val>
+                                            <p:strVal val="#ppt_x"/>
+                                          </p:val>
+                                        </p:tav>
+                                        <p:tav tm="100000">
+                                          <p:val>
+                                            <p:strVal val="#ppt_x"/>
+                                          </p:val>
+                                        </p:tav>
+                                      </p:tavLst>
+                                    </p:anim>
+                                    <p:anim calcmode="lin" valueType="num">
+                                      <p:cBhvr additive="base">
+                                        <p:cTn id="70" dur="500" fill="hold"/>
+                                        <p:tgtEl>
+                                          <p:spTgt spid="124"/>
+                                        </p:tgtEl>
+                                        <p:attrNameLst>
+                                          <p:attrName>ppt_y</p:attrName>
+                                        </p:attrNameLst>
+                                      </p:cBhvr>
+                                      <p:tavLst>
+                                        <p:tav tm="0">
+                                          <p:val>
+                                            <p:strVal val="1+#ppt_h/2"/>
+                                          </p:val>
+                                        </p:tav>
+                                        <p:tav tm="100000">
+                                          <p:val>
+                                            <p:strVal val="#ppt_y"/>
+                                          </p:val>
+                                        </p:tav>
+                                      </p:tavLst>
+                                    </p:anim>
+                                  </p:childTnLst>
+                                </p:cTn>
+                              </p:par>
+                            </p:childTnLst>
+                          </p:cTn>
+                        </p:par>
+                      </p:childTnLst>
+                    </p:cTn>
+                  </p:par>
+                  <p:par>
+                    <p:cTn id="71" fill="hold">
+                      <p:stCondLst>
+                        <p:cond delay="indefinite"/>
+                      </p:stCondLst>
+                      <p:childTnLst>
+                        <p:par>
+                          <p:cTn id="72" fill="hold">
+                            <p:stCondLst>
+                              <p:cond delay="0"/>
+                            </p:stCondLst>
+                            <p:childTnLst>
+                              <p:par>
+                                <p:cTn id="73" presetID="2" presetClass="entr" presetSubtype="4" fill="hold" nodeType="clickEffect">
+                                  <p:stCondLst>
+                                    <p:cond delay="0"/>
+                                  </p:stCondLst>
+                                  <p:childTnLst>
+                                    <p:set>
+                                      <p:cBhvr>
+                                        <p:cTn id="74" dur="1" fill="hold">
+                                          <p:stCondLst>
+                                            <p:cond delay="0"/>
+                                          </p:stCondLst>
+                                        </p:cTn>
+                                        <p:tgtEl>
+                                          <p:spTgt spid="97"/>
+                                        </p:tgtEl>
+                                        <p:attrNameLst>
+                                          <p:attrName>style.visibility</p:attrName>
+                                        </p:attrNameLst>
+                                      </p:cBhvr>
+                                      <p:to>
+                                        <p:strVal val="visible"/>
+                                      </p:to>
+                                    </p:set>
+                                    <p:anim calcmode="lin" valueType="num">
+                                      <p:cBhvr additive="base">
+                                        <p:cTn id="75" dur="500" fill="hold"/>
+                                        <p:tgtEl>
+                                          <p:spTgt spid="97"/>
+                                        </p:tgtEl>
+                                        <p:attrNameLst>
+                                          <p:attrName>ppt_x</p:attrName>
+                                        </p:attrNameLst>
+                                      </p:cBhvr>
+                                      <p:tavLst>
+                                        <p:tav tm="0">
+                                          <p:val>
+                                            <p:strVal val="#ppt_x"/>
+                                          </p:val>
+                                        </p:tav>
+                                        <p:tav tm="100000">
+                                          <p:val>
+                                            <p:strVal val="#ppt_x"/>
+                                          </p:val>
+                                        </p:tav>
+                                      </p:tavLst>
+                                    </p:anim>
+                                    <p:anim calcmode="lin" valueType="num">
+                                      <p:cBhvr additive="base">
+                                        <p:cTn id="76" dur="500" fill="hold"/>
+                                        <p:tgtEl>
+                                          <p:spTgt spid="97"/>
+                                        </p:tgtEl>
+                                        <p:attrNameLst>
+                                          <p:attrName>ppt_y</p:attrName>
+                                        </p:attrNameLst>
+                                      </p:cBhvr>
+                                      <p:tavLst>
+                                        <p:tav tm="0">
+                                          <p:val>
+                                            <p:strVal val="1+#ppt_h/2"/>
+                                          </p:val>
+                                        </p:tav>
+                                        <p:tav tm="100000">
+                                          <p:val>
+                                            <p:strVal val="#ppt_y"/>
+                                          </p:val>
+                                        </p:tav>
+                                      </p:tavLst>
+                                    </p:anim>
+                                  </p:childTnLst>
+                                </p:cTn>
+                              </p:par>
+                              <p:par>
+                                <p:cTn id="77" presetID="2" presetClass="entr" presetSubtype="4" fill="hold" nodeType="withEffect">
+                                  <p:stCondLst>
+                                    <p:cond delay="0"/>
+                                  </p:stCondLst>
+                                  <p:childTnLst>
+                                    <p:set>
+                                      <p:cBhvr>
+                                        <p:cTn id="78" dur="1" fill="hold">
+                                          <p:stCondLst>
+                                            <p:cond delay="0"/>
+                                          </p:stCondLst>
+                                        </p:cTn>
+                                        <p:tgtEl>
+                                          <p:spTgt spid="1032"/>
+                                        </p:tgtEl>
+                                        <p:attrNameLst>
+                                          <p:attrName>style.visibility</p:attrName>
+                                        </p:attrNameLst>
+                                      </p:cBhvr>
+                                      <p:to>
+                                        <p:strVal val="visible"/>
+                                      </p:to>
+                                    </p:set>
+                                    <p:anim calcmode="lin" valueType="num">
+                                      <p:cBhvr additive="base">
+                                        <p:cTn id="79" dur="500" fill="hold"/>
+                                        <p:tgtEl>
+                                          <p:spTgt spid="1032"/>
+                                        </p:tgtEl>
+                                        <p:attrNameLst>
+                                          <p:attrName>ppt_x</p:attrName>
+                                        </p:attrNameLst>
+                                      </p:cBhvr>
+                                      <p:tavLst>
+                                        <p:tav tm="0">
+                                          <p:val>
+                                            <p:strVal val="#ppt_x"/>
+                                          </p:val>
+                                        </p:tav>
+                                        <p:tav tm="100000">
+                                          <p:val>
+                                            <p:strVal val="#ppt_x"/>
+                                          </p:val>
+                                        </p:tav>
+                                      </p:tavLst>
+                                    </p:anim>
+                                    <p:anim calcmode="lin" valueType="num">
+                                      <p:cBhvr additive="base">
+                                        <p:cTn id="80" dur="500" fill="hold"/>
+                                        <p:tgtEl>
+                                          <p:spTgt spid="1032"/>
+                                        </p:tgtEl>
+                                        <p:attrNameLst>
+                                          <p:attrName>ppt_y</p:attrName>
+                                        </p:attrNameLst>
+                                      </p:cBhvr>
+                                      <p:tavLst>
+                                        <p:tav tm="0">
+                                          <p:val>
+                                            <p:strVal val="1+#ppt_h/2"/>
+                                          </p:val>
+                                        </p:tav>
+                                        <p:tav tm="100000">
+                                          <p:val>
+                                            <p:strVal val="#ppt_y"/>
+                                          </p:val>
+                                        </p:tav>
+                                      </p:tavLst>
+                                    </p:anim>
+                                  </p:childTnLst>
+                                </p:cTn>
+                              </p:par>
+                              <p:par>
+                                <p:cTn id="81" presetID="2" presetClass="entr" presetSubtype="4" fill="hold" grpId="0" nodeType="withEffect">
+                                  <p:stCondLst>
+                                    <p:cond delay="0"/>
+                                  </p:stCondLst>
+                                  <p:childTnLst>
+                                    <p:set>
+                                      <p:cBhvr>
+                                        <p:cTn id="82" dur="1" fill="hold">
+                                          <p:stCondLst>
+                                            <p:cond delay="0"/>
+                                          </p:stCondLst>
+                                        </p:cTn>
+                                        <p:tgtEl>
+                                          <p:spTgt spid="38"/>
+                                        </p:tgtEl>
+                                        <p:attrNameLst>
+                                          <p:attrName>style.visibility</p:attrName>
+                                        </p:attrNameLst>
+                                      </p:cBhvr>
+                                      <p:to>
+                                        <p:strVal val="visible"/>
+                                      </p:to>
+                                    </p:set>
+                                    <p:anim calcmode="lin" valueType="num">
+                                      <p:cBhvr additive="base">
+                                        <p:cTn id="83" dur="500" fill="hold"/>
+                                        <p:tgtEl>
+                                          <p:spTgt spid="38"/>
+                                        </p:tgtEl>
+                                        <p:attrNameLst>
+                                          <p:attrName>ppt_x</p:attrName>
+                                        </p:attrNameLst>
+                                      </p:cBhvr>
+                                      <p:tavLst>
+                                        <p:tav tm="0">
+                                          <p:val>
+                                            <p:strVal val="#ppt_x"/>
+                                          </p:val>
+                                        </p:tav>
+                                        <p:tav tm="100000">
+                                          <p:val>
+                                            <p:strVal val="#ppt_x"/>
+                                          </p:val>
+                                        </p:tav>
+                                      </p:tavLst>
+                                    </p:anim>
+                                    <p:anim calcmode="lin" valueType="num">
+                                      <p:cBhvr additive="base">
+                                        <p:cTn id="84" dur="500" fill="hold"/>
+                                        <p:tgtEl>
+                                          <p:spTgt spid="38"/>
+                                        </p:tgtEl>
+                                        <p:attrNameLst>
+                                          <p:attrName>ppt_y</p:attrName>
+                                        </p:attrNameLst>
+                                      </p:cBhvr>
+                                      <p:tavLst>
+                                        <p:tav tm="0">
+                                          <p:val>
+                                            <p:strVal val="1+#ppt_h/2"/>
+                                          </p:val>
+                                        </p:tav>
+                                        <p:tav tm="100000">
+                                          <p:val>
+                                            <p:strVal val="#ppt_y"/>
+                                          </p:val>
+                                        </p:tav>
+                                      </p:tavLst>
+                                    </p:anim>
+                                  </p:childTnLst>
+                                </p:cTn>
+                              </p:par>
+                            </p:childTnLst>
+                          </p:cTn>
+                        </p:par>
+                      </p:childTnLst>
+                    </p:cTn>
+                  </p:par>
+                  <p:par>
+                    <p:cTn id="85" fill="hold">
+                      <p:stCondLst>
+                        <p:cond delay="indefinite"/>
+                      </p:stCondLst>
+                      <p:childTnLst>
+                        <p:par>
+                          <p:cTn id="86" fill="hold">
+                            <p:stCondLst>
+                              <p:cond delay="0"/>
+                            </p:stCondLst>
+                            <p:childTnLst>
+                              <p:par>
+                                <p:cTn id="87" presetID="2" presetClass="entr" presetSubtype="4" fill="hold" nodeType="clickEffect">
+                                  <p:stCondLst>
+                                    <p:cond delay="0"/>
+                                  </p:stCondLst>
+                                  <p:childTnLst>
+                                    <p:set>
+                                      <p:cBhvr>
+                                        <p:cTn id="88" dur="1" fill="hold">
+                                          <p:stCondLst>
+                                            <p:cond delay="0"/>
+                                          </p:stCondLst>
+                                        </p:cTn>
+                                        <p:tgtEl>
+                                          <p:spTgt spid="98"/>
+                                        </p:tgtEl>
+                                        <p:attrNameLst>
+                                          <p:attrName>style.visibility</p:attrName>
+                                        </p:attrNameLst>
+                                      </p:cBhvr>
+                                      <p:to>
+                                        <p:strVal val="visible"/>
+                                      </p:to>
+                                    </p:set>
+                                    <p:anim calcmode="lin" valueType="num">
+                                      <p:cBhvr additive="base">
+                                        <p:cTn id="89" dur="500" fill="hold"/>
+                                        <p:tgtEl>
+                                          <p:spTgt spid="98"/>
+                                        </p:tgtEl>
+                                        <p:attrNameLst>
+                                          <p:attrName>ppt_x</p:attrName>
+                                        </p:attrNameLst>
+                                      </p:cBhvr>
+                                      <p:tavLst>
+                                        <p:tav tm="0">
+                                          <p:val>
+                                            <p:strVal val="#ppt_x"/>
+                                          </p:val>
+                                        </p:tav>
+                                        <p:tav tm="100000">
+                                          <p:val>
+                                            <p:strVal val="#ppt_x"/>
+                                          </p:val>
+                                        </p:tav>
+                                      </p:tavLst>
+                                    </p:anim>
+                                    <p:anim calcmode="lin" valueType="num">
+                                      <p:cBhvr additive="base">
+                                        <p:cTn id="90" dur="500" fill="hold"/>
+                                        <p:tgtEl>
+                                          <p:spTgt spid="98"/>
+                                        </p:tgtEl>
+                                        <p:attrNameLst>
+                                          <p:attrName>ppt_y</p:attrName>
+                                        </p:attrNameLst>
+                                      </p:cBhvr>
+                                      <p:tavLst>
+                                        <p:tav tm="0">
+                                          <p:val>
+                                            <p:strVal val="1+#ppt_h/2"/>
+                                          </p:val>
+                                        </p:tav>
+                                        <p:tav tm="100000">
+                                          <p:val>
+                                            <p:strVal val="#ppt_y"/>
+                                          </p:val>
+                                        </p:tav>
+                                      </p:tavLst>
+                                    </p:anim>
+                                  </p:childTnLst>
+                                </p:cTn>
+                              </p:par>
+                              <p:par>
+                                <p:cTn id="91" presetID="2" presetClass="entr" presetSubtype="4" fill="hold" nodeType="withEffect">
+                                  <p:stCondLst>
+                                    <p:cond delay="0"/>
+                                  </p:stCondLst>
+                                  <p:childTnLst>
+                                    <p:set>
+                                      <p:cBhvr>
+                                        <p:cTn id="92" dur="1" fill="hold">
+                                          <p:stCondLst>
+                                            <p:cond delay="0"/>
+                                          </p:stCondLst>
+                                        </p:cTn>
+                                        <p:tgtEl>
+                                          <p:spTgt spid="28"/>
+                                        </p:tgtEl>
+                                        <p:attrNameLst>
+                                          <p:attrName>style.visibility</p:attrName>
+                                        </p:attrNameLst>
+                                      </p:cBhvr>
+                                      <p:to>
+                                        <p:strVal val="visible"/>
+                                      </p:to>
+                                    </p:set>
+                                    <p:anim calcmode="lin" valueType="num">
+                                      <p:cBhvr additive="base">
+                                        <p:cTn id="93" dur="500" fill="hold"/>
+                                        <p:tgtEl>
+                                          <p:spTgt spid="28"/>
+                                        </p:tgtEl>
+                                        <p:attrNameLst>
+                                          <p:attrName>ppt_x</p:attrName>
+                                        </p:attrNameLst>
+                                      </p:cBhvr>
+                                      <p:tavLst>
+                                        <p:tav tm="0">
+                                          <p:val>
+                                            <p:strVal val="#ppt_x"/>
+                                          </p:val>
+                                        </p:tav>
+                                        <p:tav tm="100000">
+                                          <p:val>
+                                            <p:strVal val="#ppt_x"/>
+                                          </p:val>
+                                        </p:tav>
+                                      </p:tavLst>
+                                    </p:anim>
+                                    <p:anim calcmode="lin" valueType="num">
+                                      <p:cBhvr additive="base">
+                                        <p:cTn id="94" dur="500" fill="hold"/>
+                                        <p:tgtEl>
+                                          <p:spTgt spid="28"/>
+                                        </p:tgtEl>
+                                        <p:attrNameLst>
+                                          <p:attrName>ppt_y</p:attrName>
+                                        </p:attrNameLst>
+                                      </p:cBhvr>
+                                      <p:tavLst>
+                                        <p:tav tm="0">
+                                          <p:val>
+                                            <p:strVal val="1+#ppt_h/2"/>
+                                          </p:val>
+                                        </p:tav>
+                                        <p:tav tm="100000">
+                                          <p:val>
+                                            <p:strVal val="#ppt_y"/>
+                                          </p:val>
+                                        </p:tav>
+                                      </p:tavLst>
+                                    </p:anim>
+                                  </p:childTnLst>
+                                </p:cTn>
+                              </p:par>
+                              <p:par>
+                                <p:cTn id="95" presetID="2" presetClass="entr" presetSubtype="4" fill="hold" grpId="0" nodeType="withEffect">
+                                  <p:stCondLst>
+                                    <p:cond delay="0"/>
+                                  </p:stCondLst>
+                                  <p:childTnLst>
+                                    <p:set>
+                                      <p:cBhvr>
+                                        <p:cTn id="96" dur="1" fill="hold">
+                                          <p:stCondLst>
+                                            <p:cond delay="0"/>
+                                          </p:stCondLst>
+                                        </p:cTn>
+                                        <p:tgtEl>
+                                          <p:spTgt spid="34"/>
+                                        </p:tgtEl>
+                                        <p:attrNameLst>
+                                          <p:attrName>style.visibility</p:attrName>
+                                        </p:attrNameLst>
+                                      </p:cBhvr>
+                                      <p:to>
+                                        <p:strVal val="visible"/>
+                                      </p:to>
+                                    </p:set>
+                                    <p:anim calcmode="lin" valueType="num">
+                                      <p:cBhvr additive="base">
+                                        <p:cTn id="97" dur="500" fill="hold"/>
+                                        <p:tgtEl>
+                                          <p:spTgt spid="34"/>
+                                        </p:tgtEl>
+                                        <p:attrNameLst>
+                                          <p:attrName>ppt_x</p:attrName>
+                                        </p:attrNameLst>
+                                      </p:cBhvr>
+                                      <p:tavLst>
+                                        <p:tav tm="0">
+                                          <p:val>
+                                            <p:strVal val="#ppt_x"/>
+                                          </p:val>
+                                        </p:tav>
+                                        <p:tav tm="100000">
+                                          <p:val>
+                                            <p:strVal val="#ppt_x"/>
+                                          </p:val>
+                                        </p:tav>
+                                      </p:tavLst>
+                                    </p:anim>
+                                    <p:anim calcmode="lin" valueType="num">
+                                      <p:cBhvr additive="base">
+                                        <p:cTn id="98" dur="500" fill="hold"/>
+                                        <p:tgtEl>
+                                          <p:spTgt spid="34"/>
+                                        </p:tgtEl>
+                                        <p:attrNameLst>
+                                          <p:attrName>ppt_y</p:attrName>
+                                        </p:attrNameLst>
+                                      </p:cBhvr>
+                                      <p:tavLst>
+                                        <p:tav tm="0">
+                                          <p:val>
+                                            <p:strVal val="1+#ppt_h/2"/>
+                                          </p:val>
+                                        </p:tav>
+                                        <p:tav tm="100000">
+                                          <p:val>
+                                            <p:strVal val="#ppt_y"/>
+                                          </p:val>
+                                        </p:tav>
+                                      </p:tavLst>
+                                    </p:anim>
+                                  </p:childTnLst>
+                                </p:cTn>
+                              </p:par>
+                              <p:par>
+                                <p:cTn id="99" presetID="2" presetClass="entr" presetSubtype="4" fill="hold" nodeType="withEffect">
+                                  <p:stCondLst>
+                                    <p:cond delay="0"/>
+                                  </p:stCondLst>
+                                  <p:childTnLst>
+                                    <p:set>
+                                      <p:cBhvr>
+                                        <p:cTn id="100" dur="1" fill="hold">
+                                          <p:stCondLst>
+                                            <p:cond delay="0"/>
+                                          </p:stCondLst>
+                                        </p:cTn>
+                                        <p:tgtEl>
+                                          <p:spTgt spid="29"/>
+                                        </p:tgtEl>
+                                        <p:attrNameLst>
+                                          <p:attrName>style.visibility</p:attrName>
+                                        </p:attrNameLst>
+                                      </p:cBhvr>
+                                      <p:to>
+                                        <p:strVal val="visible"/>
+                                      </p:to>
+                                    </p:set>
+                                    <p:anim calcmode="lin" valueType="num">
+                                      <p:cBhvr additive="base">
+                                        <p:cTn id="101" dur="500" fill="hold"/>
+                                        <p:tgtEl>
+                                          <p:spTgt spid="29"/>
+                                        </p:tgtEl>
+                                        <p:attrNameLst>
+                                          <p:attrName>ppt_x</p:attrName>
+                                        </p:attrNameLst>
+                                      </p:cBhvr>
+                                      <p:tavLst>
+                                        <p:tav tm="0">
+                                          <p:val>
+                                            <p:strVal val="#ppt_x"/>
+                                          </p:val>
+                                        </p:tav>
+                                        <p:tav tm="100000">
+                                          <p:val>
+                                            <p:strVal val="#ppt_x"/>
+                                          </p:val>
+                                        </p:tav>
+                                      </p:tavLst>
+                                    </p:anim>
+                                    <p:anim calcmode="lin" valueType="num">
+                                      <p:cBhvr additive="base">
+                                        <p:cTn id="102" dur="500" fill="hold"/>
+                                        <p:tgtEl>
+                                          <p:spTgt spid="29"/>
+                                        </p:tgtEl>
+                                        <p:attrNameLst>
+                                          <p:attrName>ppt_y</p:attrName>
+                                        </p:attrNameLst>
+                                      </p:cBhvr>
+                                      <p:tavLst>
+                                        <p:tav tm="0">
+                                          <p:val>
+                                            <p:strVal val="1+#ppt_h/2"/>
+                                          </p:val>
+                                        </p:tav>
+                                        <p:tav tm="100000">
+                                          <p:val>
+                                            <p:strVal val="#ppt_y"/>
+                                          </p:val>
+                                        </p:tav>
+                                      </p:tavLst>
+                                    </p:anim>
+                                  </p:childTnLst>
+                                </p:cTn>
+                              </p:par>
+                              <p:par>
+                                <p:cTn id="103" presetID="2" presetClass="entr" presetSubtype="4" fill="hold" nodeType="withEffect">
+                                  <p:stCondLst>
+                                    <p:cond delay="0"/>
+                                  </p:stCondLst>
+                                  <p:childTnLst>
+                                    <p:set>
+                                      <p:cBhvr>
+                                        <p:cTn id="104" dur="1" fill="hold">
+                                          <p:stCondLst>
+                                            <p:cond delay="0"/>
+                                          </p:stCondLst>
+                                        </p:cTn>
+                                        <p:tgtEl>
+                                          <p:spTgt spid="96"/>
+                                        </p:tgtEl>
+                                        <p:attrNameLst>
+                                          <p:attrName>style.visibility</p:attrName>
+                                        </p:attrNameLst>
+                                      </p:cBhvr>
+                                      <p:to>
+                                        <p:strVal val="visible"/>
+                                      </p:to>
+                                    </p:set>
+                                    <p:anim calcmode="lin" valueType="num">
+                                      <p:cBhvr additive="base">
+                                        <p:cTn id="105" dur="500" fill="hold"/>
+                                        <p:tgtEl>
+                                          <p:spTgt spid="96"/>
+                                        </p:tgtEl>
+                                        <p:attrNameLst>
+                                          <p:attrName>ppt_x</p:attrName>
+                                        </p:attrNameLst>
+                                      </p:cBhvr>
+                                      <p:tavLst>
+                                        <p:tav tm="0">
+                                          <p:val>
+                                            <p:strVal val="#ppt_x"/>
+                                          </p:val>
+                                        </p:tav>
+                                        <p:tav tm="100000">
+                                          <p:val>
+                                            <p:strVal val="#ppt_x"/>
+                                          </p:val>
+                                        </p:tav>
+                                      </p:tavLst>
+                                    </p:anim>
+                                    <p:anim calcmode="lin" valueType="num">
+                                      <p:cBhvr additive="base">
+                                        <p:cTn id="106" dur="500" fill="hold"/>
+                                        <p:tgtEl>
+                                          <p:spTgt spid="96"/>
+                                        </p:tgtEl>
+                                        <p:attrNameLst>
+                                          <p:attrName>ppt_y</p:attrName>
+                                        </p:attrNameLst>
+                                      </p:cBhvr>
+                                      <p:tavLst>
+                                        <p:tav tm="0">
+                                          <p:val>
+                                            <p:strVal val="1+#ppt_h/2"/>
+                                          </p:val>
+                                        </p:tav>
+                                        <p:tav tm="100000">
+                                          <p:val>
+                                            <p:strVal val="#ppt_y"/>
+                                          </p:val>
+                                        </p:tav>
+                                      </p:tavLst>
+                                    </p:anim>
+                                  </p:childTnLst>
+                                </p:cTn>
+                              </p:par>
+                              <p:par>
+                                <p:cTn id="107" presetID="2" presetClass="entr" presetSubtype="4" fill="hold" grpId="0" nodeType="withEffect">
+                                  <p:stCondLst>
+                                    <p:cond delay="0"/>
+                                  </p:stCondLst>
+                                  <p:childTnLst>
+                                    <p:set>
+                                      <p:cBhvr>
+                                        <p:cTn id="108" dur="1" fill="hold">
+                                          <p:stCondLst>
+                                            <p:cond delay="0"/>
+                                          </p:stCondLst>
+                                        </p:cTn>
+                                        <p:tgtEl>
+                                          <p:spTgt spid="33"/>
+                                        </p:tgtEl>
+                                        <p:attrNameLst>
+                                          <p:attrName>style.visibility</p:attrName>
+                                        </p:attrNameLst>
+                                      </p:cBhvr>
+                                      <p:to>
+                                        <p:strVal val="visible"/>
+                                      </p:to>
+                                    </p:set>
+                                    <p:anim calcmode="lin" valueType="num">
+                                      <p:cBhvr additive="base">
+                                        <p:cTn id="109" dur="500" fill="hold"/>
+                                        <p:tgtEl>
+                                          <p:spTgt spid="33"/>
+                                        </p:tgtEl>
+                                        <p:attrNameLst>
+                                          <p:attrName>ppt_x</p:attrName>
+                                        </p:attrNameLst>
+                                      </p:cBhvr>
+                                      <p:tavLst>
+                                        <p:tav tm="0">
+                                          <p:val>
+                                            <p:strVal val="#ppt_x"/>
+                                          </p:val>
+                                        </p:tav>
+                                        <p:tav tm="100000">
+                                          <p:val>
+                                            <p:strVal val="#ppt_x"/>
+                                          </p:val>
+                                        </p:tav>
+                                      </p:tavLst>
+                                    </p:anim>
+                                    <p:anim calcmode="lin" valueType="num">
+                                      <p:cBhvr additive="base">
+                                        <p:cTn id="110" dur="500" fill="hold"/>
+                                        <p:tgtEl>
+                                          <p:spTgt spid="33"/>
+                                        </p:tgtEl>
+                                        <p:attrNameLst>
+                                          <p:attrName>ppt_y</p:attrName>
+                                        </p:attrNameLst>
+                                      </p:cBhvr>
+                                      <p:tavLst>
+                                        <p:tav tm="0">
+                                          <p:val>
+                                            <p:strVal val="1+#ppt_h/2"/>
+                                          </p:val>
+                                        </p:tav>
+                                        <p:tav tm="100000">
+                                          <p:val>
+                                            <p:strVal val="#ppt_y"/>
+                                          </p:val>
+                                        </p:tav>
+                                      </p:tavLst>
+                                    </p:anim>
+                                  </p:childTnLst>
+                                </p:cTn>
+                              </p:par>
+                            </p:childTnLst>
+                          </p:cTn>
+                        </p:par>
+                      </p:childTnLst>
+                    </p:cTn>
+                  </p:par>
+                  <p:par>
+                    <p:cTn id="111" fill="hold">
+                      <p:stCondLst>
+                        <p:cond delay="indefinite"/>
+                      </p:stCondLst>
+                      <p:childTnLst>
+                        <p:par>
+                          <p:cTn id="112" fill="hold">
+                            <p:stCondLst>
+                              <p:cond delay="0"/>
+                            </p:stCondLst>
+                            <p:childTnLst>
+                              <p:par>
+                                <p:cTn id="113" presetID="2" presetClass="entr" presetSubtype="4" fill="hold" nodeType="clickEffect">
+                                  <p:stCondLst>
+                                    <p:cond delay="0"/>
+                                  </p:stCondLst>
+                                  <p:childTnLst>
+                                    <p:set>
+                                      <p:cBhvr>
+                                        <p:cTn id="114" dur="1" fill="hold">
+                                          <p:stCondLst>
+                                            <p:cond delay="0"/>
+                                          </p:stCondLst>
+                                        </p:cTn>
+                                        <p:tgtEl>
+                                          <p:spTgt spid="90"/>
+                                        </p:tgtEl>
+                                        <p:attrNameLst>
+                                          <p:attrName>style.visibility</p:attrName>
+                                        </p:attrNameLst>
+                                      </p:cBhvr>
+                                      <p:to>
+                                        <p:strVal val="visible"/>
+                                      </p:to>
+                                    </p:set>
+                                    <p:anim calcmode="lin" valueType="num">
+                                      <p:cBhvr additive="base">
+                                        <p:cTn id="115" dur="500" fill="hold"/>
+                                        <p:tgtEl>
+                                          <p:spTgt spid="90"/>
+                                        </p:tgtEl>
+                                        <p:attrNameLst>
+                                          <p:attrName>ppt_x</p:attrName>
+                                        </p:attrNameLst>
+                                      </p:cBhvr>
+                                      <p:tavLst>
+                                        <p:tav tm="0">
+                                          <p:val>
+                                            <p:strVal val="#ppt_x"/>
+                                          </p:val>
+                                        </p:tav>
+                                        <p:tav tm="100000">
+                                          <p:val>
+                                            <p:strVal val="#ppt_x"/>
+                                          </p:val>
+                                        </p:tav>
+                                      </p:tavLst>
+                                    </p:anim>
+                                    <p:anim calcmode="lin" valueType="num">
+                                      <p:cBhvr additive="base">
+                                        <p:cTn id="116" dur="500" fill="hold"/>
+                                        <p:tgtEl>
+                                          <p:spTgt spid="90"/>
+                                        </p:tgtEl>
+                                        <p:attrNameLst>
+                                          <p:attrName>ppt_y</p:attrName>
+                                        </p:attrNameLst>
+                                      </p:cBhvr>
+                                      <p:tavLst>
+                                        <p:tav tm="0">
+                                          <p:val>
+                                            <p:strVal val="1+#ppt_h/2"/>
+                                          </p:val>
+                                        </p:tav>
+                                        <p:tav tm="100000">
+                                          <p:val>
+                                            <p:strVal val="#ppt_y"/>
+                                          </p:val>
+                                        </p:tav>
+                                      </p:tavLst>
+                                    </p:anim>
+                                  </p:childTnLst>
+                                </p:cTn>
+                              </p:par>
+                              <p:par>
+                                <p:cTn id="117" presetID="2" presetClass="entr" presetSubtype="4" fill="hold" nodeType="withEffect">
+                                  <p:stCondLst>
+                                    <p:cond delay="0"/>
+                                  </p:stCondLst>
+                                  <p:childTnLst>
+                                    <p:set>
+                                      <p:cBhvr>
+                                        <p:cTn id="118" dur="1" fill="hold">
+                                          <p:stCondLst>
+                                            <p:cond delay="0"/>
+                                          </p:stCondLst>
+                                        </p:cTn>
+                                        <p:tgtEl>
+                                          <p:spTgt spid="112"/>
+                                        </p:tgtEl>
+                                        <p:attrNameLst>
+                                          <p:attrName>style.visibility</p:attrName>
+                                        </p:attrNameLst>
+                                      </p:cBhvr>
+                                      <p:to>
+                                        <p:strVal val="visible"/>
+                                      </p:to>
+                                    </p:set>
+                                    <p:anim calcmode="lin" valueType="num">
+                                      <p:cBhvr additive="base">
+                                        <p:cTn id="119" dur="500" fill="hold"/>
+                                        <p:tgtEl>
+                                          <p:spTgt spid="112"/>
+                                        </p:tgtEl>
+                                        <p:attrNameLst>
+                                          <p:attrName>ppt_x</p:attrName>
+                                        </p:attrNameLst>
+                                      </p:cBhvr>
+                                      <p:tavLst>
+                                        <p:tav tm="0">
+                                          <p:val>
+                                            <p:strVal val="#ppt_x"/>
+                                          </p:val>
+                                        </p:tav>
+                                        <p:tav tm="100000">
+                                          <p:val>
+                                            <p:strVal val="#ppt_x"/>
+                                          </p:val>
+                                        </p:tav>
+                                      </p:tavLst>
+                                    </p:anim>
+                                    <p:anim calcmode="lin" valueType="num">
+                                      <p:cBhvr additive="base">
+                                        <p:cTn id="120" dur="500" fill="hold"/>
+                                        <p:tgtEl>
+                                          <p:spTgt spid="112"/>
+                                        </p:tgtEl>
+                                        <p:attrNameLst>
+                                          <p:attrName>ppt_y</p:attrName>
+                                        </p:attrNameLst>
+                                      </p:cBhvr>
+                                      <p:tavLst>
+                                        <p:tav tm="0">
+                                          <p:val>
+                                            <p:strVal val="1+#ppt_h/2"/>
+                                          </p:val>
+                                        </p:tav>
+                                        <p:tav tm="100000">
+                                          <p:val>
+                                            <p:strVal val="#ppt_y"/>
+                                          </p:val>
+                                        </p:tav>
+                                      </p:tavLst>
+                                    </p:anim>
+                                  </p:childTnLst>
+                                </p:cTn>
+                              </p:par>
+                              <p:par>
+                                <p:cTn id="121" presetID="2" presetClass="entr" presetSubtype="4" fill="hold" grpId="0" nodeType="withEffect">
+                                  <p:stCondLst>
+                                    <p:cond delay="0"/>
+                                  </p:stCondLst>
+                                  <p:childTnLst>
+                                    <p:set>
+                                      <p:cBhvr>
+                                        <p:cTn id="122" dur="1" fill="hold">
+                                          <p:stCondLst>
+                                            <p:cond delay="0"/>
+                                          </p:stCondLst>
+                                        </p:cTn>
+                                        <p:tgtEl>
+                                          <p:spTgt spid="36"/>
+                                        </p:tgtEl>
+                                        <p:attrNameLst>
+                                          <p:attrName>style.visibility</p:attrName>
+                                        </p:attrNameLst>
+                                      </p:cBhvr>
+                                      <p:to>
+                                        <p:strVal val="visible"/>
+                                      </p:to>
+                                    </p:set>
+                                    <p:anim calcmode="lin" valueType="num">
+                                      <p:cBhvr additive="base">
+                                        <p:cTn id="123" dur="500" fill="hold"/>
+                                        <p:tgtEl>
+                                          <p:spTgt spid="36"/>
+                                        </p:tgtEl>
+                                        <p:attrNameLst>
+                                          <p:attrName>ppt_x</p:attrName>
+                                        </p:attrNameLst>
+                                      </p:cBhvr>
+                                      <p:tavLst>
+                                        <p:tav tm="0">
+                                          <p:val>
+                                            <p:strVal val="#ppt_x"/>
+                                          </p:val>
+                                        </p:tav>
+                                        <p:tav tm="100000">
+                                          <p:val>
+                                            <p:strVal val="#ppt_x"/>
+                                          </p:val>
+                                        </p:tav>
+                                      </p:tavLst>
+                                    </p:anim>
+                                    <p:anim calcmode="lin" valueType="num">
+                                      <p:cBhvr additive="base">
+                                        <p:cTn id="124" dur="500" fill="hold"/>
+                                        <p:tgtEl>
+                                          <p:spTgt spid="36"/>
+                                        </p:tgtEl>
+                                        <p:attrNameLst>
+                                          <p:attrName>ppt_y</p:attrName>
+                                        </p:attrNameLst>
+                                      </p:cBhvr>
+                                      <p:tavLst>
+                                        <p:tav tm="0">
+                                          <p:val>
+                                            <p:strVal val="1+#ppt_h/2"/>
+                                          </p:val>
+                                        </p:tav>
+                                        <p:tav tm="100000">
+                                          <p:val>
+                                            <p:strVal val="#ppt_y"/>
+                                          </p:val>
+                                        </p:tav>
+                                      </p:tavLst>
+                                    </p:anim>
+                                  </p:childTnLst>
+                                </p:cTn>
+                              </p:par>
+                              <p:par>
+                                <p:cTn id="125" presetID="2" presetClass="entr" presetSubtype="4" fill="hold" nodeType="withEffect">
+                                  <p:stCondLst>
+                                    <p:cond delay="0"/>
+                                  </p:stCondLst>
+                                  <p:childTnLst>
+                                    <p:set>
+                                      <p:cBhvr>
+                                        <p:cTn id="126" dur="1" fill="hold">
+                                          <p:stCondLst>
+                                            <p:cond delay="0"/>
+                                          </p:stCondLst>
+                                        </p:cTn>
+                                        <p:tgtEl>
+                                          <p:spTgt spid="20"/>
+                                        </p:tgtEl>
+                                        <p:attrNameLst>
+                                          <p:attrName>style.visibility</p:attrName>
+                                        </p:attrNameLst>
+                                      </p:cBhvr>
+                                      <p:to>
+                                        <p:strVal val="visible"/>
+                                      </p:to>
+                                    </p:set>
+                                    <p:anim calcmode="lin" valueType="num">
+                                      <p:cBhvr additive="base">
+                                        <p:cTn id="127" dur="500" fill="hold"/>
+                                        <p:tgtEl>
+                                          <p:spTgt spid="20"/>
+                                        </p:tgtEl>
+                                        <p:attrNameLst>
+                                          <p:attrName>ppt_x</p:attrName>
+                                        </p:attrNameLst>
+                                      </p:cBhvr>
+                                      <p:tavLst>
+                                        <p:tav tm="0">
+                                          <p:val>
+                                            <p:strVal val="#ppt_x"/>
+                                          </p:val>
+                                        </p:tav>
+                                        <p:tav tm="100000">
+                                          <p:val>
+                                            <p:strVal val="#ppt_x"/>
+                                          </p:val>
+                                        </p:tav>
+                                      </p:tavLst>
+                                    </p:anim>
+                                    <p:anim calcmode="lin" valueType="num">
+                                      <p:cBhvr additive="base">
+                                        <p:cTn id="128" dur="500" fill="hold"/>
+                                        <p:tgtEl>
+                                          <p:spTgt spid="20"/>
+                                        </p:tgtEl>
+                                        <p:attrNameLst>
+                                          <p:attrName>ppt_y</p:attrName>
+                                        </p:attrNameLst>
+                                      </p:cBhvr>
+                                      <p:tavLst>
+                                        <p:tav tm="0">
+                                          <p:val>
+                                            <p:strVal val="1+#ppt_h/2"/>
+                                          </p:val>
+                                        </p:tav>
+                                        <p:tav tm="100000">
+                                          <p:val>
+                                            <p:strVal val="#ppt_y"/>
+                                          </p:val>
+                                        </p:tav>
+                                      </p:tavLst>
+                                    </p:anim>
+                                  </p:childTnLst>
+                                </p:cTn>
+                              </p:par>
+                              <p:par>
+                                <p:cTn id="129" presetID="2" presetClass="entr" presetSubtype="4" fill="hold" grpId="0" nodeType="withEffect">
+                                  <p:stCondLst>
+                                    <p:cond delay="0"/>
+                                  </p:stCondLst>
+                                  <p:childTnLst>
+                                    <p:set>
+                                      <p:cBhvr>
+                                        <p:cTn id="130" dur="1" fill="hold">
+                                          <p:stCondLst>
+                                            <p:cond delay="0"/>
+                                          </p:stCondLst>
+                                        </p:cTn>
+                                        <p:tgtEl>
+                                          <p:spTgt spid="35"/>
+                                        </p:tgtEl>
+                                        <p:attrNameLst>
+                                          <p:attrName>style.visibility</p:attrName>
+                                        </p:attrNameLst>
+                                      </p:cBhvr>
+                                      <p:to>
+                                        <p:strVal val="visible"/>
+                                      </p:to>
+                                    </p:set>
+                                    <p:anim calcmode="lin" valueType="num">
+                                      <p:cBhvr additive="base">
+                                        <p:cTn id="131" dur="500" fill="hold"/>
+                                        <p:tgtEl>
+                                          <p:spTgt spid="35"/>
+                                        </p:tgtEl>
+                                        <p:attrNameLst>
+                                          <p:attrName>ppt_x</p:attrName>
+                                        </p:attrNameLst>
+                                      </p:cBhvr>
+                                      <p:tavLst>
+                                        <p:tav tm="0">
+                                          <p:val>
+                                            <p:strVal val="#ppt_x"/>
+                                          </p:val>
+                                        </p:tav>
+                                        <p:tav tm="100000">
+                                          <p:val>
+                                            <p:strVal val="#ppt_x"/>
+                                          </p:val>
+                                        </p:tav>
+                                      </p:tavLst>
+                                    </p:anim>
+                                    <p:anim calcmode="lin" valueType="num">
+                                      <p:cBhvr additive="base">
+                                        <p:cTn id="132" dur="500" fill="hold"/>
+                                        <p:tgtEl>
+                                          <p:spTgt spid="35"/>
+                                        </p:tgtEl>
+                                        <p:attrNameLst>
+                                          <p:attrName>ppt_y</p:attrName>
+                                        </p:attrNameLst>
+                                      </p:cBhvr>
+                                      <p:tavLst>
+                                        <p:tav tm="0">
+                                          <p:val>
+                                            <p:strVal val="1+#ppt_h/2"/>
+                                          </p:val>
+                                        </p:tav>
+                                        <p:tav tm="100000">
+                                          <p:val>
+                                            <p:strVal val="#ppt_y"/>
+                                          </p:val>
+                                        </p:tav>
+                                      </p:tavLst>
+                                    </p:anim>
+                                  </p:childTnLst>
+                                </p:cTn>
+                              </p:par>
+                              <p:par>
+                                <p:cTn id="133" presetID="2" presetClass="entr" presetSubtype="4" fill="hold" nodeType="withEffect">
+                                  <p:stCondLst>
+                                    <p:cond delay="0"/>
+                                  </p:stCondLst>
+                                  <p:childTnLst>
+                                    <p:set>
+                                      <p:cBhvr>
+                                        <p:cTn id="134" dur="1" fill="hold">
+                                          <p:stCondLst>
+                                            <p:cond delay="0"/>
+                                          </p:stCondLst>
+                                        </p:cTn>
+                                        <p:tgtEl>
+                                          <p:spTgt spid="95"/>
+                                        </p:tgtEl>
+                                        <p:attrNameLst>
+                                          <p:attrName>style.visibility</p:attrName>
+                                        </p:attrNameLst>
+                                      </p:cBhvr>
+                                      <p:to>
+                                        <p:strVal val="visible"/>
+                                      </p:to>
+                                    </p:set>
+                                    <p:anim calcmode="lin" valueType="num">
+                                      <p:cBhvr additive="base">
+                                        <p:cTn id="135" dur="500" fill="hold"/>
+                                        <p:tgtEl>
+                                          <p:spTgt spid="95"/>
+                                        </p:tgtEl>
+                                        <p:attrNameLst>
+                                          <p:attrName>ppt_x</p:attrName>
+                                        </p:attrNameLst>
+                                      </p:cBhvr>
+                                      <p:tavLst>
+                                        <p:tav tm="0">
+                                          <p:val>
+                                            <p:strVal val="#ppt_x"/>
+                                          </p:val>
+                                        </p:tav>
+                                        <p:tav tm="100000">
+                                          <p:val>
+                                            <p:strVal val="#ppt_x"/>
+                                          </p:val>
+                                        </p:tav>
+                                      </p:tavLst>
+                                    </p:anim>
+                                    <p:anim calcmode="lin" valueType="num">
+                                      <p:cBhvr additive="base">
+                                        <p:cTn id="136" dur="500" fill="hold"/>
+                                        <p:tgtEl>
+                                          <p:spTgt spid="95"/>
+                                        </p:tgtEl>
+                                        <p:attrNameLst>
+                                          <p:attrName>ppt_y</p:attrName>
+                                        </p:attrNameLst>
+                                      </p:cBhvr>
+                                      <p:tavLst>
+                                        <p:tav tm="0">
+                                          <p:val>
+                                            <p:strVal val="1+#ppt_h/2"/>
+                                          </p:val>
+                                        </p:tav>
+                                        <p:tav tm="100000">
+                                          <p:val>
+                                            <p:strVal val="#ppt_y"/>
+                                          </p:val>
+                                        </p:tav>
+                                      </p:tavLst>
+                                    </p:anim>
+                                  </p:childTnLst>
+                                </p:cTn>
+                              </p:par>
+                            </p:childTnLst>
+                          </p:cTn>
+                        </p:par>
+                      </p:childTnLst>
+                    </p:cTn>
+                  </p:par>
+                  <p:par>
+                    <p:cTn id="137" fill="hold">
+                      <p:stCondLst>
+                        <p:cond delay="indefinite"/>
+                      </p:stCondLst>
+                      <p:childTnLst>
+                        <p:par>
+                          <p:cTn id="138" fill="hold">
+                            <p:stCondLst>
+                              <p:cond delay="0"/>
+                            </p:stCondLst>
+                            <p:childTnLst>
+                              <p:par>
+                                <p:cTn id="139" presetID="0" presetClass="path" presetSubtype="0" accel="50000" decel="50000" fill="hold" nodeType="clickEffect">
+                                  <p:stCondLst>
+                                    <p:cond delay="0"/>
+                                  </p:stCondLst>
+                                  <p:childTnLst>
+                                    <p:animMotion origin="layout" path="M 0 0 L 0 0 C 0.02226 0.01621 0.04284 0.04584 0.06693 0.04861 C 0.10976 0.05371 0.15286 0.0375 0.19505 0.02292 C 0.2013 0.02084 0.20885 0 0.20885 0 " pathEditMode="relative" ptsTypes="AAAAA">
+                                      <p:cBhvr>
+                                        <p:cTn id="140" dur="2000" fill="hold"/>
                                         <p:tgtEl>
                                           <p:spTgt spid="13"/>
                                         </p:tgtEl>
@@ -28161,16 +30664,16 @@
                                 </p:cTn>
                               </p:par>
                               <p:par>
-                                <p:cTn id="7" presetID="0" presetClass="path" presetSubtype="0" accel="50000" decel="50000" fill="hold" nodeType="withEffect">
+                                <p:cTn id="141" presetID="0" presetClass="path" presetSubtype="0" accel="50000" decel="50000" fill="hold" grpId="1" nodeType="withEffect">
                                   <p:stCondLst>
                                     <p:cond delay="0"/>
                                   </p:stCondLst>
                                   <p:childTnLst>
-                                    <p:animMotion origin="layout" path="M 0 0 L 0 0 L 0.04453 0.00139 L 0.11028 0.00278 C 0.11198 0.00301 0.11614 0.00509 0.11784 0.00579 C 0.12656 0.00903 0.12604 0.00857 0.13385 0.01042 C 0.14323 0.00972 0.15247 0.00996 0.16172 0.0088 C 0.1638 0.00857 0.16562 0.00602 0.16758 0.00579 C 0.18125 0.00417 0.19271 0.0044 0.2056 0.0044 " pathEditMode="relative" ptsTypes="AAAAAAAAA">
+                                    <p:animMotion origin="layout" path="M 0 0 L 0 0 C 0.02226 0.01621 0.04284 0.04584 0.06693 0.04861 C 0.10976 0.05371 0.15286 0.0375 0.19505 0.02292 C 0.2013 0.02084 0.20885 0 0.20885 0 " pathEditMode="relative" ptsTypes="AAAAA">
                                       <p:cBhvr>
-                                        <p:cTn id="8" dur="2000" fill="hold"/>
-                                        <p:tgtEl>
-                                          <p:spTgt spid="20"/>
+                                        <p:cTn id="142" dur="2000" fill="hold"/>
+                                        <p:tgtEl>
+                                          <p:spTgt spid="88"/>
                                         </p:tgtEl>
                                         <p:attrNameLst>
                                           <p:attrName>ppt_x</p:attrName>
@@ -28182,38 +30685,37 @@
                                 </p:cTn>
                               </p:par>
                               <p:par>
-                                <p:cTn id="9" presetID="0" presetClass="path" presetSubtype="0" accel="50000" decel="50000" fill="hold" nodeType="withEffect">
+                                <p:cTn id="143" presetID="0" presetClass="path" presetSubtype="0" accel="50000" decel="50000" fill="hold" nodeType="withEffect">
                                   <p:stCondLst>
                                     <p:cond delay="0"/>
                                   </p:stCondLst>
                                   <p:childTnLst>
-                                    <p:animMotion origin="layout" path="M -3.54167E-6 -1.48148E-6 L -3.54167E-6 0.00023 L 0.04453 0.00139 L 0.11029 0.00278 C 0.11198 0.00301 0.11615 0.00509 0.11784 0.00579 C 0.12657 0.00903 0.12605 0.00857 0.13386 0.01042 C 0.14323 0.00972 0.15248 0.00996 0.16172 0.0088 C 0.16381 0.00857 0.16563 0.00602 0.16758 0.00579 C 0.18125 0.00417 0.19271 0.0044 0.2056 0.0044 " pathEditMode="relative" rAng="0" ptsTypes="AAAAAAAAA">
+                                    <p:animMotion origin="layout" path="M 0 0 L 0 0 C 0.02226 0.01621 0.04284 0.04584 0.06693 0.04861 C 0.10976 0.05371 0.15286 0.0375 0.19505 0.02292 C 0.2013 0.02084 0.20885 0 0.20885 0 " pathEditMode="relative" ptsTypes="AAAAA">
                                       <p:cBhvr>
-                                        <p:cTn id="10" dur="2000" fill="hold"/>
-                                        <p:tgtEl>
-                                          <p:spTgt spid="1032"/>
+                                        <p:cTn id="144" dur="2000" fill="hold"/>
+                                        <p:tgtEl>
+                                          <p:spTgt spid="32"/>
                                         </p:tgtEl>
                                         <p:attrNameLst>
                                           <p:attrName>ppt_x</p:attrName>
                                           <p:attrName>ppt_y</p:attrName>
                                         </p:attrNameLst>
                                       </p:cBhvr>
-                                      <p:rCtr x="10273" y="509"/>
                                     </p:animMotion>
                                   </p:childTnLst>
                                 </p:cTn>
                               </p:par>
                               <p:par>
-                                <p:cTn id="11" presetID="0" presetClass="path" presetSubtype="0" accel="50000" decel="50000" fill="hold" nodeType="withEffect">
+                                <p:cTn id="145" presetID="0" presetClass="path" presetSubtype="0" accel="50000" decel="50000" fill="hold" nodeType="withEffect">
                                   <p:stCondLst>
                                     <p:cond delay="0"/>
                                   </p:stCondLst>
                                   <p:childTnLst>
-                                    <p:animMotion origin="layout" path="M 0 0 L 0 0 L 0.04453 0.00139 L 0.11028 0.00278 C 0.11198 0.00301 0.11614 0.00509 0.11784 0.00579 C 0.12656 0.00903 0.12604 0.00857 0.13385 0.01042 C 0.14323 0.00972 0.15247 0.00996 0.16172 0.0088 C 0.1638 0.00857 0.16562 0.00602 0.16758 0.00579 C 0.18125 0.00417 0.19271 0.0044 0.2056 0.0044 " pathEditMode="relative" ptsTypes="AAAAAAAAA">
+                                    <p:animMotion origin="layout" path="M 0 0 L 0 0 C 0.02226 0.01621 0.04284 0.04584 0.06693 0.04861 C 0.10976 0.05371 0.15286 0.0375 0.19505 0.02292 C 0.2013 0.02084 0.20885 0 0.20885 0 " pathEditMode="relative" ptsTypes="AAAAA">
                                       <p:cBhvr>
-                                        <p:cTn id="12" dur="2000" fill="hold"/>
-                                        <p:tgtEl>
-                                          <p:spTgt spid="27"/>
+                                        <p:cTn id="146" dur="2000" fill="hold"/>
+                                        <p:tgtEl>
+                                          <p:spTgt spid="30"/>
                                         </p:tgtEl>
                                         <p:attrNameLst>
                                           <p:attrName>ppt_x</p:attrName>
@@ -28225,16 +30727,16 @@
                                 </p:cTn>
                               </p:par>
                               <p:par>
-                                <p:cTn id="13" presetID="0" presetClass="path" presetSubtype="0" accel="50000" decel="50000" fill="hold" nodeType="withEffect">
+                                <p:cTn id="147" presetID="0" presetClass="path" presetSubtype="0" accel="50000" decel="50000" fill="hold" grpId="1" nodeType="withEffect">
                                   <p:stCondLst>
                                     <p:cond delay="0"/>
                                   </p:stCondLst>
                                   <p:childTnLst>
-                                    <p:animMotion origin="layout" path="M 0 0 L 0 0 L 0.04453 0.00139 L 0.11028 0.00278 C 0.11198 0.00301 0.11614 0.00509 0.11784 0.00579 C 0.12656 0.00903 0.12604 0.00857 0.13385 0.01042 C 0.14323 0.00972 0.15247 0.00996 0.16172 0.0088 C 0.1638 0.00857 0.16562 0.00602 0.16758 0.00579 C 0.18125 0.00417 0.19271 0.0044 0.2056 0.0044 " pathEditMode="relative" ptsTypes="AAAAAAAAA">
+                                    <p:animMotion origin="layout" path="M 0 0 L 0 0 C 0.02226 0.01621 0.04284 0.04584 0.06693 0.04861 C 0.10976 0.05371 0.15286 0.0375 0.19505 0.02292 C 0.2013 0.02084 0.20885 0 0.20885 0 " pathEditMode="relative" ptsTypes="AAAAA">
                                       <p:cBhvr>
-                                        <p:cTn id="14" dur="2000" fill="hold"/>
-                                        <p:tgtEl>
-                                          <p:spTgt spid="28"/>
+                                        <p:cTn id="148" dur="2000" fill="hold"/>
+                                        <p:tgtEl>
+                                          <p:spTgt spid="31"/>
                                         </p:tgtEl>
                                         <p:attrNameLst>
                                           <p:attrName>ppt_x</p:attrName>
@@ -28246,16 +30748,16 @@
                                 </p:cTn>
                               </p:par>
                               <p:par>
-                                <p:cTn id="15" presetID="0" presetClass="path" presetSubtype="0" accel="50000" decel="50000" fill="hold" nodeType="withEffect">
+                                <p:cTn id="149" presetID="0" presetClass="path" presetSubtype="0" accel="50000" decel="50000" fill="hold" grpId="1" nodeType="withEffect">
                                   <p:stCondLst>
                                     <p:cond delay="0"/>
                                   </p:stCondLst>
                                   <p:childTnLst>
-                                    <p:animMotion origin="layout" path="M 0 0 L 0 0 L 0.04453 0.00139 L 0.11028 0.00278 C 0.11198 0.00301 0.11614 0.00509 0.11784 0.00579 C 0.12656 0.00903 0.12604 0.00857 0.13385 0.01042 C 0.14323 0.00972 0.15247 0.00996 0.16172 0.0088 C 0.1638 0.00857 0.16562 0.00602 0.16758 0.00579 C 0.18125 0.00417 0.19271 0.0044 0.2056 0.0044 " pathEditMode="relative" ptsTypes="AAAAAAAAA">
+                                    <p:animMotion origin="layout" path="M 0 0 L 0 0 C 0.02226 0.01621 0.04284 0.04584 0.06693 0.04861 C 0.10976 0.05371 0.15286 0.0375 0.19505 0.02292 C 0.2013 0.02084 0.20885 0 0.20885 0 " pathEditMode="relative" ptsTypes="AAAAA">
                                       <p:cBhvr>
-                                        <p:cTn id="16" dur="2000" fill="hold"/>
-                                        <p:tgtEl>
-                                          <p:spTgt spid="29"/>
+                                        <p:cTn id="150" dur="2000" fill="hold"/>
+                                        <p:tgtEl>
+                                          <p:spTgt spid="125"/>
                                         </p:tgtEl>
                                         <p:attrNameLst>
                                           <p:attrName>ppt_x</p:attrName>
@@ -28267,16 +30769,16 @@
                                 </p:cTn>
                               </p:par>
                               <p:par>
-                                <p:cTn id="17" presetID="0" presetClass="path" presetSubtype="0" accel="50000" decel="50000" fill="hold" nodeType="withEffect">
+                                <p:cTn id="151" presetID="0" presetClass="path" presetSubtype="0" accel="50000" decel="50000" fill="hold" nodeType="withEffect">
                                   <p:stCondLst>
                                     <p:cond delay="0"/>
                                   </p:stCondLst>
                                   <p:childTnLst>
-                                    <p:animMotion origin="layout" path="M 0 0 L 0 0 L 0.04453 0.00139 L 0.11028 0.00278 C 0.11198 0.00301 0.11614 0.00509 0.11784 0.00579 C 0.12656 0.00903 0.12604 0.00857 0.13385 0.01042 C 0.14323 0.00972 0.15247 0.00996 0.16172 0.0088 C 0.1638 0.00857 0.16562 0.00602 0.16758 0.00579 C 0.18125 0.00417 0.19271 0.0044 0.2056 0.0044 " pathEditMode="relative" ptsTypes="AAAAAAAAA">
+                                    <p:animMotion origin="layout" path="M 0 0 L 0 0 C 0.02226 0.01621 0.04284 0.04584 0.06693 0.04861 C 0.10976 0.05371 0.15286 0.0375 0.19505 0.02292 C 0.2013 0.02084 0.20885 0 0.20885 0 " pathEditMode="relative" ptsTypes="AAAAA">
                                       <p:cBhvr>
-                                        <p:cTn id="18" dur="2000" fill="hold"/>
-                                        <p:tgtEl>
-                                          <p:spTgt spid="77"/>
+                                        <p:cTn id="152" dur="2000" fill="hold"/>
+                                        <p:tgtEl>
+                                          <p:spTgt spid="107"/>
                                         </p:tgtEl>
                                         <p:attrNameLst>
                                           <p:attrName>ppt_x</p:attrName>
@@ -28288,16 +30790,16 @@
                                 </p:cTn>
                               </p:par>
                               <p:par>
-                                <p:cTn id="19" presetID="0" presetClass="path" presetSubtype="0" accel="50000" decel="50000" fill="hold" nodeType="withEffect">
+                                <p:cTn id="153" presetID="0" presetClass="path" presetSubtype="0" accel="50000" decel="50000" fill="hold" nodeType="withEffect">
                                   <p:stCondLst>
                                     <p:cond delay="0"/>
                                   </p:stCondLst>
                                   <p:childTnLst>
-                                    <p:animMotion origin="layout" path="M 0 0 L 0 0 L 0.04453 0.00139 L 0.11028 0.00278 C 0.11198 0.00301 0.11614 0.00509 0.11784 0.00579 C 0.12656 0.00903 0.12604 0.00857 0.13385 0.01042 C 0.14323 0.00972 0.15247 0.00996 0.16172 0.0088 C 0.1638 0.00857 0.16562 0.00602 0.16758 0.00579 C 0.18125 0.00417 0.19271 0.0044 0.2056 0.0044 " pathEditMode="relative" ptsTypes="AAAAAAAAA">
+                                    <p:animMotion origin="layout" path="M 0 0 L 0 0 C 0.02226 0.01621 0.04284 0.04584 0.06693 0.04861 C 0.10976 0.05371 0.15286 0.0375 0.19505 0.02292 C 0.2013 0.02084 0.20885 0 0.20885 0 " pathEditMode="relative" ptsTypes="AAAAA">
                                       <p:cBhvr>
-                                        <p:cTn id="20" dur="2000" fill="hold"/>
-                                        <p:tgtEl>
-                                          <p:spTgt spid="1036"/>
+                                        <p:cTn id="154" dur="2000" fill="hold"/>
+                                        <p:tgtEl>
+                                          <p:spTgt spid="106"/>
                                         </p:tgtEl>
                                         <p:attrNameLst>
                                           <p:attrName>ppt_x</p:attrName>
@@ -28309,16 +30811,16 @@
                                 </p:cTn>
                               </p:par>
                               <p:par>
-                                <p:cTn id="21" presetID="0" presetClass="path" presetSubtype="0" accel="50000" decel="50000" fill="hold" nodeType="withEffect">
+                                <p:cTn id="155" presetID="0" presetClass="path" presetSubtype="0" accel="50000" decel="50000" fill="hold" nodeType="withEffect">
                                   <p:stCondLst>
                                     <p:cond delay="0"/>
                                   </p:stCondLst>
                                   <p:childTnLst>
-                                    <p:animMotion origin="layout" path="M 0 0 L 0 0 L 0.04453 0.00139 L 0.11028 0.00278 C 0.11198 0.00301 0.11614 0.00509 0.11784 0.00579 C 0.12656 0.00903 0.12604 0.00857 0.13385 0.01042 C 0.14323 0.00972 0.15247 0.00996 0.16172 0.0088 C 0.1638 0.00857 0.16562 0.00602 0.16758 0.00579 C 0.18125 0.00417 0.19271 0.0044 0.2056 0.0044 " pathEditMode="relative" ptsTypes="AAAAAAAAA">
+                                    <p:animMotion origin="layout" path="M 0 0 L 0 0 C 0.02226 0.01621 0.04284 0.04584 0.06693 0.04861 C 0.10976 0.05371 0.15286 0.0375 0.19505 0.02292 C 0.2013 0.02084 0.20885 0 0.20885 0 " pathEditMode="relative" ptsTypes="AAAAA">
                                       <p:cBhvr>
-                                        <p:cTn id="22" dur="2000" fill="hold"/>
-                                        <p:tgtEl>
-                                          <p:spTgt spid="86"/>
+                                        <p:cTn id="156" dur="2000" fill="hold"/>
+                                        <p:tgtEl>
+                                          <p:spTgt spid="77"/>
                                         </p:tgtEl>
                                         <p:attrNameLst>
                                           <p:attrName>ppt_x</p:attrName>
@@ -28330,16 +30832,16 @@
                                 </p:cTn>
                               </p:par>
                               <p:par>
-                                <p:cTn id="23" presetID="0" presetClass="path" presetSubtype="0" accel="50000" decel="50000" fill="hold" grpId="0" nodeType="withEffect">
+                                <p:cTn id="157" presetID="0" presetClass="path" presetSubtype="0" accel="50000" decel="50000" fill="hold" nodeType="withEffect">
                                   <p:stCondLst>
                                     <p:cond delay="0"/>
                                   </p:stCondLst>
                                   <p:childTnLst>
-                                    <p:animMotion origin="layout" path="M 0 0 L 0 0 L 0.04453 0.00139 L 0.11028 0.00278 C 0.11198 0.00301 0.11614 0.00509 0.11784 0.00579 C 0.12656 0.00903 0.12604 0.00857 0.13385 0.01042 C 0.14323 0.00972 0.15247 0.00996 0.16172 0.0088 C 0.1638 0.00857 0.16562 0.00602 0.16758 0.00579 C 0.18125 0.00417 0.19271 0.0044 0.2056 0.0044 " pathEditMode="relative" ptsTypes="AAAAAAAAA">
+                                    <p:animMotion origin="layout" path="M 0 0 L 0 0 C 0.02226 0.01621 0.04284 0.04584 0.06693 0.04861 C 0.10976 0.05371 0.15286 0.0375 0.19505 0.02292 C 0.2013 0.02084 0.20885 0 0.20885 0 " pathEditMode="relative" ptsTypes="AAAAA">
                                       <p:cBhvr>
-                                        <p:cTn id="24" dur="2000" fill="hold"/>
-                                        <p:tgtEl>
-                                          <p:spTgt spid="88"/>
+                                        <p:cTn id="158" dur="2000" fill="hold"/>
+                                        <p:tgtEl>
+                                          <p:spTgt spid="86"/>
                                         </p:tgtEl>
                                         <p:attrNameLst>
                                           <p:attrName>ppt_x</p:attrName>
@@ -28351,16 +30853,16 @@
                                 </p:cTn>
                               </p:par>
                               <p:par>
-                                <p:cTn id="25" presetID="0" presetClass="path" presetSubtype="0" accel="50000" decel="50000" fill="hold" grpId="0" nodeType="withEffect">
+                                <p:cTn id="159" presetID="0" presetClass="path" presetSubtype="0" accel="50000" decel="50000" fill="hold" grpId="1" nodeType="withEffect">
                                   <p:stCondLst>
                                     <p:cond delay="0"/>
                                   </p:stCondLst>
                                   <p:childTnLst>
-                                    <p:animMotion origin="layout" path="M 0 0 L 0 0 L 0.04453 0.00139 L 0.11028 0.00278 C 0.11198 0.00301 0.11614 0.00509 0.11784 0.00579 C 0.12656 0.00903 0.12604 0.00857 0.13385 0.01042 C 0.14323 0.00972 0.15247 0.00996 0.16172 0.0088 C 0.1638 0.00857 0.16562 0.00602 0.16758 0.00579 C 0.18125 0.00417 0.19271 0.0044 0.2056 0.0044 " pathEditMode="relative" ptsTypes="AAAAAAAAA">
+                                    <p:animMotion origin="layout" path="M 0 0 L 0 0 C 0.02226 0.01621 0.04284 0.04584 0.06693 0.04861 C 0.10976 0.05371 0.15286 0.0375 0.19505 0.02292 C 0.2013 0.02084 0.20885 0 0.20885 0 " pathEditMode="relative" ptsTypes="AAAAA">
                                       <p:cBhvr>
-                                        <p:cTn id="26" dur="2000" fill="hold"/>
-                                        <p:tgtEl>
-                                          <p:spTgt spid="89"/>
+                                        <p:cTn id="160" dur="2000" fill="hold"/>
+                                        <p:tgtEl>
+                                          <p:spTgt spid="37"/>
                                         </p:tgtEl>
                                         <p:attrNameLst>
                                           <p:attrName>ppt_x</p:attrName>
@@ -28372,16 +30874,16 @@
                                 </p:cTn>
                               </p:par>
                               <p:par>
-                                <p:cTn id="27" presetID="0" presetClass="path" presetSubtype="0" accel="50000" decel="50000" fill="hold" nodeType="withEffect">
+                                <p:cTn id="161" presetID="0" presetClass="path" presetSubtype="0" accel="50000" decel="50000" fill="hold" nodeType="withEffect">
                                   <p:stCondLst>
                                     <p:cond delay="0"/>
                                   </p:stCondLst>
                                   <p:childTnLst>
-                                    <p:animMotion origin="layout" path="M 0 0 L 0 0 L 0.04453 0.00139 L 0.11028 0.00278 C 0.11198 0.00301 0.11614 0.00509 0.11784 0.00579 C 0.12656 0.00903 0.12604 0.00857 0.13385 0.01042 C 0.14323 0.00972 0.15247 0.00996 0.16172 0.0088 C 0.1638 0.00857 0.16562 0.00602 0.16758 0.00579 C 0.18125 0.00417 0.19271 0.0044 0.2056 0.0044 " pathEditMode="relative" ptsTypes="AAAAAAAAA">
+                                    <p:animMotion origin="layout" path="M 0 0 L 0 0 C 0.02226 0.01621 0.04284 0.04584 0.06693 0.04861 C 0.10976 0.05371 0.15286 0.0375 0.19505 0.02292 C 0.2013 0.02084 0.20885 0 0.20885 0 " pathEditMode="relative" ptsTypes="AAAAA">
                                       <p:cBhvr>
-                                        <p:cTn id="28" dur="2000" fill="hold"/>
-                                        <p:tgtEl>
-                                          <p:spTgt spid="90"/>
+                                        <p:cTn id="162" dur="2000" fill="hold"/>
+                                        <p:tgtEl>
+                                          <p:spTgt spid="1036"/>
                                         </p:tgtEl>
                                         <p:attrNameLst>
                                           <p:attrName>ppt_x</p:attrName>
@@ -28393,16 +30895,16 @@
                                 </p:cTn>
                               </p:par>
                               <p:par>
-                                <p:cTn id="29" presetID="0" presetClass="path" presetSubtype="0" accel="50000" decel="50000" fill="hold" nodeType="withEffect">
+                                <p:cTn id="163" presetID="0" presetClass="path" presetSubtype="0" accel="50000" decel="50000" fill="hold" grpId="1" nodeType="withEffect">
                                   <p:stCondLst>
                                     <p:cond delay="0"/>
                                   </p:stCondLst>
                                   <p:childTnLst>
-                                    <p:animMotion origin="layout" path="M 0 0 L 0 0 L 0.04453 0.00139 L 0.11028 0.00278 C 0.11198 0.00301 0.11614 0.00509 0.11784 0.00579 C 0.12656 0.00903 0.12604 0.00857 0.13385 0.01042 C 0.14323 0.00972 0.15247 0.00996 0.16172 0.0088 C 0.1638 0.00857 0.16562 0.00602 0.16758 0.00579 C 0.18125 0.00417 0.19271 0.0044 0.2056 0.0044 " pathEditMode="relative" ptsTypes="AAAAAAAAA">
+                                    <p:animMotion origin="layout" path="M 0 0 L 0 0 C 0.02226 0.01621 0.04284 0.04584 0.06693 0.04861 C 0.10976 0.05371 0.15286 0.0375 0.19505 0.02292 C 0.2013 0.02084 0.20885 0 0.20885 0 " pathEditMode="relative" ptsTypes="AAAAA">
                                       <p:cBhvr>
-                                        <p:cTn id="30" dur="2000" fill="hold"/>
-                                        <p:tgtEl>
-                                          <p:spTgt spid="91"/>
+                                        <p:cTn id="164" dur="2000" fill="hold"/>
+                                        <p:tgtEl>
+                                          <p:spTgt spid="89"/>
                                         </p:tgtEl>
                                         <p:attrNameLst>
                                           <p:attrName>ppt_x</p:attrName>
@@ -28414,16 +30916,16 @@
                                 </p:cTn>
                               </p:par>
                               <p:par>
-                                <p:cTn id="31" presetID="0" presetClass="path" presetSubtype="0" accel="50000" decel="50000" fill="hold" nodeType="withEffect">
+                                <p:cTn id="165" presetID="0" presetClass="path" presetSubtype="0" accel="50000" decel="50000" fill="hold" nodeType="withEffect">
                                   <p:stCondLst>
                                     <p:cond delay="0"/>
                                   </p:stCondLst>
                                   <p:childTnLst>
-                                    <p:animMotion origin="layout" path="M 0 0 L 0 0 L 0.04453 0.00139 L 0.11028 0.00278 C 0.11198 0.00301 0.11614 0.00509 0.11784 0.00579 C 0.12656 0.00903 0.12604 0.00857 0.13385 0.01042 C 0.14323 0.00972 0.15247 0.00996 0.16172 0.0088 C 0.1638 0.00857 0.16562 0.00602 0.16758 0.00579 C 0.18125 0.00417 0.19271 0.0044 0.2056 0.0044 " pathEditMode="relative" ptsTypes="AAAAAAAAA">
+                                    <p:animMotion origin="layout" path="M 0 0 L 0 0 C 0.02226 0.01621 0.04284 0.04584 0.06693 0.04861 C 0.10976 0.05371 0.15286 0.0375 0.19505 0.02292 C 0.2013 0.02084 0.20885 0 0.20885 0 " pathEditMode="relative" ptsTypes="AAAAA">
                                       <p:cBhvr>
-                                        <p:cTn id="32" dur="2000" fill="hold"/>
-                                        <p:tgtEl>
-                                          <p:spTgt spid="95"/>
+                                        <p:cTn id="166" dur="2000" fill="hold"/>
+                                        <p:tgtEl>
+                                          <p:spTgt spid="27"/>
                                         </p:tgtEl>
                                         <p:attrNameLst>
                                           <p:attrName>ppt_x</p:attrName>
@@ -28435,16 +30937,16 @@
                                 </p:cTn>
                               </p:par>
                               <p:par>
-                                <p:cTn id="33" presetID="0" presetClass="path" presetSubtype="0" accel="50000" decel="50000" fill="hold" nodeType="withEffect">
+                                <p:cTn id="167" presetID="0" presetClass="path" presetSubtype="0" accel="50000" decel="50000" fill="hold" nodeType="withEffect">
                                   <p:stCondLst>
                                     <p:cond delay="0"/>
                                   </p:stCondLst>
                                   <p:childTnLst>
-                                    <p:animMotion origin="layout" path="M 0 0 L 0 0 L 0.04453 0.00139 L 0.11028 0.00278 C 0.11198 0.00301 0.11614 0.00509 0.11784 0.00579 C 0.12656 0.00903 0.12604 0.00857 0.13385 0.01042 C 0.14323 0.00972 0.15247 0.00996 0.16172 0.0088 C 0.1638 0.00857 0.16562 0.00602 0.16758 0.00579 C 0.18125 0.00417 0.19271 0.0044 0.2056 0.0044 " pathEditMode="relative" ptsTypes="AAAAAAAAA">
+                                    <p:animMotion origin="layout" path="M 0 0 L 0 0 C 0.02226 0.01621 0.04284 0.04584 0.06693 0.04861 C 0.10976 0.05371 0.15286 0.0375 0.19505 0.02292 C 0.2013 0.02084 0.20885 0 0.20885 0 " pathEditMode="relative" ptsTypes="AAAAA">
                                       <p:cBhvr>
-                                        <p:cTn id="34" dur="2000" fill="hold"/>
-                                        <p:tgtEl>
-                                          <p:spTgt spid="96"/>
+                                        <p:cTn id="168" dur="2000" fill="hold"/>
+                                        <p:tgtEl>
+                                          <p:spTgt spid="91"/>
                                         </p:tgtEl>
                                         <p:attrNameLst>
                                           <p:attrName>ppt_x</p:attrName>
@@ -28456,38 +30958,37 @@
                                 </p:cTn>
                               </p:par>
                               <p:par>
-                                <p:cTn id="35" presetID="0" presetClass="path" presetSubtype="0" accel="50000" decel="50000" fill="hold" nodeType="withEffect">
+                                <p:cTn id="169" presetID="0" presetClass="path" presetSubtype="0" accel="50000" decel="50000" fill="hold" grpId="1" nodeType="withEffect">
                                   <p:stCondLst>
                                     <p:cond delay="0"/>
                                   </p:stCondLst>
                                   <p:childTnLst>
-                                    <p:animMotion origin="layout" path="M 2.08333E-6 -1.48148E-6 L 2.08333E-6 0.00023 L 0.04453 0.00139 L 0.11028 0.00278 C 0.11198 0.00301 0.11614 0.00509 0.11784 0.00579 C 0.12656 0.00903 0.12604 0.00857 0.13385 0.01042 C 0.14323 0.00972 0.15247 0.00996 0.16172 0.0088 C 0.1638 0.00857 0.16562 0.00602 0.16758 0.00579 C 0.18125 0.00417 0.19271 0.0044 0.2056 0.0044 " pathEditMode="relative" rAng="0" ptsTypes="AAAAAAAAA">
+                                    <p:animMotion origin="layout" path="M 0 0 L 0 0 C 0.02226 0.01621 0.04284 0.04584 0.06693 0.04861 C 0.10976 0.05371 0.15286 0.0375 0.19505 0.02292 C 0.2013 0.02084 0.20885 0 0.20885 0 " pathEditMode="relative" ptsTypes="AAAAA">
                                       <p:cBhvr>
-                                        <p:cTn id="36" dur="2000" fill="hold"/>
-                                        <p:tgtEl>
-                                          <p:spTgt spid="97"/>
+                                        <p:cTn id="170" dur="2000" fill="hold"/>
+                                        <p:tgtEl>
+                                          <p:spTgt spid="124"/>
                                         </p:tgtEl>
                                         <p:attrNameLst>
                                           <p:attrName>ppt_x</p:attrName>
                                           <p:attrName>ppt_y</p:attrName>
                                         </p:attrNameLst>
                                       </p:cBhvr>
-                                      <p:rCtr x="10273" y="509"/>
                                     </p:animMotion>
                                   </p:childTnLst>
                                 </p:cTn>
                               </p:par>
                               <p:par>
-                                <p:cTn id="37" presetID="0" presetClass="path" presetSubtype="0" accel="50000" decel="50000" fill="hold" nodeType="withEffect">
+                                <p:cTn id="171" presetID="0" presetClass="path" presetSubtype="0" accel="50000" decel="50000" fill="hold" nodeType="withEffect">
                                   <p:stCondLst>
                                     <p:cond delay="0"/>
                                   </p:stCondLst>
                                   <p:childTnLst>
-                                    <p:animMotion origin="layout" path="M 0 0 L 0 0 L 0.04453 0.00139 L 0.11028 0.00278 C 0.11198 0.00301 0.11614 0.00509 0.11784 0.00579 C 0.12656 0.00903 0.12604 0.00857 0.13385 0.01042 C 0.14323 0.00972 0.15247 0.00996 0.16172 0.0088 C 0.1638 0.00857 0.16562 0.00602 0.16758 0.00579 C 0.18125 0.00417 0.19271 0.0044 0.2056 0.0044 " pathEditMode="relative" ptsTypes="AAAAAAAAA">
+                                    <p:animMotion origin="layout" path="M 0 0 L 0 0 C 0.02226 0.01621 0.04284 0.04584 0.06693 0.04861 C 0.10976 0.05371 0.15286 0.0375 0.19505 0.02292 C 0.2013 0.02084 0.20885 0 0.20885 0 " pathEditMode="relative" ptsTypes="AAAAA">
                                       <p:cBhvr>
-                                        <p:cTn id="38" dur="2000" fill="hold"/>
-                                        <p:tgtEl>
-                                          <p:spTgt spid="98"/>
+                                        <p:cTn id="172" dur="2000" fill="hold"/>
+                                        <p:tgtEl>
+                                          <p:spTgt spid="97"/>
                                         </p:tgtEl>
                                         <p:attrNameLst>
                                           <p:attrName>ppt_x</p:attrName>
@@ -28499,16 +31000,16 @@
                                 </p:cTn>
                               </p:par>
                               <p:par>
-                                <p:cTn id="39" presetID="0" presetClass="path" presetSubtype="0" accel="50000" decel="50000" fill="hold" nodeType="withEffect">
+                                <p:cTn id="173" presetID="0" presetClass="path" presetSubtype="0" accel="50000" decel="50000" fill="hold" nodeType="withEffect">
                                   <p:stCondLst>
                                     <p:cond delay="0"/>
                                   </p:stCondLst>
                                   <p:childTnLst>
-                                    <p:animMotion origin="layout" path="M 0 0 L 0 0 L 0.04453 0.00139 L 0.11028 0.00278 C 0.11198 0.00301 0.11614 0.00509 0.11784 0.00579 C 0.12656 0.00903 0.12604 0.00857 0.13385 0.01042 C 0.14323 0.00972 0.15247 0.00996 0.16172 0.0088 C 0.1638 0.00857 0.16562 0.00602 0.16758 0.00579 C 0.18125 0.00417 0.19271 0.0044 0.2056 0.0044 " pathEditMode="relative" ptsTypes="AAAAAAAAA">
+                                    <p:animMotion origin="layout" path="M 0 0 L 0 0 C 0.02226 0.01621 0.04284 0.04584 0.06693 0.04861 C 0.10976 0.05371 0.15286 0.0375 0.19505 0.02292 C 0.2013 0.02084 0.20885 0 0.20885 0 " pathEditMode="relative" ptsTypes="AAAAA">
                                       <p:cBhvr>
-                                        <p:cTn id="40" dur="2000" fill="hold"/>
-                                        <p:tgtEl>
-                                          <p:spTgt spid="106"/>
+                                        <p:cTn id="174" dur="2000" fill="hold"/>
+                                        <p:tgtEl>
+                                          <p:spTgt spid="1032"/>
                                         </p:tgtEl>
                                         <p:attrNameLst>
                                           <p:attrName>ppt_x</p:attrName>
@@ -28520,16 +31021,16 @@
                                 </p:cTn>
                               </p:par>
                               <p:par>
-                                <p:cTn id="41" presetID="0" presetClass="path" presetSubtype="0" accel="50000" decel="50000" fill="hold" nodeType="withEffect">
+                                <p:cTn id="175" presetID="0" presetClass="path" presetSubtype="0" accel="50000" decel="50000" fill="hold" grpId="1" nodeType="withEffect">
                                   <p:stCondLst>
                                     <p:cond delay="0"/>
                                   </p:stCondLst>
                                   <p:childTnLst>
-                                    <p:animMotion origin="layout" path="M 0 0 L 0 0 L 0.04453 0.00139 L 0.11028 0.00278 C 0.11198 0.00301 0.11614 0.00509 0.11784 0.00579 C 0.12656 0.00903 0.12604 0.00857 0.13385 0.01042 C 0.14323 0.00972 0.15247 0.00996 0.16172 0.0088 C 0.1638 0.00857 0.16562 0.00602 0.16758 0.00579 C 0.18125 0.00417 0.19271 0.0044 0.2056 0.0044 " pathEditMode="relative" ptsTypes="AAAAAAAAA">
+                                    <p:animMotion origin="layout" path="M 0 0 L 0 0 C 0.02226 0.01621 0.04284 0.04584 0.06693 0.04861 C 0.10976 0.05371 0.15286 0.0375 0.19505 0.02292 C 0.2013 0.02084 0.20885 0 0.20885 0 " pathEditMode="relative" ptsTypes="AAAAA">
                                       <p:cBhvr>
-                                        <p:cTn id="42" dur="2000" fill="hold"/>
-                                        <p:tgtEl>
-                                          <p:spTgt spid="107"/>
+                                        <p:cTn id="176" dur="2000" fill="hold"/>
+                                        <p:tgtEl>
+                                          <p:spTgt spid="38"/>
                                         </p:tgtEl>
                                         <p:attrNameLst>
                                           <p:attrName>ppt_x</p:attrName>
@@ -28541,16 +31042,16 @@
                                 </p:cTn>
                               </p:par>
                               <p:par>
-                                <p:cTn id="43" presetID="0" presetClass="path" presetSubtype="0" accel="50000" decel="50000" fill="hold" nodeType="withEffect">
+                                <p:cTn id="177" presetID="0" presetClass="path" presetSubtype="0" accel="50000" decel="50000" fill="hold" nodeType="withEffect">
                                   <p:stCondLst>
                                     <p:cond delay="0"/>
                                   </p:stCondLst>
                                   <p:childTnLst>
-                                    <p:animMotion origin="layout" path="M 0 0 L 0 0 L 0.04453 0.00139 L 0.11028 0.00278 C 0.11198 0.00301 0.11614 0.00509 0.11784 0.00579 C 0.12656 0.00903 0.12604 0.00857 0.13385 0.01042 C 0.14323 0.00972 0.15247 0.00996 0.16172 0.0088 C 0.1638 0.00857 0.16562 0.00602 0.16758 0.00579 C 0.18125 0.00417 0.19271 0.0044 0.2056 0.0044 " pathEditMode="relative" ptsTypes="AAAAAAAAA">
+                                    <p:animMotion origin="layout" path="M 0 0 L 0 0 C 0.02226 0.01621 0.04284 0.04584 0.06693 0.04861 C 0.10976 0.05371 0.15286 0.0375 0.19505 0.02292 C 0.2013 0.02084 0.20885 0 0.20885 0 " pathEditMode="relative" ptsTypes="AAAAA">
                                       <p:cBhvr>
-                                        <p:cTn id="44" dur="2000" fill="hold"/>
-                                        <p:tgtEl>
-                                          <p:spTgt spid="112"/>
+                                        <p:cTn id="178" dur="2000" fill="hold"/>
+                                        <p:tgtEl>
+                                          <p:spTgt spid="98"/>
                                         </p:tgtEl>
                                         <p:attrNameLst>
                                           <p:attrName>ppt_x</p:attrName>
@@ -28562,16 +31063,16 @@
                                 </p:cTn>
                               </p:par>
                               <p:par>
-                                <p:cTn id="45" presetID="0" presetClass="path" presetSubtype="0" accel="50000" decel="50000" fill="hold" grpId="0" nodeType="withEffect">
+                                <p:cTn id="179" presetID="0" presetClass="path" presetSubtype="0" accel="50000" decel="50000" fill="hold" nodeType="withEffect">
                                   <p:stCondLst>
                                     <p:cond delay="0"/>
                                   </p:stCondLst>
                                   <p:childTnLst>
-                                    <p:animMotion origin="layout" path="M 0 0 L 0 0 L 0.04453 0.00139 L 0.11028 0.00278 C 0.11198 0.00301 0.11614 0.00509 0.11784 0.00579 C 0.12656 0.00903 0.12604 0.00857 0.13385 0.01042 C 0.14323 0.00972 0.15247 0.00996 0.16172 0.0088 C 0.1638 0.00857 0.16562 0.00602 0.16758 0.00579 C 0.18125 0.00417 0.19271 0.0044 0.2056 0.0044 " pathEditMode="relative" ptsTypes="AAAAAAAAA">
+                                    <p:animMotion origin="layout" path="M 0 0 L 0 0 C 0.02226 0.01621 0.04284 0.04584 0.06693 0.04861 C 0.10976 0.05371 0.15286 0.0375 0.19505 0.02292 C 0.2013 0.02084 0.20885 0 0.20885 0 " pathEditMode="relative" ptsTypes="AAAAA">
                                       <p:cBhvr>
-                                        <p:cTn id="46" dur="2000" fill="hold"/>
-                                        <p:tgtEl>
-                                          <p:spTgt spid="124"/>
+                                        <p:cTn id="180" dur="2000" fill="hold"/>
+                                        <p:tgtEl>
+                                          <p:spTgt spid="28"/>
                                         </p:tgtEl>
                                         <p:attrNameLst>
                                           <p:attrName>ppt_x</p:attrName>
@@ -28583,16 +31084,16 @@
                                 </p:cTn>
                               </p:par>
                               <p:par>
-                                <p:cTn id="47" presetID="0" presetClass="path" presetSubtype="0" accel="50000" decel="50000" fill="hold" grpId="0" nodeType="withEffect">
+                                <p:cTn id="181" presetID="0" presetClass="path" presetSubtype="0" accel="50000" decel="50000" fill="hold" grpId="1" nodeType="withEffect">
                                   <p:stCondLst>
                                     <p:cond delay="0"/>
                                   </p:stCondLst>
                                   <p:childTnLst>
-                                    <p:animMotion origin="layout" path="M 0 0 L 0 0 L 0.04453 0.00139 L 0.11028 0.00278 C 0.11198 0.00301 0.11614 0.00509 0.11784 0.00579 C 0.12656 0.00903 0.12604 0.00857 0.13385 0.01042 C 0.14323 0.00972 0.15247 0.00996 0.16172 0.0088 C 0.1638 0.00857 0.16562 0.00602 0.16758 0.00579 C 0.18125 0.00417 0.19271 0.0044 0.2056 0.0044 " pathEditMode="relative" ptsTypes="AAAAAAAAA">
+                                    <p:animMotion origin="layout" path="M 0 0 L 0 0 C 0.02226 0.01621 0.04284 0.04584 0.06693 0.04861 C 0.10976 0.05371 0.15286 0.0375 0.19505 0.02292 C 0.2013 0.02084 0.20885 0 0.20885 0 " pathEditMode="relative" ptsTypes="AAAAA">
                                       <p:cBhvr>
-                                        <p:cTn id="48" dur="2000" fill="hold"/>
-                                        <p:tgtEl>
-                                          <p:spTgt spid="125"/>
+                                        <p:cTn id="182" dur="2000" fill="hold"/>
+                                        <p:tgtEl>
+                                          <p:spTgt spid="34"/>
                                         </p:tgtEl>
                                         <p:attrNameLst>
                                           <p:attrName>ppt_x</p:attrName>
@@ -28604,16 +31105,205 @@
                                 </p:cTn>
                               </p:par>
                               <p:par>
-                                <p:cTn id="49" presetID="37" presetClass="path" presetSubtype="0" accel="50000" decel="50000" fill="hold" grpId="0" nodeType="withEffect">
+                                <p:cTn id="183" presetID="0" presetClass="path" presetSubtype="0" accel="50000" decel="50000" fill="hold" nodeType="withEffect">
+                                  <p:stCondLst>
+                                    <p:cond delay="0"/>
+                                  </p:stCondLst>
+                                  <p:childTnLst>
+                                    <p:animMotion origin="layout" path="M 0 0 L 0 0 C 0.02226 0.01621 0.04284 0.04584 0.06693 0.04861 C 0.10976 0.05371 0.15286 0.0375 0.19505 0.02292 C 0.2013 0.02084 0.20885 0 0.20885 0 " pathEditMode="relative" ptsTypes="AAAAA">
+                                      <p:cBhvr>
+                                        <p:cTn id="184" dur="2000" fill="hold"/>
+                                        <p:tgtEl>
+                                          <p:spTgt spid="29"/>
+                                        </p:tgtEl>
+                                        <p:attrNameLst>
+                                          <p:attrName>ppt_x</p:attrName>
+                                          <p:attrName>ppt_y</p:attrName>
+                                        </p:attrNameLst>
+                                      </p:cBhvr>
+                                    </p:animMotion>
+                                  </p:childTnLst>
+                                </p:cTn>
+                              </p:par>
+                              <p:par>
+                                <p:cTn id="185" presetID="0" presetClass="path" presetSubtype="0" accel="50000" decel="50000" fill="hold" nodeType="withEffect">
+                                  <p:stCondLst>
+                                    <p:cond delay="0"/>
+                                  </p:stCondLst>
+                                  <p:childTnLst>
+                                    <p:animMotion origin="layout" path="M 0 0 L 0 0 C 0.02226 0.01621 0.04284 0.04584 0.06693 0.04861 C 0.10976 0.05371 0.15286 0.0375 0.19505 0.02292 C 0.2013 0.02084 0.20885 0 0.20885 0 " pathEditMode="relative" ptsTypes="AAAAA">
+                                      <p:cBhvr>
+                                        <p:cTn id="186" dur="2000" fill="hold"/>
+                                        <p:tgtEl>
+                                          <p:spTgt spid="96"/>
+                                        </p:tgtEl>
+                                        <p:attrNameLst>
+                                          <p:attrName>ppt_x</p:attrName>
+                                          <p:attrName>ppt_y</p:attrName>
+                                        </p:attrNameLst>
+                                      </p:cBhvr>
+                                    </p:animMotion>
+                                  </p:childTnLst>
+                                </p:cTn>
+                              </p:par>
+                              <p:par>
+                                <p:cTn id="187" presetID="0" presetClass="path" presetSubtype="0" accel="50000" decel="50000" fill="hold" grpId="1" nodeType="withEffect">
+                                  <p:stCondLst>
+                                    <p:cond delay="0"/>
+                                  </p:stCondLst>
+                                  <p:childTnLst>
+                                    <p:animMotion origin="layout" path="M 0 0 L 0 0 C 0.02226 0.01621 0.04284 0.04584 0.06693 0.04861 C 0.10976 0.05371 0.15286 0.0375 0.19505 0.02292 C 0.2013 0.02084 0.20885 0 0.20885 0 " pathEditMode="relative" ptsTypes="AAAAA">
+                                      <p:cBhvr>
+                                        <p:cTn id="188" dur="2000" fill="hold"/>
+                                        <p:tgtEl>
+                                          <p:spTgt spid="33"/>
+                                        </p:tgtEl>
+                                        <p:attrNameLst>
+                                          <p:attrName>ppt_x</p:attrName>
+                                          <p:attrName>ppt_y</p:attrName>
+                                        </p:attrNameLst>
+                                      </p:cBhvr>
+                                    </p:animMotion>
+                                  </p:childTnLst>
+                                </p:cTn>
+                              </p:par>
+                              <p:par>
+                                <p:cTn id="189" presetID="0" presetClass="path" presetSubtype="0" accel="50000" decel="50000" fill="hold" nodeType="withEffect">
+                                  <p:stCondLst>
+                                    <p:cond delay="0"/>
+                                  </p:stCondLst>
+                                  <p:childTnLst>
+                                    <p:animMotion origin="layout" path="M 0 0 L 0 0 C 0.02226 0.01621 0.04284 0.04584 0.06693 0.04861 C 0.10976 0.05371 0.15286 0.0375 0.19505 0.02292 C 0.2013 0.02084 0.20885 0 0.20885 0 " pathEditMode="relative" ptsTypes="AAAAA">
+                                      <p:cBhvr>
+                                        <p:cTn id="190" dur="2000" fill="hold"/>
+                                        <p:tgtEl>
+                                          <p:spTgt spid="90"/>
+                                        </p:tgtEl>
+                                        <p:attrNameLst>
+                                          <p:attrName>ppt_x</p:attrName>
+                                          <p:attrName>ppt_y</p:attrName>
+                                        </p:attrNameLst>
+                                      </p:cBhvr>
+                                    </p:animMotion>
+                                  </p:childTnLst>
+                                </p:cTn>
+                              </p:par>
+                              <p:par>
+                                <p:cTn id="191" presetID="0" presetClass="path" presetSubtype="0" accel="50000" decel="50000" fill="hold" nodeType="withEffect">
+                                  <p:stCondLst>
+                                    <p:cond delay="0"/>
+                                  </p:stCondLst>
+                                  <p:childTnLst>
+                                    <p:animMotion origin="layout" path="M 0 0 L 0 0 C 0.02226 0.01621 0.04284 0.04584 0.06693 0.04861 C 0.10976 0.05371 0.15286 0.0375 0.19505 0.02292 C 0.2013 0.02084 0.20885 0 0.20885 0 " pathEditMode="relative" ptsTypes="AAAAA">
+                                      <p:cBhvr>
+                                        <p:cTn id="192" dur="2000" fill="hold"/>
+                                        <p:tgtEl>
+                                          <p:spTgt spid="112"/>
+                                        </p:tgtEl>
+                                        <p:attrNameLst>
+                                          <p:attrName>ppt_x</p:attrName>
+                                          <p:attrName>ppt_y</p:attrName>
+                                        </p:attrNameLst>
+                                      </p:cBhvr>
+                                    </p:animMotion>
+                                  </p:childTnLst>
+                                </p:cTn>
+                              </p:par>
+                              <p:par>
+                                <p:cTn id="193" presetID="0" presetClass="path" presetSubtype="0" accel="50000" decel="50000" fill="hold" grpId="1" nodeType="withEffect">
+                                  <p:stCondLst>
+                                    <p:cond delay="0"/>
+                                  </p:stCondLst>
+                                  <p:childTnLst>
+                                    <p:animMotion origin="layout" path="M 0 0 L 0 0 C 0.02226 0.01621 0.04284 0.04584 0.06693 0.04861 C 0.10976 0.05371 0.15286 0.0375 0.19505 0.02292 C 0.2013 0.02084 0.20885 0 0.20885 0 " pathEditMode="relative" ptsTypes="AAAAA">
+                                      <p:cBhvr>
+                                        <p:cTn id="194" dur="2000" fill="hold"/>
+                                        <p:tgtEl>
+                                          <p:spTgt spid="36"/>
+                                        </p:tgtEl>
+                                        <p:attrNameLst>
+                                          <p:attrName>ppt_x</p:attrName>
+                                          <p:attrName>ppt_y</p:attrName>
+                                        </p:attrNameLst>
+                                      </p:cBhvr>
+                                    </p:animMotion>
+                                  </p:childTnLst>
+                                </p:cTn>
+                              </p:par>
+                              <p:par>
+                                <p:cTn id="195" presetID="0" presetClass="path" presetSubtype="0" accel="50000" decel="50000" fill="hold" nodeType="withEffect">
+                                  <p:stCondLst>
+                                    <p:cond delay="0"/>
+                                  </p:stCondLst>
+                                  <p:childTnLst>
+                                    <p:animMotion origin="layout" path="M 0 0 L 0 0 C 0.02226 0.01621 0.04284 0.04584 0.06693 0.04861 C 0.10976 0.05371 0.15286 0.0375 0.19505 0.02292 C 0.2013 0.02084 0.20885 0 0.20885 0 " pathEditMode="relative" ptsTypes="AAAAA">
+                                      <p:cBhvr>
+                                        <p:cTn id="196" dur="2000" fill="hold"/>
+                                        <p:tgtEl>
+                                          <p:spTgt spid="20"/>
+                                        </p:tgtEl>
+                                        <p:attrNameLst>
+                                          <p:attrName>ppt_x</p:attrName>
+                                          <p:attrName>ppt_y</p:attrName>
+                                        </p:attrNameLst>
+                                      </p:cBhvr>
+                                    </p:animMotion>
+                                  </p:childTnLst>
+                                </p:cTn>
+                              </p:par>
+                              <p:par>
+                                <p:cTn id="197" presetID="0" presetClass="path" presetSubtype="0" accel="50000" decel="50000" fill="hold" grpId="1" nodeType="withEffect">
+                                  <p:stCondLst>
+                                    <p:cond delay="0"/>
+                                  </p:stCondLst>
+                                  <p:childTnLst>
+                                    <p:animMotion origin="layout" path="M 0 0 L 0 0 C 0.02226 0.01621 0.04284 0.04584 0.06693 0.04861 C 0.10976 0.05371 0.15286 0.0375 0.19505 0.02292 C 0.2013 0.02084 0.20885 0 0.20885 0 " pathEditMode="relative" ptsTypes="AAAAA">
+                                      <p:cBhvr>
+                                        <p:cTn id="198" dur="2000" fill="hold"/>
+                                        <p:tgtEl>
+                                          <p:spTgt spid="35"/>
+                                        </p:tgtEl>
+                                        <p:attrNameLst>
+                                          <p:attrName>ppt_x</p:attrName>
+                                          <p:attrName>ppt_y</p:attrName>
+                                        </p:attrNameLst>
+                                      </p:cBhvr>
+                                    </p:animMotion>
+                                  </p:childTnLst>
+                                </p:cTn>
+                              </p:par>
+                              <p:par>
+                                <p:cTn id="199" presetID="0" presetClass="path" presetSubtype="0" accel="50000" decel="50000" fill="hold" nodeType="withEffect">
+                                  <p:stCondLst>
+                                    <p:cond delay="0"/>
+                                  </p:stCondLst>
+                                  <p:childTnLst>
+                                    <p:animMotion origin="layout" path="M 0 0 L 0 0 C 0.02226 0.01621 0.04284 0.04584 0.06693 0.04861 C 0.10976 0.05371 0.15286 0.0375 0.19505 0.02292 C 0.2013 0.02084 0.20885 0 0.20885 0 " pathEditMode="relative" ptsTypes="AAAAA">
+                                      <p:cBhvr>
+                                        <p:cTn id="200" dur="2000" fill="hold"/>
+                                        <p:tgtEl>
+                                          <p:spTgt spid="95"/>
+                                        </p:tgtEl>
+                                        <p:attrNameLst>
+                                          <p:attrName>ppt_x</p:attrName>
+                                          <p:attrName>ppt_y</p:attrName>
+                                        </p:attrNameLst>
+                                      </p:cBhvr>
+                                    </p:animMotion>
+                                  </p:childTnLst>
+                                </p:cTn>
+                              </p:par>
+                              <p:par>
+                                <p:cTn id="201" presetID="37" presetClass="path" presetSubtype="0" accel="50000" decel="50000" fill="hold" grpId="0" nodeType="withEffect">
                                   <p:stCondLst>
                                     <p:cond delay="0"/>
                                   </p:stCondLst>
                                   <p:childTnLst>
                                     <p:animMotion origin="layout" path="M -5E-6 -0.00972 L 0.13139 0.04444 C 0.15821 0.05671 0.19922 0.06366 0.24154 0.06366 C 0.29076 0.06366 0.3293 0.05671 0.35626 0.04444 L 0.48894 -0.00972 " pathEditMode="relative" rAng="0" ptsTypes="AAAAA">
                                       <p:cBhvr>
-                                        <p:cTn id="50" dur="1000" fill="hold"/>
-                                        <p:tgtEl>
-                                          <p:spTgt spid="12"/>
+                                        <p:cTn id="202" dur="1000" fill="hold"/>
+                                        <p:tgtEl>
+                                          <p:spTgt spid="4"/>
                                         </p:tgtEl>
                                         <p:attrNameLst>
                                           <p:attrName>ppt_x</p:attrName>
@@ -28621,195 +31311,6 @@
                                         </p:attrNameLst>
                                       </p:cBhvr>
                                       <p:rCtr x="24440" y="3657"/>
-                                    </p:animMotion>
-                                  </p:childTnLst>
-                                </p:cTn>
-                              </p:par>
-                              <p:par>
-                                <p:cTn id="51" presetID="0" presetClass="path" presetSubtype="0" accel="50000" decel="50000" fill="hold" grpId="0" nodeType="withEffect">
-                                  <p:stCondLst>
-                                    <p:cond delay="0"/>
-                                  </p:stCondLst>
-                                  <p:childTnLst>
-                                    <p:animMotion origin="layout" path="M 0 0 L 0 0 L 0.04453 0.00139 L 0.11028 0.00278 C 0.11198 0.00301 0.11614 0.00509 0.11784 0.00579 C 0.12656 0.00903 0.12604 0.00857 0.13385 0.01042 C 0.14323 0.00972 0.15247 0.00996 0.16172 0.0088 C 0.1638 0.00857 0.16562 0.00602 0.16758 0.00579 C 0.18125 0.00417 0.19271 0.0044 0.2056 0.0044 " pathEditMode="relative" ptsTypes="AAAAAAAAA">
-                                      <p:cBhvr>
-                                        <p:cTn id="52" dur="2000" fill="hold"/>
-                                        <p:tgtEl>
-                                          <p:spTgt spid="31"/>
-                                        </p:tgtEl>
-                                        <p:attrNameLst>
-                                          <p:attrName>ppt_x</p:attrName>
-                                          <p:attrName>ppt_y</p:attrName>
-                                        </p:attrNameLst>
-                                      </p:cBhvr>
-                                    </p:animMotion>
-                                  </p:childTnLst>
-                                </p:cTn>
-                              </p:par>
-                              <p:par>
-                                <p:cTn id="53" presetID="0" presetClass="path" presetSubtype="0" accel="50000" decel="50000" fill="hold" nodeType="withEffect">
-                                  <p:stCondLst>
-                                    <p:cond delay="0"/>
-                                  </p:stCondLst>
-                                  <p:childTnLst>
-                                    <p:animMotion origin="layout" path="M 0 0 L 0 0 L 0.04453 0.00139 L 0.11028 0.00278 C 0.11198 0.00301 0.11614 0.00509 0.11784 0.00579 C 0.12656 0.00903 0.12604 0.00857 0.13385 0.01042 C 0.14323 0.00972 0.15247 0.00996 0.16172 0.0088 C 0.1638 0.00857 0.16562 0.00602 0.16758 0.00579 C 0.18125 0.00417 0.19271 0.0044 0.2056 0.0044 " pathEditMode="relative" ptsTypes="AAAAAAAAA">
-                                      <p:cBhvr>
-                                        <p:cTn id="54" dur="2000" fill="hold"/>
-                                        <p:tgtEl>
-                                          <p:spTgt spid="30"/>
-                                        </p:tgtEl>
-                                        <p:attrNameLst>
-                                          <p:attrName>ppt_x</p:attrName>
-                                          <p:attrName>ppt_y</p:attrName>
-                                        </p:attrNameLst>
-                                      </p:cBhvr>
-                                    </p:animMotion>
-                                  </p:childTnLst>
-                                </p:cTn>
-                              </p:par>
-                              <p:par>
-                                <p:cTn id="55" presetID="0" presetClass="path" presetSubtype="0" accel="50000" decel="50000" fill="hold" nodeType="withEffect">
-                                  <p:stCondLst>
-                                    <p:cond delay="0"/>
-                                  </p:stCondLst>
-                                  <p:childTnLst>
-                                    <p:animMotion origin="layout" path="M 0 0 L 0 0 L 0.04453 0.00139 L 0.11028 0.00278 C 0.11198 0.00301 0.11614 0.00509 0.11784 0.00579 C 0.12656 0.00903 0.12604 0.00857 0.13385 0.01042 C 0.14323 0.00972 0.15247 0.00996 0.16172 0.0088 C 0.1638 0.00857 0.16562 0.00602 0.16758 0.00579 C 0.18125 0.00417 0.19271 0.0044 0.2056 0.0044 " pathEditMode="relative" ptsTypes="AAAAAAAAA">
-                                      <p:cBhvr>
-                                        <p:cTn id="56" dur="2000" fill="hold"/>
-                                        <p:tgtEl>
-                                          <p:spTgt spid="32"/>
-                                        </p:tgtEl>
-                                        <p:attrNameLst>
-                                          <p:attrName>ppt_x</p:attrName>
-                                          <p:attrName>ppt_y</p:attrName>
-                                        </p:attrNameLst>
-                                      </p:cBhvr>
-                                    </p:animMotion>
-                                  </p:childTnLst>
-                                </p:cTn>
-                              </p:par>
-                              <p:par>
-                                <p:cTn id="57" presetID="0" presetClass="path" presetSubtype="0" accel="50000" decel="50000" fill="hold" grpId="0" nodeType="withEffect">
-                                  <p:stCondLst>
-                                    <p:cond delay="0"/>
-                                  </p:stCondLst>
-                                  <p:childTnLst>
-                                    <p:animMotion origin="layout" path="M 0 0 L 0 0 L 0.04453 0.00139 L 0.11028 0.00278 C 0.11198 0.00301 0.11614 0.00509 0.11784 0.00579 C 0.12656 0.00903 0.12604 0.00857 0.13385 0.01042 C 0.14323 0.00972 0.15247 0.00996 0.16172 0.0088 C 0.1638 0.00857 0.16562 0.00602 0.16758 0.00579 C 0.18125 0.00417 0.19271 0.0044 0.2056 0.0044 " pathEditMode="relative" ptsTypes="AAAAAAAAA">
-                                      <p:cBhvr>
-                                        <p:cTn id="58" dur="2000" fill="hold"/>
-                                        <p:tgtEl>
-                                          <p:spTgt spid="33"/>
-                                        </p:tgtEl>
-                                        <p:attrNameLst>
-                                          <p:attrName>ppt_x</p:attrName>
-                                          <p:attrName>ppt_y</p:attrName>
-                                        </p:attrNameLst>
-                                      </p:cBhvr>
-                                    </p:animMotion>
-                                  </p:childTnLst>
-                                </p:cTn>
-                              </p:par>
-                              <p:par>
-                                <p:cTn id="59" presetID="0" presetClass="path" presetSubtype="0" accel="50000" decel="50000" fill="hold" grpId="0" nodeType="withEffect">
-                                  <p:stCondLst>
-                                    <p:cond delay="0"/>
-                                  </p:stCondLst>
-                                  <p:childTnLst>
-                                    <p:animMotion origin="layout" path="M 0 0 L 0 0 L 0.04453 0.00139 L 0.11028 0.00278 C 0.11198 0.00301 0.11614 0.00509 0.11784 0.00579 C 0.12656 0.00903 0.12604 0.00857 0.13385 0.01042 C 0.14323 0.00972 0.15247 0.00996 0.16172 0.0088 C 0.1638 0.00857 0.16562 0.00602 0.16758 0.00579 C 0.18125 0.00417 0.19271 0.0044 0.2056 0.0044 " pathEditMode="relative" ptsTypes="AAAAAAAAA">
-                                      <p:cBhvr>
-                                        <p:cTn id="60" dur="2000" fill="hold"/>
-                                        <p:tgtEl>
-                                          <p:spTgt spid="34"/>
-                                        </p:tgtEl>
-                                        <p:attrNameLst>
-                                          <p:attrName>ppt_x</p:attrName>
-                                          <p:attrName>ppt_y</p:attrName>
-                                        </p:attrNameLst>
-                                      </p:cBhvr>
-                                    </p:animMotion>
-                                  </p:childTnLst>
-                                </p:cTn>
-                              </p:par>
-                              <p:par>
-                                <p:cTn id="61" presetID="0" presetClass="path" presetSubtype="0" accel="50000" decel="50000" fill="hold" grpId="0" nodeType="withEffect">
-                                  <p:stCondLst>
-                                    <p:cond delay="0"/>
-                                  </p:stCondLst>
-                                  <p:childTnLst>
-                                    <p:animMotion origin="layout" path="M 0 0 L 0 0 L 0.04453 0.00139 L 0.11028 0.00278 C 0.11198 0.00301 0.11614 0.00509 0.11784 0.00579 C 0.12656 0.00903 0.12604 0.00857 0.13385 0.01042 C 0.14323 0.00972 0.15247 0.00996 0.16172 0.0088 C 0.1638 0.00857 0.16562 0.00602 0.16758 0.00579 C 0.18125 0.00417 0.19271 0.0044 0.2056 0.0044 " pathEditMode="relative" ptsTypes="AAAAAAAAA">
-                                      <p:cBhvr>
-                                        <p:cTn id="62" dur="2000" fill="hold"/>
-                                        <p:tgtEl>
-                                          <p:spTgt spid="35"/>
-                                        </p:tgtEl>
-                                        <p:attrNameLst>
-                                          <p:attrName>ppt_x</p:attrName>
-                                          <p:attrName>ppt_y</p:attrName>
-                                        </p:attrNameLst>
-                                      </p:cBhvr>
-                                    </p:animMotion>
-                                  </p:childTnLst>
-                                </p:cTn>
-                              </p:par>
-                              <p:par>
-                                <p:cTn id="63" presetID="0" presetClass="path" presetSubtype="0" accel="50000" decel="50000" fill="hold" grpId="0" nodeType="withEffect">
-                                  <p:stCondLst>
-                                    <p:cond delay="0"/>
-                                  </p:stCondLst>
-                                  <p:childTnLst>
-                                    <p:animMotion origin="layout" path="M 0 0 L 0 0 L 0.04453 0.00139 L 0.11028 0.00278 C 0.11198 0.00301 0.11614 0.00509 0.11784 0.00579 C 0.12656 0.00903 0.12604 0.00857 0.13385 0.01042 C 0.14323 0.00972 0.15247 0.00996 0.16172 0.0088 C 0.1638 0.00857 0.16562 0.00602 0.16758 0.00579 C 0.18125 0.00417 0.19271 0.0044 0.2056 0.0044 " pathEditMode="relative" ptsTypes="AAAAAAAAA">
-                                      <p:cBhvr>
-                                        <p:cTn id="64" dur="2000" fill="hold"/>
-                                        <p:tgtEl>
-                                          <p:spTgt spid="36"/>
-                                        </p:tgtEl>
-                                        <p:attrNameLst>
-                                          <p:attrName>ppt_x</p:attrName>
-                                          <p:attrName>ppt_y</p:attrName>
-                                        </p:attrNameLst>
-                                      </p:cBhvr>
-                                    </p:animMotion>
-                                  </p:childTnLst>
-                                </p:cTn>
-                              </p:par>
-                              <p:par>
-                                <p:cTn id="65" presetID="0" presetClass="path" presetSubtype="0" accel="50000" decel="50000" fill="hold" grpId="0" nodeType="withEffect">
-                                  <p:stCondLst>
-                                    <p:cond delay="0"/>
-                                  </p:stCondLst>
-                                  <p:childTnLst>
-                                    <p:animMotion origin="layout" path="M 0 0 L 0 0 L 0.04453 0.00139 L 0.11028 0.00278 C 0.11198 0.00301 0.11614 0.00509 0.11784 0.00579 C 0.12656 0.00903 0.12604 0.00857 0.13385 0.01042 C 0.14323 0.00972 0.15247 0.00996 0.16172 0.0088 C 0.1638 0.00857 0.16562 0.00602 0.16758 0.00579 C 0.18125 0.00417 0.19271 0.0044 0.2056 0.0044 " pathEditMode="relative" ptsTypes="AAAAAAAAA">
-                                      <p:cBhvr>
-                                        <p:cTn id="66" dur="2000" fill="hold"/>
-                                        <p:tgtEl>
-                                          <p:spTgt spid="38"/>
-                                        </p:tgtEl>
-                                        <p:attrNameLst>
-                                          <p:attrName>ppt_x</p:attrName>
-                                          <p:attrName>ppt_y</p:attrName>
-                                        </p:attrNameLst>
-                                      </p:cBhvr>
-                                    </p:animMotion>
-                                  </p:childTnLst>
-                                </p:cTn>
-                              </p:par>
-                              <p:par>
-                                <p:cTn id="67" presetID="0" presetClass="path" presetSubtype="0" accel="50000" decel="50000" fill="hold" grpId="0" nodeType="withEffect">
-                                  <p:stCondLst>
-                                    <p:cond delay="0"/>
-                                  </p:stCondLst>
-                                  <p:childTnLst>
-                                    <p:animMotion origin="layout" path="M 0 0 L 0 0 L 0.04453 0.00139 L 0.11028 0.00278 C 0.11198 0.00301 0.11614 0.00509 0.11784 0.00579 C 0.12656 0.00903 0.12604 0.00857 0.13385 0.01042 C 0.14323 0.00972 0.15247 0.00996 0.16172 0.0088 C 0.1638 0.00857 0.16562 0.00602 0.16758 0.00579 C 0.18125 0.00417 0.19271 0.0044 0.2056 0.0044 " pathEditMode="relative" ptsTypes="AAAAAAAAA">
-                                      <p:cBhvr>
-                                        <p:cTn id="68" dur="2000" fill="hold"/>
-                                        <p:tgtEl>
-                                          <p:spTgt spid="37"/>
-                                        </p:tgtEl>
-                                        <p:attrNameLst>
-                                          <p:attrName>ppt_x</p:attrName>
-                                          <p:attrName>ppt_y</p:attrName>
-                                        </p:attrNameLst>
-                                      </p:cBhvr>
                                     </p:animMotion>
                                   </p:childTnLst>
                                 </p:cTn>
@@ -28843,17 +31344,28 @@
     </p:tnLst>
     <p:bldLst>
       <p:bldP spid="88" grpId="0"/>
+      <p:bldP spid="88" grpId="1"/>
       <p:bldP spid="89" grpId="0"/>
+      <p:bldP spid="89" grpId="1"/>
       <p:bldP spid="124" grpId="0"/>
+      <p:bldP spid="124" grpId="1"/>
       <p:bldP spid="125" grpId="0"/>
-      <p:bldP spid="12" grpId="0"/>
+      <p:bldP spid="125" grpId="1"/>
       <p:bldP spid="31" grpId="0"/>
+      <p:bldP spid="31" grpId="1"/>
       <p:bldP spid="33" grpId="0"/>
+      <p:bldP spid="33" grpId="1"/>
       <p:bldP spid="34" grpId="0"/>
+      <p:bldP spid="34" grpId="1"/>
       <p:bldP spid="35" grpId="0"/>
+      <p:bldP spid="35" grpId="1"/>
       <p:bldP spid="36" grpId="0"/>
+      <p:bldP spid="36" grpId="1"/>
       <p:bldP spid="38" grpId="0"/>
+      <p:bldP spid="38" grpId="1"/>
       <p:bldP spid="37" grpId="0"/>
+      <p:bldP spid="37" grpId="1"/>
+      <p:bldP spid="4" grpId="0"/>
     </p:bldLst>
   </p:timing>
 </p:sld>
@@ -35473,7 +37985,7 @@
         </p:blipFill>
         <p:spPr>
           <a:xfrm>
-            <a:off x="2765946" y="3115732"/>
+            <a:off x="3219954" y="3153327"/>
             <a:ext cx="751181" cy="511519"/>
           </a:xfrm>
           <a:prstGeom prst="rect">
@@ -35509,7 +38021,7 @@
         </p:blipFill>
         <p:spPr>
           <a:xfrm>
-            <a:off x="2933589" y="3955449"/>
+            <a:off x="3260496" y="3851684"/>
             <a:ext cx="751181" cy="511519"/>
           </a:xfrm>
           <a:prstGeom prst="rect">
@@ -35545,7 +38057,7 @@
         </p:blipFill>
         <p:spPr>
           <a:xfrm>
-            <a:off x="3203528" y="4720764"/>
+            <a:off x="3392845" y="4596401"/>
             <a:ext cx="751181" cy="511519"/>
           </a:xfrm>
           <a:prstGeom prst="rect">
@@ -35714,7 +38226,7 @@
         </p:blipFill>
         <p:spPr>
           <a:xfrm>
-            <a:off x="2863986" y="2161068"/>
+            <a:off x="3574679" y="1977750"/>
             <a:ext cx="718386" cy="489187"/>
           </a:xfrm>
           <a:prstGeom prst="rect">
@@ -35744,6 +38256,2218 @@
       </p:transition>
     </mc:Fallback>
   </mc:AlternateContent>
+  <p:timing>
+    <p:tnLst>
+      <p:par>
+        <p:cTn id="1" dur="indefinite" restart="never" nodeType="tmRoot">
+          <p:childTnLst>
+            <p:seq concurrent="1" nextAc="seek">
+              <p:cTn id="2" dur="indefinite" nodeType="mainSeq">
+                <p:childTnLst>
+                  <p:par>
+                    <p:cTn id="3" fill="hold">
+                      <p:stCondLst>
+                        <p:cond delay="indefinite"/>
+                      </p:stCondLst>
+                      <p:childTnLst>
+                        <p:par>
+                          <p:cTn id="4" fill="hold">
+                            <p:stCondLst>
+                              <p:cond delay="0"/>
+                            </p:stCondLst>
+                            <p:childTnLst>
+                              <p:par>
+                                <p:cTn id="5" presetID="2" presetClass="entr" presetSubtype="4" fill="hold" nodeType="clickEffect">
+                                  <p:stCondLst>
+                                    <p:cond delay="0"/>
+                                  </p:stCondLst>
+                                  <p:childTnLst>
+                                    <p:set>
+                                      <p:cBhvr>
+                                        <p:cTn id="6" dur="1" fill="hold">
+                                          <p:stCondLst>
+                                            <p:cond delay="0"/>
+                                          </p:stCondLst>
+                                        </p:cTn>
+                                        <p:tgtEl>
+                                          <p:spTgt spid="2060"/>
+                                        </p:tgtEl>
+                                        <p:attrNameLst>
+                                          <p:attrName>style.visibility</p:attrName>
+                                        </p:attrNameLst>
+                                      </p:cBhvr>
+                                      <p:to>
+                                        <p:strVal val="visible"/>
+                                      </p:to>
+                                    </p:set>
+                                    <p:anim calcmode="lin" valueType="num">
+                                      <p:cBhvr additive="base">
+                                        <p:cTn id="7" dur="500" fill="hold"/>
+                                        <p:tgtEl>
+                                          <p:spTgt spid="2060"/>
+                                        </p:tgtEl>
+                                        <p:attrNameLst>
+                                          <p:attrName>ppt_x</p:attrName>
+                                        </p:attrNameLst>
+                                      </p:cBhvr>
+                                      <p:tavLst>
+                                        <p:tav tm="0">
+                                          <p:val>
+                                            <p:strVal val="#ppt_x"/>
+                                          </p:val>
+                                        </p:tav>
+                                        <p:tav tm="100000">
+                                          <p:val>
+                                            <p:strVal val="#ppt_x"/>
+                                          </p:val>
+                                        </p:tav>
+                                      </p:tavLst>
+                                    </p:anim>
+                                    <p:anim calcmode="lin" valueType="num">
+                                      <p:cBhvr additive="base">
+                                        <p:cTn id="8" dur="500" fill="hold"/>
+                                        <p:tgtEl>
+                                          <p:spTgt spid="2060"/>
+                                        </p:tgtEl>
+                                        <p:attrNameLst>
+                                          <p:attrName>ppt_y</p:attrName>
+                                        </p:attrNameLst>
+                                      </p:cBhvr>
+                                      <p:tavLst>
+                                        <p:tav tm="0">
+                                          <p:val>
+                                            <p:strVal val="1+#ppt_h/2"/>
+                                          </p:val>
+                                        </p:tav>
+                                        <p:tav tm="100000">
+                                          <p:val>
+                                            <p:strVal val="#ppt_y"/>
+                                          </p:val>
+                                        </p:tav>
+                                      </p:tavLst>
+                                    </p:anim>
+                                  </p:childTnLst>
+                                </p:cTn>
+                              </p:par>
+                              <p:par>
+                                <p:cTn id="9" presetID="2" presetClass="entr" presetSubtype="4" fill="hold" grpId="0" nodeType="withEffect">
+                                  <p:stCondLst>
+                                    <p:cond delay="0"/>
+                                  </p:stCondLst>
+                                  <p:childTnLst>
+                                    <p:set>
+                                      <p:cBhvr>
+                                        <p:cTn id="10" dur="1" fill="hold">
+                                          <p:stCondLst>
+                                            <p:cond delay="0"/>
+                                          </p:stCondLst>
+                                        </p:cTn>
+                                        <p:tgtEl>
+                                          <p:spTgt spid="49"/>
+                                        </p:tgtEl>
+                                        <p:attrNameLst>
+                                          <p:attrName>style.visibility</p:attrName>
+                                        </p:attrNameLst>
+                                      </p:cBhvr>
+                                      <p:to>
+                                        <p:strVal val="visible"/>
+                                      </p:to>
+                                    </p:set>
+                                    <p:anim calcmode="lin" valueType="num">
+                                      <p:cBhvr additive="base">
+                                        <p:cTn id="11" dur="500" fill="hold"/>
+                                        <p:tgtEl>
+                                          <p:spTgt spid="49"/>
+                                        </p:tgtEl>
+                                        <p:attrNameLst>
+                                          <p:attrName>ppt_x</p:attrName>
+                                        </p:attrNameLst>
+                                      </p:cBhvr>
+                                      <p:tavLst>
+                                        <p:tav tm="0">
+                                          <p:val>
+                                            <p:strVal val="#ppt_x"/>
+                                          </p:val>
+                                        </p:tav>
+                                        <p:tav tm="100000">
+                                          <p:val>
+                                            <p:strVal val="#ppt_x"/>
+                                          </p:val>
+                                        </p:tav>
+                                      </p:tavLst>
+                                    </p:anim>
+                                    <p:anim calcmode="lin" valueType="num">
+                                      <p:cBhvr additive="base">
+                                        <p:cTn id="12" dur="500" fill="hold"/>
+                                        <p:tgtEl>
+                                          <p:spTgt spid="49"/>
+                                        </p:tgtEl>
+                                        <p:attrNameLst>
+                                          <p:attrName>ppt_y</p:attrName>
+                                        </p:attrNameLst>
+                                      </p:cBhvr>
+                                      <p:tavLst>
+                                        <p:tav tm="0">
+                                          <p:val>
+                                            <p:strVal val="1+#ppt_h/2"/>
+                                          </p:val>
+                                        </p:tav>
+                                        <p:tav tm="100000">
+                                          <p:val>
+                                            <p:strVal val="#ppt_y"/>
+                                          </p:val>
+                                        </p:tav>
+                                      </p:tavLst>
+                                    </p:anim>
+                                  </p:childTnLst>
+                                </p:cTn>
+                              </p:par>
+                              <p:par>
+                                <p:cTn id="13" presetID="2" presetClass="entr" presetSubtype="4" fill="hold" nodeType="withEffect">
+                                  <p:stCondLst>
+                                    <p:cond delay="0"/>
+                                  </p:stCondLst>
+                                  <p:childTnLst>
+                                    <p:set>
+                                      <p:cBhvr>
+                                        <p:cTn id="14" dur="1" fill="hold">
+                                          <p:stCondLst>
+                                            <p:cond delay="0"/>
+                                          </p:stCondLst>
+                                        </p:cTn>
+                                        <p:tgtEl>
+                                          <p:spTgt spid="2062"/>
+                                        </p:tgtEl>
+                                        <p:attrNameLst>
+                                          <p:attrName>style.visibility</p:attrName>
+                                        </p:attrNameLst>
+                                      </p:cBhvr>
+                                      <p:to>
+                                        <p:strVal val="visible"/>
+                                      </p:to>
+                                    </p:set>
+                                    <p:anim calcmode="lin" valueType="num">
+                                      <p:cBhvr additive="base">
+                                        <p:cTn id="15" dur="500" fill="hold"/>
+                                        <p:tgtEl>
+                                          <p:spTgt spid="2062"/>
+                                        </p:tgtEl>
+                                        <p:attrNameLst>
+                                          <p:attrName>ppt_x</p:attrName>
+                                        </p:attrNameLst>
+                                      </p:cBhvr>
+                                      <p:tavLst>
+                                        <p:tav tm="0">
+                                          <p:val>
+                                            <p:strVal val="#ppt_x"/>
+                                          </p:val>
+                                        </p:tav>
+                                        <p:tav tm="100000">
+                                          <p:val>
+                                            <p:strVal val="#ppt_x"/>
+                                          </p:val>
+                                        </p:tav>
+                                      </p:tavLst>
+                                    </p:anim>
+                                    <p:anim calcmode="lin" valueType="num">
+                                      <p:cBhvr additive="base">
+                                        <p:cTn id="16" dur="500" fill="hold"/>
+                                        <p:tgtEl>
+                                          <p:spTgt spid="2062"/>
+                                        </p:tgtEl>
+                                        <p:attrNameLst>
+                                          <p:attrName>ppt_y</p:attrName>
+                                        </p:attrNameLst>
+                                      </p:cBhvr>
+                                      <p:tavLst>
+                                        <p:tav tm="0">
+                                          <p:val>
+                                            <p:strVal val="1+#ppt_h/2"/>
+                                          </p:val>
+                                        </p:tav>
+                                        <p:tav tm="100000">
+                                          <p:val>
+                                            <p:strVal val="#ppt_y"/>
+                                          </p:val>
+                                        </p:tav>
+                                      </p:tavLst>
+                                    </p:anim>
+                                  </p:childTnLst>
+                                </p:cTn>
+                              </p:par>
+                              <p:par>
+                                <p:cTn id="17" presetID="2" presetClass="entr" presetSubtype="4" fill="hold" grpId="0" nodeType="withEffect">
+                                  <p:stCondLst>
+                                    <p:cond delay="0"/>
+                                  </p:stCondLst>
+                                  <p:childTnLst>
+                                    <p:set>
+                                      <p:cBhvr>
+                                        <p:cTn id="18" dur="1" fill="hold">
+                                          <p:stCondLst>
+                                            <p:cond delay="0"/>
+                                          </p:stCondLst>
+                                        </p:cTn>
+                                        <p:tgtEl>
+                                          <p:spTgt spid="67"/>
+                                        </p:tgtEl>
+                                        <p:attrNameLst>
+                                          <p:attrName>style.visibility</p:attrName>
+                                        </p:attrNameLst>
+                                      </p:cBhvr>
+                                      <p:to>
+                                        <p:strVal val="visible"/>
+                                      </p:to>
+                                    </p:set>
+                                    <p:anim calcmode="lin" valueType="num">
+                                      <p:cBhvr additive="base">
+                                        <p:cTn id="19" dur="500" fill="hold"/>
+                                        <p:tgtEl>
+                                          <p:spTgt spid="67"/>
+                                        </p:tgtEl>
+                                        <p:attrNameLst>
+                                          <p:attrName>ppt_x</p:attrName>
+                                        </p:attrNameLst>
+                                      </p:cBhvr>
+                                      <p:tavLst>
+                                        <p:tav tm="0">
+                                          <p:val>
+                                            <p:strVal val="#ppt_x"/>
+                                          </p:val>
+                                        </p:tav>
+                                        <p:tav tm="100000">
+                                          <p:val>
+                                            <p:strVal val="#ppt_x"/>
+                                          </p:val>
+                                        </p:tav>
+                                      </p:tavLst>
+                                    </p:anim>
+                                    <p:anim calcmode="lin" valueType="num">
+                                      <p:cBhvr additive="base">
+                                        <p:cTn id="20" dur="500" fill="hold"/>
+                                        <p:tgtEl>
+                                          <p:spTgt spid="67"/>
+                                        </p:tgtEl>
+                                        <p:attrNameLst>
+                                          <p:attrName>ppt_y</p:attrName>
+                                        </p:attrNameLst>
+                                      </p:cBhvr>
+                                      <p:tavLst>
+                                        <p:tav tm="0">
+                                          <p:val>
+                                            <p:strVal val="1+#ppt_h/2"/>
+                                          </p:val>
+                                        </p:tav>
+                                        <p:tav tm="100000">
+                                          <p:val>
+                                            <p:strVal val="#ppt_y"/>
+                                          </p:val>
+                                        </p:tav>
+                                      </p:tavLst>
+                                    </p:anim>
+                                  </p:childTnLst>
+                                </p:cTn>
+                              </p:par>
+                              <p:par>
+                                <p:cTn id="21" presetID="2" presetClass="entr" presetSubtype="4" fill="hold" nodeType="withEffect">
+                                  <p:stCondLst>
+                                    <p:cond delay="0"/>
+                                  </p:stCondLst>
+                                  <p:childTnLst>
+                                    <p:set>
+                                      <p:cBhvr>
+                                        <p:cTn id="22" dur="1" fill="hold">
+                                          <p:stCondLst>
+                                            <p:cond delay="0"/>
+                                          </p:stCondLst>
+                                        </p:cTn>
+                                        <p:tgtEl>
+                                          <p:spTgt spid="2064"/>
+                                        </p:tgtEl>
+                                        <p:attrNameLst>
+                                          <p:attrName>style.visibility</p:attrName>
+                                        </p:attrNameLst>
+                                      </p:cBhvr>
+                                      <p:to>
+                                        <p:strVal val="visible"/>
+                                      </p:to>
+                                    </p:set>
+                                    <p:anim calcmode="lin" valueType="num">
+                                      <p:cBhvr additive="base">
+                                        <p:cTn id="23" dur="500" fill="hold"/>
+                                        <p:tgtEl>
+                                          <p:spTgt spid="2064"/>
+                                        </p:tgtEl>
+                                        <p:attrNameLst>
+                                          <p:attrName>ppt_x</p:attrName>
+                                        </p:attrNameLst>
+                                      </p:cBhvr>
+                                      <p:tavLst>
+                                        <p:tav tm="0">
+                                          <p:val>
+                                            <p:strVal val="#ppt_x"/>
+                                          </p:val>
+                                        </p:tav>
+                                        <p:tav tm="100000">
+                                          <p:val>
+                                            <p:strVal val="#ppt_x"/>
+                                          </p:val>
+                                        </p:tav>
+                                      </p:tavLst>
+                                    </p:anim>
+                                    <p:anim calcmode="lin" valueType="num">
+                                      <p:cBhvr additive="base">
+                                        <p:cTn id="24" dur="500" fill="hold"/>
+                                        <p:tgtEl>
+                                          <p:spTgt spid="2064"/>
+                                        </p:tgtEl>
+                                        <p:attrNameLst>
+                                          <p:attrName>ppt_y</p:attrName>
+                                        </p:attrNameLst>
+                                      </p:cBhvr>
+                                      <p:tavLst>
+                                        <p:tav tm="0">
+                                          <p:val>
+                                            <p:strVal val="1+#ppt_h/2"/>
+                                          </p:val>
+                                        </p:tav>
+                                        <p:tav tm="100000">
+                                          <p:val>
+                                            <p:strVal val="#ppt_y"/>
+                                          </p:val>
+                                        </p:tav>
+                                      </p:tavLst>
+                                    </p:anim>
+                                  </p:childTnLst>
+                                </p:cTn>
+                              </p:par>
+                              <p:par>
+                                <p:cTn id="25" presetID="2" presetClass="entr" presetSubtype="4" fill="hold" grpId="0" nodeType="withEffect">
+                                  <p:stCondLst>
+                                    <p:cond delay="0"/>
+                                  </p:stCondLst>
+                                  <p:childTnLst>
+                                    <p:set>
+                                      <p:cBhvr>
+                                        <p:cTn id="26" dur="1" fill="hold">
+                                          <p:stCondLst>
+                                            <p:cond delay="0"/>
+                                          </p:stCondLst>
+                                        </p:cTn>
+                                        <p:tgtEl>
+                                          <p:spTgt spid="78"/>
+                                        </p:tgtEl>
+                                        <p:attrNameLst>
+                                          <p:attrName>style.visibility</p:attrName>
+                                        </p:attrNameLst>
+                                      </p:cBhvr>
+                                      <p:to>
+                                        <p:strVal val="visible"/>
+                                      </p:to>
+                                    </p:set>
+                                    <p:anim calcmode="lin" valueType="num">
+                                      <p:cBhvr additive="base">
+                                        <p:cTn id="27" dur="500" fill="hold"/>
+                                        <p:tgtEl>
+                                          <p:spTgt spid="78"/>
+                                        </p:tgtEl>
+                                        <p:attrNameLst>
+                                          <p:attrName>ppt_x</p:attrName>
+                                        </p:attrNameLst>
+                                      </p:cBhvr>
+                                      <p:tavLst>
+                                        <p:tav tm="0">
+                                          <p:val>
+                                            <p:strVal val="#ppt_x"/>
+                                          </p:val>
+                                        </p:tav>
+                                        <p:tav tm="100000">
+                                          <p:val>
+                                            <p:strVal val="#ppt_x"/>
+                                          </p:val>
+                                        </p:tav>
+                                      </p:tavLst>
+                                    </p:anim>
+                                    <p:anim calcmode="lin" valueType="num">
+                                      <p:cBhvr additive="base">
+                                        <p:cTn id="28" dur="500" fill="hold"/>
+                                        <p:tgtEl>
+                                          <p:spTgt spid="78"/>
+                                        </p:tgtEl>
+                                        <p:attrNameLst>
+                                          <p:attrName>ppt_y</p:attrName>
+                                        </p:attrNameLst>
+                                      </p:cBhvr>
+                                      <p:tavLst>
+                                        <p:tav tm="0">
+                                          <p:val>
+                                            <p:strVal val="1+#ppt_h/2"/>
+                                          </p:val>
+                                        </p:tav>
+                                        <p:tav tm="100000">
+                                          <p:val>
+                                            <p:strVal val="#ppt_y"/>
+                                          </p:val>
+                                        </p:tav>
+                                      </p:tavLst>
+                                    </p:anim>
+                                  </p:childTnLst>
+                                </p:cTn>
+                              </p:par>
+                              <p:par>
+                                <p:cTn id="29" presetID="2" presetClass="entr" presetSubtype="4" fill="hold" nodeType="withEffect">
+                                  <p:stCondLst>
+                                    <p:cond delay="0"/>
+                                  </p:stCondLst>
+                                  <p:childTnLst>
+                                    <p:set>
+                                      <p:cBhvr>
+                                        <p:cTn id="30" dur="1" fill="hold">
+                                          <p:stCondLst>
+                                            <p:cond delay="0"/>
+                                          </p:stCondLst>
+                                        </p:cTn>
+                                        <p:tgtEl>
+                                          <p:spTgt spid="3074"/>
+                                        </p:tgtEl>
+                                        <p:attrNameLst>
+                                          <p:attrName>style.visibility</p:attrName>
+                                        </p:attrNameLst>
+                                      </p:cBhvr>
+                                      <p:to>
+                                        <p:strVal val="visible"/>
+                                      </p:to>
+                                    </p:set>
+                                    <p:anim calcmode="lin" valueType="num">
+                                      <p:cBhvr additive="base">
+                                        <p:cTn id="31" dur="500" fill="hold"/>
+                                        <p:tgtEl>
+                                          <p:spTgt spid="3074"/>
+                                        </p:tgtEl>
+                                        <p:attrNameLst>
+                                          <p:attrName>ppt_x</p:attrName>
+                                        </p:attrNameLst>
+                                      </p:cBhvr>
+                                      <p:tavLst>
+                                        <p:tav tm="0">
+                                          <p:val>
+                                            <p:strVal val="#ppt_x"/>
+                                          </p:val>
+                                        </p:tav>
+                                        <p:tav tm="100000">
+                                          <p:val>
+                                            <p:strVal val="#ppt_x"/>
+                                          </p:val>
+                                        </p:tav>
+                                      </p:tavLst>
+                                    </p:anim>
+                                    <p:anim calcmode="lin" valueType="num">
+                                      <p:cBhvr additive="base">
+                                        <p:cTn id="32" dur="500" fill="hold"/>
+                                        <p:tgtEl>
+                                          <p:spTgt spid="3074"/>
+                                        </p:tgtEl>
+                                        <p:attrNameLst>
+                                          <p:attrName>ppt_y</p:attrName>
+                                        </p:attrNameLst>
+                                      </p:cBhvr>
+                                      <p:tavLst>
+                                        <p:tav tm="0">
+                                          <p:val>
+                                            <p:strVal val="1+#ppt_h/2"/>
+                                          </p:val>
+                                        </p:tav>
+                                        <p:tav tm="100000">
+                                          <p:val>
+                                            <p:strVal val="#ppt_y"/>
+                                          </p:val>
+                                        </p:tav>
+                                      </p:tavLst>
+                                    </p:anim>
+                                  </p:childTnLst>
+                                </p:cTn>
+                              </p:par>
+                              <p:par>
+                                <p:cTn id="33" presetID="2" presetClass="entr" presetSubtype="4" fill="hold" grpId="0" nodeType="withEffect">
+                                  <p:stCondLst>
+                                    <p:cond delay="0"/>
+                                  </p:stCondLst>
+                                  <p:childTnLst>
+                                    <p:set>
+                                      <p:cBhvr>
+                                        <p:cTn id="34" dur="1" fill="hold">
+                                          <p:stCondLst>
+                                            <p:cond delay="0"/>
+                                          </p:stCondLst>
+                                        </p:cTn>
+                                        <p:tgtEl>
+                                          <p:spTgt spid="27"/>
+                                        </p:tgtEl>
+                                        <p:attrNameLst>
+                                          <p:attrName>style.visibility</p:attrName>
+                                        </p:attrNameLst>
+                                      </p:cBhvr>
+                                      <p:to>
+                                        <p:strVal val="visible"/>
+                                      </p:to>
+                                    </p:set>
+                                    <p:anim calcmode="lin" valueType="num">
+                                      <p:cBhvr additive="base">
+                                        <p:cTn id="35" dur="500" fill="hold"/>
+                                        <p:tgtEl>
+                                          <p:spTgt spid="27"/>
+                                        </p:tgtEl>
+                                        <p:attrNameLst>
+                                          <p:attrName>ppt_x</p:attrName>
+                                        </p:attrNameLst>
+                                      </p:cBhvr>
+                                      <p:tavLst>
+                                        <p:tav tm="0">
+                                          <p:val>
+                                            <p:strVal val="#ppt_x"/>
+                                          </p:val>
+                                        </p:tav>
+                                        <p:tav tm="100000">
+                                          <p:val>
+                                            <p:strVal val="#ppt_x"/>
+                                          </p:val>
+                                        </p:tav>
+                                      </p:tavLst>
+                                    </p:anim>
+                                    <p:anim calcmode="lin" valueType="num">
+                                      <p:cBhvr additive="base">
+                                        <p:cTn id="36" dur="500" fill="hold"/>
+                                        <p:tgtEl>
+                                          <p:spTgt spid="27"/>
+                                        </p:tgtEl>
+                                        <p:attrNameLst>
+                                          <p:attrName>ppt_y</p:attrName>
+                                        </p:attrNameLst>
+                                      </p:cBhvr>
+                                      <p:tavLst>
+                                        <p:tav tm="0">
+                                          <p:val>
+                                            <p:strVal val="1+#ppt_h/2"/>
+                                          </p:val>
+                                        </p:tav>
+                                        <p:tav tm="100000">
+                                          <p:val>
+                                            <p:strVal val="#ppt_y"/>
+                                          </p:val>
+                                        </p:tav>
+                                      </p:tavLst>
+                                    </p:anim>
+                                  </p:childTnLst>
+                                </p:cTn>
+                              </p:par>
+                            </p:childTnLst>
+                          </p:cTn>
+                        </p:par>
+                      </p:childTnLst>
+                    </p:cTn>
+                  </p:par>
+                  <p:par>
+                    <p:cTn id="37" fill="hold">
+                      <p:stCondLst>
+                        <p:cond delay="indefinite"/>
+                      </p:stCondLst>
+                      <p:childTnLst>
+                        <p:par>
+                          <p:cTn id="38" fill="hold">
+                            <p:stCondLst>
+                              <p:cond delay="0"/>
+                            </p:stCondLst>
+                            <p:childTnLst>
+                              <p:par>
+                                <p:cTn id="39" presetID="2" presetClass="entr" presetSubtype="4" fill="hold" nodeType="clickEffect">
+                                  <p:stCondLst>
+                                    <p:cond delay="0"/>
+                                  </p:stCondLst>
+                                  <p:childTnLst>
+                                    <p:set>
+                                      <p:cBhvr>
+                                        <p:cTn id="40" dur="1" fill="hold">
+                                          <p:stCondLst>
+                                            <p:cond delay="0"/>
+                                          </p:stCondLst>
+                                        </p:cTn>
+                                        <p:tgtEl>
+                                          <p:spTgt spid="7"/>
+                                        </p:tgtEl>
+                                        <p:attrNameLst>
+                                          <p:attrName>style.visibility</p:attrName>
+                                        </p:attrNameLst>
+                                      </p:cBhvr>
+                                      <p:to>
+                                        <p:strVal val="visible"/>
+                                      </p:to>
+                                    </p:set>
+                                    <p:anim calcmode="lin" valueType="num">
+                                      <p:cBhvr additive="base">
+                                        <p:cTn id="41" dur="500" fill="hold"/>
+                                        <p:tgtEl>
+                                          <p:spTgt spid="7"/>
+                                        </p:tgtEl>
+                                        <p:attrNameLst>
+                                          <p:attrName>ppt_x</p:attrName>
+                                        </p:attrNameLst>
+                                      </p:cBhvr>
+                                      <p:tavLst>
+                                        <p:tav tm="0">
+                                          <p:val>
+                                            <p:strVal val="#ppt_x"/>
+                                          </p:val>
+                                        </p:tav>
+                                        <p:tav tm="100000">
+                                          <p:val>
+                                            <p:strVal val="#ppt_x"/>
+                                          </p:val>
+                                        </p:tav>
+                                      </p:tavLst>
+                                    </p:anim>
+                                    <p:anim calcmode="lin" valueType="num">
+                                      <p:cBhvr additive="base">
+                                        <p:cTn id="42" dur="500" fill="hold"/>
+                                        <p:tgtEl>
+                                          <p:spTgt spid="7"/>
+                                        </p:tgtEl>
+                                        <p:attrNameLst>
+                                          <p:attrName>ppt_y</p:attrName>
+                                        </p:attrNameLst>
+                                      </p:cBhvr>
+                                      <p:tavLst>
+                                        <p:tav tm="0">
+                                          <p:val>
+                                            <p:strVal val="1+#ppt_h/2"/>
+                                          </p:val>
+                                        </p:tav>
+                                        <p:tav tm="100000">
+                                          <p:val>
+                                            <p:strVal val="#ppt_y"/>
+                                          </p:val>
+                                        </p:tav>
+                                      </p:tavLst>
+                                    </p:anim>
+                                  </p:childTnLst>
+                                </p:cTn>
+                              </p:par>
+                              <p:par>
+                                <p:cTn id="43" presetID="2" presetClass="entr" presetSubtype="4" fill="hold" grpId="0" nodeType="withEffect">
+                                  <p:stCondLst>
+                                    <p:cond delay="0"/>
+                                  </p:stCondLst>
+                                  <p:childTnLst>
+                                    <p:set>
+                                      <p:cBhvr>
+                                        <p:cTn id="44" dur="1" fill="hold">
+                                          <p:stCondLst>
+                                            <p:cond delay="0"/>
+                                          </p:stCondLst>
+                                        </p:cTn>
+                                        <p:tgtEl>
+                                          <p:spTgt spid="9"/>
+                                        </p:tgtEl>
+                                        <p:attrNameLst>
+                                          <p:attrName>style.visibility</p:attrName>
+                                        </p:attrNameLst>
+                                      </p:cBhvr>
+                                      <p:to>
+                                        <p:strVal val="visible"/>
+                                      </p:to>
+                                    </p:set>
+                                    <p:anim calcmode="lin" valueType="num">
+                                      <p:cBhvr additive="base">
+                                        <p:cTn id="45" dur="500" fill="hold"/>
+                                        <p:tgtEl>
+                                          <p:spTgt spid="9"/>
+                                        </p:tgtEl>
+                                        <p:attrNameLst>
+                                          <p:attrName>ppt_x</p:attrName>
+                                        </p:attrNameLst>
+                                      </p:cBhvr>
+                                      <p:tavLst>
+                                        <p:tav tm="0">
+                                          <p:val>
+                                            <p:strVal val="#ppt_x"/>
+                                          </p:val>
+                                        </p:tav>
+                                        <p:tav tm="100000">
+                                          <p:val>
+                                            <p:strVal val="#ppt_x"/>
+                                          </p:val>
+                                        </p:tav>
+                                      </p:tavLst>
+                                    </p:anim>
+                                    <p:anim calcmode="lin" valueType="num">
+                                      <p:cBhvr additive="base">
+                                        <p:cTn id="46" dur="500" fill="hold"/>
+                                        <p:tgtEl>
+                                          <p:spTgt spid="9"/>
+                                        </p:tgtEl>
+                                        <p:attrNameLst>
+                                          <p:attrName>ppt_y</p:attrName>
+                                        </p:attrNameLst>
+                                      </p:cBhvr>
+                                      <p:tavLst>
+                                        <p:tav tm="0">
+                                          <p:val>
+                                            <p:strVal val="1+#ppt_h/2"/>
+                                          </p:val>
+                                        </p:tav>
+                                        <p:tav tm="100000">
+                                          <p:val>
+                                            <p:strVal val="#ppt_y"/>
+                                          </p:val>
+                                        </p:tav>
+                                      </p:tavLst>
+                                    </p:anim>
+                                  </p:childTnLst>
+                                </p:cTn>
+                              </p:par>
+                              <p:par>
+                                <p:cTn id="47" presetID="2" presetClass="entr" presetSubtype="4" fill="hold" nodeType="withEffect">
+                                  <p:stCondLst>
+                                    <p:cond delay="0"/>
+                                  </p:stCondLst>
+                                  <p:childTnLst>
+                                    <p:set>
+                                      <p:cBhvr>
+                                        <p:cTn id="48" dur="1" fill="hold">
+                                          <p:stCondLst>
+                                            <p:cond delay="0"/>
+                                          </p:stCondLst>
+                                        </p:cTn>
+                                        <p:tgtEl>
+                                          <p:spTgt spid="55"/>
+                                        </p:tgtEl>
+                                        <p:attrNameLst>
+                                          <p:attrName>style.visibility</p:attrName>
+                                        </p:attrNameLst>
+                                      </p:cBhvr>
+                                      <p:to>
+                                        <p:strVal val="visible"/>
+                                      </p:to>
+                                    </p:set>
+                                    <p:anim calcmode="lin" valueType="num">
+                                      <p:cBhvr additive="base">
+                                        <p:cTn id="49" dur="500" fill="hold"/>
+                                        <p:tgtEl>
+                                          <p:spTgt spid="55"/>
+                                        </p:tgtEl>
+                                        <p:attrNameLst>
+                                          <p:attrName>ppt_x</p:attrName>
+                                        </p:attrNameLst>
+                                      </p:cBhvr>
+                                      <p:tavLst>
+                                        <p:tav tm="0">
+                                          <p:val>
+                                            <p:strVal val="#ppt_x"/>
+                                          </p:val>
+                                        </p:tav>
+                                        <p:tav tm="100000">
+                                          <p:val>
+                                            <p:strVal val="#ppt_x"/>
+                                          </p:val>
+                                        </p:tav>
+                                      </p:tavLst>
+                                    </p:anim>
+                                    <p:anim calcmode="lin" valueType="num">
+                                      <p:cBhvr additive="base">
+                                        <p:cTn id="50" dur="500" fill="hold"/>
+                                        <p:tgtEl>
+                                          <p:spTgt spid="55"/>
+                                        </p:tgtEl>
+                                        <p:attrNameLst>
+                                          <p:attrName>ppt_y</p:attrName>
+                                        </p:attrNameLst>
+                                      </p:cBhvr>
+                                      <p:tavLst>
+                                        <p:tav tm="0">
+                                          <p:val>
+                                            <p:strVal val="1+#ppt_h/2"/>
+                                          </p:val>
+                                        </p:tav>
+                                        <p:tav tm="100000">
+                                          <p:val>
+                                            <p:strVal val="#ppt_y"/>
+                                          </p:val>
+                                        </p:tav>
+                                      </p:tavLst>
+                                    </p:anim>
+                                  </p:childTnLst>
+                                </p:cTn>
+                              </p:par>
+                              <p:par>
+                                <p:cTn id="51" presetID="2" presetClass="entr" presetSubtype="4" fill="hold" nodeType="withEffect">
+                                  <p:stCondLst>
+                                    <p:cond delay="0"/>
+                                  </p:stCondLst>
+                                  <p:childTnLst>
+                                    <p:set>
+                                      <p:cBhvr>
+                                        <p:cTn id="52" dur="1" fill="hold">
+                                          <p:stCondLst>
+                                            <p:cond delay="0"/>
+                                          </p:stCondLst>
+                                        </p:cTn>
+                                        <p:tgtEl>
+                                          <p:spTgt spid="56"/>
+                                        </p:tgtEl>
+                                        <p:attrNameLst>
+                                          <p:attrName>style.visibility</p:attrName>
+                                        </p:attrNameLst>
+                                      </p:cBhvr>
+                                      <p:to>
+                                        <p:strVal val="visible"/>
+                                      </p:to>
+                                    </p:set>
+                                    <p:anim calcmode="lin" valueType="num">
+                                      <p:cBhvr additive="base">
+                                        <p:cTn id="53" dur="500" fill="hold"/>
+                                        <p:tgtEl>
+                                          <p:spTgt spid="56"/>
+                                        </p:tgtEl>
+                                        <p:attrNameLst>
+                                          <p:attrName>ppt_x</p:attrName>
+                                        </p:attrNameLst>
+                                      </p:cBhvr>
+                                      <p:tavLst>
+                                        <p:tav tm="0">
+                                          <p:val>
+                                            <p:strVal val="#ppt_x"/>
+                                          </p:val>
+                                        </p:tav>
+                                        <p:tav tm="100000">
+                                          <p:val>
+                                            <p:strVal val="#ppt_x"/>
+                                          </p:val>
+                                        </p:tav>
+                                      </p:tavLst>
+                                    </p:anim>
+                                    <p:anim calcmode="lin" valueType="num">
+                                      <p:cBhvr additive="base">
+                                        <p:cTn id="54" dur="500" fill="hold"/>
+                                        <p:tgtEl>
+                                          <p:spTgt spid="56"/>
+                                        </p:tgtEl>
+                                        <p:attrNameLst>
+                                          <p:attrName>ppt_y</p:attrName>
+                                        </p:attrNameLst>
+                                      </p:cBhvr>
+                                      <p:tavLst>
+                                        <p:tav tm="0">
+                                          <p:val>
+                                            <p:strVal val="1+#ppt_h/2"/>
+                                          </p:val>
+                                        </p:tav>
+                                        <p:tav tm="100000">
+                                          <p:val>
+                                            <p:strVal val="#ppt_y"/>
+                                          </p:val>
+                                        </p:tav>
+                                      </p:tavLst>
+                                    </p:anim>
+                                  </p:childTnLst>
+                                </p:cTn>
+                              </p:par>
+                              <p:par>
+                                <p:cTn id="55" presetID="2" presetClass="entr" presetSubtype="4" fill="hold" nodeType="withEffect">
+                                  <p:stCondLst>
+                                    <p:cond delay="0"/>
+                                  </p:stCondLst>
+                                  <p:childTnLst>
+                                    <p:set>
+                                      <p:cBhvr>
+                                        <p:cTn id="56" dur="1" fill="hold">
+                                          <p:stCondLst>
+                                            <p:cond delay="0"/>
+                                          </p:stCondLst>
+                                        </p:cTn>
+                                        <p:tgtEl>
+                                          <p:spTgt spid="61"/>
+                                        </p:tgtEl>
+                                        <p:attrNameLst>
+                                          <p:attrName>style.visibility</p:attrName>
+                                        </p:attrNameLst>
+                                      </p:cBhvr>
+                                      <p:to>
+                                        <p:strVal val="visible"/>
+                                      </p:to>
+                                    </p:set>
+                                    <p:anim calcmode="lin" valueType="num">
+                                      <p:cBhvr additive="base">
+                                        <p:cTn id="57" dur="500" fill="hold"/>
+                                        <p:tgtEl>
+                                          <p:spTgt spid="61"/>
+                                        </p:tgtEl>
+                                        <p:attrNameLst>
+                                          <p:attrName>ppt_x</p:attrName>
+                                        </p:attrNameLst>
+                                      </p:cBhvr>
+                                      <p:tavLst>
+                                        <p:tav tm="0">
+                                          <p:val>
+                                            <p:strVal val="#ppt_x"/>
+                                          </p:val>
+                                        </p:tav>
+                                        <p:tav tm="100000">
+                                          <p:val>
+                                            <p:strVal val="#ppt_x"/>
+                                          </p:val>
+                                        </p:tav>
+                                      </p:tavLst>
+                                    </p:anim>
+                                    <p:anim calcmode="lin" valueType="num">
+                                      <p:cBhvr additive="base">
+                                        <p:cTn id="58" dur="500" fill="hold"/>
+                                        <p:tgtEl>
+                                          <p:spTgt spid="61"/>
+                                        </p:tgtEl>
+                                        <p:attrNameLst>
+                                          <p:attrName>ppt_y</p:attrName>
+                                        </p:attrNameLst>
+                                      </p:cBhvr>
+                                      <p:tavLst>
+                                        <p:tav tm="0">
+                                          <p:val>
+                                            <p:strVal val="1+#ppt_h/2"/>
+                                          </p:val>
+                                        </p:tav>
+                                        <p:tav tm="100000">
+                                          <p:val>
+                                            <p:strVal val="#ppt_y"/>
+                                          </p:val>
+                                        </p:tav>
+                                      </p:tavLst>
+                                    </p:anim>
+                                  </p:childTnLst>
+                                </p:cTn>
+                              </p:par>
+                              <p:par>
+                                <p:cTn id="59" presetID="2" presetClass="entr" presetSubtype="4" fill="hold" nodeType="withEffect">
+                                  <p:stCondLst>
+                                    <p:cond delay="0"/>
+                                  </p:stCondLst>
+                                  <p:childTnLst>
+                                    <p:set>
+                                      <p:cBhvr>
+                                        <p:cTn id="60" dur="1" fill="hold">
+                                          <p:stCondLst>
+                                            <p:cond delay="0"/>
+                                          </p:stCondLst>
+                                        </p:cTn>
+                                        <p:tgtEl>
+                                          <p:spTgt spid="29"/>
+                                        </p:tgtEl>
+                                        <p:attrNameLst>
+                                          <p:attrName>style.visibility</p:attrName>
+                                        </p:attrNameLst>
+                                      </p:cBhvr>
+                                      <p:to>
+                                        <p:strVal val="visible"/>
+                                      </p:to>
+                                    </p:set>
+                                    <p:anim calcmode="lin" valueType="num">
+                                      <p:cBhvr additive="base">
+                                        <p:cTn id="61" dur="500" fill="hold"/>
+                                        <p:tgtEl>
+                                          <p:spTgt spid="29"/>
+                                        </p:tgtEl>
+                                        <p:attrNameLst>
+                                          <p:attrName>ppt_x</p:attrName>
+                                        </p:attrNameLst>
+                                      </p:cBhvr>
+                                      <p:tavLst>
+                                        <p:tav tm="0">
+                                          <p:val>
+                                            <p:strVal val="#ppt_x"/>
+                                          </p:val>
+                                        </p:tav>
+                                        <p:tav tm="100000">
+                                          <p:val>
+                                            <p:strVal val="#ppt_x"/>
+                                          </p:val>
+                                        </p:tav>
+                                      </p:tavLst>
+                                    </p:anim>
+                                    <p:anim calcmode="lin" valueType="num">
+                                      <p:cBhvr additive="base">
+                                        <p:cTn id="62" dur="500" fill="hold"/>
+                                        <p:tgtEl>
+                                          <p:spTgt spid="29"/>
+                                        </p:tgtEl>
+                                        <p:attrNameLst>
+                                          <p:attrName>ppt_y</p:attrName>
+                                        </p:attrNameLst>
+                                      </p:cBhvr>
+                                      <p:tavLst>
+                                        <p:tav tm="0">
+                                          <p:val>
+                                            <p:strVal val="1+#ppt_h/2"/>
+                                          </p:val>
+                                        </p:tav>
+                                        <p:tav tm="100000">
+                                          <p:val>
+                                            <p:strVal val="#ppt_y"/>
+                                          </p:val>
+                                        </p:tav>
+                                      </p:tavLst>
+                                    </p:anim>
+                                  </p:childTnLst>
+                                </p:cTn>
+                              </p:par>
+                              <p:par>
+                                <p:cTn id="63" presetID="2" presetClass="entr" presetSubtype="4" fill="hold" grpId="0" nodeType="withEffect">
+                                  <p:stCondLst>
+                                    <p:cond delay="0"/>
+                                  </p:stCondLst>
+                                  <p:childTnLst>
+                                    <p:set>
+                                      <p:cBhvr>
+                                        <p:cTn id="64" dur="1" fill="hold">
+                                          <p:stCondLst>
+                                            <p:cond delay="0"/>
+                                          </p:stCondLst>
+                                        </p:cTn>
+                                        <p:tgtEl>
+                                          <p:spTgt spid="30"/>
+                                        </p:tgtEl>
+                                        <p:attrNameLst>
+                                          <p:attrName>style.visibility</p:attrName>
+                                        </p:attrNameLst>
+                                      </p:cBhvr>
+                                      <p:to>
+                                        <p:strVal val="visible"/>
+                                      </p:to>
+                                    </p:set>
+                                    <p:anim calcmode="lin" valueType="num">
+                                      <p:cBhvr additive="base">
+                                        <p:cTn id="65" dur="500" fill="hold"/>
+                                        <p:tgtEl>
+                                          <p:spTgt spid="30"/>
+                                        </p:tgtEl>
+                                        <p:attrNameLst>
+                                          <p:attrName>ppt_x</p:attrName>
+                                        </p:attrNameLst>
+                                      </p:cBhvr>
+                                      <p:tavLst>
+                                        <p:tav tm="0">
+                                          <p:val>
+                                            <p:strVal val="#ppt_x"/>
+                                          </p:val>
+                                        </p:tav>
+                                        <p:tav tm="100000">
+                                          <p:val>
+                                            <p:strVal val="#ppt_x"/>
+                                          </p:val>
+                                        </p:tav>
+                                      </p:tavLst>
+                                    </p:anim>
+                                    <p:anim calcmode="lin" valueType="num">
+                                      <p:cBhvr additive="base">
+                                        <p:cTn id="66" dur="500" fill="hold"/>
+                                        <p:tgtEl>
+                                          <p:spTgt spid="30"/>
+                                        </p:tgtEl>
+                                        <p:attrNameLst>
+                                          <p:attrName>ppt_y</p:attrName>
+                                        </p:attrNameLst>
+                                      </p:cBhvr>
+                                      <p:tavLst>
+                                        <p:tav tm="0">
+                                          <p:val>
+                                            <p:strVal val="1+#ppt_h/2"/>
+                                          </p:val>
+                                        </p:tav>
+                                        <p:tav tm="100000">
+                                          <p:val>
+                                            <p:strVal val="#ppt_y"/>
+                                          </p:val>
+                                        </p:tav>
+                                      </p:tavLst>
+                                    </p:anim>
+                                  </p:childTnLst>
+                                </p:cTn>
+                              </p:par>
+                              <p:par>
+                                <p:cTn id="67" presetID="2" presetClass="entr" presetSubtype="4" fill="hold" nodeType="withEffect">
+                                  <p:stCondLst>
+                                    <p:cond delay="0"/>
+                                  </p:stCondLst>
+                                  <p:childTnLst>
+                                    <p:set>
+                                      <p:cBhvr>
+                                        <p:cTn id="68" dur="1" fill="hold">
+                                          <p:stCondLst>
+                                            <p:cond delay="0"/>
+                                          </p:stCondLst>
+                                        </p:cTn>
+                                        <p:tgtEl>
+                                          <p:spTgt spid="31"/>
+                                        </p:tgtEl>
+                                        <p:attrNameLst>
+                                          <p:attrName>style.visibility</p:attrName>
+                                        </p:attrNameLst>
+                                      </p:cBhvr>
+                                      <p:to>
+                                        <p:strVal val="visible"/>
+                                      </p:to>
+                                    </p:set>
+                                    <p:anim calcmode="lin" valueType="num">
+                                      <p:cBhvr additive="base">
+                                        <p:cTn id="69" dur="500" fill="hold"/>
+                                        <p:tgtEl>
+                                          <p:spTgt spid="31"/>
+                                        </p:tgtEl>
+                                        <p:attrNameLst>
+                                          <p:attrName>ppt_x</p:attrName>
+                                        </p:attrNameLst>
+                                      </p:cBhvr>
+                                      <p:tavLst>
+                                        <p:tav tm="0">
+                                          <p:val>
+                                            <p:strVal val="#ppt_x"/>
+                                          </p:val>
+                                        </p:tav>
+                                        <p:tav tm="100000">
+                                          <p:val>
+                                            <p:strVal val="#ppt_x"/>
+                                          </p:val>
+                                        </p:tav>
+                                      </p:tavLst>
+                                    </p:anim>
+                                    <p:anim calcmode="lin" valueType="num">
+                                      <p:cBhvr additive="base">
+                                        <p:cTn id="70" dur="500" fill="hold"/>
+                                        <p:tgtEl>
+                                          <p:spTgt spid="31"/>
+                                        </p:tgtEl>
+                                        <p:attrNameLst>
+                                          <p:attrName>ppt_y</p:attrName>
+                                        </p:attrNameLst>
+                                      </p:cBhvr>
+                                      <p:tavLst>
+                                        <p:tav tm="0">
+                                          <p:val>
+                                            <p:strVal val="1+#ppt_h/2"/>
+                                          </p:val>
+                                        </p:tav>
+                                        <p:tav tm="100000">
+                                          <p:val>
+                                            <p:strVal val="#ppt_y"/>
+                                          </p:val>
+                                        </p:tav>
+                                      </p:tavLst>
+                                    </p:anim>
+                                  </p:childTnLst>
+                                </p:cTn>
+                              </p:par>
+                              <p:par>
+                                <p:cTn id="71" presetID="2" presetClass="entr" presetSubtype="4" fill="hold" nodeType="withEffect">
+                                  <p:stCondLst>
+                                    <p:cond delay="0"/>
+                                  </p:stCondLst>
+                                  <p:childTnLst>
+                                    <p:set>
+                                      <p:cBhvr>
+                                        <p:cTn id="72" dur="1" fill="hold">
+                                          <p:stCondLst>
+                                            <p:cond delay="0"/>
+                                          </p:stCondLst>
+                                        </p:cTn>
+                                        <p:tgtEl>
+                                          <p:spTgt spid="34"/>
+                                        </p:tgtEl>
+                                        <p:attrNameLst>
+                                          <p:attrName>style.visibility</p:attrName>
+                                        </p:attrNameLst>
+                                      </p:cBhvr>
+                                      <p:to>
+                                        <p:strVal val="visible"/>
+                                      </p:to>
+                                    </p:set>
+                                    <p:anim calcmode="lin" valueType="num">
+                                      <p:cBhvr additive="base">
+                                        <p:cTn id="73" dur="500" fill="hold"/>
+                                        <p:tgtEl>
+                                          <p:spTgt spid="34"/>
+                                        </p:tgtEl>
+                                        <p:attrNameLst>
+                                          <p:attrName>ppt_x</p:attrName>
+                                        </p:attrNameLst>
+                                      </p:cBhvr>
+                                      <p:tavLst>
+                                        <p:tav tm="0">
+                                          <p:val>
+                                            <p:strVal val="#ppt_x"/>
+                                          </p:val>
+                                        </p:tav>
+                                        <p:tav tm="100000">
+                                          <p:val>
+                                            <p:strVal val="#ppt_x"/>
+                                          </p:val>
+                                        </p:tav>
+                                      </p:tavLst>
+                                    </p:anim>
+                                    <p:anim calcmode="lin" valueType="num">
+                                      <p:cBhvr additive="base">
+                                        <p:cTn id="74" dur="500" fill="hold"/>
+                                        <p:tgtEl>
+                                          <p:spTgt spid="34"/>
+                                        </p:tgtEl>
+                                        <p:attrNameLst>
+                                          <p:attrName>ppt_y</p:attrName>
+                                        </p:attrNameLst>
+                                      </p:cBhvr>
+                                      <p:tavLst>
+                                        <p:tav tm="0">
+                                          <p:val>
+                                            <p:strVal val="1+#ppt_h/2"/>
+                                          </p:val>
+                                        </p:tav>
+                                        <p:tav tm="100000">
+                                          <p:val>
+                                            <p:strVal val="#ppt_y"/>
+                                          </p:val>
+                                        </p:tav>
+                                      </p:tavLst>
+                                    </p:anim>
+                                  </p:childTnLst>
+                                </p:cTn>
+                              </p:par>
+                              <p:par>
+                                <p:cTn id="75" presetID="2" presetClass="entr" presetSubtype="4" fill="hold" nodeType="withEffect">
+                                  <p:stCondLst>
+                                    <p:cond delay="0"/>
+                                  </p:stCondLst>
+                                  <p:childTnLst>
+                                    <p:set>
+                                      <p:cBhvr>
+                                        <p:cTn id="76" dur="1" fill="hold">
+                                          <p:stCondLst>
+                                            <p:cond delay="0"/>
+                                          </p:stCondLst>
+                                        </p:cTn>
+                                        <p:tgtEl>
+                                          <p:spTgt spid="35"/>
+                                        </p:tgtEl>
+                                        <p:attrNameLst>
+                                          <p:attrName>style.visibility</p:attrName>
+                                        </p:attrNameLst>
+                                      </p:cBhvr>
+                                      <p:to>
+                                        <p:strVal val="visible"/>
+                                      </p:to>
+                                    </p:set>
+                                    <p:anim calcmode="lin" valueType="num">
+                                      <p:cBhvr additive="base">
+                                        <p:cTn id="77" dur="500" fill="hold"/>
+                                        <p:tgtEl>
+                                          <p:spTgt spid="35"/>
+                                        </p:tgtEl>
+                                        <p:attrNameLst>
+                                          <p:attrName>ppt_x</p:attrName>
+                                        </p:attrNameLst>
+                                      </p:cBhvr>
+                                      <p:tavLst>
+                                        <p:tav tm="0">
+                                          <p:val>
+                                            <p:strVal val="#ppt_x"/>
+                                          </p:val>
+                                        </p:tav>
+                                        <p:tav tm="100000">
+                                          <p:val>
+                                            <p:strVal val="#ppt_x"/>
+                                          </p:val>
+                                        </p:tav>
+                                      </p:tavLst>
+                                    </p:anim>
+                                    <p:anim calcmode="lin" valueType="num">
+                                      <p:cBhvr additive="base">
+                                        <p:cTn id="78" dur="500" fill="hold"/>
+                                        <p:tgtEl>
+                                          <p:spTgt spid="35"/>
+                                        </p:tgtEl>
+                                        <p:attrNameLst>
+                                          <p:attrName>ppt_y</p:attrName>
+                                        </p:attrNameLst>
+                                      </p:cBhvr>
+                                      <p:tavLst>
+                                        <p:tav tm="0">
+                                          <p:val>
+                                            <p:strVal val="1+#ppt_h/2"/>
+                                          </p:val>
+                                        </p:tav>
+                                        <p:tav tm="100000">
+                                          <p:val>
+                                            <p:strVal val="#ppt_y"/>
+                                          </p:val>
+                                        </p:tav>
+                                      </p:tavLst>
+                                    </p:anim>
+                                  </p:childTnLst>
+                                </p:cTn>
+                              </p:par>
+                              <p:par>
+                                <p:cTn id="79" presetID="2" presetClass="entr" presetSubtype="4" fill="hold" nodeType="withEffect">
+                                  <p:stCondLst>
+                                    <p:cond delay="0"/>
+                                  </p:stCondLst>
+                                  <p:childTnLst>
+                                    <p:set>
+                                      <p:cBhvr>
+                                        <p:cTn id="80" dur="1" fill="hold">
+                                          <p:stCondLst>
+                                            <p:cond delay="0"/>
+                                          </p:stCondLst>
+                                        </p:cTn>
+                                        <p:tgtEl>
+                                          <p:spTgt spid="17"/>
+                                        </p:tgtEl>
+                                        <p:attrNameLst>
+                                          <p:attrName>style.visibility</p:attrName>
+                                        </p:attrNameLst>
+                                      </p:cBhvr>
+                                      <p:to>
+                                        <p:strVal val="visible"/>
+                                      </p:to>
+                                    </p:set>
+                                    <p:anim calcmode="lin" valueType="num">
+                                      <p:cBhvr additive="base">
+                                        <p:cTn id="81" dur="500" fill="hold"/>
+                                        <p:tgtEl>
+                                          <p:spTgt spid="17"/>
+                                        </p:tgtEl>
+                                        <p:attrNameLst>
+                                          <p:attrName>ppt_x</p:attrName>
+                                        </p:attrNameLst>
+                                      </p:cBhvr>
+                                      <p:tavLst>
+                                        <p:tav tm="0">
+                                          <p:val>
+                                            <p:strVal val="#ppt_x"/>
+                                          </p:val>
+                                        </p:tav>
+                                        <p:tav tm="100000">
+                                          <p:val>
+                                            <p:strVal val="#ppt_x"/>
+                                          </p:val>
+                                        </p:tav>
+                                      </p:tavLst>
+                                    </p:anim>
+                                    <p:anim calcmode="lin" valueType="num">
+                                      <p:cBhvr additive="base">
+                                        <p:cTn id="82" dur="500" fill="hold"/>
+                                        <p:tgtEl>
+                                          <p:spTgt spid="17"/>
+                                        </p:tgtEl>
+                                        <p:attrNameLst>
+                                          <p:attrName>ppt_y</p:attrName>
+                                        </p:attrNameLst>
+                                      </p:cBhvr>
+                                      <p:tavLst>
+                                        <p:tav tm="0">
+                                          <p:val>
+                                            <p:strVal val="1+#ppt_h/2"/>
+                                          </p:val>
+                                        </p:tav>
+                                        <p:tav tm="100000">
+                                          <p:val>
+                                            <p:strVal val="#ppt_y"/>
+                                          </p:val>
+                                        </p:tav>
+                                      </p:tavLst>
+                                    </p:anim>
+                                  </p:childTnLst>
+                                </p:cTn>
+                              </p:par>
+                              <p:par>
+                                <p:cTn id="83" presetID="2" presetClass="entr" presetSubtype="4" fill="hold" nodeType="withEffect">
+                                  <p:stCondLst>
+                                    <p:cond delay="0"/>
+                                  </p:stCondLst>
+                                  <p:childTnLst>
+                                    <p:set>
+                                      <p:cBhvr>
+                                        <p:cTn id="84" dur="1" fill="hold">
+                                          <p:stCondLst>
+                                            <p:cond delay="0"/>
+                                          </p:stCondLst>
+                                        </p:cTn>
+                                        <p:tgtEl>
+                                          <p:spTgt spid="28"/>
+                                        </p:tgtEl>
+                                        <p:attrNameLst>
+                                          <p:attrName>style.visibility</p:attrName>
+                                        </p:attrNameLst>
+                                      </p:cBhvr>
+                                      <p:to>
+                                        <p:strVal val="visible"/>
+                                      </p:to>
+                                    </p:set>
+                                    <p:anim calcmode="lin" valueType="num">
+                                      <p:cBhvr additive="base">
+                                        <p:cTn id="85" dur="500" fill="hold"/>
+                                        <p:tgtEl>
+                                          <p:spTgt spid="28"/>
+                                        </p:tgtEl>
+                                        <p:attrNameLst>
+                                          <p:attrName>ppt_x</p:attrName>
+                                        </p:attrNameLst>
+                                      </p:cBhvr>
+                                      <p:tavLst>
+                                        <p:tav tm="0">
+                                          <p:val>
+                                            <p:strVal val="#ppt_x"/>
+                                          </p:val>
+                                        </p:tav>
+                                        <p:tav tm="100000">
+                                          <p:val>
+                                            <p:strVal val="#ppt_x"/>
+                                          </p:val>
+                                        </p:tav>
+                                      </p:tavLst>
+                                    </p:anim>
+                                    <p:anim calcmode="lin" valueType="num">
+                                      <p:cBhvr additive="base">
+                                        <p:cTn id="86" dur="500" fill="hold"/>
+                                        <p:tgtEl>
+                                          <p:spTgt spid="28"/>
+                                        </p:tgtEl>
+                                        <p:attrNameLst>
+                                          <p:attrName>ppt_y</p:attrName>
+                                        </p:attrNameLst>
+                                      </p:cBhvr>
+                                      <p:tavLst>
+                                        <p:tav tm="0">
+                                          <p:val>
+                                            <p:strVal val="1+#ppt_h/2"/>
+                                          </p:val>
+                                        </p:tav>
+                                        <p:tav tm="100000">
+                                          <p:val>
+                                            <p:strVal val="#ppt_y"/>
+                                          </p:val>
+                                        </p:tav>
+                                      </p:tavLst>
+                                    </p:anim>
+                                  </p:childTnLst>
+                                </p:cTn>
+                              </p:par>
+                            </p:childTnLst>
+                          </p:cTn>
+                        </p:par>
+                      </p:childTnLst>
+                    </p:cTn>
+                  </p:par>
+                  <p:par>
+                    <p:cTn id="87" fill="hold">
+                      <p:stCondLst>
+                        <p:cond delay="indefinite"/>
+                      </p:stCondLst>
+                      <p:childTnLst>
+                        <p:par>
+                          <p:cTn id="88" fill="hold">
+                            <p:stCondLst>
+                              <p:cond delay="0"/>
+                            </p:stCondLst>
+                            <p:childTnLst>
+                              <p:par>
+                                <p:cTn id="89" presetID="2" presetClass="entr" presetSubtype="4" fill="hold" nodeType="clickEffect">
+                                  <p:stCondLst>
+                                    <p:cond delay="0"/>
+                                  </p:stCondLst>
+                                  <p:childTnLst>
+                                    <p:set>
+                                      <p:cBhvr>
+                                        <p:cTn id="90" dur="1" fill="hold">
+                                          <p:stCondLst>
+                                            <p:cond delay="0"/>
+                                          </p:stCondLst>
+                                        </p:cTn>
+                                        <p:tgtEl>
+                                          <p:spTgt spid="10"/>
+                                        </p:tgtEl>
+                                        <p:attrNameLst>
+                                          <p:attrName>style.visibility</p:attrName>
+                                        </p:attrNameLst>
+                                      </p:cBhvr>
+                                      <p:to>
+                                        <p:strVal val="visible"/>
+                                      </p:to>
+                                    </p:set>
+                                    <p:anim calcmode="lin" valueType="num">
+                                      <p:cBhvr additive="base">
+                                        <p:cTn id="91" dur="500" fill="hold"/>
+                                        <p:tgtEl>
+                                          <p:spTgt spid="10"/>
+                                        </p:tgtEl>
+                                        <p:attrNameLst>
+                                          <p:attrName>ppt_x</p:attrName>
+                                        </p:attrNameLst>
+                                      </p:cBhvr>
+                                      <p:tavLst>
+                                        <p:tav tm="0">
+                                          <p:val>
+                                            <p:strVal val="#ppt_x"/>
+                                          </p:val>
+                                        </p:tav>
+                                        <p:tav tm="100000">
+                                          <p:val>
+                                            <p:strVal val="#ppt_x"/>
+                                          </p:val>
+                                        </p:tav>
+                                      </p:tavLst>
+                                    </p:anim>
+                                    <p:anim calcmode="lin" valueType="num">
+                                      <p:cBhvr additive="base">
+                                        <p:cTn id="92" dur="500" fill="hold"/>
+                                        <p:tgtEl>
+                                          <p:spTgt spid="10"/>
+                                        </p:tgtEl>
+                                        <p:attrNameLst>
+                                          <p:attrName>ppt_y</p:attrName>
+                                        </p:attrNameLst>
+                                      </p:cBhvr>
+                                      <p:tavLst>
+                                        <p:tav tm="0">
+                                          <p:val>
+                                            <p:strVal val="1+#ppt_h/2"/>
+                                          </p:val>
+                                        </p:tav>
+                                        <p:tav tm="100000">
+                                          <p:val>
+                                            <p:strVal val="#ppt_y"/>
+                                          </p:val>
+                                        </p:tav>
+                                      </p:tavLst>
+                                    </p:anim>
+                                  </p:childTnLst>
+                                </p:cTn>
+                              </p:par>
+                              <p:par>
+                                <p:cTn id="93" presetID="2" presetClass="entr" presetSubtype="4" fill="hold" nodeType="withEffect">
+                                  <p:stCondLst>
+                                    <p:cond delay="0"/>
+                                  </p:stCondLst>
+                                  <p:childTnLst>
+                                    <p:set>
+                                      <p:cBhvr>
+                                        <p:cTn id="94" dur="1" fill="hold">
+                                          <p:stCondLst>
+                                            <p:cond delay="0"/>
+                                          </p:stCondLst>
+                                        </p:cTn>
+                                        <p:tgtEl>
+                                          <p:spTgt spid="2054"/>
+                                        </p:tgtEl>
+                                        <p:attrNameLst>
+                                          <p:attrName>style.visibility</p:attrName>
+                                        </p:attrNameLst>
+                                      </p:cBhvr>
+                                      <p:to>
+                                        <p:strVal val="visible"/>
+                                      </p:to>
+                                    </p:set>
+                                    <p:anim calcmode="lin" valueType="num">
+                                      <p:cBhvr additive="base">
+                                        <p:cTn id="95" dur="500" fill="hold"/>
+                                        <p:tgtEl>
+                                          <p:spTgt spid="2054"/>
+                                        </p:tgtEl>
+                                        <p:attrNameLst>
+                                          <p:attrName>ppt_x</p:attrName>
+                                        </p:attrNameLst>
+                                      </p:cBhvr>
+                                      <p:tavLst>
+                                        <p:tav tm="0">
+                                          <p:val>
+                                            <p:strVal val="#ppt_x"/>
+                                          </p:val>
+                                        </p:tav>
+                                        <p:tav tm="100000">
+                                          <p:val>
+                                            <p:strVal val="#ppt_x"/>
+                                          </p:val>
+                                        </p:tav>
+                                      </p:tavLst>
+                                    </p:anim>
+                                    <p:anim calcmode="lin" valueType="num">
+                                      <p:cBhvr additive="base">
+                                        <p:cTn id="96" dur="500" fill="hold"/>
+                                        <p:tgtEl>
+                                          <p:spTgt spid="2054"/>
+                                        </p:tgtEl>
+                                        <p:attrNameLst>
+                                          <p:attrName>ppt_y</p:attrName>
+                                        </p:attrNameLst>
+                                      </p:cBhvr>
+                                      <p:tavLst>
+                                        <p:tav tm="0">
+                                          <p:val>
+                                            <p:strVal val="1+#ppt_h/2"/>
+                                          </p:val>
+                                        </p:tav>
+                                        <p:tav tm="100000">
+                                          <p:val>
+                                            <p:strVal val="#ppt_y"/>
+                                          </p:val>
+                                        </p:tav>
+                                      </p:tavLst>
+                                    </p:anim>
+                                  </p:childTnLst>
+                                </p:cTn>
+                              </p:par>
+                              <p:par>
+                                <p:cTn id="97" presetID="2" presetClass="entr" presetSubtype="4" fill="hold" nodeType="withEffect">
+                                  <p:stCondLst>
+                                    <p:cond delay="0"/>
+                                  </p:stCondLst>
+                                  <p:childTnLst>
+                                    <p:set>
+                                      <p:cBhvr>
+                                        <p:cTn id="98" dur="1" fill="hold">
+                                          <p:stCondLst>
+                                            <p:cond delay="0"/>
+                                          </p:stCondLst>
+                                        </p:cTn>
+                                        <p:tgtEl>
+                                          <p:spTgt spid="12"/>
+                                        </p:tgtEl>
+                                        <p:attrNameLst>
+                                          <p:attrName>style.visibility</p:attrName>
+                                        </p:attrNameLst>
+                                      </p:cBhvr>
+                                      <p:to>
+                                        <p:strVal val="visible"/>
+                                      </p:to>
+                                    </p:set>
+                                    <p:anim calcmode="lin" valueType="num">
+                                      <p:cBhvr additive="base">
+                                        <p:cTn id="99" dur="500" fill="hold"/>
+                                        <p:tgtEl>
+                                          <p:spTgt spid="12"/>
+                                        </p:tgtEl>
+                                        <p:attrNameLst>
+                                          <p:attrName>ppt_x</p:attrName>
+                                        </p:attrNameLst>
+                                      </p:cBhvr>
+                                      <p:tavLst>
+                                        <p:tav tm="0">
+                                          <p:val>
+                                            <p:strVal val="#ppt_x"/>
+                                          </p:val>
+                                        </p:tav>
+                                        <p:tav tm="100000">
+                                          <p:val>
+                                            <p:strVal val="#ppt_x"/>
+                                          </p:val>
+                                        </p:tav>
+                                      </p:tavLst>
+                                    </p:anim>
+                                    <p:anim calcmode="lin" valueType="num">
+                                      <p:cBhvr additive="base">
+                                        <p:cTn id="100" dur="500" fill="hold"/>
+                                        <p:tgtEl>
+                                          <p:spTgt spid="12"/>
+                                        </p:tgtEl>
+                                        <p:attrNameLst>
+                                          <p:attrName>ppt_y</p:attrName>
+                                        </p:attrNameLst>
+                                      </p:cBhvr>
+                                      <p:tavLst>
+                                        <p:tav tm="0">
+                                          <p:val>
+                                            <p:strVal val="1+#ppt_h/2"/>
+                                          </p:val>
+                                        </p:tav>
+                                        <p:tav tm="100000">
+                                          <p:val>
+                                            <p:strVal val="#ppt_y"/>
+                                          </p:val>
+                                        </p:tav>
+                                      </p:tavLst>
+                                    </p:anim>
+                                  </p:childTnLst>
+                                </p:cTn>
+                              </p:par>
+                              <p:par>
+                                <p:cTn id="101" presetID="2" presetClass="entr" presetSubtype="4" fill="hold" nodeType="withEffect">
+                                  <p:stCondLst>
+                                    <p:cond delay="0"/>
+                                  </p:stCondLst>
+                                  <p:childTnLst>
+                                    <p:set>
+                                      <p:cBhvr>
+                                        <p:cTn id="102" dur="1" fill="hold">
+                                          <p:stCondLst>
+                                            <p:cond delay="0"/>
+                                          </p:stCondLst>
+                                        </p:cTn>
+                                        <p:tgtEl>
+                                          <p:spTgt spid="22"/>
+                                        </p:tgtEl>
+                                        <p:attrNameLst>
+                                          <p:attrName>style.visibility</p:attrName>
+                                        </p:attrNameLst>
+                                      </p:cBhvr>
+                                      <p:to>
+                                        <p:strVal val="visible"/>
+                                      </p:to>
+                                    </p:set>
+                                    <p:anim calcmode="lin" valueType="num">
+                                      <p:cBhvr additive="base">
+                                        <p:cTn id="103" dur="500" fill="hold"/>
+                                        <p:tgtEl>
+                                          <p:spTgt spid="22"/>
+                                        </p:tgtEl>
+                                        <p:attrNameLst>
+                                          <p:attrName>ppt_x</p:attrName>
+                                        </p:attrNameLst>
+                                      </p:cBhvr>
+                                      <p:tavLst>
+                                        <p:tav tm="0">
+                                          <p:val>
+                                            <p:strVal val="#ppt_x"/>
+                                          </p:val>
+                                        </p:tav>
+                                        <p:tav tm="100000">
+                                          <p:val>
+                                            <p:strVal val="#ppt_x"/>
+                                          </p:val>
+                                        </p:tav>
+                                      </p:tavLst>
+                                    </p:anim>
+                                    <p:anim calcmode="lin" valueType="num">
+                                      <p:cBhvr additive="base">
+                                        <p:cTn id="104" dur="500" fill="hold"/>
+                                        <p:tgtEl>
+                                          <p:spTgt spid="22"/>
+                                        </p:tgtEl>
+                                        <p:attrNameLst>
+                                          <p:attrName>ppt_y</p:attrName>
+                                        </p:attrNameLst>
+                                      </p:cBhvr>
+                                      <p:tavLst>
+                                        <p:tav tm="0">
+                                          <p:val>
+                                            <p:strVal val="1+#ppt_h/2"/>
+                                          </p:val>
+                                        </p:tav>
+                                        <p:tav tm="100000">
+                                          <p:val>
+                                            <p:strVal val="#ppt_y"/>
+                                          </p:val>
+                                        </p:tav>
+                                      </p:tavLst>
+                                    </p:anim>
+                                  </p:childTnLst>
+                                </p:cTn>
+                              </p:par>
+                              <p:par>
+                                <p:cTn id="105" presetID="2" presetClass="entr" presetSubtype="4" fill="hold" nodeType="withEffect">
+                                  <p:stCondLst>
+                                    <p:cond delay="0"/>
+                                  </p:stCondLst>
+                                  <p:childTnLst>
+                                    <p:set>
+                                      <p:cBhvr>
+                                        <p:cTn id="106" dur="1" fill="hold">
+                                          <p:stCondLst>
+                                            <p:cond delay="0"/>
+                                          </p:stCondLst>
+                                        </p:cTn>
+                                        <p:tgtEl>
+                                          <p:spTgt spid="32"/>
+                                        </p:tgtEl>
+                                        <p:attrNameLst>
+                                          <p:attrName>style.visibility</p:attrName>
+                                        </p:attrNameLst>
+                                      </p:cBhvr>
+                                      <p:to>
+                                        <p:strVal val="visible"/>
+                                      </p:to>
+                                    </p:set>
+                                    <p:anim calcmode="lin" valueType="num">
+                                      <p:cBhvr additive="base">
+                                        <p:cTn id="107" dur="500" fill="hold"/>
+                                        <p:tgtEl>
+                                          <p:spTgt spid="32"/>
+                                        </p:tgtEl>
+                                        <p:attrNameLst>
+                                          <p:attrName>ppt_x</p:attrName>
+                                        </p:attrNameLst>
+                                      </p:cBhvr>
+                                      <p:tavLst>
+                                        <p:tav tm="0">
+                                          <p:val>
+                                            <p:strVal val="#ppt_x"/>
+                                          </p:val>
+                                        </p:tav>
+                                        <p:tav tm="100000">
+                                          <p:val>
+                                            <p:strVal val="#ppt_x"/>
+                                          </p:val>
+                                        </p:tav>
+                                      </p:tavLst>
+                                    </p:anim>
+                                    <p:anim calcmode="lin" valueType="num">
+                                      <p:cBhvr additive="base">
+                                        <p:cTn id="108" dur="500" fill="hold"/>
+                                        <p:tgtEl>
+                                          <p:spTgt spid="32"/>
+                                        </p:tgtEl>
+                                        <p:attrNameLst>
+                                          <p:attrName>ppt_y</p:attrName>
+                                        </p:attrNameLst>
+                                      </p:cBhvr>
+                                      <p:tavLst>
+                                        <p:tav tm="0">
+                                          <p:val>
+                                            <p:strVal val="1+#ppt_h/2"/>
+                                          </p:val>
+                                        </p:tav>
+                                        <p:tav tm="100000">
+                                          <p:val>
+                                            <p:strVal val="#ppt_y"/>
+                                          </p:val>
+                                        </p:tav>
+                                      </p:tavLst>
+                                    </p:anim>
+                                  </p:childTnLst>
+                                </p:cTn>
+                              </p:par>
+                              <p:par>
+                                <p:cTn id="109" presetID="2" presetClass="entr" presetSubtype="4" fill="hold" nodeType="withEffect">
+                                  <p:stCondLst>
+                                    <p:cond delay="0"/>
+                                  </p:stCondLst>
+                                  <p:childTnLst>
+                                    <p:set>
+                                      <p:cBhvr>
+                                        <p:cTn id="110" dur="1" fill="hold">
+                                          <p:stCondLst>
+                                            <p:cond delay="0"/>
+                                          </p:stCondLst>
+                                        </p:cTn>
+                                        <p:tgtEl>
+                                          <p:spTgt spid="33"/>
+                                        </p:tgtEl>
+                                        <p:attrNameLst>
+                                          <p:attrName>style.visibility</p:attrName>
+                                        </p:attrNameLst>
+                                      </p:cBhvr>
+                                      <p:to>
+                                        <p:strVal val="visible"/>
+                                      </p:to>
+                                    </p:set>
+                                    <p:anim calcmode="lin" valueType="num">
+                                      <p:cBhvr additive="base">
+                                        <p:cTn id="111" dur="500" fill="hold"/>
+                                        <p:tgtEl>
+                                          <p:spTgt spid="33"/>
+                                        </p:tgtEl>
+                                        <p:attrNameLst>
+                                          <p:attrName>ppt_x</p:attrName>
+                                        </p:attrNameLst>
+                                      </p:cBhvr>
+                                      <p:tavLst>
+                                        <p:tav tm="0">
+                                          <p:val>
+                                            <p:strVal val="#ppt_x"/>
+                                          </p:val>
+                                        </p:tav>
+                                        <p:tav tm="100000">
+                                          <p:val>
+                                            <p:strVal val="#ppt_x"/>
+                                          </p:val>
+                                        </p:tav>
+                                      </p:tavLst>
+                                    </p:anim>
+                                    <p:anim calcmode="lin" valueType="num">
+                                      <p:cBhvr additive="base">
+                                        <p:cTn id="112" dur="500" fill="hold"/>
+                                        <p:tgtEl>
+                                          <p:spTgt spid="33"/>
+                                        </p:tgtEl>
+                                        <p:attrNameLst>
+                                          <p:attrName>ppt_y</p:attrName>
+                                        </p:attrNameLst>
+                                      </p:cBhvr>
+                                      <p:tavLst>
+                                        <p:tav tm="0">
+                                          <p:val>
+                                            <p:strVal val="1+#ppt_h/2"/>
+                                          </p:val>
+                                        </p:tav>
+                                        <p:tav tm="100000">
+                                          <p:val>
+                                            <p:strVal val="#ppt_y"/>
+                                          </p:val>
+                                        </p:tav>
+                                      </p:tavLst>
+                                    </p:anim>
+                                  </p:childTnLst>
+                                </p:cTn>
+                              </p:par>
+                              <p:par>
+                                <p:cTn id="113" presetID="2" presetClass="entr" presetSubtype="4" fill="hold" grpId="0" nodeType="withEffect">
+                                  <p:stCondLst>
+                                    <p:cond delay="0"/>
+                                  </p:stCondLst>
+                                  <p:childTnLst>
+                                    <p:set>
+                                      <p:cBhvr>
+                                        <p:cTn id="114" dur="1" fill="hold">
+                                          <p:stCondLst>
+                                            <p:cond delay="0"/>
+                                          </p:stCondLst>
+                                        </p:cTn>
+                                        <p:tgtEl>
+                                          <p:spTgt spid="80"/>
+                                        </p:tgtEl>
+                                        <p:attrNameLst>
+                                          <p:attrName>style.visibility</p:attrName>
+                                        </p:attrNameLst>
+                                      </p:cBhvr>
+                                      <p:to>
+                                        <p:strVal val="visible"/>
+                                      </p:to>
+                                    </p:set>
+                                    <p:anim calcmode="lin" valueType="num">
+                                      <p:cBhvr additive="base">
+                                        <p:cTn id="115" dur="500" fill="hold"/>
+                                        <p:tgtEl>
+                                          <p:spTgt spid="80"/>
+                                        </p:tgtEl>
+                                        <p:attrNameLst>
+                                          <p:attrName>ppt_x</p:attrName>
+                                        </p:attrNameLst>
+                                      </p:cBhvr>
+                                      <p:tavLst>
+                                        <p:tav tm="0">
+                                          <p:val>
+                                            <p:strVal val="#ppt_x"/>
+                                          </p:val>
+                                        </p:tav>
+                                        <p:tav tm="100000">
+                                          <p:val>
+                                            <p:strVal val="#ppt_x"/>
+                                          </p:val>
+                                        </p:tav>
+                                      </p:tavLst>
+                                    </p:anim>
+                                    <p:anim calcmode="lin" valueType="num">
+                                      <p:cBhvr additive="base">
+                                        <p:cTn id="116" dur="500" fill="hold"/>
+                                        <p:tgtEl>
+                                          <p:spTgt spid="80"/>
+                                        </p:tgtEl>
+                                        <p:attrNameLst>
+                                          <p:attrName>ppt_y</p:attrName>
+                                        </p:attrNameLst>
+                                      </p:cBhvr>
+                                      <p:tavLst>
+                                        <p:tav tm="0">
+                                          <p:val>
+                                            <p:strVal val="1+#ppt_h/2"/>
+                                          </p:val>
+                                        </p:tav>
+                                        <p:tav tm="100000">
+                                          <p:val>
+                                            <p:strVal val="#ppt_y"/>
+                                          </p:val>
+                                        </p:tav>
+                                      </p:tavLst>
+                                    </p:anim>
+                                  </p:childTnLst>
+                                </p:cTn>
+                              </p:par>
+                              <p:par>
+                                <p:cTn id="117" presetID="2" presetClass="entr" presetSubtype="4" fill="hold" grpId="0" nodeType="withEffect">
+                                  <p:stCondLst>
+                                    <p:cond delay="0"/>
+                                  </p:stCondLst>
+                                  <p:childTnLst>
+                                    <p:set>
+                                      <p:cBhvr>
+                                        <p:cTn id="118" dur="1" fill="hold">
+                                          <p:stCondLst>
+                                            <p:cond delay="0"/>
+                                          </p:stCondLst>
+                                        </p:cTn>
+                                        <p:tgtEl>
+                                          <p:spTgt spid="81"/>
+                                        </p:tgtEl>
+                                        <p:attrNameLst>
+                                          <p:attrName>style.visibility</p:attrName>
+                                        </p:attrNameLst>
+                                      </p:cBhvr>
+                                      <p:to>
+                                        <p:strVal val="visible"/>
+                                      </p:to>
+                                    </p:set>
+                                    <p:anim calcmode="lin" valueType="num">
+                                      <p:cBhvr additive="base">
+                                        <p:cTn id="119" dur="500" fill="hold"/>
+                                        <p:tgtEl>
+                                          <p:spTgt spid="81"/>
+                                        </p:tgtEl>
+                                        <p:attrNameLst>
+                                          <p:attrName>ppt_x</p:attrName>
+                                        </p:attrNameLst>
+                                      </p:cBhvr>
+                                      <p:tavLst>
+                                        <p:tav tm="0">
+                                          <p:val>
+                                            <p:strVal val="#ppt_x"/>
+                                          </p:val>
+                                        </p:tav>
+                                        <p:tav tm="100000">
+                                          <p:val>
+                                            <p:strVal val="#ppt_x"/>
+                                          </p:val>
+                                        </p:tav>
+                                      </p:tavLst>
+                                    </p:anim>
+                                    <p:anim calcmode="lin" valueType="num">
+                                      <p:cBhvr additive="base">
+                                        <p:cTn id="120" dur="500" fill="hold"/>
+                                        <p:tgtEl>
+                                          <p:spTgt spid="81"/>
+                                        </p:tgtEl>
+                                        <p:attrNameLst>
+                                          <p:attrName>ppt_y</p:attrName>
+                                        </p:attrNameLst>
+                                      </p:cBhvr>
+                                      <p:tavLst>
+                                        <p:tav tm="0">
+                                          <p:val>
+                                            <p:strVal val="1+#ppt_h/2"/>
+                                          </p:val>
+                                        </p:tav>
+                                        <p:tav tm="100000">
+                                          <p:val>
+                                            <p:strVal val="#ppt_y"/>
+                                          </p:val>
+                                        </p:tav>
+                                      </p:tavLst>
+                                    </p:anim>
+                                  </p:childTnLst>
+                                </p:cTn>
+                              </p:par>
+                              <p:par>
+                                <p:cTn id="121" presetID="2" presetClass="entr" presetSubtype="4" fill="hold" grpId="0" nodeType="withEffect">
+                                  <p:stCondLst>
+                                    <p:cond delay="0"/>
+                                  </p:stCondLst>
+                                  <p:childTnLst>
+                                    <p:set>
+                                      <p:cBhvr>
+                                        <p:cTn id="122" dur="1" fill="hold">
+                                          <p:stCondLst>
+                                            <p:cond delay="0"/>
+                                          </p:stCondLst>
+                                        </p:cTn>
+                                        <p:tgtEl>
+                                          <p:spTgt spid="82"/>
+                                        </p:tgtEl>
+                                        <p:attrNameLst>
+                                          <p:attrName>style.visibility</p:attrName>
+                                        </p:attrNameLst>
+                                      </p:cBhvr>
+                                      <p:to>
+                                        <p:strVal val="visible"/>
+                                      </p:to>
+                                    </p:set>
+                                    <p:anim calcmode="lin" valueType="num">
+                                      <p:cBhvr additive="base">
+                                        <p:cTn id="123" dur="500" fill="hold"/>
+                                        <p:tgtEl>
+                                          <p:spTgt spid="82"/>
+                                        </p:tgtEl>
+                                        <p:attrNameLst>
+                                          <p:attrName>ppt_x</p:attrName>
+                                        </p:attrNameLst>
+                                      </p:cBhvr>
+                                      <p:tavLst>
+                                        <p:tav tm="0">
+                                          <p:val>
+                                            <p:strVal val="#ppt_x"/>
+                                          </p:val>
+                                        </p:tav>
+                                        <p:tav tm="100000">
+                                          <p:val>
+                                            <p:strVal val="#ppt_x"/>
+                                          </p:val>
+                                        </p:tav>
+                                      </p:tavLst>
+                                    </p:anim>
+                                    <p:anim calcmode="lin" valueType="num">
+                                      <p:cBhvr additive="base">
+                                        <p:cTn id="124" dur="500" fill="hold"/>
+                                        <p:tgtEl>
+                                          <p:spTgt spid="82"/>
+                                        </p:tgtEl>
+                                        <p:attrNameLst>
+                                          <p:attrName>ppt_y</p:attrName>
+                                        </p:attrNameLst>
+                                      </p:cBhvr>
+                                      <p:tavLst>
+                                        <p:tav tm="0">
+                                          <p:val>
+                                            <p:strVal val="1+#ppt_h/2"/>
+                                          </p:val>
+                                        </p:tav>
+                                        <p:tav tm="100000">
+                                          <p:val>
+                                            <p:strVal val="#ppt_y"/>
+                                          </p:val>
+                                        </p:tav>
+                                      </p:tavLst>
+                                    </p:anim>
+                                  </p:childTnLst>
+                                </p:cTn>
+                              </p:par>
+                            </p:childTnLst>
+                          </p:cTn>
+                        </p:par>
+                      </p:childTnLst>
+                    </p:cTn>
+                  </p:par>
+                </p:childTnLst>
+              </p:cTn>
+              <p:prevCondLst>
+                <p:cond evt="onPrev" delay="0">
+                  <p:tgtEl>
+                    <p:sldTgt/>
+                  </p:tgtEl>
+                </p:cond>
+              </p:prevCondLst>
+              <p:nextCondLst>
+                <p:cond evt="onNext" delay="0">
+                  <p:tgtEl>
+                    <p:sldTgt/>
+                  </p:tgtEl>
+                </p:cond>
+              </p:nextCondLst>
+            </p:seq>
+          </p:childTnLst>
+        </p:cTn>
+      </p:par>
+    </p:tnLst>
+    <p:bldLst>
+      <p:bldP spid="9" grpId="0"/>
+      <p:bldP spid="49" grpId="0"/>
+      <p:bldP spid="67" grpId="0"/>
+      <p:bldP spid="78" grpId="0"/>
+      <p:bldP spid="80" grpId="0"/>
+      <p:bldP spid="81" grpId="0"/>
+      <p:bldP spid="82" grpId="0"/>
+      <p:bldP spid="30" grpId="0"/>
+      <p:bldP spid="27" grpId="0"/>
+    </p:bldLst>
+  </p:timing>
 </p:sld>
 </file>
 

--- a/Дипломная работа/Диплом/Презентация.pptx
+++ b/Дипломная работа/Диплом/Презентация.pptx
@@ -22,9 +22,9 @@
     <p:sldId id="323" r:id="rId13"/>
     <p:sldId id="286" r:id="rId14"/>
     <p:sldId id="322" r:id="rId15"/>
-    <p:sldId id="326" r:id="rId16"/>
-    <p:sldId id="289" r:id="rId17"/>
-    <p:sldId id="309" r:id="rId18"/>
+    <p:sldId id="309" r:id="rId16"/>
+    <p:sldId id="326" r:id="rId17"/>
+    <p:sldId id="289" r:id="rId18"/>
     <p:sldId id="313" r:id="rId19"/>
     <p:sldId id="274" r:id="rId20"/>
     <p:sldId id="287" r:id="rId21"/>
@@ -217,7 +217,7 @@
           <a:p>
             <a:fld id="{0752C715-6935-41AD-9984-2334D42D2383}" type="datetimeFigureOut">
               <a:rPr lang="ru-RU" smtClean="0"/>
-              <a:t>21.06.2025</a:t>
+              <a:t>24.06.2025</a:t>
             </a:fld>
             <a:endParaRPr lang="ru-RU"/>
           </a:p>
@@ -1290,7 +1290,7 @@
                 <a:ea typeface="+mn-ea"/>
                 <a:cs typeface="+mn-cs"/>
               </a:rPr>
-              <a:t>Система была внедрена в «Региональный школьный технопарк» 14 апреля 2025 года. Соответствующий акт о внедрении представлен на слайде.</a:t>
+              <a:t>на данном слайде отображены основные разработанные интерфейсы системы.</a:t>
             </a:r>
           </a:p>
           <a:p>
@@ -1324,7 +1324,7 @@
     </p:spTree>
     <p:extLst>
       <p:ext uri="{BB962C8B-B14F-4D97-AF65-F5344CB8AC3E}">
-        <p14:creationId xmlns:p14="http://schemas.microsoft.com/office/powerpoint/2010/main" val="2373569316"/>
+        <p14:creationId xmlns:p14="http://schemas.microsoft.com/office/powerpoint/2010/main" val="2145265479"/>
       </p:ext>
     </p:extLst>
   </p:cSld>
@@ -1405,7 +1405,7 @@
                 <a:ea typeface="+mn-ea"/>
                 <a:cs typeface="+mn-cs"/>
               </a:rPr>
-              <a:t>На данном слайде отображены основные сведения о разработанном программном продукте и средствах разработки. </a:t>
+              <a:t>Система была внедрена в «Региональный школьный технопарк» 14 апреля 2025 года. Соответствующий акт о внедрении представлен на слайде.</a:t>
             </a:r>
           </a:p>
           <a:p>
@@ -1439,7 +1439,7 @@
     </p:spTree>
     <p:extLst>
       <p:ext uri="{BB962C8B-B14F-4D97-AF65-F5344CB8AC3E}">
-        <p14:creationId xmlns:p14="http://schemas.microsoft.com/office/powerpoint/2010/main" val="2309492035"/>
+        <p14:creationId xmlns:p14="http://schemas.microsoft.com/office/powerpoint/2010/main" val="2373569316"/>
       </p:ext>
     </p:extLst>
   </p:cSld>
@@ -1520,7 +1520,7 @@
                 <a:ea typeface="+mn-ea"/>
                 <a:cs typeface="+mn-cs"/>
               </a:rPr>
-              <a:t>на данном слайде отображены основные разработанные интерфейсы системы.</a:t>
+              <a:t>На данном слайде отображены основные сведения о разработанном программном продукте и средствах разработки. </a:t>
             </a:r>
           </a:p>
           <a:p>
@@ -1554,7 +1554,7 @@
     </p:spTree>
     <p:extLst>
       <p:ext uri="{BB962C8B-B14F-4D97-AF65-F5344CB8AC3E}">
-        <p14:creationId xmlns:p14="http://schemas.microsoft.com/office/powerpoint/2010/main" val="2145265479"/>
+        <p14:creationId xmlns:p14="http://schemas.microsoft.com/office/powerpoint/2010/main" val="2309492035"/>
       </p:ext>
     </p:extLst>
   </p:cSld>
@@ -3280,7 +3280,7 @@
           <a:p>
             <a:fld id="{A592AB9E-B3E0-40A8-9D13-59617F3F8A64}" type="datetime1">
               <a:rPr lang="ru-RU" smtClean="0"/>
-              <a:t>21.06.2025</a:t>
+              <a:t>24.06.2025</a:t>
             </a:fld>
             <a:endParaRPr lang="ru-RU"/>
           </a:p>
@@ -3626,7 +3626,7 @@
           <a:p>
             <a:fld id="{5417B1CA-4C4F-4F8D-803D-8A6A8A906241}" type="datetime1">
               <a:rPr lang="ru-RU" smtClean="0"/>
-              <a:t>21.06.2025</a:t>
+              <a:t>24.06.2025</a:t>
             </a:fld>
             <a:endParaRPr lang="ru-RU"/>
           </a:p>
@@ -3904,7 +3904,7 @@
           <a:p>
             <a:fld id="{82CFFC90-8D51-4E14-AFBA-129AE5402BF2}" type="datetime1">
               <a:rPr lang="ru-RU" smtClean="0"/>
-              <a:t>21.06.2025</a:t>
+              <a:t>24.06.2025</a:t>
             </a:fld>
             <a:endParaRPr lang="ru-RU"/>
           </a:p>
@@ -4472,7 +4472,7 @@
           <a:p>
             <a:fld id="{EA467253-3793-4A20-98DF-36EA880F85F5}" type="datetime1">
               <a:rPr lang="ru-RU" smtClean="0"/>
-              <a:t>21.06.2025</a:t>
+              <a:t>24.06.2025</a:t>
             </a:fld>
             <a:endParaRPr lang="ru-RU"/>
           </a:p>
@@ -4750,7 +4750,7 @@
           <a:p>
             <a:fld id="{D83AF644-49BB-4732-B227-064E7E8E9B75}" type="datetime1">
               <a:rPr lang="ru-RU" smtClean="0"/>
-              <a:t>21.06.2025</a:t>
+              <a:t>24.06.2025</a:t>
             </a:fld>
             <a:endParaRPr lang="ru-RU"/>
           </a:p>
@@ -5312,7 +5312,7 @@
           <a:p>
             <a:fld id="{93741DF7-081A-43E1-AEC0-7A6A5EFC3E04}" type="datetime1">
               <a:rPr lang="ru-RU" smtClean="0"/>
-              <a:t>21.06.2025</a:t>
+              <a:t>24.06.2025</a:t>
             </a:fld>
             <a:endParaRPr lang="ru-RU"/>
           </a:p>
@@ -5639,7 +5639,7 @@
           <a:p>
             <a:fld id="{60804587-5AD3-4566-AED6-7C5642B16C64}" type="datetime1">
               <a:rPr lang="ru-RU" smtClean="0"/>
-              <a:t>21.06.2025</a:t>
+              <a:t>24.06.2025</a:t>
             </a:fld>
             <a:endParaRPr lang="ru-RU"/>
           </a:p>
@@ -5816,7 +5816,7 @@
           <a:p>
             <a:fld id="{AF148D8C-8A56-4364-A29B-FC848D70BD3E}" type="datetime1">
               <a:rPr lang="ru-RU" smtClean="0"/>
-              <a:t>21.06.2025</a:t>
+              <a:t>24.06.2025</a:t>
             </a:fld>
             <a:endParaRPr lang="ru-RU"/>
           </a:p>
@@ -6066,7 +6066,7 @@
           <a:p>
             <a:fld id="{1F560C62-4747-4C40-80B5-9506A6478873}" type="datetime1">
               <a:rPr lang="ru-RU" smtClean="0"/>
-              <a:t>21.06.2025</a:t>
+              <a:t>24.06.2025</a:t>
             </a:fld>
             <a:endParaRPr lang="ru-RU"/>
           </a:p>
@@ -6278,7 +6278,7 @@
           <a:p>
             <a:fld id="{655C5391-6D11-49BE-9D35-F1852430608C}" type="datetime1">
               <a:rPr lang="ru-RU" smtClean="0"/>
-              <a:t>21.06.2025</a:t>
+              <a:t>24.06.2025</a:t>
             </a:fld>
             <a:endParaRPr lang="ru-RU"/>
           </a:p>
@@ -6566,7 +6566,7 @@
           <a:p>
             <a:fld id="{D1B7E046-787A-42F0-988E-D94C46E094ED}" type="datetime1">
               <a:rPr lang="ru-RU" smtClean="0"/>
-              <a:t>21.06.2025</a:t>
+              <a:t>24.06.2025</a:t>
             </a:fld>
             <a:endParaRPr lang="ru-RU"/>
           </a:p>
@@ -6844,7 +6844,7 @@
           <a:p>
             <a:fld id="{1DEF2D25-E9E1-4E54-81F0-1D2FE8854B0E}" type="datetime1">
               <a:rPr lang="ru-RU" smtClean="0"/>
-              <a:t>21.06.2025</a:t>
+              <a:t>24.06.2025</a:t>
             </a:fld>
             <a:endParaRPr lang="ru-RU"/>
           </a:p>
@@ -7230,7 +7230,7 @@
           <a:p>
             <a:fld id="{2D559C09-903E-4473-BBE2-D44EED2E9BB9}" type="datetime1">
               <a:rPr lang="ru-RU" smtClean="0"/>
-              <a:t>21.06.2025</a:t>
+              <a:t>24.06.2025</a:t>
             </a:fld>
             <a:endParaRPr lang="ru-RU"/>
           </a:p>
@@ -7390,7 +7390,7 @@
           <a:p>
             <a:fld id="{5DEFB42A-193B-4E6D-9002-E4C3450AA4B1}" type="datetime1">
               <a:rPr lang="ru-RU" smtClean="0"/>
-              <a:t>21.06.2025</a:t>
+              <a:t>24.06.2025</a:t>
             </a:fld>
             <a:endParaRPr lang="ru-RU"/>
           </a:p>
@@ -7527,7 +7527,7 @@
           <a:p>
             <a:fld id="{B780A1C7-BCFA-4491-ABEA-F198E9E80238}" type="datetime1">
               <a:rPr lang="ru-RU" smtClean="0"/>
-              <a:t>21.06.2025</a:t>
+              <a:t>24.06.2025</a:t>
             </a:fld>
             <a:endParaRPr lang="ru-RU"/>
           </a:p>
@@ -7824,7 +7824,7 @@
           <a:p>
             <a:fld id="{6B7D87D1-A00E-4856-B035-ABE302A2367C}" type="datetime1">
               <a:rPr lang="ru-RU" smtClean="0"/>
-              <a:t>21.06.2025</a:t>
+              <a:t>24.06.2025</a:t>
             </a:fld>
             <a:endParaRPr lang="ru-RU"/>
           </a:p>
@@ -8160,7 +8160,7 @@
           <a:p>
             <a:fld id="{95982220-A412-481B-B026-9F63F21200E0}" type="datetime1">
               <a:rPr lang="ru-RU" smtClean="0"/>
-              <a:t>21.06.2025</a:t>
+              <a:t>24.06.2025</a:t>
             </a:fld>
             <a:endParaRPr lang="ru-RU"/>
           </a:p>
@@ -8386,7 +8386,7 @@
           <a:p>
             <a:fld id="{CBF3DBF7-CC75-4132-A774-E3960ACCECD6}" type="datetime1">
               <a:rPr lang="ru-RU" smtClean="0"/>
-              <a:t>21.06.2025</a:t>
+              <a:t>24.06.2025</a:t>
             </a:fld>
             <a:endParaRPr lang="ru-RU"/>
           </a:p>
@@ -22175,1632 +22175,6 @@
       </p:grpSpPr>
       <p:sp>
         <p:nvSpPr>
-          <p:cNvPr id="2" name="Заголовок 1">
-            <a:extLst>
-              <a:ext uri="{FF2B5EF4-FFF2-40B4-BE49-F238E27FC236}">
-                <a16:creationId xmlns:a16="http://schemas.microsoft.com/office/drawing/2014/main" id="{23799081-69DC-E5FF-6C44-EE26B275098A}"/>
-              </a:ext>
-            </a:extLst>
-          </p:cNvPr>
-          <p:cNvSpPr>
-            <a:spLocks noGrp="1"/>
-          </p:cNvSpPr>
-          <p:nvPr>
-            <p:ph type="title"/>
-          </p:nvPr>
-        </p:nvSpPr>
-        <p:spPr>
-          <a:xfrm>
-            <a:off x="1" y="9144"/>
-            <a:ext cx="12191999" cy="731520"/>
-          </a:xfrm>
-        </p:spPr>
-        <p:txBody>
-          <a:bodyPr>
-            <a:noAutofit/>
-          </a:bodyPr>
-          <a:lstStyle/>
-          <a:p>
-            <a:pPr algn="ctr"/>
-            <a:r>
-              <a:rPr lang="ru-RU" dirty="0">
-                <a:latin typeface="Times New Roman" panose="02020603050405020304" pitchFamily="18" charset="0"/>
-                <a:cs typeface="Times New Roman" panose="02020603050405020304" pitchFamily="18" charset="0"/>
-              </a:rPr>
-              <a:t>БЕЗОПАСНОСТЬ</a:t>
-            </a:r>
-            <a:endParaRPr lang="ru-RU" dirty="0"/>
-          </a:p>
-        </p:txBody>
-      </p:sp>
-      <p:sp>
-        <p:nvSpPr>
-          <p:cNvPr id="5" name="Номер слайда 4">
-            <a:extLst>
-              <a:ext uri="{FF2B5EF4-FFF2-40B4-BE49-F238E27FC236}">
-                <a16:creationId xmlns:a16="http://schemas.microsoft.com/office/drawing/2014/main" id="{F9D77489-2275-14CA-926D-64F6E9FF9334}"/>
-              </a:ext>
-            </a:extLst>
-          </p:cNvPr>
-          <p:cNvSpPr txBox="1">
-            <a:spLocks/>
-          </p:cNvSpPr>
-          <p:nvPr/>
-        </p:nvSpPr>
-        <p:spPr>
-          <a:xfrm>
-            <a:off x="11171852" y="0"/>
-            <a:ext cx="1020148" cy="658368"/>
-          </a:xfrm>
-          <a:prstGeom prst="rect">
-            <a:avLst/>
-          </a:prstGeom>
-        </p:spPr>
-        <p:txBody>
-          <a:bodyPr vert="horz" lIns="91440" tIns="45720" rIns="91440" bIns="45720" rtlCol="0" anchor="ctr"/>
-          <a:lstStyle>
-            <a:defPPr>
-              <a:defRPr lang="en-US"/>
-            </a:defPPr>
-            <a:lvl1pPr marL="0" algn="r" defTabSz="457200" rtl="0" eaLnBrk="1" latinLnBrk="0" hangingPunct="1">
-              <a:defRPr sz="1000" b="0" i="0" kern="1200">
-                <a:solidFill>
-                  <a:schemeClr val="tx1"/>
-                </a:solidFill>
-                <a:effectLst/>
-                <a:latin typeface="+mn-lt"/>
-                <a:ea typeface="+mn-ea"/>
-                <a:cs typeface="+mn-cs"/>
-              </a:defRPr>
-            </a:lvl1pPr>
-            <a:lvl2pPr marL="457200" algn="l" defTabSz="457200" rtl="0" eaLnBrk="1" latinLnBrk="0" hangingPunct="1">
-              <a:defRPr sz="1800" kern="1200">
-                <a:solidFill>
-                  <a:schemeClr val="tx1"/>
-                </a:solidFill>
-                <a:latin typeface="+mn-lt"/>
-                <a:ea typeface="+mn-ea"/>
-                <a:cs typeface="+mn-cs"/>
-              </a:defRPr>
-            </a:lvl2pPr>
-            <a:lvl3pPr marL="914400" algn="l" defTabSz="457200" rtl="0" eaLnBrk="1" latinLnBrk="0" hangingPunct="1">
-              <a:defRPr sz="1800" kern="1200">
-                <a:solidFill>
-                  <a:schemeClr val="tx1"/>
-                </a:solidFill>
-                <a:latin typeface="+mn-lt"/>
-                <a:ea typeface="+mn-ea"/>
-                <a:cs typeface="+mn-cs"/>
-              </a:defRPr>
-            </a:lvl3pPr>
-            <a:lvl4pPr marL="1371600" algn="l" defTabSz="457200" rtl="0" eaLnBrk="1" latinLnBrk="0" hangingPunct="1">
-              <a:defRPr sz="1800" kern="1200">
-                <a:solidFill>
-                  <a:schemeClr val="tx1"/>
-                </a:solidFill>
-                <a:latin typeface="+mn-lt"/>
-                <a:ea typeface="+mn-ea"/>
-                <a:cs typeface="+mn-cs"/>
-              </a:defRPr>
-            </a:lvl4pPr>
-            <a:lvl5pPr marL="1828800" algn="l" defTabSz="457200" rtl="0" eaLnBrk="1" latinLnBrk="0" hangingPunct="1">
-              <a:defRPr sz="1800" kern="1200">
-                <a:solidFill>
-                  <a:schemeClr val="tx1"/>
-                </a:solidFill>
-                <a:latin typeface="+mn-lt"/>
-                <a:ea typeface="+mn-ea"/>
-                <a:cs typeface="+mn-cs"/>
-              </a:defRPr>
-            </a:lvl5pPr>
-            <a:lvl6pPr marL="2286000" algn="l" defTabSz="457200" rtl="0" eaLnBrk="1" latinLnBrk="0" hangingPunct="1">
-              <a:defRPr sz="1800" kern="1200">
-                <a:solidFill>
-                  <a:schemeClr val="tx1"/>
-                </a:solidFill>
-                <a:latin typeface="+mn-lt"/>
-                <a:ea typeface="+mn-ea"/>
-                <a:cs typeface="+mn-cs"/>
-              </a:defRPr>
-            </a:lvl6pPr>
-            <a:lvl7pPr marL="2743200" algn="l" defTabSz="457200" rtl="0" eaLnBrk="1" latinLnBrk="0" hangingPunct="1">
-              <a:defRPr sz="1800" kern="1200">
-                <a:solidFill>
-                  <a:schemeClr val="tx1"/>
-                </a:solidFill>
-                <a:latin typeface="+mn-lt"/>
-                <a:ea typeface="+mn-ea"/>
-                <a:cs typeface="+mn-cs"/>
-              </a:defRPr>
-            </a:lvl7pPr>
-            <a:lvl8pPr marL="3200400" algn="l" defTabSz="457200" rtl="0" eaLnBrk="1" latinLnBrk="0" hangingPunct="1">
-              <a:defRPr sz="1800" kern="1200">
-                <a:solidFill>
-                  <a:schemeClr val="tx1"/>
-                </a:solidFill>
-                <a:latin typeface="+mn-lt"/>
-                <a:ea typeface="+mn-ea"/>
-                <a:cs typeface="+mn-cs"/>
-              </a:defRPr>
-            </a:lvl8pPr>
-            <a:lvl9pPr marL="3657600" algn="l" defTabSz="457200" rtl="0" eaLnBrk="1" latinLnBrk="0" hangingPunct="1">
-              <a:defRPr sz="1800" kern="1200">
-                <a:solidFill>
-                  <a:schemeClr val="tx1"/>
-                </a:solidFill>
-                <a:latin typeface="+mn-lt"/>
-                <a:ea typeface="+mn-ea"/>
-                <a:cs typeface="+mn-cs"/>
-              </a:defRPr>
-            </a:lvl9pPr>
-          </a:lstStyle>
-          <a:p>
-            <a:pPr algn="ctr"/>
-            <a:fld id="{E674C0A0-8DE9-4942-9F1B-2332F349D007}" type="slidenum">
-              <a:rPr lang="ru-RU" sz="2200" smtClean="0">
-                <a:latin typeface="Tahoma" panose="020B0604030504040204" pitchFamily="34" charset="0"/>
-                <a:ea typeface="Tahoma" panose="020B0604030504040204" pitchFamily="34" charset="0"/>
-                <a:cs typeface="Tahoma" panose="020B0604030504040204" pitchFamily="34" charset="0"/>
-              </a:rPr>
-              <a:pPr algn="ctr"/>
-              <a:t>15</a:t>
-            </a:fld>
-            <a:endParaRPr lang="ru-RU" sz="2200" dirty="0">
-              <a:latin typeface="Tahoma" panose="020B0604030504040204" pitchFamily="34" charset="0"/>
-              <a:ea typeface="Tahoma" panose="020B0604030504040204" pitchFamily="34" charset="0"/>
-              <a:cs typeface="Tahoma" panose="020B0604030504040204" pitchFamily="34" charset="0"/>
-            </a:endParaRPr>
-          </a:p>
-        </p:txBody>
-      </p:sp>
-      <p:sp>
-        <p:nvSpPr>
-          <p:cNvPr id="4" name="TextBox 3">
-            <a:extLst>
-              <a:ext uri="{FF2B5EF4-FFF2-40B4-BE49-F238E27FC236}">
-                <a16:creationId xmlns:a16="http://schemas.microsoft.com/office/drawing/2014/main" id="{DCEDC5D2-5CCB-6C7C-3CE1-37BE6A614728}"/>
-              </a:ext>
-            </a:extLst>
-          </p:cNvPr>
-          <p:cNvSpPr txBox="1"/>
-          <p:nvPr/>
-        </p:nvSpPr>
-        <p:spPr>
-          <a:xfrm>
-            <a:off x="562707" y="899690"/>
-            <a:ext cx="11170489" cy="5683486"/>
-          </a:xfrm>
-          <a:prstGeom prst="rect">
-            <a:avLst/>
-          </a:prstGeom>
-          <a:noFill/>
-        </p:spPr>
-        <p:txBody>
-          <a:bodyPr wrap="square" rtlCol="0">
-            <a:noAutofit/>
-          </a:bodyPr>
-          <a:lstStyle/>
-          <a:p>
-            <a:pPr algn="ctr">
-              <a:lnSpc>
-                <a:spcPct val="125000"/>
-              </a:lnSpc>
-            </a:pPr>
-            <a:r>
-              <a:rPr lang="ru-RU" sz="2200" dirty="0">
-                <a:solidFill>
-                  <a:srgbClr val="FFFF00"/>
-                </a:solidFill>
-                <a:latin typeface="Tahoma" panose="020B0604030504040204" pitchFamily="34" charset="0"/>
-                <a:ea typeface="Tahoma" panose="020B0604030504040204" pitchFamily="34" charset="0"/>
-                <a:cs typeface="Tahoma" panose="020B0604030504040204" pitchFamily="34" charset="0"/>
-              </a:rPr>
-              <a:t>ПРО БЕЗОПАСНОСТЬ</a:t>
-            </a:r>
-          </a:p>
-          <a:p>
-            <a:pPr>
-              <a:lnSpc>
-                <a:spcPct val="125000"/>
-              </a:lnSpc>
-            </a:pPr>
-            <a:endParaRPr lang="en-US" sz="2200" dirty="0">
-              <a:latin typeface="Times New Roman" panose="02020603050405020304" pitchFamily="18" charset="0"/>
-              <a:cs typeface="Times New Roman" panose="02020603050405020304" pitchFamily="18" charset="0"/>
-            </a:endParaRPr>
-          </a:p>
-        </p:txBody>
-      </p:sp>
-    </p:spTree>
-    <p:extLst>
-      <p:ext uri="{BB962C8B-B14F-4D97-AF65-F5344CB8AC3E}">
-        <p14:creationId xmlns:p14="http://schemas.microsoft.com/office/powerpoint/2010/main" val="2251701417"/>
-      </p:ext>
-    </p:extLst>
-  </p:cSld>
-  <p:clrMapOvr>
-    <a:masterClrMapping/>
-  </p:clrMapOvr>
-  <mc:AlternateContent xmlns:mc="http://schemas.openxmlformats.org/markup-compatibility/2006" xmlns:p14="http://schemas.microsoft.com/office/powerpoint/2010/main">
-    <mc:Choice Requires="p14">
-      <p:transition spd="med" p14:dur="700">
-        <p:fade/>
-      </p:transition>
-    </mc:Choice>
-    <mc:Fallback xmlns="">
-      <p:transition spd="med">
-        <p:fade/>
-      </p:transition>
-    </mc:Fallback>
-  </mc:AlternateContent>
-</p:sld>
-</file>
-
-<file path=ppt/slides/slide16.xml><?xml version="1.0" encoding="utf-8"?>
-<p:sld xmlns:a="http://schemas.openxmlformats.org/drawingml/2006/main" xmlns:r="http://schemas.openxmlformats.org/officeDocument/2006/relationships" xmlns:p="http://schemas.openxmlformats.org/presentationml/2006/main">
-  <p:cSld>
-    <p:spTree>
-      <p:nvGrpSpPr>
-        <p:cNvPr id="1" name=""/>
-        <p:cNvGrpSpPr/>
-        <p:nvPr/>
-      </p:nvGrpSpPr>
-      <p:grpSpPr>
-        <a:xfrm>
-          <a:off x="0" y="0"/>
-          <a:ext cx="0" cy="0"/>
-          <a:chOff x="0" y="0"/>
-          <a:chExt cx="0" cy="0"/>
-        </a:xfrm>
-      </p:grpSpPr>
-      <p:sp>
-        <p:nvSpPr>
-          <p:cNvPr id="2" name="Заголовок 1">
-            <a:extLst>
-              <a:ext uri="{FF2B5EF4-FFF2-40B4-BE49-F238E27FC236}">
-                <a16:creationId xmlns:a16="http://schemas.microsoft.com/office/drawing/2014/main" id="{6180C8AA-7561-F3BA-FC31-46C06530ED41}"/>
-              </a:ext>
-            </a:extLst>
-          </p:cNvPr>
-          <p:cNvSpPr>
-            <a:spLocks noGrp="1"/>
-          </p:cNvSpPr>
-          <p:nvPr>
-            <p:ph type="title"/>
-          </p:nvPr>
-        </p:nvSpPr>
-        <p:spPr>
-          <a:xfrm>
-            <a:off x="0" y="6096"/>
-            <a:ext cx="12191999" cy="688848"/>
-          </a:xfrm>
-        </p:spPr>
-        <p:txBody>
-          <a:bodyPr/>
-          <a:lstStyle/>
-          <a:p>
-            <a:pPr algn="ctr"/>
-            <a:r>
-              <a:rPr lang="ru-RU" dirty="0">
-                <a:latin typeface="Times New Roman" panose="02020603050405020304" pitchFamily="18" charset="0"/>
-                <a:cs typeface="Times New Roman" panose="02020603050405020304" pitchFamily="18" charset="0"/>
-              </a:rPr>
-              <a:t>СВЕДЕНИЯ О проекте</a:t>
-            </a:r>
-            <a:endParaRPr lang="ru-RU" dirty="0"/>
-          </a:p>
-        </p:txBody>
-      </p:sp>
-      <p:sp>
-        <p:nvSpPr>
-          <p:cNvPr id="5" name="TextBox 4">
-            <a:extLst>
-              <a:ext uri="{FF2B5EF4-FFF2-40B4-BE49-F238E27FC236}">
-                <a16:creationId xmlns:a16="http://schemas.microsoft.com/office/drawing/2014/main" id="{7D1D1E67-62A4-5E00-9B5C-F74D0DA5F37E}"/>
-              </a:ext>
-            </a:extLst>
-          </p:cNvPr>
-          <p:cNvSpPr txBox="1"/>
-          <p:nvPr/>
-        </p:nvSpPr>
-        <p:spPr>
-          <a:xfrm>
-            <a:off x="562707" y="899690"/>
-            <a:ext cx="5978769" cy="5683486"/>
-          </a:xfrm>
-          <a:prstGeom prst="rect">
-            <a:avLst/>
-          </a:prstGeom>
-          <a:noFill/>
-        </p:spPr>
-        <p:txBody>
-          <a:bodyPr wrap="square" rtlCol="0">
-            <a:noAutofit/>
-          </a:bodyPr>
-          <a:lstStyle/>
-          <a:p>
-            <a:pPr>
-              <a:lnSpc>
-                <a:spcPct val="125000"/>
-              </a:lnSpc>
-            </a:pPr>
-            <a:r>
-              <a:rPr lang="ru-RU" sz="2200" dirty="0">
-                <a:solidFill>
-                  <a:srgbClr val="FFFF00"/>
-                </a:solidFill>
-                <a:latin typeface="Tahoma" panose="020B0604030504040204" pitchFamily="34" charset="0"/>
-                <a:ea typeface="Tahoma" panose="020B0604030504040204" pitchFamily="34" charset="0"/>
-                <a:cs typeface="Tahoma" panose="020B0604030504040204" pitchFamily="34" charset="0"/>
-              </a:rPr>
-              <a:t>Средства разработки серверной части системы:</a:t>
-            </a:r>
-          </a:p>
-          <a:p>
-            <a:pPr marL="285750" indent="-285750">
-              <a:lnSpc>
-                <a:spcPct val="125000"/>
-              </a:lnSpc>
-              <a:buFont typeface="Arial" panose="020B0604020202020204" pitchFamily="34" charset="0"/>
-              <a:buChar char="•"/>
-            </a:pPr>
-            <a:r>
-              <a:rPr lang="ru-RU" sz="2200" dirty="0">
-                <a:latin typeface="Times New Roman" panose="02020603050405020304" pitchFamily="18" charset="0"/>
-                <a:cs typeface="Times New Roman" panose="02020603050405020304" pitchFamily="18" charset="0"/>
-              </a:rPr>
-              <a:t>Язык программирования </a:t>
-            </a:r>
-            <a:r>
-              <a:rPr lang="en-US" sz="2200" dirty="0">
-                <a:latin typeface="Times New Roman" panose="02020603050405020304" pitchFamily="18" charset="0"/>
-                <a:cs typeface="Times New Roman" panose="02020603050405020304" pitchFamily="18" charset="0"/>
-              </a:rPr>
-              <a:t>PHP </a:t>
-            </a:r>
-            <a:r>
-              <a:rPr lang="ru-RU" sz="2200" dirty="0">
-                <a:latin typeface="Times New Roman" panose="02020603050405020304" pitchFamily="18" charset="0"/>
-                <a:cs typeface="Times New Roman" panose="02020603050405020304" pitchFamily="18" charset="0"/>
-              </a:rPr>
-              <a:t>7.4</a:t>
-            </a:r>
-            <a:r>
-              <a:rPr lang="en-US" sz="2200" dirty="0">
-                <a:latin typeface="Times New Roman" panose="02020603050405020304" pitchFamily="18" charset="0"/>
-                <a:cs typeface="Times New Roman" panose="02020603050405020304" pitchFamily="18" charset="0"/>
-              </a:rPr>
-              <a:t>; </a:t>
-            </a:r>
-          </a:p>
-          <a:p>
-            <a:pPr marL="285750" indent="-285750">
-              <a:lnSpc>
-                <a:spcPct val="125000"/>
-              </a:lnSpc>
-              <a:buFont typeface="Arial" panose="020B0604020202020204" pitchFamily="34" charset="0"/>
-              <a:buChar char="•"/>
-            </a:pPr>
-            <a:r>
-              <a:rPr lang="en-US" sz="2200" dirty="0">
-                <a:latin typeface="Times New Roman" panose="02020603050405020304" pitchFamily="18" charset="0"/>
-                <a:cs typeface="Times New Roman" panose="02020603050405020304" pitchFamily="18" charset="0"/>
-              </a:rPr>
-              <a:t>Apache </a:t>
-            </a:r>
-            <a:r>
-              <a:rPr lang="ru-RU" sz="2200" dirty="0">
-                <a:latin typeface="Times New Roman" panose="02020603050405020304" pitchFamily="18" charset="0"/>
-                <a:cs typeface="Times New Roman" panose="02020603050405020304" pitchFamily="18" charset="0"/>
-              </a:rPr>
-              <a:t>2.4;</a:t>
-            </a:r>
-            <a:endParaRPr lang="en-US" sz="2200" dirty="0">
-              <a:latin typeface="Times New Roman" panose="02020603050405020304" pitchFamily="18" charset="0"/>
-              <a:cs typeface="Times New Roman" panose="02020603050405020304" pitchFamily="18" charset="0"/>
-            </a:endParaRPr>
-          </a:p>
-          <a:p>
-            <a:pPr marL="285750" indent="-285750">
-              <a:lnSpc>
-                <a:spcPct val="125000"/>
-              </a:lnSpc>
-              <a:buFont typeface="Arial" panose="020B0604020202020204" pitchFamily="34" charset="0"/>
-              <a:buChar char="•"/>
-            </a:pPr>
-            <a:r>
-              <a:rPr lang="en-US" sz="2200" dirty="0">
-                <a:latin typeface="Times New Roman" panose="02020603050405020304" pitchFamily="18" charset="0"/>
-                <a:cs typeface="Times New Roman" panose="02020603050405020304" pitchFamily="18" charset="0"/>
-              </a:rPr>
-              <a:t>Yii2 Advanced Framework;</a:t>
-            </a:r>
-          </a:p>
-          <a:p>
-            <a:pPr marL="285750" indent="-285750">
-              <a:lnSpc>
-                <a:spcPct val="125000"/>
-              </a:lnSpc>
-              <a:buFont typeface="Arial" panose="020B0604020202020204" pitchFamily="34" charset="0"/>
-              <a:buChar char="•"/>
-            </a:pPr>
-            <a:r>
-              <a:rPr lang="ru-RU" sz="2200" dirty="0">
-                <a:latin typeface="Times New Roman" panose="02020603050405020304" pitchFamily="18" charset="0"/>
-                <a:cs typeface="Times New Roman" panose="02020603050405020304" pitchFamily="18" charset="0"/>
-              </a:rPr>
-              <a:t>База данных </a:t>
-            </a:r>
-            <a:r>
-              <a:rPr lang="en-US" sz="2200" dirty="0">
-                <a:latin typeface="Times New Roman" panose="02020603050405020304" pitchFamily="18" charset="0"/>
-                <a:cs typeface="Times New Roman" panose="02020603050405020304" pitchFamily="18" charset="0"/>
-              </a:rPr>
-              <a:t>MariaDB 10.3;</a:t>
-            </a:r>
-          </a:p>
-          <a:p>
-            <a:pPr marL="285750" indent="-285750">
-              <a:lnSpc>
-                <a:spcPct val="125000"/>
-              </a:lnSpc>
-              <a:buFont typeface="Arial" panose="020B0604020202020204" pitchFamily="34" charset="0"/>
-              <a:buChar char="•"/>
-            </a:pPr>
-            <a:r>
-              <a:rPr lang="en-US" sz="2200" dirty="0">
-                <a:latin typeface="Times New Roman" panose="02020603050405020304" pitchFamily="18" charset="0"/>
-                <a:cs typeface="Times New Roman" panose="02020603050405020304" pitchFamily="18" charset="0"/>
-              </a:rPr>
-              <a:t>Redis 4.0;</a:t>
-            </a:r>
-            <a:endParaRPr lang="ru-RU" sz="2200" dirty="0">
-              <a:latin typeface="Times New Roman" panose="02020603050405020304" pitchFamily="18" charset="0"/>
-              <a:cs typeface="Times New Roman" panose="02020603050405020304" pitchFamily="18" charset="0"/>
-            </a:endParaRPr>
-          </a:p>
-          <a:p>
-            <a:pPr marL="285750" indent="-285750">
-              <a:lnSpc>
-                <a:spcPct val="125000"/>
-              </a:lnSpc>
-              <a:buFont typeface="Arial" panose="020B0604020202020204" pitchFamily="34" charset="0"/>
-              <a:buChar char="•"/>
-            </a:pPr>
-            <a:r>
-              <a:rPr lang="en-US" sz="2200" dirty="0">
-                <a:latin typeface="Times New Roman" panose="02020603050405020304" pitchFamily="18" charset="0"/>
-                <a:cs typeface="Times New Roman" panose="02020603050405020304" pitchFamily="18" charset="0"/>
-              </a:rPr>
-              <a:t>RabbitMQ 4.0.7. </a:t>
-            </a:r>
-            <a:endParaRPr lang="ru-RU" sz="2200" dirty="0">
-              <a:latin typeface="Times New Roman" panose="02020603050405020304" pitchFamily="18" charset="0"/>
-              <a:cs typeface="Times New Roman" panose="02020603050405020304" pitchFamily="18" charset="0"/>
-            </a:endParaRPr>
-          </a:p>
-          <a:p>
-            <a:pPr>
-              <a:lnSpc>
-                <a:spcPct val="125000"/>
-              </a:lnSpc>
-            </a:pPr>
-            <a:r>
-              <a:rPr lang="ru-RU" sz="2200" dirty="0">
-                <a:solidFill>
-                  <a:srgbClr val="FFFF00"/>
-                </a:solidFill>
-                <a:latin typeface="Tahoma" panose="020B0604030504040204" pitchFamily="34" charset="0"/>
-                <a:ea typeface="Tahoma" panose="020B0604030504040204" pitchFamily="34" charset="0"/>
-                <a:cs typeface="Tahoma" panose="020B0604030504040204" pitchFamily="34" charset="0"/>
-              </a:rPr>
-              <a:t>Средства разработки клиентской части системы:</a:t>
-            </a:r>
-          </a:p>
-          <a:p>
-            <a:pPr marL="342900" indent="-342900">
-              <a:lnSpc>
-                <a:spcPct val="125000"/>
-              </a:lnSpc>
-              <a:buFont typeface="Arial" panose="020B0604020202020204" pitchFamily="34" charset="0"/>
-              <a:buChar char="•"/>
-            </a:pPr>
-            <a:r>
-              <a:rPr lang="en-US" sz="2200" dirty="0">
-                <a:latin typeface="Times New Roman" panose="02020603050405020304" pitchFamily="18" charset="0"/>
-                <a:cs typeface="Times New Roman" panose="02020603050405020304" pitchFamily="18" charset="0"/>
-              </a:rPr>
-              <a:t>HTML 5, CSS 3, JavaScript; </a:t>
-            </a:r>
-          </a:p>
-          <a:p>
-            <a:pPr marL="342900" indent="-342900">
-              <a:lnSpc>
-                <a:spcPct val="125000"/>
-              </a:lnSpc>
-              <a:buFont typeface="Arial" panose="020B0604020202020204" pitchFamily="34" charset="0"/>
-              <a:buChar char="•"/>
-            </a:pPr>
-            <a:r>
-              <a:rPr lang="en-US" sz="2200" dirty="0">
-                <a:latin typeface="Times New Roman" panose="02020603050405020304" pitchFamily="18" charset="0"/>
-                <a:ea typeface="Tahoma" panose="020B0604030504040204" pitchFamily="34" charset="0"/>
-                <a:cs typeface="Times New Roman" panose="02020603050405020304" pitchFamily="18" charset="0"/>
-              </a:rPr>
-              <a:t>jQuery.</a:t>
-            </a:r>
-            <a:endParaRPr lang="ru-RU" sz="2200" dirty="0">
-              <a:latin typeface="Tahoma" panose="020B0604030504040204" pitchFamily="34" charset="0"/>
-              <a:ea typeface="Tahoma" panose="020B0604030504040204" pitchFamily="34" charset="0"/>
-              <a:cs typeface="Tahoma" panose="020B0604030504040204" pitchFamily="34" charset="0"/>
-            </a:endParaRPr>
-          </a:p>
-          <a:p>
-            <a:pPr marL="285750" indent="-285750">
-              <a:lnSpc>
-                <a:spcPct val="125000"/>
-              </a:lnSpc>
-              <a:buFont typeface="Arial" panose="020B0604020202020204" pitchFamily="34" charset="0"/>
-              <a:buChar char="•"/>
-            </a:pPr>
-            <a:endParaRPr lang="en-US" sz="2200" dirty="0">
-              <a:latin typeface="Times New Roman" panose="02020603050405020304" pitchFamily="18" charset="0"/>
-              <a:cs typeface="Times New Roman" panose="02020603050405020304" pitchFamily="18" charset="0"/>
-            </a:endParaRPr>
-          </a:p>
-        </p:txBody>
-      </p:sp>
-      <p:sp>
-        <p:nvSpPr>
-          <p:cNvPr id="7" name="TextBox 6">
-            <a:extLst>
-              <a:ext uri="{FF2B5EF4-FFF2-40B4-BE49-F238E27FC236}">
-                <a16:creationId xmlns:a16="http://schemas.microsoft.com/office/drawing/2014/main" id="{F1A3363C-C487-95C8-49A5-35BC64E08D03}"/>
-              </a:ext>
-            </a:extLst>
-          </p:cNvPr>
-          <p:cNvSpPr txBox="1"/>
-          <p:nvPr/>
-        </p:nvSpPr>
-        <p:spPr>
-          <a:xfrm>
-            <a:off x="5900784" y="3672376"/>
-            <a:ext cx="6362698" cy="2570704"/>
-          </a:xfrm>
-          <a:prstGeom prst="rect">
-            <a:avLst/>
-          </a:prstGeom>
-          <a:noFill/>
-        </p:spPr>
-        <p:txBody>
-          <a:bodyPr wrap="square">
-            <a:spAutoFit/>
-          </a:bodyPr>
-          <a:lstStyle/>
-          <a:p>
-            <a:pPr>
-              <a:lnSpc>
-                <a:spcPct val="150000"/>
-              </a:lnSpc>
-            </a:pPr>
-            <a:r>
-              <a:rPr lang="ru-RU" sz="2200" dirty="0">
-                <a:solidFill>
-                  <a:srgbClr val="FFFF00"/>
-                </a:solidFill>
-                <a:latin typeface="Tahoma" panose="020B0604030504040204" pitchFamily="34" charset="0"/>
-                <a:ea typeface="Tahoma" panose="020B0604030504040204" pitchFamily="34" charset="0"/>
-                <a:cs typeface="Tahoma" panose="020B0604030504040204" pitchFamily="34" charset="0"/>
-              </a:rPr>
-              <a:t>Проект содержит:</a:t>
-            </a:r>
-          </a:p>
-          <a:p>
-            <a:pPr marL="285750" indent="-285750">
-              <a:lnSpc>
-                <a:spcPct val="150000"/>
-              </a:lnSpc>
-              <a:buFont typeface="Arial" panose="020B0604020202020204" pitchFamily="34" charset="0"/>
-              <a:buChar char="•"/>
-            </a:pPr>
-            <a:r>
-              <a:rPr lang="ru-RU" sz="2200" dirty="0">
-                <a:latin typeface="Times New Roman" panose="02020603050405020304" pitchFamily="18" charset="0"/>
-                <a:cs typeface="Times New Roman" panose="02020603050405020304" pitchFamily="18" charset="0"/>
-              </a:rPr>
-              <a:t>Более </a:t>
-            </a:r>
-            <a:r>
-              <a:rPr lang="en-US" sz="2200" dirty="0">
-                <a:latin typeface="Times New Roman" panose="02020603050405020304" pitchFamily="18" charset="0"/>
-                <a:cs typeface="Times New Roman" panose="02020603050405020304" pitchFamily="18" charset="0"/>
-              </a:rPr>
-              <a:t>30000</a:t>
-            </a:r>
-            <a:r>
-              <a:rPr lang="ru-RU" sz="2200" dirty="0">
-                <a:latin typeface="Times New Roman" panose="02020603050405020304" pitchFamily="18" charset="0"/>
-                <a:cs typeface="Times New Roman" panose="02020603050405020304" pitchFamily="18" charset="0"/>
-              </a:rPr>
-              <a:t> строк кода в проекте.</a:t>
-            </a:r>
-            <a:endParaRPr lang="en-US" sz="2200" dirty="0">
-              <a:latin typeface="Times New Roman" panose="02020603050405020304" pitchFamily="18" charset="0"/>
-              <a:cs typeface="Times New Roman" panose="02020603050405020304" pitchFamily="18" charset="0"/>
-            </a:endParaRPr>
-          </a:p>
-          <a:p>
-            <a:pPr marL="285750" indent="-285750">
-              <a:lnSpc>
-                <a:spcPct val="150000"/>
-              </a:lnSpc>
-              <a:buFont typeface="Arial" panose="020B0604020202020204" pitchFamily="34" charset="0"/>
-              <a:buChar char="•"/>
-            </a:pPr>
-            <a:r>
-              <a:rPr lang="ru-RU" sz="2200" dirty="0">
-                <a:latin typeface="Times New Roman" panose="02020603050405020304" pitchFamily="18" charset="0"/>
-                <a:cs typeface="Times New Roman" panose="02020603050405020304" pitchFamily="18" charset="0"/>
-              </a:rPr>
-              <a:t>63 таблиц базы данных.</a:t>
-            </a:r>
-          </a:p>
-          <a:p>
-            <a:pPr marL="285750" indent="-285750">
-              <a:lnSpc>
-                <a:spcPct val="150000"/>
-              </a:lnSpc>
-              <a:buFont typeface="Arial" panose="020B0604020202020204" pitchFamily="34" charset="0"/>
-              <a:buChar char="•"/>
-            </a:pPr>
-            <a:r>
-              <a:rPr lang="ru-RU" sz="2200" dirty="0">
-                <a:latin typeface="Times New Roman" panose="02020603050405020304" pitchFamily="18" charset="0"/>
-                <a:cs typeface="Times New Roman" panose="02020603050405020304" pitchFamily="18" charset="0"/>
-              </a:rPr>
-              <a:t>Более 200 классов содержат около 1000</a:t>
-            </a:r>
-            <a:r>
-              <a:rPr lang="en-US" sz="2200" dirty="0">
-                <a:latin typeface="Times New Roman" panose="02020603050405020304" pitchFamily="18" charset="0"/>
-                <a:cs typeface="Times New Roman" panose="02020603050405020304" pitchFamily="18" charset="0"/>
-              </a:rPr>
-              <a:t> </a:t>
-            </a:r>
-            <a:r>
-              <a:rPr lang="ru-RU" sz="2200" dirty="0">
-                <a:latin typeface="Times New Roman" panose="02020603050405020304" pitchFamily="18" charset="0"/>
-                <a:cs typeface="Times New Roman" panose="02020603050405020304" pitchFamily="18" charset="0"/>
-              </a:rPr>
-              <a:t>методов.</a:t>
-            </a:r>
-          </a:p>
-          <a:p>
-            <a:pPr marL="285750" indent="-285750">
-              <a:lnSpc>
-                <a:spcPct val="150000"/>
-              </a:lnSpc>
-              <a:buFont typeface="Arial" panose="020B0604020202020204" pitchFamily="34" charset="0"/>
-              <a:buChar char="•"/>
-            </a:pPr>
-            <a:r>
-              <a:rPr lang="ru-RU" sz="2200" dirty="0">
-                <a:latin typeface="Times New Roman" panose="02020603050405020304" pitchFamily="18" charset="0"/>
-                <a:cs typeface="Times New Roman" panose="02020603050405020304" pitchFamily="18" charset="0"/>
-              </a:rPr>
-              <a:t>Более 10 уникальных интерфейсов и форм.</a:t>
-            </a:r>
-          </a:p>
-        </p:txBody>
-      </p:sp>
-      <p:sp>
-        <p:nvSpPr>
-          <p:cNvPr id="8" name="Номер слайда 4">
-            <a:extLst>
-              <a:ext uri="{FF2B5EF4-FFF2-40B4-BE49-F238E27FC236}">
-                <a16:creationId xmlns:a16="http://schemas.microsoft.com/office/drawing/2014/main" id="{C5B64F97-D6A0-FC0D-8E50-8227B356EE18}"/>
-              </a:ext>
-            </a:extLst>
-          </p:cNvPr>
-          <p:cNvSpPr txBox="1">
-            <a:spLocks/>
-          </p:cNvSpPr>
-          <p:nvPr/>
-        </p:nvSpPr>
-        <p:spPr>
-          <a:xfrm>
-            <a:off x="11171852" y="0"/>
-            <a:ext cx="1020148" cy="658368"/>
-          </a:xfrm>
-          <a:prstGeom prst="rect">
-            <a:avLst/>
-          </a:prstGeom>
-        </p:spPr>
-        <p:txBody>
-          <a:bodyPr vert="horz" lIns="91440" tIns="45720" rIns="91440" bIns="45720" rtlCol="0" anchor="ctr"/>
-          <a:lstStyle>
-            <a:defPPr>
-              <a:defRPr lang="en-US"/>
-            </a:defPPr>
-            <a:lvl1pPr marL="0" algn="r" defTabSz="457200" rtl="0" eaLnBrk="1" latinLnBrk="0" hangingPunct="1">
-              <a:defRPr sz="1000" b="0" i="0" kern="1200">
-                <a:solidFill>
-                  <a:schemeClr val="tx1"/>
-                </a:solidFill>
-                <a:effectLst/>
-                <a:latin typeface="+mn-lt"/>
-                <a:ea typeface="+mn-ea"/>
-                <a:cs typeface="+mn-cs"/>
-              </a:defRPr>
-            </a:lvl1pPr>
-            <a:lvl2pPr marL="457200" algn="l" defTabSz="457200" rtl="0" eaLnBrk="1" latinLnBrk="0" hangingPunct="1">
-              <a:defRPr sz="1800" kern="1200">
-                <a:solidFill>
-                  <a:schemeClr val="tx1"/>
-                </a:solidFill>
-                <a:latin typeface="+mn-lt"/>
-                <a:ea typeface="+mn-ea"/>
-                <a:cs typeface="+mn-cs"/>
-              </a:defRPr>
-            </a:lvl2pPr>
-            <a:lvl3pPr marL="914400" algn="l" defTabSz="457200" rtl="0" eaLnBrk="1" latinLnBrk="0" hangingPunct="1">
-              <a:defRPr sz="1800" kern="1200">
-                <a:solidFill>
-                  <a:schemeClr val="tx1"/>
-                </a:solidFill>
-                <a:latin typeface="+mn-lt"/>
-                <a:ea typeface="+mn-ea"/>
-                <a:cs typeface="+mn-cs"/>
-              </a:defRPr>
-            </a:lvl3pPr>
-            <a:lvl4pPr marL="1371600" algn="l" defTabSz="457200" rtl="0" eaLnBrk="1" latinLnBrk="0" hangingPunct="1">
-              <a:defRPr sz="1800" kern="1200">
-                <a:solidFill>
-                  <a:schemeClr val="tx1"/>
-                </a:solidFill>
-                <a:latin typeface="+mn-lt"/>
-                <a:ea typeface="+mn-ea"/>
-                <a:cs typeface="+mn-cs"/>
-              </a:defRPr>
-            </a:lvl4pPr>
-            <a:lvl5pPr marL="1828800" algn="l" defTabSz="457200" rtl="0" eaLnBrk="1" latinLnBrk="0" hangingPunct="1">
-              <a:defRPr sz="1800" kern="1200">
-                <a:solidFill>
-                  <a:schemeClr val="tx1"/>
-                </a:solidFill>
-                <a:latin typeface="+mn-lt"/>
-                <a:ea typeface="+mn-ea"/>
-                <a:cs typeface="+mn-cs"/>
-              </a:defRPr>
-            </a:lvl5pPr>
-            <a:lvl6pPr marL="2286000" algn="l" defTabSz="457200" rtl="0" eaLnBrk="1" latinLnBrk="0" hangingPunct="1">
-              <a:defRPr sz="1800" kern="1200">
-                <a:solidFill>
-                  <a:schemeClr val="tx1"/>
-                </a:solidFill>
-                <a:latin typeface="+mn-lt"/>
-                <a:ea typeface="+mn-ea"/>
-                <a:cs typeface="+mn-cs"/>
-              </a:defRPr>
-            </a:lvl6pPr>
-            <a:lvl7pPr marL="2743200" algn="l" defTabSz="457200" rtl="0" eaLnBrk="1" latinLnBrk="0" hangingPunct="1">
-              <a:defRPr sz="1800" kern="1200">
-                <a:solidFill>
-                  <a:schemeClr val="tx1"/>
-                </a:solidFill>
-                <a:latin typeface="+mn-lt"/>
-                <a:ea typeface="+mn-ea"/>
-                <a:cs typeface="+mn-cs"/>
-              </a:defRPr>
-            </a:lvl7pPr>
-            <a:lvl8pPr marL="3200400" algn="l" defTabSz="457200" rtl="0" eaLnBrk="1" latinLnBrk="0" hangingPunct="1">
-              <a:defRPr sz="1800" kern="1200">
-                <a:solidFill>
-                  <a:schemeClr val="tx1"/>
-                </a:solidFill>
-                <a:latin typeface="+mn-lt"/>
-                <a:ea typeface="+mn-ea"/>
-                <a:cs typeface="+mn-cs"/>
-              </a:defRPr>
-            </a:lvl8pPr>
-            <a:lvl9pPr marL="3657600" algn="l" defTabSz="457200" rtl="0" eaLnBrk="1" latinLnBrk="0" hangingPunct="1">
-              <a:defRPr sz="1800" kern="1200">
-                <a:solidFill>
-                  <a:schemeClr val="tx1"/>
-                </a:solidFill>
-                <a:latin typeface="+mn-lt"/>
-                <a:ea typeface="+mn-ea"/>
-                <a:cs typeface="+mn-cs"/>
-              </a:defRPr>
-            </a:lvl9pPr>
-          </a:lstStyle>
-          <a:p>
-            <a:pPr algn="ctr"/>
-            <a:fld id="{E674C0A0-8DE9-4942-9F1B-2332F349D007}" type="slidenum">
-              <a:rPr lang="ru-RU" sz="2200" smtClean="0">
-                <a:latin typeface="Tahoma" panose="020B0604030504040204" pitchFamily="34" charset="0"/>
-                <a:ea typeface="Tahoma" panose="020B0604030504040204" pitchFamily="34" charset="0"/>
-                <a:cs typeface="Tahoma" panose="020B0604030504040204" pitchFamily="34" charset="0"/>
-              </a:rPr>
-              <a:pPr algn="ctr"/>
-              <a:t>16</a:t>
-            </a:fld>
-            <a:endParaRPr lang="ru-RU" sz="2200" dirty="0">
-              <a:latin typeface="Tahoma" panose="020B0604030504040204" pitchFamily="34" charset="0"/>
-              <a:ea typeface="Tahoma" panose="020B0604030504040204" pitchFamily="34" charset="0"/>
-              <a:cs typeface="Tahoma" panose="020B0604030504040204" pitchFamily="34" charset="0"/>
-            </a:endParaRPr>
-          </a:p>
-        </p:txBody>
-      </p:sp>
-      <p:pic>
-        <p:nvPicPr>
-          <p:cNvPr id="1026" name="Picture 2" descr="PHP Hypertext Preprocessor - язык программирования - CNews">
-            <a:extLst>
-              <a:ext uri="{FF2B5EF4-FFF2-40B4-BE49-F238E27FC236}">
-                <a16:creationId xmlns:a16="http://schemas.microsoft.com/office/drawing/2014/main" id="{E24E1A06-6E63-A42B-1BCD-F23EDAE5647D}"/>
-              </a:ext>
-            </a:extLst>
-          </p:cNvPr>
-          <p:cNvPicPr>
-            <a:picLocks noChangeAspect="1" noChangeArrowheads="1"/>
-          </p:cNvPicPr>
-          <p:nvPr/>
-        </p:nvPicPr>
-        <p:blipFill>
-          <a:blip r:embed="rId3">
-            <a:extLst>
-              <a:ext uri="{28A0092B-C50C-407E-A947-70E740481C1C}">
-                <a14:useLocalDpi xmlns:a14="http://schemas.microsoft.com/office/drawing/2010/main" val="0"/>
-              </a:ext>
-            </a:extLst>
-          </a:blip>
-          <a:srcRect/>
-          <a:stretch>
-            <a:fillRect/>
-          </a:stretch>
-        </p:blipFill>
-        <p:spPr bwMode="auto">
-          <a:xfrm>
-            <a:off x="4961952" y="1856901"/>
-            <a:ext cx="563879" cy="295302"/>
-          </a:xfrm>
-          <a:prstGeom prst="rect">
-            <a:avLst/>
-          </a:prstGeom>
-          <a:noFill/>
-          <a:extLst>
-            <a:ext uri="{909E8E84-426E-40DD-AFC4-6F175D3DCCD1}">
-              <a14:hiddenFill xmlns:a14="http://schemas.microsoft.com/office/drawing/2010/main">
-                <a:solidFill>
-                  <a:srgbClr val="FFFFFF"/>
-                </a:solidFill>
-              </a14:hiddenFill>
-            </a:ext>
-          </a:extLst>
-        </p:spPr>
-      </p:pic>
-      <p:pic>
-        <p:nvPicPr>
-          <p:cNvPr id="1028" name="Picture 4">
-            <a:extLst>
-              <a:ext uri="{FF2B5EF4-FFF2-40B4-BE49-F238E27FC236}">
-                <a16:creationId xmlns:a16="http://schemas.microsoft.com/office/drawing/2014/main" id="{B88F704B-DF6A-120E-5BC2-E992B1C9C338}"/>
-              </a:ext>
-            </a:extLst>
-          </p:cNvPr>
-          <p:cNvPicPr>
-            <a:picLocks noChangeAspect="1" noChangeArrowheads="1"/>
-          </p:cNvPicPr>
-          <p:nvPr/>
-        </p:nvPicPr>
-        <p:blipFill>
-          <a:blip r:embed="rId4">
-            <a:extLst>
-              <a:ext uri="{28A0092B-C50C-407E-A947-70E740481C1C}">
-                <a14:useLocalDpi xmlns:a14="http://schemas.microsoft.com/office/drawing/2010/main" val="0"/>
-              </a:ext>
-            </a:extLst>
-          </a:blip>
-          <a:srcRect/>
-          <a:stretch>
-            <a:fillRect/>
-          </a:stretch>
-        </p:blipFill>
-        <p:spPr bwMode="auto">
-          <a:xfrm>
-            <a:off x="2326484" y="2278095"/>
-            <a:ext cx="797067" cy="304214"/>
-          </a:xfrm>
-          <a:prstGeom prst="rect">
-            <a:avLst/>
-          </a:prstGeom>
-          <a:noFill/>
-          <a:extLst>
-            <a:ext uri="{909E8E84-426E-40DD-AFC4-6F175D3DCCD1}">
-              <a14:hiddenFill xmlns:a14="http://schemas.microsoft.com/office/drawing/2010/main">
-                <a:solidFill>
-                  <a:srgbClr val="FFFFFF"/>
-                </a:solidFill>
-              </a14:hiddenFill>
-            </a:ext>
-          </a:extLst>
-        </p:spPr>
-      </p:pic>
-      <p:pic>
-        <p:nvPicPr>
-          <p:cNvPr id="1030" name="Picture 6" descr="Логотип программы Yii">
-            <a:extLst>
-              <a:ext uri="{FF2B5EF4-FFF2-40B4-BE49-F238E27FC236}">
-                <a16:creationId xmlns:a16="http://schemas.microsoft.com/office/drawing/2014/main" id="{0960D179-52C4-B4E8-9E2E-8B8BDDB42EC4}"/>
-              </a:ext>
-            </a:extLst>
-          </p:cNvPr>
-          <p:cNvPicPr>
-            <a:picLocks noChangeAspect="1" noChangeArrowheads="1"/>
-          </p:cNvPicPr>
-          <p:nvPr/>
-        </p:nvPicPr>
-        <p:blipFill>
-          <a:blip r:embed="rId5">
-            <a:extLst>
-              <a:ext uri="{28A0092B-C50C-407E-A947-70E740481C1C}">
-                <a14:useLocalDpi xmlns:a14="http://schemas.microsoft.com/office/drawing/2010/main" val="0"/>
-              </a:ext>
-            </a:extLst>
-          </a:blip>
-          <a:srcRect/>
-          <a:stretch>
-            <a:fillRect/>
-          </a:stretch>
-        </p:blipFill>
-        <p:spPr bwMode="auto">
-          <a:xfrm>
-            <a:off x="4098131" y="2725294"/>
-            <a:ext cx="1273874" cy="275787"/>
-          </a:xfrm>
-          <a:prstGeom prst="rect">
-            <a:avLst/>
-          </a:prstGeom>
-          <a:noFill/>
-          <a:extLst>
-            <a:ext uri="{909E8E84-426E-40DD-AFC4-6F175D3DCCD1}">
-              <a14:hiddenFill xmlns:a14="http://schemas.microsoft.com/office/drawing/2010/main">
-                <a:solidFill>
-                  <a:srgbClr val="FFFFFF"/>
-                </a:solidFill>
-              </a14:hiddenFill>
-            </a:ext>
-          </a:extLst>
-        </p:spPr>
-      </p:pic>
-      <p:pic>
-        <p:nvPicPr>
-          <p:cNvPr id="1032" name="Picture 8" descr="MariaDB · GitHub">
-            <a:extLst>
-              <a:ext uri="{FF2B5EF4-FFF2-40B4-BE49-F238E27FC236}">
-                <a16:creationId xmlns:a16="http://schemas.microsoft.com/office/drawing/2014/main" id="{2EDD169B-9E03-CE13-9CFD-9870D58C9634}"/>
-              </a:ext>
-            </a:extLst>
-          </p:cNvPr>
-          <p:cNvPicPr>
-            <a:picLocks noChangeAspect="1" noChangeArrowheads="1"/>
-          </p:cNvPicPr>
-          <p:nvPr/>
-        </p:nvPicPr>
-        <p:blipFill>
-          <a:blip r:embed="rId6">
-            <a:extLst>
-              <a:ext uri="{28A0092B-C50C-407E-A947-70E740481C1C}">
-                <a14:useLocalDpi xmlns:a14="http://schemas.microsoft.com/office/drawing/2010/main" val="0"/>
-              </a:ext>
-            </a:extLst>
-          </a:blip>
-          <a:srcRect/>
-          <a:stretch>
-            <a:fillRect/>
-          </a:stretch>
-        </p:blipFill>
-        <p:spPr bwMode="auto">
-          <a:xfrm>
-            <a:off x="4250422" y="3032993"/>
-            <a:ext cx="451309" cy="451309"/>
-          </a:xfrm>
-          <a:prstGeom prst="rect">
-            <a:avLst/>
-          </a:prstGeom>
-          <a:noFill/>
-          <a:extLst>
-            <a:ext uri="{909E8E84-426E-40DD-AFC4-6F175D3DCCD1}">
-              <a14:hiddenFill xmlns:a14="http://schemas.microsoft.com/office/drawing/2010/main">
-                <a:solidFill>
-                  <a:srgbClr val="FFFFFF"/>
-                </a:solidFill>
-              </a14:hiddenFill>
-            </a:ext>
-          </a:extLst>
-        </p:spPr>
-      </p:pic>
-      <p:pic>
-        <p:nvPicPr>
-          <p:cNvPr id="1034" name="Picture 10">
-            <a:extLst>
-              <a:ext uri="{FF2B5EF4-FFF2-40B4-BE49-F238E27FC236}">
-                <a16:creationId xmlns:a16="http://schemas.microsoft.com/office/drawing/2014/main" id="{0666067C-31E3-02F4-E9CA-D04EED38370F}"/>
-              </a:ext>
-            </a:extLst>
-          </p:cNvPr>
-          <p:cNvPicPr>
-            <a:picLocks noChangeAspect="1" noChangeArrowheads="1"/>
-          </p:cNvPicPr>
-          <p:nvPr/>
-        </p:nvPicPr>
-        <p:blipFill>
-          <a:blip r:embed="rId7">
-            <a:extLst>
-              <a:ext uri="{28A0092B-C50C-407E-A947-70E740481C1C}">
-                <a14:useLocalDpi xmlns:a14="http://schemas.microsoft.com/office/drawing/2010/main" val="0"/>
-              </a:ext>
-            </a:extLst>
-          </a:blip>
-          <a:srcRect/>
-          <a:stretch>
-            <a:fillRect/>
-          </a:stretch>
-        </p:blipFill>
-        <p:spPr bwMode="auto">
-          <a:xfrm>
-            <a:off x="2119104" y="3549237"/>
-            <a:ext cx="769621" cy="246279"/>
-          </a:xfrm>
-          <a:prstGeom prst="rect">
-            <a:avLst/>
-          </a:prstGeom>
-          <a:noFill/>
-          <a:extLst>
-            <a:ext uri="{909E8E84-426E-40DD-AFC4-6F175D3DCCD1}">
-              <a14:hiddenFill xmlns:a14="http://schemas.microsoft.com/office/drawing/2010/main">
-                <a:solidFill>
-                  <a:srgbClr val="FFFFFF"/>
-                </a:solidFill>
-              </a14:hiddenFill>
-            </a:ext>
-          </a:extLst>
-        </p:spPr>
-      </p:pic>
-      <p:pic>
-        <p:nvPicPr>
-          <p:cNvPr id="3" name="Picture 2" descr="Файл:RabbitMQ logo.svg — Википедия">
-            <a:extLst>
-              <a:ext uri="{FF2B5EF4-FFF2-40B4-BE49-F238E27FC236}">
-                <a16:creationId xmlns:a16="http://schemas.microsoft.com/office/drawing/2014/main" id="{DA9F81A4-F7D5-4314-984D-F41BA5AB50F6}"/>
-              </a:ext>
-            </a:extLst>
-          </p:cNvPr>
-          <p:cNvPicPr>
-            <a:picLocks noChangeAspect="1" noChangeArrowheads="1"/>
-          </p:cNvPicPr>
-          <p:nvPr/>
-        </p:nvPicPr>
-        <p:blipFill>
-          <a:blip r:embed="rId8">
-            <a:extLst>
-              <a:ext uri="{28A0092B-C50C-407E-A947-70E740481C1C}">
-                <a14:useLocalDpi xmlns:a14="http://schemas.microsoft.com/office/drawing/2010/main" val="0"/>
-              </a:ext>
-            </a:extLst>
-          </a:blip>
-          <a:srcRect/>
-          <a:stretch>
-            <a:fillRect/>
-          </a:stretch>
-        </p:blipFill>
-        <p:spPr bwMode="auto">
-          <a:xfrm>
-            <a:off x="2888725" y="3971801"/>
-            <a:ext cx="1614685" cy="253556"/>
-          </a:xfrm>
-          <a:prstGeom prst="rect">
-            <a:avLst/>
-          </a:prstGeom>
-          <a:noFill/>
-          <a:extLst>
-            <a:ext uri="{909E8E84-426E-40DD-AFC4-6F175D3DCCD1}">
-              <a14:hiddenFill xmlns:a14="http://schemas.microsoft.com/office/drawing/2010/main">
-                <a:solidFill>
-                  <a:srgbClr val="FFFFFF"/>
-                </a:solidFill>
-              </a14:hiddenFill>
-            </a:ext>
-          </a:extLst>
-        </p:spPr>
-      </p:pic>
-      <p:pic>
-        <p:nvPicPr>
-          <p:cNvPr id="4" name="Picture 2" descr="jQuery · GitHub">
-            <a:extLst>
-              <a:ext uri="{FF2B5EF4-FFF2-40B4-BE49-F238E27FC236}">
-                <a16:creationId xmlns:a16="http://schemas.microsoft.com/office/drawing/2014/main" id="{6F43245B-D665-82AA-E6DC-3F2425B428D6}"/>
-              </a:ext>
-            </a:extLst>
-          </p:cNvPr>
-          <p:cNvPicPr>
-            <a:picLocks noChangeAspect="1" noChangeArrowheads="1"/>
-          </p:cNvPicPr>
-          <p:nvPr/>
-        </p:nvPicPr>
-        <p:blipFill>
-          <a:blip r:embed="rId9">
-            <a:extLst>
-              <a:ext uri="{28A0092B-C50C-407E-A947-70E740481C1C}">
-                <a14:useLocalDpi xmlns:a14="http://schemas.microsoft.com/office/drawing/2010/main" val="0"/>
-              </a:ext>
-            </a:extLst>
-          </a:blip>
-          <a:srcRect/>
-          <a:stretch>
-            <a:fillRect/>
-          </a:stretch>
-        </p:blipFill>
-        <p:spPr bwMode="auto">
-          <a:xfrm>
-            <a:off x="1906580" y="5614849"/>
-            <a:ext cx="425048" cy="425048"/>
-          </a:xfrm>
-          <a:prstGeom prst="rect">
-            <a:avLst/>
-          </a:prstGeom>
-          <a:noFill/>
-          <a:extLst>
-            <a:ext uri="{909E8E84-426E-40DD-AFC4-6F175D3DCCD1}">
-              <a14:hiddenFill xmlns:a14="http://schemas.microsoft.com/office/drawing/2010/main">
-                <a:solidFill>
-                  <a:srgbClr val="FFFFFF"/>
-                </a:solidFill>
-              </a14:hiddenFill>
-            </a:ext>
-          </a:extLst>
-        </p:spPr>
-      </p:pic>
-      <p:sp>
-        <p:nvSpPr>
-          <p:cNvPr id="6" name="AutoShape 4" descr="Html Js Css PNG - Html Js Css Веб разработка Программирование прозрачная  иллюстрация">
-            <a:extLst>
-              <a:ext uri="{FF2B5EF4-FFF2-40B4-BE49-F238E27FC236}">
-                <a16:creationId xmlns:a16="http://schemas.microsoft.com/office/drawing/2014/main" id="{2B707A11-A244-8FB2-3D36-6A6D6D327432}"/>
-              </a:ext>
-            </a:extLst>
-          </p:cNvPr>
-          <p:cNvSpPr>
-            <a:spLocks noChangeAspect="1" noChangeArrowheads="1"/>
-          </p:cNvSpPr>
-          <p:nvPr/>
-        </p:nvSpPr>
-        <p:spPr bwMode="auto">
-          <a:xfrm>
-            <a:off x="5943600" y="3276600"/>
-            <a:ext cx="304800" cy="304800"/>
-          </a:xfrm>
-          <a:prstGeom prst="rect">
-            <a:avLst/>
-          </a:prstGeom>
-          <a:noFill/>
-          <a:extLst>
-            <a:ext uri="{909E8E84-426E-40DD-AFC4-6F175D3DCCD1}">
-              <a14:hiddenFill xmlns:a14="http://schemas.microsoft.com/office/drawing/2010/main">
-                <a:solidFill>
-                  <a:srgbClr val="FFFFFF"/>
-                </a:solidFill>
-              </a14:hiddenFill>
-            </a:ext>
-          </a:extLst>
-        </p:spPr>
-        <p:txBody>
-          <a:bodyPr vert="horz" wrap="square" lIns="91440" tIns="45720" rIns="91440" bIns="45720" numCol="1" anchor="t" anchorCtr="0" compatLnSpc="1">
-            <a:prstTxWarp prst="textNoShape">
-              <a:avLst/>
-            </a:prstTxWarp>
-          </a:bodyPr>
-          <a:lstStyle/>
-          <a:p>
-            <a:endParaRPr lang="ru-RU"/>
-          </a:p>
-        </p:txBody>
-      </p:sp>
-      <p:pic>
-        <p:nvPicPr>
-          <p:cNvPr id="1038" name="Picture 14" descr="Javascript Html5 And Css - Html Css Js Badge PNG Transparent With Clear  Background ID 191472 | TopPNG">
-            <a:extLst>
-              <a:ext uri="{FF2B5EF4-FFF2-40B4-BE49-F238E27FC236}">
-                <a16:creationId xmlns:a16="http://schemas.microsoft.com/office/drawing/2014/main" id="{85015783-37F7-BDD4-D06A-F5358E662D37}"/>
-              </a:ext>
-            </a:extLst>
-          </p:cNvPr>
-          <p:cNvPicPr>
-            <a:picLocks noChangeAspect="1" noChangeArrowheads="1"/>
-          </p:cNvPicPr>
-          <p:nvPr/>
-        </p:nvPicPr>
-        <p:blipFill>
-          <a:blip r:embed="rId10">
-            <a:extLst>
-              <a:ext uri="{28A0092B-C50C-407E-A947-70E740481C1C}">
-                <a14:useLocalDpi xmlns:a14="http://schemas.microsoft.com/office/drawing/2010/main" val="0"/>
-              </a:ext>
-            </a:extLst>
-          </a:blip>
-          <a:srcRect/>
-          <a:stretch>
-            <a:fillRect/>
-          </a:stretch>
-        </p:blipFill>
-        <p:spPr bwMode="auto">
-          <a:xfrm>
-            <a:off x="4250422" y="5017105"/>
-            <a:ext cx="1020149" cy="597744"/>
-          </a:xfrm>
-          <a:prstGeom prst="rect">
-            <a:avLst/>
-          </a:prstGeom>
-          <a:noFill/>
-          <a:extLst>
-            <a:ext uri="{909E8E84-426E-40DD-AFC4-6F175D3DCCD1}">
-              <a14:hiddenFill xmlns:a14="http://schemas.microsoft.com/office/drawing/2010/main">
-                <a:solidFill>
-                  <a:srgbClr val="FFFFFF"/>
-                </a:solidFill>
-              </a14:hiddenFill>
-            </a:ext>
-          </a:extLst>
-        </p:spPr>
-      </p:pic>
-      <p:sp>
-        <p:nvSpPr>
-          <p:cNvPr id="9" name="TextBox 8">
-            <a:extLst>
-              <a:ext uri="{FF2B5EF4-FFF2-40B4-BE49-F238E27FC236}">
-                <a16:creationId xmlns:a16="http://schemas.microsoft.com/office/drawing/2014/main" id="{AD148D29-04A0-F407-B784-474CF76E8979}"/>
-              </a:ext>
-            </a:extLst>
-          </p:cNvPr>
-          <p:cNvSpPr txBox="1"/>
-          <p:nvPr/>
-        </p:nvSpPr>
-        <p:spPr>
-          <a:xfrm>
-            <a:off x="5878371" y="800629"/>
-            <a:ext cx="6362698" cy="2570704"/>
-          </a:xfrm>
-          <a:prstGeom prst="rect">
-            <a:avLst/>
-          </a:prstGeom>
-          <a:noFill/>
-        </p:spPr>
-        <p:txBody>
-          <a:bodyPr wrap="square">
-            <a:spAutoFit/>
-          </a:bodyPr>
-          <a:lstStyle/>
-          <a:p>
-            <a:pPr>
-              <a:lnSpc>
-                <a:spcPct val="150000"/>
-              </a:lnSpc>
-            </a:pPr>
-            <a:r>
-              <a:rPr lang="ru-RU" sz="2200" dirty="0">
-                <a:solidFill>
-                  <a:srgbClr val="FFFF00"/>
-                </a:solidFill>
-                <a:latin typeface="Tahoma" panose="020B0604030504040204" pitchFamily="34" charset="0"/>
-                <a:ea typeface="Tahoma" panose="020B0604030504040204" pitchFamily="34" charset="0"/>
-                <a:cs typeface="Tahoma" panose="020B0604030504040204" pitchFamily="34" charset="0"/>
-              </a:rPr>
-              <a:t>Средства разработки документации:</a:t>
-            </a:r>
-          </a:p>
-          <a:p>
-            <a:pPr marL="285750" indent="-285750">
-              <a:lnSpc>
-                <a:spcPct val="150000"/>
-              </a:lnSpc>
-              <a:buFont typeface="Arial" panose="020B0604020202020204" pitchFamily="34" charset="0"/>
-              <a:buChar char="•"/>
-            </a:pPr>
-            <a:r>
-              <a:rPr lang="en-US" sz="2200" dirty="0">
-                <a:latin typeface="Times New Roman" panose="02020603050405020304" pitchFamily="18" charset="0"/>
-                <a:cs typeface="Times New Roman" panose="02020603050405020304" pitchFamily="18" charset="0"/>
-              </a:rPr>
-              <a:t>Microsoft Word, PowerPoint;</a:t>
-            </a:r>
-          </a:p>
-          <a:p>
-            <a:pPr marL="285750" indent="-285750">
-              <a:lnSpc>
-                <a:spcPct val="150000"/>
-              </a:lnSpc>
-              <a:buFont typeface="Arial" panose="020B0604020202020204" pitchFamily="34" charset="0"/>
-              <a:buChar char="•"/>
-            </a:pPr>
-            <a:r>
-              <a:rPr lang="en-US" sz="2200" dirty="0" err="1">
-                <a:latin typeface="Times New Roman" panose="02020603050405020304" pitchFamily="18" charset="0"/>
-                <a:cs typeface="Times New Roman" panose="02020603050405020304" pitchFamily="18" charset="0"/>
-              </a:rPr>
-              <a:t>OnlineParadigm</a:t>
-            </a:r>
-            <a:r>
-              <a:rPr lang="en-US" sz="2200" dirty="0">
-                <a:latin typeface="Times New Roman" panose="02020603050405020304" pitchFamily="18" charset="0"/>
-                <a:cs typeface="Times New Roman" panose="02020603050405020304" pitchFamily="18" charset="0"/>
-              </a:rPr>
-              <a:t>;</a:t>
-            </a:r>
-          </a:p>
-          <a:p>
-            <a:pPr marL="285750" indent="-285750">
-              <a:lnSpc>
-                <a:spcPct val="150000"/>
-              </a:lnSpc>
-              <a:buFont typeface="Arial" panose="020B0604020202020204" pitchFamily="34" charset="0"/>
-              <a:buChar char="•"/>
-            </a:pPr>
-            <a:r>
-              <a:rPr lang="en-US" sz="2200" dirty="0">
-                <a:latin typeface="Times New Roman" panose="02020603050405020304" pitchFamily="18" charset="0"/>
-                <a:cs typeface="Times New Roman" panose="02020603050405020304" pitchFamily="18" charset="0"/>
-              </a:rPr>
-              <a:t>BPMN.io.</a:t>
-            </a:r>
-          </a:p>
-          <a:p>
-            <a:pPr marL="285750" indent="-285750">
-              <a:lnSpc>
-                <a:spcPct val="150000"/>
-              </a:lnSpc>
-              <a:buFont typeface="Arial" panose="020B0604020202020204" pitchFamily="34" charset="0"/>
-              <a:buChar char="•"/>
-            </a:pPr>
-            <a:endParaRPr lang="ru-RU" sz="2200" dirty="0">
-              <a:latin typeface="Times New Roman" panose="02020603050405020304" pitchFamily="18" charset="0"/>
-              <a:cs typeface="Times New Roman" panose="02020603050405020304" pitchFamily="18" charset="0"/>
-            </a:endParaRPr>
-          </a:p>
-        </p:txBody>
-      </p:sp>
-      <p:pic>
-        <p:nvPicPr>
-          <p:cNvPr id="10" name="Picture 2" descr="Visual Paradigm Онлайн Диаграммы Пресс-кит">
-            <a:extLst>
-              <a:ext uri="{FF2B5EF4-FFF2-40B4-BE49-F238E27FC236}">
-                <a16:creationId xmlns:a16="http://schemas.microsoft.com/office/drawing/2014/main" id="{BDE48AF4-E2D9-E4AF-F66E-7EE29BF907C1}"/>
-              </a:ext>
-            </a:extLst>
-          </p:cNvPr>
-          <p:cNvPicPr>
-            <a:picLocks noChangeAspect="1" noChangeArrowheads="1"/>
-          </p:cNvPicPr>
-          <p:nvPr/>
-        </p:nvPicPr>
-        <p:blipFill>
-          <a:blip r:embed="rId11">
-            <a:extLst>
-              <a:ext uri="{28A0092B-C50C-407E-A947-70E740481C1C}">
-                <a14:useLocalDpi xmlns:a14="http://schemas.microsoft.com/office/drawing/2010/main" val="0"/>
-              </a:ext>
-            </a:extLst>
-          </a:blip>
-          <a:srcRect/>
-          <a:stretch>
-            <a:fillRect/>
-          </a:stretch>
-        </p:blipFill>
-        <p:spPr bwMode="auto">
-          <a:xfrm>
-            <a:off x="8226757" y="1939745"/>
-            <a:ext cx="424915" cy="424915"/>
-          </a:xfrm>
-          <a:prstGeom prst="rect">
-            <a:avLst/>
-          </a:prstGeom>
-          <a:noFill/>
-          <a:extLst>
-            <a:ext uri="{909E8E84-426E-40DD-AFC4-6F175D3DCCD1}">
-              <a14:hiddenFill xmlns:a14="http://schemas.microsoft.com/office/drawing/2010/main">
-                <a:solidFill>
-                  <a:srgbClr val="FFFFFF"/>
-                </a:solidFill>
-              </a14:hiddenFill>
-            </a:ext>
-          </a:extLst>
-        </p:spPr>
-      </p:pic>
-      <p:pic>
-        <p:nvPicPr>
-          <p:cNvPr id="11" name="Picture 4" descr="Microsoft Word — Википедия">
-            <a:extLst>
-              <a:ext uri="{FF2B5EF4-FFF2-40B4-BE49-F238E27FC236}">
-                <a16:creationId xmlns:a16="http://schemas.microsoft.com/office/drawing/2014/main" id="{DE8D445E-4C5F-40E0-EA9B-64A0514A7472}"/>
-              </a:ext>
-            </a:extLst>
-          </p:cNvPr>
-          <p:cNvPicPr>
-            <a:picLocks noChangeAspect="1" noChangeArrowheads="1"/>
-          </p:cNvPicPr>
-          <p:nvPr/>
-        </p:nvPicPr>
-        <p:blipFill>
-          <a:blip r:embed="rId12">
-            <a:extLst>
-              <a:ext uri="{28A0092B-C50C-407E-A947-70E740481C1C}">
-                <a14:useLocalDpi xmlns:a14="http://schemas.microsoft.com/office/drawing/2010/main" val="0"/>
-              </a:ext>
-            </a:extLst>
-          </a:blip>
-          <a:srcRect/>
-          <a:stretch>
-            <a:fillRect/>
-          </a:stretch>
-        </p:blipFill>
-        <p:spPr bwMode="auto">
-          <a:xfrm>
-            <a:off x="9651197" y="1426497"/>
-            <a:ext cx="443429" cy="412937"/>
-          </a:xfrm>
-          <a:prstGeom prst="rect">
-            <a:avLst/>
-          </a:prstGeom>
-          <a:noFill/>
-          <a:extLst>
-            <a:ext uri="{909E8E84-426E-40DD-AFC4-6F175D3DCCD1}">
-              <a14:hiddenFill xmlns:a14="http://schemas.microsoft.com/office/drawing/2010/main">
-                <a:solidFill>
-                  <a:srgbClr val="FFFFFF"/>
-                </a:solidFill>
-              </a14:hiddenFill>
-            </a:ext>
-          </a:extLst>
-        </p:spPr>
-      </p:pic>
-      <p:pic>
-        <p:nvPicPr>
-          <p:cNvPr id="12" name="Picture 6" descr="Microsoft PowerPoint — Википедия">
-            <a:extLst>
-              <a:ext uri="{FF2B5EF4-FFF2-40B4-BE49-F238E27FC236}">
-                <a16:creationId xmlns:a16="http://schemas.microsoft.com/office/drawing/2014/main" id="{09D27354-978F-8D54-D112-3BDC7E757DC5}"/>
-              </a:ext>
-            </a:extLst>
-          </p:cNvPr>
-          <p:cNvPicPr>
-            <a:picLocks noChangeAspect="1" noChangeArrowheads="1"/>
-          </p:cNvPicPr>
-          <p:nvPr/>
-        </p:nvPicPr>
-        <p:blipFill>
-          <a:blip r:embed="rId13">
-            <a:extLst>
-              <a:ext uri="{28A0092B-C50C-407E-A947-70E740481C1C}">
-                <a14:useLocalDpi xmlns:a14="http://schemas.microsoft.com/office/drawing/2010/main" val="0"/>
-              </a:ext>
-            </a:extLst>
-          </a:blip>
-          <a:srcRect/>
-          <a:stretch>
-            <a:fillRect/>
-          </a:stretch>
-        </p:blipFill>
-        <p:spPr bwMode="auto">
-          <a:xfrm>
-            <a:off x="10255949" y="1454897"/>
-            <a:ext cx="382433" cy="356135"/>
-          </a:xfrm>
-          <a:prstGeom prst="rect">
-            <a:avLst/>
-          </a:prstGeom>
-          <a:noFill/>
-          <a:extLst>
-            <a:ext uri="{909E8E84-426E-40DD-AFC4-6F175D3DCCD1}">
-              <a14:hiddenFill xmlns:a14="http://schemas.microsoft.com/office/drawing/2010/main">
-                <a:solidFill>
-                  <a:srgbClr val="FFFFFF"/>
-                </a:solidFill>
-              </a14:hiddenFill>
-            </a:ext>
-          </a:extLst>
-        </p:spPr>
-      </p:pic>
-      <p:pic>
-        <p:nvPicPr>
-          <p:cNvPr id="14" name="Picture 10" descr="bpmn.io · GitHub">
-            <a:extLst>
-              <a:ext uri="{FF2B5EF4-FFF2-40B4-BE49-F238E27FC236}">
-                <a16:creationId xmlns:a16="http://schemas.microsoft.com/office/drawing/2014/main" id="{44C413AC-1320-A969-5241-402AD46BE015}"/>
-              </a:ext>
-            </a:extLst>
-          </p:cNvPr>
-          <p:cNvPicPr>
-            <a:picLocks noChangeAspect="1" noChangeArrowheads="1"/>
-          </p:cNvPicPr>
-          <p:nvPr/>
-        </p:nvPicPr>
-        <p:blipFill>
-          <a:blip r:embed="rId14">
-            <a:extLst>
-              <a:ext uri="{28A0092B-C50C-407E-A947-70E740481C1C}">
-                <a14:useLocalDpi xmlns:a14="http://schemas.microsoft.com/office/drawing/2010/main" val="0"/>
-              </a:ext>
-            </a:extLst>
-          </a:blip>
-          <a:srcRect/>
-          <a:stretch>
-            <a:fillRect/>
-          </a:stretch>
-        </p:blipFill>
-        <p:spPr bwMode="auto">
-          <a:xfrm>
-            <a:off x="7451129" y="2400006"/>
-            <a:ext cx="424915" cy="424915"/>
-          </a:xfrm>
-          <a:prstGeom prst="rect">
-            <a:avLst/>
-          </a:prstGeom>
-          <a:noFill/>
-          <a:extLst>
-            <a:ext uri="{909E8E84-426E-40DD-AFC4-6F175D3DCCD1}">
-              <a14:hiddenFill xmlns:a14="http://schemas.microsoft.com/office/drawing/2010/main">
-                <a:solidFill>
-                  <a:srgbClr val="FFFFFF"/>
-                </a:solidFill>
-              </a14:hiddenFill>
-            </a:ext>
-          </a:extLst>
-        </p:spPr>
-      </p:pic>
-    </p:spTree>
-    <p:extLst>
-      <p:ext uri="{BB962C8B-B14F-4D97-AF65-F5344CB8AC3E}">
-        <p14:creationId xmlns:p14="http://schemas.microsoft.com/office/powerpoint/2010/main" val="3648442274"/>
-      </p:ext>
-    </p:extLst>
-  </p:cSld>
-  <p:clrMapOvr>
-    <a:masterClrMapping/>
-  </p:clrMapOvr>
-  <mc:AlternateContent xmlns:mc="http://schemas.openxmlformats.org/markup-compatibility/2006" xmlns:p14="http://schemas.microsoft.com/office/powerpoint/2010/main">
-    <mc:Choice Requires="p14">
-      <p:transition spd="med" p14:dur="700">
-        <p:fade/>
-      </p:transition>
-    </mc:Choice>
-    <mc:Fallback xmlns="">
-      <p:transition spd="med">
-        <p:fade/>
-      </p:transition>
-    </mc:Fallback>
-  </mc:AlternateContent>
-</p:sld>
-</file>
-
-<file path=ppt/slides/slide17.xml><?xml version="1.0" encoding="utf-8"?>
-<p:sld xmlns:a="http://schemas.openxmlformats.org/drawingml/2006/main" xmlns:r="http://schemas.openxmlformats.org/officeDocument/2006/relationships" xmlns:p="http://schemas.openxmlformats.org/presentationml/2006/main">
-  <p:cSld>
-    <p:spTree>
-      <p:nvGrpSpPr>
-        <p:cNvPr id="1" name=""/>
-        <p:cNvGrpSpPr/>
-        <p:nvPr/>
-      </p:nvGrpSpPr>
-      <p:grpSpPr>
-        <a:xfrm>
-          <a:off x="0" y="0"/>
-          <a:ext cx="0" cy="0"/>
-          <a:chOff x="0" y="0"/>
-          <a:chExt cx="0" cy="0"/>
-        </a:xfrm>
-      </p:grpSpPr>
-      <p:sp>
-        <p:nvSpPr>
           <p:cNvPr id="7" name="Заголовок 1">
             <a:extLst>
               <a:ext uri="{FF2B5EF4-FFF2-40B4-BE49-F238E27FC236}">
@@ -23975,7 +22349,7 @@
                 <a:cs typeface="Tahoma" panose="020B0604030504040204" pitchFamily="34" charset="0"/>
               </a:rPr>
               <a:pPr algn="ctr"/>
-              <a:t>17</a:t>
+              <a:t>15</a:t>
             </a:fld>
             <a:endParaRPr lang="ru-RU" sz="2200" dirty="0">
               <a:latin typeface="Tahoma" panose="020B0604030504040204" pitchFamily="34" charset="0"/>
@@ -24490,6 +22864,1632 @@
 </p:sld>
 </file>
 
+<file path=ppt/slides/slide16.xml><?xml version="1.0" encoding="utf-8"?>
+<p:sld xmlns:a="http://schemas.openxmlformats.org/drawingml/2006/main" xmlns:r="http://schemas.openxmlformats.org/officeDocument/2006/relationships" xmlns:p="http://schemas.openxmlformats.org/presentationml/2006/main">
+  <p:cSld>
+    <p:spTree>
+      <p:nvGrpSpPr>
+        <p:cNvPr id="1" name=""/>
+        <p:cNvGrpSpPr/>
+        <p:nvPr/>
+      </p:nvGrpSpPr>
+      <p:grpSpPr>
+        <a:xfrm>
+          <a:off x="0" y="0"/>
+          <a:ext cx="0" cy="0"/>
+          <a:chOff x="0" y="0"/>
+          <a:chExt cx="0" cy="0"/>
+        </a:xfrm>
+      </p:grpSpPr>
+      <p:sp>
+        <p:nvSpPr>
+          <p:cNvPr id="2" name="Заголовок 1">
+            <a:extLst>
+              <a:ext uri="{FF2B5EF4-FFF2-40B4-BE49-F238E27FC236}">
+                <a16:creationId xmlns:a16="http://schemas.microsoft.com/office/drawing/2014/main" id="{23799081-69DC-E5FF-6C44-EE26B275098A}"/>
+              </a:ext>
+            </a:extLst>
+          </p:cNvPr>
+          <p:cNvSpPr>
+            <a:spLocks noGrp="1"/>
+          </p:cNvSpPr>
+          <p:nvPr>
+            <p:ph type="title"/>
+          </p:nvPr>
+        </p:nvSpPr>
+        <p:spPr>
+          <a:xfrm>
+            <a:off x="1" y="9144"/>
+            <a:ext cx="12191999" cy="731520"/>
+          </a:xfrm>
+        </p:spPr>
+        <p:txBody>
+          <a:bodyPr>
+            <a:noAutofit/>
+          </a:bodyPr>
+          <a:lstStyle/>
+          <a:p>
+            <a:pPr algn="ctr"/>
+            <a:r>
+              <a:rPr lang="ru-RU" dirty="0">
+                <a:latin typeface="Times New Roman" panose="02020603050405020304" pitchFamily="18" charset="0"/>
+                <a:cs typeface="Times New Roman" panose="02020603050405020304" pitchFamily="18" charset="0"/>
+              </a:rPr>
+              <a:t>БЕЗОПАСНОСТЬ</a:t>
+            </a:r>
+            <a:endParaRPr lang="ru-RU" dirty="0"/>
+          </a:p>
+        </p:txBody>
+      </p:sp>
+      <p:sp>
+        <p:nvSpPr>
+          <p:cNvPr id="5" name="Номер слайда 4">
+            <a:extLst>
+              <a:ext uri="{FF2B5EF4-FFF2-40B4-BE49-F238E27FC236}">
+                <a16:creationId xmlns:a16="http://schemas.microsoft.com/office/drawing/2014/main" id="{F9D77489-2275-14CA-926D-64F6E9FF9334}"/>
+              </a:ext>
+            </a:extLst>
+          </p:cNvPr>
+          <p:cNvSpPr txBox="1">
+            <a:spLocks/>
+          </p:cNvSpPr>
+          <p:nvPr/>
+        </p:nvSpPr>
+        <p:spPr>
+          <a:xfrm>
+            <a:off x="11171852" y="0"/>
+            <a:ext cx="1020148" cy="658368"/>
+          </a:xfrm>
+          <a:prstGeom prst="rect">
+            <a:avLst/>
+          </a:prstGeom>
+        </p:spPr>
+        <p:txBody>
+          <a:bodyPr vert="horz" lIns="91440" tIns="45720" rIns="91440" bIns="45720" rtlCol="0" anchor="ctr"/>
+          <a:lstStyle>
+            <a:defPPr>
+              <a:defRPr lang="en-US"/>
+            </a:defPPr>
+            <a:lvl1pPr marL="0" algn="r" defTabSz="457200" rtl="0" eaLnBrk="1" latinLnBrk="0" hangingPunct="1">
+              <a:defRPr sz="1000" b="0" i="0" kern="1200">
+                <a:solidFill>
+                  <a:schemeClr val="tx1"/>
+                </a:solidFill>
+                <a:effectLst/>
+                <a:latin typeface="+mn-lt"/>
+                <a:ea typeface="+mn-ea"/>
+                <a:cs typeface="+mn-cs"/>
+              </a:defRPr>
+            </a:lvl1pPr>
+            <a:lvl2pPr marL="457200" algn="l" defTabSz="457200" rtl="0" eaLnBrk="1" latinLnBrk="0" hangingPunct="1">
+              <a:defRPr sz="1800" kern="1200">
+                <a:solidFill>
+                  <a:schemeClr val="tx1"/>
+                </a:solidFill>
+                <a:latin typeface="+mn-lt"/>
+                <a:ea typeface="+mn-ea"/>
+                <a:cs typeface="+mn-cs"/>
+              </a:defRPr>
+            </a:lvl2pPr>
+            <a:lvl3pPr marL="914400" algn="l" defTabSz="457200" rtl="0" eaLnBrk="1" latinLnBrk="0" hangingPunct="1">
+              <a:defRPr sz="1800" kern="1200">
+                <a:solidFill>
+                  <a:schemeClr val="tx1"/>
+                </a:solidFill>
+                <a:latin typeface="+mn-lt"/>
+                <a:ea typeface="+mn-ea"/>
+                <a:cs typeface="+mn-cs"/>
+              </a:defRPr>
+            </a:lvl3pPr>
+            <a:lvl4pPr marL="1371600" algn="l" defTabSz="457200" rtl="0" eaLnBrk="1" latinLnBrk="0" hangingPunct="1">
+              <a:defRPr sz="1800" kern="1200">
+                <a:solidFill>
+                  <a:schemeClr val="tx1"/>
+                </a:solidFill>
+                <a:latin typeface="+mn-lt"/>
+                <a:ea typeface="+mn-ea"/>
+                <a:cs typeface="+mn-cs"/>
+              </a:defRPr>
+            </a:lvl4pPr>
+            <a:lvl5pPr marL="1828800" algn="l" defTabSz="457200" rtl="0" eaLnBrk="1" latinLnBrk="0" hangingPunct="1">
+              <a:defRPr sz="1800" kern="1200">
+                <a:solidFill>
+                  <a:schemeClr val="tx1"/>
+                </a:solidFill>
+                <a:latin typeface="+mn-lt"/>
+                <a:ea typeface="+mn-ea"/>
+                <a:cs typeface="+mn-cs"/>
+              </a:defRPr>
+            </a:lvl5pPr>
+            <a:lvl6pPr marL="2286000" algn="l" defTabSz="457200" rtl="0" eaLnBrk="1" latinLnBrk="0" hangingPunct="1">
+              <a:defRPr sz="1800" kern="1200">
+                <a:solidFill>
+                  <a:schemeClr val="tx1"/>
+                </a:solidFill>
+                <a:latin typeface="+mn-lt"/>
+                <a:ea typeface="+mn-ea"/>
+                <a:cs typeface="+mn-cs"/>
+              </a:defRPr>
+            </a:lvl6pPr>
+            <a:lvl7pPr marL="2743200" algn="l" defTabSz="457200" rtl="0" eaLnBrk="1" latinLnBrk="0" hangingPunct="1">
+              <a:defRPr sz="1800" kern="1200">
+                <a:solidFill>
+                  <a:schemeClr val="tx1"/>
+                </a:solidFill>
+                <a:latin typeface="+mn-lt"/>
+                <a:ea typeface="+mn-ea"/>
+                <a:cs typeface="+mn-cs"/>
+              </a:defRPr>
+            </a:lvl7pPr>
+            <a:lvl8pPr marL="3200400" algn="l" defTabSz="457200" rtl="0" eaLnBrk="1" latinLnBrk="0" hangingPunct="1">
+              <a:defRPr sz="1800" kern="1200">
+                <a:solidFill>
+                  <a:schemeClr val="tx1"/>
+                </a:solidFill>
+                <a:latin typeface="+mn-lt"/>
+                <a:ea typeface="+mn-ea"/>
+                <a:cs typeface="+mn-cs"/>
+              </a:defRPr>
+            </a:lvl8pPr>
+            <a:lvl9pPr marL="3657600" algn="l" defTabSz="457200" rtl="0" eaLnBrk="1" latinLnBrk="0" hangingPunct="1">
+              <a:defRPr sz="1800" kern="1200">
+                <a:solidFill>
+                  <a:schemeClr val="tx1"/>
+                </a:solidFill>
+                <a:latin typeface="+mn-lt"/>
+                <a:ea typeface="+mn-ea"/>
+                <a:cs typeface="+mn-cs"/>
+              </a:defRPr>
+            </a:lvl9pPr>
+          </a:lstStyle>
+          <a:p>
+            <a:pPr algn="ctr"/>
+            <a:fld id="{E674C0A0-8DE9-4942-9F1B-2332F349D007}" type="slidenum">
+              <a:rPr lang="ru-RU" sz="2200" smtClean="0">
+                <a:latin typeface="Tahoma" panose="020B0604030504040204" pitchFamily="34" charset="0"/>
+                <a:ea typeface="Tahoma" panose="020B0604030504040204" pitchFamily="34" charset="0"/>
+                <a:cs typeface="Tahoma" panose="020B0604030504040204" pitchFamily="34" charset="0"/>
+              </a:rPr>
+              <a:pPr algn="ctr"/>
+              <a:t>16</a:t>
+            </a:fld>
+            <a:endParaRPr lang="ru-RU" sz="2200" dirty="0">
+              <a:latin typeface="Tahoma" panose="020B0604030504040204" pitchFamily="34" charset="0"/>
+              <a:ea typeface="Tahoma" panose="020B0604030504040204" pitchFamily="34" charset="0"/>
+              <a:cs typeface="Tahoma" panose="020B0604030504040204" pitchFamily="34" charset="0"/>
+            </a:endParaRPr>
+          </a:p>
+        </p:txBody>
+      </p:sp>
+      <p:sp>
+        <p:nvSpPr>
+          <p:cNvPr id="4" name="TextBox 3">
+            <a:extLst>
+              <a:ext uri="{FF2B5EF4-FFF2-40B4-BE49-F238E27FC236}">
+                <a16:creationId xmlns:a16="http://schemas.microsoft.com/office/drawing/2014/main" id="{DCEDC5D2-5CCB-6C7C-3CE1-37BE6A614728}"/>
+              </a:ext>
+            </a:extLst>
+          </p:cNvPr>
+          <p:cNvSpPr txBox="1"/>
+          <p:nvPr/>
+        </p:nvSpPr>
+        <p:spPr>
+          <a:xfrm>
+            <a:off x="562707" y="899690"/>
+            <a:ext cx="11170489" cy="5683486"/>
+          </a:xfrm>
+          <a:prstGeom prst="rect">
+            <a:avLst/>
+          </a:prstGeom>
+          <a:noFill/>
+        </p:spPr>
+        <p:txBody>
+          <a:bodyPr wrap="square" rtlCol="0">
+            <a:noAutofit/>
+          </a:bodyPr>
+          <a:lstStyle/>
+          <a:p>
+            <a:pPr algn="ctr">
+              <a:lnSpc>
+                <a:spcPct val="125000"/>
+              </a:lnSpc>
+            </a:pPr>
+            <a:r>
+              <a:rPr lang="ru-RU" sz="2200" dirty="0">
+                <a:solidFill>
+                  <a:srgbClr val="FFFF00"/>
+                </a:solidFill>
+                <a:latin typeface="Tahoma" panose="020B0604030504040204" pitchFamily="34" charset="0"/>
+                <a:ea typeface="Tahoma" panose="020B0604030504040204" pitchFamily="34" charset="0"/>
+                <a:cs typeface="Tahoma" panose="020B0604030504040204" pitchFamily="34" charset="0"/>
+              </a:rPr>
+              <a:t>ПРО БЕЗОПАСНОСТЬ</a:t>
+            </a:r>
+          </a:p>
+          <a:p>
+            <a:pPr>
+              <a:lnSpc>
+                <a:spcPct val="125000"/>
+              </a:lnSpc>
+            </a:pPr>
+            <a:endParaRPr lang="en-US" sz="2200" dirty="0">
+              <a:latin typeface="Times New Roman" panose="02020603050405020304" pitchFamily="18" charset="0"/>
+              <a:cs typeface="Times New Roman" panose="02020603050405020304" pitchFamily="18" charset="0"/>
+            </a:endParaRPr>
+          </a:p>
+        </p:txBody>
+      </p:sp>
+    </p:spTree>
+    <p:extLst>
+      <p:ext uri="{BB962C8B-B14F-4D97-AF65-F5344CB8AC3E}">
+        <p14:creationId xmlns:p14="http://schemas.microsoft.com/office/powerpoint/2010/main" val="2251701417"/>
+      </p:ext>
+    </p:extLst>
+  </p:cSld>
+  <p:clrMapOvr>
+    <a:masterClrMapping/>
+  </p:clrMapOvr>
+  <mc:AlternateContent xmlns:mc="http://schemas.openxmlformats.org/markup-compatibility/2006" xmlns:p14="http://schemas.microsoft.com/office/powerpoint/2010/main">
+    <mc:Choice Requires="p14">
+      <p:transition spd="med" p14:dur="700">
+        <p:fade/>
+      </p:transition>
+    </mc:Choice>
+    <mc:Fallback xmlns="">
+      <p:transition spd="med">
+        <p:fade/>
+      </p:transition>
+    </mc:Fallback>
+  </mc:AlternateContent>
+</p:sld>
+</file>
+
+<file path=ppt/slides/slide17.xml><?xml version="1.0" encoding="utf-8"?>
+<p:sld xmlns:a="http://schemas.openxmlformats.org/drawingml/2006/main" xmlns:r="http://schemas.openxmlformats.org/officeDocument/2006/relationships" xmlns:p="http://schemas.openxmlformats.org/presentationml/2006/main">
+  <p:cSld>
+    <p:spTree>
+      <p:nvGrpSpPr>
+        <p:cNvPr id="1" name=""/>
+        <p:cNvGrpSpPr/>
+        <p:nvPr/>
+      </p:nvGrpSpPr>
+      <p:grpSpPr>
+        <a:xfrm>
+          <a:off x="0" y="0"/>
+          <a:ext cx="0" cy="0"/>
+          <a:chOff x="0" y="0"/>
+          <a:chExt cx="0" cy="0"/>
+        </a:xfrm>
+      </p:grpSpPr>
+      <p:sp>
+        <p:nvSpPr>
+          <p:cNvPr id="2" name="Заголовок 1">
+            <a:extLst>
+              <a:ext uri="{FF2B5EF4-FFF2-40B4-BE49-F238E27FC236}">
+                <a16:creationId xmlns:a16="http://schemas.microsoft.com/office/drawing/2014/main" id="{6180C8AA-7561-F3BA-FC31-46C06530ED41}"/>
+              </a:ext>
+            </a:extLst>
+          </p:cNvPr>
+          <p:cNvSpPr>
+            <a:spLocks noGrp="1"/>
+          </p:cNvSpPr>
+          <p:nvPr>
+            <p:ph type="title"/>
+          </p:nvPr>
+        </p:nvSpPr>
+        <p:spPr>
+          <a:xfrm>
+            <a:off x="0" y="6096"/>
+            <a:ext cx="12191999" cy="688848"/>
+          </a:xfrm>
+        </p:spPr>
+        <p:txBody>
+          <a:bodyPr/>
+          <a:lstStyle/>
+          <a:p>
+            <a:pPr algn="ctr"/>
+            <a:r>
+              <a:rPr lang="ru-RU" dirty="0">
+                <a:latin typeface="Times New Roman" panose="02020603050405020304" pitchFamily="18" charset="0"/>
+                <a:cs typeface="Times New Roman" panose="02020603050405020304" pitchFamily="18" charset="0"/>
+              </a:rPr>
+              <a:t>СВЕДЕНИЯ О проекте</a:t>
+            </a:r>
+            <a:endParaRPr lang="ru-RU" dirty="0"/>
+          </a:p>
+        </p:txBody>
+      </p:sp>
+      <p:sp>
+        <p:nvSpPr>
+          <p:cNvPr id="5" name="TextBox 4">
+            <a:extLst>
+              <a:ext uri="{FF2B5EF4-FFF2-40B4-BE49-F238E27FC236}">
+                <a16:creationId xmlns:a16="http://schemas.microsoft.com/office/drawing/2014/main" id="{7D1D1E67-62A4-5E00-9B5C-F74D0DA5F37E}"/>
+              </a:ext>
+            </a:extLst>
+          </p:cNvPr>
+          <p:cNvSpPr txBox="1"/>
+          <p:nvPr/>
+        </p:nvSpPr>
+        <p:spPr>
+          <a:xfrm>
+            <a:off x="562707" y="899690"/>
+            <a:ext cx="5978769" cy="5683486"/>
+          </a:xfrm>
+          <a:prstGeom prst="rect">
+            <a:avLst/>
+          </a:prstGeom>
+          <a:noFill/>
+        </p:spPr>
+        <p:txBody>
+          <a:bodyPr wrap="square" rtlCol="0">
+            <a:noAutofit/>
+          </a:bodyPr>
+          <a:lstStyle/>
+          <a:p>
+            <a:pPr>
+              <a:lnSpc>
+                <a:spcPct val="125000"/>
+              </a:lnSpc>
+            </a:pPr>
+            <a:r>
+              <a:rPr lang="ru-RU" sz="2200" dirty="0">
+                <a:solidFill>
+                  <a:srgbClr val="FFFF00"/>
+                </a:solidFill>
+                <a:latin typeface="Tahoma" panose="020B0604030504040204" pitchFamily="34" charset="0"/>
+                <a:ea typeface="Tahoma" panose="020B0604030504040204" pitchFamily="34" charset="0"/>
+                <a:cs typeface="Tahoma" panose="020B0604030504040204" pitchFamily="34" charset="0"/>
+              </a:rPr>
+              <a:t>Средства разработки серверной части системы:</a:t>
+            </a:r>
+          </a:p>
+          <a:p>
+            <a:pPr marL="285750" indent="-285750">
+              <a:lnSpc>
+                <a:spcPct val="125000"/>
+              </a:lnSpc>
+              <a:buFont typeface="Arial" panose="020B0604020202020204" pitchFamily="34" charset="0"/>
+              <a:buChar char="•"/>
+            </a:pPr>
+            <a:r>
+              <a:rPr lang="ru-RU" sz="2200" dirty="0">
+                <a:latin typeface="Times New Roman" panose="02020603050405020304" pitchFamily="18" charset="0"/>
+                <a:cs typeface="Times New Roman" panose="02020603050405020304" pitchFamily="18" charset="0"/>
+              </a:rPr>
+              <a:t>Язык программирования </a:t>
+            </a:r>
+            <a:r>
+              <a:rPr lang="en-US" sz="2200" dirty="0">
+                <a:latin typeface="Times New Roman" panose="02020603050405020304" pitchFamily="18" charset="0"/>
+                <a:cs typeface="Times New Roman" panose="02020603050405020304" pitchFamily="18" charset="0"/>
+              </a:rPr>
+              <a:t>PHP </a:t>
+            </a:r>
+            <a:r>
+              <a:rPr lang="ru-RU" sz="2200" dirty="0">
+                <a:latin typeface="Times New Roman" panose="02020603050405020304" pitchFamily="18" charset="0"/>
+                <a:cs typeface="Times New Roman" panose="02020603050405020304" pitchFamily="18" charset="0"/>
+              </a:rPr>
+              <a:t>7.4</a:t>
+            </a:r>
+            <a:r>
+              <a:rPr lang="en-US" sz="2200" dirty="0">
+                <a:latin typeface="Times New Roman" panose="02020603050405020304" pitchFamily="18" charset="0"/>
+                <a:cs typeface="Times New Roman" panose="02020603050405020304" pitchFamily="18" charset="0"/>
+              </a:rPr>
+              <a:t>; </a:t>
+            </a:r>
+          </a:p>
+          <a:p>
+            <a:pPr marL="285750" indent="-285750">
+              <a:lnSpc>
+                <a:spcPct val="125000"/>
+              </a:lnSpc>
+              <a:buFont typeface="Arial" panose="020B0604020202020204" pitchFamily="34" charset="0"/>
+              <a:buChar char="•"/>
+            </a:pPr>
+            <a:r>
+              <a:rPr lang="en-US" sz="2200" dirty="0">
+                <a:latin typeface="Times New Roman" panose="02020603050405020304" pitchFamily="18" charset="0"/>
+                <a:cs typeface="Times New Roman" panose="02020603050405020304" pitchFamily="18" charset="0"/>
+              </a:rPr>
+              <a:t>Apache </a:t>
+            </a:r>
+            <a:r>
+              <a:rPr lang="ru-RU" sz="2200" dirty="0">
+                <a:latin typeface="Times New Roman" panose="02020603050405020304" pitchFamily="18" charset="0"/>
+                <a:cs typeface="Times New Roman" panose="02020603050405020304" pitchFamily="18" charset="0"/>
+              </a:rPr>
+              <a:t>2.4;</a:t>
+            </a:r>
+            <a:endParaRPr lang="en-US" sz="2200" dirty="0">
+              <a:latin typeface="Times New Roman" panose="02020603050405020304" pitchFamily="18" charset="0"/>
+              <a:cs typeface="Times New Roman" panose="02020603050405020304" pitchFamily="18" charset="0"/>
+            </a:endParaRPr>
+          </a:p>
+          <a:p>
+            <a:pPr marL="285750" indent="-285750">
+              <a:lnSpc>
+                <a:spcPct val="125000"/>
+              </a:lnSpc>
+              <a:buFont typeface="Arial" panose="020B0604020202020204" pitchFamily="34" charset="0"/>
+              <a:buChar char="•"/>
+            </a:pPr>
+            <a:r>
+              <a:rPr lang="en-US" sz="2200" dirty="0">
+                <a:latin typeface="Times New Roman" panose="02020603050405020304" pitchFamily="18" charset="0"/>
+                <a:cs typeface="Times New Roman" panose="02020603050405020304" pitchFamily="18" charset="0"/>
+              </a:rPr>
+              <a:t>Yii2 Advanced Framework;</a:t>
+            </a:r>
+          </a:p>
+          <a:p>
+            <a:pPr marL="285750" indent="-285750">
+              <a:lnSpc>
+                <a:spcPct val="125000"/>
+              </a:lnSpc>
+              <a:buFont typeface="Arial" panose="020B0604020202020204" pitchFamily="34" charset="0"/>
+              <a:buChar char="•"/>
+            </a:pPr>
+            <a:r>
+              <a:rPr lang="ru-RU" sz="2200" dirty="0">
+                <a:latin typeface="Times New Roman" panose="02020603050405020304" pitchFamily="18" charset="0"/>
+                <a:cs typeface="Times New Roman" panose="02020603050405020304" pitchFamily="18" charset="0"/>
+              </a:rPr>
+              <a:t>База данных </a:t>
+            </a:r>
+            <a:r>
+              <a:rPr lang="en-US" sz="2200" dirty="0">
+                <a:latin typeface="Times New Roman" panose="02020603050405020304" pitchFamily="18" charset="0"/>
+                <a:cs typeface="Times New Roman" panose="02020603050405020304" pitchFamily="18" charset="0"/>
+              </a:rPr>
+              <a:t>MariaDB 10.3;</a:t>
+            </a:r>
+          </a:p>
+          <a:p>
+            <a:pPr marL="285750" indent="-285750">
+              <a:lnSpc>
+                <a:spcPct val="125000"/>
+              </a:lnSpc>
+              <a:buFont typeface="Arial" panose="020B0604020202020204" pitchFamily="34" charset="0"/>
+              <a:buChar char="•"/>
+            </a:pPr>
+            <a:r>
+              <a:rPr lang="en-US" sz="2200" dirty="0">
+                <a:latin typeface="Times New Roman" panose="02020603050405020304" pitchFamily="18" charset="0"/>
+                <a:cs typeface="Times New Roman" panose="02020603050405020304" pitchFamily="18" charset="0"/>
+              </a:rPr>
+              <a:t>Redis 4.0;</a:t>
+            </a:r>
+            <a:endParaRPr lang="ru-RU" sz="2200" dirty="0">
+              <a:latin typeface="Times New Roman" panose="02020603050405020304" pitchFamily="18" charset="0"/>
+              <a:cs typeface="Times New Roman" panose="02020603050405020304" pitchFamily="18" charset="0"/>
+            </a:endParaRPr>
+          </a:p>
+          <a:p>
+            <a:pPr marL="285750" indent="-285750">
+              <a:lnSpc>
+                <a:spcPct val="125000"/>
+              </a:lnSpc>
+              <a:buFont typeface="Arial" panose="020B0604020202020204" pitchFamily="34" charset="0"/>
+              <a:buChar char="•"/>
+            </a:pPr>
+            <a:r>
+              <a:rPr lang="en-US" sz="2200" dirty="0">
+                <a:latin typeface="Times New Roman" panose="02020603050405020304" pitchFamily="18" charset="0"/>
+                <a:cs typeface="Times New Roman" panose="02020603050405020304" pitchFamily="18" charset="0"/>
+              </a:rPr>
+              <a:t>RabbitMQ 4.0.7. </a:t>
+            </a:r>
+            <a:endParaRPr lang="ru-RU" sz="2200" dirty="0">
+              <a:latin typeface="Times New Roman" panose="02020603050405020304" pitchFamily="18" charset="0"/>
+              <a:cs typeface="Times New Roman" panose="02020603050405020304" pitchFamily="18" charset="0"/>
+            </a:endParaRPr>
+          </a:p>
+          <a:p>
+            <a:pPr>
+              <a:lnSpc>
+                <a:spcPct val="125000"/>
+              </a:lnSpc>
+            </a:pPr>
+            <a:r>
+              <a:rPr lang="ru-RU" sz="2200" dirty="0">
+                <a:solidFill>
+                  <a:srgbClr val="FFFF00"/>
+                </a:solidFill>
+                <a:latin typeface="Tahoma" panose="020B0604030504040204" pitchFamily="34" charset="0"/>
+                <a:ea typeface="Tahoma" panose="020B0604030504040204" pitchFamily="34" charset="0"/>
+                <a:cs typeface="Tahoma" panose="020B0604030504040204" pitchFamily="34" charset="0"/>
+              </a:rPr>
+              <a:t>Средства разработки клиентской части системы:</a:t>
+            </a:r>
+          </a:p>
+          <a:p>
+            <a:pPr marL="342900" indent="-342900">
+              <a:lnSpc>
+                <a:spcPct val="125000"/>
+              </a:lnSpc>
+              <a:buFont typeface="Arial" panose="020B0604020202020204" pitchFamily="34" charset="0"/>
+              <a:buChar char="•"/>
+            </a:pPr>
+            <a:r>
+              <a:rPr lang="en-US" sz="2200" dirty="0">
+                <a:latin typeface="Times New Roman" panose="02020603050405020304" pitchFamily="18" charset="0"/>
+                <a:cs typeface="Times New Roman" panose="02020603050405020304" pitchFamily="18" charset="0"/>
+              </a:rPr>
+              <a:t>HTML 5, CSS 3, JavaScript; </a:t>
+            </a:r>
+          </a:p>
+          <a:p>
+            <a:pPr marL="342900" indent="-342900">
+              <a:lnSpc>
+                <a:spcPct val="125000"/>
+              </a:lnSpc>
+              <a:buFont typeface="Arial" panose="020B0604020202020204" pitchFamily="34" charset="0"/>
+              <a:buChar char="•"/>
+            </a:pPr>
+            <a:r>
+              <a:rPr lang="en-US" sz="2200" dirty="0">
+                <a:latin typeface="Times New Roman" panose="02020603050405020304" pitchFamily="18" charset="0"/>
+                <a:ea typeface="Tahoma" panose="020B0604030504040204" pitchFamily="34" charset="0"/>
+                <a:cs typeface="Times New Roman" panose="02020603050405020304" pitchFamily="18" charset="0"/>
+              </a:rPr>
+              <a:t>jQuery.</a:t>
+            </a:r>
+            <a:endParaRPr lang="ru-RU" sz="2200" dirty="0">
+              <a:latin typeface="Tahoma" panose="020B0604030504040204" pitchFamily="34" charset="0"/>
+              <a:ea typeface="Tahoma" panose="020B0604030504040204" pitchFamily="34" charset="0"/>
+              <a:cs typeface="Tahoma" panose="020B0604030504040204" pitchFamily="34" charset="0"/>
+            </a:endParaRPr>
+          </a:p>
+          <a:p>
+            <a:pPr marL="285750" indent="-285750">
+              <a:lnSpc>
+                <a:spcPct val="125000"/>
+              </a:lnSpc>
+              <a:buFont typeface="Arial" panose="020B0604020202020204" pitchFamily="34" charset="0"/>
+              <a:buChar char="•"/>
+            </a:pPr>
+            <a:endParaRPr lang="en-US" sz="2200" dirty="0">
+              <a:latin typeface="Times New Roman" panose="02020603050405020304" pitchFamily="18" charset="0"/>
+              <a:cs typeface="Times New Roman" panose="02020603050405020304" pitchFamily="18" charset="0"/>
+            </a:endParaRPr>
+          </a:p>
+        </p:txBody>
+      </p:sp>
+      <p:sp>
+        <p:nvSpPr>
+          <p:cNvPr id="7" name="TextBox 6">
+            <a:extLst>
+              <a:ext uri="{FF2B5EF4-FFF2-40B4-BE49-F238E27FC236}">
+                <a16:creationId xmlns:a16="http://schemas.microsoft.com/office/drawing/2014/main" id="{F1A3363C-C487-95C8-49A5-35BC64E08D03}"/>
+              </a:ext>
+            </a:extLst>
+          </p:cNvPr>
+          <p:cNvSpPr txBox="1"/>
+          <p:nvPr/>
+        </p:nvSpPr>
+        <p:spPr>
+          <a:xfrm>
+            <a:off x="5900784" y="3672376"/>
+            <a:ext cx="6362698" cy="2570704"/>
+          </a:xfrm>
+          <a:prstGeom prst="rect">
+            <a:avLst/>
+          </a:prstGeom>
+          <a:noFill/>
+        </p:spPr>
+        <p:txBody>
+          <a:bodyPr wrap="square">
+            <a:spAutoFit/>
+          </a:bodyPr>
+          <a:lstStyle/>
+          <a:p>
+            <a:pPr>
+              <a:lnSpc>
+                <a:spcPct val="150000"/>
+              </a:lnSpc>
+            </a:pPr>
+            <a:r>
+              <a:rPr lang="ru-RU" sz="2200" dirty="0">
+                <a:solidFill>
+                  <a:srgbClr val="FFFF00"/>
+                </a:solidFill>
+                <a:latin typeface="Tahoma" panose="020B0604030504040204" pitchFamily="34" charset="0"/>
+                <a:ea typeface="Tahoma" panose="020B0604030504040204" pitchFamily="34" charset="0"/>
+                <a:cs typeface="Tahoma" panose="020B0604030504040204" pitchFamily="34" charset="0"/>
+              </a:rPr>
+              <a:t>Проект содержит:</a:t>
+            </a:r>
+          </a:p>
+          <a:p>
+            <a:pPr marL="285750" indent="-285750">
+              <a:lnSpc>
+                <a:spcPct val="150000"/>
+              </a:lnSpc>
+              <a:buFont typeface="Arial" panose="020B0604020202020204" pitchFamily="34" charset="0"/>
+              <a:buChar char="•"/>
+            </a:pPr>
+            <a:r>
+              <a:rPr lang="ru-RU" sz="2200" dirty="0">
+                <a:latin typeface="Times New Roman" panose="02020603050405020304" pitchFamily="18" charset="0"/>
+                <a:cs typeface="Times New Roman" panose="02020603050405020304" pitchFamily="18" charset="0"/>
+              </a:rPr>
+              <a:t>Более 1</a:t>
+            </a:r>
+            <a:r>
+              <a:rPr lang="en-US" sz="2200" dirty="0">
+                <a:latin typeface="Times New Roman" panose="02020603050405020304" pitchFamily="18" charset="0"/>
+                <a:cs typeface="Times New Roman" panose="02020603050405020304" pitchFamily="18" charset="0"/>
+              </a:rPr>
+              <a:t>0000</a:t>
+            </a:r>
+            <a:r>
+              <a:rPr lang="ru-RU" sz="2200" dirty="0">
+                <a:latin typeface="Times New Roman" panose="02020603050405020304" pitchFamily="18" charset="0"/>
+                <a:cs typeface="Times New Roman" panose="02020603050405020304" pitchFamily="18" charset="0"/>
+              </a:rPr>
+              <a:t> строк кода в проекте.</a:t>
+            </a:r>
+            <a:endParaRPr lang="en-US" sz="2200" dirty="0">
+              <a:latin typeface="Times New Roman" panose="02020603050405020304" pitchFamily="18" charset="0"/>
+              <a:cs typeface="Times New Roman" panose="02020603050405020304" pitchFamily="18" charset="0"/>
+            </a:endParaRPr>
+          </a:p>
+          <a:p>
+            <a:pPr marL="285750" indent="-285750">
+              <a:lnSpc>
+                <a:spcPct val="150000"/>
+              </a:lnSpc>
+              <a:buFont typeface="Arial" panose="020B0604020202020204" pitchFamily="34" charset="0"/>
+              <a:buChar char="•"/>
+            </a:pPr>
+            <a:r>
+              <a:rPr lang="ru-RU" sz="2200" dirty="0">
+                <a:latin typeface="Times New Roman" panose="02020603050405020304" pitchFamily="18" charset="0"/>
+                <a:cs typeface="Times New Roman" panose="02020603050405020304" pitchFamily="18" charset="0"/>
+              </a:rPr>
+              <a:t>63 таблиц базы данных.</a:t>
+            </a:r>
+          </a:p>
+          <a:p>
+            <a:pPr marL="285750" indent="-285750">
+              <a:lnSpc>
+                <a:spcPct val="150000"/>
+              </a:lnSpc>
+              <a:buFont typeface="Arial" panose="020B0604020202020204" pitchFamily="34" charset="0"/>
+              <a:buChar char="•"/>
+            </a:pPr>
+            <a:r>
+              <a:rPr lang="ru-RU" sz="2200" dirty="0">
+                <a:latin typeface="Times New Roman" panose="02020603050405020304" pitchFamily="18" charset="0"/>
+                <a:cs typeface="Times New Roman" panose="02020603050405020304" pitchFamily="18" charset="0"/>
+              </a:rPr>
+              <a:t>Более 50 классов содержат около 300</a:t>
+            </a:r>
+            <a:r>
+              <a:rPr lang="en-US" sz="2200" dirty="0">
+                <a:latin typeface="Times New Roman" panose="02020603050405020304" pitchFamily="18" charset="0"/>
+                <a:cs typeface="Times New Roman" panose="02020603050405020304" pitchFamily="18" charset="0"/>
+              </a:rPr>
+              <a:t> </a:t>
+            </a:r>
+            <a:r>
+              <a:rPr lang="ru-RU" sz="2200" dirty="0">
+                <a:latin typeface="Times New Roman" panose="02020603050405020304" pitchFamily="18" charset="0"/>
+                <a:cs typeface="Times New Roman" panose="02020603050405020304" pitchFamily="18" charset="0"/>
+              </a:rPr>
+              <a:t>методов.</a:t>
+            </a:r>
+          </a:p>
+          <a:p>
+            <a:pPr marL="285750" indent="-285750">
+              <a:lnSpc>
+                <a:spcPct val="150000"/>
+              </a:lnSpc>
+              <a:buFont typeface="Arial" panose="020B0604020202020204" pitchFamily="34" charset="0"/>
+              <a:buChar char="•"/>
+            </a:pPr>
+            <a:r>
+              <a:rPr lang="ru-RU" sz="2200" dirty="0">
+                <a:latin typeface="Times New Roman" panose="02020603050405020304" pitchFamily="18" charset="0"/>
+                <a:cs typeface="Times New Roman" panose="02020603050405020304" pitchFamily="18" charset="0"/>
+              </a:rPr>
+              <a:t>Более 10 уникальных интерфейсов и форм.</a:t>
+            </a:r>
+          </a:p>
+        </p:txBody>
+      </p:sp>
+      <p:sp>
+        <p:nvSpPr>
+          <p:cNvPr id="8" name="Номер слайда 4">
+            <a:extLst>
+              <a:ext uri="{FF2B5EF4-FFF2-40B4-BE49-F238E27FC236}">
+                <a16:creationId xmlns:a16="http://schemas.microsoft.com/office/drawing/2014/main" id="{C5B64F97-D6A0-FC0D-8E50-8227B356EE18}"/>
+              </a:ext>
+            </a:extLst>
+          </p:cNvPr>
+          <p:cNvSpPr txBox="1">
+            <a:spLocks/>
+          </p:cNvSpPr>
+          <p:nvPr/>
+        </p:nvSpPr>
+        <p:spPr>
+          <a:xfrm>
+            <a:off x="11171852" y="0"/>
+            <a:ext cx="1020148" cy="658368"/>
+          </a:xfrm>
+          <a:prstGeom prst="rect">
+            <a:avLst/>
+          </a:prstGeom>
+        </p:spPr>
+        <p:txBody>
+          <a:bodyPr vert="horz" lIns="91440" tIns="45720" rIns="91440" bIns="45720" rtlCol="0" anchor="ctr"/>
+          <a:lstStyle>
+            <a:defPPr>
+              <a:defRPr lang="en-US"/>
+            </a:defPPr>
+            <a:lvl1pPr marL="0" algn="r" defTabSz="457200" rtl="0" eaLnBrk="1" latinLnBrk="0" hangingPunct="1">
+              <a:defRPr sz="1000" b="0" i="0" kern="1200">
+                <a:solidFill>
+                  <a:schemeClr val="tx1"/>
+                </a:solidFill>
+                <a:effectLst/>
+                <a:latin typeface="+mn-lt"/>
+                <a:ea typeface="+mn-ea"/>
+                <a:cs typeface="+mn-cs"/>
+              </a:defRPr>
+            </a:lvl1pPr>
+            <a:lvl2pPr marL="457200" algn="l" defTabSz="457200" rtl="0" eaLnBrk="1" latinLnBrk="0" hangingPunct="1">
+              <a:defRPr sz="1800" kern="1200">
+                <a:solidFill>
+                  <a:schemeClr val="tx1"/>
+                </a:solidFill>
+                <a:latin typeface="+mn-lt"/>
+                <a:ea typeface="+mn-ea"/>
+                <a:cs typeface="+mn-cs"/>
+              </a:defRPr>
+            </a:lvl2pPr>
+            <a:lvl3pPr marL="914400" algn="l" defTabSz="457200" rtl="0" eaLnBrk="1" latinLnBrk="0" hangingPunct="1">
+              <a:defRPr sz="1800" kern="1200">
+                <a:solidFill>
+                  <a:schemeClr val="tx1"/>
+                </a:solidFill>
+                <a:latin typeface="+mn-lt"/>
+                <a:ea typeface="+mn-ea"/>
+                <a:cs typeface="+mn-cs"/>
+              </a:defRPr>
+            </a:lvl3pPr>
+            <a:lvl4pPr marL="1371600" algn="l" defTabSz="457200" rtl="0" eaLnBrk="1" latinLnBrk="0" hangingPunct="1">
+              <a:defRPr sz="1800" kern="1200">
+                <a:solidFill>
+                  <a:schemeClr val="tx1"/>
+                </a:solidFill>
+                <a:latin typeface="+mn-lt"/>
+                <a:ea typeface="+mn-ea"/>
+                <a:cs typeface="+mn-cs"/>
+              </a:defRPr>
+            </a:lvl4pPr>
+            <a:lvl5pPr marL="1828800" algn="l" defTabSz="457200" rtl="0" eaLnBrk="1" latinLnBrk="0" hangingPunct="1">
+              <a:defRPr sz="1800" kern="1200">
+                <a:solidFill>
+                  <a:schemeClr val="tx1"/>
+                </a:solidFill>
+                <a:latin typeface="+mn-lt"/>
+                <a:ea typeface="+mn-ea"/>
+                <a:cs typeface="+mn-cs"/>
+              </a:defRPr>
+            </a:lvl5pPr>
+            <a:lvl6pPr marL="2286000" algn="l" defTabSz="457200" rtl="0" eaLnBrk="1" latinLnBrk="0" hangingPunct="1">
+              <a:defRPr sz="1800" kern="1200">
+                <a:solidFill>
+                  <a:schemeClr val="tx1"/>
+                </a:solidFill>
+                <a:latin typeface="+mn-lt"/>
+                <a:ea typeface="+mn-ea"/>
+                <a:cs typeface="+mn-cs"/>
+              </a:defRPr>
+            </a:lvl6pPr>
+            <a:lvl7pPr marL="2743200" algn="l" defTabSz="457200" rtl="0" eaLnBrk="1" latinLnBrk="0" hangingPunct="1">
+              <a:defRPr sz="1800" kern="1200">
+                <a:solidFill>
+                  <a:schemeClr val="tx1"/>
+                </a:solidFill>
+                <a:latin typeface="+mn-lt"/>
+                <a:ea typeface="+mn-ea"/>
+                <a:cs typeface="+mn-cs"/>
+              </a:defRPr>
+            </a:lvl7pPr>
+            <a:lvl8pPr marL="3200400" algn="l" defTabSz="457200" rtl="0" eaLnBrk="1" latinLnBrk="0" hangingPunct="1">
+              <a:defRPr sz="1800" kern="1200">
+                <a:solidFill>
+                  <a:schemeClr val="tx1"/>
+                </a:solidFill>
+                <a:latin typeface="+mn-lt"/>
+                <a:ea typeface="+mn-ea"/>
+                <a:cs typeface="+mn-cs"/>
+              </a:defRPr>
+            </a:lvl8pPr>
+            <a:lvl9pPr marL="3657600" algn="l" defTabSz="457200" rtl="0" eaLnBrk="1" latinLnBrk="0" hangingPunct="1">
+              <a:defRPr sz="1800" kern="1200">
+                <a:solidFill>
+                  <a:schemeClr val="tx1"/>
+                </a:solidFill>
+                <a:latin typeface="+mn-lt"/>
+                <a:ea typeface="+mn-ea"/>
+                <a:cs typeface="+mn-cs"/>
+              </a:defRPr>
+            </a:lvl9pPr>
+          </a:lstStyle>
+          <a:p>
+            <a:pPr algn="ctr"/>
+            <a:fld id="{E674C0A0-8DE9-4942-9F1B-2332F349D007}" type="slidenum">
+              <a:rPr lang="ru-RU" sz="2200" smtClean="0">
+                <a:latin typeface="Tahoma" panose="020B0604030504040204" pitchFamily="34" charset="0"/>
+                <a:ea typeface="Tahoma" panose="020B0604030504040204" pitchFamily="34" charset="0"/>
+                <a:cs typeface="Tahoma" panose="020B0604030504040204" pitchFamily="34" charset="0"/>
+              </a:rPr>
+              <a:pPr algn="ctr"/>
+              <a:t>17</a:t>
+            </a:fld>
+            <a:endParaRPr lang="ru-RU" sz="2200" dirty="0">
+              <a:latin typeface="Tahoma" panose="020B0604030504040204" pitchFamily="34" charset="0"/>
+              <a:ea typeface="Tahoma" panose="020B0604030504040204" pitchFamily="34" charset="0"/>
+              <a:cs typeface="Tahoma" panose="020B0604030504040204" pitchFamily="34" charset="0"/>
+            </a:endParaRPr>
+          </a:p>
+        </p:txBody>
+      </p:sp>
+      <p:pic>
+        <p:nvPicPr>
+          <p:cNvPr id="1026" name="Picture 2" descr="PHP Hypertext Preprocessor - язык программирования - CNews">
+            <a:extLst>
+              <a:ext uri="{FF2B5EF4-FFF2-40B4-BE49-F238E27FC236}">
+                <a16:creationId xmlns:a16="http://schemas.microsoft.com/office/drawing/2014/main" id="{E24E1A06-6E63-A42B-1BCD-F23EDAE5647D}"/>
+              </a:ext>
+            </a:extLst>
+          </p:cNvPr>
+          <p:cNvPicPr>
+            <a:picLocks noChangeAspect="1" noChangeArrowheads="1"/>
+          </p:cNvPicPr>
+          <p:nvPr/>
+        </p:nvPicPr>
+        <p:blipFill>
+          <a:blip r:embed="rId3">
+            <a:extLst>
+              <a:ext uri="{28A0092B-C50C-407E-A947-70E740481C1C}">
+                <a14:useLocalDpi xmlns:a14="http://schemas.microsoft.com/office/drawing/2010/main" val="0"/>
+              </a:ext>
+            </a:extLst>
+          </a:blip>
+          <a:srcRect/>
+          <a:stretch>
+            <a:fillRect/>
+          </a:stretch>
+        </p:blipFill>
+        <p:spPr bwMode="auto">
+          <a:xfrm>
+            <a:off x="4961952" y="1856901"/>
+            <a:ext cx="563879" cy="295302"/>
+          </a:xfrm>
+          <a:prstGeom prst="rect">
+            <a:avLst/>
+          </a:prstGeom>
+          <a:noFill/>
+          <a:extLst>
+            <a:ext uri="{909E8E84-426E-40DD-AFC4-6F175D3DCCD1}">
+              <a14:hiddenFill xmlns:a14="http://schemas.microsoft.com/office/drawing/2010/main">
+                <a:solidFill>
+                  <a:srgbClr val="FFFFFF"/>
+                </a:solidFill>
+              </a14:hiddenFill>
+            </a:ext>
+          </a:extLst>
+        </p:spPr>
+      </p:pic>
+      <p:pic>
+        <p:nvPicPr>
+          <p:cNvPr id="1028" name="Picture 4">
+            <a:extLst>
+              <a:ext uri="{FF2B5EF4-FFF2-40B4-BE49-F238E27FC236}">
+                <a16:creationId xmlns:a16="http://schemas.microsoft.com/office/drawing/2014/main" id="{B88F704B-DF6A-120E-5BC2-E992B1C9C338}"/>
+              </a:ext>
+            </a:extLst>
+          </p:cNvPr>
+          <p:cNvPicPr>
+            <a:picLocks noChangeAspect="1" noChangeArrowheads="1"/>
+          </p:cNvPicPr>
+          <p:nvPr/>
+        </p:nvPicPr>
+        <p:blipFill>
+          <a:blip r:embed="rId4">
+            <a:extLst>
+              <a:ext uri="{28A0092B-C50C-407E-A947-70E740481C1C}">
+                <a14:useLocalDpi xmlns:a14="http://schemas.microsoft.com/office/drawing/2010/main" val="0"/>
+              </a:ext>
+            </a:extLst>
+          </a:blip>
+          <a:srcRect/>
+          <a:stretch>
+            <a:fillRect/>
+          </a:stretch>
+        </p:blipFill>
+        <p:spPr bwMode="auto">
+          <a:xfrm>
+            <a:off x="2326484" y="2278095"/>
+            <a:ext cx="797067" cy="304214"/>
+          </a:xfrm>
+          <a:prstGeom prst="rect">
+            <a:avLst/>
+          </a:prstGeom>
+          <a:noFill/>
+          <a:extLst>
+            <a:ext uri="{909E8E84-426E-40DD-AFC4-6F175D3DCCD1}">
+              <a14:hiddenFill xmlns:a14="http://schemas.microsoft.com/office/drawing/2010/main">
+                <a:solidFill>
+                  <a:srgbClr val="FFFFFF"/>
+                </a:solidFill>
+              </a14:hiddenFill>
+            </a:ext>
+          </a:extLst>
+        </p:spPr>
+      </p:pic>
+      <p:pic>
+        <p:nvPicPr>
+          <p:cNvPr id="1030" name="Picture 6" descr="Логотип программы Yii">
+            <a:extLst>
+              <a:ext uri="{FF2B5EF4-FFF2-40B4-BE49-F238E27FC236}">
+                <a16:creationId xmlns:a16="http://schemas.microsoft.com/office/drawing/2014/main" id="{0960D179-52C4-B4E8-9E2E-8B8BDDB42EC4}"/>
+              </a:ext>
+            </a:extLst>
+          </p:cNvPr>
+          <p:cNvPicPr>
+            <a:picLocks noChangeAspect="1" noChangeArrowheads="1"/>
+          </p:cNvPicPr>
+          <p:nvPr/>
+        </p:nvPicPr>
+        <p:blipFill>
+          <a:blip r:embed="rId5">
+            <a:extLst>
+              <a:ext uri="{28A0092B-C50C-407E-A947-70E740481C1C}">
+                <a14:useLocalDpi xmlns:a14="http://schemas.microsoft.com/office/drawing/2010/main" val="0"/>
+              </a:ext>
+            </a:extLst>
+          </a:blip>
+          <a:srcRect/>
+          <a:stretch>
+            <a:fillRect/>
+          </a:stretch>
+        </p:blipFill>
+        <p:spPr bwMode="auto">
+          <a:xfrm>
+            <a:off x="4098131" y="2725294"/>
+            <a:ext cx="1273874" cy="275787"/>
+          </a:xfrm>
+          <a:prstGeom prst="rect">
+            <a:avLst/>
+          </a:prstGeom>
+          <a:noFill/>
+          <a:extLst>
+            <a:ext uri="{909E8E84-426E-40DD-AFC4-6F175D3DCCD1}">
+              <a14:hiddenFill xmlns:a14="http://schemas.microsoft.com/office/drawing/2010/main">
+                <a:solidFill>
+                  <a:srgbClr val="FFFFFF"/>
+                </a:solidFill>
+              </a14:hiddenFill>
+            </a:ext>
+          </a:extLst>
+        </p:spPr>
+      </p:pic>
+      <p:pic>
+        <p:nvPicPr>
+          <p:cNvPr id="1032" name="Picture 8" descr="MariaDB · GitHub">
+            <a:extLst>
+              <a:ext uri="{FF2B5EF4-FFF2-40B4-BE49-F238E27FC236}">
+                <a16:creationId xmlns:a16="http://schemas.microsoft.com/office/drawing/2014/main" id="{2EDD169B-9E03-CE13-9CFD-9870D58C9634}"/>
+              </a:ext>
+            </a:extLst>
+          </p:cNvPr>
+          <p:cNvPicPr>
+            <a:picLocks noChangeAspect="1" noChangeArrowheads="1"/>
+          </p:cNvPicPr>
+          <p:nvPr/>
+        </p:nvPicPr>
+        <p:blipFill>
+          <a:blip r:embed="rId6">
+            <a:extLst>
+              <a:ext uri="{28A0092B-C50C-407E-A947-70E740481C1C}">
+                <a14:useLocalDpi xmlns:a14="http://schemas.microsoft.com/office/drawing/2010/main" val="0"/>
+              </a:ext>
+            </a:extLst>
+          </a:blip>
+          <a:srcRect/>
+          <a:stretch>
+            <a:fillRect/>
+          </a:stretch>
+        </p:blipFill>
+        <p:spPr bwMode="auto">
+          <a:xfrm>
+            <a:off x="4250422" y="3032993"/>
+            <a:ext cx="451309" cy="451309"/>
+          </a:xfrm>
+          <a:prstGeom prst="rect">
+            <a:avLst/>
+          </a:prstGeom>
+          <a:noFill/>
+          <a:extLst>
+            <a:ext uri="{909E8E84-426E-40DD-AFC4-6F175D3DCCD1}">
+              <a14:hiddenFill xmlns:a14="http://schemas.microsoft.com/office/drawing/2010/main">
+                <a:solidFill>
+                  <a:srgbClr val="FFFFFF"/>
+                </a:solidFill>
+              </a14:hiddenFill>
+            </a:ext>
+          </a:extLst>
+        </p:spPr>
+      </p:pic>
+      <p:pic>
+        <p:nvPicPr>
+          <p:cNvPr id="1034" name="Picture 10">
+            <a:extLst>
+              <a:ext uri="{FF2B5EF4-FFF2-40B4-BE49-F238E27FC236}">
+                <a16:creationId xmlns:a16="http://schemas.microsoft.com/office/drawing/2014/main" id="{0666067C-31E3-02F4-E9CA-D04EED38370F}"/>
+              </a:ext>
+            </a:extLst>
+          </p:cNvPr>
+          <p:cNvPicPr>
+            <a:picLocks noChangeAspect="1" noChangeArrowheads="1"/>
+          </p:cNvPicPr>
+          <p:nvPr/>
+        </p:nvPicPr>
+        <p:blipFill>
+          <a:blip r:embed="rId7">
+            <a:extLst>
+              <a:ext uri="{28A0092B-C50C-407E-A947-70E740481C1C}">
+                <a14:useLocalDpi xmlns:a14="http://schemas.microsoft.com/office/drawing/2010/main" val="0"/>
+              </a:ext>
+            </a:extLst>
+          </a:blip>
+          <a:srcRect/>
+          <a:stretch>
+            <a:fillRect/>
+          </a:stretch>
+        </p:blipFill>
+        <p:spPr bwMode="auto">
+          <a:xfrm>
+            <a:off x="2119104" y="3549237"/>
+            <a:ext cx="769621" cy="246279"/>
+          </a:xfrm>
+          <a:prstGeom prst="rect">
+            <a:avLst/>
+          </a:prstGeom>
+          <a:noFill/>
+          <a:extLst>
+            <a:ext uri="{909E8E84-426E-40DD-AFC4-6F175D3DCCD1}">
+              <a14:hiddenFill xmlns:a14="http://schemas.microsoft.com/office/drawing/2010/main">
+                <a:solidFill>
+                  <a:srgbClr val="FFFFFF"/>
+                </a:solidFill>
+              </a14:hiddenFill>
+            </a:ext>
+          </a:extLst>
+        </p:spPr>
+      </p:pic>
+      <p:pic>
+        <p:nvPicPr>
+          <p:cNvPr id="3" name="Picture 2" descr="Файл:RabbitMQ logo.svg — Википедия">
+            <a:extLst>
+              <a:ext uri="{FF2B5EF4-FFF2-40B4-BE49-F238E27FC236}">
+                <a16:creationId xmlns:a16="http://schemas.microsoft.com/office/drawing/2014/main" id="{DA9F81A4-F7D5-4314-984D-F41BA5AB50F6}"/>
+              </a:ext>
+            </a:extLst>
+          </p:cNvPr>
+          <p:cNvPicPr>
+            <a:picLocks noChangeAspect="1" noChangeArrowheads="1"/>
+          </p:cNvPicPr>
+          <p:nvPr/>
+        </p:nvPicPr>
+        <p:blipFill>
+          <a:blip r:embed="rId8">
+            <a:extLst>
+              <a:ext uri="{28A0092B-C50C-407E-A947-70E740481C1C}">
+                <a14:useLocalDpi xmlns:a14="http://schemas.microsoft.com/office/drawing/2010/main" val="0"/>
+              </a:ext>
+            </a:extLst>
+          </a:blip>
+          <a:srcRect/>
+          <a:stretch>
+            <a:fillRect/>
+          </a:stretch>
+        </p:blipFill>
+        <p:spPr bwMode="auto">
+          <a:xfrm>
+            <a:off x="2888725" y="3971801"/>
+            <a:ext cx="1614685" cy="253556"/>
+          </a:xfrm>
+          <a:prstGeom prst="rect">
+            <a:avLst/>
+          </a:prstGeom>
+          <a:noFill/>
+          <a:extLst>
+            <a:ext uri="{909E8E84-426E-40DD-AFC4-6F175D3DCCD1}">
+              <a14:hiddenFill xmlns:a14="http://schemas.microsoft.com/office/drawing/2010/main">
+                <a:solidFill>
+                  <a:srgbClr val="FFFFFF"/>
+                </a:solidFill>
+              </a14:hiddenFill>
+            </a:ext>
+          </a:extLst>
+        </p:spPr>
+      </p:pic>
+      <p:pic>
+        <p:nvPicPr>
+          <p:cNvPr id="4" name="Picture 2" descr="jQuery · GitHub">
+            <a:extLst>
+              <a:ext uri="{FF2B5EF4-FFF2-40B4-BE49-F238E27FC236}">
+                <a16:creationId xmlns:a16="http://schemas.microsoft.com/office/drawing/2014/main" id="{6F43245B-D665-82AA-E6DC-3F2425B428D6}"/>
+              </a:ext>
+            </a:extLst>
+          </p:cNvPr>
+          <p:cNvPicPr>
+            <a:picLocks noChangeAspect="1" noChangeArrowheads="1"/>
+          </p:cNvPicPr>
+          <p:nvPr/>
+        </p:nvPicPr>
+        <p:blipFill>
+          <a:blip r:embed="rId9">
+            <a:extLst>
+              <a:ext uri="{28A0092B-C50C-407E-A947-70E740481C1C}">
+                <a14:useLocalDpi xmlns:a14="http://schemas.microsoft.com/office/drawing/2010/main" val="0"/>
+              </a:ext>
+            </a:extLst>
+          </a:blip>
+          <a:srcRect/>
+          <a:stretch>
+            <a:fillRect/>
+          </a:stretch>
+        </p:blipFill>
+        <p:spPr bwMode="auto">
+          <a:xfrm>
+            <a:off x="1906580" y="5614849"/>
+            <a:ext cx="425048" cy="425048"/>
+          </a:xfrm>
+          <a:prstGeom prst="rect">
+            <a:avLst/>
+          </a:prstGeom>
+          <a:noFill/>
+          <a:extLst>
+            <a:ext uri="{909E8E84-426E-40DD-AFC4-6F175D3DCCD1}">
+              <a14:hiddenFill xmlns:a14="http://schemas.microsoft.com/office/drawing/2010/main">
+                <a:solidFill>
+                  <a:srgbClr val="FFFFFF"/>
+                </a:solidFill>
+              </a14:hiddenFill>
+            </a:ext>
+          </a:extLst>
+        </p:spPr>
+      </p:pic>
+      <p:sp>
+        <p:nvSpPr>
+          <p:cNvPr id="6" name="AutoShape 4" descr="Html Js Css PNG - Html Js Css Веб разработка Программирование прозрачная  иллюстрация">
+            <a:extLst>
+              <a:ext uri="{FF2B5EF4-FFF2-40B4-BE49-F238E27FC236}">
+                <a16:creationId xmlns:a16="http://schemas.microsoft.com/office/drawing/2014/main" id="{2B707A11-A244-8FB2-3D36-6A6D6D327432}"/>
+              </a:ext>
+            </a:extLst>
+          </p:cNvPr>
+          <p:cNvSpPr>
+            <a:spLocks noChangeAspect="1" noChangeArrowheads="1"/>
+          </p:cNvSpPr>
+          <p:nvPr/>
+        </p:nvSpPr>
+        <p:spPr bwMode="auto">
+          <a:xfrm>
+            <a:off x="5943600" y="3276600"/>
+            <a:ext cx="304800" cy="304800"/>
+          </a:xfrm>
+          <a:prstGeom prst="rect">
+            <a:avLst/>
+          </a:prstGeom>
+          <a:noFill/>
+          <a:extLst>
+            <a:ext uri="{909E8E84-426E-40DD-AFC4-6F175D3DCCD1}">
+              <a14:hiddenFill xmlns:a14="http://schemas.microsoft.com/office/drawing/2010/main">
+                <a:solidFill>
+                  <a:srgbClr val="FFFFFF"/>
+                </a:solidFill>
+              </a14:hiddenFill>
+            </a:ext>
+          </a:extLst>
+        </p:spPr>
+        <p:txBody>
+          <a:bodyPr vert="horz" wrap="square" lIns="91440" tIns="45720" rIns="91440" bIns="45720" numCol="1" anchor="t" anchorCtr="0" compatLnSpc="1">
+            <a:prstTxWarp prst="textNoShape">
+              <a:avLst/>
+            </a:prstTxWarp>
+          </a:bodyPr>
+          <a:lstStyle/>
+          <a:p>
+            <a:endParaRPr lang="ru-RU"/>
+          </a:p>
+        </p:txBody>
+      </p:sp>
+      <p:pic>
+        <p:nvPicPr>
+          <p:cNvPr id="1038" name="Picture 14" descr="Javascript Html5 And Css - Html Css Js Badge PNG Transparent With Clear  Background ID 191472 | TopPNG">
+            <a:extLst>
+              <a:ext uri="{FF2B5EF4-FFF2-40B4-BE49-F238E27FC236}">
+                <a16:creationId xmlns:a16="http://schemas.microsoft.com/office/drawing/2014/main" id="{85015783-37F7-BDD4-D06A-F5358E662D37}"/>
+              </a:ext>
+            </a:extLst>
+          </p:cNvPr>
+          <p:cNvPicPr>
+            <a:picLocks noChangeAspect="1" noChangeArrowheads="1"/>
+          </p:cNvPicPr>
+          <p:nvPr/>
+        </p:nvPicPr>
+        <p:blipFill>
+          <a:blip r:embed="rId10">
+            <a:extLst>
+              <a:ext uri="{28A0092B-C50C-407E-A947-70E740481C1C}">
+                <a14:useLocalDpi xmlns:a14="http://schemas.microsoft.com/office/drawing/2010/main" val="0"/>
+              </a:ext>
+            </a:extLst>
+          </a:blip>
+          <a:srcRect/>
+          <a:stretch>
+            <a:fillRect/>
+          </a:stretch>
+        </p:blipFill>
+        <p:spPr bwMode="auto">
+          <a:xfrm>
+            <a:off x="4250422" y="5017105"/>
+            <a:ext cx="1020149" cy="597744"/>
+          </a:xfrm>
+          <a:prstGeom prst="rect">
+            <a:avLst/>
+          </a:prstGeom>
+          <a:noFill/>
+          <a:extLst>
+            <a:ext uri="{909E8E84-426E-40DD-AFC4-6F175D3DCCD1}">
+              <a14:hiddenFill xmlns:a14="http://schemas.microsoft.com/office/drawing/2010/main">
+                <a:solidFill>
+                  <a:srgbClr val="FFFFFF"/>
+                </a:solidFill>
+              </a14:hiddenFill>
+            </a:ext>
+          </a:extLst>
+        </p:spPr>
+      </p:pic>
+      <p:sp>
+        <p:nvSpPr>
+          <p:cNvPr id="9" name="TextBox 8">
+            <a:extLst>
+              <a:ext uri="{FF2B5EF4-FFF2-40B4-BE49-F238E27FC236}">
+                <a16:creationId xmlns:a16="http://schemas.microsoft.com/office/drawing/2014/main" id="{AD148D29-04A0-F407-B784-474CF76E8979}"/>
+              </a:ext>
+            </a:extLst>
+          </p:cNvPr>
+          <p:cNvSpPr txBox="1"/>
+          <p:nvPr/>
+        </p:nvSpPr>
+        <p:spPr>
+          <a:xfrm>
+            <a:off x="5878371" y="800629"/>
+            <a:ext cx="6362698" cy="2570704"/>
+          </a:xfrm>
+          <a:prstGeom prst="rect">
+            <a:avLst/>
+          </a:prstGeom>
+          <a:noFill/>
+        </p:spPr>
+        <p:txBody>
+          <a:bodyPr wrap="square">
+            <a:spAutoFit/>
+          </a:bodyPr>
+          <a:lstStyle/>
+          <a:p>
+            <a:pPr>
+              <a:lnSpc>
+                <a:spcPct val="150000"/>
+              </a:lnSpc>
+            </a:pPr>
+            <a:r>
+              <a:rPr lang="ru-RU" sz="2200" dirty="0">
+                <a:solidFill>
+                  <a:srgbClr val="FFFF00"/>
+                </a:solidFill>
+                <a:latin typeface="Tahoma" panose="020B0604030504040204" pitchFamily="34" charset="0"/>
+                <a:ea typeface="Tahoma" panose="020B0604030504040204" pitchFamily="34" charset="0"/>
+                <a:cs typeface="Tahoma" panose="020B0604030504040204" pitchFamily="34" charset="0"/>
+              </a:rPr>
+              <a:t>Средства разработки документации:</a:t>
+            </a:r>
+          </a:p>
+          <a:p>
+            <a:pPr marL="285750" indent="-285750">
+              <a:lnSpc>
+                <a:spcPct val="150000"/>
+              </a:lnSpc>
+              <a:buFont typeface="Arial" panose="020B0604020202020204" pitchFamily="34" charset="0"/>
+              <a:buChar char="•"/>
+            </a:pPr>
+            <a:r>
+              <a:rPr lang="en-US" sz="2200" dirty="0">
+                <a:latin typeface="Times New Roman" panose="02020603050405020304" pitchFamily="18" charset="0"/>
+                <a:cs typeface="Times New Roman" panose="02020603050405020304" pitchFamily="18" charset="0"/>
+              </a:rPr>
+              <a:t>Microsoft Word, PowerPoint;</a:t>
+            </a:r>
+          </a:p>
+          <a:p>
+            <a:pPr marL="285750" indent="-285750">
+              <a:lnSpc>
+                <a:spcPct val="150000"/>
+              </a:lnSpc>
+              <a:buFont typeface="Arial" panose="020B0604020202020204" pitchFamily="34" charset="0"/>
+              <a:buChar char="•"/>
+            </a:pPr>
+            <a:r>
+              <a:rPr lang="en-US" sz="2200" dirty="0" err="1">
+                <a:latin typeface="Times New Roman" panose="02020603050405020304" pitchFamily="18" charset="0"/>
+                <a:cs typeface="Times New Roman" panose="02020603050405020304" pitchFamily="18" charset="0"/>
+              </a:rPr>
+              <a:t>OnlineParadigm</a:t>
+            </a:r>
+            <a:r>
+              <a:rPr lang="en-US" sz="2200" dirty="0">
+                <a:latin typeface="Times New Roman" panose="02020603050405020304" pitchFamily="18" charset="0"/>
+                <a:cs typeface="Times New Roman" panose="02020603050405020304" pitchFamily="18" charset="0"/>
+              </a:rPr>
+              <a:t>;</a:t>
+            </a:r>
+          </a:p>
+          <a:p>
+            <a:pPr marL="285750" indent="-285750">
+              <a:lnSpc>
+                <a:spcPct val="150000"/>
+              </a:lnSpc>
+              <a:buFont typeface="Arial" panose="020B0604020202020204" pitchFamily="34" charset="0"/>
+              <a:buChar char="•"/>
+            </a:pPr>
+            <a:r>
+              <a:rPr lang="en-US" sz="2200" dirty="0">
+                <a:latin typeface="Times New Roman" panose="02020603050405020304" pitchFamily="18" charset="0"/>
+                <a:cs typeface="Times New Roman" panose="02020603050405020304" pitchFamily="18" charset="0"/>
+              </a:rPr>
+              <a:t>BPMN.io.</a:t>
+            </a:r>
+          </a:p>
+          <a:p>
+            <a:pPr marL="285750" indent="-285750">
+              <a:lnSpc>
+                <a:spcPct val="150000"/>
+              </a:lnSpc>
+              <a:buFont typeface="Arial" panose="020B0604020202020204" pitchFamily="34" charset="0"/>
+              <a:buChar char="•"/>
+            </a:pPr>
+            <a:endParaRPr lang="ru-RU" sz="2200" dirty="0">
+              <a:latin typeface="Times New Roman" panose="02020603050405020304" pitchFamily="18" charset="0"/>
+              <a:cs typeface="Times New Roman" panose="02020603050405020304" pitchFamily="18" charset="0"/>
+            </a:endParaRPr>
+          </a:p>
+        </p:txBody>
+      </p:sp>
+      <p:pic>
+        <p:nvPicPr>
+          <p:cNvPr id="10" name="Picture 2" descr="Visual Paradigm Онлайн Диаграммы Пресс-кит">
+            <a:extLst>
+              <a:ext uri="{FF2B5EF4-FFF2-40B4-BE49-F238E27FC236}">
+                <a16:creationId xmlns:a16="http://schemas.microsoft.com/office/drawing/2014/main" id="{BDE48AF4-E2D9-E4AF-F66E-7EE29BF907C1}"/>
+              </a:ext>
+            </a:extLst>
+          </p:cNvPr>
+          <p:cNvPicPr>
+            <a:picLocks noChangeAspect="1" noChangeArrowheads="1"/>
+          </p:cNvPicPr>
+          <p:nvPr/>
+        </p:nvPicPr>
+        <p:blipFill>
+          <a:blip r:embed="rId11">
+            <a:extLst>
+              <a:ext uri="{28A0092B-C50C-407E-A947-70E740481C1C}">
+                <a14:useLocalDpi xmlns:a14="http://schemas.microsoft.com/office/drawing/2010/main" val="0"/>
+              </a:ext>
+            </a:extLst>
+          </a:blip>
+          <a:srcRect/>
+          <a:stretch>
+            <a:fillRect/>
+          </a:stretch>
+        </p:blipFill>
+        <p:spPr bwMode="auto">
+          <a:xfrm>
+            <a:off x="8226757" y="1939745"/>
+            <a:ext cx="424915" cy="424915"/>
+          </a:xfrm>
+          <a:prstGeom prst="rect">
+            <a:avLst/>
+          </a:prstGeom>
+          <a:noFill/>
+          <a:extLst>
+            <a:ext uri="{909E8E84-426E-40DD-AFC4-6F175D3DCCD1}">
+              <a14:hiddenFill xmlns:a14="http://schemas.microsoft.com/office/drawing/2010/main">
+                <a:solidFill>
+                  <a:srgbClr val="FFFFFF"/>
+                </a:solidFill>
+              </a14:hiddenFill>
+            </a:ext>
+          </a:extLst>
+        </p:spPr>
+      </p:pic>
+      <p:pic>
+        <p:nvPicPr>
+          <p:cNvPr id="11" name="Picture 4" descr="Microsoft Word — Википедия">
+            <a:extLst>
+              <a:ext uri="{FF2B5EF4-FFF2-40B4-BE49-F238E27FC236}">
+                <a16:creationId xmlns:a16="http://schemas.microsoft.com/office/drawing/2014/main" id="{DE8D445E-4C5F-40E0-EA9B-64A0514A7472}"/>
+              </a:ext>
+            </a:extLst>
+          </p:cNvPr>
+          <p:cNvPicPr>
+            <a:picLocks noChangeAspect="1" noChangeArrowheads="1"/>
+          </p:cNvPicPr>
+          <p:nvPr/>
+        </p:nvPicPr>
+        <p:blipFill>
+          <a:blip r:embed="rId12">
+            <a:extLst>
+              <a:ext uri="{28A0092B-C50C-407E-A947-70E740481C1C}">
+                <a14:useLocalDpi xmlns:a14="http://schemas.microsoft.com/office/drawing/2010/main" val="0"/>
+              </a:ext>
+            </a:extLst>
+          </a:blip>
+          <a:srcRect/>
+          <a:stretch>
+            <a:fillRect/>
+          </a:stretch>
+        </p:blipFill>
+        <p:spPr bwMode="auto">
+          <a:xfrm>
+            <a:off x="9651197" y="1426497"/>
+            <a:ext cx="443429" cy="412937"/>
+          </a:xfrm>
+          <a:prstGeom prst="rect">
+            <a:avLst/>
+          </a:prstGeom>
+          <a:noFill/>
+          <a:extLst>
+            <a:ext uri="{909E8E84-426E-40DD-AFC4-6F175D3DCCD1}">
+              <a14:hiddenFill xmlns:a14="http://schemas.microsoft.com/office/drawing/2010/main">
+                <a:solidFill>
+                  <a:srgbClr val="FFFFFF"/>
+                </a:solidFill>
+              </a14:hiddenFill>
+            </a:ext>
+          </a:extLst>
+        </p:spPr>
+      </p:pic>
+      <p:pic>
+        <p:nvPicPr>
+          <p:cNvPr id="12" name="Picture 6" descr="Microsoft PowerPoint — Википедия">
+            <a:extLst>
+              <a:ext uri="{FF2B5EF4-FFF2-40B4-BE49-F238E27FC236}">
+                <a16:creationId xmlns:a16="http://schemas.microsoft.com/office/drawing/2014/main" id="{09D27354-978F-8D54-D112-3BDC7E757DC5}"/>
+              </a:ext>
+            </a:extLst>
+          </p:cNvPr>
+          <p:cNvPicPr>
+            <a:picLocks noChangeAspect="1" noChangeArrowheads="1"/>
+          </p:cNvPicPr>
+          <p:nvPr/>
+        </p:nvPicPr>
+        <p:blipFill>
+          <a:blip r:embed="rId13">
+            <a:extLst>
+              <a:ext uri="{28A0092B-C50C-407E-A947-70E740481C1C}">
+                <a14:useLocalDpi xmlns:a14="http://schemas.microsoft.com/office/drawing/2010/main" val="0"/>
+              </a:ext>
+            </a:extLst>
+          </a:blip>
+          <a:srcRect/>
+          <a:stretch>
+            <a:fillRect/>
+          </a:stretch>
+        </p:blipFill>
+        <p:spPr bwMode="auto">
+          <a:xfrm>
+            <a:off x="10255949" y="1454897"/>
+            <a:ext cx="382433" cy="356135"/>
+          </a:xfrm>
+          <a:prstGeom prst="rect">
+            <a:avLst/>
+          </a:prstGeom>
+          <a:noFill/>
+          <a:extLst>
+            <a:ext uri="{909E8E84-426E-40DD-AFC4-6F175D3DCCD1}">
+              <a14:hiddenFill xmlns:a14="http://schemas.microsoft.com/office/drawing/2010/main">
+                <a:solidFill>
+                  <a:srgbClr val="FFFFFF"/>
+                </a:solidFill>
+              </a14:hiddenFill>
+            </a:ext>
+          </a:extLst>
+        </p:spPr>
+      </p:pic>
+      <p:pic>
+        <p:nvPicPr>
+          <p:cNvPr id="14" name="Picture 10" descr="bpmn.io · GitHub">
+            <a:extLst>
+              <a:ext uri="{FF2B5EF4-FFF2-40B4-BE49-F238E27FC236}">
+                <a16:creationId xmlns:a16="http://schemas.microsoft.com/office/drawing/2014/main" id="{44C413AC-1320-A969-5241-402AD46BE015}"/>
+              </a:ext>
+            </a:extLst>
+          </p:cNvPr>
+          <p:cNvPicPr>
+            <a:picLocks noChangeAspect="1" noChangeArrowheads="1"/>
+          </p:cNvPicPr>
+          <p:nvPr/>
+        </p:nvPicPr>
+        <p:blipFill>
+          <a:blip r:embed="rId14">
+            <a:extLst>
+              <a:ext uri="{28A0092B-C50C-407E-A947-70E740481C1C}">
+                <a14:useLocalDpi xmlns:a14="http://schemas.microsoft.com/office/drawing/2010/main" val="0"/>
+              </a:ext>
+            </a:extLst>
+          </a:blip>
+          <a:srcRect/>
+          <a:stretch>
+            <a:fillRect/>
+          </a:stretch>
+        </p:blipFill>
+        <p:spPr bwMode="auto">
+          <a:xfrm>
+            <a:off x="7451129" y="2400006"/>
+            <a:ext cx="424915" cy="424915"/>
+          </a:xfrm>
+          <a:prstGeom prst="rect">
+            <a:avLst/>
+          </a:prstGeom>
+          <a:noFill/>
+          <a:extLst>
+            <a:ext uri="{909E8E84-426E-40DD-AFC4-6F175D3DCCD1}">
+              <a14:hiddenFill xmlns:a14="http://schemas.microsoft.com/office/drawing/2010/main">
+                <a:solidFill>
+                  <a:srgbClr val="FFFFFF"/>
+                </a:solidFill>
+              </a14:hiddenFill>
+            </a:ext>
+          </a:extLst>
+        </p:spPr>
+      </p:pic>
+    </p:spTree>
+    <p:extLst>
+      <p:ext uri="{BB962C8B-B14F-4D97-AF65-F5344CB8AC3E}">
+        <p14:creationId xmlns:p14="http://schemas.microsoft.com/office/powerpoint/2010/main" val="3648442274"/>
+      </p:ext>
+    </p:extLst>
+  </p:cSld>
+  <p:clrMapOvr>
+    <a:masterClrMapping/>
+  </p:clrMapOvr>
+  <mc:AlternateContent xmlns:mc="http://schemas.openxmlformats.org/markup-compatibility/2006" xmlns:p14="http://schemas.microsoft.com/office/powerpoint/2010/main">
+    <mc:Choice Requires="p14">
+      <p:transition spd="med" p14:dur="700">
+        <p:fade/>
+      </p:transition>
+    </mc:Choice>
+    <mc:Fallback xmlns="">
+      <p:transition spd="med">
+        <p:fade/>
+      </p:transition>
+    </mc:Fallback>
+  </mc:AlternateContent>
+</p:sld>
+</file>
+
 <file path=ppt/slides/slide18.xml><?xml version="1.0" encoding="utf-8"?>
 <p:sld xmlns:a="http://schemas.openxmlformats.org/drawingml/2006/main" xmlns:r="http://schemas.openxmlformats.org/officeDocument/2006/relationships" xmlns:p="http://schemas.openxmlformats.org/presentationml/2006/main">
   <p:cSld>
@@ -24603,19 +24603,22 @@
                 <a:latin typeface="Times New Roman" panose="02020603050405020304" pitchFamily="18" charset="0"/>
                 <a:cs typeface="Times New Roman" panose="02020603050405020304" pitchFamily="18" charset="0"/>
               </a:rPr>
-              <a:t>Браузер на основе </a:t>
+              <a:t>Веб-браузер клиента: Firefox версии 41.0 и выше, Google </a:t>
             </a:r>
             <a:r>
-              <a:rPr lang="en-US" sz="2200" dirty="0">
+              <a:rPr lang="ru-RU" sz="2200" dirty="0" err="1">
                 <a:latin typeface="Times New Roman" panose="02020603050405020304" pitchFamily="18" charset="0"/>
                 <a:cs typeface="Times New Roman" panose="02020603050405020304" pitchFamily="18" charset="0"/>
               </a:rPr>
-              <a:t>chromium.</a:t>
+              <a:t>Chrome</a:t>
             </a:r>
-            <a:endParaRPr lang="ru-RU" sz="2200" dirty="0">
-              <a:latin typeface="Times New Roman" panose="02020603050405020304" pitchFamily="18" charset="0"/>
-              <a:cs typeface="Times New Roman" panose="02020603050405020304" pitchFamily="18" charset="0"/>
-            </a:endParaRPr>
+            <a:r>
+              <a:rPr lang="ru-RU" sz="2200" dirty="0">
+                <a:latin typeface="Times New Roman" panose="02020603050405020304" pitchFamily="18" charset="0"/>
+                <a:cs typeface="Times New Roman" panose="02020603050405020304" pitchFamily="18" charset="0"/>
+              </a:rPr>
+              <a:t> версии 45.0 и выше.</a:t>
+            </a:r>
           </a:p>
           <a:p>
             <a:pPr marL="800100" lvl="1" indent="-342900">
@@ -24630,19 +24633,8 @@
                 <a:latin typeface="Times New Roman" panose="02020603050405020304" pitchFamily="18" charset="0"/>
                 <a:cs typeface="Times New Roman" panose="02020603050405020304" pitchFamily="18" charset="0"/>
               </a:rPr>
-              <a:t>Соответствие минимальным характеристикам браузера</a:t>
+              <a:t>Минимальная скорость входящего и исходящего подключения: 1 Мбит/с.</a:t>
             </a:r>
-            <a:r>
-              <a:rPr lang="en-US" sz="2200" dirty="0">
-                <a:latin typeface="Times New Roman" panose="02020603050405020304" pitchFamily="18" charset="0"/>
-                <a:cs typeface="Times New Roman" panose="02020603050405020304" pitchFamily="18" charset="0"/>
-              </a:rPr>
-              <a:t>.</a:t>
-            </a:r>
-            <a:endParaRPr lang="ru-RU" sz="2200" dirty="0">
-              <a:latin typeface="Times New Roman" panose="02020603050405020304" pitchFamily="18" charset="0"/>
-              <a:cs typeface="Times New Roman" panose="02020603050405020304" pitchFamily="18" charset="0"/>
-            </a:endParaRPr>
           </a:p>
           <a:p>
             <a:pPr>
@@ -26489,19 +26481,6 @@
           <a:lstStyle/>
           <a:p>
             <a:pPr algn="ctr"/>
-            <a:r>
-              <a:rPr lang="ru-RU" cap="all" dirty="0">
-                <a:latin typeface="Times New Roman" panose="02020603050405020304" pitchFamily="18" charset="0"/>
-                <a:cs typeface="Times New Roman" panose="02020603050405020304" pitchFamily="18" charset="0"/>
-              </a:rPr>
-              <a:t>СПАСИБО ЗА ВНИМАНИЕ.</a:t>
-            </a:r>
-            <a:br>
-              <a:rPr lang="ru-RU" cap="all" dirty="0">
-                <a:latin typeface="Times New Roman" panose="02020603050405020304" pitchFamily="18" charset="0"/>
-                <a:cs typeface="Times New Roman" panose="02020603050405020304" pitchFamily="18" charset="0"/>
-              </a:rPr>
-            </a:br>
             <a:r>
               <a:rPr lang="ru-RU" cap="all" dirty="0">
                 <a:latin typeface="Times New Roman" panose="02020603050405020304" pitchFamily="18" charset="0"/>

--- a/Дипломная работа/Диплом/Презентация.pptx
+++ b/Дипломная работа/Диплом/Презентация.pptx
@@ -217,7 +217,7 @@
           <a:p>
             <a:fld id="{0752C715-6935-41AD-9984-2334D42D2383}" type="datetimeFigureOut">
               <a:rPr lang="ru-RU" smtClean="0"/>
-              <a:t>24.06.2025</a:t>
+              <a:t>26.06.2025</a:t>
             </a:fld>
             <a:endParaRPr lang="ru-RU"/>
           </a:p>
@@ -3280,7 +3280,7 @@
           <a:p>
             <a:fld id="{A592AB9E-B3E0-40A8-9D13-59617F3F8A64}" type="datetime1">
               <a:rPr lang="ru-RU" smtClean="0"/>
-              <a:t>24.06.2025</a:t>
+              <a:t>26.06.2025</a:t>
             </a:fld>
             <a:endParaRPr lang="ru-RU"/>
           </a:p>
@@ -3626,7 +3626,7 @@
           <a:p>
             <a:fld id="{5417B1CA-4C4F-4F8D-803D-8A6A8A906241}" type="datetime1">
               <a:rPr lang="ru-RU" smtClean="0"/>
-              <a:t>24.06.2025</a:t>
+              <a:t>26.06.2025</a:t>
             </a:fld>
             <a:endParaRPr lang="ru-RU"/>
           </a:p>
@@ -3904,7 +3904,7 @@
           <a:p>
             <a:fld id="{82CFFC90-8D51-4E14-AFBA-129AE5402BF2}" type="datetime1">
               <a:rPr lang="ru-RU" smtClean="0"/>
-              <a:t>24.06.2025</a:t>
+              <a:t>26.06.2025</a:t>
             </a:fld>
             <a:endParaRPr lang="ru-RU"/>
           </a:p>
@@ -4472,7 +4472,7 @@
           <a:p>
             <a:fld id="{EA467253-3793-4A20-98DF-36EA880F85F5}" type="datetime1">
               <a:rPr lang="ru-RU" smtClean="0"/>
-              <a:t>24.06.2025</a:t>
+              <a:t>26.06.2025</a:t>
             </a:fld>
             <a:endParaRPr lang="ru-RU"/>
           </a:p>
@@ -4750,7 +4750,7 @@
           <a:p>
             <a:fld id="{D83AF644-49BB-4732-B227-064E7E8E9B75}" type="datetime1">
               <a:rPr lang="ru-RU" smtClean="0"/>
-              <a:t>24.06.2025</a:t>
+              <a:t>26.06.2025</a:t>
             </a:fld>
             <a:endParaRPr lang="ru-RU"/>
           </a:p>
@@ -5312,7 +5312,7 @@
           <a:p>
             <a:fld id="{93741DF7-081A-43E1-AEC0-7A6A5EFC3E04}" type="datetime1">
               <a:rPr lang="ru-RU" smtClean="0"/>
-              <a:t>24.06.2025</a:t>
+              <a:t>26.06.2025</a:t>
             </a:fld>
             <a:endParaRPr lang="ru-RU"/>
           </a:p>
@@ -5639,7 +5639,7 @@
           <a:p>
             <a:fld id="{60804587-5AD3-4566-AED6-7C5642B16C64}" type="datetime1">
               <a:rPr lang="ru-RU" smtClean="0"/>
-              <a:t>24.06.2025</a:t>
+              <a:t>26.06.2025</a:t>
             </a:fld>
             <a:endParaRPr lang="ru-RU"/>
           </a:p>
@@ -5816,7 +5816,7 @@
           <a:p>
             <a:fld id="{AF148D8C-8A56-4364-A29B-FC848D70BD3E}" type="datetime1">
               <a:rPr lang="ru-RU" smtClean="0"/>
-              <a:t>24.06.2025</a:t>
+              <a:t>26.06.2025</a:t>
             </a:fld>
             <a:endParaRPr lang="ru-RU"/>
           </a:p>
@@ -6066,7 +6066,7 @@
           <a:p>
             <a:fld id="{1F560C62-4747-4C40-80B5-9506A6478873}" type="datetime1">
               <a:rPr lang="ru-RU" smtClean="0"/>
-              <a:t>24.06.2025</a:t>
+              <a:t>26.06.2025</a:t>
             </a:fld>
             <a:endParaRPr lang="ru-RU"/>
           </a:p>
@@ -6278,7 +6278,7 @@
           <a:p>
             <a:fld id="{655C5391-6D11-49BE-9D35-F1852430608C}" type="datetime1">
               <a:rPr lang="ru-RU" smtClean="0"/>
-              <a:t>24.06.2025</a:t>
+              <a:t>26.06.2025</a:t>
             </a:fld>
             <a:endParaRPr lang="ru-RU"/>
           </a:p>
@@ -6566,7 +6566,7 @@
           <a:p>
             <a:fld id="{D1B7E046-787A-42F0-988E-D94C46E094ED}" type="datetime1">
               <a:rPr lang="ru-RU" smtClean="0"/>
-              <a:t>24.06.2025</a:t>
+              <a:t>26.06.2025</a:t>
             </a:fld>
             <a:endParaRPr lang="ru-RU"/>
           </a:p>
@@ -6844,7 +6844,7 @@
           <a:p>
             <a:fld id="{1DEF2D25-E9E1-4E54-81F0-1D2FE8854B0E}" type="datetime1">
               <a:rPr lang="ru-RU" smtClean="0"/>
-              <a:t>24.06.2025</a:t>
+              <a:t>26.06.2025</a:t>
             </a:fld>
             <a:endParaRPr lang="ru-RU"/>
           </a:p>
@@ -7230,7 +7230,7 @@
           <a:p>
             <a:fld id="{2D559C09-903E-4473-BBE2-D44EED2E9BB9}" type="datetime1">
               <a:rPr lang="ru-RU" smtClean="0"/>
-              <a:t>24.06.2025</a:t>
+              <a:t>26.06.2025</a:t>
             </a:fld>
             <a:endParaRPr lang="ru-RU"/>
           </a:p>
@@ -7390,7 +7390,7 @@
           <a:p>
             <a:fld id="{5DEFB42A-193B-4E6D-9002-E4C3450AA4B1}" type="datetime1">
               <a:rPr lang="ru-RU" smtClean="0"/>
-              <a:t>24.06.2025</a:t>
+              <a:t>26.06.2025</a:t>
             </a:fld>
             <a:endParaRPr lang="ru-RU"/>
           </a:p>
@@ -7527,7 +7527,7 @@
           <a:p>
             <a:fld id="{B780A1C7-BCFA-4491-ABEA-F198E9E80238}" type="datetime1">
               <a:rPr lang="ru-RU" smtClean="0"/>
-              <a:t>24.06.2025</a:t>
+              <a:t>26.06.2025</a:t>
             </a:fld>
             <a:endParaRPr lang="ru-RU"/>
           </a:p>
@@ -7824,7 +7824,7 @@
           <a:p>
             <a:fld id="{6B7D87D1-A00E-4856-B035-ABE302A2367C}" type="datetime1">
               <a:rPr lang="ru-RU" smtClean="0"/>
-              <a:t>24.06.2025</a:t>
+              <a:t>26.06.2025</a:t>
             </a:fld>
             <a:endParaRPr lang="ru-RU"/>
           </a:p>
@@ -8160,7 +8160,7 @@
           <a:p>
             <a:fld id="{95982220-A412-481B-B026-9F63F21200E0}" type="datetime1">
               <a:rPr lang="ru-RU" smtClean="0"/>
-              <a:t>24.06.2025</a:t>
+              <a:t>26.06.2025</a:t>
             </a:fld>
             <a:endParaRPr lang="ru-RU"/>
           </a:p>
@@ -8386,7 +8386,7 @@
           <a:p>
             <a:fld id="{CBF3DBF7-CC75-4132-A774-E3960ACCECD6}" type="datetime1">
               <a:rPr lang="ru-RU" smtClean="0"/>
-              <a:t>24.06.2025</a:t>
+              <a:t>26.06.2025</a:t>
             </a:fld>
             <a:endParaRPr lang="ru-RU"/>
           </a:p>
@@ -23089,22 +23089,240 @@
           </a:bodyPr>
           <a:lstStyle/>
           <a:p>
-            <a:pPr algn="ctr">
+            <a:pPr>
               <a:lnSpc>
-                <a:spcPct val="125000"/>
+                <a:spcPct val="150000"/>
               </a:lnSpc>
+              <a:buClr>
+                <a:schemeClr val="tx1"/>
+              </a:buClr>
             </a:pPr>
             <a:r>
               <a:rPr lang="ru-RU" sz="2200" dirty="0">
                 <a:solidFill>
                   <a:srgbClr val="FFFF00"/>
                 </a:solidFill>
-                <a:latin typeface="Tahoma" panose="020B0604030504040204" pitchFamily="34" charset="0"/>
+                <a:latin typeface="Times New Roman" panose="02020603050405020304" pitchFamily="18" charset="0"/>
+                <a:cs typeface="Times New Roman" panose="02020603050405020304" pitchFamily="18" charset="0"/>
+              </a:rPr>
+              <a:t>Меры обеспечения безопасности</a:t>
+            </a:r>
+            <a:r>
+              <a:rPr lang="ru-RU" sz="2200" dirty="0">
+                <a:latin typeface="Times New Roman" panose="02020603050405020304" pitchFamily="18" charset="0"/>
+                <a:cs typeface="Times New Roman" panose="02020603050405020304" pitchFamily="18" charset="0"/>
+              </a:rPr>
+              <a:t>:</a:t>
+            </a:r>
+          </a:p>
+          <a:p>
+            <a:pPr marL="342900" indent="-342900">
+              <a:lnSpc>
+                <a:spcPct val="150000"/>
+              </a:lnSpc>
+              <a:buClr>
+                <a:schemeClr val="tx1"/>
+              </a:buClr>
+              <a:buFontTx/>
+              <a:buChar char="•"/>
+            </a:pPr>
+            <a:r>
+              <a:rPr lang="ru-RU" sz="2200" dirty="0">
+                <a:latin typeface="Times New Roman" panose="02020603050405020304" pitchFamily="18" charset="0"/>
+                <a:cs typeface="Times New Roman" panose="02020603050405020304" pitchFamily="18" charset="0"/>
+              </a:rPr>
+              <a:t>Использование </a:t>
+            </a:r>
+            <a:r>
+              <a:rPr lang="en-US" sz="2200" dirty="0">
+                <a:solidFill>
+                  <a:srgbClr val="FFFF00"/>
+                </a:solidFill>
+                <a:latin typeface="Times New Roman" panose="02020603050405020304" pitchFamily="18" charset="0"/>
                 <a:ea typeface="Tahoma" panose="020B0604030504040204" pitchFamily="34" charset="0"/>
-                <a:cs typeface="Tahoma" panose="020B0604030504040204" pitchFamily="34" charset="0"/>
+                <a:cs typeface="Times New Roman" panose="02020603050405020304" pitchFamily="18" charset="0"/>
               </a:rPr>
-              <a:t>ПРО БЕЗОПАСНОСТЬ</a:t>
+              <a:t>SHA-256</a:t>
             </a:r>
+            <a:r>
+              <a:rPr lang="en-US" sz="2200" dirty="0">
+                <a:latin typeface="Times New Roman" panose="02020603050405020304" pitchFamily="18" charset="0"/>
+                <a:cs typeface="Times New Roman" panose="02020603050405020304" pitchFamily="18" charset="0"/>
+              </a:rPr>
+              <a:t> </a:t>
+            </a:r>
+            <a:r>
+              <a:rPr lang="ru-RU" sz="2200" dirty="0">
+                <a:latin typeface="Times New Roman" panose="02020603050405020304" pitchFamily="18" charset="0"/>
+                <a:cs typeface="Times New Roman" panose="02020603050405020304" pitchFamily="18" charset="0"/>
+              </a:rPr>
+              <a:t>для хранения и обработки паролей в БД</a:t>
+            </a:r>
+            <a:r>
+              <a:rPr lang="en-US" sz="2200" dirty="0">
+                <a:latin typeface="Times New Roman" panose="02020603050405020304" pitchFamily="18" charset="0"/>
+                <a:cs typeface="Times New Roman" panose="02020603050405020304" pitchFamily="18" charset="0"/>
+              </a:rPr>
+              <a:t>;</a:t>
+            </a:r>
+            <a:endParaRPr lang="ru-RU" sz="2200" dirty="0">
+              <a:latin typeface="Times New Roman" panose="02020603050405020304" pitchFamily="18" charset="0"/>
+              <a:cs typeface="Times New Roman" panose="02020603050405020304" pitchFamily="18" charset="0"/>
+            </a:endParaRPr>
+          </a:p>
+          <a:p>
+            <a:pPr marL="342900" indent="-342900">
+              <a:lnSpc>
+                <a:spcPct val="150000"/>
+              </a:lnSpc>
+              <a:buClr>
+                <a:schemeClr val="tx1"/>
+              </a:buClr>
+              <a:buFontTx/>
+              <a:buChar char="•"/>
+            </a:pPr>
+            <a:r>
+              <a:rPr lang="ru-RU" sz="2200" dirty="0">
+                <a:solidFill>
+                  <a:srgbClr val="FFFF00"/>
+                </a:solidFill>
+                <a:latin typeface="Times New Roman" panose="02020603050405020304" pitchFamily="18" charset="0"/>
+                <a:ea typeface="Tahoma" panose="020B0604030504040204" pitchFamily="34" charset="0"/>
+                <a:cs typeface="Times New Roman" panose="02020603050405020304" pitchFamily="18" charset="0"/>
+              </a:rPr>
+              <a:t>Токены</a:t>
+            </a:r>
+            <a:r>
+              <a:rPr lang="ru-RU" sz="2200" dirty="0">
+                <a:latin typeface="Times New Roman" panose="02020603050405020304" pitchFamily="18" charset="0"/>
+                <a:cs typeface="Times New Roman" panose="02020603050405020304" pitchFamily="18" charset="0"/>
+              </a:rPr>
+              <a:t> для обмена информации с </a:t>
+            </a:r>
+            <a:r>
+              <a:rPr lang="ru-RU" sz="2200" dirty="0" err="1">
+                <a:latin typeface="Times New Roman" panose="02020603050405020304" pitchFamily="18" charset="0"/>
+                <a:cs typeface="Times New Roman" panose="02020603050405020304" pitchFamily="18" charset="0"/>
+              </a:rPr>
+              <a:t>Яндекс.Диском</a:t>
+            </a:r>
+            <a:r>
+              <a:rPr lang="en-US" sz="2200" dirty="0">
+                <a:latin typeface="Times New Roman" panose="02020603050405020304" pitchFamily="18" charset="0"/>
+                <a:cs typeface="Times New Roman" panose="02020603050405020304" pitchFamily="18" charset="0"/>
+              </a:rPr>
+              <a:t>;</a:t>
+            </a:r>
+          </a:p>
+          <a:p>
+            <a:pPr marL="342900" indent="-342900">
+              <a:lnSpc>
+                <a:spcPct val="150000"/>
+              </a:lnSpc>
+              <a:buClr>
+                <a:schemeClr val="tx1"/>
+              </a:buClr>
+              <a:buFontTx/>
+              <a:buChar char="•"/>
+            </a:pPr>
+            <a:r>
+              <a:rPr lang="en-US" sz="2200" dirty="0">
+                <a:solidFill>
+                  <a:srgbClr val="FFFF00"/>
+                </a:solidFill>
+                <a:latin typeface="Times New Roman" panose="02020603050405020304" pitchFamily="18" charset="0"/>
+                <a:ea typeface="Tahoma" panose="020B0604030504040204" pitchFamily="34" charset="0"/>
+                <a:cs typeface="Times New Roman" panose="02020603050405020304" pitchFamily="18" charset="0"/>
+              </a:rPr>
+              <a:t>JWT</a:t>
+            </a:r>
+            <a:r>
+              <a:rPr lang="ru-RU" sz="2200" dirty="0">
+                <a:solidFill>
+                  <a:srgbClr val="FFFF00"/>
+                </a:solidFill>
+                <a:latin typeface="Times New Roman" panose="02020603050405020304" pitchFamily="18" charset="0"/>
+                <a:ea typeface="Tahoma" panose="020B0604030504040204" pitchFamily="34" charset="0"/>
+                <a:cs typeface="Times New Roman" panose="02020603050405020304" pitchFamily="18" charset="0"/>
+              </a:rPr>
+              <a:t>-авторизация </a:t>
+            </a:r>
+            <a:r>
+              <a:rPr lang="ru-RU" sz="2200" dirty="0">
+                <a:latin typeface="Times New Roman" panose="02020603050405020304" pitchFamily="18" charset="0"/>
+                <a:cs typeface="Times New Roman" panose="02020603050405020304" pitchFamily="18" charset="0"/>
+              </a:rPr>
+              <a:t>пользователей в системе;</a:t>
+            </a:r>
+            <a:endParaRPr lang="en-US" sz="2200" dirty="0">
+              <a:latin typeface="Times New Roman" panose="02020603050405020304" pitchFamily="18" charset="0"/>
+              <a:cs typeface="Times New Roman" panose="02020603050405020304" pitchFamily="18" charset="0"/>
+            </a:endParaRPr>
+          </a:p>
+          <a:p>
+            <a:pPr marL="342900" indent="-342900">
+              <a:lnSpc>
+                <a:spcPct val="150000"/>
+              </a:lnSpc>
+              <a:buClr>
+                <a:schemeClr val="tx1"/>
+              </a:buClr>
+              <a:buFontTx/>
+              <a:buChar char="•"/>
+            </a:pPr>
+            <a:r>
+              <a:rPr lang="en-US" sz="2200" dirty="0">
+                <a:solidFill>
+                  <a:srgbClr val="FFFF00"/>
+                </a:solidFill>
+                <a:latin typeface="Times New Roman" panose="02020603050405020304" pitchFamily="18" charset="0"/>
+                <a:ea typeface="Tahoma" panose="020B0604030504040204" pitchFamily="34" charset="0"/>
+                <a:cs typeface="Times New Roman" panose="02020603050405020304" pitchFamily="18" charset="0"/>
+              </a:rPr>
+              <a:t>SSL-</a:t>
+            </a:r>
+            <a:r>
+              <a:rPr lang="ru-RU" sz="2200" dirty="0">
+                <a:solidFill>
+                  <a:srgbClr val="FFFF00"/>
+                </a:solidFill>
+                <a:latin typeface="Times New Roman" panose="02020603050405020304" pitchFamily="18" charset="0"/>
+                <a:ea typeface="Tahoma" panose="020B0604030504040204" pitchFamily="34" charset="0"/>
+                <a:cs typeface="Times New Roman" panose="02020603050405020304" pitchFamily="18" charset="0"/>
+              </a:rPr>
+              <a:t>сертификаты </a:t>
+            </a:r>
+            <a:r>
+              <a:rPr lang="ru-RU" sz="2200" dirty="0">
+                <a:latin typeface="Times New Roman" panose="02020603050405020304" pitchFamily="18" charset="0"/>
+                <a:cs typeface="Times New Roman" panose="02020603050405020304" pitchFamily="18" charset="0"/>
+              </a:rPr>
+              <a:t>для обеспечения безопасного интернет-соединения</a:t>
+            </a:r>
+            <a:r>
+              <a:rPr lang="en-US" sz="2200" dirty="0">
+                <a:latin typeface="Times New Roman" panose="02020603050405020304" pitchFamily="18" charset="0"/>
+                <a:cs typeface="Times New Roman" panose="02020603050405020304" pitchFamily="18" charset="0"/>
+              </a:rPr>
+              <a:t>;</a:t>
+            </a:r>
+            <a:endParaRPr lang="ru-RU" sz="2200" dirty="0">
+              <a:latin typeface="Times New Roman" panose="02020603050405020304" pitchFamily="18" charset="0"/>
+              <a:cs typeface="Times New Roman" panose="02020603050405020304" pitchFamily="18" charset="0"/>
+            </a:endParaRPr>
+          </a:p>
+          <a:p>
+            <a:pPr marL="342900" indent="-342900">
+              <a:lnSpc>
+                <a:spcPct val="150000"/>
+              </a:lnSpc>
+              <a:buFont typeface="Arial" panose="020B0604020202020204" pitchFamily="34" charset="0"/>
+              <a:buChar char="•"/>
+            </a:pPr>
+            <a:endParaRPr lang="ru-RU" sz="2200" dirty="0">
+              <a:latin typeface="Times New Roman" panose="02020603050405020304" pitchFamily="18" charset="0"/>
+              <a:cs typeface="Times New Roman" panose="02020603050405020304" pitchFamily="18" charset="0"/>
+            </a:endParaRPr>
           </a:p>
           <a:p>
             <a:pPr>
@@ -23117,8 +23335,207 @@
               <a:cs typeface="Times New Roman" panose="02020603050405020304" pitchFamily="18" charset="0"/>
             </a:endParaRPr>
           </a:p>
+          <a:p>
+            <a:pPr>
+              <a:lnSpc>
+                <a:spcPct val="125000"/>
+              </a:lnSpc>
+            </a:pPr>
+            <a:endParaRPr lang="en-US" sz="2200" dirty="0">
+              <a:latin typeface="Times New Roman" panose="02020603050405020304" pitchFamily="18" charset="0"/>
+              <a:cs typeface="Times New Roman" panose="02020603050405020304" pitchFamily="18" charset="0"/>
+            </a:endParaRPr>
+          </a:p>
         </p:txBody>
       </p:sp>
+      <p:pic>
+        <p:nvPicPr>
+          <p:cNvPr id="1026" name="Picture 2" descr="ША 256 – Бесплатные иконки: компьютер">
+            <a:extLst>
+              <a:ext uri="{FF2B5EF4-FFF2-40B4-BE49-F238E27FC236}">
+                <a16:creationId xmlns:a16="http://schemas.microsoft.com/office/drawing/2014/main" id="{C968D534-6B35-F609-6F6B-02DA17CC36CF}"/>
+              </a:ext>
+            </a:extLst>
+          </p:cNvPr>
+          <p:cNvPicPr>
+            <a:picLocks noChangeAspect="1" noChangeArrowheads="1"/>
+          </p:cNvPicPr>
+          <p:nvPr/>
+        </p:nvPicPr>
+        <p:blipFill>
+          <a:blip r:embed="rId3">
+            <a:extLst>
+              <a:ext uri="{28A0092B-C50C-407E-A947-70E740481C1C}">
+                <a14:useLocalDpi xmlns:a14="http://schemas.microsoft.com/office/drawing/2010/main" val="0"/>
+              </a:ext>
+            </a:extLst>
+          </a:blip>
+          <a:srcRect/>
+          <a:stretch>
+            <a:fillRect/>
+          </a:stretch>
+        </p:blipFill>
+        <p:spPr bwMode="auto">
+          <a:xfrm>
+            <a:off x="8947485" y="1587367"/>
+            <a:ext cx="366562" cy="366562"/>
+          </a:xfrm>
+          <a:prstGeom prst="rect">
+            <a:avLst/>
+          </a:prstGeom>
+          <a:noFill/>
+          <a:extLst>
+            <a:ext uri="{909E8E84-426E-40DD-AFC4-6F175D3DCCD1}">
+              <a14:hiddenFill xmlns:a14="http://schemas.microsoft.com/office/drawing/2010/main">
+                <a:solidFill>
+                  <a:srgbClr val="FFFFFF"/>
+                </a:solidFill>
+              </a14:hiddenFill>
+            </a:ext>
+          </a:extLst>
+        </p:spPr>
+      </p:pic>
+      <p:pic>
+        <p:nvPicPr>
+          <p:cNvPr id="1030" name="Picture 6">
+            <a:extLst>
+              <a:ext uri="{FF2B5EF4-FFF2-40B4-BE49-F238E27FC236}">
+                <a16:creationId xmlns:a16="http://schemas.microsoft.com/office/drawing/2014/main" id="{3B35991B-F286-B254-0E2E-00BE087FAB2B}"/>
+              </a:ext>
+            </a:extLst>
+          </p:cNvPr>
+          <p:cNvPicPr>
+            <a:picLocks noChangeAspect="1" noChangeArrowheads="1"/>
+          </p:cNvPicPr>
+          <p:nvPr/>
+        </p:nvPicPr>
+        <p:blipFill>
+          <a:blip r:embed="rId4">
+            <a:extLst>
+              <a:ext uri="{28A0092B-C50C-407E-A947-70E740481C1C}">
+                <a14:useLocalDpi xmlns:a14="http://schemas.microsoft.com/office/drawing/2010/main" val="0"/>
+              </a:ext>
+            </a:extLst>
+          </a:blip>
+          <a:srcRect/>
+          <a:stretch>
+            <a:fillRect/>
+          </a:stretch>
+        </p:blipFill>
+        <p:spPr bwMode="auto">
+          <a:xfrm>
+            <a:off x="7080183" y="2039753"/>
+            <a:ext cx="453190" cy="453190"/>
+          </a:xfrm>
+          <a:prstGeom prst="rect">
+            <a:avLst/>
+          </a:prstGeom>
+          <a:noFill/>
+          <a:extLst>
+            <a:ext uri="{909E8E84-426E-40DD-AFC4-6F175D3DCCD1}">
+              <a14:hiddenFill xmlns:a14="http://schemas.microsoft.com/office/drawing/2010/main">
+                <a:solidFill>
+                  <a:srgbClr val="FFFFFF"/>
+                </a:solidFill>
+              </a14:hiddenFill>
+            </a:ext>
+          </a:extLst>
+        </p:spPr>
+      </p:pic>
+      <p:pic>
+        <p:nvPicPr>
+          <p:cNvPr id="1032" name="Picture 8" descr="JSON Web Token color icon in PNG, SVG">
+            <a:extLst>
+              <a:ext uri="{FF2B5EF4-FFF2-40B4-BE49-F238E27FC236}">
+                <a16:creationId xmlns:a16="http://schemas.microsoft.com/office/drawing/2014/main" id="{A7C3A1BD-60C7-03D8-0CEA-321A35FE8B0E}"/>
+              </a:ext>
+            </a:extLst>
+          </p:cNvPr>
+          <p:cNvPicPr>
+            <a:picLocks noChangeAspect="1" noChangeArrowheads="1"/>
+          </p:cNvPicPr>
+          <p:nvPr/>
+        </p:nvPicPr>
+        <p:blipFill>
+          <a:blip r:embed="rId5">
+            <a:extLst>
+              <a:ext uri="{28A0092B-C50C-407E-A947-70E740481C1C}">
+                <a14:useLocalDpi xmlns:a14="http://schemas.microsoft.com/office/drawing/2010/main" val="0"/>
+              </a:ext>
+            </a:extLst>
+          </a:blip>
+          <a:srcRect/>
+          <a:stretch>
+            <a:fillRect/>
+          </a:stretch>
+        </p:blipFill>
+        <p:spPr bwMode="auto">
+          <a:xfrm>
+            <a:off x="6147951" y="2492943"/>
+            <a:ext cx="567891" cy="567891"/>
+          </a:xfrm>
+          <a:prstGeom prst="rect">
+            <a:avLst/>
+          </a:prstGeom>
+          <a:noFill/>
+          <a:extLst>
+            <a:ext uri="{909E8E84-426E-40DD-AFC4-6F175D3DCCD1}">
+              <a14:hiddenFill xmlns:a14="http://schemas.microsoft.com/office/drawing/2010/main">
+                <a:solidFill>
+                  <a:srgbClr val="FFFFFF"/>
+                </a:solidFill>
+              </a14:hiddenFill>
+            </a:ext>
+          </a:extLst>
+        </p:spPr>
+      </p:pic>
+      <p:pic>
+        <p:nvPicPr>
+          <p:cNvPr id="1034" name="Picture 10" descr="Ssl – Бесплатные иконки: безопасность">
+            <a:extLst>
+              <a:ext uri="{FF2B5EF4-FFF2-40B4-BE49-F238E27FC236}">
+                <a16:creationId xmlns:a16="http://schemas.microsoft.com/office/drawing/2014/main" id="{0BE3AD73-5A6D-9C37-FD2B-C55E2253DA51}"/>
+              </a:ext>
+            </a:extLst>
+          </p:cNvPr>
+          <p:cNvPicPr>
+            <a:picLocks noChangeAspect="1" noChangeArrowheads="1"/>
+          </p:cNvPicPr>
+          <p:nvPr/>
+        </p:nvPicPr>
+        <p:blipFill>
+          <a:blip r:embed="rId6">
+            <a:extLst>
+              <a:ext uri="{28A0092B-C50C-407E-A947-70E740481C1C}">
+                <a14:useLocalDpi xmlns:a14="http://schemas.microsoft.com/office/drawing/2010/main" val="0"/>
+              </a:ext>
+            </a:extLst>
+          </a:blip>
+          <a:srcRect/>
+          <a:stretch>
+            <a:fillRect/>
+          </a:stretch>
+        </p:blipFill>
+        <p:spPr bwMode="auto">
+          <a:xfrm>
+            <a:off x="9442383" y="3007093"/>
+            <a:ext cx="472440" cy="472440"/>
+          </a:xfrm>
+          <a:prstGeom prst="rect">
+            <a:avLst/>
+          </a:prstGeom>
+          <a:noFill/>
+          <a:extLst>
+            <a:ext uri="{909E8E84-426E-40DD-AFC4-6F175D3DCCD1}">
+              <a14:hiddenFill xmlns:a14="http://schemas.microsoft.com/office/drawing/2010/main">
+                <a:solidFill>
+                  <a:srgbClr val="FFFFFF"/>
+                </a:solidFill>
+              </a14:hiddenFill>
+            </a:ext>
+          </a:extLst>
+        </p:spPr>
+      </p:pic>
     </p:spTree>
     <p:extLst>
       <p:ext uri="{BB962C8B-B14F-4D97-AF65-F5344CB8AC3E}">
@@ -26129,7 +26546,7 @@
                 <a:latin typeface="Times New Roman" panose="02020603050405020304" pitchFamily="18" charset="0"/>
                 <a:cs typeface="Times New Roman" panose="02020603050405020304" pitchFamily="18" charset="0"/>
               </a:rPr>
-              <a:t>Научные труды</a:t>
+              <a:t>АКТ ВНЕДРЕНИЯ</a:t>
             </a:r>
             <a:endParaRPr lang="ru-RU" dirty="0"/>
           </a:p>
